--- a/Presentation/lesson-03.pptx
+++ b/Presentation/lesson-03.pptx
@@ -6,14 +6,15 @@
   </p:sldMasterIdLst>
   <p:sldIdLst>
     <p:sldId id="266" r:id="rId2"/>
-    <p:sldId id="258" r:id="rId3"/>
-    <p:sldId id="259" r:id="rId4"/>
-    <p:sldId id="260" r:id="rId5"/>
-    <p:sldId id="261" r:id="rId6"/>
-    <p:sldId id="262" r:id="rId7"/>
-    <p:sldId id="263" r:id="rId8"/>
-    <p:sldId id="264" r:id="rId9"/>
-    <p:sldId id="265" r:id="rId10"/>
+    <p:sldId id="267" r:id="rId3"/>
+    <p:sldId id="258" r:id="rId4"/>
+    <p:sldId id="259" r:id="rId5"/>
+    <p:sldId id="260" r:id="rId6"/>
+    <p:sldId id="261" r:id="rId7"/>
+    <p:sldId id="262" r:id="rId8"/>
+    <p:sldId id="263" r:id="rId9"/>
+    <p:sldId id="264" r:id="rId10"/>
+    <p:sldId id="265" r:id="rId11"/>
   </p:sldIdLst>
   <p:sldSz cx="9144000" cy="6858000" type="screen4x3"/>
   <p:notesSz cx="6858000" cy="9144000"/>
@@ -296,7 +297,7 @@
           <a:p>
             <a:fld id="{6D622FCB-595C-4A19-9DA3-A5F2C1EA723F}" type="datetimeFigureOut">
               <a:rPr lang="en-US" smtClean="0"/>
-              <a:t>8/15/2012</a:t>
+              <a:t>8/16/2012</a:t>
             </a:fld>
             <a:endParaRPr lang="en-US"/>
           </a:p>
@@ -466,7 +467,7 @@
           <a:p>
             <a:fld id="{6D622FCB-595C-4A19-9DA3-A5F2C1EA723F}" type="datetimeFigureOut">
               <a:rPr lang="en-US" smtClean="0"/>
-              <a:t>8/15/2012</a:t>
+              <a:t>8/16/2012</a:t>
             </a:fld>
             <a:endParaRPr lang="en-US"/>
           </a:p>
@@ -646,7 +647,7 @@
           <a:p>
             <a:fld id="{6D622FCB-595C-4A19-9DA3-A5F2C1EA723F}" type="datetimeFigureOut">
               <a:rPr lang="en-US" smtClean="0"/>
-              <a:t>8/15/2012</a:t>
+              <a:t>8/16/2012</a:t>
             </a:fld>
             <a:endParaRPr lang="en-US"/>
           </a:p>
@@ -816,7 +817,7 @@
           <a:p>
             <a:fld id="{6D622FCB-595C-4A19-9DA3-A5F2C1EA723F}" type="datetimeFigureOut">
               <a:rPr lang="en-US" smtClean="0"/>
-              <a:t>8/15/2012</a:t>
+              <a:t>8/16/2012</a:t>
             </a:fld>
             <a:endParaRPr lang="en-US"/>
           </a:p>
@@ -1062,7 +1063,7 @@
           <a:p>
             <a:fld id="{6D622FCB-595C-4A19-9DA3-A5F2C1EA723F}" type="datetimeFigureOut">
               <a:rPr lang="en-US" smtClean="0"/>
-              <a:t>8/15/2012</a:t>
+              <a:t>8/16/2012</a:t>
             </a:fld>
             <a:endParaRPr lang="en-US"/>
           </a:p>
@@ -1350,7 +1351,7 @@
           <a:p>
             <a:fld id="{6D622FCB-595C-4A19-9DA3-A5F2C1EA723F}" type="datetimeFigureOut">
               <a:rPr lang="en-US" smtClean="0"/>
-              <a:t>8/15/2012</a:t>
+              <a:t>8/16/2012</a:t>
             </a:fld>
             <a:endParaRPr lang="en-US"/>
           </a:p>
@@ -1772,7 +1773,7 @@
           <a:p>
             <a:fld id="{6D622FCB-595C-4A19-9DA3-A5F2C1EA723F}" type="datetimeFigureOut">
               <a:rPr lang="en-US" smtClean="0"/>
-              <a:t>8/15/2012</a:t>
+              <a:t>8/16/2012</a:t>
             </a:fld>
             <a:endParaRPr lang="en-US"/>
           </a:p>
@@ -1890,7 +1891,7 @@
           <a:p>
             <a:fld id="{6D622FCB-595C-4A19-9DA3-A5F2C1EA723F}" type="datetimeFigureOut">
               <a:rPr lang="en-US" smtClean="0"/>
-              <a:t>8/15/2012</a:t>
+              <a:t>8/16/2012</a:t>
             </a:fld>
             <a:endParaRPr lang="en-US"/>
           </a:p>
@@ -1985,7 +1986,7 @@
           <a:p>
             <a:fld id="{6D622FCB-595C-4A19-9DA3-A5F2C1EA723F}" type="datetimeFigureOut">
               <a:rPr lang="en-US" smtClean="0"/>
-              <a:t>8/15/2012</a:t>
+              <a:t>8/16/2012</a:t>
             </a:fld>
             <a:endParaRPr lang="en-US"/>
           </a:p>
@@ -2262,7 +2263,7 @@
           <a:p>
             <a:fld id="{6D622FCB-595C-4A19-9DA3-A5F2C1EA723F}" type="datetimeFigureOut">
               <a:rPr lang="en-US" smtClean="0"/>
-              <a:t>8/15/2012</a:t>
+              <a:t>8/16/2012</a:t>
             </a:fld>
             <a:endParaRPr lang="en-US"/>
           </a:p>
@@ -2515,7 +2516,7 @@
           <a:p>
             <a:fld id="{6D622FCB-595C-4A19-9DA3-A5F2C1EA723F}" type="datetimeFigureOut">
               <a:rPr lang="en-US" smtClean="0"/>
-              <a:t>8/15/2012</a:t>
+              <a:t>8/16/2012</a:t>
             </a:fld>
             <a:endParaRPr lang="en-US"/>
           </a:p>
@@ -2728,7 +2729,7 @@
           <a:p>
             <a:fld id="{6D622FCB-595C-4A19-9DA3-A5F2C1EA723F}" type="datetimeFigureOut">
               <a:rPr lang="en-US" smtClean="0"/>
-              <a:t>8/15/2012</a:t>
+              <a:t>8/16/2012</a:t>
             </a:fld>
             <a:endParaRPr lang="en-US"/>
           </a:p>
@@ -3318,7 +3319,1117 @@
 </p:sld>
 </file>
 
+<file path=ppt/slides/slide10.xml><?xml version="1.0" encoding="utf-8"?>
+<p:sld xmlns:a="http://schemas.openxmlformats.org/drawingml/2006/main" xmlns:r="http://schemas.openxmlformats.org/officeDocument/2006/relationships" xmlns:p="http://schemas.openxmlformats.org/presentationml/2006/main">
+  <p:cSld>
+    <p:bg>
+      <p:bgPr>
+        <a:blipFill dpi="0" rotWithShape="1">
+          <a:blip r:embed="rId2">
+            <a:lum/>
+          </a:blip>
+          <a:srcRect/>
+          <a:stretch>
+            <a:fillRect/>
+          </a:stretch>
+        </a:blipFill>
+        <a:effectLst/>
+      </p:bgPr>
+    </p:bg>
+    <p:spTree>
+      <p:nvGrpSpPr>
+        <p:cNvPr id="1" name=""/>
+        <p:cNvGrpSpPr/>
+        <p:nvPr/>
+      </p:nvGrpSpPr>
+      <p:grpSpPr>
+        <a:xfrm>
+          <a:off x="0" y="0"/>
+          <a:ext cx="0" cy="0"/>
+          <a:chOff x="0" y="0"/>
+          <a:chExt cx="0" cy="0"/>
+        </a:xfrm>
+      </p:grpSpPr>
+      <p:sp>
+        <p:nvSpPr>
+          <p:cNvPr id="10242" name="Rectangle 1"/>
+          <p:cNvSpPr>
+            <a:spLocks noChangeArrowheads="1"/>
+          </p:cNvSpPr>
+          <p:nvPr/>
+        </p:nvSpPr>
+        <p:spPr bwMode="auto">
+          <a:xfrm>
+            <a:off x="457200" y="-4763"/>
+            <a:ext cx="8305800" cy="461963"/>
+          </a:xfrm>
+          <a:prstGeom prst="rect">
+            <a:avLst/>
+          </a:prstGeom>
+          <a:noFill/>
+          <a:ln>
+            <a:noFill/>
+          </a:ln>
+          <a:extLst>
+            <a:ext uri="{909E8E84-426E-40DD-AFC4-6F175D3DCCD1}">
+              <a14:hiddenFill xmlns:a14="http://schemas.microsoft.com/office/drawing/2010/main">
+                <a:solidFill>
+                  <a:srgbClr val="FFFFFF"/>
+                </a:solidFill>
+              </a14:hiddenFill>
+            </a:ext>
+            <a:ext uri="{91240B29-F687-4F45-9708-019B960494DF}">
+              <a14:hiddenLine xmlns:a14="http://schemas.microsoft.com/office/drawing/2010/main" w="9525">
+                <a:solidFill>
+                  <a:srgbClr val="000000"/>
+                </a:solidFill>
+                <a:miter lim="800000"/>
+                <a:headEnd/>
+                <a:tailEnd/>
+              </a14:hiddenLine>
+            </a:ext>
+          </a:extLst>
+        </p:spPr>
+        <p:txBody>
+          <a:bodyPr anchor="ctr">
+            <a:spAutoFit/>
+          </a:bodyPr>
+          <a:lstStyle/>
+          <a:p>
+            <a:pPr algn="ctr">
+              <a:tabLst>
+                <a:tab pos="457200" algn="l"/>
+              </a:tabLst>
+            </a:pPr>
+            <a:r>
+              <a:rPr lang="ru-RU" sz="2400">
+                <a:cs typeface="Times New Roman" pitchFamily="18" charset="0"/>
+              </a:rPr>
+              <a:t>Сборка мусора</a:t>
+            </a:r>
+            <a:r>
+              <a:rPr lang="en-US" sz="2400">
+                <a:cs typeface="Times New Roman" pitchFamily="18" charset="0"/>
+              </a:rPr>
+              <a:t>.</a:t>
+            </a:r>
+          </a:p>
+        </p:txBody>
+      </p:sp>
+      <p:sp>
+        <p:nvSpPr>
+          <p:cNvPr id="10243" name="Rectangle 64"/>
+          <p:cNvSpPr>
+            <a:spLocks noChangeArrowheads="1"/>
+          </p:cNvSpPr>
+          <p:nvPr/>
+        </p:nvSpPr>
+        <p:spPr bwMode="auto">
+          <a:xfrm>
+            <a:off x="0" y="0"/>
+            <a:ext cx="9144000" cy="0"/>
+          </a:xfrm>
+          <a:prstGeom prst="rect">
+            <a:avLst/>
+          </a:prstGeom>
+          <a:noFill/>
+          <a:ln>
+            <a:noFill/>
+          </a:ln>
+          <a:extLst>
+            <a:ext uri="{909E8E84-426E-40DD-AFC4-6F175D3DCCD1}">
+              <a14:hiddenFill xmlns:a14="http://schemas.microsoft.com/office/drawing/2010/main">
+                <a:solidFill>
+                  <a:srgbClr val="FFFFFF"/>
+                </a:solidFill>
+              </a14:hiddenFill>
+            </a:ext>
+            <a:ext uri="{91240B29-F687-4F45-9708-019B960494DF}">
+              <a14:hiddenLine xmlns:a14="http://schemas.microsoft.com/office/drawing/2010/main" w="9525">
+                <a:solidFill>
+                  <a:srgbClr val="000000"/>
+                </a:solidFill>
+                <a:miter lim="800000"/>
+                <a:headEnd/>
+                <a:tailEnd/>
+              </a14:hiddenLine>
+            </a:ext>
+          </a:extLst>
+        </p:spPr>
+        <p:txBody>
+          <a:bodyPr wrap="none" anchor="ctr">
+            <a:spAutoFit/>
+          </a:bodyPr>
+          <a:lstStyle/>
+          <a:p>
+            <a:endParaRPr lang="be-BY"/>
+          </a:p>
+        </p:txBody>
+      </p:sp>
+      <p:sp>
+        <p:nvSpPr>
+          <p:cNvPr id="22529" name="Rectangle 1"/>
+          <p:cNvSpPr>
+            <a:spLocks noChangeArrowheads="1"/>
+          </p:cNvSpPr>
+          <p:nvPr/>
+        </p:nvSpPr>
+        <p:spPr bwMode="auto">
+          <a:xfrm>
+            <a:off x="228600" y="685800"/>
+            <a:ext cx="8763000" cy="5908675"/>
+          </a:xfrm>
+          <a:prstGeom prst="rect">
+            <a:avLst/>
+          </a:prstGeom>
+          <a:noFill/>
+          <a:ln w="9525">
+            <a:solidFill>
+              <a:schemeClr val="bg1">
+                <a:lumMod val="65000"/>
+              </a:schemeClr>
+            </a:solidFill>
+            <a:miter lim="800000"/>
+            <a:headEnd/>
+            <a:tailEnd/>
+          </a:ln>
+          <a:effectLst/>
+        </p:spPr>
+        <p:txBody>
+          <a:bodyPr anchor="ctr">
+            <a:spAutoFit/>
+          </a:bodyPr>
+          <a:lstStyle/>
+          <a:p>
+            <a:pPr eaLnBrk="0" hangingPunct="0">
+              <a:defRPr/>
+            </a:pPr>
+            <a:r>
+              <a:rPr lang="be-BY" sz="1000" dirty="0">
+                <a:solidFill>
+                  <a:schemeClr val="bg1"/>
+                </a:solidFill>
+                <a:latin typeface="Courier New" pitchFamily="49" charset="0"/>
+                <a:ea typeface="Calibri" pitchFamily="34" charset="0"/>
+                <a:cs typeface="Courier New" pitchFamily="49" charset="0"/>
+              </a:rPr>
+              <a:t>    class MyClass : IDisposable</a:t>
+            </a:r>
+            <a:endParaRPr lang="be-BY" sz="900" dirty="0">
+              <a:solidFill>
+                <a:schemeClr val="bg1"/>
+              </a:solidFill>
+              <a:ea typeface="Calibri" pitchFamily="34" charset="0"/>
+              <a:cs typeface="Courier New" pitchFamily="49" charset="0"/>
+            </a:endParaRPr>
+          </a:p>
+          <a:p>
+            <a:pPr eaLnBrk="0" hangingPunct="0">
+              <a:defRPr/>
+            </a:pPr>
+            <a:r>
+              <a:rPr lang="be-BY" sz="1000" dirty="0">
+                <a:solidFill>
+                  <a:schemeClr val="bg1"/>
+                </a:solidFill>
+                <a:latin typeface="Courier New" pitchFamily="49" charset="0"/>
+                <a:ea typeface="Calibri" pitchFamily="34" charset="0"/>
+                <a:cs typeface="Courier New" pitchFamily="49" charset="0"/>
+              </a:rPr>
+              <a:t>    {</a:t>
+            </a:r>
+            <a:endParaRPr lang="be-BY" sz="900" dirty="0">
+              <a:solidFill>
+                <a:schemeClr val="bg1"/>
+              </a:solidFill>
+              <a:ea typeface="Calibri" pitchFamily="34" charset="0"/>
+              <a:cs typeface="Courier New" pitchFamily="49" charset="0"/>
+            </a:endParaRPr>
+          </a:p>
+          <a:p>
+            <a:pPr eaLnBrk="0" hangingPunct="0">
+              <a:defRPr/>
+            </a:pPr>
+            <a:r>
+              <a:rPr lang="be-BY" sz="1000" dirty="0">
+                <a:solidFill>
+                  <a:schemeClr val="bg1"/>
+                </a:solidFill>
+                <a:latin typeface="Courier New" pitchFamily="49" charset="0"/>
+                <a:ea typeface="Calibri" pitchFamily="34" charset="0"/>
+                <a:cs typeface="Courier New" pitchFamily="49" charset="0"/>
+              </a:rPr>
+              <a:t>        bool isDisposed = false;</a:t>
+            </a:r>
+            <a:endParaRPr lang="be-BY" sz="900" dirty="0">
+              <a:solidFill>
+                <a:schemeClr val="bg1"/>
+              </a:solidFill>
+              <a:ea typeface="Calibri" pitchFamily="34" charset="0"/>
+              <a:cs typeface="Courier New" pitchFamily="49" charset="0"/>
+            </a:endParaRPr>
+          </a:p>
+          <a:p>
+            <a:pPr eaLnBrk="0" hangingPunct="0">
+              <a:defRPr/>
+            </a:pPr>
+            <a:r>
+              <a:rPr lang="be-BY" sz="1000" dirty="0">
+                <a:solidFill>
+                  <a:schemeClr val="bg1"/>
+                </a:solidFill>
+                <a:latin typeface="Courier New" pitchFamily="49" charset="0"/>
+                <a:ea typeface="Calibri" pitchFamily="34" charset="0"/>
+                <a:cs typeface="Courier New" pitchFamily="49" charset="0"/>
+              </a:rPr>
+              <a:t>        double[] arr = new double[100000];  //Данные</a:t>
+            </a:r>
+            <a:endParaRPr lang="be-BY" sz="900" dirty="0">
+              <a:solidFill>
+                <a:schemeClr val="bg1"/>
+              </a:solidFill>
+              <a:ea typeface="Calibri" pitchFamily="34" charset="0"/>
+              <a:cs typeface="Courier New" pitchFamily="49" charset="0"/>
+            </a:endParaRPr>
+          </a:p>
+          <a:p>
+            <a:pPr eaLnBrk="0" hangingPunct="0">
+              <a:defRPr/>
+            </a:pPr>
+            <a:r>
+              <a:rPr lang="be-BY" sz="1000" dirty="0">
+                <a:solidFill>
+                  <a:schemeClr val="bg1"/>
+                </a:solidFill>
+                <a:latin typeface="Courier New" pitchFamily="49" charset="0"/>
+                <a:ea typeface="Calibri" pitchFamily="34" charset="0"/>
+                <a:cs typeface="Courier New" pitchFamily="49" charset="0"/>
+              </a:rPr>
+              <a:t>        public MyClass()</a:t>
+            </a:r>
+            <a:endParaRPr lang="be-BY" sz="900" dirty="0">
+              <a:solidFill>
+                <a:schemeClr val="bg1"/>
+              </a:solidFill>
+              <a:ea typeface="Calibri" pitchFamily="34" charset="0"/>
+              <a:cs typeface="Courier New" pitchFamily="49" charset="0"/>
+            </a:endParaRPr>
+          </a:p>
+          <a:p>
+            <a:pPr eaLnBrk="0" hangingPunct="0">
+              <a:defRPr/>
+            </a:pPr>
+            <a:r>
+              <a:rPr lang="be-BY" sz="1000" dirty="0">
+                <a:solidFill>
+                  <a:schemeClr val="bg1"/>
+                </a:solidFill>
+                <a:latin typeface="Courier New" pitchFamily="49" charset="0"/>
+                <a:ea typeface="Calibri" pitchFamily="34" charset="0"/>
+                <a:cs typeface="Courier New" pitchFamily="49" charset="0"/>
+              </a:rPr>
+              <a:t>        {</a:t>
+            </a:r>
+            <a:endParaRPr lang="be-BY" sz="900" dirty="0">
+              <a:solidFill>
+                <a:schemeClr val="bg1"/>
+              </a:solidFill>
+              <a:ea typeface="Calibri" pitchFamily="34" charset="0"/>
+              <a:cs typeface="Courier New" pitchFamily="49" charset="0"/>
+            </a:endParaRPr>
+          </a:p>
+          <a:p>
+            <a:pPr eaLnBrk="0" hangingPunct="0">
+              <a:defRPr/>
+            </a:pPr>
+            <a:r>
+              <a:rPr lang="be-BY" sz="1000" dirty="0">
+                <a:solidFill>
+                  <a:schemeClr val="bg1"/>
+                </a:solidFill>
+                <a:latin typeface="Courier New" pitchFamily="49" charset="0"/>
+                <a:ea typeface="Calibri" pitchFamily="34" charset="0"/>
+                <a:cs typeface="Courier New" pitchFamily="49" charset="0"/>
+              </a:rPr>
+              <a:t>            Console.Write("*");</a:t>
+            </a:r>
+            <a:endParaRPr lang="be-BY" sz="900" dirty="0">
+              <a:solidFill>
+                <a:schemeClr val="bg1"/>
+              </a:solidFill>
+              <a:ea typeface="Calibri" pitchFamily="34" charset="0"/>
+              <a:cs typeface="Courier New" pitchFamily="49" charset="0"/>
+            </a:endParaRPr>
+          </a:p>
+          <a:p>
+            <a:pPr eaLnBrk="0" hangingPunct="0">
+              <a:defRPr/>
+            </a:pPr>
+            <a:r>
+              <a:rPr lang="be-BY" sz="1000" dirty="0">
+                <a:solidFill>
+                  <a:schemeClr val="bg1"/>
+                </a:solidFill>
+                <a:latin typeface="Courier New" pitchFamily="49" charset="0"/>
+                <a:ea typeface="Calibri" pitchFamily="34" charset="0"/>
+                <a:cs typeface="Courier New" pitchFamily="49" charset="0"/>
+              </a:rPr>
+              <a:t>        }</a:t>
+            </a:r>
+            <a:endParaRPr lang="be-BY" sz="900" dirty="0">
+              <a:solidFill>
+                <a:schemeClr val="bg1"/>
+              </a:solidFill>
+              <a:ea typeface="Calibri" pitchFamily="34" charset="0"/>
+              <a:cs typeface="Courier New" pitchFamily="49" charset="0"/>
+            </a:endParaRPr>
+          </a:p>
+          <a:p>
+            <a:pPr eaLnBrk="0" hangingPunct="0">
+              <a:defRPr/>
+            </a:pPr>
+            <a:r>
+              <a:rPr lang="be-BY" sz="1000" dirty="0">
+                <a:solidFill>
+                  <a:schemeClr val="bg1"/>
+                </a:solidFill>
+                <a:latin typeface="Courier New" pitchFamily="49" charset="0"/>
+                <a:ea typeface="Calibri" pitchFamily="34" charset="0"/>
+                <a:cs typeface="Courier New" pitchFamily="49" charset="0"/>
+              </a:rPr>
+              <a:t>        ~MyClass()      //Финализатор </a:t>
+            </a:r>
+            <a:endParaRPr lang="be-BY" sz="900" dirty="0">
+              <a:solidFill>
+                <a:schemeClr val="bg1"/>
+              </a:solidFill>
+              <a:ea typeface="Calibri" pitchFamily="34" charset="0"/>
+              <a:cs typeface="Courier New" pitchFamily="49" charset="0"/>
+            </a:endParaRPr>
+          </a:p>
+          <a:p>
+            <a:pPr eaLnBrk="0" hangingPunct="0">
+              <a:defRPr/>
+            </a:pPr>
+            <a:r>
+              <a:rPr lang="be-BY" sz="1000" dirty="0">
+                <a:solidFill>
+                  <a:schemeClr val="bg1"/>
+                </a:solidFill>
+                <a:latin typeface="Courier New" pitchFamily="49" charset="0"/>
+                <a:ea typeface="Calibri" pitchFamily="34" charset="0"/>
+                <a:cs typeface="Courier New" pitchFamily="49" charset="0"/>
+              </a:rPr>
+              <a:t>        {</a:t>
+            </a:r>
+            <a:endParaRPr lang="be-BY" sz="900" dirty="0">
+              <a:solidFill>
+                <a:schemeClr val="bg1"/>
+              </a:solidFill>
+              <a:ea typeface="Calibri" pitchFamily="34" charset="0"/>
+              <a:cs typeface="Courier New" pitchFamily="49" charset="0"/>
+            </a:endParaRPr>
+          </a:p>
+          <a:p>
+            <a:pPr eaLnBrk="0" hangingPunct="0">
+              <a:defRPr/>
+            </a:pPr>
+            <a:r>
+              <a:rPr lang="be-BY" sz="1000" dirty="0">
+                <a:solidFill>
+                  <a:schemeClr val="bg1"/>
+                </a:solidFill>
+                <a:latin typeface="Courier New" pitchFamily="49" charset="0"/>
+                <a:ea typeface="Calibri" pitchFamily="34" charset="0"/>
+                <a:cs typeface="Courier New" pitchFamily="49" charset="0"/>
+              </a:rPr>
+              <a:t>            Console.Write("^"); </a:t>
+            </a:r>
+            <a:endParaRPr lang="be-BY" sz="900" dirty="0">
+              <a:solidFill>
+                <a:schemeClr val="bg1"/>
+              </a:solidFill>
+              <a:ea typeface="Calibri" pitchFamily="34" charset="0"/>
+              <a:cs typeface="Courier New" pitchFamily="49" charset="0"/>
+            </a:endParaRPr>
+          </a:p>
+          <a:p>
+            <a:pPr eaLnBrk="0" hangingPunct="0">
+              <a:defRPr/>
+            </a:pPr>
+            <a:r>
+              <a:rPr lang="be-BY" sz="1000" dirty="0">
+                <a:solidFill>
+                  <a:schemeClr val="bg1"/>
+                </a:solidFill>
+                <a:latin typeface="Courier New" pitchFamily="49" charset="0"/>
+                <a:ea typeface="Calibri" pitchFamily="34" charset="0"/>
+                <a:cs typeface="Courier New" pitchFamily="49" charset="0"/>
+              </a:rPr>
+              <a:t>            if (!isDisposed)</a:t>
+            </a:r>
+            <a:endParaRPr lang="be-BY" sz="900" dirty="0">
+              <a:solidFill>
+                <a:schemeClr val="bg1"/>
+              </a:solidFill>
+              <a:ea typeface="Calibri" pitchFamily="34" charset="0"/>
+              <a:cs typeface="Courier New" pitchFamily="49" charset="0"/>
+            </a:endParaRPr>
+          </a:p>
+          <a:p>
+            <a:pPr eaLnBrk="0" hangingPunct="0">
+              <a:defRPr/>
+            </a:pPr>
+            <a:r>
+              <a:rPr lang="be-BY" sz="1000" dirty="0">
+                <a:solidFill>
+                  <a:schemeClr val="bg1"/>
+                </a:solidFill>
+                <a:latin typeface="Courier New" pitchFamily="49" charset="0"/>
+                <a:ea typeface="Calibri" pitchFamily="34" charset="0"/>
+                <a:cs typeface="Courier New" pitchFamily="49" charset="0"/>
+              </a:rPr>
+              <a:t>                Dispose();</a:t>
+            </a:r>
+            <a:endParaRPr lang="be-BY" sz="900" dirty="0">
+              <a:solidFill>
+                <a:schemeClr val="bg1"/>
+              </a:solidFill>
+              <a:ea typeface="Calibri" pitchFamily="34" charset="0"/>
+              <a:cs typeface="Courier New" pitchFamily="49" charset="0"/>
+            </a:endParaRPr>
+          </a:p>
+          <a:p>
+            <a:pPr eaLnBrk="0" hangingPunct="0">
+              <a:defRPr/>
+            </a:pPr>
+            <a:r>
+              <a:rPr lang="be-BY" sz="1000" dirty="0">
+                <a:solidFill>
+                  <a:schemeClr val="bg1"/>
+                </a:solidFill>
+                <a:latin typeface="Courier New" pitchFamily="49" charset="0"/>
+                <a:ea typeface="Calibri" pitchFamily="34" charset="0"/>
+                <a:cs typeface="Courier New" pitchFamily="49" charset="0"/>
+              </a:rPr>
+              <a:t>        }</a:t>
+            </a:r>
+            <a:endParaRPr lang="be-BY" sz="900" dirty="0">
+              <a:solidFill>
+                <a:schemeClr val="bg1"/>
+              </a:solidFill>
+              <a:ea typeface="Calibri" pitchFamily="34" charset="0"/>
+              <a:cs typeface="Courier New" pitchFamily="49" charset="0"/>
+            </a:endParaRPr>
+          </a:p>
+          <a:p>
+            <a:pPr eaLnBrk="0" hangingPunct="0">
+              <a:defRPr/>
+            </a:pPr>
+            <a:r>
+              <a:rPr lang="be-BY" sz="1000" dirty="0">
+                <a:solidFill>
+                  <a:schemeClr val="bg1"/>
+                </a:solidFill>
+                <a:latin typeface="Courier New" pitchFamily="49" charset="0"/>
+                <a:ea typeface="Calibri" pitchFamily="34" charset="0"/>
+                <a:cs typeface="Courier New" pitchFamily="49" charset="0"/>
+              </a:rPr>
+              <a:t>        public void Dispose()     //Освобождение ресурсов</a:t>
+            </a:r>
+            <a:endParaRPr lang="be-BY" sz="900" dirty="0">
+              <a:solidFill>
+                <a:schemeClr val="bg1"/>
+              </a:solidFill>
+              <a:ea typeface="Calibri" pitchFamily="34" charset="0"/>
+              <a:cs typeface="Courier New" pitchFamily="49" charset="0"/>
+            </a:endParaRPr>
+          </a:p>
+          <a:p>
+            <a:pPr eaLnBrk="0" hangingPunct="0">
+              <a:defRPr/>
+            </a:pPr>
+            <a:r>
+              <a:rPr lang="be-BY" sz="1000" dirty="0">
+                <a:solidFill>
+                  <a:schemeClr val="bg1"/>
+                </a:solidFill>
+                <a:latin typeface="Courier New" pitchFamily="49" charset="0"/>
+                <a:ea typeface="Calibri" pitchFamily="34" charset="0"/>
+                <a:cs typeface="Courier New" pitchFamily="49" charset="0"/>
+              </a:rPr>
+              <a:t>        {</a:t>
+            </a:r>
+            <a:endParaRPr lang="be-BY" sz="900" dirty="0">
+              <a:solidFill>
+                <a:schemeClr val="bg1"/>
+              </a:solidFill>
+              <a:ea typeface="Calibri" pitchFamily="34" charset="0"/>
+              <a:cs typeface="Courier New" pitchFamily="49" charset="0"/>
+            </a:endParaRPr>
+          </a:p>
+          <a:p>
+            <a:pPr eaLnBrk="0" hangingPunct="0">
+              <a:defRPr/>
+            </a:pPr>
+            <a:r>
+              <a:rPr lang="be-BY" sz="1000" dirty="0">
+                <a:solidFill>
+                  <a:schemeClr val="bg1"/>
+                </a:solidFill>
+                <a:latin typeface="Courier New" pitchFamily="49" charset="0"/>
+                <a:ea typeface="Calibri" pitchFamily="34" charset="0"/>
+                <a:cs typeface="Courier New" pitchFamily="49" charset="0"/>
+              </a:rPr>
+              <a:t>            isDisposed = true;</a:t>
+            </a:r>
+            <a:endParaRPr lang="be-BY" sz="900" dirty="0">
+              <a:solidFill>
+                <a:schemeClr val="bg1"/>
+              </a:solidFill>
+              <a:ea typeface="Calibri" pitchFamily="34" charset="0"/>
+              <a:cs typeface="Courier New" pitchFamily="49" charset="0"/>
+            </a:endParaRPr>
+          </a:p>
+          <a:p>
+            <a:pPr eaLnBrk="0" hangingPunct="0">
+              <a:defRPr/>
+            </a:pPr>
+            <a:r>
+              <a:rPr lang="be-BY" sz="1000" dirty="0">
+                <a:solidFill>
+                  <a:schemeClr val="bg1"/>
+                </a:solidFill>
+                <a:latin typeface="Courier New" pitchFamily="49" charset="0"/>
+                <a:ea typeface="Calibri" pitchFamily="34" charset="0"/>
+                <a:cs typeface="Courier New" pitchFamily="49" charset="0"/>
+              </a:rPr>
+              <a:t>            Console.Write(".");</a:t>
+            </a:r>
+            <a:endParaRPr lang="be-BY" sz="900" dirty="0">
+              <a:solidFill>
+                <a:schemeClr val="bg1"/>
+              </a:solidFill>
+              <a:ea typeface="Calibri" pitchFamily="34" charset="0"/>
+              <a:cs typeface="Courier New" pitchFamily="49" charset="0"/>
+            </a:endParaRPr>
+          </a:p>
+          <a:p>
+            <a:pPr eaLnBrk="0" hangingPunct="0">
+              <a:defRPr/>
+            </a:pPr>
+            <a:r>
+              <a:rPr lang="be-BY" sz="1000" dirty="0">
+                <a:solidFill>
+                  <a:schemeClr val="bg1"/>
+                </a:solidFill>
+                <a:latin typeface="Courier New" pitchFamily="49" charset="0"/>
+                <a:ea typeface="Calibri" pitchFamily="34" charset="0"/>
+                <a:cs typeface="Courier New" pitchFamily="49" charset="0"/>
+              </a:rPr>
+              <a:t>        }</a:t>
+            </a:r>
+            <a:endParaRPr lang="be-BY" sz="900" dirty="0">
+              <a:solidFill>
+                <a:schemeClr val="bg1"/>
+              </a:solidFill>
+              <a:ea typeface="Calibri" pitchFamily="34" charset="0"/>
+              <a:cs typeface="Courier New" pitchFamily="49" charset="0"/>
+            </a:endParaRPr>
+          </a:p>
+          <a:p>
+            <a:pPr eaLnBrk="0" hangingPunct="0">
+              <a:defRPr/>
+            </a:pPr>
+            <a:r>
+              <a:rPr lang="be-BY" sz="1000" dirty="0">
+                <a:solidFill>
+                  <a:schemeClr val="bg1"/>
+                </a:solidFill>
+                <a:latin typeface="Courier New" pitchFamily="49" charset="0"/>
+                <a:ea typeface="Calibri" pitchFamily="34" charset="0"/>
+                <a:cs typeface="Courier New" pitchFamily="49" charset="0"/>
+              </a:rPr>
+              <a:t>    }</a:t>
+            </a:r>
+          </a:p>
+          <a:p>
+            <a:pPr eaLnBrk="0" hangingPunct="0">
+              <a:defRPr/>
+            </a:pPr>
+            <a:endParaRPr lang="be-BY" sz="900" dirty="0">
+              <a:solidFill>
+                <a:schemeClr val="bg1"/>
+              </a:solidFill>
+              <a:ea typeface="Calibri" pitchFamily="34" charset="0"/>
+              <a:cs typeface="Courier New" pitchFamily="49" charset="0"/>
+            </a:endParaRPr>
+          </a:p>
+          <a:p>
+            <a:pPr eaLnBrk="0" hangingPunct="0">
+              <a:defRPr/>
+            </a:pPr>
+            <a:r>
+              <a:rPr lang="be-BY" sz="1000" dirty="0">
+                <a:solidFill>
+                  <a:schemeClr val="bg1"/>
+                </a:solidFill>
+                <a:latin typeface="Courier New" pitchFamily="49" charset="0"/>
+                <a:ea typeface="Calibri" pitchFamily="34" charset="0"/>
+                <a:cs typeface="Courier New" pitchFamily="49" charset="0"/>
+              </a:rPr>
+              <a:t>    class Program</a:t>
+            </a:r>
+            <a:endParaRPr lang="be-BY" sz="900" dirty="0">
+              <a:solidFill>
+                <a:schemeClr val="bg1"/>
+              </a:solidFill>
+              <a:ea typeface="Calibri" pitchFamily="34" charset="0"/>
+              <a:cs typeface="Courier New" pitchFamily="49" charset="0"/>
+            </a:endParaRPr>
+          </a:p>
+          <a:p>
+            <a:pPr eaLnBrk="0" hangingPunct="0">
+              <a:defRPr/>
+            </a:pPr>
+            <a:r>
+              <a:rPr lang="be-BY" sz="1000" dirty="0">
+                <a:solidFill>
+                  <a:schemeClr val="bg1"/>
+                </a:solidFill>
+                <a:latin typeface="Courier New" pitchFamily="49" charset="0"/>
+                <a:ea typeface="Calibri" pitchFamily="34" charset="0"/>
+                <a:cs typeface="Courier New" pitchFamily="49" charset="0"/>
+              </a:rPr>
+              <a:t>    {</a:t>
+            </a:r>
+            <a:endParaRPr lang="be-BY" sz="900" dirty="0">
+              <a:solidFill>
+                <a:schemeClr val="bg1"/>
+              </a:solidFill>
+              <a:ea typeface="Calibri" pitchFamily="34" charset="0"/>
+              <a:cs typeface="Courier New" pitchFamily="49" charset="0"/>
+            </a:endParaRPr>
+          </a:p>
+          <a:p>
+            <a:pPr eaLnBrk="0" hangingPunct="0">
+              <a:defRPr/>
+            </a:pPr>
+            <a:r>
+              <a:rPr lang="be-BY" sz="1000" dirty="0">
+                <a:solidFill>
+                  <a:schemeClr val="bg1"/>
+                </a:solidFill>
+                <a:latin typeface="Courier New" pitchFamily="49" charset="0"/>
+                <a:ea typeface="Calibri" pitchFamily="34" charset="0"/>
+                <a:cs typeface="Courier New" pitchFamily="49" charset="0"/>
+              </a:rPr>
+              <a:t>        static void Main(string[] args)</a:t>
+            </a:r>
+            <a:endParaRPr lang="be-BY" sz="900" dirty="0">
+              <a:solidFill>
+                <a:schemeClr val="bg1"/>
+              </a:solidFill>
+              <a:ea typeface="Calibri" pitchFamily="34" charset="0"/>
+              <a:cs typeface="Courier New" pitchFamily="49" charset="0"/>
+            </a:endParaRPr>
+          </a:p>
+          <a:p>
+            <a:pPr eaLnBrk="0" hangingPunct="0">
+              <a:defRPr/>
+            </a:pPr>
+            <a:r>
+              <a:rPr lang="be-BY" sz="1000" dirty="0">
+                <a:solidFill>
+                  <a:schemeClr val="bg1"/>
+                </a:solidFill>
+                <a:latin typeface="Courier New" pitchFamily="49" charset="0"/>
+                <a:ea typeface="Calibri" pitchFamily="34" charset="0"/>
+                <a:cs typeface="Courier New" pitchFamily="49" charset="0"/>
+              </a:rPr>
+              <a:t>        {</a:t>
+            </a:r>
+            <a:endParaRPr lang="be-BY" sz="900" dirty="0">
+              <a:solidFill>
+                <a:schemeClr val="bg1"/>
+              </a:solidFill>
+              <a:ea typeface="Calibri" pitchFamily="34" charset="0"/>
+              <a:cs typeface="Courier New" pitchFamily="49" charset="0"/>
+            </a:endParaRPr>
+          </a:p>
+          <a:p>
+            <a:pPr eaLnBrk="0" hangingPunct="0">
+              <a:defRPr/>
+            </a:pPr>
+            <a:r>
+              <a:rPr lang="be-BY" sz="1000" dirty="0">
+                <a:solidFill>
+                  <a:schemeClr val="bg1"/>
+                </a:solidFill>
+                <a:latin typeface="Courier New" pitchFamily="49" charset="0"/>
+                <a:ea typeface="Calibri" pitchFamily="34" charset="0"/>
+                <a:cs typeface="Courier New" pitchFamily="49" charset="0"/>
+              </a:rPr>
+              <a:t>            using (MyClass mc = new MyClass())</a:t>
+            </a:r>
+            <a:endParaRPr lang="be-BY" sz="900" dirty="0">
+              <a:solidFill>
+                <a:schemeClr val="bg1"/>
+              </a:solidFill>
+              <a:ea typeface="Calibri" pitchFamily="34" charset="0"/>
+              <a:cs typeface="Courier New" pitchFamily="49" charset="0"/>
+            </a:endParaRPr>
+          </a:p>
+          <a:p>
+            <a:pPr eaLnBrk="0" hangingPunct="0">
+              <a:defRPr/>
+            </a:pPr>
+            <a:r>
+              <a:rPr lang="be-BY" sz="1000" dirty="0">
+                <a:solidFill>
+                  <a:schemeClr val="bg1"/>
+                </a:solidFill>
+                <a:latin typeface="Courier New" pitchFamily="49" charset="0"/>
+                <a:ea typeface="Calibri" pitchFamily="34" charset="0"/>
+                <a:cs typeface="Courier New" pitchFamily="49" charset="0"/>
+              </a:rPr>
+              <a:t>            {</a:t>
+            </a:r>
+            <a:endParaRPr lang="be-BY" sz="900" dirty="0">
+              <a:solidFill>
+                <a:schemeClr val="bg1"/>
+              </a:solidFill>
+              <a:ea typeface="Calibri" pitchFamily="34" charset="0"/>
+              <a:cs typeface="Courier New" pitchFamily="49" charset="0"/>
+            </a:endParaRPr>
+          </a:p>
+          <a:p>
+            <a:pPr eaLnBrk="0" hangingPunct="0">
+              <a:defRPr/>
+            </a:pPr>
+            <a:r>
+              <a:rPr lang="be-BY" sz="1000" dirty="0">
+                <a:solidFill>
+                  <a:schemeClr val="bg1"/>
+                </a:solidFill>
+                <a:latin typeface="Courier New" pitchFamily="49" charset="0"/>
+                <a:ea typeface="Calibri" pitchFamily="34" charset="0"/>
+                <a:cs typeface="Courier New" pitchFamily="49" charset="0"/>
+              </a:rPr>
+              <a:t>                /* Действия с объектом mc */</a:t>
+            </a:r>
+          </a:p>
+          <a:p>
+            <a:pPr eaLnBrk="0" hangingPunct="0">
+              <a:defRPr/>
+            </a:pPr>
+            <a:endParaRPr lang="be-BY" sz="900" dirty="0">
+              <a:solidFill>
+                <a:schemeClr val="bg1"/>
+              </a:solidFill>
+              <a:ea typeface="Calibri" pitchFamily="34" charset="0"/>
+              <a:cs typeface="Courier New" pitchFamily="49" charset="0"/>
+            </a:endParaRPr>
+          </a:p>
+          <a:p>
+            <a:pPr eaLnBrk="0" hangingPunct="0">
+              <a:defRPr/>
+            </a:pPr>
+            <a:r>
+              <a:rPr lang="be-BY" sz="1000" dirty="0">
+                <a:solidFill>
+                  <a:schemeClr val="bg1"/>
+                </a:solidFill>
+                <a:latin typeface="Courier New" pitchFamily="49" charset="0"/>
+                <a:ea typeface="Calibri" pitchFamily="34" charset="0"/>
+                <a:cs typeface="Courier New" pitchFamily="49" charset="0"/>
+              </a:rPr>
+              <a:t>                //Тут вызовется метод Dispose()</a:t>
+            </a:r>
+            <a:endParaRPr lang="be-BY" sz="900" dirty="0">
+              <a:solidFill>
+                <a:schemeClr val="bg1"/>
+              </a:solidFill>
+              <a:ea typeface="Calibri" pitchFamily="34" charset="0"/>
+              <a:cs typeface="Courier New" pitchFamily="49" charset="0"/>
+            </a:endParaRPr>
+          </a:p>
+          <a:p>
+            <a:pPr eaLnBrk="0" hangingPunct="0">
+              <a:defRPr/>
+            </a:pPr>
+            <a:r>
+              <a:rPr lang="be-BY" sz="1000" dirty="0">
+                <a:solidFill>
+                  <a:schemeClr val="bg1"/>
+                </a:solidFill>
+                <a:latin typeface="Courier New" pitchFamily="49" charset="0"/>
+                <a:ea typeface="Calibri" pitchFamily="34" charset="0"/>
+                <a:cs typeface="Courier New" pitchFamily="49" charset="0"/>
+              </a:rPr>
+              <a:t>            }</a:t>
+            </a:r>
+            <a:endParaRPr lang="be-BY" sz="900" dirty="0">
+              <a:solidFill>
+                <a:schemeClr val="bg1"/>
+              </a:solidFill>
+              <a:ea typeface="Calibri" pitchFamily="34" charset="0"/>
+              <a:cs typeface="Courier New" pitchFamily="49" charset="0"/>
+            </a:endParaRPr>
+          </a:p>
+          <a:p>
+            <a:pPr eaLnBrk="0" hangingPunct="0">
+              <a:defRPr/>
+            </a:pPr>
+            <a:r>
+              <a:rPr lang="be-BY" sz="1000" dirty="0">
+                <a:solidFill>
+                  <a:schemeClr val="bg1"/>
+                </a:solidFill>
+                <a:latin typeface="Courier New" pitchFamily="49" charset="0"/>
+                <a:ea typeface="Calibri" pitchFamily="34" charset="0"/>
+                <a:cs typeface="Courier New" pitchFamily="49" charset="0"/>
+              </a:rPr>
+              <a:t>            GC.Collect();           //Принудительная сборка мутора</a:t>
+            </a:r>
+            <a:endParaRPr lang="be-BY" sz="900" dirty="0">
+              <a:solidFill>
+                <a:schemeClr val="bg1"/>
+              </a:solidFill>
+              <a:ea typeface="Calibri" pitchFamily="34" charset="0"/>
+              <a:cs typeface="Courier New" pitchFamily="49" charset="0"/>
+            </a:endParaRPr>
+          </a:p>
+          <a:p>
+            <a:pPr eaLnBrk="0" hangingPunct="0">
+              <a:defRPr/>
+            </a:pPr>
+            <a:endParaRPr lang="be-BY" sz="1000" dirty="0">
+              <a:solidFill>
+                <a:schemeClr val="bg1"/>
+              </a:solidFill>
+              <a:latin typeface="Courier New" pitchFamily="49" charset="0"/>
+              <a:ea typeface="Calibri" pitchFamily="34" charset="0"/>
+              <a:cs typeface="Courier New" pitchFamily="49" charset="0"/>
+            </a:endParaRPr>
+          </a:p>
+          <a:p>
+            <a:pPr eaLnBrk="0" hangingPunct="0">
+              <a:defRPr/>
+            </a:pPr>
+            <a:r>
+              <a:rPr lang="be-BY" sz="1000" dirty="0">
+                <a:solidFill>
+                  <a:schemeClr val="bg1"/>
+                </a:solidFill>
+                <a:latin typeface="Courier New" pitchFamily="49" charset="0"/>
+                <a:ea typeface="Calibri" pitchFamily="34" charset="0"/>
+                <a:cs typeface="Courier New" pitchFamily="49" charset="0"/>
+              </a:rPr>
+              <a:t>            MyClass m2 = new MyClass();</a:t>
+            </a:r>
+            <a:endParaRPr lang="be-BY" sz="900" dirty="0">
+              <a:solidFill>
+                <a:schemeClr val="bg1"/>
+              </a:solidFill>
+              <a:ea typeface="Calibri" pitchFamily="34" charset="0"/>
+              <a:cs typeface="Courier New" pitchFamily="49" charset="0"/>
+            </a:endParaRPr>
+          </a:p>
+          <a:p>
+            <a:pPr eaLnBrk="0" hangingPunct="0">
+              <a:defRPr/>
+            </a:pPr>
+            <a:r>
+              <a:rPr lang="be-BY" sz="1000" dirty="0">
+                <a:solidFill>
+                  <a:schemeClr val="bg1"/>
+                </a:solidFill>
+                <a:latin typeface="Courier New" pitchFamily="49" charset="0"/>
+                <a:ea typeface="Calibri" pitchFamily="34" charset="0"/>
+                <a:cs typeface="Courier New" pitchFamily="49" charset="0"/>
+              </a:rPr>
+              <a:t>            m2.Dispose();</a:t>
+            </a:r>
+            <a:endParaRPr lang="be-BY" sz="900" dirty="0">
+              <a:solidFill>
+                <a:schemeClr val="bg1"/>
+              </a:solidFill>
+              <a:ea typeface="Calibri" pitchFamily="34" charset="0"/>
+              <a:cs typeface="Courier New" pitchFamily="49" charset="0"/>
+            </a:endParaRPr>
+          </a:p>
+          <a:p>
+            <a:pPr eaLnBrk="0" hangingPunct="0">
+              <a:defRPr/>
+            </a:pPr>
+            <a:endParaRPr lang="be-BY" sz="1000" dirty="0">
+              <a:solidFill>
+                <a:schemeClr val="bg1"/>
+              </a:solidFill>
+              <a:latin typeface="Courier New" pitchFamily="49" charset="0"/>
+              <a:ea typeface="Calibri" pitchFamily="34" charset="0"/>
+              <a:cs typeface="Courier New" pitchFamily="49" charset="0"/>
+            </a:endParaRPr>
+          </a:p>
+          <a:p>
+            <a:pPr eaLnBrk="0" hangingPunct="0">
+              <a:defRPr/>
+            </a:pPr>
+            <a:r>
+              <a:rPr lang="be-BY" sz="1000" dirty="0">
+                <a:solidFill>
+                  <a:schemeClr val="bg1"/>
+                </a:solidFill>
+                <a:latin typeface="Courier New" pitchFamily="49" charset="0"/>
+                <a:ea typeface="Calibri" pitchFamily="34" charset="0"/>
+                <a:cs typeface="Courier New" pitchFamily="49" charset="0"/>
+              </a:rPr>
+              <a:t>        }</a:t>
+            </a:r>
+            <a:endParaRPr lang="be-BY" sz="900" dirty="0">
+              <a:solidFill>
+                <a:schemeClr val="bg1"/>
+              </a:solidFill>
+              <a:ea typeface="Calibri" pitchFamily="34" charset="0"/>
+              <a:cs typeface="Courier New" pitchFamily="49" charset="0"/>
+            </a:endParaRPr>
+          </a:p>
+          <a:p>
+            <a:pPr eaLnBrk="0" hangingPunct="0">
+              <a:defRPr/>
+            </a:pPr>
+            <a:r>
+              <a:rPr lang="be-BY" sz="1000" dirty="0">
+                <a:solidFill>
+                  <a:schemeClr val="bg1"/>
+                </a:solidFill>
+                <a:latin typeface="Courier New" pitchFamily="49" charset="0"/>
+                <a:ea typeface="Calibri" pitchFamily="34" charset="0"/>
+                <a:cs typeface="Courier New" pitchFamily="49" charset="0"/>
+              </a:rPr>
+              <a:t>    }</a:t>
+            </a:r>
+            <a:endParaRPr lang="be-BY" dirty="0">
+              <a:solidFill>
+                <a:schemeClr val="bg1"/>
+              </a:solidFill>
+              <a:ea typeface="Calibri" pitchFamily="34" charset="0"/>
+              <a:cs typeface="Courier New" pitchFamily="49" charset="0"/>
+            </a:endParaRPr>
+          </a:p>
+        </p:txBody>
+      </p:sp>
+    </p:spTree>
+    <p:extLst>
+      <p:ext uri="{BB962C8B-B14F-4D97-AF65-F5344CB8AC3E}">
+        <p14:creationId xmlns:p14="http://schemas.microsoft.com/office/powerpoint/2010/main" val="1478398796"/>
+      </p:ext>
+    </p:extLst>
+  </p:cSld>
+  <p:clrMapOvr>
+    <a:masterClrMapping/>
+  </p:clrMapOvr>
+  <p:timing>
+    <p:tnLst>
+      <p:par>
+        <p:cTn id="1" dur="indefinite" restart="never" nodeType="tmRoot"/>
+      </p:par>
+    </p:tnLst>
+  </p:timing>
+</p:sld>
+</file>
+
 <file path=ppt/slides/slide2.xml><?xml version="1.0" encoding="utf-8"?>
+<p:sld xmlns:a="http://schemas.openxmlformats.org/drawingml/2006/main" xmlns:r="http://schemas.openxmlformats.org/officeDocument/2006/relationships" xmlns:p="http://schemas.openxmlformats.org/presentationml/2006/main">
+  <p:cSld>
+    <p:bg>
+      <p:bgPr>
+        <a:blipFill dpi="0" rotWithShape="1">
+          <a:blip r:embed="rId2">
+            <a:lum/>
+          </a:blip>
+          <a:srcRect/>
+          <a:stretch>
+            <a:fillRect/>
+          </a:stretch>
+        </a:blipFill>
+        <a:effectLst/>
+      </p:bgPr>
+    </p:bg>
+    <p:spTree>
+      <p:nvGrpSpPr>
+        <p:cNvPr id="1" name=""/>
+        <p:cNvGrpSpPr/>
+        <p:nvPr/>
+      </p:nvGrpSpPr>
+      <p:grpSpPr>
+        <a:xfrm>
+          <a:off x="0" y="0"/>
+          <a:ext cx="0" cy="0"/>
+          <a:chOff x="0" y="0"/>
+          <a:chExt cx="0" cy="0"/>
+        </a:xfrm>
+      </p:grpSpPr>
+      <p:sp>
+        <p:nvSpPr>
+          <p:cNvPr id="3" name="Rectangle 2"/>
+          <p:cNvSpPr/>
+          <p:nvPr/>
+        </p:nvSpPr>
+        <p:spPr>
+          <a:xfrm>
+            <a:off x="251520" y="3136613"/>
+            <a:ext cx="8640960" cy="584775"/>
+          </a:xfrm>
+          <a:prstGeom prst="rect">
+            <a:avLst/>
+          </a:prstGeom>
+        </p:spPr>
+        <p:txBody>
+          <a:bodyPr wrap="square">
+            <a:spAutoFit/>
+          </a:bodyPr>
+          <a:lstStyle/>
+          <a:p>
+            <a:pPr lvl="0" algn="ctr"/>
+            <a:r>
+              <a:rPr lang="en-US" sz="3200" dirty="0">
+                <a:solidFill>
+                  <a:schemeClr val="bg1"/>
+                </a:solidFill>
+              </a:rPr>
+              <a:t>https://github.com/bazile/Training</a:t>
+            </a:r>
+            <a:endParaRPr lang="en-US" sz="3200" dirty="0" smtClean="0">
+              <a:solidFill>
+                <a:schemeClr val="bg1"/>
+              </a:solidFill>
+            </a:endParaRPr>
+          </a:p>
+        </p:txBody>
+      </p:sp>
+    </p:spTree>
+    <p:extLst>
+      <p:ext uri="{BB962C8B-B14F-4D97-AF65-F5344CB8AC3E}">
+        <p14:creationId xmlns:p14="http://schemas.microsoft.com/office/powerpoint/2010/main" val="3039032814"/>
+      </p:ext>
+    </p:extLst>
+  </p:cSld>
+  <p:clrMapOvr>
+    <a:masterClrMapping/>
+  </p:clrMapOvr>
+  <p:timing>
+    <p:tnLst>
+      <p:par>
+        <p:cTn id="1" dur="indefinite" restart="never" nodeType="tmRoot"/>
+      </p:par>
+    </p:tnLst>
+  </p:timing>
+</p:sld>
+</file>
+
+<file path=ppt/slides/slide3.xml><?xml version="1.0" encoding="utf-8"?>
 <p:sld xmlns:a="http://schemas.openxmlformats.org/drawingml/2006/main" xmlns:r="http://schemas.openxmlformats.org/officeDocument/2006/relationships" xmlns:p="http://schemas.openxmlformats.org/presentationml/2006/main">
   <p:cSld>
     <p:bg>
@@ -8159,7 +9270,7 @@
 </p:sld>
 </file>
 
-<file path=ppt/slides/slide3.xml><?xml version="1.0" encoding="utf-8"?>
+<file path=ppt/slides/slide4.xml><?xml version="1.0" encoding="utf-8"?>
 <p:sld xmlns:a="http://schemas.openxmlformats.org/drawingml/2006/main" xmlns:r="http://schemas.openxmlformats.org/officeDocument/2006/relationships" xmlns:p="http://schemas.openxmlformats.org/presentationml/2006/main">
   <p:cSld>
     <p:bg>
@@ -9170,7 +10281,7 @@
 </p:sld>
 </file>
 
-<file path=ppt/slides/slide4.xml><?xml version="1.0" encoding="utf-8"?>
+<file path=ppt/slides/slide5.xml><?xml version="1.0" encoding="utf-8"?>
 <p:sld xmlns:a="http://schemas.openxmlformats.org/drawingml/2006/main" xmlns:r="http://schemas.openxmlformats.org/officeDocument/2006/relationships" xmlns:p="http://schemas.openxmlformats.org/presentationml/2006/main">
   <p:cSld>
     <p:bg>
@@ -10467,7 +11578,7 @@
 </p:sld>
 </file>
 
-<file path=ppt/slides/slide5.xml><?xml version="1.0" encoding="utf-8"?>
+<file path=ppt/slides/slide6.xml><?xml version="1.0" encoding="utf-8"?>
 <p:sld xmlns:a="http://schemas.openxmlformats.org/drawingml/2006/main" xmlns:r="http://schemas.openxmlformats.org/officeDocument/2006/relationships" xmlns:p="http://schemas.openxmlformats.org/presentationml/2006/main">
   <p:cSld>
     <p:bg>
@@ -14279,7 +15390,7 @@
 </p:sld>
 </file>
 
-<file path=ppt/slides/slide6.xml><?xml version="1.0" encoding="utf-8"?>
+<file path=ppt/slides/slide7.xml><?xml version="1.0" encoding="utf-8"?>
 <p:sld xmlns:a="http://schemas.openxmlformats.org/drawingml/2006/main" xmlns:r="http://schemas.openxmlformats.org/officeDocument/2006/relationships" xmlns:p="http://schemas.openxmlformats.org/presentationml/2006/main">
   <p:cSld>
     <p:bg>
@@ -15005,7 +16116,7 @@
 </p:sld>
 </file>
 
-<file path=ppt/slides/slide7.xml><?xml version="1.0" encoding="utf-8"?>
+<file path=ppt/slides/slide8.xml><?xml version="1.0" encoding="utf-8"?>
 <p:sld xmlns:a="http://schemas.openxmlformats.org/drawingml/2006/main" xmlns:r="http://schemas.openxmlformats.org/officeDocument/2006/relationships" xmlns:p="http://schemas.openxmlformats.org/presentationml/2006/main">
   <p:cSld>
     <p:bg>
@@ -16072,7 +17183,7 @@
 </p:sld>
 </file>
 
-<file path=ppt/slides/slide8.xml><?xml version="1.0" encoding="utf-8"?>
+<file path=ppt/slides/slide9.xml><?xml version="1.0" encoding="utf-8"?>
 <p:sld xmlns:a="http://schemas.openxmlformats.org/drawingml/2006/main" xmlns:r="http://schemas.openxmlformats.org/officeDocument/2006/relationships" xmlns:p="http://schemas.openxmlformats.org/presentationml/2006/main">
   <p:cSld>
     <p:bg>
@@ -18343,1027 +19454,6 @@
     <p:extLst>
       <p:ext uri="{BB962C8B-B14F-4D97-AF65-F5344CB8AC3E}">
         <p14:creationId xmlns:p14="http://schemas.microsoft.com/office/powerpoint/2010/main" val="938274926"/>
-      </p:ext>
-    </p:extLst>
-  </p:cSld>
-  <p:clrMapOvr>
-    <a:masterClrMapping/>
-  </p:clrMapOvr>
-  <p:timing>
-    <p:tnLst>
-      <p:par>
-        <p:cTn id="1" dur="indefinite" restart="never" nodeType="tmRoot"/>
-      </p:par>
-    </p:tnLst>
-  </p:timing>
-</p:sld>
-</file>
-
-<file path=ppt/slides/slide9.xml><?xml version="1.0" encoding="utf-8"?>
-<p:sld xmlns:a="http://schemas.openxmlformats.org/drawingml/2006/main" xmlns:r="http://schemas.openxmlformats.org/officeDocument/2006/relationships" xmlns:p="http://schemas.openxmlformats.org/presentationml/2006/main">
-  <p:cSld>
-    <p:bg>
-      <p:bgPr>
-        <a:blipFill dpi="0" rotWithShape="1">
-          <a:blip r:embed="rId2">
-            <a:lum/>
-          </a:blip>
-          <a:srcRect/>
-          <a:stretch>
-            <a:fillRect/>
-          </a:stretch>
-        </a:blipFill>
-        <a:effectLst/>
-      </p:bgPr>
-    </p:bg>
-    <p:spTree>
-      <p:nvGrpSpPr>
-        <p:cNvPr id="1" name=""/>
-        <p:cNvGrpSpPr/>
-        <p:nvPr/>
-      </p:nvGrpSpPr>
-      <p:grpSpPr>
-        <a:xfrm>
-          <a:off x="0" y="0"/>
-          <a:ext cx="0" cy="0"/>
-          <a:chOff x="0" y="0"/>
-          <a:chExt cx="0" cy="0"/>
-        </a:xfrm>
-      </p:grpSpPr>
-      <p:sp>
-        <p:nvSpPr>
-          <p:cNvPr id="10242" name="Rectangle 1"/>
-          <p:cNvSpPr>
-            <a:spLocks noChangeArrowheads="1"/>
-          </p:cNvSpPr>
-          <p:nvPr/>
-        </p:nvSpPr>
-        <p:spPr bwMode="auto">
-          <a:xfrm>
-            <a:off x="457200" y="-4763"/>
-            <a:ext cx="8305800" cy="461963"/>
-          </a:xfrm>
-          <a:prstGeom prst="rect">
-            <a:avLst/>
-          </a:prstGeom>
-          <a:noFill/>
-          <a:ln>
-            <a:noFill/>
-          </a:ln>
-          <a:extLst>
-            <a:ext uri="{909E8E84-426E-40DD-AFC4-6F175D3DCCD1}">
-              <a14:hiddenFill xmlns:a14="http://schemas.microsoft.com/office/drawing/2010/main">
-                <a:solidFill>
-                  <a:srgbClr val="FFFFFF"/>
-                </a:solidFill>
-              </a14:hiddenFill>
-            </a:ext>
-            <a:ext uri="{91240B29-F687-4F45-9708-019B960494DF}">
-              <a14:hiddenLine xmlns:a14="http://schemas.microsoft.com/office/drawing/2010/main" w="9525">
-                <a:solidFill>
-                  <a:srgbClr val="000000"/>
-                </a:solidFill>
-                <a:miter lim="800000"/>
-                <a:headEnd/>
-                <a:tailEnd/>
-              </a14:hiddenLine>
-            </a:ext>
-          </a:extLst>
-        </p:spPr>
-        <p:txBody>
-          <a:bodyPr anchor="ctr">
-            <a:spAutoFit/>
-          </a:bodyPr>
-          <a:lstStyle/>
-          <a:p>
-            <a:pPr algn="ctr">
-              <a:tabLst>
-                <a:tab pos="457200" algn="l"/>
-              </a:tabLst>
-            </a:pPr>
-            <a:r>
-              <a:rPr lang="ru-RU" sz="2400">
-                <a:cs typeface="Times New Roman" pitchFamily="18" charset="0"/>
-              </a:rPr>
-              <a:t>Сборка мусора</a:t>
-            </a:r>
-            <a:r>
-              <a:rPr lang="en-US" sz="2400">
-                <a:cs typeface="Times New Roman" pitchFamily="18" charset="0"/>
-              </a:rPr>
-              <a:t>.</a:t>
-            </a:r>
-          </a:p>
-        </p:txBody>
-      </p:sp>
-      <p:sp>
-        <p:nvSpPr>
-          <p:cNvPr id="10243" name="Rectangle 64"/>
-          <p:cNvSpPr>
-            <a:spLocks noChangeArrowheads="1"/>
-          </p:cNvSpPr>
-          <p:nvPr/>
-        </p:nvSpPr>
-        <p:spPr bwMode="auto">
-          <a:xfrm>
-            <a:off x="0" y="0"/>
-            <a:ext cx="9144000" cy="0"/>
-          </a:xfrm>
-          <a:prstGeom prst="rect">
-            <a:avLst/>
-          </a:prstGeom>
-          <a:noFill/>
-          <a:ln>
-            <a:noFill/>
-          </a:ln>
-          <a:extLst>
-            <a:ext uri="{909E8E84-426E-40DD-AFC4-6F175D3DCCD1}">
-              <a14:hiddenFill xmlns:a14="http://schemas.microsoft.com/office/drawing/2010/main">
-                <a:solidFill>
-                  <a:srgbClr val="FFFFFF"/>
-                </a:solidFill>
-              </a14:hiddenFill>
-            </a:ext>
-            <a:ext uri="{91240B29-F687-4F45-9708-019B960494DF}">
-              <a14:hiddenLine xmlns:a14="http://schemas.microsoft.com/office/drawing/2010/main" w="9525">
-                <a:solidFill>
-                  <a:srgbClr val="000000"/>
-                </a:solidFill>
-                <a:miter lim="800000"/>
-                <a:headEnd/>
-                <a:tailEnd/>
-              </a14:hiddenLine>
-            </a:ext>
-          </a:extLst>
-        </p:spPr>
-        <p:txBody>
-          <a:bodyPr wrap="none" anchor="ctr">
-            <a:spAutoFit/>
-          </a:bodyPr>
-          <a:lstStyle/>
-          <a:p>
-            <a:endParaRPr lang="be-BY"/>
-          </a:p>
-        </p:txBody>
-      </p:sp>
-      <p:sp>
-        <p:nvSpPr>
-          <p:cNvPr id="22529" name="Rectangle 1"/>
-          <p:cNvSpPr>
-            <a:spLocks noChangeArrowheads="1"/>
-          </p:cNvSpPr>
-          <p:nvPr/>
-        </p:nvSpPr>
-        <p:spPr bwMode="auto">
-          <a:xfrm>
-            <a:off x="228600" y="685800"/>
-            <a:ext cx="8763000" cy="5908675"/>
-          </a:xfrm>
-          <a:prstGeom prst="rect">
-            <a:avLst/>
-          </a:prstGeom>
-          <a:noFill/>
-          <a:ln w="9525">
-            <a:solidFill>
-              <a:schemeClr val="bg1">
-                <a:lumMod val="65000"/>
-              </a:schemeClr>
-            </a:solidFill>
-            <a:miter lim="800000"/>
-            <a:headEnd/>
-            <a:tailEnd/>
-          </a:ln>
-          <a:effectLst/>
-        </p:spPr>
-        <p:txBody>
-          <a:bodyPr anchor="ctr">
-            <a:spAutoFit/>
-          </a:bodyPr>
-          <a:lstStyle/>
-          <a:p>
-            <a:pPr eaLnBrk="0" hangingPunct="0">
-              <a:defRPr/>
-            </a:pPr>
-            <a:r>
-              <a:rPr lang="be-BY" sz="1000" dirty="0">
-                <a:solidFill>
-                  <a:schemeClr val="bg1"/>
-                </a:solidFill>
-                <a:latin typeface="Courier New" pitchFamily="49" charset="0"/>
-                <a:ea typeface="Calibri" pitchFamily="34" charset="0"/>
-                <a:cs typeface="Courier New" pitchFamily="49" charset="0"/>
-              </a:rPr>
-              <a:t>    class MyClass : IDisposable</a:t>
-            </a:r>
-            <a:endParaRPr lang="be-BY" sz="900" dirty="0">
-              <a:solidFill>
-                <a:schemeClr val="bg1"/>
-              </a:solidFill>
-              <a:ea typeface="Calibri" pitchFamily="34" charset="0"/>
-              <a:cs typeface="Courier New" pitchFamily="49" charset="0"/>
-            </a:endParaRPr>
-          </a:p>
-          <a:p>
-            <a:pPr eaLnBrk="0" hangingPunct="0">
-              <a:defRPr/>
-            </a:pPr>
-            <a:r>
-              <a:rPr lang="be-BY" sz="1000" dirty="0">
-                <a:solidFill>
-                  <a:schemeClr val="bg1"/>
-                </a:solidFill>
-                <a:latin typeface="Courier New" pitchFamily="49" charset="0"/>
-                <a:ea typeface="Calibri" pitchFamily="34" charset="0"/>
-                <a:cs typeface="Courier New" pitchFamily="49" charset="0"/>
-              </a:rPr>
-              <a:t>    {</a:t>
-            </a:r>
-            <a:endParaRPr lang="be-BY" sz="900" dirty="0">
-              <a:solidFill>
-                <a:schemeClr val="bg1"/>
-              </a:solidFill>
-              <a:ea typeface="Calibri" pitchFamily="34" charset="0"/>
-              <a:cs typeface="Courier New" pitchFamily="49" charset="0"/>
-            </a:endParaRPr>
-          </a:p>
-          <a:p>
-            <a:pPr eaLnBrk="0" hangingPunct="0">
-              <a:defRPr/>
-            </a:pPr>
-            <a:r>
-              <a:rPr lang="be-BY" sz="1000" dirty="0">
-                <a:solidFill>
-                  <a:schemeClr val="bg1"/>
-                </a:solidFill>
-                <a:latin typeface="Courier New" pitchFamily="49" charset="0"/>
-                <a:ea typeface="Calibri" pitchFamily="34" charset="0"/>
-                <a:cs typeface="Courier New" pitchFamily="49" charset="0"/>
-              </a:rPr>
-              <a:t>        bool isDisposed = false;</a:t>
-            </a:r>
-            <a:endParaRPr lang="be-BY" sz="900" dirty="0">
-              <a:solidFill>
-                <a:schemeClr val="bg1"/>
-              </a:solidFill>
-              <a:ea typeface="Calibri" pitchFamily="34" charset="0"/>
-              <a:cs typeface="Courier New" pitchFamily="49" charset="0"/>
-            </a:endParaRPr>
-          </a:p>
-          <a:p>
-            <a:pPr eaLnBrk="0" hangingPunct="0">
-              <a:defRPr/>
-            </a:pPr>
-            <a:r>
-              <a:rPr lang="be-BY" sz="1000" dirty="0">
-                <a:solidFill>
-                  <a:schemeClr val="bg1"/>
-                </a:solidFill>
-                <a:latin typeface="Courier New" pitchFamily="49" charset="0"/>
-                <a:ea typeface="Calibri" pitchFamily="34" charset="0"/>
-                <a:cs typeface="Courier New" pitchFamily="49" charset="0"/>
-              </a:rPr>
-              <a:t>        double[] arr = new double[100000];  //Данные</a:t>
-            </a:r>
-            <a:endParaRPr lang="be-BY" sz="900" dirty="0">
-              <a:solidFill>
-                <a:schemeClr val="bg1"/>
-              </a:solidFill>
-              <a:ea typeface="Calibri" pitchFamily="34" charset="0"/>
-              <a:cs typeface="Courier New" pitchFamily="49" charset="0"/>
-            </a:endParaRPr>
-          </a:p>
-          <a:p>
-            <a:pPr eaLnBrk="0" hangingPunct="0">
-              <a:defRPr/>
-            </a:pPr>
-            <a:r>
-              <a:rPr lang="be-BY" sz="1000" dirty="0">
-                <a:solidFill>
-                  <a:schemeClr val="bg1"/>
-                </a:solidFill>
-                <a:latin typeface="Courier New" pitchFamily="49" charset="0"/>
-                <a:ea typeface="Calibri" pitchFamily="34" charset="0"/>
-                <a:cs typeface="Courier New" pitchFamily="49" charset="0"/>
-              </a:rPr>
-              <a:t>        public MyClass()</a:t>
-            </a:r>
-            <a:endParaRPr lang="be-BY" sz="900" dirty="0">
-              <a:solidFill>
-                <a:schemeClr val="bg1"/>
-              </a:solidFill>
-              <a:ea typeface="Calibri" pitchFamily="34" charset="0"/>
-              <a:cs typeface="Courier New" pitchFamily="49" charset="0"/>
-            </a:endParaRPr>
-          </a:p>
-          <a:p>
-            <a:pPr eaLnBrk="0" hangingPunct="0">
-              <a:defRPr/>
-            </a:pPr>
-            <a:r>
-              <a:rPr lang="be-BY" sz="1000" dirty="0">
-                <a:solidFill>
-                  <a:schemeClr val="bg1"/>
-                </a:solidFill>
-                <a:latin typeface="Courier New" pitchFamily="49" charset="0"/>
-                <a:ea typeface="Calibri" pitchFamily="34" charset="0"/>
-                <a:cs typeface="Courier New" pitchFamily="49" charset="0"/>
-              </a:rPr>
-              <a:t>        {</a:t>
-            </a:r>
-            <a:endParaRPr lang="be-BY" sz="900" dirty="0">
-              <a:solidFill>
-                <a:schemeClr val="bg1"/>
-              </a:solidFill>
-              <a:ea typeface="Calibri" pitchFamily="34" charset="0"/>
-              <a:cs typeface="Courier New" pitchFamily="49" charset="0"/>
-            </a:endParaRPr>
-          </a:p>
-          <a:p>
-            <a:pPr eaLnBrk="0" hangingPunct="0">
-              <a:defRPr/>
-            </a:pPr>
-            <a:r>
-              <a:rPr lang="be-BY" sz="1000" dirty="0">
-                <a:solidFill>
-                  <a:schemeClr val="bg1"/>
-                </a:solidFill>
-                <a:latin typeface="Courier New" pitchFamily="49" charset="0"/>
-                <a:ea typeface="Calibri" pitchFamily="34" charset="0"/>
-                <a:cs typeface="Courier New" pitchFamily="49" charset="0"/>
-              </a:rPr>
-              <a:t>            Console.Write("*");</a:t>
-            </a:r>
-            <a:endParaRPr lang="be-BY" sz="900" dirty="0">
-              <a:solidFill>
-                <a:schemeClr val="bg1"/>
-              </a:solidFill>
-              <a:ea typeface="Calibri" pitchFamily="34" charset="0"/>
-              <a:cs typeface="Courier New" pitchFamily="49" charset="0"/>
-            </a:endParaRPr>
-          </a:p>
-          <a:p>
-            <a:pPr eaLnBrk="0" hangingPunct="0">
-              <a:defRPr/>
-            </a:pPr>
-            <a:r>
-              <a:rPr lang="be-BY" sz="1000" dirty="0">
-                <a:solidFill>
-                  <a:schemeClr val="bg1"/>
-                </a:solidFill>
-                <a:latin typeface="Courier New" pitchFamily="49" charset="0"/>
-                <a:ea typeface="Calibri" pitchFamily="34" charset="0"/>
-                <a:cs typeface="Courier New" pitchFamily="49" charset="0"/>
-              </a:rPr>
-              <a:t>        }</a:t>
-            </a:r>
-            <a:endParaRPr lang="be-BY" sz="900" dirty="0">
-              <a:solidFill>
-                <a:schemeClr val="bg1"/>
-              </a:solidFill>
-              <a:ea typeface="Calibri" pitchFamily="34" charset="0"/>
-              <a:cs typeface="Courier New" pitchFamily="49" charset="0"/>
-            </a:endParaRPr>
-          </a:p>
-          <a:p>
-            <a:pPr eaLnBrk="0" hangingPunct="0">
-              <a:defRPr/>
-            </a:pPr>
-            <a:r>
-              <a:rPr lang="be-BY" sz="1000" dirty="0">
-                <a:solidFill>
-                  <a:schemeClr val="bg1"/>
-                </a:solidFill>
-                <a:latin typeface="Courier New" pitchFamily="49" charset="0"/>
-                <a:ea typeface="Calibri" pitchFamily="34" charset="0"/>
-                <a:cs typeface="Courier New" pitchFamily="49" charset="0"/>
-              </a:rPr>
-              <a:t>        ~MyClass()      //Финализатор </a:t>
-            </a:r>
-            <a:endParaRPr lang="be-BY" sz="900" dirty="0">
-              <a:solidFill>
-                <a:schemeClr val="bg1"/>
-              </a:solidFill>
-              <a:ea typeface="Calibri" pitchFamily="34" charset="0"/>
-              <a:cs typeface="Courier New" pitchFamily="49" charset="0"/>
-            </a:endParaRPr>
-          </a:p>
-          <a:p>
-            <a:pPr eaLnBrk="0" hangingPunct="0">
-              <a:defRPr/>
-            </a:pPr>
-            <a:r>
-              <a:rPr lang="be-BY" sz="1000" dirty="0">
-                <a:solidFill>
-                  <a:schemeClr val="bg1"/>
-                </a:solidFill>
-                <a:latin typeface="Courier New" pitchFamily="49" charset="0"/>
-                <a:ea typeface="Calibri" pitchFamily="34" charset="0"/>
-                <a:cs typeface="Courier New" pitchFamily="49" charset="0"/>
-              </a:rPr>
-              <a:t>        {</a:t>
-            </a:r>
-            <a:endParaRPr lang="be-BY" sz="900" dirty="0">
-              <a:solidFill>
-                <a:schemeClr val="bg1"/>
-              </a:solidFill>
-              <a:ea typeface="Calibri" pitchFamily="34" charset="0"/>
-              <a:cs typeface="Courier New" pitchFamily="49" charset="0"/>
-            </a:endParaRPr>
-          </a:p>
-          <a:p>
-            <a:pPr eaLnBrk="0" hangingPunct="0">
-              <a:defRPr/>
-            </a:pPr>
-            <a:r>
-              <a:rPr lang="be-BY" sz="1000" dirty="0">
-                <a:solidFill>
-                  <a:schemeClr val="bg1"/>
-                </a:solidFill>
-                <a:latin typeface="Courier New" pitchFamily="49" charset="0"/>
-                <a:ea typeface="Calibri" pitchFamily="34" charset="0"/>
-                <a:cs typeface="Courier New" pitchFamily="49" charset="0"/>
-              </a:rPr>
-              <a:t>            Console.Write("^"); </a:t>
-            </a:r>
-            <a:endParaRPr lang="be-BY" sz="900" dirty="0">
-              <a:solidFill>
-                <a:schemeClr val="bg1"/>
-              </a:solidFill>
-              <a:ea typeface="Calibri" pitchFamily="34" charset="0"/>
-              <a:cs typeface="Courier New" pitchFamily="49" charset="0"/>
-            </a:endParaRPr>
-          </a:p>
-          <a:p>
-            <a:pPr eaLnBrk="0" hangingPunct="0">
-              <a:defRPr/>
-            </a:pPr>
-            <a:r>
-              <a:rPr lang="be-BY" sz="1000" dirty="0">
-                <a:solidFill>
-                  <a:schemeClr val="bg1"/>
-                </a:solidFill>
-                <a:latin typeface="Courier New" pitchFamily="49" charset="0"/>
-                <a:ea typeface="Calibri" pitchFamily="34" charset="0"/>
-                <a:cs typeface="Courier New" pitchFamily="49" charset="0"/>
-              </a:rPr>
-              <a:t>            if (!isDisposed)</a:t>
-            </a:r>
-            <a:endParaRPr lang="be-BY" sz="900" dirty="0">
-              <a:solidFill>
-                <a:schemeClr val="bg1"/>
-              </a:solidFill>
-              <a:ea typeface="Calibri" pitchFamily="34" charset="0"/>
-              <a:cs typeface="Courier New" pitchFamily="49" charset="0"/>
-            </a:endParaRPr>
-          </a:p>
-          <a:p>
-            <a:pPr eaLnBrk="0" hangingPunct="0">
-              <a:defRPr/>
-            </a:pPr>
-            <a:r>
-              <a:rPr lang="be-BY" sz="1000" dirty="0">
-                <a:solidFill>
-                  <a:schemeClr val="bg1"/>
-                </a:solidFill>
-                <a:latin typeface="Courier New" pitchFamily="49" charset="0"/>
-                <a:ea typeface="Calibri" pitchFamily="34" charset="0"/>
-                <a:cs typeface="Courier New" pitchFamily="49" charset="0"/>
-              </a:rPr>
-              <a:t>                Dispose();</a:t>
-            </a:r>
-            <a:endParaRPr lang="be-BY" sz="900" dirty="0">
-              <a:solidFill>
-                <a:schemeClr val="bg1"/>
-              </a:solidFill>
-              <a:ea typeface="Calibri" pitchFamily="34" charset="0"/>
-              <a:cs typeface="Courier New" pitchFamily="49" charset="0"/>
-            </a:endParaRPr>
-          </a:p>
-          <a:p>
-            <a:pPr eaLnBrk="0" hangingPunct="0">
-              <a:defRPr/>
-            </a:pPr>
-            <a:r>
-              <a:rPr lang="be-BY" sz="1000" dirty="0">
-                <a:solidFill>
-                  <a:schemeClr val="bg1"/>
-                </a:solidFill>
-                <a:latin typeface="Courier New" pitchFamily="49" charset="0"/>
-                <a:ea typeface="Calibri" pitchFamily="34" charset="0"/>
-                <a:cs typeface="Courier New" pitchFamily="49" charset="0"/>
-              </a:rPr>
-              <a:t>        }</a:t>
-            </a:r>
-            <a:endParaRPr lang="be-BY" sz="900" dirty="0">
-              <a:solidFill>
-                <a:schemeClr val="bg1"/>
-              </a:solidFill>
-              <a:ea typeface="Calibri" pitchFamily="34" charset="0"/>
-              <a:cs typeface="Courier New" pitchFamily="49" charset="0"/>
-            </a:endParaRPr>
-          </a:p>
-          <a:p>
-            <a:pPr eaLnBrk="0" hangingPunct="0">
-              <a:defRPr/>
-            </a:pPr>
-            <a:r>
-              <a:rPr lang="be-BY" sz="1000" dirty="0">
-                <a:solidFill>
-                  <a:schemeClr val="bg1"/>
-                </a:solidFill>
-                <a:latin typeface="Courier New" pitchFamily="49" charset="0"/>
-                <a:ea typeface="Calibri" pitchFamily="34" charset="0"/>
-                <a:cs typeface="Courier New" pitchFamily="49" charset="0"/>
-              </a:rPr>
-              <a:t>        public void Dispose()     //Освобождение ресурсов</a:t>
-            </a:r>
-            <a:endParaRPr lang="be-BY" sz="900" dirty="0">
-              <a:solidFill>
-                <a:schemeClr val="bg1"/>
-              </a:solidFill>
-              <a:ea typeface="Calibri" pitchFamily="34" charset="0"/>
-              <a:cs typeface="Courier New" pitchFamily="49" charset="0"/>
-            </a:endParaRPr>
-          </a:p>
-          <a:p>
-            <a:pPr eaLnBrk="0" hangingPunct="0">
-              <a:defRPr/>
-            </a:pPr>
-            <a:r>
-              <a:rPr lang="be-BY" sz="1000" dirty="0">
-                <a:solidFill>
-                  <a:schemeClr val="bg1"/>
-                </a:solidFill>
-                <a:latin typeface="Courier New" pitchFamily="49" charset="0"/>
-                <a:ea typeface="Calibri" pitchFamily="34" charset="0"/>
-                <a:cs typeface="Courier New" pitchFamily="49" charset="0"/>
-              </a:rPr>
-              <a:t>        {</a:t>
-            </a:r>
-            <a:endParaRPr lang="be-BY" sz="900" dirty="0">
-              <a:solidFill>
-                <a:schemeClr val="bg1"/>
-              </a:solidFill>
-              <a:ea typeface="Calibri" pitchFamily="34" charset="0"/>
-              <a:cs typeface="Courier New" pitchFamily="49" charset="0"/>
-            </a:endParaRPr>
-          </a:p>
-          <a:p>
-            <a:pPr eaLnBrk="0" hangingPunct="0">
-              <a:defRPr/>
-            </a:pPr>
-            <a:r>
-              <a:rPr lang="be-BY" sz="1000" dirty="0">
-                <a:solidFill>
-                  <a:schemeClr val="bg1"/>
-                </a:solidFill>
-                <a:latin typeface="Courier New" pitchFamily="49" charset="0"/>
-                <a:ea typeface="Calibri" pitchFamily="34" charset="0"/>
-                <a:cs typeface="Courier New" pitchFamily="49" charset="0"/>
-              </a:rPr>
-              <a:t>            isDisposed = true;</a:t>
-            </a:r>
-            <a:endParaRPr lang="be-BY" sz="900" dirty="0">
-              <a:solidFill>
-                <a:schemeClr val="bg1"/>
-              </a:solidFill>
-              <a:ea typeface="Calibri" pitchFamily="34" charset="0"/>
-              <a:cs typeface="Courier New" pitchFamily="49" charset="0"/>
-            </a:endParaRPr>
-          </a:p>
-          <a:p>
-            <a:pPr eaLnBrk="0" hangingPunct="0">
-              <a:defRPr/>
-            </a:pPr>
-            <a:r>
-              <a:rPr lang="be-BY" sz="1000" dirty="0">
-                <a:solidFill>
-                  <a:schemeClr val="bg1"/>
-                </a:solidFill>
-                <a:latin typeface="Courier New" pitchFamily="49" charset="0"/>
-                <a:ea typeface="Calibri" pitchFamily="34" charset="0"/>
-                <a:cs typeface="Courier New" pitchFamily="49" charset="0"/>
-              </a:rPr>
-              <a:t>            Console.Write(".");</a:t>
-            </a:r>
-            <a:endParaRPr lang="be-BY" sz="900" dirty="0">
-              <a:solidFill>
-                <a:schemeClr val="bg1"/>
-              </a:solidFill>
-              <a:ea typeface="Calibri" pitchFamily="34" charset="0"/>
-              <a:cs typeface="Courier New" pitchFamily="49" charset="0"/>
-            </a:endParaRPr>
-          </a:p>
-          <a:p>
-            <a:pPr eaLnBrk="0" hangingPunct="0">
-              <a:defRPr/>
-            </a:pPr>
-            <a:r>
-              <a:rPr lang="be-BY" sz="1000" dirty="0">
-                <a:solidFill>
-                  <a:schemeClr val="bg1"/>
-                </a:solidFill>
-                <a:latin typeface="Courier New" pitchFamily="49" charset="0"/>
-                <a:ea typeface="Calibri" pitchFamily="34" charset="0"/>
-                <a:cs typeface="Courier New" pitchFamily="49" charset="0"/>
-              </a:rPr>
-              <a:t>        }</a:t>
-            </a:r>
-            <a:endParaRPr lang="be-BY" sz="900" dirty="0">
-              <a:solidFill>
-                <a:schemeClr val="bg1"/>
-              </a:solidFill>
-              <a:ea typeface="Calibri" pitchFamily="34" charset="0"/>
-              <a:cs typeface="Courier New" pitchFamily="49" charset="0"/>
-            </a:endParaRPr>
-          </a:p>
-          <a:p>
-            <a:pPr eaLnBrk="0" hangingPunct="0">
-              <a:defRPr/>
-            </a:pPr>
-            <a:r>
-              <a:rPr lang="be-BY" sz="1000" dirty="0">
-                <a:solidFill>
-                  <a:schemeClr val="bg1"/>
-                </a:solidFill>
-                <a:latin typeface="Courier New" pitchFamily="49" charset="0"/>
-                <a:ea typeface="Calibri" pitchFamily="34" charset="0"/>
-                <a:cs typeface="Courier New" pitchFamily="49" charset="0"/>
-              </a:rPr>
-              <a:t>    }</a:t>
-            </a:r>
-          </a:p>
-          <a:p>
-            <a:pPr eaLnBrk="0" hangingPunct="0">
-              <a:defRPr/>
-            </a:pPr>
-            <a:endParaRPr lang="be-BY" sz="900" dirty="0">
-              <a:solidFill>
-                <a:schemeClr val="bg1"/>
-              </a:solidFill>
-              <a:ea typeface="Calibri" pitchFamily="34" charset="0"/>
-              <a:cs typeface="Courier New" pitchFamily="49" charset="0"/>
-            </a:endParaRPr>
-          </a:p>
-          <a:p>
-            <a:pPr eaLnBrk="0" hangingPunct="0">
-              <a:defRPr/>
-            </a:pPr>
-            <a:r>
-              <a:rPr lang="be-BY" sz="1000" dirty="0">
-                <a:solidFill>
-                  <a:schemeClr val="bg1"/>
-                </a:solidFill>
-                <a:latin typeface="Courier New" pitchFamily="49" charset="0"/>
-                <a:ea typeface="Calibri" pitchFamily="34" charset="0"/>
-                <a:cs typeface="Courier New" pitchFamily="49" charset="0"/>
-              </a:rPr>
-              <a:t>    class Program</a:t>
-            </a:r>
-            <a:endParaRPr lang="be-BY" sz="900" dirty="0">
-              <a:solidFill>
-                <a:schemeClr val="bg1"/>
-              </a:solidFill>
-              <a:ea typeface="Calibri" pitchFamily="34" charset="0"/>
-              <a:cs typeface="Courier New" pitchFamily="49" charset="0"/>
-            </a:endParaRPr>
-          </a:p>
-          <a:p>
-            <a:pPr eaLnBrk="0" hangingPunct="0">
-              <a:defRPr/>
-            </a:pPr>
-            <a:r>
-              <a:rPr lang="be-BY" sz="1000" dirty="0">
-                <a:solidFill>
-                  <a:schemeClr val="bg1"/>
-                </a:solidFill>
-                <a:latin typeface="Courier New" pitchFamily="49" charset="0"/>
-                <a:ea typeface="Calibri" pitchFamily="34" charset="0"/>
-                <a:cs typeface="Courier New" pitchFamily="49" charset="0"/>
-              </a:rPr>
-              <a:t>    {</a:t>
-            </a:r>
-            <a:endParaRPr lang="be-BY" sz="900" dirty="0">
-              <a:solidFill>
-                <a:schemeClr val="bg1"/>
-              </a:solidFill>
-              <a:ea typeface="Calibri" pitchFamily="34" charset="0"/>
-              <a:cs typeface="Courier New" pitchFamily="49" charset="0"/>
-            </a:endParaRPr>
-          </a:p>
-          <a:p>
-            <a:pPr eaLnBrk="0" hangingPunct="0">
-              <a:defRPr/>
-            </a:pPr>
-            <a:r>
-              <a:rPr lang="be-BY" sz="1000" dirty="0">
-                <a:solidFill>
-                  <a:schemeClr val="bg1"/>
-                </a:solidFill>
-                <a:latin typeface="Courier New" pitchFamily="49" charset="0"/>
-                <a:ea typeface="Calibri" pitchFamily="34" charset="0"/>
-                <a:cs typeface="Courier New" pitchFamily="49" charset="0"/>
-              </a:rPr>
-              <a:t>        static void Main(string[] args)</a:t>
-            </a:r>
-            <a:endParaRPr lang="be-BY" sz="900" dirty="0">
-              <a:solidFill>
-                <a:schemeClr val="bg1"/>
-              </a:solidFill>
-              <a:ea typeface="Calibri" pitchFamily="34" charset="0"/>
-              <a:cs typeface="Courier New" pitchFamily="49" charset="0"/>
-            </a:endParaRPr>
-          </a:p>
-          <a:p>
-            <a:pPr eaLnBrk="0" hangingPunct="0">
-              <a:defRPr/>
-            </a:pPr>
-            <a:r>
-              <a:rPr lang="be-BY" sz="1000" dirty="0">
-                <a:solidFill>
-                  <a:schemeClr val="bg1"/>
-                </a:solidFill>
-                <a:latin typeface="Courier New" pitchFamily="49" charset="0"/>
-                <a:ea typeface="Calibri" pitchFamily="34" charset="0"/>
-                <a:cs typeface="Courier New" pitchFamily="49" charset="0"/>
-              </a:rPr>
-              <a:t>        {</a:t>
-            </a:r>
-            <a:endParaRPr lang="be-BY" sz="900" dirty="0">
-              <a:solidFill>
-                <a:schemeClr val="bg1"/>
-              </a:solidFill>
-              <a:ea typeface="Calibri" pitchFamily="34" charset="0"/>
-              <a:cs typeface="Courier New" pitchFamily="49" charset="0"/>
-            </a:endParaRPr>
-          </a:p>
-          <a:p>
-            <a:pPr eaLnBrk="0" hangingPunct="0">
-              <a:defRPr/>
-            </a:pPr>
-            <a:r>
-              <a:rPr lang="be-BY" sz="1000" dirty="0">
-                <a:solidFill>
-                  <a:schemeClr val="bg1"/>
-                </a:solidFill>
-                <a:latin typeface="Courier New" pitchFamily="49" charset="0"/>
-                <a:ea typeface="Calibri" pitchFamily="34" charset="0"/>
-                <a:cs typeface="Courier New" pitchFamily="49" charset="0"/>
-              </a:rPr>
-              <a:t>            using (MyClass mc = new MyClass())</a:t>
-            </a:r>
-            <a:endParaRPr lang="be-BY" sz="900" dirty="0">
-              <a:solidFill>
-                <a:schemeClr val="bg1"/>
-              </a:solidFill>
-              <a:ea typeface="Calibri" pitchFamily="34" charset="0"/>
-              <a:cs typeface="Courier New" pitchFamily="49" charset="0"/>
-            </a:endParaRPr>
-          </a:p>
-          <a:p>
-            <a:pPr eaLnBrk="0" hangingPunct="0">
-              <a:defRPr/>
-            </a:pPr>
-            <a:r>
-              <a:rPr lang="be-BY" sz="1000" dirty="0">
-                <a:solidFill>
-                  <a:schemeClr val="bg1"/>
-                </a:solidFill>
-                <a:latin typeface="Courier New" pitchFamily="49" charset="0"/>
-                <a:ea typeface="Calibri" pitchFamily="34" charset="0"/>
-                <a:cs typeface="Courier New" pitchFamily="49" charset="0"/>
-              </a:rPr>
-              <a:t>            {</a:t>
-            </a:r>
-            <a:endParaRPr lang="be-BY" sz="900" dirty="0">
-              <a:solidFill>
-                <a:schemeClr val="bg1"/>
-              </a:solidFill>
-              <a:ea typeface="Calibri" pitchFamily="34" charset="0"/>
-              <a:cs typeface="Courier New" pitchFamily="49" charset="0"/>
-            </a:endParaRPr>
-          </a:p>
-          <a:p>
-            <a:pPr eaLnBrk="0" hangingPunct="0">
-              <a:defRPr/>
-            </a:pPr>
-            <a:r>
-              <a:rPr lang="be-BY" sz="1000" dirty="0">
-                <a:solidFill>
-                  <a:schemeClr val="bg1"/>
-                </a:solidFill>
-                <a:latin typeface="Courier New" pitchFamily="49" charset="0"/>
-                <a:ea typeface="Calibri" pitchFamily="34" charset="0"/>
-                <a:cs typeface="Courier New" pitchFamily="49" charset="0"/>
-              </a:rPr>
-              <a:t>                /* Действия с объектом mc */</a:t>
-            </a:r>
-          </a:p>
-          <a:p>
-            <a:pPr eaLnBrk="0" hangingPunct="0">
-              <a:defRPr/>
-            </a:pPr>
-            <a:endParaRPr lang="be-BY" sz="900" dirty="0">
-              <a:solidFill>
-                <a:schemeClr val="bg1"/>
-              </a:solidFill>
-              <a:ea typeface="Calibri" pitchFamily="34" charset="0"/>
-              <a:cs typeface="Courier New" pitchFamily="49" charset="0"/>
-            </a:endParaRPr>
-          </a:p>
-          <a:p>
-            <a:pPr eaLnBrk="0" hangingPunct="0">
-              <a:defRPr/>
-            </a:pPr>
-            <a:r>
-              <a:rPr lang="be-BY" sz="1000" dirty="0">
-                <a:solidFill>
-                  <a:schemeClr val="bg1"/>
-                </a:solidFill>
-                <a:latin typeface="Courier New" pitchFamily="49" charset="0"/>
-                <a:ea typeface="Calibri" pitchFamily="34" charset="0"/>
-                <a:cs typeface="Courier New" pitchFamily="49" charset="0"/>
-              </a:rPr>
-              <a:t>                //Тут вызовется метод Dispose()</a:t>
-            </a:r>
-            <a:endParaRPr lang="be-BY" sz="900" dirty="0">
-              <a:solidFill>
-                <a:schemeClr val="bg1"/>
-              </a:solidFill>
-              <a:ea typeface="Calibri" pitchFamily="34" charset="0"/>
-              <a:cs typeface="Courier New" pitchFamily="49" charset="0"/>
-            </a:endParaRPr>
-          </a:p>
-          <a:p>
-            <a:pPr eaLnBrk="0" hangingPunct="0">
-              <a:defRPr/>
-            </a:pPr>
-            <a:r>
-              <a:rPr lang="be-BY" sz="1000" dirty="0">
-                <a:solidFill>
-                  <a:schemeClr val="bg1"/>
-                </a:solidFill>
-                <a:latin typeface="Courier New" pitchFamily="49" charset="0"/>
-                <a:ea typeface="Calibri" pitchFamily="34" charset="0"/>
-                <a:cs typeface="Courier New" pitchFamily="49" charset="0"/>
-              </a:rPr>
-              <a:t>            }</a:t>
-            </a:r>
-            <a:endParaRPr lang="be-BY" sz="900" dirty="0">
-              <a:solidFill>
-                <a:schemeClr val="bg1"/>
-              </a:solidFill>
-              <a:ea typeface="Calibri" pitchFamily="34" charset="0"/>
-              <a:cs typeface="Courier New" pitchFamily="49" charset="0"/>
-            </a:endParaRPr>
-          </a:p>
-          <a:p>
-            <a:pPr eaLnBrk="0" hangingPunct="0">
-              <a:defRPr/>
-            </a:pPr>
-            <a:r>
-              <a:rPr lang="be-BY" sz="1000" dirty="0">
-                <a:solidFill>
-                  <a:schemeClr val="bg1"/>
-                </a:solidFill>
-                <a:latin typeface="Courier New" pitchFamily="49" charset="0"/>
-                <a:ea typeface="Calibri" pitchFamily="34" charset="0"/>
-                <a:cs typeface="Courier New" pitchFamily="49" charset="0"/>
-              </a:rPr>
-              <a:t>            GC.Collect();           //Принудительная сборка мутора</a:t>
-            </a:r>
-            <a:endParaRPr lang="be-BY" sz="900" dirty="0">
-              <a:solidFill>
-                <a:schemeClr val="bg1"/>
-              </a:solidFill>
-              <a:ea typeface="Calibri" pitchFamily="34" charset="0"/>
-              <a:cs typeface="Courier New" pitchFamily="49" charset="0"/>
-            </a:endParaRPr>
-          </a:p>
-          <a:p>
-            <a:pPr eaLnBrk="0" hangingPunct="0">
-              <a:defRPr/>
-            </a:pPr>
-            <a:endParaRPr lang="be-BY" sz="1000" dirty="0">
-              <a:solidFill>
-                <a:schemeClr val="bg1"/>
-              </a:solidFill>
-              <a:latin typeface="Courier New" pitchFamily="49" charset="0"/>
-              <a:ea typeface="Calibri" pitchFamily="34" charset="0"/>
-              <a:cs typeface="Courier New" pitchFamily="49" charset="0"/>
-            </a:endParaRPr>
-          </a:p>
-          <a:p>
-            <a:pPr eaLnBrk="0" hangingPunct="0">
-              <a:defRPr/>
-            </a:pPr>
-            <a:r>
-              <a:rPr lang="be-BY" sz="1000" dirty="0">
-                <a:solidFill>
-                  <a:schemeClr val="bg1"/>
-                </a:solidFill>
-                <a:latin typeface="Courier New" pitchFamily="49" charset="0"/>
-                <a:ea typeface="Calibri" pitchFamily="34" charset="0"/>
-                <a:cs typeface="Courier New" pitchFamily="49" charset="0"/>
-              </a:rPr>
-              <a:t>            MyClass m2 = new MyClass();</a:t>
-            </a:r>
-            <a:endParaRPr lang="be-BY" sz="900" dirty="0">
-              <a:solidFill>
-                <a:schemeClr val="bg1"/>
-              </a:solidFill>
-              <a:ea typeface="Calibri" pitchFamily="34" charset="0"/>
-              <a:cs typeface="Courier New" pitchFamily="49" charset="0"/>
-            </a:endParaRPr>
-          </a:p>
-          <a:p>
-            <a:pPr eaLnBrk="0" hangingPunct="0">
-              <a:defRPr/>
-            </a:pPr>
-            <a:r>
-              <a:rPr lang="be-BY" sz="1000" dirty="0">
-                <a:solidFill>
-                  <a:schemeClr val="bg1"/>
-                </a:solidFill>
-                <a:latin typeface="Courier New" pitchFamily="49" charset="0"/>
-                <a:ea typeface="Calibri" pitchFamily="34" charset="0"/>
-                <a:cs typeface="Courier New" pitchFamily="49" charset="0"/>
-              </a:rPr>
-              <a:t>            m2.Dispose();</a:t>
-            </a:r>
-            <a:endParaRPr lang="be-BY" sz="900" dirty="0">
-              <a:solidFill>
-                <a:schemeClr val="bg1"/>
-              </a:solidFill>
-              <a:ea typeface="Calibri" pitchFamily="34" charset="0"/>
-              <a:cs typeface="Courier New" pitchFamily="49" charset="0"/>
-            </a:endParaRPr>
-          </a:p>
-          <a:p>
-            <a:pPr eaLnBrk="0" hangingPunct="0">
-              <a:defRPr/>
-            </a:pPr>
-            <a:endParaRPr lang="be-BY" sz="1000" dirty="0">
-              <a:solidFill>
-                <a:schemeClr val="bg1"/>
-              </a:solidFill>
-              <a:latin typeface="Courier New" pitchFamily="49" charset="0"/>
-              <a:ea typeface="Calibri" pitchFamily="34" charset="0"/>
-              <a:cs typeface="Courier New" pitchFamily="49" charset="0"/>
-            </a:endParaRPr>
-          </a:p>
-          <a:p>
-            <a:pPr eaLnBrk="0" hangingPunct="0">
-              <a:defRPr/>
-            </a:pPr>
-            <a:r>
-              <a:rPr lang="be-BY" sz="1000" dirty="0">
-                <a:solidFill>
-                  <a:schemeClr val="bg1"/>
-                </a:solidFill>
-                <a:latin typeface="Courier New" pitchFamily="49" charset="0"/>
-                <a:ea typeface="Calibri" pitchFamily="34" charset="0"/>
-                <a:cs typeface="Courier New" pitchFamily="49" charset="0"/>
-              </a:rPr>
-              <a:t>        }</a:t>
-            </a:r>
-            <a:endParaRPr lang="be-BY" sz="900" dirty="0">
-              <a:solidFill>
-                <a:schemeClr val="bg1"/>
-              </a:solidFill>
-              <a:ea typeface="Calibri" pitchFamily="34" charset="0"/>
-              <a:cs typeface="Courier New" pitchFamily="49" charset="0"/>
-            </a:endParaRPr>
-          </a:p>
-          <a:p>
-            <a:pPr eaLnBrk="0" hangingPunct="0">
-              <a:defRPr/>
-            </a:pPr>
-            <a:r>
-              <a:rPr lang="be-BY" sz="1000" dirty="0">
-                <a:solidFill>
-                  <a:schemeClr val="bg1"/>
-                </a:solidFill>
-                <a:latin typeface="Courier New" pitchFamily="49" charset="0"/>
-                <a:ea typeface="Calibri" pitchFamily="34" charset="0"/>
-                <a:cs typeface="Courier New" pitchFamily="49" charset="0"/>
-              </a:rPr>
-              <a:t>    }</a:t>
-            </a:r>
-            <a:endParaRPr lang="be-BY" dirty="0">
-              <a:solidFill>
-                <a:schemeClr val="bg1"/>
-              </a:solidFill>
-              <a:ea typeface="Calibri" pitchFamily="34" charset="0"/>
-              <a:cs typeface="Courier New" pitchFamily="49" charset="0"/>
-            </a:endParaRPr>
-          </a:p>
-        </p:txBody>
-      </p:sp>
-    </p:spTree>
-    <p:extLst>
-      <p:ext uri="{BB962C8B-B14F-4D97-AF65-F5344CB8AC3E}">
-        <p14:creationId xmlns:p14="http://schemas.microsoft.com/office/powerpoint/2010/main" val="1478398796"/>
       </p:ext>
     </p:extLst>
   </p:cSld>

--- a/Presentation/lesson-03.pptx
+++ b/Presentation/lesson-03.pptx
@@ -297,7 +297,7 @@
           <a:p>
             <a:fld id="{6D622FCB-595C-4A19-9DA3-A5F2C1EA723F}" type="datetimeFigureOut">
               <a:rPr lang="en-US" smtClean="0"/>
-              <a:t>8/16/2012</a:t>
+              <a:t>8/26/2012</a:t>
             </a:fld>
             <a:endParaRPr lang="en-US"/>
           </a:p>
@@ -467,7 +467,7 @@
           <a:p>
             <a:fld id="{6D622FCB-595C-4A19-9DA3-A5F2C1EA723F}" type="datetimeFigureOut">
               <a:rPr lang="en-US" smtClean="0"/>
-              <a:t>8/16/2012</a:t>
+              <a:t>8/26/2012</a:t>
             </a:fld>
             <a:endParaRPr lang="en-US"/>
           </a:p>
@@ -647,7 +647,7 @@
           <a:p>
             <a:fld id="{6D622FCB-595C-4A19-9DA3-A5F2C1EA723F}" type="datetimeFigureOut">
               <a:rPr lang="en-US" smtClean="0"/>
-              <a:t>8/16/2012</a:t>
+              <a:t>8/26/2012</a:t>
             </a:fld>
             <a:endParaRPr lang="en-US"/>
           </a:p>
@@ -817,7 +817,7 @@
           <a:p>
             <a:fld id="{6D622FCB-595C-4A19-9DA3-A5F2C1EA723F}" type="datetimeFigureOut">
               <a:rPr lang="en-US" smtClean="0"/>
-              <a:t>8/16/2012</a:t>
+              <a:t>8/26/2012</a:t>
             </a:fld>
             <a:endParaRPr lang="en-US"/>
           </a:p>
@@ -1063,7 +1063,7 @@
           <a:p>
             <a:fld id="{6D622FCB-595C-4A19-9DA3-A5F2C1EA723F}" type="datetimeFigureOut">
               <a:rPr lang="en-US" smtClean="0"/>
-              <a:t>8/16/2012</a:t>
+              <a:t>8/26/2012</a:t>
             </a:fld>
             <a:endParaRPr lang="en-US"/>
           </a:p>
@@ -1351,7 +1351,7 @@
           <a:p>
             <a:fld id="{6D622FCB-595C-4A19-9DA3-A5F2C1EA723F}" type="datetimeFigureOut">
               <a:rPr lang="en-US" smtClean="0"/>
-              <a:t>8/16/2012</a:t>
+              <a:t>8/26/2012</a:t>
             </a:fld>
             <a:endParaRPr lang="en-US"/>
           </a:p>
@@ -1773,7 +1773,7 @@
           <a:p>
             <a:fld id="{6D622FCB-595C-4A19-9DA3-A5F2C1EA723F}" type="datetimeFigureOut">
               <a:rPr lang="en-US" smtClean="0"/>
-              <a:t>8/16/2012</a:t>
+              <a:t>8/26/2012</a:t>
             </a:fld>
             <a:endParaRPr lang="en-US"/>
           </a:p>
@@ -1891,7 +1891,7 @@
           <a:p>
             <a:fld id="{6D622FCB-595C-4A19-9DA3-A5F2C1EA723F}" type="datetimeFigureOut">
               <a:rPr lang="en-US" smtClean="0"/>
-              <a:t>8/16/2012</a:t>
+              <a:t>8/26/2012</a:t>
             </a:fld>
             <a:endParaRPr lang="en-US"/>
           </a:p>
@@ -1986,7 +1986,7 @@
           <a:p>
             <a:fld id="{6D622FCB-595C-4A19-9DA3-A5F2C1EA723F}" type="datetimeFigureOut">
               <a:rPr lang="en-US" smtClean="0"/>
-              <a:t>8/16/2012</a:t>
+              <a:t>8/26/2012</a:t>
             </a:fld>
             <a:endParaRPr lang="en-US"/>
           </a:p>
@@ -2263,7 +2263,7 @@
           <a:p>
             <a:fld id="{6D622FCB-595C-4A19-9DA3-A5F2C1EA723F}" type="datetimeFigureOut">
               <a:rPr lang="en-US" smtClean="0"/>
-              <a:t>8/16/2012</a:t>
+              <a:t>8/26/2012</a:t>
             </a:fld>
             <a:endParaRPr lang="en-US"/>
           </a:p>
@@ -2516,7 +2516,7 @@
           <a:p>
             <a:fld id="{6D622FCB-595C-4A19-9DA3-A5F2C1EA723F}" type="datetimeFigureOut">
               <a:rPr lang="en-US" smtClean="0"/>
-              <a:t>8/16/2012</a:t>
+              <a:t>8/26/2012</a:t>
             </a:fld>
             <a:endParaRPr lang="en-US"/>
           </a:p>
@@ -2729,7 +2729,7 @@
           <a:p>
             <a:fld id="{6D622FCB-595C-4A19-9DA3-A5F2C1EA723F}" type="datetimeFigureOut">
               <a:rPr lang="en-US" smtClean="0"/>
-              <a:t>8/16/2012</a:t>
+              <a:t>8/26/2012</a:t>
             </a:fld>
             <a:endParaRPr lang="en-US"/>
           </a:p>
@@ -3236,8 +3236,8 @@
         </p:nvSpPr>
         <p:spPr>
           <a:xfrm>
-            <a:off x="1009005" y="2528900"/>
-            <a:ext cx="7125990" cy="830997"/>
+            <a:off x="143508" y="2528900"/>
+            <a:ext cx="8856983" cy="830997"/>
           </a:xfrm>
           <a:prstGeom prst="rect">
             <a:avLst/>
@@ -3245,7 +3245,7 @@
           <a:noFill/>
         </p:spPr>
         <p:txBody>
-          <a:bodyPr wrap="none" rtlCol="0">
+          <a:bodyPr wrap="square" rtlCol="0">
             <a:spAutoFit/>
           </a:bodyPr>
           <a:lstStyle/>

--- a/Presentation/lesson-03.pptx
+++ b/Presentation/lesson-03.pptx
@@ -297,7 +297,7 @@
           <a:p>
             <a:fld id="{6D622FCB-595C-4A19-9DA3-A5F2C1EA723F}" type="datetimeFigureOut">
               <a:rPr lang="en-US" smtClean="0"/>
-              <a:t>8/26/2012</a:t>
+              <a:t>11/1/2012</a:t>
             </a:fld>
             <a:endParaRPr lang="en-US"/>
           </a:p>
@@ -467,7 +467,7 @@
           <a:p>
             <a:fld id="{6D622FCB-595C-4A19-9DA3-A5F2C1EA723F}" type="datetimeFigureOut">
               <a:rPr lang="en-US" smtClean="0"/>
-              <a:t>8/26/2012</a:t>
+              <a:t>11/1/2012</a:t>
             </a:fld>
             <a:endParaRPr lang="en-US"/>
           </a:p>
@@ -647,7 +647,7 @@
           <a:p>
             <a:fld id="{6D622FCB-595C-4A19-9DA3-A5F2C1EA723F}" type="datetimeFigureOut">
               <a:rPr lang="en-US" smtClean="0"/>
-              <a:t>8/26/2012</a:t>
+              <a:t>11/1/2012</a:t>
             </a:fld>
             <a:endParaRPr lang="en-US"/>
           </a:p>
@@ -817,7 +817,7 @@
           <a:p>
             <a:fld id="{6D622FCB-595C-4A19-9DA3-A5F2C1EA723F}" type="datetimeFigureOut">
               <a:rPr lang="en-US" smtClean="0"/>
-              <a:t>8/26/2012</a:t>
+              <a:t>11/1/2012</a:t>
             </a:fld>
             <a:endParaRPr lang="en-US"/>
           </a:p>
@@ -1063,7 +1063,7 @@
           <a:p>
             <a:fld id="{6D622FCB-595C-4A19-9DA3-A5F2C1EA723F}" type="datetimeFigureOut">
               <a:rPr lang="en-US" smtClean="0"/>
-              <a:t>8/26/2012</a:t>
+              <a:t>11/1/2012</a:t>
             </a:fld>
             <a:endParaRPr lang="en-US"/>
           </a:p>
@@ -1351,7 +1351,7 @@
           <a:p>
             <a:fld id="{6D622FCB-595C-4A19-9DA3-A5F2C1EA723F}" type="datetimeFigureOut">
               <a:rPr lang="en-US" smtClean="0"/>
-              <a:t>8/26/2012</a:t>
+              <a:t>11/1/2012</a:t>
             </a:fld>
             <a:endParaRPr lang="en-US"/>
           </a:p>
@@ -1773,7 +1773,7 @@
           <a:p>
             <a:fld id="{6D622FCB-595C-4A19-9DA3-A5F2C1EA723F}" type="datetimeFigureOut">
               <a:rPr lang="en-US" smtClean="0"/>
-              <a:t>8/26/2012</a:t>
+              <a:t>11/1/2012</a:t>
             </a:fld>
             <a:endParaRPr lang="en-US"/>
           </a:p>
@@ -1891,7 +1891,7 @@
           <a:p>
             <a:fld id="{6D622FCB-595C-4A19-9DA3-A5F2C1EA723F}" type="datetimeFigureOut">
               <a:rPr lang="en-US" smtClean="0"/>
-              <a:t>8/26/2012</a:t>
+              <a:t>11/1/2012</a:t>
             </a:fld>
             <a:endParaRPr lang="en-US"/>
           </a:p>
@@ -1986,7 +1986,7 @@
           <a:p>
             <a:fld id="{6D622FCB-595C-4A19-9DA3-A5F2C1EA723F}" type="datetimeFigureOut">
               <a:rPr lang="en-US" smtClean="0"/>
-              <a:t>8/26/2012</a:t>
+              <a:t>11/1/2012</a:t>
             </a:fld>
             <a:endParaRPr lang="en-US"/>
           </a:p>
@@ -2263,7 +2263,7 @@
           <a:p>
             <a:fld id="{6D622FCB-595C-4A19-9DA3-A5F2C1EA723F}" type="datetimeFigureOut">
               <a:rPr lang="en-US" smtClean="0"/>
-              <a:t>8/26/2012</a:t>
+              <a:t>11/1/2012</a:t>
             </a:fld>
             <a:endParaRPr lang="en-US"/>
           </a:p>
@@ -2516,7 +2516,7 @@
           <a:p>
             <a:fld id="{6D622FCB-595C-4A19-9DA3-A5F2C1EA723F}" type="datetimeFigureOut">
               <a:rPr lang="en-US" smtClean="0"/>
-              <a:t>8/26/2012</a:t>
+              <a:t>11/1/2012</a:t>
             </a:fld>
             <a:endParaRPr lang="en-US"/>
           </a:p>
@@ -2729,7 +2729,7 @@
           <a:p>
             <a:fld id="{6D622FCB-595C-4A19-9DA3-A5F2C1EA723F}" type="datetimeFigureOut">
               <a:rPr lang="en-US" smtClean="0"/>
-              <a:t>8/26/2012</a:t>
+              <a:t>11/1/2012</a:t>
             </a:fld>
             <a:endParaRPr lang="en-US"/>
           </a:p>
@@ -3296,6 +3296,40 @@
                 <a:schemeClr val="bg1"/>
               </a:solidFill>
             </a:endParaRPr>
+          </a:p>
+        </p:txBody>
+      </p:sp>
+      <p:sp>
+        <p:nvSpPr>
+          <p:cNvPr id="5" name="TextBox 4"/>
+          <p:cNvSpPr txBox="1"/>
+          <p:nvPr/>
+        </p:nvSpPr>
+        <p:spPr>
+          <a:xfrm>
+            <a:off x="3120449" y="5589240"/>
+            <a:ext cx="2903102" cy="369332"/>
+          </a:xfrm>
+          <a:prstGeom prst="rect">
+            <a:avLst/>
+          </a:prstGeom>
+          <a:noFill/>
+        </p:spPr>
+        <p:txBody>
+          <a:bodyPr wrap="none" rtlCol="0">
+            <a:spAutoFit/>
+          </a:bodyPr>
+          <a:lstStyle/>
+          <a:p>
+            <a:r>
+              <a:rPr lang="en-US" dirty="0">
+                <a:solidFill>
+                  <a:schemeClr val="bg1"/>
+                </a:solidFill>
+              </a:rPr>
+              <a:t>http://vk.com/club33848893</a:t>
+            </a:r>
+            <a:endParaRPr lang="en-US" dirty="0"/>
           </a:p>
         </p:txBody>
       </p:sp>

--- a/Presentation/lesson-03.pptx
+++ b/Presentation/lesson-03.pptx
@@ -297,7 +297,7 @@
           <a:p>
             <a:fld id="{6D622FCB-595C-4A19-9DA3-A5F2C1EA723F}" type="datetimeFigureOut">
               <a:rPr lang="en-US" smtClean="0"/>
-              <a:t>11/1/2012</a:t>
+              <a:t>11/2/2012</a:t>
             </a:fld>
             <a:endParaRPr lang="en-US"/>
           </a:p>
@@ -467,7 +467,7 @@
           <a:p>
             <a:fld id="{6D622FCB-595C-4A19-9DA3-A5F2C1EA723F}" type="datetimeFigureOut">
               <a:rPr lang="en-US" smtClean="0"/>
-              <a:t>11/1/2012</a:t>
+              <a:t>11/2/2012</a:t>
             </a:fld>
             <a:endParaRPr lang="en-US"/>
           </a:p>
@@ -647,7 +647,7 @@
           <a:p>
             <a:fld id="{6D622FCB-595C-4A19-9DA3-A5F2C1EA723F}" type="datetimeFigureOut">
               <a:rPr lang="en-US" smtClean="0"/>
-              <a:t>11/1/2012</a:t>
+              <a:t>11/2/2012</a:t>
             </a:fld>
             <a:endParaRPr lang="en-US"/>
           </a:p>
@@ -817,7 +817,7 @@
           <a:p>
             <a:fld id="{6D622FCB-595C-4A19-9DA3-A5F2C1EA723F}" type="datetimeFigureOut">
               <a:rPr lang="en-US" smtClean="0"/>
-              <a:t>11/1/2012</a:t>
+              <a:t>11/2/2012</a:t>
             </a:fld>
             <a:endParaRPr lang="en-US"/>
           </a:p>
@@ -1063,7 +1063,7 @@
           <a:p>
             <a:fld id="{6D622FCB-595C-4A19-9DA3-A5F2C1EA723F}" type="datetimeFigureOut">
               <a:rPr lang="en-US" smtClean="0"/>
-              <a:t>11/1/2012</a:t>
+              <a:t>11/2/2012</a:t>
             </a:fld>
             <a:endParaRPr lang="en-US"/>
           </a:p>
@@ -1351,7 +1351,7 @@
           <a:p>
             <a:fld id="{6D622FCB-595C-4A19-9DA3-A5F2C1EA723F}" type="datetimeFigureOut">
               <a:rPr lang="en-US" smtClean="0"/>
-              <a:t>11/1/2012</a:t>
+              <a:t>11/2/2012</a:t>
             </a:fld>
             <a:endParaRPr lang="en-US"/>
           </a:p>
@@ -1773,7 +1773,7 @@
           <a:p>
             <a:fld id="{6D622FCB-595C-4A19-9DA3-A5F2C1EA723F}" type="datetimeFigureOut">
               <a:rPr lang="en-US" smtClean="0"/>
-              <a:t>11/1/2012</a:t>
+              <a:t>11/2/2012</a:t>
             </a:fld>
             <a:endParaRPr lang="en-US"/>
           </a:p>
@@ -1891,7 +1891,7 @@
           <a:p>
             <a:fld id="{6D622FCB-595C-4A19-9DA3-A5F2C1EA723F}" type="datetimeFigureOut">
               <a:rPr lang="en-US" smtClean="0"/>
-              <a:t>11/1/2012</a:t>
+              <a:t>11/2/2012</a:t>
             </a:fld>
             <a:endParaRPr lang="en-US"/>
           </a:p>
@@ -1986,7 +1986,7 @@
           <a:p>
             <a:fld id="{6D622FCB-595C-4A19-9DA3-A5F2C1EA723F}" type="datetimeFigureOut">
               <a:rPr lang="en-US" smtClean="0"/>
-              <a:t>11/1/2012</a:t>
+              <a:t>11/2/2012</a:t>
             </a:fld>
             <a:endParaRPr lang="en-US"/>
           </a:p>
@@ -2263,7 +2263,7 @@
           <a:p>
             <a:fld id="{6D622FCB-595C-4A19-9DA3-A5F2C1EA723F}" type="datetimeFigureOut">
               <a:rPr lang="en-US" smtClean="0"/>
-              <a:t>11/1/2012</a:t>
+              <a:t>11/2/2012</a:t>
             </a:fld>
             <a:endParaRPr lang="en-US"/>
           </a:p>
@@ -2516,7 +2516,7 @@
           <a:p>
             <a:fld id="{6D622FCB-595C-4A19-9DA3-A5F2C1EA723F}" type="datetimeFigureOut">
               <a:rPr lang="en-US" smtClean="0"/>
-              <a:t>11/1/2012</a:t>
+              <a:t>11/2/2012</a:t>
             </a:fld>
             <a:endParaRPr lang="en-US"/>
           </a:p>
@@ -2729,7 +2729,7 @@
           <a:p>
             <a:fld id="{6D622FCB-595C-4A19-9DA3-A5F2C1EA723F}" type="datetimeFigureOut">
               <a:rPr lang="en-US" smtClean="0"/>
-              <a:t>11/1/2012</a:t>
+              <a:t>11/2/2012</a:t>
             </a:fld>
             <a:endParaRPr lang="en-US"/>
           </a:p>
@@ -4704,7 +4704,7 @@
             <a:r>
               <a:rPr lang="ru-RU" b="1" dirty="0">
                 <a:solidFill>
-                  <a:srgbClr val="0070C0"/>
+                  <a:schemeClr val="bg1"/>
                 </a:solidFill>
               </a:rPr>
               <a:t>Явное</a:t>
@@ -4909,14 +4909,34 @@
           <a:p>
             <a:pPr algn="ctr" eaLnBrk="1" hangingPunct="1"/>
             <a:r>
-              <a:rPr lang="ru-RU" b="1">
-                <a:solidFill>
-                  <a:srgbClr val="0070C0"/>
+              <a:rPr lang="ru-RU" b="1" dirty="0">
+                <a:solidFill>
+                  <a:schemeClr val="bg1"/>
                 </a:solidFill>
               </a:rPr>
               <a:t>Неявное</a:t>
             </a:r>
-            <a:endParaRPr lang="en-US" b="1">
+            <a:endParaRPr lang="en-US" b="1" dirty="0">
+              <a:solidFill>
+                <a:schemeClr val="bg1"/>
+              </a:solidFill>
+            </a:endParaRPr>
+          </a:p>
+          <a:p>
+            <a:pPr algn="ctr" eaLnBrk="1" hangingPunct="1"/>
+            <a:r>
+              <a:rPr lang="ru-RU" sz="1400" dirty="0"/>
+              <a:t>(</a:t>
+            </a:r>
+            <a:r>
+              <a:rPr lang="en-US" sz="1400" i="1" dirty="0"/>
+              <a:t>implicit conversion</a:t>
+            </a:r>
+            <a:r>
+              <a:rPr lang="ru-RU" sz="1400" dirty="0"/>
+              <a:t>)</a:t>
+            </a:r>
+            <a:endParaRPr lang="ru-RU" sz="1400" b="1" dirty="0">
               <a:solidFill>
                 <a:srgbClr val="0070C0"/>
               </a:solidFill>
@@ -4925,38 +4945,18 @@
           <a:p>
             <a:pPr algn="ctr" eaLnBrk="1" hangingPunct="1"/>
             <a:r>
-              <a:rPr lang="ru-RU" sz="1400"/>
-              <a:t>(</a:t>
-            </a:r>
-            <a:r>
-              <a:rPr lang="en-US" sz="1400" i="1"/>
-              <a:t>implicit conversion</a:t>
-            </a:r>
-            <a:r>
-              <a:rPr lang="ru-RU" sz="1400"/>
-              <a:t>)</a:t>
-            </a:r>
-            <a:endParaRPr lang="ru-RU" sz="1400" b="1">
-              <a:solidFill>
-                <a:srgbClr val="0070C0"/>
-              </a:solidFill>
-            </a:endParaRPr>
+              <a:rPr lang="ru-RU" sz="1400" dirty="0"/>
+              <a:t>Осуществляется без указания</a:t>
+            </a:r>
           </a:p>
           <a:p>
             <a:pPr algn="ctr" eaLnBrk="1" hangingPunct="1"/>
             <a:r>
-              <a:rPr lang="ru-RU" sz="1400"/>
-              <a:t>Осуществляется без указания</a:t>
-            </a:r>
-          </a:p>
-          <a:p>
-            <a:pPr algn="ctr" eaLnBrk="1" hangingPunct="1"/>
-            <a:r>
-              <a:rPr lang="ru-RU" sz="1400"/>
+              <a:rPr lang="ru-RU" sz="1400" dirty="0"/>
               <a:t>программиста.  Язык сам определяет, к какому типу необходимо привести объект.</a:t>
             </a:r>
             <a:r>
-              <a:rPr lang="ru-RU" sz="1600" b="1">
+              <a:rPr lang="ru-RU" sz="1600" b="1" dirty="0">
                 <a:solidFill>
                   <a:srgbClr val="0070C0"/>
                 </a:solidFill>

--- a/Presentation/lesson-03.pptx
+++ b/Presentation/lesson-03.pptx
@@ -297,7 +297,7 @@
           <a:p>
             <a:fld id="{6D622FCB-595C-4A19-9DA3-A5F2C1EA723F}" type="datetimeFigureOut">
               <a:rPr lang="en-US" smtClean="0"/>
-              <a:t>11/2/2012</a:t>
+              <a:t>11/6/2012</a:t>
             </a:fld>
             <a:endParaRPr lang="en-US"/>
           </a:p>
@@ -467,7 +467,7 @@
           <a:p>
             <a:fld id="{6D622FCB-595C-4A19-9DA3-A5F2C1EA723F}" type="datetimeFigureOut">
               <a:rPr lang="en-US" smtClean="0"/>
-              <a:t>11/2/2012</a:t>
+              <a:t>11/6/2012</a:t>
             </a:fld>
             <a:endParaRPr lang="en-US"/>
           </a:p>
@@ -647,7 +647,7 @@
           <a:p>
             <a:fld id="{6D622FCB-595C-4A19-9DA3-A5F2C1EA723F}" type="datetimeFigureOut">
               <a:rPr lang="en-US" smtClean="0"/>
-              <a:t>11/2/2012</a:t>
+              <a:t>11/6/2012</a:t>
             </a:fld>
             <a:endParaRPr lang="en-US"/>
           </a:p>
@@ -817,7 +817,7 @@
           <a:p>
             <a:fld id="{6D622FCB-595C-4A19-9DA3-A5F2C1EA723F}" type="datetimeFigureOut">
               <a:rPr lang="en-US" smtClean="0"/>
-              <a:t>11/2/2012</a:t>
+              <a:t>11/6/2012</a:t>
             </a:fld>
             <a:endParaRPr lang="en-US"/>
           </a:p>
@@ -1063,7 +1063,7 @@
           <a:p>
             <a:fld id="{6D622FCB-595C-4A19-9DA3-A5F2C1EA723F}" type="datetimeFigureOut">
               <a:rPr lang="en-US" smtClean="0"/>
-              <a:t>11/2/2012</a:t>
+              <a:t>11/6/2012</a:t>
             </a:fld>
             <a:endParaRPr lang="en-US"/>
           </a:p>
@@ -1351,7 +1351,7 @@
           <a:p>
             <a:fld id="{6D622FCB-595C-4A19-9DA3-A5F2C1EA723F}" type="datetimeFigureOut">
               <a:rPr lang="en-US" smtClean="0"/>
-              <a:t>11/2/2012</a:t>
+              <a:t>11/6/2012</a:t>
             </a:fld>
             <a:endParaRPr lang="en-US"/>
           </a:p>
@@ -1773,7 +1773,7 @@
           <a:p>
             <a:fld id="{6D622FCB-595C-4A19-9DA3-A5F2C1EA723F}" type="datetimeFigureOut">
               <a:rPr lang="en-US" smtClean="0"/>
-              <a:t>11/2/2012</a:t>
+              <a:t>11/6/2012</a:t>
             </a:fld>
             <a:endParaRPr lang="en-US"/>
           </a:p>
@@ -1891,7 +1891,7 @@
           <a:p>
             <a:fld id="{6D622FCB-595C-4A19-9DA3-A5F2C1EA723F}" type="datetimeFigureOut">
               <a:rPr lang="en-US" smtClean="0"/>
-              <a:t>11/2/2012</a:t>
+              <a:t>11/6/2012</a:t>
             </a:fld>
             <a:endParaRPr lang="en-US"/>
           </a:p>
@@ -1986,7 +1986,7 @@
           <a:p>
             <a:fld id="{6D622FCB-595C-4A19-9DA3-A5F2C1EA723F}" type="datetimeFigureOut">
               <a:rPr lang="en-US" smtClean="0"/>
-              <a:t>11/2/2012</a:t>
+              <a:t>11/6/2012</a:t>
             </a:fld>
             <a:endParaRPr lang="en-US"/>
           </a:p>
@@ -2263,7 +2263,7 @@
           <a:p>
             <a:fld id="{6D622FCB-595C-4A19-9DA3-A5F2C1EA723F}" type="datetimeFigureOut">
               <a:rPr lang="en-US" smtClean="0"/>
-              <a:t>11/2/2012</a:t>
+              <a:t>11/6/2012</a:t>
             </a:fld>
             <a:endParaRPr lang="en-US"/>
           </a:p>
@@ -2516,7 +2516,7 @@
           <a:p>
             <a:fld id="{6D622FCB-595C-4A19-9DA3-A5F2C1EA723F}" type="datetimeFigureOut">
               <a:rPr lang="en-US" smtClean="0"/>
-              <a:t>11/2/2012</a:t>
+              <a:t>11/6/2012</a:t>
             </a:fld>
             <a:endParaRPr lang="en-US"/>
           </a:p>
@@ -2729,7 +2729,7 @@
           <a:p>
             <a:fld id="{6D622FCB-595C-4A19-9DA3-A5F2C1EA723F}" type="datetimeFigureOut">
               <a:rPr lang="en-US" smtClean="0"/>
-              <a:t>11/2/2012</a:t>
+              <a:t>11/6/2012</a:t>
             </a:fld>
             <a:endParaRPr lang="en-US"/>
           </a:p>
@@ -3296,40 +3296,6 @@
                 <a:schemeClr val="bg1"/>
               </a:solidFill>
             </a:endParaRPr>
-          </a:p>
-        </p:txBody>
-      </p:sp>
-      <p:sp>
-        <p:nvSpPr>
-          <p:cNvPr id="5" name="TextBox 4"/>
-          <p:cNvSpPr txBox="1"/>
-          <p:nvPr/>
-        </p:nvSpPr>
-        <p:spPr>
-          <a:xfrm>
-            <a:off x="3120449" y="5589240"/>
-            <a:ext cx="2903102" cy="369332"/>
-          </a:xfrm>
-          <a:prstGeom prst="rect">
-            <a:avLst/>
-          </a:prstGeom>
-          <a:noFill/>
-        </p:spPr>
-        <p:txBody>
-          <a:bodyPr wrap="none" rtlCol="0">
-            <a:spAutoFit/>
-          </a:bodyPr>
-          <a:lstStyle/>
-          <a:p>
-            <a:r>
-              <a:rPr lang="en-US" dirty="0">
-                <a:solidFill>
-                  <a:schemeClr val="bg1"/>
-                </a:solidFill>
-              </a:rPr>
-              <a:t>http://vk.com/club33848893</a:t>
-            </a:r>
-            <a:endParaRPr lang="en-US" dirty="0"/>
           </a:p>
         </p:txBody>
       </p:sp>

--- a/Presentation/lesson-03.pptx
+++ b/Presentation/lesson-03.pptx
@@ -6,7 +6,7 @@
   </p:sldMasterIdLst>
   <p:sldIdLst>
     <p:sldId id="266" r:id="rId2"/>
-    <p:sldId id="267" r:id="rId3"/>
+    <p:sldId id="268" r:id="rId3"/>
     <p:sldId id="258" r:id="rId4"/>
     <p:sldId id="259" r:id="rId5"/>
     <p:sldId id="260" r:id="rId6"/>
@@ -297,7 +297,7 @@
           <a:p>
             <a:fld id="{6D622FCB-595C-4A19-9DA3-A5F2C1EA723F}" type="datetimeFigureOut">
               <a:rPr lang="en-US" smtClean="0"/>
-              <a:t>11/6/2012</a:t>
+              <a:t>3/27/2013</a:t>
             </a:fld>
             <a:endParaRPr lang="en-US"/>
           </a:p>
@@ -467,7 +467,7 @@
           <a:p>
             <a:fld id="{6D622FCB-595C-4A19-9DA3-A5F2C1EA723F}" type="datetimeFigureOut">
               <a:rPr lang="en-US" smtClean="0"/>
-              <a:t>11/6/2012</a:t>
+              <a:t>3/27/2013</a:t>
             </a:fld>
             <a:endParaRPr lang="en-US"/>
           </a:p>
@@ -647,7 +647,7 @@
           <a:p>
             <a:fld id="{6D622FCB-595C-4A19-9DA3-A5F2C1EA723F}" type="datetimeFigureOut">
               <a:rPr lang="en-US" smtClean="0"/>
-              <a:t>11/6/2012</a:t>
+              <a:t>3/27/2013</a:t>
             </a:fld>
             <a:endParaRPr lang="en-US"/>
           </a:p>
@@ -817,7 +817,7 @@
           <a:p>
             <a:fld id="{6D622FCB-595C-4A19-9DA3-A5F2C1EA723F}" type="datetimeFigureOut">
               <a:rPr lang="en-US" smtClean="0"/>
-              <a:t>11/6/2012</a:t>
+              <a:t>3/27/2013</a:t>
             </a:fld>
             <a:endParaRPr lang="en-US"/>
           </a:p>
@@ -1063,7 +1063,7 @@
           <a:p>
             <a:fld id="{6D622FCB-595C-4A19-9DA3-A5F2C1EA723F}" type="datetimeFigureOut">
               <a:rPr lang="en-US" smtClean="0"/>
-              <a:t>11/6/2012</a:t>
+              <a:t>3/27/2013</a:t>
             </a:fld>
             <a:endParaRPr lang="en-US"/>
           </a:p>
@@ -1351,7 +1351,7 @@
           <a:p>
             <a:fld id="{6D622FCB-595C-4A19-9DA3-A5F2C1EA723F}" type="datetimeFigureOut">
               <a:rPr lang="en-US" smtClean="0"/>
-              <a:t>11/6/2012</a:t>
+              <a:t>3/27/2013</a:t>
             </a:fld>
             <a:endParaRPr lang="en-US"/>
           </a:p>
@@ -1773,7 +1773,7 @@
           <a:p>
             <a:fld id="{6D622FCB-595C-4A19-9DA3-A5F2C1EA723F}" type="datetimeFigureOut">
               <a:rPr lang="en-US" smtClean="0"/>
-              <a:t>11/6/2012</a:t>
+              <a:t>3/27/2013</a:t>
             </a:fld>
             <a:endParaRPr lang="en-US"/>
           </a:p>
@@ -1891,7 +1891,7 @@
           <a:p>
             <a:fld id="{6D622FCB-595C-4A19-9DA3-A5F2C1EA723F}" type="datetimeFigureOut">
               <a:rPr lang="en-US" smtClean="0"/>
-              <a:t>11/6/2012</a:t>
+              <a:t>3/27/2013</a:t>
             </a:fld>
             <a:endParaRPr lang="en-US"/>
           </a:p>
@@ -1986,7 +1986,7 @@
           <a:p>
             <a:fld id="{6D622FCB-595C-4A19-9DA3-A5F2C1EA723F}" type="datetimeFigureOut">
               <a:rPr lang="en-US" smtClean="0"/>
-              <a:t>11/6/2012</a:t>
+              <a:t>3/27/2013</a:t>
             </a:fld>
             <a:endParaRPr lang="en-US"/>
           </a:p>
@@ -2263,7 +2263,7 @@
           <a:p>
             <a:fld id="{6D622FCB-595C-4A19-9DA3-A5F2C1EA723F}" type="datetimeFigureOut">
               <a:rPr lang="en-US" smtClean="0"/>
-              <a:t>11/6/2012</a:t>
+              <a:t>3/27/2013</a:t>
             </a:fld>
             <a:endParaRPr lang="en-US"/>
           </a:p>
@@ -2516,7 +2516,7 @@
           <a:p>
             <a:fld id="{6D622FCB-595C-4A19-9DA3-A5F2C1EA723F}" type="datetimeFigureOut">
               <a:rPr lang="en-US" smtClean="0"/>
-              <a:t>11/6/2012</a:t>
+              <a:t>3/27/2013</a:t>
             </a:fld>
             <a:endParaRPr lang="en-US"/>
           </a:p>
@@ -2729,7 +2729,7 @@
           <a:p>
             <a:fld id="{6D622FCB-595C-4A19-9DA3-A5F2C1EA723F}" type="datetimeFigureOut">
               <a:rPr lang="en-US" smtClean="0"/>
-              <a:t>11/6/2012</a:t>
+              <a:t>3/27/2013</a:t>
             </a:fld>
             <a:endParaRPr lang="en-US"/>
           </a:p>
@@ -4346,7 +4346,7 @@
     <p:bg>
       <p:bgPr>
         <a:blipFill dpi="0" rotWithShape="1">
-          <a:blip r:embed="rId2">
+          <a:blip r:embed="rId3">
             <a:lum/>
           </a:blip>
           <a:srcRect/>
@@ -4373,59 +4373,162 @@
       </p:grpSpPr>
       <p:sp>
         <p:nvSpPr>
-          <p:cNvPr id="3" name="Rectangle 2"/>
-          <p:cNvSpPr/>
-          <p:nvPr/>
+          <p:cNvPr id="2" name="Title 1"/>
+          <p:cNvSpPr>
+            <a:spLocks noGrp="1"/>
+          </p:cNvSpPr>
+          <p:nvPr>
+            <p:ph type="title"/>
+          </p:nvPr>
         </p:nvSpPr>
-        <p:spPr>
-          <a:xfrm>
-            <a:off x="251520" y="3136613"/>
-            <a:ext cx="8640960" cy="584775"/>
-          </a:xfrm>
-          <a:prstGeom prst="rect">
-            <a:avLst/>
-          </a:prstGeom>
-        </p:spPr>
+        <p:spPr/>
         <p:txBody>
-          <a:bodyPr wrap="square">
-            <a:spAutoFit/>
-          </a:bodyPr>
+          <a:bodyPr/>
           <a:lstStyle/>
           <a:p>
-            <a:pPr lvl="0" algn="ctr"/>
-            <a:r>
-              <a:rPr lang="en-US" sz="3200" dirty="0">
+            <a:r>
+              <a:rPr lang="ru-RU" dirty="0">
                 <a:solidFill>
                   <a:schemeClr val="bg1"/>
                 </a:solidFill>
               </a:rPr>
-              <a:t>https://github.com/bazile/Training</a:t>
-            </a:r>
-            <a:endParaRPr lang="en-US" sz="3200" dirty="0" smtClean="0">
+              <a:t>Материалы для обучения</a:t>
+            </a:r>
+            <a:endParaRPr lang="en-US" dirty="0">
               <a:solidFill>
                 <a:schemeClr val="bg1"/>
               </a:solidFill>
             </a:endParaRPr>
+          </a:p>
+        </p:txBody>
+      </p:sp>
+      <p:sp>
+        <p:nvSpPr>
+          <p:cNvPr id="3" name="Content Placeholder 2"/>
+          <p:cNvSpPr>
+            <a:spLocks noGrp="1"/>
+          </p:cNvSpPr>
+          <p:nvPr>
+            <p:ph idx="1"/>
+          </p:nvPr>
+        </p:nvSpPr>
+        <p:spPr/>
+        <p:txBody>
+          <a:bodyPr/>
+          <a:lstStyle/>
+          <a:p>
+            <a:r>
+              <a:rPr lang="en-US" dirty="0">
+                <a:solidFill>
+                  <a:schemeClr val="bg1"/>
+                </a:solidFill>
+                <a:hlinkClick r:id="rId4"/>
+              </a:rPr>
+              <a:t>https://</a:t>
+            </a:r>
+            <a:r>
+              <a:rPr lang="en-US" dirty="0" smtClean="0">
+                <a:solidFill>
+                  <a:schemeClr val="bg1"/>
+                </a:solidFill>
+                <a:hlinkClick r:id="rId4"/>
+              </a:rPr>
+              <a:t>github.com/bazile/Training</a:t>
+            </a:r>
+            <a:r>
+              <a:rPr lang="en-US" dirty="0" smtClean="0">
+                <a:solidFill>
+                  <a:schemeClr val="bg1"/>
+                </a:solidFill>
+              </a:rPr>
+              <a:t/>
+            </a:r>
+            <a:br>
+              <a:rPr lang="en-US" dirty="0" smtClean="0">
+                <a:solidFill>
+                  <a:schemeClr val="bg1"/>
+                </a:solidFill>
+              </a:rPr>
+            </a:br>
+            <a:r>
+              <a:rPr lang="ru-RU" dirty="0" smtClean="0">
+                <a:solidFill>
+                  <a:schemeClr val="bg1"/>
+                </a:solidFill>
+              </a:rPr>
+              <a:t>Презентации и примеры кода используемые во время занятия</a:t>
+            </a:r>
+          </a:p>
+          <a:p>
+            <a:endParaRPr lang="ru-RU" dirty="0" smtClean="0">
+              <a:solidFill>
+                <a:schemeClr val="bg1"/>
+              </a:solidFill>
+            </a:endParaRPr>
+          </a:p>
+          <a:p>
+            <a:r>
+              <a:rPr lang="en-US" dirty="0">
+                <a:solidFill>
+                  <a:schemeClr val="bg1"/>
+                </a:solidFill>
+                <a:hlinkClick r:id="rId5"/>
+              </a:rPr>
+              <a:t>http://belhard.nullptr.ru</a:t>
+            </a:r>
+            <a:r>
+              <a:rPr lang="en-US" dirty="0" smtClean="0">
+                <a:solidFill>
+                  <a:schemeClr val="bg1"/>
+                </a:solidFill>
+                <a:hlinkClick r:id="rId5"/>
+              </a:rPr>
+              <a:t>/</a:t>
+            </a:r>
+            <a:r>
+              <a:rPr lang="ru-RU" dirty="0" smtClean="0">
+                <a:solidFill>
+                  <a:schemeClr val="bg1"/>
+                </a:solidFill>
+              </a:rPr>
+              <a:t/>
+            </a:r>
+            <a:br>
+              <a:rPr lang="ru-RU" dirty="0" smtClean="0">
+                <a:solidFill>
+                  <a:schemeClr val="bg1"/>
+                </a:solidFill>
+              </a:rPr>
+            </a:br>
+            <a:r>
+              <a:rPr lang="ru-RU" dirty="0" smtClean="0">
+                <a:solidFill>
+                  <a:schemeClr val="bg1"/>
+                </a:solidFill>
+              </a:rPr>
+              <a:t>Книги, примеры к ним и другие полезные файлы.</a:t>
+            </a:r>
+            <a:endParaRPr lang="ru-RU" dirty="0">
+              <a:solidFill>
+                <a:schemeClr val="bg1"/>
+              </a:solidFill>
+            </a:endParaRPr>
+          </a:p>
+          <a:p>
+            <a:endParaRPr lang="en-US" dirty="0"/>
           </a:p>
         </p:txBody>
       </p:sp>
     </p:spTree>
     <p:extLst>
       <p:ext uri="{BB962C8B-B14F-4D97-AF65-F5344CB8AC3E}">
-        <p14:creationId xmlns:p14="http://schemas.microsoft.com/office/powerpoint/2010/main" val="3039032814"/>
+        <p14:creationId xmlns:p14="http://schemas.microsoft.com/office/powerpoint/2010/main" val="3656839781"/>
       </p:ext>
     </p:extLst>
   </p:cSld>
   <p:clrMapOvr>
-    <a:masterClrMapping/>
+    <a:overrideClrMapping bg1="lt1" tx1="dk1" bg2="lt2" tx2="dk2" accent1="accent1" accent2="accent2" accent3="accent3" accent4="accent4" accent5="accent5" accent6="accent6" hlink="hlink" folHlink="folHlink"/>
   </p:clrMapOvr>
-  <p:timing>
-    <p:tnLst>
-      <p:par>
-        <p:cTn id="1" dur="indefinite" restart="never" nodeType="tmRoot"/>
-      </p:par>
-    </p:tnLst>
-  </p:timing>
 </p:sld>
 </file>
 
@@ -19753,4 +19856,47 @@
   <a:objectDefaults/>
   <a:extraClrSchemeLst/>
 </a:theme>
+</file>
+
+<file path=ppt/theme/themeOverride1.xml><?xml version="1.0" encoding="utf-8"?>
+<a:themeOverride xmlns:a="http://schemas.openxmlformats.org/drawingml/2006/main">
+  <a:clrScheme name="While On Navy">
+    <a:dk1>
+      <a:srgbClr val="FFFFFF"/>
+    </a:dk1>
+    <a:lt1>
+      <a:srgbClr val="FFFFFF"/>
+    </a:lt1>
+    <a:dk2>
+      <a:srgbClr val="366092"/>
+    </a:dk2>
+    <a:lt2>
+      <a:srgbClr val="366092"/>
+    </a:lt2>
+    <a:accent1>
+      <a:srgbClr val="4F81BD"/>
+    </a:accent1>
+    <a:accent2>
+      <a:srgbClr val="C0504D"/>
+    </a:accent2>
+    <a:accent3>
+      <a:srgbClr val="9BBB59"/>
+    </a:accent3>
+    <a:accent4>
+      <a:srgbClr val="8064A2"/>
+    </a:accent4>
+    <a:accent5>
+      <a:srgbClr val="4BACC6"/>
+    </a:accent5>
+    <a:accent6>
+      <a:srgbClr val="F79646"/>
+    </a:accent6>
+    <a:hlink>
+      <a:srgbClr val="FFFFFF"/>
+    </a:hlink>
+    <a:folHlink>
+      <a:srgbClr val="FFFFFF"/>
+    </a:folHlink>
+  </a:clrScheme>
+</a:themeOverride>
 </file>
--- a/Presentation/lesson-03.pptx
+++ b/Presentation/lesson-03.pptx
@@ -9,12 +9,14 @@
     <p:sldId id="268" r:id="rId3"/>
     <p:sldId id="258" r:id="rId4"/>
     <p:sldId id="259" r:id="rId5"/>
-    <p:sldId id="260" r:id="rId6"/>
-    <p:sldId id="261" r:id="rId7"/>
-    <p:sldId id="262" r:id="rId8"/>
-    <p:sldId id="263" r:id="rId9"/>
-    <p:sldId id="264" r:id="rId10"/>
-    <p:sldId id="265" r:id="rId11"/>
+    <p:sldId id="269" r:id="rId6"/>
+    <p:sldId id="270" r:id="rId7"/>
+    <p:sldId id="260" r:id="rId8"/>
+    <p:sldId id="261" r:id="rId9"/>
+    <p:sldId id="262" r:id="rId10"/>
+    <p:sldId id="263" r:id="rId11"/>
+    <p:sldId id="264" r:id="rId12"/>
+    <p:sldId id="265" r:id="rId13"/>
   </p:sldIdLst>
   <p:sldSz cx="9144000" cy="6858000" type="screen4x3"/>
   <p:notesSz cx="6858000" cy="9144000"/>
@@ -297,7 +299,7 @@
           <a:p>
             <a:fld id="{6D622FCB-595C-4A19-9DA3-A5F2C1EA723F}" type="datetimeFigureOut">
               <a:rPr lang="en-US" smtClean="0"/>
-              <a:t>3/27/2013</a:t>
+              <a:t>6/19/2013</a:t>
             </a:fld>
             <a:endParaRPr lang="en-US"/>
           </a:p>
@@ -467,7 +469,7 @@
           <a:p>
             <a:fld id="{6D622FCB-595C-4A19-9DA3-A5F2C1EA723F}" type="datetimeFigureOut">
               <a:rPr lang="en-US" smtClean="0"/>
-              <a:t>3/27/2013</a:t>
+              <a:t>6/19/2013</a:t>
             </a:fld>
             <a:endParaRPr lang="en-US"/>
           </a:p>
@@ -647,7 +649,7 @@
           <a:p>
             <a:fld id="{6D622FCB-595C-4A19-9DA3-A5F2C1EA723F}" type="datetimeFigureOut">
               <a:rPr lang="en-US" smtClean="0"/>
-              <a:t>3/27/2013</a:t>
+              <a:t>6/19/2013</a:t>
             </a:fld>
             <a:endParaRPr lang="en-US"/>
           </a:p>
@@ -817,7 +819,7 @@
           <a:p>
             <a:fld id="{6D622FCB-595C-4A19-9DA3-A5F2C1EA723F}" type="datetimeFigureOut">
               <a:rPr lang="en-US" smtClean="0"/>
-              <a:t>3/27/2013</a:t>
+              <a:t>6/19/2013</a:t>
             </a:fld>
             <a:endParaRPr lang="en-US"/>
           </a:p>
@@ -1063,7 +1065,7 @@
           <a:p>
             <a:fld id="{6D622FCB-595C-4A19-9DA3-A5F2C1EA723F}" type="datetimeFigureOut">
               <a:rPr lang="en-US" smtClean="0"/>
-              <a:t>3/27/2013</a:t>
+              <a:t>6/19/2013</a:t>
             </a:fld>
             <a:endParaRPr lang="en-US"/>
           </a:p>
@@ -1351,7 +1353,7 @@
           <a:p>
             <a:fld id="{6D622FCB-595C-4A19-9DA3-A5F2C1EA723F}" type="datetimeFigureOut">
               <a:rPr lang="en-US" smtClean="0"/>
-              <a:t>3/27/2013</a:t>
+              <a:t>6/19/2013</a:t>
             </a:fld>
             <a:endParaRPr lang="en-US"/>
           </a:p>
@@ -1773,7 +1775,7 @@
           <a:p>
             <a:fld id="{6D622FCB-595C-4A19-9DA3-A5F2C1EA723F}" type="datetimeFigureOut">
               <a:rPr lang="en-US" smtClean="0"/>
-              <a:t>3/27/2013</a:t>
+              <a:t>6/19/2013</a:t>
             </a:fld>
             <a:endParaRPr lang="en-US"/>
           </a:p>
@@ -1891,7 +1893,7 @@
           <a:p>
             <a:fld id="{6D622FCB-595C-4A19-9DA3-A5F2C1EA723F}" type="datetimeFigureOut">
               <a:rPr lang="en-US" smtClean="0"/>
-              <a:t>3/27/2013</a:t>
+              <a:t>6/19/2013</a:t>
             </a:fld>
             <a:endParaRPr lang="en-US"/>
           </a:p>
@@ -1986,7 +1988,7 @@
           <a:p>
             <a:fld id="{6D622FCB-595C-4A19-9DA3-A5F2C1EA723F}" type="datetimeFigureOut">
               <a:rPr lang="en-US" smtClean="0"/>
-              <a:t>3/27/2013</a:t>
+              <a:t>6/19/2013</a:t>
             </a:fld>
             <a:endParaRPr lang="en-US"/>
           </a:p>
@@ -2263,7 +2265,7 @@
           <a:p>
             <a:fld id="{6D622FCB-595C-4A19-9DA3-A5F2C1EA723F}" type="datetimeFigureOut">
               <a:rPr lang="en-US" smtClean="0"/>
-              <a:t>3/27/2013</a:t>
+              <a:t>6/19/2013</a:t>
             </a:fld>
             <a:endParaRPr lang="en-US"/>
           </a:p>
@@ -2516,7 +2518,7 @@
           <a:p>
             <a:fld id="{6D622FCB-595C-4A19-9DA3-A5F2C1EA723F}" type="datetimeFigureOut">
               <a:rPr lang="en-US" smtClean="0"/>
-              <a:t>3/27/2013</a:t>
+              <a:t>6/19/2013</a:t>
             </a:fld>
             <a:endParaRPr lang="en-US"/>
           </a:p>
@@ -2729,7 +2731,7 @@
           <a:p>
             <a:fld id="{6D622FCB-595C-4A19-9DA3-A5F2C1EA723F}" type="datetimeFigureOut">
               <a:rPr lang="en-US" smtClean="0"/>
-              <a:t>3/27/2013</a:t>
+              <a:t>6/19/2013</a:t>
             </a:fld>
             <a:endParaRPr lang="en-US"/>
           </a:p>
@@ -3320,6 +3322,3360 @@
 </file>
 
 <file path=ppt/slides/slide10.xml><?xml version="1.0" encoding="utf-8"?>
+<p:sld xmlns:a="http://schemas.openxmlformats.org/drawingml/2006/main" xmlns:r="http://schemas.openxmlformats.org/officeDocument/2006/relationships" xmlns:p="http://schemas.openxmlformats.org/presentationml/2006/main">
+  <p:cSld>
+    <p:bg>
+      <p:bgPr>
+        <a:blipFill dpi="0" rotWithShape="1">
+          <a:blip r:embed="rId2">
+            <a:lum/>
+          </a:blip>
+          <a:srcRect/>
+          <a:stretch>
+            <a:fillRect/>
+          </a:stretch>
+        </a:blipFill>
+        <a:effectLst/>
+      </p:bgPr>
+    </p:bg>
+    <p:spTree>
+      <p:nvGrpSpPr>
+        <p:cNvPr id="1" name=""/>
+        <p:cNvGrpSpPr/>
+        <p:nvPr/>
+      </p:nvGrpSpPr>
+      <p:grpSpPr>
+        <a:xfrm>
+          <a:off x="0" y="0"/>
+          <a:ext cx="0" cy="0"/>
+          <a:chOff x="0" y="0"/>
+          <a:chExt cx="0" cy="0"/>
+        </a:xfrm>
+      </p:grpSpPr>
+      <p:sp>
+        <p:nvSpPr>
+          <p:cNvPr id="8194" name="Rectangle 1"/>
+          <p:cNvSpPr>
+            <a:spLocks noChangeArrowheads="1"/>
+          </p:cNvSpPr>
+          <p:nvPr/>
+        </p:nvSpPr>
+        <p:spPr bwMode="auto">
+          <a:xfrm>
+            <a:off x="457200" y="-4763"/>
+            <a:ext cx="8305800" cy="461963"/>
+          </a:xfrm>
+          <a:prstGeom prst="rect">
+            <a:avLst/>
+          </a:prstGeom>
+          <a:noFill/>
+          <a:ln>
+            <a:noFill/>
+          </a:ln>
+          <a:extLst>
+            <a:ext uri="{909E8E84-426E-40DD-AFC4-6F175D3DCCD1}">
+              <a14:hiddenFill xmlns:a14="http://schemas.microsoft.com/office/drawing/2010/main">
+                <a:solidFill>
+                  <a:srgbClr val="FFFFFF"/>
+                </a:solidFill>
+              </a14:hiddenFill>
+            </a:ext>
+            <a:ext uri="{91240B29-F687-4F45-9708-019B960494DF}">
+              <a14:hiddenLine xmlns:a14="http://schemas.microsoft.com/office/drawing/2010/main" w="9525">
+                <a:solidFill>
+                  <a:srgbClr val="000000"/>
+                </a:solidFill>
+                <a:miter lim="800000"/>
+                <a:headEnd/>
+                <a:tailEnd/>
+              </a14:hiddenLine>
+            </a:ext>
+          </a:extLst>
+        </p:spPr>
+        <p:txBody>
+          <a:bodyPr anchor="ctr">
+            <a:spAutoFit/>
+          </a:bodyPr>
+          <a:lstStyle/>
+          <a:p>
+            <a:pPr algn="ctr">
+              <a:tabLst>
+                <a:tab pos="457200" algn="l"/>
+              </a:tabLst>
+            </a:pPr>
+            <a:r>
+              <a:rPr lang="ru-RU" sz="2400">
+                <a:cs typeface="Times New Roman" pitchFamily="18" charset="0"/>
+              </a:rPr>
+              <a:t>Класс </a:t>
+            </a:r>
+            <a:r>
+              <a:rPr lang="en-US" sz="2400">
+                <a:cs typeface="Times New Roman" pitchFamily="18" charset="0"/>
+              </a:rPr>
+              <a:t>Encoding.</a:t>
+            </a:r>
+          </a:p>
+        </p:txBody>
+      </p:sp>
+      <p:sp>
+        <p:nvSpPr>
+          <p:cNvPr id="8195" name="Rectangle 64"/>
+          <p:cNvSpPr>
+            <a:spLocks noChangeArrowheads="1"/>
+          </p:cNvSpPr>
+          <p:nvPr/>
+        </p:nvSpPr>
+        <p:spPr bwMode="auto">
+          <a:xfrm>
+            <a:off x="0" y="0"/>
+            <a:ext cx="9144000" cy="0"/>
+          </a:xfrm>
+          <a:prstGeom prst="rect">
+            <a:avLst/>
+          </a:prstGeom>
+          <a:noFill/>
+          <a:ln>
+            <a:noFill/>
+          </a:ln>
+          <a:extLst>
+            <a:ext uri="{909E8E84-426E-40DD-AFC4-6F175D3DCCD1}">
+              <a14:hiddenFill xmlns:a14="http://schemas.microsoft.com/office/drawing/2010/main">
+                <a:solidFill>
+                  <a:srgbClr val="FFFFFF"/>
+                </a:solidFill>
+              </a14:hiddenFill>
+            </a:ext>
+            <a:ext uri="{91240B29-F687-4F45-9708-019B960494DF}">
+              <a14:hiddenLine xmlns:a14="http://schemas.microsoft.com/office/drawing/2010/main" w="9525">
+                <a:solidFill>
+                  <a:srgbClr val="000000"/>
+                </a:solidFill>
+                <a:miter lim="800000"/>
+                <a:headEnd/>
+                <a:tailEnd/>
+              </a14:hiddenLine>
+            </a:ext>
+          </a:extLst>
+        </p:spPr>
+        <p:txBody>
+          <a:bodyPr wrap="none" anchor="ctr">
+            <a:spAutoFit/>
+          </a:bodyPr>
+          <a:lstStyle/>
+          <a:p>
+            <a:endParaRPr lang="be-BY"/>
+          </a:p>
+        </p:txBody>
+      </p:sp>
+      <p:sp>
+        <p:nvSpPr>
+          <p:cNvPr id="8196" name="TextBox 6"/>
+          <p:cNvSpPr txBox="1">
+            <a:spLocks noChangeArrowheads="1"/>
+          </p:cNvSpPr>
+          <p:nvPr/>
+        </p:nvSpPr>
+        <p:spPr bwMode="auto">
+          <a:xfrm>
+            <a:off x="152400" y="457200"/>
+            <a:ext cx="8839200" cy="830263"/>
+          </a:xfrm>
+          <a:prstGeom prst="rect">
+            <a:avLst/>
+          </a:prstGeom>
+          <a:noFill/>
+          <a:ln>
+            <a:noFill/>
+          </a:ln>
+          <a:extLst>
+            <a:ext uri="{909E8E84-426E-40DD-AFC4-6F175D3DCCD1}">
+              <a14:hiddenFill xmlns:a14="http://schemas.microsoft.com/office/drawing/2010/main">
+                <a:solidFill>
+                  <a:srgbClr val="FFFFFF"/>
+                </a:solidFill>
+              </a14:hiddenFill>
+            </a:ext>
+            <a:ext uri="{91240B29-F687-4F45-9708-019B960494DF}">
+              <a14:hiddenLine xmlns:a14="http://schemas.microsoft.com/office/drawing/2010/main" w="9525">
+                <a:solidFill>
+                  <a:srgbClr val="000000"/>
+                </a:solidFill>
+                <a:miter lim="800000"/>
+                <a:headEnd/>
+                <a:tailEnd/>
+              </a14:hiddenLine>
+            </a:ext>
+          </a:extLst>
+        </p:spPr>
+        <p:txBody>
+          <a:bodyPr>
+            <a:spAutoFit/>
+          </a:bodyPr>
+          <a:lstStyle>
+            <a:lvl1pPr defTabSz="358775" eaLnBrk="0" hangingPunct="0">
+              <a:defRPr>
+                <a:solidFill>
+                  <a:schemeClr val="tx1"/>
+                </a:solidFill>
+                <a:latin typeface="Arial" charset="0"/>
+              </a:defRPr>
+            </a:lvl1pPr>
+            <a:lvl2pPr marL="742950" indent="-285750" defTabSz="358775" eaLnBrk="0" hangingPunct="0">
+              <a:defRPr>
+                <a:solidFill>
+                  <a:schemeClr val="tx1"/>
+                </a:solidFill>
+                <a:latin typeface="Arial" charset="0"/>
+              </a:defRPr>
+            </a:lvl2pPr>
+            <a:lvl3pPr marL="1143000" indent="-228600" defTabSz="358775" eaLnBrk="0" hangingPunct="0">
+              <a:defRPr>
+                <a:solidFill>
+                  <a:schemeClr val="tx1"/>
+                </a:solidFill>
+                <a:latin typeface="Arial" charset="0"/>
+              </a:defRPr>
+            </a:lvl3pPr>
+            <a:lvl4pPr marL="1600200" indent="-228600" defTabSz="358775" eaLnBrk="0" hangingPunct="0">
+              <a:defRPr>
+                <a:solidFill>
+                  <a:schemeClr val="tx1"/>
+                </a:solidFill>
+                <a:latin typeface="Arial" charset="0"/>
+              </a:defRPr>
+            </a:lvl4pPr>
+            <a:lvl5pPr marL="2057400" indent="-228600" defTabSz="358775" eaLnBrk="0" hangingPunct="0">
+              <a:defRPr>
+                <a:solidFill>
+                  <a:schemeClr val="tx1"/>
+                </a:solidFill>
+                <a:latin typeface="Arial" charset="0"/>
+              </a:defRPr>
+            </a:lvl5pPr>
+            <a:lvl6pPr marL="2514600" indent="-228600" defTabSz="358775" eaLnBrk="0" fontAlgn="base" hangingPunct="0">
+              <a:spcBef>
+                <a:spcPct val="0"/>
+              </a:spcBef>
+              <a:spcAft>
+                <a:spcPct val="0"/>
+              </a:spcAft>
+              <a:defRPr>
+                <a:solidFill>
+                  <a:schemeClr val="tx1"/>
+                </a:solidFill>
+                <a:latin typeface="Arial" charset="0"/>
+              </a:defRPr>
+            </a:lvl6pPr>
+            <a:lvl7pPr marL="2971800" indent="-228600" defTabSz="358775" eaLnBrk="0" fontAlgn="base" hangingPunct="0">
+              <a:spcBef>
+                <a:spcPct val="0"/>
+              </a:spcBef>
+              <a:spcAft>
+                <a:spcPct val="0"/>
+              </a:spcAft>
+              <a:defRPr>
+                <a:solidFill>
+                  <a:schemeClr val="tx1"/>
+                </a:solidFill>
+                <a:latin typeface="Arial" charset="0"/>
+              </a:defRPr>
+            </a:lvl7pPr>
+            <a:lvl8pPr marL="3429000" indent="-228600" defTabSz="358775" eaLnBrk="0" fontAlgn="base" hangingPunct="0">
+              <a:spcBef>
+                <a:spcPct val="0"/>
+              </a:spcBef>
+              <a:spcAft>
+                <a:spcPct val="0"/>
+              </a:spcAft>
+              <a:defRPr>
+                <a:solidFill>
+                  <a:schemeClr val="tx1"/>
+                </a:solidFill>
+                <a:latin typeface="Arial" charset="0"/>
+              </a:defRPr>
+            </a:lvl8pPr>
+            <a:lvl9pPr marL="3886200" indent="-228600" defTabSz="358775" eaLnBrk="0" fontAlgn="base" hangingPunct="0">
+              <a:spcBef>
+                <a:spcPct val="0"/>
+              </a:spcBef>
+              <a:spcAft>
+                <a:spcPct val="0"/>
+              </a:spcAft>
+              <a:defRPr>
+                <a:solidFill>
+                  <a:schemeClr val="tx1"/>
+                </a:solidFill>
+                <a:latin typeface="Arial" charset="0"/>
+              </a:defRPr>
+            </a:lvl9pPr>
+          </a:lstStyle>
+          <a:p>
+            <a:pPr eaLnBrk="1" hangingPunct="1"/>
+            <a:r>
+              <a:rPr lang="ru-RU" sz="1600"/>
+              <a:t>	Среда </a:t>
+            </a:r>
+            <a:r>
+              <a:rPr lang="en-US" sz="1600"/>
+              <a:t>.NET </a:t>
+            </a:r>
+            <a:r>
+              <a:rPr lang="ru-RU" sz="1600"/>
+              <a:t>поддерживает различные кодировки, позволяющие переводить массив байт в строки и наоборот. Объект – кодировку можно получить используя класс </a:t>
+            </a:r>
+            <a:r>
+              <a:rPr lang="en-US" sz="1600"/>
+              <a:t>Encoding </a:t>
+            </a:r>
+            <a:r>
+              <a:rPr lang="ru-RU" sz="1600"/>
+              <a:t>и его статический метод </a:t>
+            </a:r>
+            <a:r>
+              <a:rPr lang="en-US" sz="1600"/>
+              <a:t>GetEncoding().</a:t>
+            </a:r>
+          </a:p>
+        </p:txBody>
+      </p:sp>
+      <p:sp>
+        <p:nvSpPr>
+          <p:cNvPr id="8197" name="Rectangle 1"/>
+          <p:cNvSpPr>
+            <a:spLocks noChangeArrowheads="1"/>
+          </p:cNvSpPr>
+          <p:nvPr/>
+        </p:nvSpPr>
+        <p:spPr bwMode="auto">
+          <a:xfrm>
+            <a:off x="0" y="1295400"/>
+            <a:ext cx="8991600" cy="369888"/>
+          </a:xfrm>
+          <a:prstGeom prst="rect">
+            <a:avLst/>
+          </a:prstGeom>
+          <a:noFill/>
+          <a:ln>
+            <a:noFill/>
+          </a:ln>
+          <a:extLst>
+            <a:ext uri="{909E8E84-426E-40DD-AFC4-6F175D3DCCD1}">
+              <a14:hiddenFill xmlns:a14="http://schemas.microsoft.com/office/drawing/2010/main">
+                <a:solidFill>
+                  <a:srgbClr val="FFFFFF"/>
+                </a:solidFill>
+              </a14:hiddenFill>
+            </a:ext>
+            <a:ext uri="{91240B29-F687-4F45-9708-019B960494DF}">
+              <a14:hiddenLine xmlns:a14="http://schemas.microsoft.com/office/drawing/2010/main" w="9525">
+                <a:solidFill>
+                  <a:srgbClr val="000000"/>
+                </a:solidFill>
+                <a:miter lim="800000"/>
+                <a:headEnd/>
+                <a:tailEnd/>
+              </a14:hiddenLine>
+            </a:ext>
+          </a:extLst>
+        </p:spPr>
+        <p:txBody>
+          <a:bodyPr anchor="ctr">
+            <a:spAutoFit/>
+          </a:bodyPr>
+          <a:lstStyle/>
+          <a:p>
+            <a:pPr algn="ctr" eaLnBrk="0" hangingPunct="0"/>
+            <a:r>
+              <a:rPr lang="be-BY" dirty="0">
+                <a:solidFill>
+                  <a:schemeClr val="bg1"/>
+                </a:solidFill>
+                <a:latin typeface="Courier New" pitchFamily="49" charset="0"/>
+                <a:ea typeface="Calibri" pitchFamily="34" charset="0"/>
+                <a:cs typeface="Courier New" pitchFamily="49" charset="0"/>
+              </a:rPr>
+              <a:t>Encoding ascii = Encoding.GetEncoding("ascii");</a:t>
+            </a:r>
+            <a:endParaRPr lang="be-BY" dirty="0">
+              <a:solidFill>
+                <a:schemeClr val="bg1"/>
+              </a:solidFill>
+              <a:ea typeface="Calibri" pitchFamily="34" charset="0"/>
+              <a:cs typeface="Courier New" pitchFamily="49" charset="0"/>
+            </a:endParaRPr>
+          </a:p>
+        </p:txBody>
+      </p:sp>
+      <p:sp>
+        <p:nvSpPr>
+          <p:cNvPr id="8198" name="TextBox 6"/>
+          <p:cNvSpPr txBox="1">
+            <a:spLocks noChangeArrowheads="1"/>
+          </p:cNvSpPr>
+          <p:nvPr/>
+        </p:nvSpPr>
+        <p:spPr bwMode="auto">
+          <a:xfrm>
+            <a:off x="152400" y="1795463"/>
+            <a:ext cx="8839200" cy="338137"/>
+          </a:xfrm>
+          <a:prstGeom prst="rect">
+            <a:avLst/>
+          </a:prstGeom>
+          <a:noFill/>
+          <a:ln>
+            <a:noFill/>
+          </a:ln>
+          <a:extLst>
+            <a:ext uri="{909E8E84-426E-40DD-AFC4-6F175D3DCCD1}">
+              <a14:hiddenFill xmlns:a14="http://schemas.microsoft.com/office/drawing/2010/main">
+                <a:solidFill>
+                  <a:srgbClr val="FFFFFF"/>
+                </a:solidFill>
+              </a14:hiddenFill>
+            </a:ext>
+            <a:ext uri="{91240B29-F687-4F45-9708-019B960494DF}">
+              <a14:hiddenLine xmlns:a14="http://schemas.microsoft.com/office/drawing/2010/main" w="9525">
+                <a:solidFill>
+                  <a:srgbClr val="000000"/>
+                </a:solidFill>
+                <a:miter lim="800000"/>
+                <a:headEnd/>
+                <a:tailEnd/>
+              </a14:hiddenLine>
+            </a:ext>
+          </a:extLst>
+        </p:spPr>
+        <p:txBody>
+          <a:bodyPr>
+            <a:spAutoFit/>
+          </a:bodyPr>
+          <a:lstStyle>
+            <a:lvl1pPr defTabSz="358775" eaLnBrk="0" hangingPunct="0">
+              <a:defRPr>
+                <a:solidFill>
+                  <a:schemeClr val="tx1"/>
+                </a:solidFill>
+                <a:latin typeface="Arial" charset="0"/>
+              </a:defRPr>
+            </a:lvl1pPr>
+            <a:lvl2pPr marL="742950" indent="-285750" defTabSz="358775" eaLnBrk="0" hangingPunct="0">
+              <a:defRPr>
+                <a:solidFill>
+                  <a:schemeClr val="tx1"/>
+                </a:solidFill>
+                <a:latin typeface="Arial" charset="0"/>
+              </a:defRPr>
+            </a:lvl2pPr>
+            <a:lvl3pPr marL="1143000" indent="-228600" defTabSz="358775" eaLnBrk="0" hangingPunct="0">
+              <a:defRPr>
+                <a:solidFill>
+                  <a:schemeClr val="tx1"/>
+                </a:solidFill>
+                <a:latin typeface="Arial" charset="0"/>
+              </a:defRPr>
+            </a:lvl3pPr>
+            <a:lvl4pPr marL="1600200" indent="-228600" defTabSz="358775" eaLnBrk="0" hangingPunct="0">
+              <a:defRPr>
+                <a:solidFill>
+                  <a:schemeClr val="tx1"/>
+                </a:solidFill>
+                <a:latin typeface="Arial" charset="0"/>
+              </a:defRPr>
+            </a:lvl4pPr>
+            <a:lvl5pPr marL="2057400" indent="-228600" defTabSz="358775" eaLnBrk="0" hangingPunct="0">
+              <a:defRPr>
+                <a:solidFill>
+                  <a:schemeClr val="tx1"/>
+                </a:solidFill>
+                <a:latin typeface="Arial" charset="0"/>
+              </a:defRPr>
+            </a:lvl5pPr>
+            <a:lvl6pPr marL="2514600" indent="-228600" defTabSz="358775" eaLnBrk="0" fontAlgn="base" hangingPunct="0">
+              <a:spcBef>
+                <a:spcPct val="0"/>
+              </a:spcBef>
+              <a:spcAft>
+                <a:spcPct val="0"/>
+              </a:spcAft>
+              <a:defRPr>
+                <a:solidFill>
+                  <a:schemeClr val="tx1"/>
+                </a:solidFill>
+                <a:latin typeface="Arial" charset="0"/>
+              </a:defRPr>
+            </a:lvl6pPr>
+            <a:lvl7pPr marL="2971800" indent="-228600" defTabSz="358775" eaLnBrk="0" fontAlgn="base" hangingPunct="0">
+              <a:spcBef>
+                <a:spcPct val="0"/>
+              </a:spcBef>
+              <a:spcAft>
+                <a:spcPct val="0"/>
+              </a:spcAft>
+              <a:defRPr>
+                <a:solidFill>
+                  <a:schemeClr val="tx1"/>
+                </a:solidFill>
+                <a:latin typeface="Arial" charset="0"/>
+              </a:defRPr>
+            </a:lvl7pPr>
+            <a:lvl8pPr marL="3429000" indent="-228600" defTabSz="358775" eaLnBrk="0" fontAlgn="base" hangingPunct="0">
+              <a:spcBef>
+                <a:spcPct val="0"/>
+              </a:spcBef>
+              <a:spcAft>
+                <a:spcPct val="0"/>
+              </a:spcAft>
+              <a:defRPr>
+                <a:solidFill>
+                  <a:schemeClr val="tx1"/>
+                </a:solidFill>
+                <a:latin typeface="Arial" charset="0"/>
+              </a:defRPr>
+            </a:lvl8pPr>
+            <a:lvl9pPr marL="3886200" indent="-228600" defTabSz="358775" eaLnBrk="0" fontAlgn="base" hangingPunct="0">
+              <a:spcBef>
+                <a:spcPct val="0"/>
+              </a:spcBef>
+              <a:spcAft>
+                <a:spcPct val="0"/>
+              </a:spcAft>
+              <a:defRPr>
+                <a:solidFill>
+                  <a:schemeClr val="tx1"/>
+                </a:solidFill>
+                <a:latin typeface="Arial" charset="0"/>
+              </a:defRPr>
+            </a:lvl9pPr>
+          </a:lstStyle>
+          <a:p>
+            <a:pPr eaLnBrk="1" hangingPunct="1"/>
+            <a:r>
+              <a:rPr lang="ru-RU" sz="1600" dirty="0"/>
+              <a:t>	Для популярных кодировок в классе </a:t>
+            </a:r>
+            <a:r>
+              <a:rPr lang="en-US" sz="1600" dirty="0"/>
+              <a:t>Encoding </a:t>
+            </a:r>
+            <a:r>
+              <a:rPr lang="ru-RU" sz="1600" dirty="0"/>
+              <a:t>зарезервированы свойства</a:t>
+            </a:r>
+            <a:r>
+              <a:rPr lang="en-US" sz="1600" dirty="0"/>
+              <a:t>:</a:t>
+            </a:r>
+          </a:p>
+        </p:txBody>
+      </p:sp>
+      <p:sp>
+        <p:nvSpPr>
+          <p:cNvPr id="8199" name="Rectangle 2"/>
+          <p:cNvSpPr>
+            <a:spLocks noChangeArrowheads="1"/>
+          </p:cNvSpPr>
+          <p:nvPr/>
+        </p:nvSpPr>
+        <p:spPr bwMode="auto">
+          <a:xfrm>
+            <a:off x="1752600" y="2133600"/>
+            <a:ext cx="3763963" cy="830263"/>
+          </a:xfrm>
+          <a:prstGeom prst="rect">
+            <a:avLst/>
+          </a:prstGeom>
+          <a:noFill/>
+          <a:ln>
+            <a:noFill/>
+          </a:ln>
+          <a:extLst>
+            <a:ext uri="{909E8E84-426E-40DD-AFC4-6F175D3DCCD1}">
+              <a14:hiddenFill xmlns:a14="http://schemas.microsoft.com/office/drawing/2010/main">
+                <a:solidFill>
+                  <a:srgbClr val="FFFFFF"/>
+                </a:solidFill>
+              </a14:hiddenFill>
+            </a:ext>
+            <a:ext uri="{91240B29-F687-4F45-9708-019B960494DF}">
+              <a14:hiddenLine xmlns:a14="http://schemas.microsoft.com/office/drawing/2010/main" w="9525">
+                <a:solidFill>
+                  <a:srgbClr val="000000"/>
+                </a:solidFill>
+                <a:miter lim="800000"/>
+                <a:headEnd/>
+                <a:tailEnd/>
+              </a14:hiddenLine>
+            </a:ext>
+          </a:extLst>
+        </p:spPr>
+        <p:txBody>
+          <a:bodyPr wrap="none" anchor="ctr">
+            <a:spAutoFit/>
+          </a:bodyPr>
+          <a:lstStyle/>
+          <a:p>
+            <a:pPr eaLnBrk="0" hangingPunct="0"/>
+            <a:r>
+              <a:rPr lang="be-BY" sz="1600" dirty="0">
+                <a:solidFill>
+                  <a:schemeClr val="bg1"/>
+                </a:solidFill>
+                <a:latin typeface="Courier New" pitchFamily="49" charset="0"/>
+                <a:ea typeface="Calibri" pitchFamily="34" charset="0"/>
+                <a:cs typeface="Courier New" pitchFamily="49" charset="0"/>
+              </a:rPr>
+              <a:t>            Encoding.ASCII;</a:t>
+            </a:r>
+            <a:endParaRPr lang="be-BY" sz="1600" dirty="0">
+              <a:solidFill>
+                <a:schemeClr val="bg1"/>
+              </a:solidFill>
+              <a:ea typeface="Calibri" pitchFamily="34" charset="0"/>
+              <a:cs typeface="Courier New" pitchFamily="49" charset="0"/>
+            </a:endParaRPr>
+          </a:p>
+          <a:p>
+            <a:pPr eaLnBrk="0" hangingPunct="0"/>
+            <a:r>
+              <a:rPr lang="be-BY" sz="1600" dirty="0">
+                <a:solidFill>
+                  <a:schemeClr val="bg1"/>
+                </a:solidFill>
+                <a:latin typeface="Courier New" pitchFamily="49" charset="0"/>
+                <a:ea typeface="Calibri" pitchFamily="34" charset="0"/>
+                <a:cs typeface="Courier New" pitchFamily="49" charset="0"/>
+              </a:rPr>
+              <a:t>            Encoding.Unicode;</a:t>
+            </a:r>
+            <a:endParaRPr lang="be-BY" sz="1600" dirty="0">
+              <a:solidFill>
+                <a:schemeClr val="bg1"/>
+              </a:solidFill>
+              <a:ea typeface="Calibri" pitchFamily="34" charset="0"/>
+              <a:cs typeface="Courier New" pitchFamily="49" charset="0"/>
+            </a:endParaRPr>
+          </a:p>
+          <a:p>
+            <a:pPr eaLnBrk="0" hangingPunct="0"/>
+            <a:r>
+              <a:rPr lang="be-BY" sz="1600" dirty="0">
+                <a:solidFill>
+                  <a:schemeClr val="bg1"/>
+                </a:solidFill>
+                <a:latin typeface="Courier New" pitchFamily="49" charset="0"/>
+                <a:ea typeface="Calibri" pitchFamily="34" charset="0"/>
+                <a:cs typeface="Courier New" pitchFamily="49" charset="0"/>
+              </a:rPr>
+              <a:t>            Encoding.UTF32;</a:t>
+            </a:r>
+            <a:endParaRPr lang="be-BY" sz="1600" dirty="0">
+              <a:solidFill>
+                <a:schemeClr val="bg1"/>
+              </a:solidFill>
+              <a:ea typeface="Calibri" pitchFamily="34" charset="0"/>
+              <a:cs typeface="Courier New" pitchFamily="49" charset="0"/>
+            </a:endParaRPr>
+          </a:p>
+        </p:txBody>
+      </p:sp>
+      <p:sp>
+        <p:nvSpPr>
+          <p:cNvPr id="54275" name="Rectangle 3"/>
+          <p:cNvSpPr>
+            <a:spLocks noChangeArrowheads="1"/>
+          </p:cNvSpPr>
+          <p:nvPr/>
+        </p:nvSpPr>
+        <p:spPr bwMode="auto">
+          <a:xfrm>
+            <a:off x="152400" y="3124200"/>
+            <a:ext cx="8839200" cy="1570038"/>
+          </a:xfrm>
+          <a:prstGeom prst="rect">
+            <a:avLst/>
+          </a:prstGeom>
+          <a:noFill/>
+          <a:ln w="9525">
+            <a:solidFill>
+              <a:schemeClr val="bg1">
+                <a:lumMod val="65000"/>
+              </a:schemeClr>
+            </a:solidFill>
+            <a:miter lim="800000"/>
+            <a:headEnd/>
+            <a:tailEnd/>
+          </a:ln>
+          <a:effectLst/>
+        </p:spPr>
+        <p:txBody>
+          <a:bodyPr anchor="ctr">
+            <a:spAutoFit/>
+          </a:bodyPr>
+          <a:lstStyle/>
+          <a:p>
+            <a:pPr eaLnBrk="0" hangingPunct="0">
+              <a:defRPr/>
+            </a:pPr>
+            <a:r>
+              <a:rPr lang="be-BY" sz="1200" dirty="0">
+                <a:solidFill>
+                  <a:schemeClr val="bg1"/>
+                </a:solidFill>
+                <a:latin typeface="Courier New" pitchFamily="49" charset="0"/>
+                <a:ea typeface="Calibri" pitchFamily="34" charset="0"/>
+                <a:cs typeface="Courier New" pitchFamily="49" charset="0"/>
+              </a:rPr>
+              <a:t>            Encoding uc = Encoding.Unicode;</a:t>
+            </a:r>
+            <a:endParaRPr lang="be-BY" sz="1200" dirty="0">
+              <a:solidFill>
+                <a:schemeClr val="bg1"/>
+              </a:solidFill>
+              <a:latin typeface="Arial" pitchFamily="34" charset="0"/>
+            </a:endParaRPr>
+          </a:p>
+          <a:p>
+            <a:pPr eaLnBrk="0" hangingPunct="0">
+              <a:defRPr/>
+            </a:pPr>
+            <a:r>
+              <a:rPr lang="be-BY" sz="1200" dirty="0">
+                <a:solidFill>
+                  <a:schemeClr val="bg1"/>
+                </a:solidFill>
+                <a:latin typeface="Courier New" pitchFamily="49" charset="0"/>
+                <a:ea typeface="Calibri" pitchFamily="34" charset="0"/>
+                <a:cs typeface="Courier New" pitchFamily="49" charset="0"/>
+              </a:rPr>
+              <a:t>            string str = Console.ReadLine();</a:t>
+            </a:r>
+            <a:endParaRPr lang="be-BY" sz="1200" dirty="0">
+              <a:solidFill>
+                <a:schemeClr val="bg1"/>
+              </a:solidFill>
+              <a:latin typeface="Arial" pitchFamily="34" charset="0"/>
+            </a:endParaRPr>
+          </a:p>
+          <a:p>
+            <a:pPr eaLnBrk="0" hangingPunct="0">
+              <a:defRPr/>
+            </a:pPr>
+            <a:r>
+              <a:rPr lang="be-BY" sz="1200" dirty="0">
+                <a:solidFill>
+                  <a:schemeClr val="bg1"/>
+                </a:solidFill>
+                <a:latin typeface="Courier New" pitchFamily="49" charset="0"/>
+                <a:ea typeface="Calibri" pitchFamily="34" charset="0"/>
+                <a:cs typeface="Courier New" pitchFamily="49" charset="0"/>
+              </a:rPr>
+              <a:t>            byte[] bytes = uc.GetBytes(str);</a:t>
+            </a:r>
+            <a:endParaRPr lang="be-BY" sz="1200" dirty="0">
+              <a:solidFill>
+                <a:schemeClr val="bg1"/>
+              </a:solidFill>
+              <a:latin typeface="Arial" pitchFamily="34" charset="0"/>
+            </a:endParaRPr>
+          </a:p>
+          <a:p>
+            <a:pPr eaLnBrk="0" hangingPunct="0">
+              <a:defRPr/>
+            </a:pPr>
+            <a:r>
+              <a:rPr lang="be-BY" sz="1200" dirty="0">
+                <a:solidFill>
+                  <a:schemeClr val="bg1"/>
+                </a:solidFill>
+                <a:latin typeface="Courier New" pitchFamily="49" charset="0"/>
+                <a:ea typeface="Calibri" pitchFamily="34" charset="0"/>
+                <a:cs typeface="Courier New" pitchFamily="49" charset="0"/>
+              </a:rPr>
+              <a:t>            Console.Write( "GetBytes : "</a:t>
+            </a:r>
+            <a:r>
+              <a:rPr lang="en-US" sz="1200" dirty="0">
+                <a:solidFill>
+                  <a:schemeClr val="bg1"/>
+                </a:solidFill>
+                <a:latin typeface="Courier New" pitchFamily="49" charset="0"/>
+                <a:ea typeface="Calibri" pitchFamily="34" charset="0"/>
+                <a:cs typeface="Courier New" pitchFamily="49" charset="0"/>
+              </a:rPr>
+              <a:t> </a:t>
+            </a:r>
+            <a:r>
+              <a:rPr lang="be-BY" sz="1200" dirty="0">
+                <a:solidFill>
+                  <a:schemeClr val="bg1"/>
+                </a:solidFill>
+                <a:latin typeface="Courier New" pitchFamily="49" charset="0"/>
+                <a:ea typeface="Calibri" pitchFamily="34" charset="0"/>
+                <a:cs typeface="Courier New" pitchFamily="49" charset="0"/>
+              </a:rPr>
+              <a:t>);</a:t>
+            </a:r>
+            <a:endParaRPr lang="be-BY" sz="1200" dirty="0">
+              <a:solidFill>
+                <a:schemeClr val="bg1"/>
+              </a:solidFill>
+              <a:latin typeface="Arial" pitchFamily="34" charset="0"/>
+            </a:endParaRPr>
+          </a:p>
+          <a:p>
+            <a:pPr eaLnBrk="0" hangingPunct="0">
+              <a:defRPr/>
+            </a:pPr>
+            <a:r>
+              <a:rPr lang="be-BY" sz="1200" dirty="0">
+                <a:solidFill>
+                  <a:schemeClr val="bg1"/>
+                </a:solidFill>
+                <a:latin typeface="Courier New" pitchFamily="49" charset="0"/>
+                <a:ea typeface="Calibri" pitchFamily="34" charset="0"/>
+                <a:cs typeface="Courier New" pitchFamily="49" charset="0"/>
+              </a:rPr>
+              <a:t>            foreach (</a:t>
+            </a:r>
+            <a:r>
+              <a:rPr lang="en-US" sz="1200" dirty="0">
+                <a:solidFill>
+                  <a:schemeClr val="bg1"/>
+                </a:solidFill>
+                <a:latin typeface="Courier New" pitchFamily="49" charset="0"/>
+                <a:ea typeface="Calibri" pitchFamily="34" charset="0"/>
+                <a:cs typeface="Courier New" pitchFamily="49" charset="0"/>
+              </a:rPr>
+              <a:t> </a:t>
+            </a:r>
+            <a:r>
+              <a:rPr lang="be-BY" sz="1200" dirty="0">
+                <a:solidFill>
+                  <a:schemeClr val="bg1"/>
+                </a:solidFill>
+                <a:latin typeface="Courier New" pitchFamily="49" charset="0"/>
+                <a:ea typeface="Calibri" pitchFamily="34" charset="0"/>
+                <a:cs typeface="Courier New" pitchFamily="49" charset="0"/>
+              </a:rPr>
+              <a:t>byte b in bytes</a:t>
+            </a:r>
+            <a:r>
+              <a:rPr lang="en-US" sz="1200" dirty="0">
+                <a:solidFill>
+                  <a:schemeClr val="bg1"/>
+                </a:solidFill>
+                <a:latin typeface="Courier New" pitchFamily="49" charset="0"/>
+                <a:ea typeface="Calibri" pitchFamily="34" charset="0"/>
+                <a:cs typeface="Courier New" pitchFamily="49" charset="0"/>
+              </a:rPr>
+              <a:t> </a:t>
+            </a:r>
+            <a:r>
+              <a:rPr lang="be-BY" sz="1200" dirty="0">
+                <a:solidFill>
+                  <a:schemeClr val="bg1"/>
+                </a:solidFill>
+                <a:latin typeface="Courier New" pitchFamily="49" charset="0"/>
+                <a:ea typeface="Calibri" pitchFamily="34" charset="0"/>
+                <a:cs typeface="Courier New" pitchFamily="49" charset="0"/>
+              </a:rPr>
+              <a:t>)</a:t>
+            </a:r>
+            <a:endParaRPr lang="be-BY" sz="1200" dirty="0">
+              <a:solidFill>
+                <a:schemeClr val="bg1"/>
+              </a:solidFill>
+              <a:latin typeface="Arial" pitchFamily="34" charset="0"/>
+            </a:endParaRPr>
+          </a:p>
+          <a:p>
+            <a:pPr eaLnBrk="0" hangingPunct="0">
+              <a:defRPr/>
+            </a:pPr>
+            <a:r>
+              <a:rPr lang="be-BY" sz="1200" dirty="0">
+                <a:solidFill>
+                  <a:schemeClr val="bg1"/>
+                </a:solidFill>
+                <a:latin typeface="Courier New" pitchFamily="49" charset="0"/>
+                <a:ea typeface="Calibri" pitchFamily="34" charset="0"/>
+                <a:cs typeface="Courier New" pitchFamily="49" charset="0"/>
+              </a:rPr>
+              <a:t>                Console.Write( (</a:t>
+            </a:r>
+            <a:r>
+              <a:rPr lang="en-US" sz="1200" dirty="0">
+                <a:solidFill>
+                  <a:schemeClr val="bg1"/>
+                </a:solidFill>
+                <a:latin typeface="Courier New" pitchFamily="49" charset="0"/>
+                <a:ea typeface="Calibri" pitchFamily="34" charset="0"/>
+                <a:cs typeface="Courier New" pitchFamily="49" charset="0"/>
+              </a:rPr>
+              <a:t> </a:t>
+            </a:r>
+            <a:r>
+              <a:rPr lang="be-BY" sz="1200" dirty="0">
+                <a:solidFill>
+                  <a:schemeClr val="bg1"/>
+                </a:solidFill>
+                <a:latin typeface="Courier New" pitchFamily="49" charset="0"/>
+                <a:ea typeface="Calibri" pitchFamily="34" charset="0"/>
+                <a:cs typeface="Courier New" pitchFamily="49" charset="0"/>
+              </a:rPr>
+              <a:t>Char</a:t>
+            </a:r>
+            <a:r>
+              <a:rPr lang="en-US" sz="1200" dirty="0">
+                <a:solidFill>
+                  <a:schemeClr val="bg1"/>
+                </a:solidFill>
+                <a:latin typeface="Courier New" pitchFamily="49" charset="0"/>
+                <a:ea typeface="Calibri" pitchFamily="34" charset="0"/>
+                <a:cs typeface="Courier New" pitchFamily="49" charset="0"/>
+              </a:rPr>
+              <a:t> </a:t>
+            </a:r>
+            <a:r>
+              <a:rPr lang="be-BY" sz="1200" dirty="0">
+                <a:solidFill>
+                  <a:schemeClr val="bg1"/>
+                </a:solidFill>
+                <a:latin typeface="Courier New" pitchFamily="49" charset="0"/>
+                <a:ea typeface="Calibri" pitchFamily="34" charset="0"/>
+                <a:cs typeface="Courier New" pitchFamily="49" charset="0"/>
+              </a:rPr>
+              <a:t>)b );</a:t>
+            </a:r>
+            <a:endParaRPr lang="be-BY" sz="1200" dirty="0">
+              <a:solidFill>
+                <a:schemeClr val="bg1"/>
+              </a:solidFill>
+              <a:latin typeface="Arial" pitchFamily="34" charset="0"/>
+            </a:endParaRPr>
+          </a:p>
+          <a:p>
+            <a:pPr eaLnBrk="0" hangingPunct="0">
+              <a:defRPr/>
+            </a:pPr>
+            <a:r>
+              <a:rPr lang="be-BY" sz="1200" dirty="0">
+                <a:solidFill>
+                  <a:schemeClr val="bg1"/>
+                </a:solidFill>
+                <a:latin typeface="Courier New" pitchFamily="49" charset="0"/>
+                <a:ea typeface="Calibri" pitchFamily="34" charset="0"/>
+                <a:cs typeface="Courier New" pitchFamily="49" charset="0"/>
+              </a:rPr>
+              <a:t>            string s = uc.GetString(bytes);</a:t>
+            </a:r>
+            <a:endParaRPr lang="be-BY" sz="1200" dirty="0">
+              <a:solidFill>
+                <a:schemeClr val="bg1"/>
+              </a:solidFill>
+              <a:latin typeface="Arial" pitchFamily="34" charset="0"/>
+            </a:endParaRPr>
+          </a:p>
+          <a:p>
+            <a:pPr eaLnBrk="0" hangingPunct="0">
+              <a:defRPr/>
+            </a:pPr>
+            <a:r>
+              <a:rPr lang="be-BY" sz="1200" dirty="0">
+                <a:solidFill>
+                  <a:schemeClr val="bg1"/>
+                </a:solidFill>
+                <a:latin typeface="Courier New" pitchFamily="49" charset="0"/>
+                <a:ea typeface="Calibri" pitchFamily="34" charset="0"/>
+                <a:cs typeface="Courier New" pitchFamily="49" charset="0"/>
+              </a:rPr>
+              <a:t>            Console.WriteLine(</a:t>
+            </a:r>
+            <a:r>
+              <a:rPr lang="en-US" sz="1200" dirty="0">
+                <a:solidFill>
+                  <a:schemeClr val="bg1"/>
+                </a:solidFill>
+                <a:latin typeface="Courier New" pitchFamily="49" charset="0"/>
+                <a:ea typeface="Calibri" pitchFamily="34" charset="0"/>
+                <a:cs typeface="Courier New" pitchFamily="49" charset="0"/>
+              </a:rPr>
+              <a:t> </a:t>
+            </a:r>
+            <a:r>
+              <a:rPr lang="be-BY" sz="1200" dirty="0">
+                <a:solidFill>
+                  <a:schemeClr val="bg1"/>
+                </a:solidFill>
+                <a:latin typeface="Courier New" pitchFamily="49" charset="0"/>
+                <a:ea typeface="Calibri" pitchFamily="34" charset="0"/>
+                <a:cs typeface="Courier New" pitchFamily="49" charset="0"/>
+              </a:rPr>
+              <a:t>"\nGetString : {0}",</a:t>
+            </a:r>
+            <a:r>
+              <a:rPr lang="en-US" sz="1200" dirty="0">
+                <a:solidFill>
+                  <a:schemeClr val="bg1"/>
+                </a:solidFill>
+                <a:latin typeface="Courier New" pitchFamily="49" charset="0"/>
+                <a:ea typeface="Calibri" pitchFamily="34" charset="0"/>
+                <a:cs typeface="Courier New" pitchFamily="49" charset="0"/>
+              </a:rPr>
+              <a:t> </a:t>
+            </a:r>
+            <a:r>
+              <a:rPr lang="be-BY" sz="1200" dirty="0">
+                <a:solidFill>
+                  <a:schemeClr val="bg1"/>
+                </a:solidFill>
+                <a:latin typeface="Courier New" pitchFamily="49" charset="0"/>
+                <a:ea typeface="Calibri" pitchFamily="34" charset="0"/>
+                <a:cs typeface="Courier New" pitchFamily="49" charset="0"/>
+              </a:rPr>
+              <a:t>s</a:t>
+            </a:r>
+            <a:r>
+              <a:rPr lang="en-US" sz="1200" dirty="0">
+                <a:solidFill>
+                  <a:schemeClr val="bg1"/>
+                </a:solidFill>
+                <a:latin typeface="Courier New" pitchFamily="49" charset="0"/>
+                <a:ea typeface="Calibri" pitchFamily="34" charset="0"/>
+                <a:cs typeface="Courier New" pitchFamily="49" charset="0"/>
+              </a:rPr>
+              <a:t> </a:t>
+            </a:r>
+            <a:r>
+              <a:rPr lang="be-BY" sz="1200" dirty="0">
+                <a:solidFill>
+                  <a:schemeClr val="bg1"/>
+                </a:solidFill>
+                <a:latin typeface="Courier New" pitchFamily="49" charset="0"/>
+                <a:ea typeface="Calibri" pitchFamily="34" charset="0"/>
+                <a:cs typeface="Courier New" pitchFamily="49" charset="0"/>
+              </a:rPr>
+              <a:t>);</a:t>
+            </a:r>
+            <a:endParaRPr lang="be-BY" sz="1200" dirty="0">
+              <a:solidFill>
+                <a:schemeClr val="bg1"/>
+              </a:solidFill>
+              <a:latin typeface="Arial" pitchFamily="34" charset="0"/>
+            </a:endParaRPr>
+          </a:p>
+        </p:txBody>
+      </p:sp>
+    </p:spTree>
+    <p:extLst>
+      <p:ext uri="{BB962C8B-B14F-4D97-AF65-F5344CB8AC3E}">
+        <p14:creationId xmlns:p14="http://schemas.microsoft.com/office/powerpoint/2010/main" val="2691673247"/>
+      </p:ext>
+    </p:extLst>
+  </p:cSld>
+  <p:clrMapOvr>
+    <a:masterClrMapping/>
+  </p:clrMapOvr>
+  <p:timing>
+    <p:tnLst>
+      <p:par>
+        <p:cTn id="1" dur="indefinite" restart="never" nodeType="tmRoot"/>
+      </p:par>
+    </p:tnLst>
+  </p:timing>
+</p:sld>
+</file>
+
+<file path=ppt/slides/slide11.xml><?xml version="1.0" encoding="utf-8"?>
+<p:sld xmlns:a="http://schemas.openxmlformats.org/drawingml/2006/main" xmlns:r="http://schemas.openxmlformats.org/officeDocument/2006/relationships" xmlns:p="http://schemas.openxmlformats.org/presentationml/2006/main">
+  <p:cSld>
+    <p:bg>
+      <p:bgPr>
+        <a:blipFill dpi="0" rotWithShape="1">
+          <a:blip r:embed="rId2">
+            <a:lum/>
+          </a:blip>
+          <a:srcRect/>
+          <a:stretch>
+            <a:fillRect/>
+          </a:stretch>
+        </a:blipFill>
+        <a:effectLst/>
+      </p:bgPr>
+    </p:bg>
+    <p:spTree>
+      <p:nvGrpSpPr>
+        <p:cNvPr id="1" name=""/>
+        <p:cNvGrpSpPr/>
+        <p:nvPr/>
+      </p:nvGrpSpPr>
+      <p:grpSpPr>
+        <a:xfrm>
+          <a:off x="0" y="0"/>
+          <a:ext cx="0" cy="0"/>
+          <a:chOff x="0" y="0"/>
+          <a:chExt cx="0" cy="0"/>
+        </a:xfrm>
+      </p:grpSpPr>
+      <p:sp>
+        <p:nvSpPr>
+          <p:cNvPr id="9218" name="Rectangle 1"/>
+          <p:cNvSpPr>
+            <a:spLocks noChangeArrowheads="1"/>
+          </p:cNvSpPr>
+          <p:nvPr/>
+        </p:nvSpPr>
+        <p:spPr bwMode="auto">
+          <a:xfrm>
+            <a:off x="457200" y="-4763"/>
+            <a:ext cx="8305800" cy="461963"/>
+          </a:xfrm>
+          <a:prstGeom prst="rect">
+            <a:avLst/>
+          </a:prstGeom>
+          <a:noFill/>
+          <a:ln>
+            <a:noFill/>
+          </a:ln>
+          <a:extLst>
+            <a:ext uri="{909E8E84-426E-40DD-AFC4-6F175D3DCCD1}">
+              <a14:hiddenFill xmlns:a14="http://schemas.microsoft.com/office/drawing/2010/main">
+                <a:solidFill>
+                  <a:srgbClr val="FFFFFF"/>
+                </a:solidFill>
+              </a14:hiddenFill>
+            </a:ext>
+            <a:ext uri="{91240B29-F687-4F45-9708-019B960494DF}">
+              <a14:hiddenLine xmlns:a14="http://schemas.microsoft.com/office/drawing/2010/main" w="9525">
+                <a:solidFill>
+                  <a:srgbClr val="000000"/>
+                </a:solidFill>
+                <a:miter lim="800000"/>
+                <a:headEnd/>
+                <a:tailEnd/>
+              </a14:hiddenLine>
+            </a:ext>
+          </a:extLst>
+        </p:spPr>
+        <p:txBody>
+          <a:bodyPr anchor="ctr">
+            <a:spAutoFit/>
+          </a:bodyPr>
+          <a:lstStyle/>
+          <a:p>
+            <a:pPr algn="ctr">
+              <a:tabLst>
+                <a:tab pos="457200" algn="l"/>
+              </a:tabLst>
+            </a:pPr>
+            <a:r>
+              <a:rPr lang="en-US" sz="2400">
+                <a:cs typeface="Times New Roman" pitchFamily="18" charset="0"/>
+              </a:rPr>
+              <a:t>*</a:t>
+            </a:r>
+            <a:r>
+              <a:rPr lang="ru-RU" sz="2400">
+                <a:cs typeface="Times New Roman" pitchFamily="18" charset="0"/>
+              </a:rPr>
+              <a:t>Регулярные выражения</a:t>
+            </a:r>
+            <a:r>
+              <a:rPr lang="en-US" sz="2400">
+                <a:cs typeface="Times New Roman" pitchFamily="18" charset="0"/>
+              </a:rPr>
+              <a:t>.</a:t>
+            </a:r>
+          </a:p>
+        </p:txBody>
+      </p:sp>
+      <p:sp>
+        <p:nvSpPr>
+          <p:cNvPr id="9219" name="Rectangle 64"/>
+          <p:cNvSpPr>
+            <a:spLocks noChangeArrowheads="1"/>
+          </p:cNvSpPr>
+          <p:nvPr/>
+        </p:nvSpPr>
+        <p:spPr bwMode="auto">
+          <a:xfrm>
+            <a:off x="0" y="0"/>
+            <a:ext cx="9144000" cy="0"/>
+          </a:xfrm>
+          <a:prstGeom prst="rect">
+            <a:avLst/>
+          </a:prstGeom>
+          <a:noFill/>
+          <a:ln>
+            <a:noFill/>
+          </a:ln>
+          <a:extLst>
+            <a:ext uri="{909E8E84-426E-40DD-AFC4-6F175D3DCCD1}">
+              <a14:hiddenFill xmlns:a14="http://schemas.microsoft.com/office/drawing/2010/main">
+                <a:solidFill>
+                  <a:srgbClr val="FFFFFF"/>
+                </a:solidFill>
+              </a14:hiddenFill>
+            </a:ext>
+            <a:ext uri="{91240B29-F687-4F45-9708-019B960494DF}">
+              <a14:hiddenLine xmlns:a14="http://schemas.microsoft.com/office/drawing/2010/main" w="9525">
+                <a:solidFill>
+                  <a:srgbClr val="000000"/>
+                </a:solidFill>
+                <a:miter lim="800000"/>
+                <a:headEnd/>
+                <a:tailEnd/>
+              </a14:hiddenLine>
+            </a:ext>
+          </a:extLst>
+        </p:spPr>
+        <p:txBody>
+          <a:bodyPr wrap="none" anchor="ctr">
+            <a:spAutoFit/>
+          </a:bodyPr>
+          <a:lstStyle/>
+          <a:p>
+            <a:endParaRPr lang="be-BY"/>
+          </a:p>
+        </p:txBody>
+      </p:sp>
+      <p:sp>
+        <p:nvSpPr>
+          <p:cNvPr id="9220" name="Rectangle 1"/>
+          <p:cNvSpPr>
+            <a:spLocks noChangeArrowheads="1"/>
+          </p:cNvSpPr>
+          <p:nvPr/>
+        </p:nvSpPr>
+        <p:spPr bwMode="auto">
+          <a:xfrm>
+            <a:off x="304800" y="533400"/>
+            <a:ext cx="8610600" cy="1816100"/>
+          </a:xfrm>
+          <a:prstGeom prst="rect">
+            <a:avLst/>
+          </a:prstGeom>
+          <a:noFill/>
+          <a:ln>
+            <a:noFill/>
+          </a:ln>
+          <a:extLst>
+            <a:ext uri="{909E8E84-426E-40DD-AFC4-6F175D3DCCD1}">
+              <a14:hiddenFill xmlns:a14="http://schemas.microsoft.com/office/drawing/2010/main">
+                <a:solidFill>
+                  <a:srgbClr val="FFFFFF"/>
+                </a:solidFill>
+              </a14:hiddenFill>
+            </a:ext>
+            <a:ext uri="{91240B29-F687-4F45-9708-019B960494DF}">
+              <a14:hiddenLine xmlns:a14="http://schemas.microsoft.com/office/drawing/2010/main" w="9525">
+                <a:solidFill>
+                  <a:srgbClr val="000000"/>
+                </a:solidFill>
+                <a:miter lim="800000"/>
+                <a:headEnd/>
+                <a:tailEnd/>
+              </a14:hiddenLine>
+            </a:ext>
+          </a:extLst>
+        </p:spPr>
+        <p:txBody>
+          <a:bodyPr anchor="ctr">
+            <a:spAutoFit/>
+          </a:bodyPr>
+          <a:lstStyle/>
+          <a:p>
+            <a:pPr eaLnBrk="0" hangingPunct="0"/>
+            <a:r>
+              <a:rPr lang="be-BY" sz="1400" dirty="0">
+                <a:solidFill>
+                  <a:schemeClr val="bg1"/>
+                </a:solidFill>
+                <a:latin typeface="Courier New" pitchFamily="49" charset="0"/>
+                <a:ea typeface="Calibri" pitchFamily="34" charset="0"/>
+                <a:cs typeface="Courier New" pitchFamily="49" charset="0"/>
+              </a:rPr>
+              <a:t>Regex re = new Regex(@"[0-9]+(\.[0-9]+)?", RegexOptions.Compiled);</a:t>
+            </a:r>
+            <a:endParaRPr lang="be-BY" sz="1400" dirty="0">
+              <a:solidFill>
+                <a:schemeClr val="bg1"/>
+              </a:solidFill>
+              <a:ea typeface="Calibri" pitchFamily="34" charset="0"/>
+              <a:cs typeface="Courier New" pitchFamily="49" charset="0"/>
+            </a:endParaRPr>
+          </a:p>
+          <a:p>
+            <a:pPr eaLnBrk="0" hangingPunct="0"/>
+            <a:r>
+              <a:rPr lang="be-BY" sz="1400" dirty="0">
+                <a:solidFill>
+                  <a:schemeClr val="bg1"/>
+                </a:solidFill>
+                <a:latin typeface="Courier New" pitchFamily="49" charset="0"/>
+                <a:ea typeface="Calibri" pitchFamily="34" charset="0"/>
+                <a:cs typeface="Courier New" pitchFamily="49" charset="0"/>
+              </a:rPr>
+              <a:t>Match m = re.Match("91283.0193+90237*2019.2323");</a:t>
+            </a:r>
+            <a:endParaRPr lang="be-BY" sz="1400" dirty="0">
+              <a:solidFill>
+                <a:schemeClr val="bg1"/>
+              </a:solidFill>
+              <a:ea typeface="Calibri" pitchFamily="34" charset="0"/>
+              <a:cs typeface="Courier New" pitchFamily="49" charset="0"/>
+            </a:endParaRPr>
+          </a:p>
+          <a:p>
+            <a:pPr eaLnBrk="0" hangingPunct="0"/>
+            <a:r>
+              <a:rPr lang="be-BY" sz="1400" dirty="0">
+                <a:solidFill>
+                  <a:schemeClr val="bg1"/>
+                </a:solidFill>
+                <a:latin typeface="Courier New" pitchFamily="49" charset="0"/>
+                <a:ea typeface="Calibri" pitchFamily="34" charset="0"/>
+                <a:cs typeface="Courier New" pitchFamily="49" charset="0"/>
+              </a:rPr>
+              <a:t>while (m.Success)</a:t>
+            </a:r>
+            <a:endParaRPr lang="be-BY" sz="1400" dirty="0">
+              <a:solidFill>
+                <a:schemeClr val="bg1"/>
+              </a:solidFill>
+              <a:ea typeface="Calibri" pitchFamily="34" charset="0"/>
+              <a:cs typeface="Courier New" pitchFamily="49" charset="0"/>
+            </a:endParaRPr>
+          </a:p>
+          <a:p>
+            <a:pPr eaLnBrk="0" hangingPunct="0"/>
+            <a:r>
+              <a:rPr lang="be-BY" sz="1400" dirty="0">
+                <a:solidFill>
+                  <a:schemeClr val="bg1"/>
+                </a:solidFill>
+                <a:latin typeface="Courier New" pitchFamily="49" charset="0"/>
+                <a:ea typeface="Calibri" pitchFamily="34" charset="0"/>
+                <a:cs typeface="Courier New" pitchFamily="49" charset="0"/>
+              </a:rPr>
+              <a:t>{</a:t>
+            </a:r>
+            <a:endParaRPr lang="be-BY" sz="1400" dirty="0">
+              <a:solidFill>
+                <a:schemeClr val="bg1"/>
+              </a:solidFill>
+              <a:ea typeface="Calibri" pitchFamily="34" charset="0"/>
+              <a:cs typeface="Courier New" pitchFamily="49" charset="0"/>
+            </a:endParaRPr>
+          </a:p>
+          <a:p>
+            <a:pPr eaLnBrk="0" hangingPunct="0"/>
+            <a:r>
+              <a:rPr lang="en-US" sz="1400" dirty="0">
+                <a:solidFill>
+                  <a:schemeClr val="bg1"/>
+                </a:solidFill>
+                <a:latin typeface="Courier New" pitchFamily="49" charset="0"/>
+                <a:ea typeface="Calibri" pitchFamily="34" charset="0"/>
+                <a:cs typeface="Courier New" pitchFamily="49" charset="0"/>
+              </a:rPr>
+              <a:t>    </a:t>
+            </a:r>
+            <a:r>
+              <a:rPr lang="be-BY" sz="1400" dirty="0">
+                <a:solidFill>
+                  <a:schemeClr val="bg1"/>
+                </a:solidFill>
+                <a:latin typeface="Courier New" pitchFamily="49" charset="0"/>
+                <a:ea typeface="Calibri" pitchFamily="34" charset="0"/>
+                <a:cs typeface="Courier New" pitchFamily="49" charset="0"/>
+              </a:rPr>
+              <a:t>Console.WriteLine(m.Index);</a:t>
+            </a:r>
+            <a:endParaRPr lang="be-BY" sz="1400" dirty="0">
+              <a:solidFill>
+                <a:schemeClr val="bg1"/>
+              </a:solidFill>
+              <a:ea typeface="Calibri" pitchFamily="34" charset="0"/>
+              <a:cs typeface="Courier New" pitchFamily="49" charset="0"/>
+            </a:endParaRPr>
+          </a:p>
+          <a:p>
+            <a:pPr eaLnBrk="0" hangingPunct="0"/>
+            <a:r>
+              <a:rPr lang="en-US" sz="1400" dirty="0">
+                <a:solidFill>
+                  <a:schemeClr val="bg1"/>
+                </a:solidFill>
+                <a:latin typeface="Courier New" pitchFamily="49" charset="0"/>
+                <a:ea typeface="Calibri" pitchFamily="34" charset="0"/>
+                <a:cs typeface="Courier New" pitchFamily="49" charset="0"/>
+              </a:rPr>
+              <a:t>    </a:t>
+            </a:r>
+            <a:r>
+              <a:rPr lang="be-BY" sz="1400" dirty="0">
+                <a:solidFill>
+                  <a:schemeClr val="bg1"/>
+                </a:solidFill>
+                <a:latin typeface="Courier New" pitchFamily="49" charset="0"/>
+                <a:ea typeface="Calibri" pitchFamily="34" charset="0"/>
+                <a:cs typeface="Courier New" pitchFamily="49" charset="0"/>
+              </a:rPr>
+              <a:t>Console.WriteLine(m.Value);</a:t>
+            </a:r>
+            <a:endParaRPr lang="be-BY" sz="1400" dirty="0">
+              <a:solidFill>
+                <a:schemeClr val="bg1"/>
+              </a:solidFill>
+              <a:ea typeface="Calibri" pitchFamily="34" charset="0"/>
+              <a:cs typeface="Courier New" pitchFamily="49" charset="0"/>
+            </a:endParaRPr>
+          </a:p>
+          <a:p>
+            <a:pPr eaLnBrk="0" hangingPunct="0"/>
+            <a:r>
+              <a:rPr lang="be-BY" sz="1400" dirty="0">
+                <a:solidFill>
+                  <a:schemeClr val="bg1"/>
+                </a:solidFill>
+                <a:latin typeface="Courier New" pitchFamily="49" charset="0"/>
+                <a:ea typeface="Calibri" pitchFamily="34" charset="0"/>
+                <a:cs typeface="Courier New" pitchFamily="49" charset="0"/>
+              </a:rPr>
+              <a:t>    m = m.NextMatch();</a:t>
+            </a:r>
+            <a:endParaRPr lang="be-BY" sz="1400" dirty="0">
+              <a:solidFill>
+                <a:schemeClr val="bg1"/>
+              </a:solidFill>
+              <a:ea typeface="Calibri" pitchFamily="34" charset="0"/>
+              <a:cs typeface="Courier New" pitchFamily="49" charset="0"/>
+            </a:endParaRPr>
+          </a:p>
+          <a:p>
+            <a:pPr eaLnBrk="0" hangingPunct="0"/>
+            <a:r>
+              <a:rPr lang="be-BY" sz="1400" dirty="0">
+                <a:solidFill>
+                  <a:schemeClr val="bg1"/>
+                </a:solidFill>
+                <a:latin typeface="Courier New" pitchFamily="49" charset="0"/>
+                <a:ea typeface="Calibri" pitchFamily="34" charset="0"/>
+                <a:cs typeface="Courier New" pitchFamily="49" charset="0"/>
+              </a:rPr>
+              <a:t>}</a:t>
+            </a:r>
+            <a:endParaRPr lang="be-BY" sz="1400" dirty="0">
+              <a:solidFill>
+                <a:schemeClr val="bg1"/>
+              </a:solidFill>
+              <a:ea typeface="Calibri" pitchFamily="34" charset="0"/>
+              <a:cs typeface="Courier New" pitchFamily="49" charset="0"/>
+            </a:endParaRPr>
+          </a:p>
+        </p:txBody>
+      </p:sp>
+      <p:graphicFrame>
+        <p:nvGraphicFramePr>
+          <p:cNvPr id="11" name="Таблица 10"/>
+          <p:cNvGraphicFramePr>
+            <a:graphicFrameLocks noGrp="1"/>
+          </p:cNvGraphicFramePr>
+          <p:nvPr/>
+        </p:nvGraphicFramePr>
+        <p:xfrm>
+          <a:off x="152400" y="2422525"/>
+          <a:ext cx="8839200" cy="1783023"/>
+        </p:xfrm>
+        <a:graphic>
+          <a:graphicData uri="http://schemas.openxmlformats.org/drawingml/2006/table">
+            <a:tbl>
+              <a:tblPr>
+                <a:tableStyleId>{5940675A-B579-460E-94D1-54222C63F5DA}</a:tableStyleId>
+              </a:tblPr>
+              <a:tblGrid>
+                <a:gridCol w="1066799"/>
+                <a:gridCol w="6096001"/>
+                <a:gridCol w="1676400"/>
+              </a:tblGrid>
+              <a:tr h="365695">
+                <a:tc>
+                  <a:txBody>
+                    <a:bodyPr/>
+                    <a:lstStyle/>
+                    <a:p>
+                      <a:pPr algn="ctr">
+                        <a:spcAft>
+                          <a:spcPts val="0"/>
+                        </a:spcAft>
+                      </a:pPr>
+                      <a:r>
+                        <a:rPr lang="ru-RU" sz="1200" dirty="0"/>
+                        <a:t>Выражение</a:t>
+                      </a:r>
+                      <a:endParaRPr lang="be-BY" sz="1200" dirty="0">
+                        <a:latin typeface="Times New Roman"/>
+                        <a:ea typeface="Times New Roman"/>
+                      </a:endParaRPr>
+                    </a:p>
+                  </a:txBody>
+                  <a:tcPr marL="68580" marR="68580" marT="0" marB="0" anchor="ctr">
+                    <a:lnL w="12700" cap="flat" cmpd="sng" algn="ctr">
+                      <a:solidFill>
+                        <a:schemeClr val="tx1"/>
+                      </a:solidFill>
+                      <a:prstDash val="solid"/>
+                      <a:round/>
+                      <a:headEnd type="none" w="med" len="med"/>
+                      <a:tailEnd type="none" w="med" len="med"/>
+                    </a:lnL>
+                    <a:lnR w="12700" cap="flat" cmpd="sng" algn="ctr">
+                      <a:solidFill>
+                        <a:schemeClr val="tx1"/>
+                      </a:solidFill>
+                      <a:prstDash val="solid"/>
+                      <a:round/>
+                      <a:headEnd type="none" w="med" len="med"/>
+                      <a:tailEnd type="none" w="med" len="med"/>
+                    </a:lnR>
+                    <a:lnT w="12700" cap="flat" cmpd="sng" algn="ctr">
+                      <a:solidFill>
+                        <a:schemeClr val="tx1"/>
+                      </a:solidFill>
+                      <a:prstDash val="solid"/>
+                      <a:round/>
+                      <a:headEnd type="none" w="med" len="med"/>
+                      <a:tailEnd type="none" w="med" len="med"/>
+                    </a:lnT>
+                    <a:lnB w="12700" cap="flat" cmpd="sng" algn="ctr">
+                      <a:solidFill>
+                        <a:schemeClr val="tx1"/>
+                      </a:solidFill>
+                      <a:prstDash val="solid"/>
+                      <a:round/>
+                      <a:headEnd type="none" w="med" len="med"/>
+                      <a:tailEnd type="none" w="med" len="med"/>
+                    </a:lnB>
+                  </a:tcPr>
+                </a:tc>
+                <a:tc>
+                  <a:txBody>
+                    <a:bodyPr/>
+                    <a:lstStyle/>
+                    <a:p>
+                      <a:pPr algn="ctr">
+                        <a:spcAft>
+                          <a:spcPts val="0"/>
+                        </a:spcAft>
+                      </a:pPr>
+                      <a:r>
+                        <a:rPr lang="ru-RU" sz="1200"/>
+                        <a:t>Значение</a:t>
+                      </a:r>
+                      <a:endParaRPr lang="be-BY" sz="1200">
+                        <a:latin typeface="Times New Roman"/>
+                        <a:ea typeface="Times New Roman"/>
+                      </a:endParaRPr>
+                    </a:p>
+                  </a:txBody>
+                  <a:tcPr marL="68580" marR="68580" marT="0" marB="0" anchor="ctr">
+                    <a:lnL w="12700" cap="flat" cmpd="sng" algn="ctr">
+                      <a:solidFill>
+                        <a:schemeClr val="tx1"/>
+                      </a:solidFill>
+                      <a:prstDash val="solid"/>
+                      <a:round/>
+                      <a:headEnd type="none" w="med" len="med"/>
+                      <a:tailEnd type="none" w="med" len="med"/>
+                    </a:lnL>
+                    <a:lnR w="12700" cap="flat" cmpd="sng" algn="ctr">
+                      <a:solidFill>
+                        <a:schemeClr val="tx1"/>
+                      </a:solidFill>
+                      <a:prstDash val="solid"/>
+                      <a:round/>
+                      <a:headEnd type="none" w="med" len="med"/>
+                      <a:tailEnd type="none" w="med" len="med"/>
+                    </a:lnR>
+                    <a:lnT w="12700" cap="flat" cmpd="sng" algn="ctr">
+                      <a:solidFill>
+                        <a:schemeClr val="tx1"/>
+                      </a:solidFill>
+                      <a:prstDash val="solid"/>
+                      <a:round/>
+                      <a:headEnd type="none" w="med" len="med"/>
+                      <a:tailEnd type="none" w="med" len="med"/>
+                    </a:lnT>
+                    <a:lnB w="12700" cap="flat" cmpd="sng" algn="ctr">
+                      <a:solidFill>
+                        <a:schemeClr val="tx1"/>
+                      </a:solidFill>
+                      <a:prstDash val="solid"/>
+                      <a:round/>
+                      <a:headEnd type="none" w="med" len="med"/>
+                      <a:tailEnd type="none" w="med" len="med"/>
+                    </a:lnB>
+                  </a:tcPr>
+                </a:tc>
+                <a:tc>
+                  <a:txBody>
+                    <a:bodyPr/>
+                    <a:lstStyle/>
+                    <a:p>
+                      <a:pPr algn="ctr">
+                        <a:spcAft>
+                          <a:spcPts val="0"/>
+                        </a:spcAft>
+                      </a:pPr>
+                      <a:r>
+                        <a:rPr lang="ru-RU" sz="1200" dirty="0"/>
+                        <a:t>Выражение, обратное по смыслу («не»)</a:t>
+                      </a:r>
+                      <a:endParaRPr lang="be-BY" sz="1200" dirty="0">
+                        <a:latin typeface="Times New Roman"/>
+                        <a:ea typeface="Times New Roman"/>
+                      </a:endParaRPr>
+                    </a:p>
+                  </a:txBody>
+                  <a:tcPr marL="68580" marR="68580" marT="0" marB="0">
+                    <a:lnL w="12700" cap="flat" cmpd="sng" algn="ctr">
+                      <a:solidFill>
+                        <a:schemeClr val="tx1"/>
+                      </a:solidFill>
+                      <a:prstDash val="solid"/>
+                      <a:round/>
+                      <a:headEnd type="none" w="med" len="med"/>
+                      <a:tailEnd type="none" w="med" len="med"/>
+                    </a:lnL>
+                    <a:lnR w="12700" cap="flat" cmpd="sng" algn="ctr">
+                      <a:solidFill>
+                        <a:schemeClr val="tx1"/>
+                      </a:solidFill>
+                      <a:prstDash val="solid"/>
+                      <a:round/>
+                      <a:headEnd type="none" w="med" len="med"/>
+                      <a:tailEnd type="none" w="med" len="med"/>
+                    </a:lnR>
+                    <a:lnT w="12700" cap="flat" cmpd="sng" algn="ctr">
+                      <a:solidFill>
+                        <a:schemeClr val="tx1"/>
+                      </a:solidFill>
+                      <a:prstDash val="solid"/>
+                      <a:round/>
+                      <a:headEnd type="none" w="med" len="med"/>
+                      <a:tailEnd type="none" w="med" len="med"/>
+                    </a:lnT>
+                    <a:lnB w="12700" cap="flat" cmpd="sng" algn="ctr">
+                      <a:solidFill>
+                        <a:schemeClr val="tx1"/>
+                      </a:solidFill>
+                      <a:prstDash val="solid"/>
+                      <a:round/>
+                      <a:headEnd type="none" w="med" len="med"/>
+                      <a:tailEnd type="none" w="med" len="med"/>
+                    </a:lnB>
+                  </a:tcPr>
+                </a:tc>
+              </a:tr>
+              <a:tr h="182847">
+                <a:tc>
+                  <a:txBody>
+                    <a:bodyPr/>
+                    <a:lstStyle/>
+                    <a:p>
+                      <a:pPr>
+                        <a:spcAft>
+                          <a:spcPts val="0"/>
+                        </a:spcAft>
+                      </a:pPr>
+                      <a:r>
+                        <a:rPr lang="en-US" sz="1100" dirty="0"/>
+                        <a:t>[</a:t>
+                      </a:r>
+                      <a:r>
+                        <a:rPr lang="en-US" sz="1100" dirty="0" err="1"/>
+                        <a:t>abcdef</a:t>
+                      </a:r>
+                      <a:r>
+                        <a:rPr lang="en-US" sz="1100" dirty="0"/>
+                        <a:t>]</a:t>
+                      </a:r>
+                      <a:endParaRPr lang="be-BY" sz="1200" dirty="0">
+                        <a:latin typeface="Times New Roman"/>
+                        <a:ea typeface="Times New Roman"/>
+                      </a:endParaRPr>
+                    </a:p>
+                  </a:txBody>
+                  <a:tcPr marL="68580" marR="68580" marT="0" marB="0" anchor="ctr">
+                    <a:lnL w="12700" cap="flat" cmpd="sng" algn="ctr">
+                      <a:solidFill>
+                        <a:schemeClr val="tx1"/>
+                      </a:solidFill>
+                      <a:prstDash val="solid"/>
+                      <a:round/>
+                      <a:headEnd type="none" w="med" len="med"/>
+                      <a:tailEnd type="none" w="med" len="med"/>
+                    </a:lnL>
+                    <a:lnR w="12700" cap="flat" cmpd="sng" algn="ctr">
+                      <a:solidFill>
+                        <a:schemeClr val="tx1"/>
+                      </a:solidFill>
+                      <a:prstDash val="solid"/>
+                      <a:round/>
+                      <a:headEnd type="none" w="med" len="med"/>
+                      <a:tailEnd type="none" w="med" len="med"/>
+                    </a:lnR>
+                    <a:lnT w="12700" cap="flat" cmpd="sng" algn="ctr">
+                      <a:solidFill>
+                        <a:schemeClr val="tx1"/>
+                      </a:solidFill>
+                      <a:prstDash val="solid"/>
+                      <a:round/>
+                      <a:headEnd type="none" w="med" len="med"/>
+                      <a:tailEnd type="none" w="med" len="med"/>
+                    </a:lnT>
+                    <a:lnB w="12700" cap="flat" cmpd="sng" algn="ctr">
+                      <a:solidFill>
+                        <a:schemeClr val="tx1"/>
+                      </a:solidFill>
+                      <a:prstDash val="solid"/>
+                      <a:round/>
+                      <a:headEnd type="none" w="med" len="med"/>
+                      <a:tailEnd type="none" w="med" len="med"/>
+                    </a:lnB>
+                  </a:tcPr>
+                </a:tc>
+                <a:tc>
+                  <a:txBody>
+                    <a:bodyPr/>
+                    <a:lstStyle/>
+                    <a:p>
+                      <a:pPr algn="just">
+                        <a:spcAft>
+                          <a:spcPts val="0"/>
+                        </a:spcAft>
+                      </a:pPr>
+                      <a:r>
+                        <a:rPr lang="ru-RU" sz="1200"/>
+                        <a:t>Один символ из списка</a:t>
+                      </a:r>
+                      <a:endParaRPr lang="be-BY" sz="1200">
+                        <a:latin typeface="Times New Roman"/>
+                        <a:ea typeface="Times New Roman"/>
+                      </a:endParaRPr>
+                    </a:p>
+                  </a:txBody>
+                  <a:tcPr marL="68580" marR="68580" marT="0" marB="0">
+                    <a:lnL w="12700" cap="flat" cmpd="sng" algn="ctr">
+                      <a:solidFill>
+                        <a:schemeClr val="tx1"/>
+                      </a:solidFill>
+                      <a:prstDash val="solid"/>
+                      <a:round/>
+                      <a:headEnd type="none" w="med" len="med"/>
+                      <a:tailEnd type="none" w="med" len="med"/>
+                    </a:lnL>
+                    <a:lnR w="12700" cap="flat" cmpd="sng" algn="ctr">
+                      <a:solidFill>
+                        <a:schemeClr val="tx1"/>
+                      </a:solidFill>
+                      <a:prstDash val="solid"/>
+                      <a:round/>
+                      <a:headEnd type="none" w="med" len="med"/>
+                      <a:tailEnd type="none" w="med" len="med"/>
+                    </a:lnR>
+                    <a:lnT w="12700" cap="flat" cmpd="sng" algn="ctr">
+                      <a:solidFill>
+                        <a:schemeClr val="tx1"/>
+                      </a:solidFill>
+                      <a:prstDash val="solid"/>
+                      <a:round/>
+                      <a:headEnd type="none" w="med" len="med"/>
+                      <a:tailEnd type="none" w="med" len="med"/>
+                    </a:lnT>
+                    <a:lnB w="12700" cap="flat" cmpd="sng" algn="ctr">
+                      <a:solidFill>
+                        <a:schemeClr val="tx1"/>
+                      </a:solidFill>
+                      <a:prstDash val="solid"/>
+                      <a:round/>
+                      <a:headEnd type="none" w="med" len="med"/>
+                      <a:tailEnd type="none" w="med" len="med"/>
+                    </a:lnB>
+                  </a:tcPr>
+                </a:tc>
+                <a:tc>
+                  <a:txBody>
+                    <a:bodyPr/>
+                    <a:lstStyle/>
+                    <a:p>
+                      <a:pPr>
+                        <a:spcAft>
+                          <a:spcPts val="0"/>
+                        </a:spcAft>
+                      </a:pPr>
+                      <a:r>
+                        <a:rPr lang="en-US" sz="1100" dirty="0"/>
+                        <a:t>[^</a:t>
+                      </a:r>
+                      <a:r>
+                        <a:rPr lang="en-US" sz="1100" dirty="0" err="1"/>
+                        <a:t>abcdef</a:t>
+                      </a:r>
+                      <a:r>
+                        <a:rPr lang="en-US" sz="1100" dirty="0"/>
+                        <a:t>]</a:t>
+                      </a:r>
+                      <a:endParaRPr lang="be-BY" sz="1200" dirty="0">
+                        <a:latin typeface="Times New Roman"/>
+                        <a:ea typeface="Times New Roman"/>
+                      </a:endParaRPr>
+                    </a:p>
+                  </a:txBody>
+                  <a:tcPr marL="68580" marR="68580" marT="0" marB="0" anchor="ctr">
+                    <a:lnL w="12700" cap="flat" cmpd="sng" algn="ctr">
+                      <a:solidFill>
+                        <a:schemeClr val="tx1"/>
+                      </a:solidFill>
+                      <a:prstDash val="solid"/>
+                      <a:round/>
+                      <a:headEnd type="none" w="med" len="med"/>
+                      <a:tailEnd type="none" w="med" len="med"/>
+                    </a:lnL>
+                    <a:lnR w="12700" cap="flat" cmpd="sng" algn="ctr">
+                      <a:solidFill>
+                        <a:schemeClr val="tx1"/>
+                      </a:solidFill>
+                      <a:prstDash val="solid"/>
+                      <a:round/>
+                      <a:headEnd type="none" w="med" len="med"/>
+                      <a:tailEnd type="none" w="med" len="med"/>
+                    </a:lnR>
+                    <a:lnT w="12700" cap="flat" cmpd="sng" algn="ctr">
+                      <a:solidFill>
+                        <a:schemeClr val="tx1"/>
+                      </a:solidFill>
+                      <a:prstDash val="solid"/>
+                      <a:round/>
+                      <a:headEnd type="none" w="med" len="med"/>
+                      <a:tailEnd type="none" w="med" len="med"/>
+                    </a:lnT>
+                    <a:lnB w="12700" cap="flat" cmpd="sng" algn="ctr">
+                      <a:solidFill>
+                        <a:schemeClr val="tx1"/>
+                      </a:solidFill>
+                      <a:prstDash val="solid"/>
+                      <a:round/>
+                      <a:headEnd type="none" w="med" len="med"/>
+                      <a:tailEnd type="none" w="med" len="med"/>
+                    </a:lnB>
+                  </a:tcPr>
+                </a:tc>
+              </a:tr>
+              <a:tr h="182847">
+                <a:tc>
+                  <a:txBody>
+                    <a:bodyPr/>
+                    <a:lstStyle/>
+                    <a:p>
+                      <a:pPr>
+                        <a:spcAft>
+                          <a:spcPts val="0"/>
+                        </a:spcAft>
+                      </a:pPr>
+                      <a:r>
+                        <a:rPr lang="en-US" sz="1100" dirty="0"/>
+                        <a:t>[a-f]</a:t>
+                      </a:r>
+                      <a:endParaRPr lang="be-BY" sz="1200" dirty="0">
+                        <a:latin typeface="Times New Roman"/>
+                        <a:ea typeface="Times New Roman"/>
+                      </a:endParaRPr>
+                    </a:p>
+                  </a:txBody>
+                  <a:tcPr marL="68580" marR="68580" marT="0" marB="0" anchor="ctr">
+                    <a:lnL w="12700" cap="flat" cmpd="sng" algn="ctr">
+                      <a:solidFill>
+                        <a:schemeClr val="tx1"/>
+                      </a:solidFill>
+                      <a:prstDash val="solid"/>
+                      <a:round/>
+                      <a:headEnd type="none" w="med" len="med"/>
+                      <a:tailEnd type="none" w="med" len="med"/>
+                    </a:lnL>
+                    <a:lnR w="12700" cap="flat" cmpd="sng" algn="ctr">
+                      <a:solidFill>
+                        <a:schemeClr val="tx1"/>
+                      </a:solidFill>
+                      <a:prstDash val="solid"/>
+                      <a:round/>
+                      <a:headEnd type="none" w="med" len="med"/>
+                      <a:tailEnd type="none" w="med" len="med"/>
+                    </a:lnR>
+                    <a:lnT w="12700" cap="flat" cmpd="sng" algn="ctr">
+                      <a:solidFill>
+                        <a:schemeClr val="tx1"/>
+                      </a:solidFill>
+                      <a:prstDash val="solid"/>
+                      <a:round/>
+                      <a:headEnd type="none" w="med" len="med"/>
+                      <a:tailEnd type="none" w="med" len="med"/>
+                    </a:lnT>
+                    <a:lnB w="12700" cap="flat" cmpd="sng" algn="ctr">
+                      <a:solidFill>
+                        <a:schemeClr val="tx1"/>
+                      </a:solidFill>
+                      <a:prstDash val="solid"/>
+                      <a:round/>
+                      <a:headEnd type="none" w="med" len="med"/>
+                      <a:tailEnd type="none" w="med" len="med"/>
+                    </a:lnB>
+                  </a:tcPr>
+                </a:tc>
+                <a:tc>
+                  <a:txBody>
+                    <a:bodyPr/>
+                    <a:lstStyle/>
+                    <a:p>
+                      <a:pPr algn="just">
+                        <a:spcAft>
+                          <a:spcPts val="0"/>
+                        </a:spcAft>
+                      </a:pPr>
+                      <a:r>
+                        <a:rPr lang="ru-RU" sz="1200"/>
+                        <a:t>Один символ из диапазона</a:t>
+                      </a:r>
+                      <a:endParaRPr lang="be-BY" sz="1200">
+                        <a:latin typeface="Times New Roman"/>
+                        <a:ea typeface="Times New Roman"/>
+                      </a:endParaRPr>
+                    </a:p>
+                  </a:txBody>
+                  <a:tcPr marL="68580" marR="68580" marT="0" marB="0">
+                    <a:lnL w="12700" cap="flat" cmpd="sng" algn="ctr">
+                      <a:solidFill>
+                        <a:schemeClr val="tx1"/>
+                      </a:solidFill>
+                      <a:prstDash val="solid"/>
+                      <a:round/>
+                      <a:headEnd type="none" w="med" len="med"/>
+                      <a:tailEnd type="none" w="med" len="med"/>
+                    </a:lnL>
+                    <a:lnR w="12700" cap="flat" cmpd="sng" algn="ctr">
+                      <a:solidFill>
+                        <a:schemeClr val="tx1"/>
+                      </a:solidFill>
+                      <a:prstDash val="solid"/>
+                      <a:round/>
+                      <a:headEnd type="none" w="med" len="med"/>
+                      <a:tailEnd type="none" w="med" len="med"/>
+                    </a:lnR>
+                    <a:lnT w="12700" cap="flat" cmpd="sng" algn="ctr">
+                      <a:solidFill>
+                        <a:schemeClr val="tx1"/>
+                      </a:solidFill>
+                      <a:prstDash val="solid"/>
+                      <a:round/>
+                      <a:headEnd type="none" w="med" len="med"/>
+                      <a:tailEnd type="none" w="med" len="med"/>
+                    </a:lnT>
+                    <a:lnB w="12700" cap="flat" cmpd="sng" algn="ctr">
+                      <a:solidFill>
+                        <a:schemeClr val="tx1"/>
+                      </a:solidFill>
+                      <a:prstDash val="solid"/>
+                      <a:round/>
+                      <a:headEnd type="none" w="med" len="med"/>
+                      <a:tailEnd type="none" w="med" len="med"/>
+                    </a:lnB>
+                  </a:tcPr>
+                </a:tc>
+                <a:tc>
+                  <a:txBody>
+                    <a:bodyPr/>
+                    <a:lstStyle/>
+                    <a:p>
+                      <a:pPr>
+                        <a:spcAft>
+                          <a:spcPts val="0"/>
+                        </a:spcAft>
+                      </a:pPr>
+                      <a:r>
+                        <a:rPr lang="en-US" sz="1100" dirty="0"/>
+                        <a:t>[^a</a:t>
+                      </a:r>
+                      <a:r>
+                        <a:rPr lang="ru-RU" sz="1100" dirty="0"/>
+                        <a:t>-</a:t>
+                      </a:r>
+                      <a:r>
+                        <a:rPr lang="en-US" sz="1100" dirty="0"/>
+                        <a:t>f]</a:t>
+                      </a:r>
+                      <a:endParaRPr lang="be-BY" sz="1200" dirty="0">
+                        <a:latin typeface="Times New Roman"/>
+                        <a:ea typeface="Times New Roman"/>
+                      </a:endParaRPr>
+                    </a:p>
+                  </a:txBody>
+                  <a:tcPr marL="68580" marR="68580" marT="0" marB="0" anchor="ctr">
+                    <a:lnL w="12700" cap="flat" cmpd="sng" algn="ctr">
+                      <a:solidFill>
+                        <a:schemeClr val="tx1"/>
+                      </a:solidFill>
+                      <a:prstDash val="solid"/>
+                      <a:round/>
+                      <a:headEnd type="none" w="med" len="med"/>
+                      <a:tailEnd type="none" w="med" len="med"/>
+                    </a:lnL>
+                    <a:lnR w="12700" cap="flat" cmpd="sng" algn="ctr">
+                      <a:solidFill>
+                        <a:schemeClr val="tx1"/>
+                      </a:solidFill>
+                      <a:prstDash val="solid"/>
+                      <a:round/>
+                      <a:headEnd type="none" w="med" len="med"/>
+                      <a:tailEnd type="none" w="med" len="med"/>
+                    </a:lnR>
+                    <a:lnT w="12700" cap="flat" cmpd="sng" algn="ctr">
+                      <a:solidFill>
+                        <a:schemeClr val="tx1"/>
+                      </a:solidFill>
+                      <a:prstDash val="solid"/>
+                      <a:round/>
+                      <a:headEnd type="none" w="med" len="med"/>
+                      <a:tailEnd type="none" w="med" len="med"/>
+                    </a:lnT>
+                    <a:lnB w="12700" cap="flat" cmpd="sng" algn="ctr">
+                      <a:solidFill>
+                        <a:schemeClr val="tx1"/>
+                      </a:solidFill>
+                      <a:prstDash val="solid"/>
+                      <a:round/>
+                      <a:headEnd type="none" w="med" len="med"/>
+                      <a:tailEnd type="none" w="med" len="med"/>
+                    </a:lnB>
+                  </a:tcPr>
+                </a:tc>
+              </a:tr>
+              <a:tr h="182847">
+                <a:tc>
+                  <a:txBody>
+                    <a:bodyPr/>
+                    <a:lstStyle/>
+                    <a:p>
+                      <a:pPr>
+                        <a:spcAft>
+                          <a:spcPts val="0"/>
+                        </a:spcAft>
+                      </a:pPr>
+                      <a:r>
+                        <a:rPr lang="ru-RU" sz="1100" dirty="0"/>
+                        <a:t>\</a:t>
+                      </a:r>
+                      <a:r>
+                        <a:rPr lang="en-US" sz="1100" dirty="0"/>
+                        <a:t>d</a:t>
+                      </a:r>
+                      <a:endParaRPr lang="be-BY" sz="1200" dirty="0">
+                        <a:latin typeface="Times New Roman"/>
+                        <a:ea typeface="Times New Roman"/>
+                      </a:endParaRPr>
+                    </a:p>
+                  </a:txBody>
+                  <a:tcPr marL="68580" marR="68580" marT="0" marB="0" anchor="ctr">
+                    <a:lnL w="12700" cap="flat" cmpd="sng" algn="ctr">
+                      <a:solidFill>
+                        <a:schemeClr val="tx1"/>
+                      </a:solidFill>
+                      <a:prstDash val="solid"/>
+                      <a:round/>
+                      <a:headEnd type="none" w="med" len="med"/>
+                      <a:tailEnd type="none" w="med" len="med"/>
+                    </a:lnL>
+                    <a:lnR w="12700" cap="flat" cmpd="sng" algn="ctr">
+                      <a:solidFill>
+                        <a:schemeClr val="tx1"/>
+                      </a:solidFill>
+                      <a:prstDash val="solid"/>
+                      <a:round/>
+                      <a:headEnd type="none" w="med" len="med"/>
+                      <a:tailEnd type="none" w="med" len="med"/>
+                    </a:lnR>
+                    <a:lnT w="12700" cap="flat" cmpd="sng" algn="ctr">
+                      <a:solidFill>
+                        <a:schemeClr val="tx1"/>
+                      </a:solidFill>
+                      <a:prstDash val="solid"/>
+                      <a:round/>
+                      <a:headEnd type="none" w="med" len="med"/>
+                      <a:tailEnd type="none" w="med" len="med"/>
+                    </a:lnT>
+                    <a:lnB w="12700" cap="flat" cmpd="sng" algn="ctr">
+                      <a:solidFill>
+                        <a:schemeClr val="tx1"/>
+                      </a:solidFill>
+                      <a:prstDash val="solid"/>
+                      <a:round/>
+                      <a:headEnd type="none" w="med" len="med"/>
+                      <a:tailEnd type="none" w="med" len="med"/>
+                    </a:lnB>
+                  </a:tcPr>
+                </a:tc>
+                <a:tc>
+                  <a:txBody>
+                    <a:bodyPr/>
+                    <a:lstStyle/>
+                    <a:p>
+                      <a:pPr algn="just">
+                        <a:spcAft>
+                          <a:spcPts val="0"/>
+                        </a:spcAft>
+                      </a:pPr>
+                      <a:r>
+                        <a:rPr lang="ru-RU" sz="1200"/>
+                        <a:t>Десятичная цифра (аналог </a:t>
+                      </a:r>
+                      <a:r>
+                        <a:rPr lang="en-US" sz="1100"/>
+                        <a:t>[</a:t>
+                      </a:r>
+                      <a:r>
+                        <a:rPr lang="ru-RU" sz="1100"/>
+                        <a:t>0</a:t>
+                      </a:r>
+                      <a:r>
+                        <a:rPr lang="en-US" sz="1100"/>
+                        <a:t>-</a:t>
+                      </a:r>
+                      <a:r>
+                        <a:rPr lang="ru-RU" sz="1100"/>
+                        <a:t>9</a:t>
+                      </a:r>
+                      <a:r>
+                        <a:rPr lang="en-US" sz="1100"/>
+                        <a:t>]</a:t>
+                      </a:r>
+                      <a:r>
+                        <a:rPr lang="ru-RU" sz="1200"/>
+                        <a:t>)</a:t>
+                      </a:r>
+                      <a:endParaRPr lang="be-BY" sz="1200">
+                        <a:latin typeface="Times New Roman"/>
+                        <a:ea typeface="Times New Roman"/>
+                      </a:endParaRPr>
+                    </a:p>
+                  </a:txBody>
+                  <a:tcPr marL="68580" marR="68580" marT="0" marB="0">
+                    <a:lnL w="12700" cap="flat" cmpd="sng" algn="ctr">
+                      <a:solidFill>
+                        <a:schemeClr val="tx1"/>
+                      </a:solidFill>
+                      <a:prstDash val="solid"/>
+                      <a:round/>
+                      <a:headEnd type="none" w="med" len="med"/>
+                      <a:tailEnd type="none" w="med" len="med"/>
+                    </a:lnL>
+                    <a:lnR w="12700" cap="flat" cmpd="sng" algn="ctr">
+                      <a:solidFill>
+                        <a:schemeClr val="tx1"/>
+                      </a:solidFill>
+                      <a:prstDash val="solid"/>
+                      <a:round/>
+                      <a:headEnd type="none" w="med" len="med"/>
+                      <a:tailEnd type="none" w="med" len="med"/>
+                    </a:lnR>
+                    <a:lnT w="12700" cap="flat" cmpd="sng" algn="ctr">
+                      <a:solidFill>
+                        <a:schemeClr val="tx1"/>
+                      </a:solidFill>
+                      <a:prstDash val="solid"/>
+                      <a:round/>
+                      <a:headEnd type="none" w="med" len="med"/>
+                      <a:tailEnd type="none" w="med" len="med"/>
+                    </a:lnT>
+                    <a:lnB w="12700" cap="flat" cmpd="sng" algn="ctr">
+                      <a:solidFill>
+                        <a:schemeClr val="tx1"/>
+                      </a:solidFill>
+                      <a:prstDash val="solid"/>
+                      <a:round/>
+                      <a:headEnd type="none" w="med" len="med"/>
+                      <a:tailEnd type="none" w="med" len="med"/>
+                    </a:lnB>
+                  </a:tcPr>
+                </a:tc>
+                <a:tc>
+                  <a:txBody>
+                    <a:bodyPr/>
+                    <a:lstStyle/>
+                    <a:p>
+                      <a:pPr>
+                        <a:spcAft>
+                          <a:spcPts val="0"/>
+                        </a:spcAft>
+                      </a:pPr>
+                      <a:r>
+                        <a:rPr lang="ru-RU" sz="1100"/>
+                        <a:t>\</a:t>
+                      </a:r>
+                      <a:r>
+                        <a:rPr lang="en-US" sz="1100"/>
+                        <a:t>D</a:t>
+                      </a:r>
+                      <a:endParaRPr lang="be-BY" sz="1200">
+                        <a:latin typeface="Times New Roman"/>
+                        <a:ea typeface="Times New Roman"/>
+                      </a:endParaRPr>
+                    </a:p>
+                  </a:txBody>
+                  <a:tcPr marL="68580" marR="68580" marT="0" marB="0" anchor="ctr">
+                    <a:lnL w="12700" cap="flat" cmpd="sng" algn="ctr">
+                      <a:solidFill>
+                        <a:schemeClr val="tx1"/>
+                      </a:solidFill>
+                      <a:prstDash val="solid"/>
+                      <a:round/>
+                      <a:headEnd type="none" w="med" len="med"/>
+                      <a:tailEnd type="none" w="med" len="med"/>
+                    </a:lnL>
+                    <a:lnR w="12700" cap="flat" cmpd="sng" algn="ctr">
+                      <a:solidFill>
+                        <a:schemeClr val="tx1"/>
+                      </a:solidFill>
+                      <a:prstDash val="solid"/>
+                      <a:round/>
+                      <a:headEnd type="none" w="med" len="med"/>
+                      <a:tailEnd type="none" w="med" len="med"/>
+                    </a:lnR>
+                    <a:lnT w="12700" cap="flat" cmpd="sng" algn="ctr">
+                      <a:solidFill>
+                        <a:schemeClr val="tx1"/>
+                      </a:solidFill>
+                      <a:prstDash val="solid"/>
+                      <a:round/>
+                      <a:headEnd type="none" w="med" len="med"/>
+                      <a:tailEnd type="none" w="med" len="med"/>
+                    </a:lnT>
+                    <a:lnB w="12700" cap="flat" cmpd="sng" algn="ctr">
+                      <a:solidFill>
+                        <a:schemeClr val="tx1"/>
+                      </a:solidFill>
+                      <a:prstDash val="solid"/>
+                      <a:round/>
+                      <a:headEnd type="none" w="med" len="med"/>
+                      <a:tailEnd type="none" w="med" len="med"/>
+                    </a:lnB>
+                  </a:tcPr>
+                </a:tc>
+              </a:tr>
+              <a:tr h="319983">
+                <a:tc>
+                  <a:txBody>
+                    <a:bodyPr/>
+                    <a:lstStyle/>
+                    <a:p>
+                      <a:pPr>
+                        <a:spcAft>
+                          <a:spcPts val="0"/>
+                        </a:spcAft>
+                      </a:pPr>
+                      <a:r>
+                        <a:rPr lang="ru-RU" sz="1100" dirty="0"/>
+                        <a:t>\</a:t>
+                      </a:r>
+                      <a:r>
+                        <a:rPr lang="en-US" sz="1100" dirty="0"/>
+                        <a:t>w</a:t>
+                      </a:r>
+                      <a:endParaRPr lang="be-BY" sz="1200" dirty="0">
+                        <a:latin typeface="Times New Roman"/>
+                        <a:ea typeface="Times New Roman"/>
+                      </a:endParaRPr>
+                    </a:p>
+                  </a:txBody>
+                  <a:tcPr marL="68580" marR="68580" marT="0" marB="0" anchor="ctr">
+                    <a:lnL w="12700" cap="flat" cmpd="sng" algn="ctr">
+                      <a:solidFill>
+                        <a:schemeClr val="tx1"/>
+                      </a:solidFill>
+                      <a:prstDash val="solid"/>
+                      <a:round/>
+                      <a:headEnd type="none" w="med" len="med"/>
+                      <a:tailEnd type="none" w="med" len="med"/>
+                    </a:lnL>
+                    <a:lnR w="12700" cap="flat" cmpd="sng" algn="ctr">
+                      <a:solidFill>
+                        <a:schemeClr val="tx1"/>
+                      </a:solidFill>
+                      <a:prstDash val="solid"/>
+                      <a:round/>
+                      <a:headEnd type="none" w="med" len="med"/>
+                      <a:tailEnd type="none" w="med" len="med"/>
+                    </a:lnR>
+                    <a:lnT w="12700" cap="flat" cmpd="sng" algn="ctr">
+                      <a:solidFill>
+                        <a:schemeClr val="tx1"/>
+                      </a:solidFill>
+                      <a:prstDash val="solid"/>
+                      <a:round/>
+                      <a:headEnd type="none" w="med" len="med"/>
+                      <a:tailEnd type="none" w="med" len="med"/>
+                    </a:lnT>
+                    <a:lnB w="12700" cap="flat" cmpd="sng" algn="ctr">
+                      <a:solidFill>
+                        <a:schemeClr val="tx1"/>
+                      </a:solidFill>
+                      <a:prstDash val="solid"/>
+                      <a:round/>
+                      <a:headEnd type="none" w="med" len="med"/>
+                      <a:tailEnd type="none" w="med" len="med"/>
+                    </a:lnB>
+                  </a:tcPr>
+                </a:tc>
+                <a:tc>
+                  <a:txBody>
+                    <a:bodyPr/>
+                    <a:lstStyle/>
+                    <a:p>
+                      <a:pPr algn="just">
+                        <a:spcAft>
+                          <a:spcPts val="0"/>
+                        </a:spcAft>
+                      </a:pPr>
+                      <a:r>
+                        <a:rPr lang="ru-RU" sz="1200" dirty="0"/>
+                        <a:t>Словообразующий символ </a:t>
+                      </a:r>
+                      <a:r>
+                        <a:rPr lang="ru-RU" sz="1200" dirty="0" smtClean="0"/>
+                        <a:t>(например</a:t>
+                      </a:r>
+                      <a:r>
+                        <a:rPr lang="ru-RU" sz="1200" dirty="0"/>
+                        <a:t>, для английского языка это </a:t>
+                      </a:r>
+                      <a:r>
+                        <a:rPr lang="ru-RU" sz="1100" dirty="0"/>
+                        <a:t>[</a:t>
+                      </a:r>
+                      <a:r>
+                        <a:rPr lang="en-US" sz="1100" dirty="0"/>
+                        <a:t>a</a:t>
+                      </a:r>
+                      <a:r>
+                        <a:rPr lang="ru-RU" sz="1100" dirty="0"/>
+                        <a:t>-</a:t>
+                      </a:r>
+                      <a:r>
+                        <a:rPr lang="en-US" sz="1100" dirty="0" err="1"/>
+                        <a:t>zA</a:t>
+                      </a:r>
+                      <a:r>
+                        <a:rPr lang="ru-RU" sz="1100" dirty="0"/>
+                        <a:t>-</a:t>
+                      </a:r>
+                      <a:r>
+                        <a:rPr lang="en-US" sz="1100" dirty="0"/>
+                        <a:t>Z</a:t>
+                      </a:r>
+                      <a:r>
+                        <a:rPr lang="ru-RU" sz="1100" dirty="0"/>
+                        <a:t>_0-9]</a:t>
+                      </a:r>
+                      <a:r>
+                        <a:rPr lang="ru-RU" sz="1200" dirty="0"/>
+                        <a:t>)</a:t>
+                      </a:r>
+                      <a:endParaRPr lang="be-BY" sz="1200" dirty="0">
+                        <a:latin typeface="Times New Roman"/>
+                        <a:ea typeface="Times New Roman"/>
+                      </a:endParaRPr>
+                    </a:p>
+                  </a:txBody>
+                  <a:tcPr marL="68580" marR="68580" marT="0" marB="0">
+                    <a:lnL w="12700" cap="flat" cmpd="sng" algn="ctr">
+                      <a:solidFill>
+                        <a:schemeClr val="tx1"/>
+                      </a:solidFill>
+                      <a:prstDash val="solid"/>
+                      <a:round/>
+                      <a:headEnd type="none" w="med" len="med"/>
+                      <a:tailEnd type="none" w="med" len="med"/>
+                    </a:lnL>
+                    <a:lnR w="12700" cap="flat" cmpd="sng" algn="ctr">
+                      <a:solidFill>
+                        <a:schemeClr val="tx1"/>
+                      </a:solidFill>
+                      <a:prstDash val="solid"/>
+                      <a:round/>
+                      <a:headEnd type="none" w="med" len="med"/>
+                      <a:tailEnd type="none" w="med" len="med"/>
+                    </a:lnR>
+                    <a:lnT w="12700" cap="flat" cmpd="sng" algn="ctr">
+                      <a:solidFill>
+                        <a:schemeClr val="tx1"/>
+                      </a:solidFill>
+                      <a:prstDash val="solid"/>
+                      <a:round/>
+                      <a:headEnd type="none" w="med" len="med"/>
+                      <a:tailEnd type="none" w="med" len="med"/>
+                    </a:lnT>
+                    <a:lnB w="12700" cap="flat" cmpd="sng" algn="ctr">
+                      <a:solidFill>
+                        <a:schemeClr val="tx1"/>
+                      </a:solidFill>
+                      <a:prstDash val="solid"/>
+                      <a:round/>
+                      <a:headEnd type="none" w="med" len="med"/>
+                      <a:tailEnd type="none" w="med" len="med"/>
+                    </a:lnB>
+                  </a:tcPr>
+                </a:tc>
+                <a:tc>
+                  <a:txBody>
+                    <a:bodyPr/>
+                    <a:lstStyle/>
+                    <a:p>
+                      <a:pPr>
+                        <a:spcAft>
+                          <a:spcPts val="0"/>
+                        </a:spcAft>
+                      </a:pPr>
+                      <a:r>
+                        <a:rPr lang="en-US" sz="1100" dirty="0"/>
+                        <a:t>\W</a:t>
+                      </a:r>
+                      <a:endParaRPr lang="be-BY" sz="1200" dirty="0">
+                        <a:latin typeface="Times New Roman"/>
+                        <a:ea typeface="Times New Roman"/>
+                      </a:endParaRPr>
+                    </a:p>
+                  </a:txBody>
+                  <a:tcPr marL="68580" marR="68580" marT="0" marB="0" anchor="ctr">
+                    <a:lnL w="12700" cap="flat" cmpd="sng" algn="ctr">
+                      <a:solidFill>
+                        <a:schemeClr val="tx1"/>
+                      </a:solidFill>
+                      <a:prstDash val="solid"/>
+                      <a:round/>
+                      <a:headEnd type="none" w="med" len="med"/>
+                      <a:tailEnd type="none" w="med" len="med"/>
+                    </a:lnL>
+                    <a:lnR w="12700" cap="flat" cmpd="sng" algn="ctr">
+                      <a:solidFill>
+                        <a:schemeClr val="tx1"/>
+                      </a:solidFill>
+                      <a:prstDash val="solid"/>
+                      <a:round/>
+                      <a:headEnd type="none" w="med" len="med"/>
+                      <a:tailEnd type="none" w="med" len="med"/>
+                    </a:lnR>
+                    <a:lnT w="12700" cap="flat" cmpd="sng" algn="ctr">
+                      <a:solidFill>
+                        <a:schemeClr val="tx1"/>
+                      </a:solidFill>
+                      <a:prstDash val="solid"/>
+                      <a:round/>
+                      <a:headEnd type="none" w="med" len="med"/>
+                      <a:tailEnd type="none" w="med" len="med"/>
+                    </a:lnT>
+                    <a:lnB w="12700" cap="flat" cmpd="sng" algn="ctr">
+                      <a:solidFill>
+                        <a:schemeClr val="tx1"/>
+                      </a:solidFill>
+                      <a:prstDash val="solid"/>
+                      <a:round/>
+                      <a:headEnd type="none" w="med" len="med"/>
+                      <a:tailEnd type="none" w="med" len="med"/>
+                    </a:lnB>
+                  </a:tcPr>
+                </a:tc>
+              </a:tr>
+              <a:tr h="182847">
+                <a:tc>
+                  <a:txBody>
+                    <a:bodyPr/>
+                    <a:lstStyle/>
+                    <a:p>
+                      <a:pPr>
+                        <a:spcAft>
+                          <a:spcPts val="0"/>
+                        </a:spcAft>
+                      </a:pPr>
+                      <a:r>
+                        <a:rPr lang="ru-RU" sz="1100"/>
+                        <a:t>\</a:t>
+                      </a:r>
+                      <a:r>
+                        <a:rPr lang="en-US" sz="1100"/>
+                        <a:t>s</a:t>
+                      </a:r>
+                      <a:endParaRPr lang="be-BY" sz="1200">
+                        <a:latin typeface="Times New Roman"/>
+                        <a:ea typeface="Times New Roman"/>
+                      </a:endParaRPr>
+                    </a:p>
+                  </a:txBody>
+                  <a:tcPr marL="68580" marR="68580" marT="0" marB="0" anchor="ctr">
+                    <a:lnL w="12700" cap="flat" cmpd="sng" algn="ctr">
+                      <a:solidFill>
+                        <a:schemeClr val="tx1"/>
+                      </a:solidFill>
+                      <a:prstDash val="solid"/>
+                      <a:round/>
+                      <a:headEnd type="none" w="med" len="med"/>
+                      <a:tailEnd type="none" w="med" len="med"/>
+                    </a:lnL>
+                    <a:lnR w="12700" cap="flat" cmpd="sng" algn="ctr">
+                      <a:solidFill>
+                        <a:schemeClr val="tx1"/>
+                      </a:solidFill>
+                      <a:prstDash val="solid"/>
+                      <a:round/>
+                      <a:headEnd type="none" w="med" len="med"/>
+                      <a:tailEnd type="none" w="med" len="med"/>
+                    </a:lnR>
+                    <a:lnT w="12700" cap="flat" cmpd="sng" algn="ctr">
+                      <a:solidFill>
+                        <a:schemeClr val="tx1"/>
+                      </a:solidFill>
+                      <a:prstDash val="solid"/>
+                      <a:round/>
+                      <a:headEnd type="none" w="med" len="med"/>
+                      <a:tailEnd type="none" w="med" len="med"/>
+                    </a:lnT>
+                    <a:lnB w="12700" cap="flat" cmpd="sng" algn="ctr">
+                      <a:solidFill>
+                        <a:schemeClr val="tx1"/>
+                      </a:solidFill>
+                      <a:prstDash val="solid"/>
+                      <a:round/>
+                      <a:headEnd type="none" w="med" len="med"/>
+                      <a:tailEnd type="none" w="med" len="med"/>
+                    </a:lnB>
+                  </a:tcPr>
+                </a:tc>
+                <a:tc>
+                  <a:txBody>
+                    <a:bodyPr/>
+                    <a:lstStyle/>
+                    <a:p>
+                      <a:pPr algn="just">
+                        <a:spcAft>
+                          <a:spcPts val="0"/>
+                        </a:spcAft>
+                      </a:pPr>
+                      <a:r>
+                        <a:rPr lang="ru-RU" sz="1200"/>
+                        <a:t>Пробельный символ (пробел, табуляция, новая строка, перевод каретки)</a:t>
+                      </a:r>
+                      <a:endParaRPr lang="be-BY" sz="1200">
+                        <a:latin typeface="Times New Roman"/>
+                        <a:ea typeface="Times New Roman"/>
+                      </a:endParaRPr>
+                    </a:p>
+                  </a:txBody>
+                  <a:tcPr marL="68580" marR="68580" marT="0" marB="0">
+                    <a:lnL w="12700" cap="flat" cmpd="sng" algn="ctr">
+                      <a:solidFill>
+                        <a:schemeClr val="tx1"/>
+                      </a:solidFill>
+                      <a:prstDash val="solid"/>
+                      <a:round/>
+                      <a:headEnd type="none" w="med" len="med"/>
+                      <a:tailEnd type="none" w="med" len="med"/>
+                    </a:lnL>
+                    <a:lnR w="12700" cap="flat" cmpd="sng" algn="ctr">
+                      <a:solidFill>
+                        <a:schemeClr val="tx1"/>
+                      </a:solidFill>
+                      <a:prstDash val="solid"/>
+                      <a:round/>
+                      <a:headEnd type="none" w="med" len="med"/>
+                      <a:tailEnd type="none" w="med" len="med"/>
+                    </a:lnR>
+                    <a:lnT w="12700" cap="flat" cmpd="sng" algn="ctr">
+                      <a:solidFill>
+                        <a:schemeClr val="tx1"/>
+                      </a:solidFill>
+                      <a:prstDash val="solid"/>
+                      <a:round/>
+                      <a:headEnd type="none" w="med" len="med"/>
+                      <a:tailEnd type="none" w="med" len="med"/>
+                    </a:lnT>
+                    <a:lnB w="12700" cap="flat" cmpd="sng" algn="ctr">
+                      <a:solidFill>
+                        <a:schemeClr val="tx1"/>
+                      </a:solidFill>
+                      <a:prstDash val="solid"/>
+                      <a:round/>
+                      <a:headEnd type="none" w="med" len="med"/>
+                      <a:tailEnd type="none" w="med" len="med"/>
+                    </a:lnB>
+                  </a:tcPr>
+                </a:tc>
+                <a:tc>
+                  <a:txBody>
+                    <a:bodyPr/>
+                    <a:lstStyle/>
+                    <a:p>
+                      <a:pPr>
+                        <a:spcAft>
+                          <a:spcPts val="0"/>
+                        </a:spcAft>
+                      </a:pPr>
+                      <a:r>
+                        <a:rPr lang="en-US" sz="1100"/>
+                        <a:t>\S</a:t>
+                      </a:r>
+                      <a:endParaRPr lang="be-BY" sz="1200">
+                        <a:latin typeface="Times New Roman"/>
+                        <a:ea typeface="Times New Roman"/>
+                      </a:endParaRPr>
+                    </a:p>
+                  </a:txBody>
+                  <a:tcPr marL="68580" marR="68580" marT="0" marB="0" anchor="ctr">
+                    <a:lnL w="12700" cap="flat" cmpd="sng" algn="ctr">
+                      <a:solidFill>
+                        <a:schemeClr val="tx1"/>
+                      </a:solidFill>
+                      <a:prstDash val="solid"/>
+                      <a:round/>
+                      <a:headEnd type="none" w="med" len="med"/>
+                      <a:tailEnd type="none" w="med" len="med"/>
+                    </a:lnL>
+                    <a:lnR w="12700" cap="flat" cmpd="sng" algn="ctr">
+                      <a:solidFill>
+                        <a:schemeClr val="tx1"/>
+                      </a:solidFill>
+                      <a:prstDash val="solid"/>
+                      <a:round/>
+                      <a:headEnd type="none" w="med" len="med"/>
+                      <a:tailEnd type="none" w="med" len="med"/>
+                    </a:lnR>
+                    <a:lnT w="12700" cap="flat" cmpd="sng" algn="ctr">
+                      <a:solidFill>
+                        <a:schemeClr val="tx1"/>
+                      </a:solidFill>
+                      <a:prstDash val="solid"/>
+                      <a:round/>
+                      <a:headEnd type="none" w="med" len="med"/>
+                      <a:tailEnd type="none" w="med" len="med"/>
+                    </a:lnT>
+                    <a:lnB w="12700" cap="flat" cmpd="sng" algn="ctr">
+                      <a:solidFill>
+                        <a:schemeClr val="tx1"/>
+                      </a:solidFill>
+                      <a:prstDash val="solid"/>
+                      <a:round/>
+                      <a:headEnd type="none" w="med" len="med"/>
+                      <a:tailEnd type="none" w="med" len="med"/>
+                    </a:lnB>
+                  </a:tcPr>
+                </a:tc>
+              </a:tr>
+              <a:tr h="182847">
+                <a:tc>
+                  <a:txBody>
+                    <a:bodyPr/>
+                    <a:lstStyle/>
+                    <a:p>
+                      <a:pPr>
+                        <a:spcAft>
+                          <a:spcPts val="0"/>
+                        </a:spcAft>
+                      </a:pPr>
+                      <a:r>
+                        <a:rPr lang="ru-RU" sz="1100"/>
+                        <a:t>\</a:t>
+                      </a:r>
+                      <a:r>
+                        <a:rPr lang="en-US" sz="1100"/>
+                        <a:t>p{…}</a:t>
+                      </a:r>
+                      <a:endParaRPr lang="be-BY" sz="1200">
+                        <a:latin typeface="Times New Roman"/>
+                        <a:ea typeface="Times New Roman"/>
+                      </a:endParaRPr>
+                    </a:p>
+                  </a:txBody>
+                  <a:tcPr marL="68580" marR="68580" marT="0" marB="0" anchor="ctr">
+                    <a:lnL w="12700" cap="flat" cmpd="sng" algn="ctr">
+                      <a:solidFill>
+                        <a:schemeClr val="tx1"/>
+                      </a:solidFill>
+                      <a:prstDash val="solid"/>
+                      <a:round/>
+                      <a:headEnd type="none" w="med" len="med"/>
+                      <a:tailEnd type="none" w="med" len="med"/>
+                    </a:lnL>
+                    <a:lnR w="12700" cap="flat" cmpd="sng" algn="ctr">
+                      <a:solidFill>
+                        <a:schemeClr val="tx1"/>
+                      </a:solidFill>
+                      <a:prstDash val="solid"/>
+                      <a:round/>
+                      <a:headEnd type="none" w="med" len="med"/>
+                      <a:tailEnd type="none" w="med" len="med"/>
+                    </a:lnR>
+                    <a:lnT w="12700" cap="flat" cmpd="sng" algn="ctr">
+                      <a:solidFill>
+                        <a:schemeClr val="tx1"/>
+                      </a:solidFill>
+                      <a:prstDash val="solid"/>
+                      <a:round/>
+                      <a:headEnd type="none" w="med" len="med"/>
+                      <a:tailEnd type="none" w="med" len="med"/>
+                    </a:lnT>
+                    <a:lnB w="12700" cap="flat" cmpd="sng" algn="ctr">
+                      <a:solidFill>
+                        <a:schemeClr val="tx1"/>
+                      </a:solidFill>
+                      <a:prstDash val="solid"/>
+                      <a:round/>
+                      <a:headEnd type="none" w="med" len="med"/>
+                      <a:tailEnd type="none" w="med" len="med"/>
+                    </a:lnB>
+                  </a:tcPr>
+                </a:tc>
+                <a:tc>
+                  <a:txBody>
+                    <a:bodyPr/>
+                    <a:lstStyle/>
+                    <a:p>
+                      <a:pPr algn="just">
+                        <a:spcAft>
+                          <a:spcPts val="0"/>
+                        </a:spcAft>
+                      </a:pPr>
+                      <a:r>
+                        <a:rPr lang="ru-RU" sz="1200" dirty="0"/>
+                        <a:t>Любой символ из указанной </a:t>
+                      </a:r>
+                      <a:r>
+                        <a:rPr lang="en-US" sz="1200" dirty="0"/>
+                        <a:t>Unicode</a:t>
+                      </a:r>
+                      <a:r>
+                        <a:rPr lang="ru-RU" sz="1200" dirty="0"/>
+                        <a:t>-категории. Например, </a:t>
+                      </a:r>
+                      <a:r>
+                        <a:rPr lang="ru-RU" sz="1100" dirty="0"/>
+                        <a:t>\</a:t>
+                      </a:r>
+                      <a:r>
+                        <a:rPr lang="en-US" sz="1100" dirty="0"/>
+                        <a:t>p</a:t>
+                      </a:r>
+                      <a:r>
+                        <a:rPr lang="ru-RU" sz="1100" dirty="0"/>
+                        <a:t>{</a:t>
+                      </a:r>
+                      <a:r>
+                        <a:rPr lang="en-US" sz="1100" dirty="0"/>
+                        <a:t>P</a:t>
+                      </a:r>
+                      <a:r>
+                        <a:rPr lang="ru-RU" sz="1100" dirty="0"/>
+                        <a:t>}</a:t>
+                      </a:r>
+                      <a:r>
+                        <a:rPr lang="ru-RU" sz="1200" dirty="0"/>
+                        <a:t> ‑ символы пунктуации</a:t>
+                      </a:r>
+                      <a:endParaRPr lang="be-BY" sz="1200" dirty="0">
+                        <a:latin typeface="Times New Roman"/>
+                        <a:ea typeface="Times New Roman"/>
+                      </a:endParaRPr>
+                    </a:p>
+                  </a:txBody>
+                  <a:tcPr marL="68580" marR="68580" marT="0" marB="0">
+                    <a:lnL w="12700" cap="flat" cmpd="sng" algn="ctr">
+                      <a:solidFill>
+                        <a:schemeClr val="tx1"/>
+                      </a:solidFill>
+                      <a:prstDash val="solid"/>
+                      <a:round/>
+                      <a:headEnd type="none" w="med" len="med"/>
+                      <a:tailEnd type="none" w="med" len="med"/>
+                    </a:lnL>
+                    <a:lnR w="12700" cap="flat" cmpd="sng" algn="ctr">
+                      <a:solidFill>
+                        <a:schemeClr val="tx1"/>
+                      </a:solidFill>
+                      <a:prstDash val="solid"/>
+                      <a:round/>
+                      <a:headEnd type="none" w="med" len="med"/>
+                      <a:tailEnd type="none" w="med" len="med"/>
+                    </a:lnR>
+                    <a:lnT w="12700" cap="flat" cmpd="sng" algn="ctr">
+                      <a:solidFill>
+                        <a:schemeClr val="tx1"/>
+                      </a:solidFill>
+                      <a:prstDash val="solid"/>
+                      <a:round/>
+                      <a:headEnd type="none" w="med" len="med"/>
+                      <a:tailEnd type="none" w="med" len="med"/>
+                    </a:lnT>
+                    <a:lnB w="12700" cap="flat" cmpd="sng" algn="ctr">
+                      <a:solidFill>
+                        <a:schemeClr val="tx1"/>
+                      </a:solidFill>
+                      <a:prstDash val="solid"/>
+                      <a:round/>
+                      <a:headEnd type="none" w="med" len="med"/>
+                      <a:tailEnd type="none" w="med" len="med"/>
+                    </a:lnB>
+                  </a:tcPr>
+                </a:tc>
+                <a:tc>
+                  <a:txBody>
+                    <a:bodyPr/>
+                    <a:lstStyle/>
+                    <a:p>
+                      <a:pPr>
+                        <a:spcAft>
+                          <a:spcPts val="0"/>
+                        </a:spcAft>
+                      </a:pPr>
+                      <a:r>
+                        <a:rPr lang="ru-RU" sz="1100"/>
+                        <a:t>\</a:t>
+                      </a:r>
+                      <a:r>
+                        <a:rPr lang="en-US" sz="1100"/>
+                        <a:t>P</a:t>
+                      </a:r>
+                      <a:endParaRPr lang="be-BY" sz="1200">
+                        <a:latin typeface="Times New Roman"/>
+                        <a:ea typeface="Times New Roman"/>
+                      </a:endParaRPr>
+                    </a:p>
+                  </a:txBody>
+                  <a:tcPr marL="68580" marR="68580" marT="0" marB="0" anchor="ctr">
+                    <a:lnL w="12700" cap="flat" cmpd="sng" algn="ctr">
+                      <a:solidFill>
+                        <a:schemeClr val="tx1"/>
+                      </a:solidFill>
+                      <a:prstDash val="solid"/>
+                      <a:round/>
+                      <a:headEnd type="none" w="med" len="med"/>
+                      <a:tailEnd type="none" w="med" len="med"/>
+                    </a:lnL>
+                    <a:lnR w="12700" cap="flat" cmpd="sng" algn="ctr">
+                      <a:solidFill>
+                        <a:schemeClr val="tx1"/>
+                      </a:solidFill>
+                      <a:prstDash val="solid"/>
+                      <a:round/>
+                      <a:headEnd type="none" w="med" len="med"/>
+                      <a:tailEnd type="none" w="med" len="med"/>
+                    </a:lnR>
+                    <a:lnT w="12700" cap="flat" cmpd="sng" algn="ctr">
+                      <a:solidFill>
+                        <a:schemeClr val="tx1"/>
+                      </a:solidFill>
+                      <a:prstDash val="solid"/>
+                      <a:round/>
+                      <a:headEnd type="none" w="med" len="med"/>
+                      <a:tailEnd type="none" w="med" len="med"/>
+                    </a:lnT>
+                    <a:lnB w="12700" cap="flat" cmpd="sng" algn="ctr">
+                      <a:solidFill>
+                        <a:schemeClr val="tx1"/>
+                      </a:solidFill>
+                      <a:prstDash val="solid"/>
+                      <a:round/>
+                      <a:headEnd type="none" w="med" len="med"/>
+                      <a:tailEnd type="none" w="med" len="med"/>
+                    </a:lnB>
+                  </a:tcPr>
+                </a:tc>
+              </a:tr>
+              <a:tr h="182847">
+                <a:tc>
+                  <a:txBody>
+                    <a:bodyPr/>
+                    <a:lstStyle/>
+                    <a:p>
+                      <a:pPr>
+                        <a:spcAft>
+                          <a:spcPts val="0"/>
+                        </a:spcAft>
+                      </a:pPr>
+                      <a:r>
+                        <a:rPr lang="en-US" sz="1100"/>
+                        <a:t>.</a:t>
+                      </a:r>
+                      <a:endParaRPr lang="be-BY" sz="1200">
+                        <a:latin typeface="Times New Roman"/>
+                        <a:ea typeface="Times New Roman"/>
+                      </a:endParaRPr>
+                    </a:p>
+                  </a:txBody>
+                  <a:tcPr marL="68580" marR="68580" marT="0" marB="0" anchor="ctr">
+                    <a:lnL w="12700" cap="flat" cmpd="sng" algn="ctr">
+                      <a:solidFill>
+                        <a:schemeClr val="tx1"/>
+                      </a:solidFill>
+                      <a:prstDash val="solid"/>
+                      <a:round/>
+                      <a:headEnd type="none" w="med" len="med"/>
+                      <a:tailEnd type="none" w="med" len="med"/>
+                    </a:lnL>
+                    <a:lnR w="12700" cap="flat" cmpd="sng" algn="ctr">
+                      <a:solidFill>
+                        <a:schemeClr val="tx1"/>
+                      </a:solidFill>
+                      <a:prstDash val="solid"/>
+                      <a:round/>
+                      <a:headEnd type="none" w="med" len="med"/>
+                      <a:tailEnd type="none" w="med" len="med"/>
+                    </a:lnR>
+                    <a:lnT w="12700" cap="flat" cmpd="sng" algn="ctr">
+                      <a:solidFill>
+                        <a:schemeClr val="tx1"/>
+                      </a:solidFill>
+                      <a:prstDash val="solid"/>
+                      <a:round/>
+                      <a:headEnd type="none" w="med" len="med"/>
+                      <a:tailEnd type="none" w="med" len="med"/>
+                    </a:lnT>
+                    <a:lnB w="12700" cap="flat" cmpd="sng" algn="ctr">
+                      <a:solidFill>
+                        <a:schemeClr val="tx1"/>
+                      </a:solidFill>
+                      <a:prstDash val="solid"/>
+                      <a:round/>
+                      <a:headEnd type="none" w="med" len="med"/>
+                      <a:tailEnd type="none" w="med" len="med"/>
+                    </a:lnB>
+                  </a:tcPr>
+                </a:tc>
+                <a:tc>
+                  <a:txBody>
+                    <a:bodyPr/>
+                    <a:lstStyle/>
+                    <a:p>
+                      <a:pPr algn="just">
+                        <a:spcAft>
+                          <a:spcPts val="0"/>
+                        </a:spcAft>
+                      </a:pPr>
+                      <a:r>
+                        <a:rPr lang="ru-RU" sz="1200" dirty="0"/>
+                        <a:t>Любой символ, кроме </a:t>
+                      </a:r>
+                      <a:r>
+                        <a:rPr lang="ru-RU" sz="1100" dirty="0"/>
+                        <a:t>\</a:t>
+                      </a:r>
+                      <a:r>
+                        <a:rPr lang="en-US" sz="1100" dirty="0"/>
+                        <a:t>n</a:t>
+                      </a:r>
+                      <a:endParaRPr lang="be-BY" sz="1200" dirty="0">
+                        <a:latin typeface="Times New Roman"/>
+                        <a:ea typeface="Times New Roman"/>
+                      </a:endParaRPr>
+                    </a:p>
+                  </a:txBody>
+                  <a:tcPr marL="68580" marR="68580" marT="0" marB="0">
+                    <a:lnL w="12700" cap="flat" cmpd="sng" algn="ctr">
+                      <a:solidFill>
+                        <a:schemeClr val="tx1"/>
+                      </a:solidFill>
+                      <a:prstDash val="solid"/>
+                      <a:round/>
+                      <a:headEnd type="none" w="med" len="med"/>
+                      <a:tailEnd type="none" w="med" len="med"/>
+                    </a:lnL>
+                    <a:lnR w="12700" cap="flat" cmpd="sng" algn="ctr">
+                      <a:solidFill>
+                        <a:schemeClr val="tx1"/>
+                      </a:solidFill>
+                      <a:prstDash val="solid"/>
+                      <a:round/>
+                      <a:headEnd type="none" w="med" len="med"/>
+                      <a:tailEnd type="none" w="med" len="med"/>
+                    </a:lnR>
+                    <a:lnT w="12700" cap="flat" cmpd="sng" algn="ctr">
+                      <a:solidFill>
+                        <a:schemeClr val="tx1"/>
+                      </a:solidFill>
+                      <a:prstDash val="solid"/>
+                      <a:round/>
+                      <a:headEnd type="none" w="med" len="med"/>
+                      <a:tailEnd type="none" w="med" len="med"/>
+                    </a:lnT>
+                    <a:lnB w="12700" cap="flat" cmpd="sng" algn="ctr">
+                      <a:solidFill>
+                        <a:schemeClr val="tx1"/>
+                      </a:solidFill>
+                      <a:prstDash val="solid"/>
+                      <a:round/>
+                      <a:headEnd type="none" w="med" len="med"/>
+                      <a:tailEnd type="none" w="med" len="med"/>
+                    </a:lnB>
+                  </a:tcPr>
+                </a:tc>
+                <a:tc>
+                  <a:txBody>
+                    <a:bodyPr/>
+                    <a:lstStyle/>
+                    <a:p>
+                      <a:pPr>
+                        <a:spcAft>
+                          <a:spcPts val="0"/>
+                        </a:spcAft>
+                      </a:pPr>
+                      <a:r>
+                        <a:rPr lang="ru-RU" sz="1100" dirty="0"/>
+                        <a:t>\</a:t>
+                      </a:r>
+                      <a:r>
+                        <a:rPr lang="en-US" sz="1100" dirty="0"/>
+                        <a:t>n</a:t>
+                      </a:r>
+                      <a:endParaRPr lang="be-BY" sz="1200" dirty="0">
+                        <a:latin typeface="Times New Roman"/>
+                        <a:ea typeface="Times New Roman"/>
+                      </a:endParaRPr>
+                    </a:p>
+                  </a:txBody>
+                  <a:tcPr marL="68580" marR="68580" marT="0" marB="0" anchor="ctr">
+                    <a:lnL w="12700" cap="flat" cmpd="sng" algn="ctr">
+                      <a:solidFill>
+                        <a:schemeClr val="tx1"/>
+                      </a:solidFill>
+                      <a:prstDash val="solid"/>
+                      <a:round/>
+                      <a:headEnd type="none" w="med" len="med"/>
+                      <a:tailEnd type="none" w="med" len="med"/>
+                    </a:lnL>
+                    <a:lnR w="12700" cap="flat" cmpd="sng" algn="ctr">
+                      <a:solidFill>
+                        <a:schemeClr val="tx1"/>
+                      </a:solidFill>
+                      <a:prstDash val="solid"/>
+                      <a:round/>
+                      <a:headEnd type="none" w="med" len="med"/>
+                      <a:tailEnd type="none" w="med" len="med"/>
+                    </a:lnR>
+                    <a:lnT w="12700" cap="flat" cmpd="sng" algn="ctr">
+                      <a:solidFill>
+                        <a:schemeClr val="tx1"/>
+                      </a:solidFill>
+                      <a:prstDash val="solid"/>
+                      <a:round/>
+                      <a:headEnd type="none" w="med" len="med"/>
+                      <a:tailEnd type="none" w="med" len="med"/>
+                    </a:lnT>
+                    <a:lnB w="12700" cap="flat" cmpd="sng" algn="ctr">
+                      <a:solidFill>
+                        <a:schemeClr val="tx1"/>
+                      </a:solidFill>
+                      <a:prstDash val="solid"/>
+                      <a:round/>
+                      <a:headEnd type="none" w="med" len="med"/>
+                      <a:tailEnd type="none" w="med" len="med"/>
+                    </a:lnB>
+                  </a:tcPr>
+                </a:tc>
+              </a:tr>
+            </a:tbl>
+          </a:graphicData>
+        </a:graphic>
+      </p:graphicFrame>
+      <p:graphicFrame>
+        <p:nvGraphicFramePr>
+          <p:cNvPr id="13" name="Таблица 12"/>
+          <p:cNvGraphicFramePr>
+            <a:graphicFrameLocks noGrp="1"/>
+          </p:cNvGraphicFramePr>
+          <p:nvPr/>
+        </p:nvGraphicFramePr>
+        <p:xfrm>
+          <a:off x="152400" y="4343400"/>
+          <a:ext cx="8839200" cy="1646238"/>
+        </p:xfrm>
+        <a:graphic>
+          <a:graphicData uri="http://schemas.openxmlformats.org/drawingml/2006/table">
+            <a:tbl>
+              <a:tblPr firstRow="1" bandRow="1">
+                <a:tableStyleId>{5940675A-B579-460E-94D1-54222C63F5DA}</a:tableStyleId>
+              </a:tblPr>
+              <a:tblGrid>
+                <a:gridCol w="1066800"/>
+                <a:gridCol w="7772400"/>
+              </a:tblGrid>
+              <a:tr h="274373">
+                <a:tc>
+                  <a:txBody>
+                    <a:bodyPr/>
+                    <a:lstStyle/>
+                    <a:p>
+                      <a:r>
+                        <a:rPr lang="en-US" sz="1200" dirty="0" smtClean="0"/>
+                        <a:t>?</a:t>
+                      </a:r>
+                      <a:endParaRPr lang="be-BY" sz="1200" dirty="0"/>
+                    </a:p>
+                  </a:txBody>
+                  <a:tcPr marT="45729" marB="45729"/>
+                </a:tc>
+                <a:tc>
+                  <a:txBody>
+                    <a:bodyPr/>
+                    <a:lstStyle/>
+                    <a:p>
+                      <a:r>
+                        <a:rPr lang="ru-RU" sz="1200" dirty="0" smtClean="0"/>
+                        <a:t>Встречается</a:t>
+                      </a:r>
+                      <a:r>
+                        <a:rPr lang="ru-RU" sz="1200" baseline="0" dirty="0" smtClean="0"/>
+                        <a:t> 0 или 1 раз.</a:t>
+                      </a:r>
+                      <a:endParaRPr lang="be-BY" sz="1200" dirty="0"/>
+                    </a:p>
+                  </a:txBody>
+                  <a:tcPr marT="45729" marB="45729"/>
+                </a:tc>
+              </a:tr>
+              <a:tr h="274373">
+                <a:tc>
+                  <a:txBody>
+                    <a:bodyPr/>
+                    <a:lstStyle/>
+                    <a:p>
+                      <a:r>
+                        <a:rPr lang="en-US" sz="1200" dirty="0" smtClean="0"/>
+                        <a:t>+</a:t>
+                      </a:r>
+                      <a:endParaRPr lang="be-BY" sz="1200" dirty="0"/>
+                    </a:p>
+                  </a:txBody>
+                  <a:tcPr marT="45729" marB="45729"/>
+                </a:tc>
+                <a:tc>
+                  <a:txBody>
+                    <a:bodyPr/>
+                    <a:lstStyle/>
+                    <a:p>
+                      <a:r>
+                        <a:rPr lang="ru-RU" sz="1200" dirty="0" smtClean="0"/>
+                        <a:t>Встречается от 1 и</a:t>
+                      </a:r>
+                      <a:r>
+                        <a:rPr lang="ru-RU" sz="1200" baseline="0" dirty="0" smtClean="0"/>
+                        <a:t> более раза.</a:t>
+                      </a:r>
+                      <a:endParaRPr lang="be-BY" sz="1200" dirty="0"/>
+                    </a:p>
+                  </a:txBody>
+                  <a:tcPr marT="45729" marB="45729"/>
+                </a:tc>
+              </a:tr>
+              <a:tr h="274373">
+                <a:tc>
+                  <a:txBody>
+                    <a:bodyPr/>
+                    <a:lstStyle/>
+                    <a:p>
+                      <a:r>
+                        <a:rPr lang="en-US" sz="1200" dirty="0" smtClean="0"/>
+                        <a:t>*</a:t>
+                      </a:r>
+                      <a:endParaRPr lang="be-BY" sz="1200" dirty="0"/>
+                    </a:p>
+                  </a:txBody>
+                  <a:tcPr marT="45729" marB="45729"/>
+                </a:tc>
+                <a:tc>
+                  <a:txBody>
+                    <a:bodyPr/>
+                    <a:lstStyle/>
+                    <a:p>
+                      <a:r>
+                        <a:rPr lang="ru-RU" sz="1200" dirty="0" smtClean="0"/>
+                        <a:t>Встречается 0 и более раза</a:t>
+                      </a:r>
+                      <a:endParaRPr lang="be-BY" sz="1200" dirty="0"/>
+                    </a:p>
+                  </a:txBody>
+                  <a:tcPr marT="45729" marB="45729"/>
+                </a:tc>
+              </a:tr>
+              <a:tr h="274373">
+                <a:tc>
+                  <a:txBody>
+                    <a:bodyPr/>
+                    <a:lstStyle/>
+                    <a:p>
+                      <a:r>
+                        <a:rPr lang="en-US" sz="1200" dirty="0" smtClean="0"/>
+                        <a:t>{n}</a:t>
+                      </a:r>
+                      <a:endParaRPr lang="be-BY" sz="1200" dirty="0"/>
+                    </a:p>
+                  </a:txBody>
+                  <a:tcPr marT="45729" marB="45729"/>
+                </a:tc>
+                <a:tc>
+                  <a:txBody>
+                    <a:bodyPr/>
+                    <a:lstStyle/>
+                    <a:p>
+                      <a:r>
+                        <a:rPr lang="ru-RU" sz="1200" dirty="0" smtClean="0"/>
+                        <a:t>Встречается </a:t>
+                      </a:r>
+                      <a:r>
+                        <a:rPr lang="en-US" sz="1200" dirty="0" smtClean="0"/>
+                        <a:t>n </a:t>
+                      </a:r>
+                      <a:r>
+                        <a:rPr lang="ru-RU" sz="1200" dirty="0" smtClean="0"/>
+                        <a:t>раз</a:t>
+                      </a:r>
+                      <a:endParaRPr lang="be-BY" sz="1200" dirty="0"/>
+                    </a:p>
+                  </a:txBody>
+                  <a:tcPr marT="45729" marB="45729"/>
+                </a:tc>
+              </a:tr>
+              <a:tr h="274373">
+                <a:tc>
+                  <a:txBody>
+                    <a:bodyPr/>
+                    <a:lstStyle/>
+                    <a:p>
+                      <a:r>
+                        <a:rPr lang="en-US" sz="1200" dirty="0" smtClean="0"/>
+                        <a:t>{</a:t>
+                      </a:r>
+                      <a:r>
+                        <a:rPr lang="en-US" sz="1200" dirty="0" err="1" smtClean="0"/>
+                        <a:t>n,m</a:t>
+                      </a:r>
+                      <a:r>
+                        <a:rPr lang="en-US" sz="1200" dirty="0" smtClean="0"/>
+                        <a:t>}</a:t>
+                      </a:r>
+                      <a:endParaRPr lang="be-BY" sz="1200" dirty="0"/>
+                    </a:p>
+                  </a:txBody>
+                  <a:tcPr marT="45729" marB="45729"/>
+                </a:tc>
+                <a:tc>
+                  <a:txBody>
+                    <a:bodyPr/>
+                    <a:lstStyle/>
+                    <a:p>
+                      <a:r>
+                        <a:rPr lang="ru-RU" sz="1200" dirty="0" smtClean="0"/>
+                        <a:t>Встречается от </a:t>
+                      </a:r>
+                      <a:r>
+                        <a:rPr lang="en-US" sz="1200" dirty="0" smtClean="0"/>
+                        <a:t>m </a:t>
+                      </a:r>
+                      <a:r>
+                        <a:rPr lang="ru-RU" sz="1200" dirty="0" smtClean="0"/>
+                        <a:t>до </a:t>
+                      </a:r>
+                      <a:r>
+                        <a:rPr lang="en-US" sz="1200" dirty="0" smtClean="0"/>
+                        <a:t>n</a:t>
+                      </a:r>
+                      <a:r>
+                        <a:rPr lang="en-US" sz="1200" baseline="0" dirty="0" smtClean="0"/>
+                        <a:t> </a:t>
+                      </a:r>
+                      <a:r>
+                        <a:rPr lang="ru-RU" sz="1200" baseline="0" dirty="0" smtClean="0"/>
+                        <a:t>раз</a:t>
+                      </a:r>
+                      <a:endParaRPr lang="be-BY" sz="1200" dirty="0"/>
+                    </a:p>
+                  </a:txBody>
+                  <a:tcPr marT="45729" marB="45729"/>
+                </a:tc>
+              </a:tr>
+              <a:tr h="274373">
+                <a:tc>
+                  <a:txBody>
+                    <a:bodyPr/>
+                    <a:lstStyle/>
+                    <a:p>
+                      <a:r>
+                        <a:rPr lang="en-US" sz="1200" dirty="0" smtClean="0"/>
+                        <a:t>{n,}</a:t>
+                      </a:r>
+                      <a:endParaRPr lang="be-BY" sz="1200" dirty="0"/>
+                    </a:p>
+                  </a:txBody>
+                  <a:tcPr marT="45729" marB="45729"/>
+                </a:tc>
+                <a:tc>
+                  <a:txBody>
+                    <a:bodyPr/>
+                    <a:lstStyle/>
+                    <a:p>
+                      <a:r>
+                        <a:rPr lang="ru-RU" sz="1200" dirty="0" smtClean="0"/>
+                        <a:t>Встречается </a:t>
+                      </a:r>
+                      <a:r>
+                        <a:rPr lang="en-US" sz="1200" dirty="0" smtClean="0"/>
+                        <a:t>n</a:t>
+                      </a:r>
+                      <a:r>
+                        <a:rPr lang="en-US" sz="1200" baseline="0" dirty="0" smtClean="0"/>
+                        <a:t> </a:t>
+                      </a:r>
+                      <a:r>
+                        <a:rPr lang="ru-RU" sz="1200" baseline="0" dirty="0" smtClean="0"/>
+                        <a:t>и больше раз.</a:t>
+                      </a:r>
+                      <a:endParaRPr lang="be-BY" sz="1200" dirty="0"/>
+                    </a:p>
+                  </a:txBody>
+                  <a:tcPr marT="45729" marB="45729"/>
+                </a:tc>
+              </a:tr>
+            </a:tbl>
+          </a:graphicData>
+        </a:graphic>
+      </p:graphicFrame>
+    </p:spTree>
+    <p:extLst>
+      <p:ext uri="{BB962C8B-B14F-4D97-AF65-F5344CB8AC3E}">
+        <p14:creationId xmlns:p14="http://schemas.microsoft.com/office/powerpoint/2010/main" val="938274926"/>
+      </p:ext>
+    </p:extLst>
+  </p:cSld>
+  <p:clrMapOvr>
+    <a:masterClrMapping/>
+  </p:clrMapOvr>
+  <p:timing>
+    <p:tnLst>
+      <p:par>
+        <p:cTn id="1" dur="indefinite" restart="never" nodeType="tmRoot"/>
+      </p:par>
+    </p:tnLst>
+  </p:timing>
+</p:sld>
+</file>
+
+<file path=ppt/slides/slide12.xml><?xml version="1.0" encoding="utf-8"?>
 <p:sld xmlns:a="http://schemas.openxmlformats.org/drawingml/2006/main" xmlns:r="http://schemas.openxmlformats.org/officeDocument/2006/relationships" xmlns:p="http://schemas.openxmlformats.org/presentationml/2006/main">
   <p:cSld>
     <p:bg>
@@ -10417,6 +13773,1522 @@
       </p:grpSpPr>
       <p:sp>
         <p:nvSpPr>
+          <p:cNvPr id="4098" name="Rectangle 1"/>
+          <p:cNvSpPr>
+            <a:spLocks noChangeArrowheads="1"/>
+          </p:cNvSpPr>
+          <p:nvPr/>
+        </p:nvSpPr>
+        <p:spPr bwMode="auto">
+          <a:xfrm>
+            <a:off x="457200" y="-4763"/>
+            <a:ext cx="8305800" cy="461963"/>
+          </a:xfrm>
+          <a:prstGeom prst="rect">
+            <a:avLst/>
+          </a:prstGeom>
+          <a:noFill/>
+          <a:ln>
+            <a:noFill/>
+          </a:ln>
+          <a:extLst>
+            <a:ext uri="{909E8E84-426E-40DD-AFC4-6F175D3DCCD1}">
+              <a14:hiddenFill xmlns:a14="http://schemas.microsoft.com/office/drawing/2010/main">
+                <a:solidFill>
+                  <a:srgbClr val="FFFFFF"/>
+                </a:solidFill>
+              </a14:hiddenFill>
+            </a:ext>
+            <a:ext uri="{91240B29-F687-4F45-9708-019B960494DF}">
+              <a14:hiddenLine xmlns:a14="http://schemas.microsoft.com/office/drawing/2010/main" w="9525">
+                <a:solidFill>
+                  <a:srgbClr val="000000"/>
+                </a:solidFill>
+                <a:miter lim="800000"/>
+                <a:headEnd/>
+                <a:tailEnd/>
+              </a14:hiddenLine>
+            </a:ext>
+          </a:extLst>
+        </p:spPr>
+        <p:txBody>
+          <a:bodyPr anchor="ctr">
+            <a:spAutoFit/>
+          </a:bodyPr>
+          <a:lstStyle/>
+          <a:p>
+            <a:pPr algn="ctr">
+              <a:tabLst>
+                <a:tab pos="457200" algn="l"/>
+              </a:tabLst>
+            </a:pPr>
+            <a:r>
+              <a:rPr lang="ru-RU" sz="2400" dirty="0">
+                <a:cs typeface="Times New Roman" pitchFamily="18" charset="0"/>
+              </a:rPr>
+              <a:t>Преобразование типов</a:t>
+            </a:r>
+            <a:r>
+              <a:rPr lang="ru-RU" sz="2400" dirty="0" smtClean="0">
+                <a:cs typeface="Times New Roman" pitchFamily="18" charset="0"/>
+              </a:rPr>
+              <a:t>. (</a:t>
+            </a:r>
+            <a:r>
+              <a:rPr lang="en-US" sz="2400" dirty="0" smtClean="0">
+                <a:cs typeface="Times New Roman" pitchFamily="18" charset="0"/>
+              </a:rPr>
+              <a:t>Parse/</a:t>
+            </a:r>
+            <a:r>
+              <a:rPr lang="en-US" sz="2400" dirty="0" err="1" smtClean="0">
+                <a:cs typeface="Times New Roman" pitchFamily="18" charset="0"/>
+              </a:rPr>
+              <a:t>TryParse</a:t>
+            </a:r>
+            <a:r>
+              <a:rPr lang="en-US" sz="2400" dirty="0" smtClean="0">
+                <a:cs typeface="Times New Roman" pitchFamily="18" charset="0"/>
+              </a:rPr>
+              <a:t>)</a:t>
+            </a:r>
+            <a:endParaRPr lang="en-US" sz="2400" dirty="0">
+              <a:cs typeface="Times New Roman" pitchFamily="18" charset="0"/>
+            </a:endParaRPr>
+          </a:p>
+        </p:txBody>
+      </p:sp>
+      <p:sp>
+        <p:nvSpPr>
+          <p:cNvPr id="4099" name="Rectangle 64"/>
+          <p:cNvSpPr>
+            <a:spLocks noChangeArrowheads="1"/>
+          </p:cNvSpPr>
+          <p:nvPr/>
+        </p:nvSpPr>
+        <p:spPr bwMode="auto">
+          <a:xfrm>
+            <a:off x="0" y="0"/>
+            <a:ext cx="9144000" cy="0"/>
+          </a:xfrm>
+          <a:prstGeom prst="rect">
+            <a:avLst/>
+          </a:prstGeom>
+          <a:noFill/>
+          <a:ln>
+            <a:noFill/>
+          </a:ln>
+          <a:extLst>
+            <a:ext uri="{909E8E84-426E-40DD-AFC4-6F175D3DCCD1}">
+              <a14:hiddenFill xmlns:a14="http://schemas.microsoft.com/office/drawing/2010/main">
+                <a:solidFill>
+                  <a:srgbClr val="FFFFFF"/>
+                </a:solidFill>
+              </a14:hiddenFill>
+            </a:ext>
+            <a:ext uri="{91240B29-F687-4F45-9708-019B960494DF}">
+              <a14:hiddenLine xmlns:a14="http://schemas.microsoft.com/office/drawing/2010/main" w="9525">
+                <a:solidFill>
+                  <a:srgbClr val="000000"/>
+                </a:solidFill>
+                <a:miter lim="800000"/>
+                <a:headEnd/>
+                <a:tailEnd/>
+              </a14:hiddenLine>
+            </a:ext>
+          </a:extLst>
+        </p:spPr>
+        <p:txBody>
+          <a:bodyPr wrap="none" anchor="ctr">
+            <a:spAutoFit/>
+          </a:bodyPr>
+          <a:lstStyle/>
+          <a:p>
+            <a:endParaRPr lang="be-BY"/>
+          </a:p>
+        </p:txBody>
+      </p:sp>
+      <p:sp>
+        <p:nvSpPr>
+          <p:cNvPr id="4100" name="TextBox 6"/>
+          <p:cNvSpPr txBox="1">
+            <a:spLocks noChangeArrowheads="1"/>
+          </p:cNvSpPr>
+          <p:nvPr/>
+        </p:nvSpPr>
+        <p:spPr bwMode="auto">
+          <a:xfrm>
+            <a:off x="0" y="533400"/>
+            <a:ext cx="9144000" cy="6032421"/>
+          </a:xfrm>
+          <a:prstGeom prst="rect">
+            <a:avLst/>
+          </a:prstGeom>
+          <a:noFill/>
+          <a:ln>
+            <a:noFill/>
+          </a:ln>
+          <a:extLst>
+            <a:ext uri="{909E8E84-426E-40DD-AFC4-6F175D3DCCD1}">
+              <a14:hiddenFill xmlns:a14="http://schemas.microsoft.com/office/drawing/2010/main">
+                <a:solidFill>
+                  <a:srgbClr val="FFFFFF"/>
+                </a:solidFill>
+              </a14:hiddenFill>
+            </a:ext>
+            <a:ext uri="{91240B29-F687-4F45-9708-019B960494DF}">
+              <a14:hiddenLine xmlns:a14="http://schemas.microsoft.com/office/drawing/2010/main" w="9525">
+                <a:solidFill>
+                  <a:srgbClr val="000000"/>
+                </a:solidFill>
+                <a:miter lim="800000"/>
+                <a:headEnd/>
+                <a:tailEnd/>
+              </a14:hiddenLine>
+            </a:ext>
+          </a:extLst>
+        </p:spPr>
+        <p:txBody>
+          <a:bodyPr>
+            <a:spAutoFit/>
+          </a:bodyPr>
+          <a:lstStyle>
+            <a:lvl1pPr defTabSz="358775" eaLnBrk="0" hangingPunct="0">
+              <a:defRPr>
+                <a:solidFill>
+                  <a:schemeClr val="tx1"/>
+                </a:solidFill>
+                <a:latin typeface="Arial" charset="0"/>
+              </a:defRPr>
+            </a:lvl1pPr>
+            <a:lvl2pPr marL="742950" indent="-285750" defTabSz="358775" eaLnBrk="0" hangingPunct="0">
+              <a:defRPr>
+                <a:solidFill>
+                  <a:schemeClr val="tx1"/>
+                </a:solidFill>
+                <a:latin typeface="Arial" charset="0"/>
+              </a:defRPr>
+            </a:lvl2pPr>
+            <a:lvl3pPr marL="1143000" indent="-228600" defTabSz="358775" eaLnBrk="0" hangingPunct="0">
+              <a:defRPr>
+                <a:solidFill>
+                  <a:schemeClr val="tx1"/>
+                </a:solidFill>
+                <a:latin typeface="Arial" charset="0"/>
+              </a:defRPr>
+            </a:lvl3pPr>
+            <a:lvl4pPr marL="1600200" indent="-228600" defTabSz="358775" eaLnBrk="0" hangingPunct="0">
+              <a:defRPr>
+                <a:solidFill>
+                  <a:schemeClr val="tx1"/>
+                </a:solidFill>
+                <a:latin typeface="Arial" charset="0"/>
+              </a:defRPr>
+            </a:lvl4pPr>
+            <a:lvl5pPr marL="2057400" indent="-228600" defTabSz="358775" eaLnBrk="0" hangingPunct="0">
+              <a:defRPr>
+                <a:solidFill>
+                  <a:schemeClr val="tx1"/>
+                </a:solidFill>
+                <a:latin typeface="Arial" charset="0"/>
+              </a:defRPr>
+            </a:lvl5pPr>
+            <a:lvl6pPr marL="2514600" indent="-228600" defTabSz="358775" eaLnBrk="0" fontAlgn="base" hangingPunct="0">
+              <a:spcBef>
+                <a:spcPct val="0"/>
+              </a:spcBef>
+              <a:spcAft>
+                <a:spcPct val="0"/>
+              </a:spcAft>
+              <a:defRPr>
+                <a:solidFill>
+                  <a:schemeClr val="tx1"/>
+                </a:solidFill>
+                <a:latin typeface="Arial" charset="0"/>
+              </a:defRPr>
+            </a:lvl6pPr>
+            <a:lvl7pPr marL="2971800" indent="-228600" defTabSz="358775" eaLnBrk="0" fontAlgn="base" hangingPunct="0">
+              <a:spcBef>
+                <a:spcPct val="0"/>
+              </a:spcBef>
+              <a:spcAft>
+                <a:spcPct val="0"/>
+              </a:spcAft>
+              <a:defRPr>
+                <a:solidFill>
+                  <a:schemeClr val="tx1"/>
+                </a:solidFill>
+                <a:latin typeface="Arial" charset="0"/>
+              </a:defRPr>
+            </a:lvl7pPr>
+            <a:lvl8pPr marL="3429000" indent="-228600" defTabSz="358775" eaLnBrk="0" fontAlgn="base" hangingPunct="0">
+              <a:spcBef>
+                <a:spcPct val="0"/>
+              </a:spcBef>
+              <a:spcAft>
+                <a:spcPct val="0"/>
+              </a:spcAft>
+              <a:defRPr>
+                <a:solidFill>
+                  <a:schemeClr val="tx1"/>
+                </a:solidFill>
+                <a:latin typeface="Arial" charset="0"/>
+              </a:defRPr>
+            </a:lvl8pPr>
+            <a:lvl9pPr marL="3886200" indent="-228600" defTabSz="358775" eaLnBrk="0" fontAlgn="base" hangingPunct="0">
+              <a:spcBef>
+                <a:spcPct val="0"/>
+              </a:spcBef>
+              <a:spcAft>
+                <a:spcPct val="0"/>
+              </a:spcAft>
+              <a:defRPr>
+                <a:solidFill>
+                  <a:schemeClr val="tx1"/>
+                </a:solidFill>
+                <a:latin typeface="Arial" charset="0"/>
+              </a:defRPr>
+            </a:lvl9pPr>
+          </a:lstStyle>
+          <a:p>
+            <a:pPr eaLnBrk="1" hangingPunct="1"/>
+            <a:r>
+              <a:rPr lang="ru-RU" sz="1600" dirty="0" smtClean="0"/>
+              <a:t>Многие стандартные типы предоставляют методы </a:t>
+            </a:r>
+            <a:r>
+              <a:rPr lang="en-US" sz="1600" dirty="0" smtClean="0"/>
+              <a:t>Parse/</a:t>
+            </a:r>
+            <a:r>
+              <a:rPr lang="en-US" sz="1600" dirty="0" err="1" smtClean="0"/>
+              <a:t>TryParse</a:t>
+            </a:r>
+            <a:r>
+              <a:rPr lang="en-US" sz="1600" dirty="0" smtClean="0"/>
+              <a:t> </a:t>
+            </a:r>
+            <a:r>
+              <a:rPr lang="ru-RU" sz="1600" dirty="0" smtClean="0"/>
+              <a:t>для преобразования строковых значений в свой тип.</a:t>
+            </a:r>
+            <a:r>
+              <a:rPr lang="en-US" sz="1600" dirty="0" smtClean="0"/>
+              <a:t> </a:t>
+            </a:r>
+            <a:r>
+              <a:rPr lang="ru-RU" sz="1600" dirty="0" smtClean="0"/>
+              <a:t>Если мы ожидаем что строка содержит неправильное значение и хотим избежать возбуждения исключительной ситуации, то можем использовать метод </a:t>
+            </a:r>
+            <a:r>
+              <a:rPr lang="en-US" sz="1600" dirty="0" err="1" smtClean="0"/>
+              <a:t>TryParse</a:t>
+            </a:r>
+            <a:r>
+              <a:rPr lang="en-US" sz="1600" dirty="0" smtClean="0"/>
+              <a:t>.</a:t>
+            </a:r>
+          </a:p>
+          <a:p>
+            <a:pPr eaLnBrk="1" hangingPunct="1"/>
+            <a:endParaRPr lang="en-US" sz="1600" dirty="0"/>
+          </a:p>
+          <a:p>
+            <a:pPr eaLnBrk="1" hangingPunct="1"/>
+            <a:r>
+              <a:rPr lang="en-US" sz="1400" dirty="0" smtClean="0">
+                <a:latin typeface="Courier New" pitchFamily="49" charset="0"/>
+                <a:cs typeface="Courier New" pitchFamily="49" charset="0"/>
+              </a:rPr>
+              <a:t>string </a:t>
+            </a:r>
+            <a:r>
+              <a:rPr lang="en-US" sz="1400" dirty="0" err="1" smtClean="0">
+                <a:latin typeface="Courier New" pitchFamily="49" charset="0"/>
+                <a:cs typeface="Courier New" pitchFamily="49" charset="0"/>
+              </a:rPr>
+              <a:t>numStr</a:t>
+            </a:r>
+            <a:r>
+              <a:rPr lang="en-US" sz="1400" dirty="0" smtClean="0">
+                <a:latin typeface="Courier New" pitchFamily="49" charset="0"/>
+                <a:cs typeface="Courier New" pitchFamily="49" charset="0"/>
+              </a:rPr>
+              <a:t> = "4567";</a:t>
+            </a:r>
+          </a:p>
+          <a:p>
+            <a:pPr eaLnBrk="1" hangingPunct="1"/>
+            <a:r>
+              <a:rPr lang="en-US" sz="1400" dirty="0" err="1" smtClean="0">
+                <a:latin typeface="Courier New" pitchFamily="49" charset="0"/>
+                <a:cs typeface="Courier New" pitchFamily="49" charset="0"/>
+              </a:rPr>
+              <a:t>int</a:t>
+            </a:r>
+            <a:r>
+              <a:rPr lang="en-US" sz="1400" dirty="0" smtClean="0">
+                <a:latin typeface="Courier New" pitchFamily="49" charset="0"/>
+                <a:cs typeface="Courier New" pitchFamily="49" charset="0"/>
+              </a:rPr>
+              <a:t> </a:t>
+            </a:r>
+            <a:r>
+              <a:rPr lang="en-US" sz="1400" dirty="0" err="1" smtClean="0">
+                <a:latin typeface="Courier New" pitchFamily="49" charset="0"/>
+                <a:cs typeface="Courier New" pitchFamily="49" charset="0"/>
+              </a:rPr>
+              <a:t>num</a:t>
+            </a:r>
+            <a:r>
+              <a:rPr lang="en-US" sz="1400" dirty="0" smtClean="0">
+                <a:latin typeface="Courier New" pitchFamily="49" charset="0"/>
+                <a:cs typeface="Courier New" pitchFamily="49" charset="0"/>
+              </a:rPr>
+              <a:t> = </a:t>
+            </a:r>
+            <a:r>
+              <a:rPr lang="en-US" sz="1400" dirty="0" err="1" smtClean="0">
+                <a:latin typeface="Courier New" pitchFamily="49" charset="0"/>
+                <a:cs typeface="Courier New" pitchFamily="49" charset="0"/>
+              </a:rPr>
+              <a:t>int.Parse</a:t>
+            </a:r>
+            <a:r>
+              <a:rPr lang="en-US" sz="1400" dirty="0" smtClean="0">
+                <a:latin typeface="Courier New" pitchFamily="49" charset="0"/>
+                <a:cs typeface="Courier New" pitchFamily="49" charset="0"/>
+              </a:rPr>
+              <a:t>(</a:t>
+            </a:r>
+            <a:r>
+              <a:rPr lang="en-US" sz="1400" dirty="0" err="1" smtClean="0">
+                <a:latin typeface="Courier New" pitchFamily="49" charset="0"/>
+                <a:cs typeface="Courier New" pitchFamily="49" charset="0"/>
+              </a:rPr>
+              <a:t>numStr</a:t>
+            </a:r>
+            <a:r>
+              <a:rPr lang="en-US" sz="1400" dirty="0" smtClean="0">
+                <a:latin typeface="Courier New" pitchFamily="49" charset="0"/>
+                <a:cs typeface="Courier New" pitchFamily="49" charset="0"/>
+              </a:rPr>
+              <a:t>);</a:t>
+            </a:r>
+          </a:p>
+          <a:p>
+            <a:pPr eaLnBrk="1" hangingPunct="1"/>
+            <a:endParaRPr lang="en-US" sz="1400" dirty="0" smtClean="0">
+              <a:latin typeface="Courier New" pitchFamily="49" charset="0"/>
+              <a:cs typeface="Courier New" pitchFamily="49" charset="0"/>
+            </a:endParaRPr>
+          </a:p>
+          <a:p>
+            <a:pPr eaLnBrk="1" hangingPunct="1"/>
+            <a:r>
+              <a:rPr lang="en-US" sz="1400" dirty="0" err="1" smtClean="0">
+                <a:latin typeface="Courier New" pitchFamily="49" charset="0"/>
+                <a:cs typeface="Courier New" pitchFamily="49" charset="0"/>
+              </a:rPr>
+              <a:t>int</a:t>
+            </a:r>
+            <a:r>
+              <a:rPr lang="en-US" sz="1400" dirty="0" smtClean="0">
+                <a:latin typeface="Courier New" pitchFamily="49" charset="0"/>
+                <a:cs typeface="Courier New" pitchFamily="49" charset="0"/>
+              </a:rPr>
+              <a:t> result; string </a:t>
+            </a:r>
+            <a:r>
+              <a:rPr lang="en-US" sz="1400" dirty="0" err="1" smtClean="0">
+                <a:latin typeface="Courier New" pitchFamily="49" charset="0"/>
+                <a:cs typeface="Courier New" pitchFamily="49" charset="0"/>
+              </a:rPr>
+              <a:t>badStr</a:t>
+            </a:r>
+            <a:r>
+              <a:rPr lang="en-US" sz="1400" dirty="0" smtClean="0">
+                <a:latin typeface="Courier New" pitchFamily="49" charset="0"/>
+                <a:cs typeface="Courier New" pitchFamily="49" charset="0"/>
+              </a:rPr>
+              <a:t> = "</a:t>
+            </a:r>
+            <a:r>
+              <a:rPr lang="en-US" sz="1400" dirty="0" err="1" smtClean="0">
+                <a:latin typeface="Courier New" pitchFamily="49" charset="0"/>
+                <a:cs typeface="Courier New" pitchFamily="49" charset="0"/>
+              </a:rPr>
+              <a:t>fgfdfsd</a:t>
+            </a:r>
+            <a:r>
+              <a:rPr lang="en-US" sz="1400" dirty="0" smtClean="0">
+                <a:latin typeface="Courier New" pitchFamily="49" charset="0"/>
+                <a:cs typeface="Courier New" pitchFamily="49" charset="0"/>
+              </a:rPr>
+              <a:t>":</a:t>
+            </a:r>
+          </a:p>
+          <a:p>
+            <a:pPr eaLnBrk="1" hangingPunct="1"/>
+            <a:r>
+              <a:rPr lang="en-US" sz="1400" dirty="0" smtClean="0">
+                <a:latin typeface="Courier New" pitchFamily="49" charset="0"/>
+                <a:cs typeface="Courier New" pitchFamily="49" charset="0"/>
+              </a:rPr>
+              <a:t>if (</a:t>
+            </a:r>
+            <a:r>
+              <a:rPr lang="en-US" sz="1400" dirty="0" err="1" smtClean="0">
+                <a:latin typeface="Courier New" pitchFamily="49" charset="0"/>
+                <a:cs typeface="Courier New" pitchFamily="49" charset="0"/>
+              </a:rPr>
+              <a:t>int.TryParse</a:t>
+            </a:r>
+            <a:r>
+              <a:rPr lang="en-US" sz="1400" dirty="0" smtClean="0">
+                <a:latin typeface="Courier New" pitchFamily="49" charset="0"/>
+                <a:cs typeface="Courier New" pitchFamily="49" charset="0"/>
+              </a:rPr>
+              <a:t>(</a:t>
+            </a:r>
+            <a:r>
+              <a:rPr lang="en-US" sz="1400" dirty="0" err="1">
+                <a:latin typeface="Courier New" pitchFamily="49" charset="0"/>
+                <a:cs typeface="Courier New" pitchFamily="49" charset="0"/>
+              </a:rPr>
+              <a:t>badStr</a:t>
+            </a:r>
+            <a:r>
+              <a:rPr lang="en-US" sz="1400" dirty="0" smtClean="0">
+                <a:latin typeface="Courier New" pitchFamily="49" charset="0"/>
+                <a:cs typeface="Courier New" pitchFamily="49" charset="0"/>
+              </a:rPr>
+              <a:t>, out</a:t>
+            </a:r>
+            <a:r>
+              <a:rPr lang="en-US" sz="1400" dirty="0">
+                <a:latin typeface="Courier New" pitchFamily="49" charset="0"/>
+                <a:cs typeface="Courier New" pitchFamily="49" charset="0"/>
+              </a:rPr>
+              <a:t> result</a:t>
+            </a:r>
+            <a:r>
+              <a:rPr lang="en-US" sz="1400" dirty="0" smtClean="0">
+                <a:latin typeface="Courier New" pitchFamily="49" charset="0"/>
+                <a:cs typeface="Courier New" pitchFamily="49" charset="0"/>
+              </a:rPr>
+              <a:t>)) {</a:t>
+            </a:r>
+          </a:p>
+          <a:p>
+            <a:pPr eaLnBrk="1" hangingPunct="1"/>
+            <a:r>
+              <a:rPr lang="en-US" sz="1400" dirty="0" smtClean="0">
+                <a:latin typeface="Courier New" pitchFamily="49" charset="0"/>
+                <a:cs typeface="Courier New" pitchFamily="49" charset="0"/>
+              </a:rPr>
+              <a:t>    // </a:t>
+            </a:r>
+            <a:r>
+              <a:rPr lang="ru-RU" sz="1400" dirty="0" smtClean="0">
+                <a:latin typeface="Courier New" pitchFamily="49" charset="0"/>
+                <a:cs typeface="Courier New" pitchFamily="49" charset="0"/>
+              </a:rPr>
+              <a:t>Строка успешно преобразована в число</a:t>
+            </a:r>
+            <a:endParaRPr lang="en-US" sz="1400" dirty="0" smtClean="0">
+              <a:latin typeface="Courier New" pitchFamily="49" charset="0"/>
+              <a:cs typeface="Courier New" pitchFamily="49" charset="0"/>
+            </a:endParaRPr>
+          </a:p>
+          <a:p>
+            <a:pPr eaLnBrk="1" hangingPunct="1"/>
+            <a:r>
+              <a:rPr lang="en-US" sz="1400" dirty="0">
+                <a:latin typeface="Courier New" pitchFamily="49" charset="0"/>
+                <a:cs typeface="Courier New" pitchFamily="49" charset="0"/>
+              </a:rPr>
+              <a:t>}</a:t>
+            </a:r>
+            <a:endParaRPr lang="en-US" sz="1400" dirty="0" smtClean="0">
+              <a:latin typeface="Courier New" pitchFamily="49" charset="0"/>
+              <a:cs typeface="Courier New" pitchFamily="49" charset="0"/>
+            </a:endParaRPr>
+          </a:p>
+          <a:p>
+            <a:pPr eaLnBrk="1" hangingPunct="1"/>
+            <a:endParaRPr lang="en-US" sz="1600" dirty="0"/>
+          </a:p>
+          <a:p>
+            <a:pPr eaLnBrk="1" hangingPunct="1"/>
+            <a:r>
+              <a:rPr lang="ru-RU" sz="1600" dirty="0" smtClean="0"/>
+              <a:t>Методы </a:t>
+            </a:r>
+            <a:r>
+              <a:rPr lang="en-US" sz="1600" dirty="0" smtClean="0"/>
+              <a:t>Parse/</a:t>
+            </a:r>
+            <a:r>
+              <a:rPr lang="en-US" sz="1600" dirty="0" err="1" smtClean="0"/>
+              <a:t>TryParse</a:t>
+            </a:r>
+            <a:r>
+              <a:rPr lang="en-US" sz="1600" dirty="0" smtClean="0"/>
+              <a:t> </a:t>
+            </a:r>
+            <a:r>
+              <a:rPr lang="ru-RU" sz="1600" dirty="0" smtClean="0"/>
+              <a:t>обычно дают возможность указать дополнительные параметры преобразования.</a:t>
+            </a:r>
+          </a:p>
+          <a:p>
+            <a:pPr eaLnBrk="1" hangingPunct="1"/>
+            <a:endParaRPr lang="ru-RU" sz="1600" dirty="0"/>
+          </a:p>
+          <a:p>
+            <a:pPr eaLnBrk="1" hangingPunct="1"/>
+            <a:r>
+              <a:rPr lang="en-US" sz="1400" dirty="0" smtClean="0">
+                <a:latin typeface="Courier New" pitchFamily="49" charset="0"/>
+                <a:cs typeface="Courier New" pitchFamily="49" charset="0"/>
+              </a:rPr>
+              <a:t>string </a:t>
+            </a:r>
+            <a:r>
+              <a:rPr lang="en-US" sz="1400" dirty="0" err="1" smtClean="0">
+                <a:latin typeface="Courier New" pitchFamily="49" charset="0"/>
+                <a:cs typeface="Courier New" pitchFamily="49" charset="0"/>
+              </a:rPr>
+              <a:t>hexStr</a:t>
+            </a:r>
+            <a:r>
+              <a:rPr lang="en-US" sz="1400" dirty="0" smtClean="0">
+                <a:latin typeface="Courier New" pitchFamily="49" charset="0"/>
+                <a:cs typeface="Courier New" pitchFamily="49" charset="0"/>
+              </a:rPr>
+              <a:t> = "12FA";</a:t>
+            </a:r>
+          </a:p>
+          <a:p>
+            <a:pPr eaLnBrk="1" hangingPunct="1"/>
+            <a:r>
+              <a:rPr lang="en-US" sz="1400" dirty="0" err="1" smtClean="0">
+                <a:latin typeface="Courier New" pitchFamily="49" charset="0"/>
+                <a:cs typeface="Courier New" pitchFamily="49" charset="0"/>
+              </a:rPr>
+              <a:t>int</a:t>
+            </a:r>
+            <a:r>
+              <a:rPr lang="en-US" sz="1400" dirty="0" smtClean="0">
+                <a:latin typeface="Courier New" pitchFamily="49" charset="0"/>
+                <a:cs typeface="Courier New" pitchFamily="49" charset="0"/>
+              </a:rPr>
+              <a:t> </a:t>
+            </a:r>
+            <a:r>
+              <a:rPr lang="en-US" sz="1400" dirty="0" err="1" smtClean="0">
+                <a:latin typeface="Courier New" pitchFamily="49" charset="0"/>
+                <a:cs typeface="Courier New" pitchFamily="49" charset="0"/>
+              </a:rPr>
+              <a:t>someNumber</a:t>
+            </a:r>
+            <a:r>
+              <a:rPr lang="en-US" sz="1400" dirty="0" smtClean="0">
+                <a:latin typeface="Courier New" pitchFamily="49" charset="0"/>
+                <a:cs typeface="Courier New" pitchFamily="49" charset="0"/>
+              </a:rPr>
+              <a:t> = </a:t>
+            </a:r>
+            <a:r>
+              <a:rPr lang="en-US" sz="1400" dirty="0" err="1" smtClean="0">
+                <a:latin typeface="Courier New" pitchFamily="49" charset="0"/>
+                <a:cs typeface="Courier New" pitchFamily="49" charset="0"/>
+              </a:rPr>
+              <a:t>int.Parse</a:t>
+            </a:r>
+            <a:r>
+              <a:rPr lang="en-US" sz="1400" dirty="0" smtClean="0">
+                <a:latin typeface="Courier New" pitchFamily="49" charset="0"/>
+                <a:cs typeface="Courier New" pitchFamily="49" charset="0"/>
+              </a:rPr>
+              <a:t>(</a:t>
+            </a:r>
+            <a:r>
+              <a:rPr lang="en-US" sz="1400" dirty="0" err="1" smtClean="0">
+                <a:latin typeface="Courier New" pitchFamily="49" charset="0"/>
+                <a:cs typeface="Courier New" pitchFamily="49" charset="0"/>
+              </a:rPr>
+              <a:t>hexStr</a:t>
+            </a:r>
+            <a:r>
+              <a:rPr lang="en-US" sz="1400" dirty="0">
+                <a:latin typeface="Courier New" pitchFamily="49" charset="0"/>
+                <a:cs typeface="Courier New" pitchFamily="49" charset="0"/>
+              </a:rPr>
+              <a:t> , </a:t>
+            </a:r>
+            <a:r>
+              <a:rPr lang="en-US" sz="1400" dirty="0" err="1">
+                <a:latin typeface="Courier New" pitchFamily="49" charset="0"/>
+                <a:cs typeface="Courier New" pitchFamily="49" charset="0"/>
+              </a:rPr>
+              <a:t>NumberStyles.HexNumber</a:t>
+            </a:r>
+            <a:r>
+              <a:rPr lang="en-US" sz="1400" dirty="0">
+                <a:latin typeface="Courier New" pitchFamily="49" charset="0"/>
+                <a:cs typeface="Courier New" pitchFamily="49" charset="0"/>
+              </a:rPr>
+              <a:t>);</a:t>
+            </a:r>
+            <a:r>
+              <a:rPr lang="en-US" sz="1400" dirty="0" smtClean="0">
+                <a:latin typeface="Courier New" pitchFamily="49" charset="0"/>
+                <a:cs typeface="Courier New" pitchFamily="49" charset="0"/>
+              </a:rPr>
+              <a:t> // </a:t>
+            </a:r>
+            <a:r>
+              <a:rPr lang="en-US" sz="1400" dirty="0">
+                <a:latin typeface="Courier New" pitchFamily="49" charset="0"/>
+                <a:cs typeface="Courier New" pitchFamily="49" charset="0"/>
+              </a:rPr>
+              <a:t>4858</a:t>
+            </a:r>
+          </a:p>
+          <a:p>
+            <a:pPr eaLnBrk="1" hangingPunct="1"/>
+            <a:endParaRPr lang="en-US" sz="1600" b="1" dirty="0" smtClean="0"/>
+          </a:p>
+          <a:p>
+            <a:pPr eaLnBrk="1" hangingPunct="1"/>
+            <a:r>
+              <a:rPr lang="ru-RU" sz="1600" dirty="0" smtClean="0"/>
+              <a:t>В случае когда мы имеем дело с данными вид которых меняется от локализации нужно явно указывать необходимую культуру. Примерами таких данных являются числа с плавающей точкой и дата/время.</a:t>
+            </a:r>
+          </a:p>
+          <a:p>
+            <a:pPr eaLnBrk="1" hangingPunct="1"/>
+            <a:endParaRPr lang="ru-RU" sz="1600" dirty="0"/>
+          </a:p>
+          <a:p>
+            <a:r>
+              <a:rPr lang="en-US" sz="1400" dirty="0">
+                <a:latin typeface="Courier New" pitchFamily="49" charset="0"/>
+                <a:cs typeface="Courier New" pitchFamily="49" charset="0"/>
+              </a:rPr>
+              <a:t>string </a:t>
+            </a:r>
+            <a:r>
+              <a:rPr lang="en-US" sz="1400" dirty="0" err="1">
+                <a:latin typeface="Courier New" pitchFamily="49" charset="0"/>
+                <a:cs typeface="Courier New" pitchFamily="49" charset="0"/>
+              </a:rPr>
+              <a:t>doubleStr</a:t>
+            </a:r>
+            <a:r>
+              <a:rPr lang="en-US" sz="1400" dirty="0">
+                <a:latin typeface="Courier New" pitchFamily="49" charset="0"/>
+                <a:cs typeface="Courier New" pitchFamily="49" charset="0"/>
+              </a:rPr>
+              <a:t> = "45,56";</a:t>
+            </a:r>
+          </a:p>
+          <a:p>
+            <a:r>
+              <a:rPr lang="fr-FR" sz="1400" dirty="0">
+                <a:latin typeface="Courier New" pitchFamily="49" charset="0"/>
+                <a:cs typeface="Courier New" pitchFamily="49" charset="0"/>
+              </a:rPr>
+              <a:t>double d = </a:t>
+            </a:r>
+            <a:r>
+              <a:rPr lang="fr-FR" sz="1400" dirty="0" err="1">
+                <a:latin typeface="Courier New" pitchFamily="49" charset="0"/>
+                <a:cs typeface="Courier New" pitchFamily="49" charset="0"/>
+              </a:rPr>
+              <a:t>double.Parse</a:t>
+            </a:r>
+            <a:r>
+              <a:rPr lang="fr-FR" sz="1400" dirty="0">
+                <a:latin typeface="Courier New" pitchFamily="49" charset="0"/>
+                <a:cs typeface="Courier New" pitchFamily="49" charset="0"/>
+              </a:rPr>
+              <a:t>(</a:t>
+            </a:r>
+            <a:r>
+              <a:rPr lang="fr-FR" sz="1400" dirty="0" err="1">
+                <a:latin typeface="Courier New" pitchFamily="49" charset="0"/>
+                <a:cs typeface="Courier New" pitchFamily="49" charset="0"/>
+              </a:rPr>
+              <a:t>doubleStr</a:t>
+            </a:r>
+            <a:r>
+              <a:rPr lang="fr-FR" sz="1400" dirty="0">
+                <a:latin typeface="Courier New" pitchFamily="49" charset="0"/>
+                <a:cs typeface="Courier New" pitchFamily="49" charset="0"/>
+              </a:rPr>
+              <a:t>, new </a:t>
+            </a:r>
+            <a:r>
+              <a:rPr lang="fr-FR" sz="1400" dirty="0" err="1">
+                <a:latin typeface="Courier New" pitchFamily="49" charset="0"/>
+                <a:cs typeface="Courier New" pitchFamily="49" charset="0"/>
+              </a:rPr>
+              <a:t>CultureInfo</a:t>
+            </a:r>
+            <a:r>
+              <a:rPr lang="fr-FR" sz="1400" dirty="0">
+                <a:latin typeface="Courier New" pitchFamily="49" charset="0"/>
+                <a:cs typeface="Courier New" pitchFamily="49" charset="0"/>
+              </a:rPr>
+              <a:t>("ru-RU"));</a:t>
+            </a:r>
+            <a:endParaRPr lang="en-US" sz="1400" dirty="0">
+              <a:latin typeface="Courier New" pitchFamily="49" charset="0"/>
+              <a:cs typeface="Courier New" pitchFamily="49" charset="0"/>
+            </a:endParaRPr>
+          </a:p>
+        </p:txBody>
+      </p:sp>
+    </p:spTree>
+    <p:extLst>
+      <p:ext uri="{BB962C8B-B14F-4D97-AF65-F5344CB8AC3E}">
+        <p14:creationId xmlns:p14="http://schemas.microsoft.com/office/powerpoint/2010/main" val="2019026088"/>
+      </p:ext>
+    </p:extLst>
+  </p:cSld>
+  <p:clrMapOvr>
+    <a:masterClrMapping/>
+  </p:clrMapOvr>
+  <p:timing>
+    <p:tnLst>
+      <p:par>
+        <p:cTn id="1" dur="indefinite" restart="never" nodeType="tmRoot"/>
+      </p:par>
+    </p:tnLst>
+  </p:timing>
+</p:sld>
+</file>
+
+<file path=ppt/slides/slide6.xml><?xml version="1.0" encoding="utf-8"?>
+<p:sld xmlns:a="http://schemas.openxmlformats.org/drawingml/2006/main" xmlns:r="http://schemas.openxmlformats.org/officeDocument/2006/relationships" xmlns:p="http://schemas.openxmlformats.org/presentationml/2006/main">
+  <p:cSld>
+    <p:bg>
+      <p:bgPr>
+        <a:blipFill dpi="0" rotWithShape="1">
+          <a:blip r:embed="rId2">
+            <a:lum/>
+          </a:blip>
+          <a:srcRect/>
+          <a:stretch>
+            <a:fillRect/>
+          </a:stretch>
+        </a:blipFill>
+        <a:effectLst/>
+      </p:bgPr>
+    </p:bg>
+    <p:spTree>
+      <p:nvGrpSpPr>
+        <p:cNvPr id="1" name=""/>
+        <p:cNvGrpSpPr/>
+        <p:nvPr/>
+      </p:nvGrpSpPr>
+      <p:grpSpPr>
+        <a:xfrm>
+          <a:off x="0" y="0"/>
+          <a:ext cx="0" cy="0"/>
+          <a:chOff x="0" y="0"/>
+          <a:chExt cx="0" cy="0"/>
+        </a:xfrm>
+      </p:grpSpPr>
+      <p:sp>
+        <p:nvSpPr>
+          <p:cNvPr id="4098" name="Rectangle 1"/>
+          <p:cNvSpPr>
+            <a:spLocks noChangeArrowheads="1"/>
+          </p:cNvSpPr>
+          <p:nvPr/>
+        </p:nvSpPr>
+        <p:spPr bwMode="auto">
+          <a:xfrm>
+            <a:off x="457200" y="-4763"/>
+            <a:ext cx="8305800" cy="461963"/>
+          </a:xfrm>
+          <a:prstGeom prst="rect">
+            <a:avLst/>
+          </a:prstGeom>
+          <a:noFill/>
+          <a:ln>
+            <a:noFill/>
+          </a:ln>
+          <a:extLst>
+            <a:ext uri="{909E8E84-426E-40DD-AFC4-6F175D3DCCD1}">
+              <a14:hiddenFill xmlns:a14="http://schemas.microsoft.com/office/drawing/2010/main">
+                <a:solidFill>
+                  <a:srgbClr val="FFFFFF"/>
+                </a:solidFill>
+              </a14:hiddenFill>
+            </a:ext>
+            <a:ext uri="{91240B29-F687-4F45-9708-019B960494DF}">
+              <a14:hiddenLine xmlns:a14="http://schemas.microsoft.com/office/drawing/2010/main" w="9525">
+                <a:solidFill>
+                  <a:srgbClr val="000000"/>
+                </a:solidFill>
+                <a:miter lim="800000"/>
+                <a:headEnd/>
+                <a:tailEnd/>
+              </a14:hiddenLine>
+            </a:ext>
+          </a:extLst>
+        </p:spPr>
+        <p:txBody>
+          <a:bodyPr anchor="ctr">
+            <a:spAutoFit/>
+          </a:bodyPr>
+          <a:lstStyle/>
+          <a:p>
+            <a:pPr algn="ctr">
+              <a:tabLst>
+                <a:tab pos="457200" algn="l"/>
+              </a:tabLst>
+            </a:pPr>
+            <a:r>
+              <a:rPr lang="ru-RU" sz="2400" dirty="0">
+                <a:cs typeface="Times New Roman" pitchFamily="18" charset="0"/>
+              </a:rPr>
+              <a:t>Преобразование типов</a:t>
+            </a:r>
+            <a:r>
+              <a:rPr lang="ru-RU" sz="2400" dirty="0" smtClean="0">
+                <a:cs typeface="Times New Roman" pitchFamily="18" charset="0"/>
+              </a:rPr>
+              <a:t>. (</a:t>
+            </a:r>
+            <a:r>
+              <a:rPr lang="ru-RU" sz="2400" dirty="0" smtClean="0">
+                <a:cs typeface="Times New Roman" pitchFamily="18" charset="0"/>
+              </a:rPr>
+              <a:t>класс </a:t>
+            </a:r>
+            <a:r>
+              <a:rPr lang="en-US" sz="2400" dirty="0" err="1" smtClean="0">
+                <a:cs typeface="Times New Roman" pitchFamily="18" charset="0"/>
+              </a:rPr>
+              <a:t>System.Convert</a:t>
+            </a:r>
+            <a:r>
+              <a:rPr lang="en-US" sz="2400" dirty="0" smtClean="0">
+                <a:cs typeface="Times New Roman" pitchFamily="18" charset="0"/>
+              </a:rPr>
+              <a:t>)</a:t>
+            </a:r>
+            <a:endParaRPr lang="en-US" sz="2400" dirty="0">
+              <a:cs typeface="Times New Roman" pitchFamily="18" charset="0"/>
+            </a:endParaRPr>
+          </a:p>
+        </p:txBody>
+      </p:sp>
+      <p:sp>
+        <p:nvSpPr>
+          <p:cNvPr id="4099" name="Rectangle 64"/>
+          <p:cNvSpPr>
+            <a:spLocks noChangeArrowheads="1"/>
+          </p:cNvSpPr>
+          <p:nvPr/>
+        </p:nvSpPr>
+        <p:spPr bwMode="auto">
+          <a:xfrm>
+            <a:off x="0" y="0"/>
+            <a:ext cx="9144000" cy="0"/>
+          </a:xfrm>
+          <a:prstGeom prst="rect">
+            <a:avLst/>
+          </a:prstGeom>
+          <a:noFill/>
+          <a:ln>
+            <a:noFill/>
+          </a:ln>
+          <a:extLst>
+            <a:ext uri="{909E8E84-426E-40DD-AFC4-6F175D3DCCD1}">
+              <a14:hiddenFill xmlns:a14="http://schemas.microsoft.com/office/drawing/2010/main">
+                <a:solidFill>
+                  <a:srgbClr val="FFFFFF"/>
+                </a:solidFill>
+              </a14:hiddenFill>
+            </a:ext>
+            <a:ext uri="{91240B29-F687-4F45-9708-019B960494DF}">
+              <a14:hiddenLine xmlns:a14="http://schemas.microsoft.com/office/drawing/2010/main" w="9525">
+                <a:solidFill>
+                  <a:srgbClr val="000000"/>
+                </a:solidFill>
+                <a:miter lim="800000"/>
+                <a:headEnd/>
+                <a:tailEnd/>
+              </a14:hiddenLine>
+            </a:ext>
+          </a:extLst>
+        </p:spPr>
+        <p:txBody>
+          <a:bodyPr wrap="none" anchor="ctr">
+            <a:spAutoFit/>
+          </a:bodyPr>
+          <a:lstStyle/>
+          <a:p>
+            <a:endParaRPr lang="be-BY"/>
+          </a:p>
+        </p:txBody>
+      </p:sp>
+      <p:sp>
+        <p:nvSpPr>
+          <p:cNvPr id="4100" name="TextBox 6"/>
+          <p:cNvSpPr txBox="1">
+            <a:spLocks noChangeArrowheads="1"/>
+          </p:cNvSpPr>
+          <p:nvPr/>
+        </p:nvSpPr>
+        <p:spPr bwMode="auto">
+          <a:xfrm>
+            <a:off x="0" y="533400"/>
+            <a:ext cx="9144000" cy="1077218"/>
+          </a:xfrm>
+          <a:prstGeom prst="rect">
+            <a:avLst/>
+          </a:prstGeom>
+          <a:noFill/>
+          <a:ln>
+            <a:noFill/>
+          </a:ln>
+          <a:extLst>
+            <a:ext uri="{909E8E84-426E-40DD-AFC4-6F175D3DCCD1}">
+              <a14:hiddenFill xmlns:a14="http://schemas.microsoft.com/office/drawing/2010/main">
+                <a:solidFill>
+                  <a:srgbClr val="FFFFFF"/>
+                </a:solidFill>
+              </a14:hiddenFill>
+            </a:ext>
+            <a:ext uri="{91240B29-F687-4F45-9708-019B960494DF}">
+              <a14:hiddenLine xmlns:a14="http://schemas.microsoft.com/office/drawing/2010/main" w="9525">
+                <a:solidFill>
+                  <a:srgbClr val="000000"/>
+                </a:solidFill>
+                <a:miter lim="800000"/>
+                <a:headEnd/>
+                <a:tailEnd/>
+              </a14:hiddenLine>
+            </a:ext>
+          </a:extLst>
+        </p:spPr>
+        <p:txBody>
+          <a:bodyPr>
+            <a:spAutoFit/>
+          </a:bodyPr>
+          <a:lstStyle>
+            <a:lvl1pPr defTabSz="358775" eaLnBrk="0" hangingPunct="0">
+              <a:defRPr>
+                <a:solidFill>
+                  <a:schemeClr val="tx1"/>
+                </a:solidFill>
+                <a:latin typeface="Arial" charset="0"/>
+              </a:defRPr>
+            </a:lvl1pPr>
+            <a:lvl2pPr marL="742950" indent="-285750" defTabSz="358775" eaLnBrk="0" hangingPunct="0">
+              <a:defRPr>
+                <a:solidFill>
+                  <a:schemeClr val="tx1"/>
+                </a:solidFill>
+                <a:latin typeface="Arial" charset="0"/>
+              </a:defRPr>
+            </a:lvl2pPr>
+            <a:lvl3pPr marL="1143000" indent="-228600" defTabSz="358775" eaLnBrk="0" hangingPunct="0">
+              <a:defRPr>
+                <a:solidFill>
+                  <a:schemeClr val="tx1"/>
+                </a:solidFill>
+                <a:latin typeface="Arial" charset="0"/>
+              </a:defRPr>
+            </a:lvl3pPr>
+            <a:lvl4pPr marL="1600200" indent="-228600" defTabSz="358775" eaLnBrk="0" hangingPunct="0">
+              <a:defRPr>
+                <a:solidFill>
+                  <a:schemeClr val="tx1"/>
+                </a:solidFill>
+                <a:latin typeface="Arial" charset="0"/>
+              </a:defRPr>
+            </a:lvl4pPr>
+            <a:lvl5pPr marL="2057400" indent="-228600" defTabSz="358775" eaLnBrk="0" hangingPunct="0">
+              <a:defRPr>
+                <a:solidFill>
+                  <a:schemeClr val="tx1"/>
+                </a:solidFill>
+                <a:latin typeface="Arial" charset="0"/>
+              </a:defRPr>
+            </a:lvl5pPr>
+            <a:lvl6pPr marL="2514600" indent="-228600" defTabSz="358775" eaLnBrk="0" fontAlgn="base" hangingPunct="0">
+              <a:spcBef>
+                <a:spcPct val="0"/>
+              </a:spcBef>
+              <a:spcAft>
+                <a:spcPct val="0"/>
+              </a:spcAft>
+              <a:defRPr>
+                <a:solidFill>
+                  <a:schemeClr val="tx1"/>
+                </a:solidFill>
+                <a:latin typeface="Arial" charset="0"/>
+              </a:defRPr>
+            </a:lvl6pPr>
+            <a:lvl7pPr marL="2971800" indent="-228600" defTabSz="358775" eaLnBrk="0" fontAlgn="base" hangingPunct="0">
+              <a:spcBef>
+                <a:spcPct val="0"/>
+              </a:spcBef>
+              <a:spcAft>
+                <a:spcPct val="0"/>
+              </a:spcAft>
+              <a:defRPr>
+                <a:solidFill>
+                  <a:schemeClr val="tx1"/>
+                </a:solidFill>
+                <a:latin typeface="Arial" charset="0"/>
+              </a:defRPr>
+            </a:lvl7pPr>
+            <a:lvl8pPr marL="3429000" indent="-228600" defTabSz="358775" eaLnBrk="0" fontAlgn="base" hangingPunct="0">
+              <a:spcBef>
+                <a:spcPct val="0"/>
+              </a:spcBef>
+              <a:spcAft>
+                <a:spcPct val="0"/>
+              </a:spcAft>
+              <a:defRPr>
+                <a:solidFill>
+                  <a:schemeClr val="tx1"/>
+                </a:solidFill>
+                <a:latin typeface="Arial" charset="0"/>
+              </a:defRPr>
+            </a:lvl8pPr>
+            <a:lvl9pPr marL="3886200" indent="-228600" defTabSz="358775" eaLnBrk="0" fontAlgn="base" hangingPunct="0">
+              <a:spcBef>
+                <a:spcPct val="0"/>
+              </a:spcBef>
+              <a:spcAft>
+                <a:spcPct val="0"/>
+              </a:spcAft>
+              <a:defRPr>
+                <a:solidFill>
+                  <a:schemeClr val="tx1"/>
+                </a:solidFill>
+                <a:latin typeface="Arial" charset="0"/>
+              </a:defRPr>
+            </a:lvl9pPr>
+          </a:lstStyle>
+          <a:p>
+            <a:pPr eaLnBrk="1" hangingPunct="1"/>
+            <a:r>
+              <a:rPr lang="ru-RU" sz="1600" dirty="0" smtClean="0">
+                <a:latin typeface="Arial" pitchFamily="34" charset="0"/>
+                <a:cs typeface="Arial" pitchFamily="34" charset="0"/>
+              </a:rPr>
+              <a:t>Класс </a:t>
+            </a:r>
+            <a:r>
+              <a:rPr lang="en-US" sz="1600" dirty="0" err="1" smtClean="0">
+                <a:latin typeface="Arial" pitchFamily="34" charset="0"/>
+                <a:cs typeface="Arial" pitchFamily="34" charset="0"/>
+              </a:rPr>
+              <a:t>System.Convert</a:t>
+            </a:r>
+            <a:r>
+              <a:rPr lang="en-US" sz="1600" dirty="0" smtClean="0">
+                <a:latin typeface="Arial" pitchFamily="34" charset="0"/>
+                <a:cs typeface="Arial" pitchFamily="34" charset="0"/>
+              </a:rPr>
+              <a:t>() </a:t>
+            </a:r>
+            <a:r>
+              <a:rPr lang="ru-RU" sz="1600" dirty="0" smtClean="0">
+                <a:latin typeface="Arial" pitchFamily="34" charset="0"/>
+                <a:cs typeface="Arial" pitchFamily="34" charset="0"/>
+              </a:rPr>
+              <a:t>содержит ряд методов для преобразования одних типов в другие. </a:t>
+            </a:r>
+          </a:p>
+          <a:p>
+            <a:pPr eaLnBrk="1" hangingPunct="1"/>
+            <a:endParaRPr lang="ru-RU" sz="1600" dirty="0">
+              <a:latin typeface="Arial" pitchFamily="34" charset="0"/>
+              <a:cs typeface="Arial" pitchFamily="34" charset="0"/>
+            </a:endParaRPr>
+          </a:p>
+          <a:p>
+            <a:pPr eaLnBrk="1" hangingPunct="1"/>
+            <a:r>
+              <a:rPr lang="en-US" sz="1600" dirty="0">
+                <a:latin typeface="Courier New" pitchFamily="49" charset="0"/>
+                <a:cs typeface="Courier New" pitchFamily="49" charset="0"/>
+              </a:rPr>
+              <a:t>string </a:t>
+            </a:r>
+            <a:r>
+              <a:rPr lang="en-US" sz="1600" dirty="0" err="1">
+                <a:latin typeface="Courier New" pitchFamily="49" charset="0"/>
+                <a:cs typeface="Courier New" pitchFamily="49" charset="0"/>
+              </a:rPr>
+              <a:t>numStr</a:t>
+            </a:r>
+            <a:r>
+              <a:rPr lang="en-US" sz="1600" dirty="0">
+                <a:latin typeface="Courier New" pitchFamily="49" charset="0"/>
+                <a:cs typeface="Courier New" pitchFamily="49" charset="0"/>
+              </a:rPr>
+              <a:t> = "4567";</a:t>
+            </a:r>
+          </a:p>
+          <a:p>
+            <a:pPr eaLnBrk="1" hangingPunct="1"/>
+            <a:r>
+              <a:rPr lang="en-US" sz="1600" dirty="0" err="1">
+                <a:latin typeface="Courier New" pitchFamily="49" charset="0"/>
+                <a:cs typeface="Courier New" pitchFamily="49" charset="0"/>
+              </a:rPr>
+              <a:t>int</a:t>
+            </a:r>
+            <a:r>
+              <a:rPr lang="en-US" sz="1600" dirty="0">
+                <a:latin typeface="Courier New" pitchFamily="49" charset="0"/>
+                <a:cs typeface="Courier New" pitchFamily="49" charset="0"/>
+              </a:rPr>
+              <a:t> </a:t>
+            </a:r>
+            <a:r>
+              <a:rPr lang="en-US" sz="1600" dirty="0" err="1">
+                <a:latin typeface="Courier New" pitchFamily="49" charset="0"/>
+                <a:cs typeface="Courier New" pitchFamily="49" charset="0"/>
+              </a:rPr>
+              <a:t>num</a:t>
+            </a:r>
+            <a:r>
+              <a:rPr lang="en-US" sz="1600" dirty="0">
+                <a:latin typeface="Courier New" pitchFamily="49" charset="0"/>
+                <a:cs typeface="Courier New" pitchFamily="49" charset="0"/>
+              </a:rPr>
+              <a:t> = </a:t>
+            </a:r>
+            <a:r>
+              <a:rPr lang="en-US" sz="1600" dirty="0" smtClean="0">
+                <a:latin typeface="Courier New" pitchFamily="49" charset="0"/>
+                <a:cs typeface="Courier New" pitchFamily="49" charset="0"/>
+              </a:rPr>
+              <a:t>Convert.ToInt32(</a:t>
+            </a:r>
+            <a:r>
+              <a:rPr lang="en-US" sz="1600" dirty="0" err="1" smtClean="0">
+                <a:latin typeface="Courier New" pitchFamily="49" charset="0"/>
+                <a:cs typeface="Courier New" pitchFamily="49" charset="0"/>
+              </a:rPr>
+              <a:t>numStr</a:t>
+            </a:r>
+            <a:r>
+              <a:rPr lang="en-US" sz="1600" dirty="0">
+                <a:latin typeface="Courier New" pitchFamily="49" charset="0"/>
+                <a:cs typeface="Courier New" pitchFamily="49" charset="0"/>
+              </a:rPr>
+              <a:t>);</a:t>
+            </a:r>
+            <a:endParaRPr lang="en-US" sz="1600" dirty="0">
+              <a:latin typeface="Arial" pitchFamily="34" charset="0"/>
+              <a:cs typeface="Arial" pitchFamily="34" charset="0"/>
+            </a:endParaRPr>
+          </a:p>
+        </p:txBody>
+      </p:sp>
+      <p:graphicFrame>
+        <p:nvGraphicFramePr>
+          <p:cNvPr id="2" name="Table 1"/>
+          <p:cNvGraphicFramePr>
+            <a:graphicFrameLocks noGrp="1"/>
+          </p:cNvGraphicFramePr>
+          <p:nvPr>
+            <p:extLst>
+              <p:ext uri="{D42A27DB-BD31-4B8C-83A1-F6EECF244321}">
+                <p14:modId xmlns:p14="http://schemas.microsoft.com/office/powerpoint/2010/main" val="1395288105"/>
+              </p:ext>
+            </p:extLst>
+          </p:nvPr>
+        </p:nvGraphicFramePr>
+        <p:xfrm>
+          <a:off x="575556" y="1740416"/>
+          <a:ext cx="7740860" cy="2199640"/>
+        </p:xfrm>
+        <a:graphic>
+          <a:graphicData uri="http://schemas.openxmlformats.org/drawingml/2006/table">
+            <a:tbl>
+              <a:tblPr firstRow="1" bandRow="1">
+                <a:tableStyleId>{5C22544A-7EE6-4342-B048-85BDC9FD1C3A}</a:tableStyleId>
+              </a:tblPr>
+              <a:tblGrid>
+                <a:gridCol w="3870430"/>
+                <a:gridCol w="3870430"/>
+              </a:tblGrid>
+              <a:tr h="370840">
+                <a:tc>
+                  <a:txBody>
+                    <a:bodyPr/>
+                    <a:lstStyle/>
+                    <a:p>
+                      <a:r>
+                        <a:rPr lang="en-US" dirty="0" smtClean="0"/>
+                        <a:t>Parse/</a:t>
+                      </a:r>
+                      <a:r>
+                        <a:rPr lang="en-US" dirty="0" err="1" smtClean="0"/>
+                        <a:t>TryParse</a:t>
+                      </a:r>
+                      <a:endParaRPr lang="en-US" dirty="0"/>
+                    </a:p>
+                  </a:txBody>
+                  <a:tcPr/>
+                </a:tc>
+                <a:tc>
+                  <a:txBody>
+                    <a:bodyPr/>
+                    <a:lstStyle/>
+                    <a:p>
+                      <a:r>
+                        <a:rPr lang="en-US" dirty="0" err="1" smtClean="0"/>
+                        <a:t>Convert.ToXXX</a:t>
+                      </a:r>
+                      <a:r>
+                        <a:rPr lang="en-US" dirty="0" smtClean="0"/>
+                        <a:t>()</a:t>
+                      </a:r>
+                      <a:endParaRPr lang="en-US" dirty="0"/>
+                    </a:p>
+                  </a:txBody>
+                  <a:tcPr/>
+                </a:tc>
+              </a:tr>
+              <a:tr h="370840">
+                <a:tc>
+                  <a:txBody>
+                    <a:bodyPr/>
+                    <a:lstStyle/>
+                    <a:p>
+                      <a:r>
+                        <a:rPr lang="ru-RU" dirty="0" smtClean="0">
+                          <a:solidFill>
+                            <a:srgbClr val="002060"/>
+                          </a:solidFill>
+                        </a:rPr>
+                        <a:t>Есть возможность указать дополнительные параметры</a:t>
+                      </a:r>
+                      <a:r>
+                        <a:rPr lang="ru-RU" baseline="0" dirty="0" smtClean="0">
+                          <a:solidFill>
+                            <a:srgbClr val="002060"/>
+                          </a:solidFill>
+                        </a:rPr>
+                        <a:t> преобразования</a:t>
+                      </a:r>
+                      <a:endParaRPr lang="en-US" dirty="0">
+                        <a:solidFill>
+                          <a:srgbClr val="002060"/>
+                        </a:solidFill>
+                      </a:endParaRPr>
+                    </a:p>
+                  </a:txBody>
+                  <a:tcPr/>
+                </a:tc>
+                <a:tc>
+                  <a:txBody>
+                    <a:bodyPr/>
+                    <a:lstStyle/>
+                    <a:p>
+                      <a:r>
+                        <a:rPr lang="ru-RU" dirty="0" smtClean="0">
+                          <a:solidFill>
+                            <a:srgbClr val="002060"/>
+                          </a:solidFill>
+                        </a:rPr>
+                        <a:t>Нет </a:t>
+                      </a:r>
+                      <a:r>
+                        <a:rPr lang="ru-RU" dirty="0" smtClean="0">
+                          <a:solidFill>
+                            <a:srgbClr val="002060"/>
+                          </a:solidFill>
+                        </a:rPr>
+                        <a:t>возможности указать дополнительные параметры</a:t>
+                      </a:r>
+                      <a:r>
+                        <a:rPr lang="ru-RU" baseline="0" dirty="0" smtClean="0">
+                          <a:solidFill>
+                            <a:srgbClr val="002060"/>
+                          </a:solidFill>
+                        </a:rPr>
+                        <a:t> преобразования</a:t>
+                      </a:r>
+                      <a:endParaRPr lang="en-US" dirty="0">
+                        <a:solidFill>
+                          <a:srgbClr val="002060"/>
+                        </a:solidFill>
+                      </a:endParaRPr>
+                    </a:p>
+                  </a:txBody>
+                  <a:tcPr/>
+                </a:tc>
+              </a:tr>
+              <a:tr h="370840">
+                <a:tc>
+                  <a:txBody>
+                    <a:bodyPr/>
+                    <a:lstStyle/>
+                    <a:p>
+                      <a:r>
+                        <a:rPr lang="ru-RU" dirty="0" smtClean="0">
+                          <a:solidFill>
+                            <a:srgbClr val="002060"/>
+                          </a:solidFill>
+                        </a:rPr>
+                        <a:t>Есть возможность выполнить преобразование без</a:t>
+                      </a:r>
+                      <a:r>
+                        <a:rPr lang="ru-RU" baseline="0" dirty="0" smtClean="0">
+                          <a:solidFill>
+                            <a:srgbClr val="002060"/>
+                          </a:solidFill>
+                        </a:rPr>
+                        <a:t> генерации исключения (</a:t>
+                      </a:r>
+                      <a:r>
+                        <a:rPr lang="en-US" baseline="0" dirty="0" err="1" smtClean="0">
+                          <a:solidFill>
+                            <a:srgbClr val="002060"/>
+                          </a:solidFill>
+                        </a:rPr>
+                        <a:t>TryParse</a:t>
+                      </a:r>
+                      <a:r>
+                        <a:rPr lang="en-US" baseline="0" dirty="0" smtClean="0">
+                          <a:solidFill>
+                            <a:srgbClr val="002060"/>
+                          </a:solidFill>
+                        </a:rPr>
+                        <a:t>)</a:t>
+                      </a:r>
+                      <a:endParaRPr lang="en-US" dirty="0">
+                        <a:solidFill>
+                          <a:srgbClr val="002060"/>
+                        </a:solidFill>
+                      </a:endParaRPr>
+                    </a:p>
+                  </a:txBody>
+                  <a:tcPr/>
+                </a:tc>
+                <a:tc>
+                  <a:txBody>
+                    <a:bodyPr/>
+                    <a:lstStyle/>
+                    <a:p>
+                      <a:r>
+                        <a:rPr lang="ru-RU" dirty="0" smtClean="0">
+                          <a:solidFill>
+                            <a:srgbClr val="002060"/>
+                          </a:solidFill>
+                        </a:rPr>
+                        <a:t>Нет возможности выполнить преобразование без</a:t>
+                      </a:r>
+                      <a:r>
+                        <a:rPr lang="ru-RU" baseline="0" dirty="0" smtClean="0">
+                          <a:solidFill>
+                            <a:srgbClr val="002060"/>
+                          </a:solidFill>
+                        </a:rPr>
+                        <a:t> генерации исключения (</a:t>
+                      </a:r>
+                      <a:r>
+                        <a:rPr lang="en-US" baseline="0" dirty="0" err="1" smtClean="0">
+                          <a:solidFill>
+                            <a:srgbClr val="002060"/>
+                          </a:solidFill>
+                        </a:rPr>
+                        <a:t>TryParse</a:t>
+                      </a:r>
+                      <a:r>
+                        <a:rPr lang="en-US" baseline="0" dirty="0" smtClean="0">
+                          <a:solidFill>
+                            <a:srgbClr val="002060"/>
+                          </a:solidFill>
+                        </a:rPr>
+                        <a:t>)</a:t>
+                      </a:r>
+                      <a:endParaRPr lang="en-US" dirty="0">
+                        <a:solidFill>
+                          <a:srgbClr val="002060"/>
+                        </a:solidFill>
+                      </a:endParaRPr>
+                    </a:p>
+                  </a:txBody>
+                  <a:tcPr/>
+                </a:tc>
+              </a:tr>
+            </a:tbl>
+          </a:graphicData>
+        </a:graphic>
+      </p:graphicFrame>
+    </p:spTree>
+    <p:extLst>
+      <p:ext uri="{BB962C8B-B14F-4D97-AF65-F5344CB8AC3E}">
+        <p14:creationId xmlns:p14="http://schemas.microsoft.com/office/powerpoint/2010/main" val="537583183"/>
+      </p:ext>
+    </p:extLst>
+  </p:cSld>
+  <p:clrMapOvr>
+    <a:masterClrMapping/>
+  </p:clrMapOvr>
+  <p:timing>
+    <p:tnLst>
+      <p:par>
+        <p:cTn id="1" dur="indefinite" restart="never" nodeType="tmRoot"/>
+      </p:par>
+    </p:tnLst>
+  </p:timing>
+</p:sld>
+</file>
+
+<file path=ppt/slides/slide7.xml><?xml version="1.0" encoding="utf-8"?>
+<p:sld xmlns:a="http://schemas.openxmlformats.org/drawingml/2006/main" xmlns:r="http://schemas.openxmlformats.org/officeDocument/2006/relationships" xmlns:p="http://schemas.openxmlformats.org/presentationml/2006/main">
+  <p:cSld>
+    <p:bg>
+      <p:bgPr>
+        <a:blipFill dpi="0" rotWithShape="1">
+          <a:blip r:embed="rId2">
+            <a:lum/>
+          </a:blip>
+          <a:srcRect/>
+          <a:stretch>
+            <a:fillRect/>
+          </a:stretch>
+        </a:blipFill>
+        <a:effectLst/>
+      </p:bgPr>
+    </p:bg>
+    <p:spTree>
+      <p:nvGrpSpPr>
+        <p:cNvPr id="1" name=""/>
+        <p:cNvGrpSpPr/>
+        <p:nvPr/>
+      </p:nvGrpSpPr>
+      <p:grpSpPr>
+        <a:xfrm>
+          <a:off x="0" y="0"/>
+          <a:ext cx="0" cy="0"/>
+          <a:chOff x="0" y="0"/>
+          <a:chExt cx="0" cy="0"/>
+        </a:xfrm>
+      </p:grpSpPr>
+      <p:sp>
+        <p:nvSpPr>
           <p:cNvPr id="5122" name="Rectangle 1"/>
           <p:cNvSpPr>
             <a:spLocks noChangeArrowheads="1"/>
@@ -10685,41 +15557,41 @@
           <a:p>
             <a:pPr eaLnBrk="1" hangingPunct="1"/>
             <a:r>
-              <a:rPr lang="ru-RU" sz="1600"/>
+              <a:rPr lang="ru-RU" sz="1600" dirty="0"/>
               <a:t>	Тип представлен двухбайтным символом в кодировке </a:t>
             </a:r>
             <a:r>
-              <a:rPr lang="en-US" sz="1600"/>
+              <a:rPr lang="en-US" sz="1600" dirty="0"/>
               <a:t>Unicode.</a:t>
             </a:r>
             <a:r>
-              <a:rPr lang="ru-RU" sz="1600"/>
+              <a:rPr lang="ru-RU" sz="1600" dirty="0"/>
               <a:t> </a:t>
             </a:r>
           </a:p>
           <a:p>
             <a:pPr eaLnBrk="1" hangingPunct="1"/>
             <a:r>
-              <a:rPr lang="en-US" sz="1600"/>
+              <a:rPr lang="en-US" sz="1600" dirty="0"/>
               <a:t>	</a:t>
             </a:r>
             <a:r>
-              <a:rPr lang="ru-RU" sz="1600"/>
+              <a:rPr lang="ru-RU" sz="1600" dirty="0"/>
               <a:t>Большинство статических методов типа </a:t>
             </a:r>
             <a:r>
-              <a:rPr lang="en-US" sz="1600"/>
+              <a:rPr lang="en-US" sz="1600" dirty="0"/>
               <a:t>Char </a:t>
             </a:r>
             <a:r>
-              <a:rPr lang="ru-RU" sz="1600"/>
+              <a:rPr lang="ru-RU" sz="1600" dirty="0"/>
               <a:t>предназначены для определения пртнадлежноисти символа к одной из категорий</a:t>
             </a:r>
             <a:r>
-              <a:rPr lang="en-US" sz="1600"/>
+              <a:rPr lang="en-US" sz="1600" dirty="0"/>
               <a:t>:</a:t>
             </a:r>
-            <a:endParaRPr lang="ru-RU" sz="1600" b="1"/>
+            <a:endParaRPr lang="ru-RU" sz="1600" b="1" dirty="0"/>
           </a:p>
         </p:txBody>
       </p:sp>
@@ -11681,7 +16553,7 @@
 </p:sld>
 </file>
 
-<file path=ppt/slides/slide6.xml><?xml version="1.0" encoding="utf-8"?>
+<file path=ppt/slides/slide8.xml><?xml version="1.0" encoding="utf-8"?>
 <p:sld xmlns:a="http://schemas.openxmlformats.org/drawingml/2006/main" xmlns:r="http://schemas.openxmlformats.org/officeDocument/2006/relationships" xmlns:p="http://schemas.openxmlformats.org/presentationml/2006/main">
   <p:cSld>
     <p:bg>
@@ -15493,7 +20365,7 @@
 </p:sld>
 </file>
 
-<file path=ppt/slides/slide7.xml><?xml version="1.0" encoding="utf-8"?>
+<file path=ppt/slides/slide9.xml><?xml version="1.0" encoding="utf-8"?>
 <p:sld xmlns:a="http://schemas.openxmlformats.org/drawingml/2006/main" xmlns:r="http://schemas.openxmlformats.org/officeDocument/2006/relationships" xmlns:p="http://schemas.openxmlformats.org/presentationml/2006/main">
   <p:cSld>
     <p:bg>
@@ -16203,3360 +21075,6 @@
     <p:extLst>
       <p:ext uri="{BB962C8B-B14F-4D97-AF65-F5344CB8AC3E}">
         <p14:creationId xmlns:p14="http://schemas.microsoft.com/office/powerpoint/2010/main" val="3369652187"/>
-      </p:ext>
-    </p:extLst>
-  </p:cSld>
-  <p:clrMapOvr>
-    <a:masterClrMapping/>
-  </p:clrMapOvr>
-  <p:timing>
-    <p:tnLst>
-      <p:par>
-        <p:cTn id="1" dur="indefinite" restart="never" nodeType="tmRoot"/>
-      </p:par>
-    </p:tnLst>
-  </p:timing>
-</p:sld>
-</file>
-
-<file path=ppt/slides/slide8.xml><?xml version="1.0" encoding="utf-8"?>
-<p:sld xmlns:a="http://schemas.openxmlformats.org/drawingml/2006/main" xmlns:r="http://schemas.openxmlformats.org/officeDocument/2006/relationships" xmlns:p="http://schemas.openxmlformats.org/presentationml/2006/main">
-  <p:cSld>
-    <p:bg>
-      <p:bgPr>
-        <a:blipFill dpi="0" rotWithShape="1">
-          <a:blip r:embed="rId2">
-            <a:lum/>
-          </a:blip>
-          <a:srcRect/>
-          <a:stretch>
-            <a:fillRect/>
-          </a:stretch>
-        </a:blipFill>
-        <a:effectLst/>
-      </p:bgPr>
-    </p:bg>
-    <p:spTree>
-      <p:nvGrpSpPr>
-        <p:cNvPr id="1" name=""/>
-        <p:cNvGrpSpPr/>
-        <p:nvPr/>
-      </p:nvGrpSpPr>
-      <p:grpSpPr>
-        <a:xfrm>
-          <a:off x="0" y="0"/>
-          <a:ext cx="0" cy="0"/>
-          <a:chOff x="0" y="0"/>
-          <a:chExt cx="0" cy="0"/>
-        </a:xfrm>
-      </p:grpSpPr>
-      <p:sp>
-        <p:nvSpPr>
-          <p:cNvPr id="8194" name="Rectangle 1"/>
-          <p:cNvSpPr>
-            <a:spLocks noChangeArrowheads="1"/>
-          </p:cNvSpPr>
-          <p:nvPr/>
-        </p:nvSpPr>
-        <p:spPr bwMode="auto">
-          <a:xfrm>
-            <a:off x="457200" y="-4763"/>
-            <a:ext cx="8305800" cy="461963"/>
-          </a:xfrm>
-          <a:prstGeom prst="rect">
-            <a:avLst/>
-          </a:prstGeom>
-          <a:noFill/>
-          <a:ln>
-            <a:noFill/>
-          </a:ln>
-          <a:extLst>
-            <a:ext uri="{909E8E84-426E-40DD-AFC4-6F175D3DCCD1}">
-              <a14:hiddenFill xmlns:a14="http://schemas.microsoft.com/office/drawing/2010/main">
-                <a:solidFill>
-                  <a:srgbClr val="FFFFFF"/>
-                </a:solidFill>
-              </a14:hiddenFill>
-            </a:ext>
-            <a:ext uri="{91240B29-F687-4F45-9708-019B960494DF}">
-              <a14:hiddenLine xmlns:a14="http://schemas.microsoft.com/office/drawing/2010/main" w="9525">
-                <a:solidFill>
-                  <a:srgbClr val="000000"/>
-                </a:solidFill>
-                <a:miter lim="800000"/>
-                <a:headEnd/>
-                <a:tailEnd/>
-              </a14:hiddenLine>
-            </a:ext>
-          </a:extLst>
-        </p:spPr>
-        <p:txBody>
-          <a:bodyPr anchor="ctr">
-            <a:spAutoFit/>
-          </a:bodyPr>
-          <a:lstStyle/>
-          <a:p>
-            <a:pPr algn="ctr">
-              <a:tabLst>
-                <a:tab pos="457200" algn="l"/>
-              </a:tabLst>
-            </a:pPr>
-            <a:r>
-              <a:rPr lang="ru-RU" sz="2400">
-                <a:cs typeface="Times New Roman" pitchFamily="18" charset="0"/>
-              </a:rPr>
-              <a:t>Класс </a:t>
-            </a:r>
-            <a:r>
-              <a:rPr lang="en-US" sz="2400">
-                <a:cs typeface="Times New Roman" pitchFamily="18" charset="0"/>
-              </a:rPr>
-              <a:t>Encoding.</a:t>
-            </a:r>
-          </a:p>
-        </p:txBody>
-      </p:sp>
-      <p:sp>
-        <p:nvSpPr>
-          <p:cNvPr id="8195" name="Rectangle 64"/>
-          <p:cNvSpPr>
-            <a:spLocks noChangeArrowheads="1"/>
-          </p:cNvSpPr>
-          <p:nvPr/>
-        </p:nvSpPr>
-        <p:spPr bwMode="auto">
-          <a:xfrm>
-            <a:off x="0" y="0"/>
-            <a:ext cx="9144000" cy="0"/>
-          </a:xfrm>
-          <a:prstGeom prst="rect">
-            <a:avLst/>
-          </a:prstGeom>
-          <a:noFill/>
-          <a:ln>
-            <a:noFill/>
-          </a:ln>
-          <a:extLst>
-            <a:ext uri="{909E8E84-426E-40DD-AFC4-6F175D3DCCD1}">
-              <a14:hiddenFill xmlns:a14="http://schemas.microsoft.com/office/drawing/2010/main">
-                <a:solidFill>
-                  <a:srgbClr val="FFFFFF"/>
-                </a:solidFill>
-              </a14:hiddenFill>
-            </a:ext>
-            <a:ext uri="{91240B29-F687-4F45-9708-019B960494DF}">
-              <a14:hiddenLine xmlns:a14="http://schemas.microsoft.com/office/drawing/2010/main" w="9525">
-                <a:solidFill>
-                  <a:srgbClr val="000000"/>
-                </a:solidFill>
-                <a:miter lim="800000"/>
-                <a:headEnd/>
-                <a:tailEnd/>
-              </a14:hiddenLine>
-            </a:ext>
-          </a:extLst>
-        </p:spPr>
-        <p:txBody>
-          <a:bodyPr wrap="none" anchor="ctr">
-            <a:spAutoFit/>
-          </a:bodyPr>
-          <a:lstStyle/>
-          <a:p>
-            <a:endParaRPr lang="be-BY"/>
-          </a:p>
-        </p:txBody>
-      </p:sp>
-      <p:sp>
-        <p:nvSpPr>
-          <p:cNvPr id="8196" name="TextBox 6"/>
-          <p:cNvSpPr txBox="1">
-            <a:spLocks noChangeArrowheads="1"/>
-          </p:cNvSpPr>
-          <p:nvPr/>
-        </p:nvSpPr>
-        <p:spPr bwMode="auto">
-          <a:xfrm>
-            <a:off x="152400" y="457200"/>
-            <a:ext cx="8839200" cy="830263"/>
-          </a:xfrm>
-          <a:prstGeom prst="rect">
-            <a:avLst/>
-          </a:prstGeom>
-          <a:noFill/>
-          <a:ln>
-            <a:noFill/>
-          </a:ln>
-          <a:extLst>
-            <a:ext uri="{909E8E84-426E-40DD-AFC4-6F175D3DCCD1}">
-              <a14:hiddenFill xmlns:a14="http://schemas.microsoft.com/office/drawing/2010/main">
-                <a:solidFill>
-                  <a:srgbClr val="FFFFFF"/>
-                </a:solidFill>
-              </a14:hiddenFill>
-            </a:ext>
-            <a:ext uri="{91240B29-F687-4F45-9708-019B960494DF}">
-              <a14:hiddenLine xmlns:a14="http://schemas.microsoft.com/office/drawing/2010/main" w="9525">
-                <a:solidFill>
-                  <a:srgbClr val="000000"/>
-                </a:solidFill>
-                <a:miter lim="800000"/>
-                <a:headEnd/>
-                <a:tailEnd/>
-              </a14:hiddenLine>
-            </a:ext>
-          </a:extLst>
-        </p:spPr>
-        <p:txBody>
-          <a:bodyPr>
-            <a:spAutoFit/>
-          </a:bodyPr>
-          <a:lstStyle>
-            <a:lvl1pPr defTabSz="358775" eaLnBrk="0" hangingPunct="0">
-              <a:defRPr>
-                <a:solidFill>
-                  <a:schemeClr val="tx1"/>
-                </a:solidFill>
-                <a:latin typeface="Arial" charset="0"/>
-              </a:defRPr>
-            </a:lvl1pPr>
-            <a:lvl2pPr marL="742950" indent="-285750" defTabSz="358775" eaLnBrk="0" hangingPunct="0">
-              <a:defRPr>
-                <a:solidFill>
-                  <a:schemeClr val="tx1"/>
-                </a:solidFill>
-                <a:latin typeface="Arial" charset="0"/>
-              </a:defRPr>
-            </a:lvl2pPr>
-            <a:lvl3pPr marL="1143000" indent="-228600" defTabSz="358775" eaLnBrk="0" hangingPunct="0">
-              <a:defRPr>
-                <a:solidFill>
-                  <a:schemeClr val="tx1"/>
-                </a:solidFill>
-                <a:latin typeface="Arial" charset="0"/>
-              </a:defRPr>
-            </a:lvl3pPr>
-            <a:lvl4pPr marL="1600200" indent="-228600" defTabSz="358775" eaLnBrk="0" hangingPunct="0">
-              <a:defRPr>
-                <a:solidFill>
-                  <a:schemeClr val="tx1"/>
-                </a:solidFill>
-                <a:latin typeface="Arial" charset="0"/>
-              </a:defRPr>
-            </a:lvl4pPr>
-            <a:lvl5pPr marL="2057400" indent="-228600" defTabSz="358775" eaLnBrk="0" hangingPunct="0">
-              <a:defRPr>
-                <a:solidFill>
-                  <a:schemeClr val="tx1"/>
-                </a:solidFill>
-                <a:latin typeface="Arial" charset="0"/>
-              </a:defRPr>
-            </a:lvl5pPr>
-            <a:lvl6pPr marL="2514600" indent="-228600" defTabSz="358775" eaLnBrk="0" fontAlgn="base" hangingPunct="0">
-              <a:spcBef>
-                <a:spcPct val="0"/>
-              </a:spcBef>
-              <a:spcAft>
-                <a:spcPct val="0"/>
-              </a:spcAft>
-              <a:defRPr>
-                <a:solidFill>
-                  <a:schemeClr val="tx1"/>
-                </a:solidFill>
-                <a:latin typeface="Arial" charset="0"/>
-              </a:defRPr>
-            </a:lvl6pPr>
-            <a:lvl7pPr marL="2971800" indent="-228600" defTabSz="358775" eaLnBrk="0" fontAlgn="base" hangingPunct="0">
-              <a:spcBef>
-                <a:spcPct val="0"/>
-              </a:spcBef>
-              <a:spcAft>
-                <a:spcPct val="0"/>
-              </a:spcAft>
-              <a:defRPr>
-                <a:solidFill>
-                  <a:schemeClr val="tx1"/>
-                </a:solidFill>
-                <a:latin typeface="Arial" charset="0"/>
-              </a:defRPr>
-            </a:lvl7pPr>
-            <a:lvl8pPr marL="3429000" indent="-228600" defTabSz="358775" eaLnBrk="0" fontAlgn="base" hangingPunct="0">
-              <a:spcBef>
-                <a:spcPct val="0"/>
-              </a:spcBef>
-              <a:spcAft>
-                <a:spcPct val="0"/>
-              </a:spcAft>
-              <a:defRPr>
-                <a:solidFill>
-                  <a:schemeClr val="tx1"/>
-                </a:solidFill>
-                <a:latin typeface="Arial" charset="0"/>
-              </a:defRPr>
-            </a:lvl8pPr>
-            <a:lvl9pPr marL="3886200" indent="-228600" defTabSz="358775" eaLnBrk="0" fontAlgn="base" hangingPunct="0">
-              <a:spcBef>
-                <a:spcPct val="0"/>
-              </a:spcBef>
-              <a:spcAft>
-                <a:spcPct val="0"/>
-              </a:spcAft>
-              <a:defRPr>
-                <a:solidFill>
-                  <a:schemeClr val="tx1"/>
-                </a:solidFill>
-                <a:latin typeface="Arial" charset="0"/>
-              </a:defRPr>
-            </a:lvl9pPr>
-          </a:lstStyle>
-          <a:p>
-            <a:pPr eaLnBrk="1" hangingPunct="1"/>
-            <a:r>
-              <a:rPr lang="ru-RU" sz="1600"/>
-              <a:t>	Среда </a:t>
-            </a:r>
-            <a:r>
-              <a:rPr lang="en-US" sz="1600"/>
-              <a:t>.NET </a:t>
-            </a:r>
-            <a:r>
-              <a:rPr lang="ru-RU" sz="1600"/>
-              <a:t>поддерживает различные кодировки, позволяющие переводить массив байт в строки и наоборот. Объект – кодировку можно получить используя класс </a:t>
-            </a:r>
-            <a:r>
-              <a:rPr lang="en-US" sz="1600"/>
-              <a:t>Encoding </a:t>
-            </a:r>
-            <a:r>
-              <a:rPr lang="ru-RU" sz="1600"/>
-              <a:t>и его статический метод </a:t>
-            </a:r>
-            <a:r>
-              <a:rPr lang="en-US" sz="1600"/>
-              <a:t>GetEncoding().</a:t>
-            </a:r>
-          </a:p>
-        </p:txBody>
-      </p:sp>
-      <p:sp>
-        <p:nvSpPr>
-          <p:cNvPr id="8197" name="Rectangle 1"/>
-          <p:cNvSpPr>
-            <a:spLocks noChangeArrowheads="1"/>
-          </p:cNvSpPr>
-          <p:nvPr/>
-        </p:nvSpPr>
-        <p:spPr bwMode="auto">
-          <a:xfrm>
-            <a:off x="0" y="1295400"/>
-            <a:ext cx="8991600" cy="369888"/>
-          </a:xfrm>
-          <a:prstGeom prst="rect">
-            <a:avLst/>
-          </a:prstGeom>
-          <a:noFill/>
-          <a:ln>
-            <a:noFill/>
-          </a:ln>
-          <a:extLst>
-            <a:ext uri="{909E8E84-426E-40DD-AFC4-6F175D3DCCD1}">
-              <a14:hiddenFill xmlns:a14="http://schemas.microsoft.com/office/drawing/2010/main">
-                <a:solidFill>
-                  <a:srgbClr val="FFFFFF"/>
-                </a:solidFill>
-              </a14:hiddenFill>
-            </a:ext>
-            <a:ext uri="{91240B29-F687-4F45-9708-019B960494DF}">
-              <a14:hiddenLine xmlns:a14="http://schemas.microsoft.com/office/drawing/2010/main" w="9525">
-                <a:solidFill>
-                  <a:srgbClr val="000000"/>
-                </a:solidFill>
-                <a:miter lim="800000"/>
-                <a:headEnd/>
-                <a:tailEnd/>
-              </a14:hiddenLine>
-            </a:ext>
-          </a:extLst>
-        </p:spPr>
-        <p:txBody>
-          <a:bodyPr anchor="ctr">
-            <a:spAutoFit/>
-          </a:bodyPr>
-          <a:lstStyle/>
-          <a:p>
-            <a:pPr algn="ctr" eaLnBrk="0" hangingPunct="0"/>
-            <a:r>
-              <a:rPr lang="be-BY" dirty="0">
-                <a:solidFill>
-                  <a:schemeClr val="bg1"/>
-                </a:solidFill>
-                <a:latin typeface="Courier New" pitchFamily="49" charset="0"/>
-                <a:ea typeface="Calibri" pitchFamily="34" charset="0"/>
-                <a:cs typeface="Courier New" pitchFamily="49" charset="0"/>
-              </a:rPr>
-              <a:t>Encoding ascii = Encoding.GetEncoding("ascii");</a:t>
-            </a:r>
-            <a:endParaRPr lang="be-BY" dirty="0">
-              <a:solidFill>
-                <a:schemeClr val="bg1"/>
-              </a:solidFill>
-              <a:ea typeface="Calibri" pitchFamily="34" charset="0"/>
-              <a:cs typeface="Courier New" pitchFamily="49" charset="0"/>
-            </a:endParaRPr>
-          </a:p>
-        </p:txBody>
-      </p:sp>
-      <p:sp>
-        <p:nvSpPr>
-          <p:cNvPr id="8198" name="TextBox 6"/>
-          <p:cNvSpPr txBox="1">
-            <a:spLocks noChangeArrowheads="1"/>
-          </p:cNvSpPr>
-          <p:nvPr/>
-        </p:nvSpPr>
-        <p:spPr bwMode="auto">
-          <a:xfrm>
-            <a:off x="152400" y="1795463"/>
-            <a:ext cx="8839200" cy="338137"/>
-          </a:xfrm>
-          <a:prstGeom prst="rect">
-            <a:avLst/>
-          </a:prstGeom>
-          <a:noFill/>
-          <a:ln>
-            <a:noFill/>
-          </a:ln>
-          <a:extLst>
-            <a:ext uri="{909E8E84-426E-40DD-AFC4-6F175D3DCCD1}">
-              <a14:hiddenFill xmlns:a14="http://schemas.microsoft.com/office/drawing/2010/main">
-                <a:solidFill>
-                  <a:srgbClr val="FFFFFF"/>
-                </a:solidFill>
-              </a14:hiddenFill>
-            </a:ext>
-            <a:ext uri="{91240B29-F687-4F45-9708-019B960494DF}">
-              <a14:hiddenLine xmlns:a14="http://schemas.microsoft.com/office/drawing/2010/main" w="9525">
-                <a:solidFill>
-                  <a:srgbClr val="000000"/>
-                </a:solidFill>
-                <a:miter lim="800000"/>
-                <a:headEnd/>
-                <a:tailEnd/>
-              </a14:hiddenLine>
-            </a:ext>
-          </a:extLst>
-        </p:spPr>
-        <p:txBody>
-          <a:bodyPr>
-            <a:spAutoFit/>
-          </a:bodyPr>
-          <a:lstStyle>
-            <a:lvl1pPr defTabSz="358775" eaLnBrk="0" hangingPunct="0">
-              <a:defRPr>
-                <a:solidFill>
-                  <a:schemeClr val="tx1"/>
-                </a:solidFill>
-                <a:latin typeface="Arial" charset="0"/>
-              </a:defRPr>
-            </a:lvl1pPr>
-            <a:lvl2pPr marL="742950" indent="-285750" defTabSz="358775" eaLnBrk="0" hangingPunct="0">
-              <a:defRPr>
-                <a:solidFill>
-                  <a:schemeClr val="tx1"/>
-                </a:solidFill>
-                <a:latin typeface="Arial" charset="0"/>
-              </a:defRPr>
-            </a:lvl2pPr>
-            <a:lvl3pPr marL="1143000" indent="-228600" defTabSz="358775" eaLnBrk="0" hangingPunct="0">
-              <a:defRPr>
-                <a:solidFill>
-                  <a:schemeClr val="tx1"/>
-                </a:solidFill>
-                <a:latin typeface="Arial" charset="0"/>
-              </a:defRPr>
-            </a:lvl3pPr>
-            <a:lvl4pPr marL="1600200" indent="-228600" defTabSz="358775" eaLnBrk="0" hangingPunct="0">
-              <a:defRPr>
-                <a:solidFill>
-                  <a:schemeClr val="tx1"/>
-                </a:solidFill>
-                <a:latin typeface="Arial" charset="0"/>
-              </a:defRPr>
-            </a:lvl4pPr>
-            <a:lvl5pPr marL="2057400" indent="-228600" defTabSz="358775" eaLnBrk="0" hangingPunct="0">
-              <a:defRPr>
-                <a:solidFill>
-                  <a:schemeClr val="tx1"/>
-                </a:solidFill>
-                <a:latin typeface="Arial" charset="0"/>
-              </a:defRPr>
-            </a:lvl5pPr>
-            <a:lvl6pPr marL="2514600" indent="-228600" defTabSz="358775" eaLnBrk="0" fontAlgn="base" hangingPunct="0">
-              <a:spcBef>
-                <a:spcPct val="0"/>
-              </a:spcBef>
-              <a:spcAft>
-                <a:spcPct val="0"/>
-              </a:spcAft>
-              <a:defRPr>
-                <a:solidFill>
-                  <a:schemeClr val="tx1"/>
-                </a:solidFill>
-                <a:latin typeface="Arial" charset="0"/>
-              </a:defRPr>
-            </a:lvl6pPr>
-            <a:lvl7pPr marL="2971800" indent="-228600" defTabSz="358775" eaLnBrk="0" fontAlgn="base" hangingPunct="0">
-              <a:spcBef>
-                <a:spcPct val="0"/>
-              </a:spcBef>
-              <a:spcAft>
-                <a:spcPct val="0"/>
-              </a:spcAft>
-              <a:defRPr>
-                <a:solidFill>
-                  <a:schemeClr val="tx1"/>
-                </a:solidFill>
-                <a:latin typeface="Arial" charset="0"/>
-              </a:defRPr>
-            </a:lvl7pPr>
-            <a:lvl8pPr marL="3429000" indent="-228600" defTabSz="358775" eaLnBrk="0" fontAlgn="base" hangingPunct="0">
-              <a:spcBef>
-                <a:spcPct val="0"/>
-              </a:spcBef>
-              <a:spcAft>
-                <a:spcPct val="0"/>
-              </a:spcAft>
-              <a:defRPr>
-                <a:solidFill>
-                  <a:schemeClr val="tx1"/>
-                </a:solidFill>
-                <a:latin typeface="Arial" charset="0"/>
-              </a:defRPr>
-            </a:lvl8pPr>
-            <a:lvl9pPr marL="3886200" indent="-228600" defTabSz="358775" eaLnBrk="0" fontAlgn="base" hangingPunct="0">
-              <a:spcBef>
-                <a:spcPct val="0"/>
-              </a:spcBef>
-              <a:spcAft>
-                <a:spcPct val="0"/>
-              </a:spcAft>
-              <a:defRPr>
-                <a:solidFill>
-                  <a:schemeClr val="tx1"/>
-                </a:solidFill>
-                <a:latin typeface="Arial" charset="0"/>
-              </a:defRPr>
-            </a:lvl9pPr>
-          </a:lstStyle>
-          <a:p>
-            <a:pPr eaLnBrk="1" hangingPunct="1"/>
-            <a:r>
-              <a:rPr lang="ru-RU" sz="1600" dirty="0"/>
-              <a:t>	Для популярных кодировок в классе </a:t>
-            </a:r>
-            <a:r>
-              <a:rPr lang="en-US" sz="1600" dirty="0"/>
-              <a:t>Encoding </a:t>
-            </a:r>
-            <a:r>
-              <a:rPr lang="ru-RU" sz="1600" dirty="0"/>
-              <a:t>зарезервированы свойства</a:t>
-            </a:r>
-            <a:r>
-              <a:rPr lang="en-US" sz="1600" dirty="0"/>
-              <a:t>:</a:t>
-            </a:r>
-          </a:p>
-        </p:txBody>
-      </p:sp>
-      <p:sp>
-        <p:nvSpPr>
-          <p:cNvPr id="8199" name="Rectangle 2"/>
-          <p:cNvSpPr>
-            <a:spLocks noChangeArrowheads="1"/>
-          </p:cNvSpPr>
-          <p:nvPr/>
-        </p:nvSpPr>
-        <p:spPr bwMode="auto">
-          <a:xfrm>
-            <a:off x="1752600" y="2133600"/>
-            <a:ext cx="3763963" cy="830263"/>
-          </a:xfrm>
-          <a:prstGeom prst="rect">
-            <a:avLst/>
-          </a:prstGeom>
-          <a:noFill/>
-          <a:ln>
-            <a:noFill/>
-          </a:ln>
-          <a:extLst>
-            <a:ext uri="{909E8E84-426E-40DD-AFC4-6F175D3DCCD1}">
-              <a14:hiddenFill xmlns:a14="http://schemas.microsoft.com/office/drawing/2010/main">
-                <a:solidFill>
-                  <a:srgbClr val="FFFFFF"/>
-                </a:solidFill>
-              </a14:hiddenFill>
-            </a:ext>
-            <a:ext uri="{91240B29-F687-4F45-9708-019B960494DF}">
-              <a14:hiddenLine xmlns:a14="http://schemas.microsoft.com/office/drawing/2010/main" w="9525">
-                <a:solidFill>
-                  <a:srgbClr val="000000"/>
-                </a:solidFill>
-                <a:miter lim="800000"/>
-                <a:headEnd/>
-                <a:tailEnd/>
-              </a14:hiddenLine>
-            </a:ext>
-          </a:extLst>
-        </p:spPr>
-        <p:txBody>
-          <a:bodyPr wrap="none" anchor="ctr">
-            <a:spAutoFit/>
-          </a:bodyPr>
-          <a:lstStyle/>
-          <a:p>
-            <a:pPr eaLnBrk="0" hangingPunct="0"/>
-            <a:r>
-              <a:rPr lang="be-BY" sz="1600" dirty="0">
-                <a:solidFill>
-                  <a:schemeClr val="bg1"/>
-                </a:solidFill>
-                <a:latin typeface="Courier New" pitchFamily="49" charset="0"/>
-                <a:ea typeface="Calibri" pitchFamily="34" charset="0"/>
-                <a:cs typeface="Courier New" pitchFamily="49" charset="0"/>
-              </a:rPr>
-              <a:t>            Encoding.ASCII;</a:t>
-            </a:r>
-            <a:endParaRPr lang="be-BY" sz="1600" dirty="0">
-              <a:solidFill>
-                <a:schemeClr val="bg1"/>
-              </a:solidFill>
-              <a:ea typeface="Calibri" pitchFamily="34" charset="0"/>
-              <a:cs typeface="Courier New" pitchFamily="49" charset="0"/>
-            </a:endParaRPr>
-          </a:p>
-          <a:p>
-            <a:pPr eaLnBrk="0" hangingPunct="0"/>
-            <a:r>
-              <a:rPr lang="be-BY" sz="1600" dirty="0">
-                <a:solidFill>
-                  <a:schemeClr val="bg1"/>
-                </a:solidFill>
-                <a:latin typeface="Courier New" pitchFamily="49" charset="0"/>
-                <a:ea typeface="Calibri" pitchFamily="34" charset="0"/>
-                <a:cs typeface="Courier New" pitchFamily="49" charset="0"/>
-              </a:rPr>
-              <a:t>            Encoding.Unicode;</a:t>
-            </a:r>
-            <a:endParaRPr lang="be-BY" sz="1600" dirty="0">
-              <a:solidFill>
-                <a:schemeClr val="bg1"/>
-              </a:solidFill>
-              <a:ea typeface="Calibri" pitchFamily="34" charset="0"/>
-              <a:cs typeface="Courier New" pitchFamily="49" charset="0"/>
-            </a:endParaRPr>
-          </a:p>
-          <a:p>
-            <a:pPr eaLnBrk="0" hangingPunct="0"/>
-            <a:r>
-              <a:rPr lang="be-BY" sz="1600" dirty="0">
-                <a:solidFill>
-                  <a:schemeClr val="bg1"/>
-                </a:solidFill>
-                <a:latin typeface="Courier New" pitchFamily="49" charset="0"/>
-                <a:ea typeface="Calibri" pitchFamily="34" charset="0"/>
-                <a:cs typeface="Courier New" pitchFamily="49" charset="0"/>
-              </a:rPr>
-              <a:t>            Encoding.UTF32;</a:t>
-            </a:r>
-            <a:endParaRPr lang="be-BY" sz="1600" dirty="0">
-              <a:solidFill>
-                <a:schemeClr val="bg1"/>
-              </a:solidFill>
-              <a:ea typeface="Calibri" pitchFamily="34" charset="0"/>
-              <a:cs typeface="Courier New" pitchFamily="49" charset="0"/>
-            </a:endParaRPr>
-          </a:p>
-        </p:txBody>
-      </p:sp>
-      <p:sp>
-        <p:nvSpPr>
-          <p:cNvPr id="54275" name="Rectangle 3"/>
-          <p:cNvSpPr>
-            <a:spLocks noChangeArrowheads="1"/>
-          </p:cNvSpPr>
-          <p:nvPr/>
-        </p:nvSpPr>
-        <p:spPr bwMode="auto">
-          <a:xfrm>
-            <a:off x="152400" y="3124200"/>
-            <a:ext cx="8839200" cy="1570038"/>
-          </a:xfrm>
-          <a:prstGeom prst="rect">
-            <a:avLst/>
-          </a:prstGeom>
-          <a:noFill/>
-          <a:ln w="9525">
-            <a:solidFill>
-              <a:schemeClr val="bg1">
-                <a:lumMod val="65000"/>
-              </a:schemeClr>
-            </a:solidFill>
-            <a:miter lim="800000"/>
-            <a:headEnd/>
-            <a:tailEnd/>
-          </a:ln>
-          <a:effectLst/>
-        </p:spPr>
-        <p:txBody>
-          <a:bodyPr anchor="ctr">
-            <a:spAutoFit/>
-          </a:bodyPr>
-          <a:lstStyle/>
-          <a:p>
-            <a:pPr eaLnBrk="0" hangingPunct="0">
-              <a:defRPr/>
-            </a:pPr>
-            <a:r>
-              <a:rPr lang="be-BY" sz="1200" dirty="0">
-                <a:solidFill>
-                  <a:schemeClr val="bg1"/>
-                </a:solidFill>
-                <a:latin typeface="Courier New" pitchFamily="49" charset="0"/>
-                <a:ea typeface="Calibri" pitchFamily="34" charset="0"/>
-                <a:cs typeface="Courier New" pitchFamily="49" charset="0"/>
-              </a:rPr>
-              <a:t>            Encoding uc = Encoding.Unicode;</a:t>
-            </a:r>
-            <a:endParaRPr lang="be-BY" sz="1200" dirty="0">
-              <a:solidFill>
-                <a:schemeClr val="bg1"/>
-              </a:solidFill>
-              <a:latin typeface="Arial" pitchFamily="34" charset="0"/>
-            </a:endParaRPr>
-          </a:p>
-          <a:p>
-            <a:pPr eaLnBrk="0" hangingPunct="0">
-              <a:defRPr/>
-            </a:pPr>
-            <a:r>
-              <a:rPr lang="be-BY" sz="1200" dirty="0">
-                <a:solidFill>
-                  <a:schemeClr val="bg1"/>
-                </a:solidFill>
-                <a:latin typeface="Courier New" pitchFamily="49" charset="0"/>
-                <a:ea typeface="Calibri" pitchFamily="34" charset="0"/>
-                <a:cs typeface="Courier New" pitchFamily="49" charset="0"/>
-              </a:rPr>
-              <a:t>            string str = Console.ReadLine();</a:t>
-            </a:r>
-            <a:endParaRPr lang="be-BY" sz="1200" dirty="0">
-              <a:solidFill>
-                <a:schemeClr val="bg1"/>
-              </a:solidFill>
-              <a:latin typeface="Arial" pitchFamily="34" charset="0"/>
-            </a:endParaRPr>
-          </a:p>
-          <a:p>
-            <a:pPr eaLnBrk="0" hangingPunct="0">
-              <a:defRPr/>
-            </a:pPr>
-            <a:r>
-              <a:rPr lang="be-BY" sz="1200" dirty="0">
-                <a:solidFill>
-                  <a:schemeClr val="bg1"/>
-                </a:solidFill>
-                <a:latin typeface="Courier New" pitchFamily="49" charset="0"/>
-                <a:ea typeface="Calibri" pitchFamily="34" charset="0"/>
-                <a:cs typeface="Courier New" pitchFamily="49" charset="0"/>
-              </a:rPr>
-              <a:t>            byte[] bytes = uc.GetBytes(str);</a:t>
-            </a:r>
-            <a:endParaRPr lang="be-BY" sz="1200" dirty="0">
-              <a:solidFill>
-                <a:schemeClr val="bg1"/>
-              </a:solidFill>
-              <a:latin typeface="Arial" pitchFamily="34" charset="0"/>
-            </a:endParaRPr>
-          </a:p>
-          <a:p>
-            <a:pPr eaLnBrk="0" hangingPunct="0">
-              <a:defRPr/>
-            </a:pPr>
-            <a:r>
-              <a:rPr lang="be-BY" sz="1200" dirty="0">
-                <a:solidFill>
-                  <a:schemeClr val="bg1"/>
-                </a:solidFill>
-                <a:latin typeface="Courier New" pitchFamily="49" charset="0"/>
-                <a:ea typeface="Calibri" pitchFamily="34" charset="0"/>
-                <a:cs typeface="Courier New" pitchFamily="49" charset="0"/>
-              </a:rPr>
-              <a:t>            Console.Write( "GetBytes : "</a:t>
-            </a:r>
-            <a:r>
-              <a:rPr lang="en-US" sz="1200" dirty="0">
-                <a:solidFill>
-                  <a:schemeClr val="bg1"/>
-                </a:solidFill>
-                <a:latin typeface="Courier New" pitchFamily="49" charset="0"/>
-                <a:ea typeface="Calibri" pitchFamily="34" charset="0"/>
-                <a:cs typeface="Courier New" pitchFamily="49" charset="0"/>
-              </a:rPr>
-              <a:t> </a:t>
-            </a:r>
-            <a:r>
-              <a:rPr lang="be-BY" sz="1200" dirty="0">
-                <a:solidFill>
-                  <a:schemeClr val="bg1"/>
-                </a:solidFill>
-                <a:latin typeface="Courier New" pitchFamily="49" charset="0"/>
-                <a:ea typeface="Calibri" pitchFamily="34" charset="0"/>
-                <a:cs typeface="Courier New" pitchFamily="49" charset="0"/>
-              </a:rPr>
-              <a:t>);</a:t>
-            </a:r>
-            <a:endParaRPr lang="be-BY" sz="1200" dirty="0">
-              <a:solidFill>
-                <a:schemeClr val="bg1"/>
-              </a:solidFill>
-              <a:latin typeface="Arial" pitchFamily="34" charset="0"/>
-            </a:endParaRPr>
-          </a:p>
-          <a:p>
-            <a:pPr eaLnBrk="0" hangingPunct="0">
-              <a:defRPr/>
-            </a:pPr>
-            <a:r>
-              <a:rPr lang="be-BY" sz="1200" dirty="0">
-                <a:solidFill>
-                  <a:schemeClr val="bg1"/>
-                </a:solidFill>
-                <a:latin typeface="Courier New" pitchFamily="49" charset="0"/>
-                <a:ea typeface="Calibri" pitchFamily="34" charset="0"/>
-                <a:cs typeface="Courier New" pitchFamily="49" charset="0"/>
-              </a:rPr>
-              <a:t>            foreach (</a:t>
-            </a:r>
-            <a:r>
-              <a:rPr lang="en-US" sz="1200" dirty="0">
-                <a:solidFill>
-                  <a:schemeClr val="bg1"/>
-                </a:solidFill>
-                <a:latin typeface="Courier New" pitchFamily="49" charset="0"/>
-                <a:ea typeface="Calibri" pitchFamily="34" charset="0"/>
-                <a:cs typeface="Courier New" pitchFamily="49" charset="0"/>
-              </a:rPr>
-              <a:t> </a:t>
-            </a:r>
-            <a:r>
-              <a:rPr lang="be-BY" sz="1200" dirty="0">
-                <a:solidFill>
-                  <a:schemeClr val="bg1"/>
-                </a:solidFill>
-                <a:latin typeface="Courier New" pitchFamily="49" charset="0"/>
-                <a:ea typeface="Calibri" pitchFamily="34" charset="0"/>
-                <a:cs typeface="Courier New" pitchFamily="49" charset="0"/>
-              </a:rPr>
-              <a:t>byte b in bytes</a:t>
-            </a:r>
-            <a:r>
-              <a:rPr lang="en-US" sz="1200" dirty="0">
-                <a:solidFill>
-                  <a:schemeClr val="bg1"/>
-                </a:solidFill>
-                <a:latin typeface="Courier New" pitchFamily="49" charset="0"/>
-                <a:ea typeface="Calibri" pitchFamily="34" charset="0"/>
-                <a:cs typeface="Courier New" pitchFamily="49" charset="0"/>
-              </a:rPr>
-              <a:t> </a:t>
-            </a:r>
-            <a:r>
-              <a:rPr lang="be-BY" sz="1200" dirty="0">
-                <a:solidFill>
-                  <a:schemeClr val="bg1"/>
-                </a:solidFill>
-                <a:latin typeface="Courier New" pitchFamily="49" charset="0"/>
-                <a:ea typeface="Calibri" pitchFamily="34" charset="0"/>
-                <a:cs typeface="Courier New" pitchFamily="49" charset="0"/>
-              </a:rPr>
-              <a:t>)</a:t>
-            </a:r>
-            <a:endParaRPr lang="be-BY" sz="1200" dirty="0">
-              <a:solidFill>
-                <a:schemeClr val="bg1"/>
-              </a:solidFill>
-              <a:latin typeface="Arial" pitchFamily="34" charset="0"/>
-            </a:endParaRPr>
-          </a:p>
-          <a:p>
-            <a:pPr eaLnBrk="0" hangingPunct="0">
-              <a:defRPr/>
-            </a:pPr>
-            <a:r>
-              <a:rPr lang="be-BY" sz="1200" dirty="0">
-                <a:solidFill>
-                  <a:schemeClr val="bg1"/>
-                </a:solidFill>
-                <a:latin typeface="Courier New" pitchFamily="49" charset="0"/>
-                <a:ea typeface="Calibri" pitchFamily="34" charset="0"/>
-                <a:cs typeface="Courier New" pitchFamily="49" charset="0"/>
-              </a:rPr>
-              <a:t>                Console.Write( (</a:t>
-            </a:r>
-            <a:r>
-              <a:rPr lang="en-US" sz="1200" dirty="0">
-                <a:solidFill>
-                  <a:schemeClr val="bg1"/>
-                </a:solidFill>
-                <a:latin typeface="Courier New" pitchFamily="49" charset="0"/>
-                <a:ea typeface="Calibri" pitchFamily="34" charset="0"/>
-                <a:cs typeface="Courier New" pitchFamily="49" charset="0"/>
-              </a:rPr>
-              <a:t> </a:t>
-            </a:r>
-            <a:r>
-              <a:rPr lang="be-BY" sz="1200" dirty="0">
-                <a:solidFill>
-                  <a:schemeClr val="bg1"/>
-                </a:solidFill>
-                <a:latin typeface="Courier New" pitchFamily="49" charset="0"/>
-                <a:ea typeface="Calibri" pitchFamily="34" charset="0"/>
-                <a:cs typeface="Courier New" pitchFamily="49" charset="0"/>
-              </a:rPr>
-              <a:t>Char</a:t>
-            </a:r>
-            <a:r>
-              <a:rPr lang="en-US" sz="1200" dirty="0">
-                <a:solidFill>
-                  <a:schemeClr val="bg1"/>
-                </a:solidFill>
-                <a:latin typeface="Courier New" pitchFamily="49" charset="0"/>
-                <a:ea typeface="Calibri" pitchFamily="34" charset="0"/>
-                <a:cs typeface="Courier New" pitchFamily="49" charset="0"/>
-              </a:rPr>
-              <a:t> </a:t>
-            </a:r>
-            <a:r>
-              <a:rPr lang="be-BY" sz="1200" dirty="0">
-                <a:solidFill>
-                  <a:schemeClr val="bg1"/>
-                </a:solidFill>
-                <a:latin typeface="Courier New" pitchFamily="49" charset="0"/>
-                <a:ea typeface="Calibri" pitchFamily="34" charset="0"/>
-                <a:cs typeface="Courier New" pitchFamily="49" charset="0"/>
-              </a:rPr>
-              <a:t>)b );</a:t>
-            </a:r>
-            <a:endParaRPr lang="be-BY" sz="1200" dirty="0">
-              <a:solidFill>
-                <a:schemeClr val="bg1"/>
-              </a:solidFill>
-              <a:latin typeface="Arial" pitchFamily="34" charset="0"/>
-            </a:endParaRPr>
-          </a:p>
-          <a:p>
-            <a:pPr eaLnBrk="0" hangingPunct="0">
-              <a:defRPr/>
-            </a:pPr>
-            <a:r>
-              <a:rPr lang="be-BY" sz="1200" dirty="0">
-                <a:solidFill>
-                  <a:schemeClr val="bg1"/>
-                </a:solidFill>
-                <a:latin typeface="Courier New" pitchFamily="49" charset="0"/>
-                <a:ea typeface="Calibri" pitchFamily="34" charset="0"/>
-                <a:cs typeface="Courier New" pitchFamily="49" charset="0"/>
-              </a:rPr>
-              <a:t>            string s = uc.GetString(bytes);</a:t>
-            </a:r>
-            <a:endParaRPr lang="be-BY" sz="1200" dirty="0">
-              <a:solidFill>
-                <a:schemeClr val="bg1"/>
-              </a:solidFill>
-              <a:latin typeface="Arial" pitchFamily="34" charset="0"/>
-            </a:endParaRPr>
-          </a:p>
-          <a:p>
-            <a:pPr eaLnBrk="0" hangingPunct="0">
-              <a:defRPr/>
-            </a:pPr>
-            <a:r>
-              <a:rPr lang="be-BY" sz="1200" dirty="0">
-                <a:solidFill>
-                  <a:schemeClr val="bg1"/>
-                </a:solidFill>
-                <a:latin typeface="Courier New" pitchFamily="49" charset="0"/>
-                <a:ea typeface="Calibri" pitchFamily="34" charset="0"/>
-                <a:cs typeface="Courier New" pitchFamily="49" charset="0"/>
-              </a:rPr>
-              <a:t>            Console.WriteLine(</a:t>
-            </a:r>
-            <a:r>
-              <a:rPr lang="en-US" sz="1200" dirty="0">
-                <a:solidFill>
-                  <a:schemeClr val="bg1"/>
-                </a:solidFill>
-                <a:latin typeface="Courier New" pitchFamily="49" charset="0"/>
-                <a:ea typeface="Calibri" pitchFamily="34" charset="0"/>
-                <a:cs typeface="Courier New" pitchFamily="49" charset="0"/>
-              </a:rPr>
-              <a:t> </a:t>
-            </a:r>
-            <a:r>
-              <a:rPr lang="be-BY" sz="1200" dirty="0">
-                <a:solidFill>
-                  <a:schemeClr val="bg1"/>
-                </a:solidFill>
-                <a:latin typeface="Courier New" pitchFamily="49" charset="0"/>
-                <a:ea typeface="Calibri" pitchFamily="34" charset="0"/>
-                <a:cs typeface="Courier New" pitchFamily="49" charset="0"/>
-              </a:rPr>
-              <a:t>"\nGetString : {0}",</a:t>
-            </a:r>
-            <a:r>
-              <a:rPr lang="en-US" sz="1200" dirty="0">
-                <a:solidFill>
-                  <a:schemeClr val="bg1"/>
-                </a:solidFill>
-                <a:latin typeface="Courier New" pitchFamily="49" charset="0"/>
-                <a:ea typeface="Calibri" pitchFamily="34" charset="0"/>
-                <a:cs typeface="Courier New" pitchFamily="49" charset="0"/>
-              </a:rPr>
-              <a:t> </a:t>
-            </a:r>
-            <a:r>
-              <a:rPr lang="be-BY" sz="1200" dirty="0">
-                <a:solidFill>
-                  <a:schemeClr val="bg1"/>
-                </a:solidFill>
-                <a:latin typeface="Courier New" pitchFamily="49" charset="0"/>
-                <a:ea typeface="Calibri" pitchFamily="34" charset="0"/>
-                <a:cs typeface="Courier New" pitchFamily="49" charset="0"/>
-              </a:rPr>
-              <a:t>s</a:t>
-            </a:r>
-            <a:r>
-              <a:rPr lang="en-US" sz="1200" dirty="0">
-                <a:solidFill>
-                  <a:schemeClr val="bg1"/>
-                </a:solidFill>
-                <a:latin typeface="Courier New" pitchFamily="49" charset="0"/>
-                <a:ea typeface="Calibri" pitchFamily="34" charset="0"/>
-                <a:cs typeface="Courier New" pitchFamily="49" charset="0"/>
-              </a:rPr>
-              <a:t> </a:t>
-            </a:r>
-            <a:r>
-              <a:rPr lang="be-BY" sz="1200" dirty="0">
-                <a:solidFill>
-                  <a:schemeClr val="bg1"/>
-                </a:solidFill>
-                <a:latin typeface="Courier New" pitchFamily="49" charset="0"/>
-                <a:ea typeface="Calibri" pitchFamily="34" charset="0"/>
-                <a:cs typeface="Courier New" pitchFamily="49" charset="0"/>
-              </a:rPr>
-              <a:t>);</a:t>
-            </a:r>
-            <a:endParaRPr lang="be-BY" sz="1200" dirty="0">
-              <a:solidFill>
-                <a:schemeClr val="bg1"/>
-              </a:solidFill>
-              <a:latin typeface="Arial" pitchFamily="34" charset="0"/>
-            </a:endParaRPr>
-          </a:p>
-        </p:txBody>
-      </p:sp>
-    </p:spTree>
-    <p:extLst>
-      <p:ext uri="{BB962C8B-B14F-4D97-AF65-F5344CB8AC3E}">
-        <p14:creationId xmlns:p14="http://schemas.microsoft.com/office/powerpoint/2010/main" val="2691673247"/>
-      </p:ext>
-    </p:extLst>
-  </p:cSld>
-  <p:clrMapOvr>
-    <a:masterClrMapping/>
-  </p:clrMapOvr>
-  <p:timing>
-    <p:tnLst>
-      <p:par>
-        <p:cTn id="1" dur="indefinite" restart="never" nodeType="tmRoot"/>
-      </p:par>
-    </p:tnLst>
-  </p:timing>
-</p:sld>
-</file>
-
-<file path=ppt/slides/slide9.xml><?xml version="1.0" encoding="utf-8"?>
-<p:sld xmlns:a="http://schemas.openxmlformats.org/drawingml/2006/main" xmlns:r="http://schemas.openxmlformats.org/officeDocument/2006/relationships" xmlns:p="http://schemas.openxmlformats.org/presentationml/2006/main">
-  <p:cSld>
-    <p:bg>
-      <p:bgPr>
-        <a:blipFill dpi="0" rotWithShape="1">
-          <a:blip r:embed="rId2">
-            <a:lum/>
-          </a:blip>
-          <a:srcRect/>
-          <a:stretch>
-            <a:fillRect/>
-          </a:stretch>
-        </a:blipFill>
-        <a:effectLst/>
-      </p:bgPr>
-    </p:bg>
-    <p:spTree>
-      <p:nvGrpSpPr>
-        <p:cNvPr id="1" name=""/>
-        <p:cNvGrpSpPr/>
-        <p:nvPr/>
-      </p:nvGrpSpPr>
-      <p:grpSpPr>
-        <a:xfrm>
-          <a:off x="0" y="0"/>
-          <a:ext cx="0" cy="0"/>
-          <a:chOff x="0" y="0"/>
-          <a:chExt cx="0" cy="0"/>
-        </a:xfrm>
-      </p:grpSpPr>
-      <p:sp>
-        <p:nvSpPr>
-          <p:cNvPr id="9218" name="Rectangle 1"/>
-          <p:cNvSpPr>
-            <a:spLocks noChangeArrowheads="1"/>
-          </p:cNvSpPr>
-          <p:nvPr/>
-        </p:nvSpPr>
-        <p:spPr bwMode="auto">
-          <a:xfrm>
-            <a:off x="457200" y="-4763"/>
-            <a:ext cx="8305800" cy="461963"/>
-          </a:xfrm>
-          <a:prstGeom prst="rect">
-            <a:avLst/>
-          </a:prstGeom>
-          <a:noFill/>
-          <a:ln>
-            <a:noFill/>
-          </a:ln>
-          <a:extLst>
-            <a:ext uri="{909E8E84-426E-40DD-AFC4-6F175D3DCCD1}">
-              <a14:hiddenFill xmlns:a14="http://schemas.microsoft.com/office/drawing/2010/main">
-                <a:solidFill>
-                  <a:srgbClr val="FFFFFF"/>
-                </a:solidFill>
-              </a14:hiddenFill>
-            </a:ext>
-            <a:ext uri="{91240B29-F687-4F45-9708-019B960494DF}">
-              <a14:hiddenLine xmlns:a14="http://schemas.microsoft.com/office/drawing/2010/main" w="9525">
-                <a:solidFill>
-                  <a:srgbClr val="000000"/>
-                </a:solidFill>
-                <a:miter lim="800000"/>
-                <a:headEnd/>
-                <a:tailEnd/>
-              </a14:hiddenLine>
-            </a:ext>
-          </a:extLst>
-        </p:spPr>
-        <p:txBody>
-          <a:bodyPr anchor="ctr">
-            <a:spAutoFit/>
-          </a:bodyPr>
-          <a:lstStyle/>
-          <a:p>
-            <a:pPr algn="ctr">
-              <a:tabLst>
-                <a:tab pos="457200" algn="l"/>
-              </a:tabLst>
-            </a:pPr>
-            <a:r>
-              <a:rPr lang="en-US" sz="2400">
-                <a:cs typeface="Times New Roman" pitchFamily="18" charset="0"/>
-              </a:rPr>
-              <a:t>*</a:t>
-            </a:r>
-            <a:r>
-              <a:rPr lang="ru-RU" sz="2400">
-                <a:cs typeface="Times New Roman" pitchFamily="18" charset="0"/>
-              </a:rPr>
-              <a:t>Регулярные выражения</a:t>
-            </a:r>
-            <a:r>
-              <a:rPr lang="en-US" sz="2400">
-                <a:cs typeface="Times New Roman" pitchFamily="18" charset="0"/>
-              </a:rPr>
-              <a:t>.</a:t>
-            </a:r>
-          </a:p>
-        </p:txBody>
-      </p:sp>
-      <p:sp>
-        <p:nvSpPr>
-          <p:cNvPr id="9219" name="Rectangle 64"/>
-          <p:cNvSpPr>
-            <a:spLocks noChangeArrowheads="1"/>
-          </p:cNvSpPr>
-          <p:nvPr/>
-        </p:nvSpPr>
-        <p:spPr bwMode="auto">
-          <a:xfrm>
-            <a:off x="0" y="0"/>
-            <a:ext cx="9144000" cy="0"/>
-          </a:xfrm>
-          <a:prstGeom prst="rect">
-            <a:avLst/>
-          </a:prstGeom>
-          <a:noFill/>
-          <a:ln>
-            <a:noFill/>
-          </a:ln>
-          <a:extLst>
-            <a:ext uri="{909E8E84-426E-40DD-AFC4-6F175D3DCCD1}">
-              <a14:hiddenFill xmlns:a14="http://schemas.microsoft.com/office/drawing/2010/main">
-                <a:solidFill>
-                  <a:srgbClr val="FFFFFF"/>
-                </a:solidFill>
-              </a14:hiddenFill>
-            </a:ext>
-            <a:ext uri="{91240B29-F687-4F45-9708-019B960494DF}">
-              <a14:hiddenLine xmlns:a14="http://schemas.microsoft.com/office/drawing/2010/main" w="9525">
-                <a:solidFill>
-                  <a:srgbClr val="000000"/>
-                </a:solidFill>
-                <a:miter lim="800000"/>
-                <a:headEnd/>
-                <a:tailEnd/>
-              </a14:hiddenLine>
-            </a:ext>
-          </a:extLst>
-        </p:spPr>
-        <p:txBody>
-          <a:bodyPr wrap="none" anchor="ctr">
-            <a:spAutoFit/>
-          </a:bodyPr>
-          <a:lstStyle/>
-          <a:p>
-            <a:endParaRPr lang="be-BY"/>
-          </a:p>
-        </p:txBody>
-      </p:sp>
-      <p:sp>
-        <p:nvSpPr>
-          <p:cNvPr id="9220" name="Rectangle 1"/>
-          <p:cNvSpPr>
-            <a:spLocks noChangeArrowheads="1"/>
-          </p:cNvSpPr>
-          <p:nvPr/>
-        </p:nvSpPr>
-        <p:spPr bwMode="auto">
-          <a:xfrm>
-            <a:off x="304800" y="533400"/>
-            <a:ext cx="8610600" cy="1816100"/>
-          </a:xfrm>
-          <a:prstGeom prst="rect">
-            <a:avLst/>
-          </a:prstGeom>
-          <a:noFill/>
-          <a:ln>
-            <a:noFill/>
-          </a:ln>
-          <a:extLst>
-            <a:ext uri="{909E8E84-426E-40DD-AFC4-6F175D3DCCD1}">
-              <a14:hiddenFill xmlns:a14="http://schemas.microsoft.com/office/drawing/2010/main">
-                <a:solidFill>
-                  <a:srgbClr val="FFFFFF"/>
-                </a:solidFill>
-              </a14:hiddenFill>
-            </a:ext>
-            <a:ext uri="{91240B29-F687-4F45-9708-019B960494DF}">
-              <a14:hiddenLine xmlns:a14="http://schemas.microsoft.com/office/drawing/2010/main" w="9525">
-                <a:solidFill>
-                  <a:srgbClr val="000000"/>
-                </a:solidFill>
-                <a:miter lim="800000"/>
-                <a:headEnd/>
-                <a:tailEnd/>
-              </a14:hiddenLine>
-            </a:ext>
-          </a:extLst>
-        </p:spPr>
-        <p:txBody>
-          <a:bodyPr anchor="ctr">
-            <a:spAutoFit/>
-          </a:bodyPr>
-          <a:lstStyle/>
-          <a:p>
-            <a:pPr eaLnBrk="0" hangingPunct="0"/>
-            <a:r>
-              <a:rPr lang="be-BY" sz="1400" dirty="0">
-                <a:solidFill>
-                  <a:schemeClr val="bg1"/>
-                </a:solidFill>
-                <a:latin typeface="Courier New" pitchFamily="49" charset="0"/>
-                <a:ea typeface="Calibri" pitchFamily="34" charset="0"/>
-                <a:cs typeface="Courier New" pitchFamily="49" charset="0"/>
-              </a:rPr>
-              <a:t>Regex re = new Regex(@"[0-9]+(\.[0-9]+)?", RegexOptions.Compiled);</a:t>
-            </a:r>
-            <a:endParaRPr lang="be-BY" sz="1400" dirty="0">
-              <a:solidFill>
-                <a:schemeClr val="bg1"/>
-              </a:solidFill>
-              <a:ea typeface="Calibri" pitchFamily="34" charset="0"/>
-              <a:cs typeface="Courier New" pitchFamily="49" charset="0"/>
-            </a:endParaRPr>
-          </a:p>
-          <a:p>
-            <a:pPr eaLnBrk="0" hangingPunct="0"/>
-            <a:r>
-              <a:rPr lang="be-BY" sz="1400" dirty="0">
-                <a:solidFill>
-                  <a:schemeClr val="bg1"/>
-                </a:solidFill>
-                <a:latin typeface="Courier New" pitchFamily="49" charset="0"/>
-                <a:ea typeface="Calibri" pitchFamily="34" charset="0"/>
-                <a:cs typeface="Courier New" pitchFamily="49" charset="0"/>
-              </a:rPr>
-              <a:t>Match m = re.Match("91283.0193+90237*2019.2323");</a:t>
-            </a:r>
-            <a:endParaRPr lang="be-BY" sz="1400" dirty="0">
-              <a:solidFill>
-                <a:schemeClr val="bg1"/>
-              </a:solidFill>
-              <a:ea typeface="Calibri" pitchFamily="34" charset="0"/>
-              <a:cs typeface="Courier New" pitchFamily="49" charset="0"/>
-            </a:endParaRPr>
-          </a:p>
-          <a:p>
-            <a:pPr eaLnBrk="0" hangingPunct="0"/>
-            <a:r>
-              <a:rPr lang="be-BY" sz="1400" dirty="0">
-                <a:solidFill>
-                  <a:schemeClr val="bg1"/>
-                </a:solidFill>
-                <a:latin typeface="Courier New" pitchFamily="49" charset="0"/>
-                <a:ea typeface="Calibri" pitchFamily="34" charset="0"/>
-                <a:cs typeface="Courier New" pitchFamily="49" charset="0"/>
-              </a:rPr>
-              <a:t>while (m.Success)</a:t>
-            </a:r>
-            <a:endParaRPr lang="be-BY" sz="1400" dirty="0">
-              <a:solidFill>
-                <a:schemeClr val="bg1"/>
-              </a:solidFill>
-              <a:ea typeface="Calibri" pitchFamily="34" charset="0"/>
-              <a:cs typeface="Courier New" pitchFamily="49" charset="0"/>
-            </a:endParaRPr>
-          </a:p>
-          <a:p>
-            <a:pPr eaLnBrk="0" hangingPunct="0"/>
-            <a:r>
-              <a:rPr lang="be-BY" sz="1400" dirty="0">
-                <a:solidFill>
-                  <a:schemeClr val="bg1"/>
-                </a:solidFill>
-                <a:latin typeface="Courier New" pitchFamily="49" charset="0"/>
-                <a:ea typeface="Calibri" pitchFamily="34" charset="0"/>
-                <a:cs typeface="Courier New" pitchFamily="49" charset="0"/>
-              </a:rPr>
-              <a:t>{</a:t>
-            </a:r>
-            <a:endParaRPr lang="be-BY" sz="1400" dirty="0">
-              <a:solidFill>
-                <a:schemeClr val="bg1"/>
-              </a:solidFill>
-              <a:ea typeface="Calibri" pitchFamily="34" charset="0"/>
-              <a:cs typeface="Courier New" pitchFamily="49" charset="0"/>
-            </a:endParaRPr>
-          </a:p>
-          <a:p>
-            <a:pPr eaLnBrk="0" hangingPunct="0"/>
-            <a:r>
-              <a:rPr lang="en-US" sz="1400" dirty="0">
-                <a:solidFill>
-                  <a:schemeClr val="bg1"/>
-                </a:solidFill>
-                <a:latin typeface="Courier New" pitchFamily="49" charset="0"/>
-                <a:ea typeface="Calibri" pitchFamily="34" charset="0"/>
-                <a:cs typeface="Courier New" pitchFamily="49" charset="0"/>
-              </a:rPr>
-              <a:t>    </a:t>
-            </a:r>
-            <a:r>
-              <a:rPr lang="be-BY" sz="1400" dirty="0">
-                <a:solidFill>
-                  <a:schemeClr val="bg1"/>
-                </a:solidFill>
-                <a:latin typeface="Courier New" pitchFamily="49" charset="0"/>
-                <a:ea typeface="Calibri" pitchFamily="34" charset="0"/>
-                <a:cs typeface="Courier New" pitchFamily="49" charset="0"/>
-              </a:rPr>
-              <a:t>Console.WriteLine(m.Index);</a:t>
-            </a:r>
-            <a:endParaRPr lang="be-BY" sz="1400" dirty="0">
-              <a:solidFill>
-                <a:schemeClr val="bg1"/>
-              </a:solidFill>
-              <a:ea typeface="Calibri" pitchFamily="34" charset="0"/>
-              <a:cs typeface="Courier New" pitchFamily="49" charset="0"/>
-            </a:endParaRPr>
-          </a:p>
-          <a:p>
-            <a:pPr eaLnBrk="0" hangingPunct="0"/>
-            <a:r>
-              <a:rPr lang="en-US" sz="1400" dirty="0">
-                <a:solidFill>
-                  <a:schemeClr val="bg1"/>
-                </a:solidFill>
-                <a:latin typeface="Courier New" pitchFamily="49" charset="0"/>
-                <a:ea typeface="Calibri" pitchFamily="34" charset="0"/>
-                <a:cs typeface="Courier New" pitchFamily="49" charset="0"/>
-              </a:rPr>
-              <a:t>    </a:t>
-            </a:r>
-            <a:r>
-              <a:rPr lang="be-BY" sz="1400" dirty="0">
-                <a:solidFill>
-                  <a:schemeClr val="bg1"/>
-                </a:solidFill>
-                <a:latin typeface="Courier New" pitchFamily="49" charset="0"/>
-                <a:ea typeface="Calibri" pitchFamily="34" charset="0"/>
-                <a:cs typeface="Courier New" pitchFamily="49" charset="0"/>
-              </a:rPr>
-              <a:t>Console.WriteLine(m.Value);</a:t>
-            </a:r>
-            <a:endParaRPr lang="be-BY" sz="1400" dirty="0">
-              <a:solidFill>
-                <a:schemeClr val="bg1"/>
-              </a:solidFill>
-              <a:ea typeface="Calibri" pitchFamily="34" charset="0"/>
-              <a:cs typeface="Courier New" pitchFamily="49" charset="0"/>
-            </a:endParaRPr>
-          </a:p>
-          <a:p>
-            <a:pPr eaLnBrk="0" hangingPunct="0"/>
-            <a:r>
-              <a:rPr lang="be-BY" sz="1400" dirty="0">
-                <a:solidFill>
-                  <a:schemeClr val="bg1"/>
-                </a:solidFill>
-                <a:latin typeface="Courier New" pitchFamily="49" charset="0"/>
-                <a:ea typeface="Calibri" pitchFamily="34" charset="0"/>
-                <a:cs typeface="Courier New" pitchFamily="49" charset="0"/>
-              </a:rPr>
-              <a:t>    m = m.NextMatch();</a:t>
-            </a:r>
-            <a:endParaRPr lang="be-BY" sz="1400" dirty="0">
-              <a:solidFill>
-                <a:schemeClr val="bg1"/>
-              </a:solidFill>
-              <a:ea typeface="Calibri" pitchFamily="34" charset="0"/>
-              <a:cs typeface="Courier New" pitchFamily="49" charset="0"/>
-            </a:endParaRPr>
-          </a:p>
-          <a:p>
-            <a:pPr eaLnBrk="0" hangingPunct="0"/>
-            <a:r>
-              <a:rPr lang="be-BY" sz="1400" dirty="0">
-                <a:solidFill>
-                  <a:schemeClr val="bg1"/>
-                </a:solidFill>
-                <a:latin typeface="Courier New" pitchFamily="49" charset="0"/>
-                <a:ea typeface="Calibri" pitchFamily="34" charset="0"/>
-                <a:cs typeface="Courier New" pitchFamily="49" charset="0"/>
-              </a:rPr>
-              <a:t>}</a:t>
-            </a:r>
-            <a:endParaRPr lang="be-BY" sz="1400" dirty="0">
-              <a:solidFill>
-                <a:schemeClr val="bg1"/>
-              </a:solidFill>
-              <a:ea typeface="Calibri" pitchFamily="34" charset="0"/>
-              <a:cs typeface="Courier New" pitchFamily="49" charset="0"/>
-            </a:endParaRPr>
-          </a:p>
-        </p:txBody>
-      </p:sp>
-      <p:graphicFrame>
-        <p:nvGraphicFramePr>
-          <p:cNvPr id="11" name="Таблица 10"/>
-          <p:cNvGraphicFramePr>
-            <a:graphicFrameLocks noGrp="1"/>
-          </p:cNvGraphicFramePr>
-          <p:nvPr/>
-        </p:nvGraphicFramePr>
-        <p:xfrm>
-          <a:off x="152400" y="2422525"/>
-          <a:ext cx="8839200" cy="1783023"/>
-        </p:xfrm>
-        <a:graphic>
-          <a:graphicData uri="http://schemas.openxmlformats.org/drawingml/2006/table">
-            <a:tbl>
-              <a:tblPr>
-                <a:tableStyleId>{5940675A-B579-460E-94D1-54222C63F5DA}</a:tableStyleId>
-              </a:tblPr>
-              <a:tblGrid>
-                <a:gridCol w="1066799"/>
-                <a:gridCol w="6096001"/>
-                <a:gridCol w="1676400"/>
-              </a:tblGrid>
-              <a:tr h="365695">
-                <a:tc>
-                  <a:txBody>
-                    <a:bodyPr/>
-                    <a:lstStyle/>
-                    <a:p>
-                      <a:pPr algn="ctr">
-                        <a:spcAft>
-                          <a:spcPts val="0"/>
-                        </a:spcAft>
-                      </a:pPr>
-                      <a:r>
-                        <a:rPr lang="ru-RU" sz="1200" dirty="0"/>
-                        <a:t>Выражение</a:t>
-                      </a:r>
-                      <a:endParaRPr lang="be-BY" sz="1200" dirty="0">
-                        <a:latin typeface="Times New Roman"/>
-                        <a:ea typeface="Times New Roman"/>
-                      </a:endParaRPr>
-                    </a:p>
-                  </a:txBody>
-                  <a:tcPr marL="68580" marR="68580" marT="0" marB="0" anchor="ctr">
-                    <a:lnL w="12700" cap="flat" cmpd="sng" algn="ctr">
-                      <a:solidFill>
-                        <a:schemeClr val="tx1"/>
-                      </a:solidFill>
-                      <a:prstDash val="solid"/>
-                      <a:round/>
-                      <a:headEnd type="none" w="med" len="med"/>
-                      <a:tailEnd type="none" w="med" len="med"/>
-                    </a:lnL>
-                    <a:lnR w="12700" cap="flat" cmpd="sng" algn="ctr">
-                      <a:solidFill>
-                        <a:schemeClr val="tx1"/>
-                      </a:solidFill>
-                      <a:prstDash val="solid"/>
-                      <a:round/>
-                      <a:headEnd type="none" w="med" len="med"/>
-                      <a:tailEnd type="none" w="med" len="med"/>
-                    </a:lnR>
-                    <a:lnT w="12700" cap="flat" cmpd="sng" algn="ctr">
-                      <a:solidFill>
-                        <a:schemeClr val="tx1"/>
-                      </a:solidFill>
-                      <a:prstDash val="solid"/>
-                      <a:round/>
-                      <a:headEnd type="none" w="med" len="med"/>
-                      <a:tailEnd type="none" w="med" len="med"/>
-                    </a:lnT>
-                    <a:lnB w="12700" cap="flat" cmpd="sng" algn="ctr">
-                      <a:solidFill>
-                        <a:schemeClr val="tx1"/>
-                      </a:solidFill>
-                      <a:prstDash val="solid"/>
-                      <a:round/>
-                      <a:headEnd type="none" w="med" len="med"/>
-                      <a:tailEnd type="none" w="med" len="med"/>
-                    </a:lnB>
-                  </a:tcPr>
-                </a:tc>
-                <a:tc>
-                  <a:txBody>
-                    <a:bodyPr/>
-                    <a:lstStyle/>
-                    <a:p>
-                      <a:pPr algn="ctr">
-                        <a:spcAft>
-                          <a:spcPts val="0"/>
-                        </a:spcAft>
-                      </a:pPr>
-                      <a:r>
-                        <a:rPr lang="ru-RU" sz="1200"/>
-                        <a:t>Значение</a:t>
-                      </a:r>
-                      <a:endParaRPr lang="be-BY" sz="1200">
-                        <a:latin typeface="Times New Roman"/>
-                        <a:ea typeface="Times New Roman"/>
-                      </a:endParaRPr>
-                    </a:p>
-                  </a:txBody>
-                  <a:tcPr marL="68580" marR="68580" marT="0" marB="0" anchor="ctr">
-                    <a:lnL w="12700" cap="flat" cmpd="sng" algn="ctr">
-                      <a:solidFill>
-                        <a:schemeClr val="tx1"/>
-                      </a:solidFill>
-                      <a:prstDash val="solid"/>
-                      <a:round/>
-                      <a:headEnd type="none" w="med" len="med"/>
-                      <a:tailEnd type="none" w="med" len="med"/>
-                    </a:lnL>
-                    <a:lnR w="12700" cap="flat" cmpd="sng" algn="ctr">
-                      <a:solidFill>
-                        <a:schemeClr val="tx1"/>
-                      </a:solidFill>
-                      <a:prstDash val="solid"/>
-                      <a:round/>
-                      <a:headEnd type="none" w="med" len="med"/>
-                      <a:tailEnd type="none" w="med" len="med"/>
-                    </a:lnR>
-                    <a:lnT w="12700" cap="flat" cmpd="sng" algn="ctr">
-                      <a:solidFill>
-                        <a:schemeClr val="tx1"/>
-                      </a:solidFill>
-                      <a:prstDash val="solid"/>
-                      <a:round/>
-                      <a:headEnd type="none" w="med" len="med"/>
-                      <a:tailEnd type="none" w="med" len="med"/>
-                    </a:lnT>
-                    <a:lnB w="12700" cap="flat" cmpd="sng" algn="ctr">
-                      <a:solidFill>
-                        <a:schemeClr val="tx1"/>
-                      </a:solidFill>
-                      <a:prstDash val="solid"/>
-                      <a:round/>
-                      <a:headEnd type="none" w="med" len="med"/>
-                      <a:tailEnd type="none" w="med" len="med"/>
-                    </a:lnB>
-                  </a:tcPr>
-                </a:tc>
-                <a:tc>
-                  <a:txBody>
-                    <a:bodyPr/>
-                    <a:lstStyle/>
-                    <a:p>
-                      <a:pPr algn="ctr">
-                        <a:spcAft>
-                          <a:spcPts val="0"/>
-                        </a:spcAft>
-                      </a:pPr>
-                      <a:r>
-                        <a:rPr lang="ru-RU" sz="1200" dirty="0"/>
-                        <a:t>Выражение, обратное по смыслу («не»)</a:t>
-                      </a:r>
-                      <a:endParaRPr lang="be-BY" sz="1200" dirty="0">
-                        <a:latin typeface="Times New Roman"/>
-                        <a:ea typeface="Times New Roman"/>
-                      </a:endParaRPr>
-                    </a:p>
-                  </a:txBody>
-                  <a:tcPr marL="68580" marR="68580" marT="0" marB="0">
-                    <a:lnL w="12700" cap="flat" cmpd="sng" algn="ctr">
-                      <a:solidFill>
-                        <a:schemeClr val="tx1"/>
-                      </a:solidFill>
-                      <a:prstDash val="solid"/>
-                      <a:round/>
-                      <a:headEnd type="none" w="med" len="med"/>
-                      <a:tailEnd type="none" w="med" len="med"/>
-                    </a:lnL>
-                    <a:lnR w="12700" cap="flat" cmpd="sng" algn="ctr">
-                      <a:solidFill>
-                        <a:schemeClr val="tx1"/>
-                      </a:solidFill>
-                      <a:prstDash val="solid"/>
-                      <a:round/>
-                      <a:headEnd type="none" w="med" len="med"/>
-                      <a:tailEnd type="none" w="med" len="med"/>
-                    </a:lnR>
-                    <a:lnT w="12700" cap="flat" cmpd="sng" algn="ctr">
-                      <a:solidFill>
-                        <a:schemeClr val="tx1"/>
-                      </a:solidFill>
-                      <a:prstDash val="solid"/>
-                      <a:round/>
-                      <a:headEnd type="none" w="med" len="med"/>
-                      <a:tailEnd type="none" w="med" len="med"/>
-                    </a:lnT>
-                    <a:lnB w="12700" cap="flat" cmpd="sng" algn="ctr">
-                      <a:solidFill>
-                        <a:schemeClr val="tx1"/>
-                      </a:solidFill>
-                      <a:prstDash val="solid"/>
-                      <a:round/>
-                      <a:headEnd type="none" w="med" len="med"/>
-                      <a:tailEnd type="none" w="med" len="med"/>
-                    </a:lnB>
-                  </a:tcPr>
-                </a:tc>
-              </a:tr>
-              <a:tr h="182847">
-                <a:tc>
-                  <a:txBody>
-                    <a:bodyPr/>
-                    <a:lstStyle/>
-                    <a:p>
-                      <a:pPr>
-                        <a:spcAft>
-                          <a:spcPts val="0"/>
-                        </a:spcAft>
-                      </a:pPr>
-                      <a:r>
-                        <a:rPr lang="en-US" sz="1100" dirty="0"/>
-                        <a:t>[</a:t>
-                      </a:r>
-                      <a:r>
-                        <a:rPr lang="en-US" sz="1100" dirty="0" err="1"/>
-                        <a:t>abcdef</a:t>
-                      </a:r>
-                      <a:r>
-                        <a:rPr lang="en-US" sz="1100" dirty="0"/>
-                        <a:t>]</a:t>
-                      </a:r>
-                      <a:endParaRPr lang="be-BY" sz="1200" dirty="0">
-                        <a:latin typeface="Times New Roman"/>
-                        <a:ea typeface="Times New Roman"/>
-                      </a:endParaRPr>
-                    </a:p>
-                  </a:txBody>
-                  <a:tcPr marL="68580" marR="68580" marT="0" marB="0" anchor="ctr">
-                    <a:lnL w="12700" cap="flat" cmpd="sng" algn="ctr">
-                      <a:solidFill>
-                        <a:schemeClr val="tx1"/>
-                      </a:solidFill>
-                      <a:prstDash val="solid"/>
-                      <a:round/>
-                      <a:headEnd type="none" w="med" len="med"/>
-                      <a:tailEnd type="none" w="med" len="med"/>
-                    </a:lnL>
-                    <a:lnR w="12700" cap="flat" cmpd="sng" algn="ctr">
-                      <a:solidFill>
-                        <a:schemeClr val="tx1"/>
-                      </a:solidFill>
-                      <a:prstDash val="solid"/>
-                      <a:round/>
-                      <a:headEnd type="none" w="med" len="med"/>
-                      <a:tailEnd type="none" w="med" len="med"/>
-                    </a:lnR>
-                    <a:lnT w="12700" cap="flat" cmpd="sng" algn="ctr">
-                      <a:solidFill>
-                        <a:schemeClr val="tx1"/>
-                      </a:solidFill>
-                      <a:prstDash val="solid"/>
-                      <a:round/>
-                      <a:headEnd type="none" w="med" len="med"/>
-                      <a:tailEnd type="none" w="med" len="med"/>
-                    </a:lnT>
-                    <a:lnB w="12700" cap="flat" cmpd="sng" algn="ctr">
-                      <a:solidFill>
-                        <a:schemeClr val="tx1"/>
-                      </a:solidFill>
-                      <a:prstDash val="solid"/>
-                      <a:round/>
-                      <a:headEnd type="none" w="med" len="med"/>
-                      <a:tailEnd type="none" w="med" len="med"/>
-                    </a:lnB>
-                  </a:tcPr>
-                </a:tc>
-                <a:tc>
-                  <a:txBody>
-                    <a:bodyPr/>
-                    <a:lstStyle/>
-                    <a:p>
-                      <a:pPr algn="just">
-                        <a:spcAft>
-                          <a:spcPts val="0"/>
-                        </a:spcAft>
-                      </a:pPr>
-                      <a:r>
-                        <a:rPr lang="ru-RU" sz="1200"/>
-                        <a:t>Один символ из списка</a:t>
-                      </a:r>
-                      <a:endParaRPr lang="be-BY" sz="1200">
-                        <a:latin typeface="Times New Roman"/>
-                        <a:ea typeface="Times New Roman"/>
-                      </a:endParaRPr>
-                    </a:p>
-                  </a:txBody>
-                  <a:tcPr marL="68580" marR="68580" marT="0" marB="0">
-                    <a:lnL w="12700" cap="flat" cmpd="sng" algn="ctr">
-                      <a:solidFill>
-                        <a:schemeClr val="tx1"/>
-                      </a:solidFill>
-                      <a:prstDash val="solid"/>
-                      <a:round/>
-                      <a:headEnd type="none" w="med" len="med"/>
-                      <a:tailEnd type="none" w="med" len="med"/>
-                    </a:lnL>
-                    <a:lnR w="12700" cap="flat" cmpd="sng" algn="ctr">
-                      <a:solidFill>
-                        <a:schemeClr val="tx1"/>
-                      </a:solidFill>
-                      <a:prstDash val="solid"/>
-                      <a:round/>
-                      <a:headEnd type="none" w="med" len="med"/>
-                      <a:tailEnd type="none" w="med" len="med"/>
-                    </a:lnR>
-                    <a:lnT w="12700" cap="flat" cmpd="sng" algn="ctr">
-                      <a:solidFill>
-                        <a:schemeClr val="tx1"/>
-                      </a:solidFill>
-                      <a:prstDash val="solid"/>
-                      <a:round/>
-                      <a:headEnd type="none" w="med" len="med"/>
-                      <a:tailEnd type="none" w="med" len="med"/>
-                    </a:lnT>
-                    <a:lnB w="12700" cap="flat" cmpd="sng" algn="ctr">
-                      <a:solidFill>
-                        <a:schemeClr val="tx1"/>
-                      </a:solidFill>
-                      <a:prstDash val="solid"/>
-                      <a:round/>
-                      <a:headEnd type="none" w="med" len="med"/>
-                      <a:tailEnd type="none" w="med" len="med"/>
-                    </a:lnB>
-                  </a:tcPr>
-                </a:tc>
-                <a:tc>
-                  <a:txBody>
-                    <a:bodyPr/>
-                    <a:lstStyle/>
-                    <a:p>
-                      <a:pPr>
-                        <a:spcAft>
-                          <a:spcPts val="0"/>
-                        </a:spcAft>
-                      </a:pPr>
-                      <a:r>
-                        <a:rPr lang="en-US" sz="1100" dirty="0"/>
-                        <a:t>[^</a:t>
-                      </a:r>
-                      <a:r>
-                        <a:rPr lang="en-US" sz="1100" dirty="0" err="1"/>
-                        <a:t>abcdef</a:t>
-                      </a:r>
-                      <a:r>
-                        <a:rPr lang="en-US" sz="1100" dirty="0"/>
-                        <a:t>]</a:t>
-                      </a:r>
-                      <a:endParaRPr lang="be-BY" sz="1200" dirty="0">
-                        <a:latin typeface="Times New Roman"/>
-                        <a:ea typeface="Times New Roman"/>
-                      </a:endParaRPr>
-                    </a:p>
-                  </a:txBody>
-                  <a:tcPr marL="68580" marR="68580" marT="0" marB="0" anchor="ctr">
-                    <a:lnL w="12700" cap="flat" cmpd="sng" algn="ctr">
-                      <a:solidFill>
-                        <a:schemeClr val="tx1"/>
-                      </a:solidFill>
-                      <a:prstDash val="solid"/>
-                      <a:round/>
-                      <a:headEnd type="none" w="med" len="med"/>
-                      <a:tailEnd type="none" w="med" len="med"/>
-                    </a:lnL>
-                    <a:lnR w="12700" cap="flat" cmpd="sng" algn="ctr">
-                      <a:solidFill>
-                        <a:schemeClr val="tx1"/>
-                      </a:solidFill>
-                      <a:prstDash val="solid"/>
-                      <a:round/>
-                      <a:headEnd type="none" w="med" len="med"/>
-                      <a:tailEnd type="none" w="med" len="med"/>
-                    </a:lnR>
-                    <a:lnT w="12700" cap="flat" cmpd="sng" algn="ctr">
-                      <a:solidFill>
-                        <a:schemeClr val="tx1"/>
-                      </a:solidFill>
-                      <a:prstDash val="solid"/>
-                      <a:round/>
-                      <a:headEnd type="none" w="med" len="med"/>
-                      <a:tailEnd type="none" w="med" len="med"/>
-                    </a:lnT>
-                    <a:lnB w="12700" cap="flat" cmpd="sng" algn="ctr">
-                      <a:solidFill>
-                        <a:schemeClr val="tx1"/>
-                      </a:solidFill>
-                      <a:prstDash val="solid"/>
-                      <a:round/>
-                      <a:headEnd type="none" w="med" len="med"/>
-                      <a:tailEnd type="none" w="med" len="med"/>
-                    </a:lnB>
-                  </a:tcPr>
-                </a:tc>
-              </a:tr>
-              <a:tr h="182847">
-                <a:tc>
-                  <a:txBody>
-                    <a:bodyPr/>
-                    <a:lstStyle/>
-                    <a:p>
-                      <a:pPr>
-                        <a:spcAft>
-                          <a:spcPts val="0"/>
-                        </a:spcAft>
-                      </a:pPr>
-                      <a:r>
-                        <a:rPr lang="en-US" sz="1100" dirty="0"/>
-                        <a:t>[a-f]</a:t>
-                      </a:r>
-                      <a:endParaRPr lang="be-BY" sz="1200" dirty="0">
-                        <a:latin typeface="Times New Roman"/>
-                        <a:ea typeface="Times New Roman"/>
-                      </a:endParaRPr>
-                    </a:p>
-                  </a:txBody>
-                  <a:tcPr marL="68580" marR="68580" marT="0" marB="0" anchor="ctr">
-                    <a:lnL w="12700" cap="flat" cmpd="sng" algn="ctr">
-                      <a:solidFill>
-                        <a:schemeClr val="tx1"/>
-                      </a:solidFill>
-                      <a:prstDash val="solid"/>
-                      <a:round/>
-                      <a:headEnd type="none" w="med" len="med"/>
-                      <a:tailEnd type="none" w="med" len="med"/>
-                    </a:lnL>
-                    <a:lnR w="12700" cap="flat" cmpd="sng" algn="ctr">
-                      <a:solidFill>
-                        <a:schemeClr val="tx1"/>
-                      </a:solidFill>
-                      <a:prstDash val="solid"/>
-                      <a:round/>
-                      <a:headEnd type="none" w="med" len="med"/>
-                      <a:tailEnd type="none" w="med" len="med"/>
-                    </a:lnR>
-                    <a:lnT w="12700" cap="flat" cmpd="sng" algn="ctr">
-                      <a:solidFill>
-                        <a:schemeClr val="tx1"/>
-                      </a:solidFill>
-                      <a:prstDash val="solid"/>
-                      <a:round/>
-                      <a:headEnd type="none" w="med" len="med"/>
-                      <a:tailEnd type="none" w="med" len="med"/>
-                    </a:lnT>
-                    <a:lnB w="12700" cap="flat" cmpd="sng" algn="ctr">
-                      <a:solidFill>
-                        <a:schemeClr val="tx1"/>
-                      </a:solidFill>
-                      <a:prstDash val="solid"/>
-                      <a:round/>
-                      <a:headEnd type="none" w="med" len="med"/>
-                      <a:tailEnd type="none" w="med" len="med"/>
-                    </a:lnB>
-                  </a:tcPr>
-                </a:tc>
-                <a:tc>
-                  <a:txBody>
-                    <a:bodyPr/>
-                    <a:lstStyle/>
-                    <a:p>
-                      <a:pPr algn="just">
-                        <a:spcAft>
-                          <a:spcPts val="0"/>
-                        </a:spcAft>
-                      </a:pPr>
-                      <a:r>
-                        <a:rPr lang="ru-RU" sz="1200"/>
-                        <a:t>Один символ из диапазона</a:t>
-                      </a:r>
-                      <a:endParaRPr lang="be-BY" sz="1200">
-                        <a:latin typeface="Times New Roman"/>
-                        <a:ea typeface="Times New Roman"/>
-                      </a:endParaRPr>
-                    </a:p>
-                  </a:txBody>
-                  <a:tcPr marL="68580" marR="68580" marT="0" marB="0">
-                    <a:lnL w="12700" cap="flat" cmpd="sng" algn="ctr">
-                      <a:solidFill>
-                        <a:schemeClr val="tx1"/>
-                      </a:solidFill>
-                      <a:prstDash val="solid"/>
-                      <a:round/>
-                      <a:headEnd type="none" w="med" len="med"/>
-                      <a:tailEnd type="none" w="med" len="med"/>
-                    </a:lnL>
-                    <a:lnR w="12700" cap="flat" cmpd="sng" algn="ctr">
-                      <a:solidFill>
-                        <a:schemeClr val="tx1"/>
-                      </a:solidFill>
-                      <a:prstDash val="solid"/>
-                      <a:round/>
-                      <a:headEnd type="none" w="med" len="med"/>
-                      <a:tailEnd type="none" w="med" len="med"/>
-                    </a:lnR>
-                    <a:lnT w="12700" cap="flat" cmpd="sng" algn="ctr">
-                      <a:solidFill>
-                        <a:schemeClr val="tx1"/>
-                      </a:solidFill>
-                      <a:prstDash val="solid"/>
-                      <a:round/>
-                      <a:headEnd type="none" w="med" len="med"/>
-                      <a:tailEnd type="none" w="med" len="med"/>
-                    </a:lnT>
-                    <a:lnB w="12700" cap="flat" cmpd="sng" algn="ctr">
-                      <a:solidFill>
-                        <a:schemeClr val="tx1"/>
-                      </a:solidFill>
-                      <a:prstDash val="solid"/>
-                      <a:round/>
-                      <a:headEnd type="none" w="med" len="med"/>
-                      <a:tailEnd type="none" w="med" len="med"/>
-                    </a:lnB>
-                  </a:tcPr>
-                </a:tc>
-                <a:tc>
-                  <a:txBody>
-                    <a:bodyPr/>
-                    <a:lstStyle/>
-                    <a:p>
-                      <a:pPr>
-                        <a:spcAft>
-                          <a:spcPts val="0"/>
-                        </a:spcAft>
-                      </a:pPr>
-                      <a:r>
-                        <a:rPr lang="en-US" sz="1100" dirty="0"/>
-                        <a:t>[^a</a:t>
-                      </a:r>
-                      <a:r>
-                        <a:rPr lang="ru-RU" sz="1100" dirty="0"/>
-                        <a:t>-</a:t>
-                      </a:r>
-                      <a:r>
-                        <a:rPr lang="en-US" sz="1100" dirty="0"/>
-                        <a:t>f]</a:t>
-                      </a:r>
-                      <a:endParaRPr lang="be-BY" sz="1200" dirty="0">
-                        <a:latin typeface="Times New Roman"/>
-                        <a:ea typeface="Times New Roman"/>
-                      </a:endParaRPr>
-                    </a:p>
-                  </a:txBody>
-                  <a:tcPr marL="68580" marR="68580" marT="0" marB="0" anchor="ctr">
-                    <a:lnL w="12700" cap="flat" cmpd="sng" algn="ctr">
-                      <a:solidFill>
-                        <a:schemeClr val="tx1"/>
-                      </a:solidFill>
-                      <a:prstDash val="solid"/>
-                      <a:round/>
-                      <a:headEnd type="none" w="med" len="med"/>
-                      <a:tailEnd type="none" w="med" len="med"/>
-                    </a:lnL>
-                    <a:lnR w="12700" cap="flat" cmpd="sng" algn="ctr">
-                      <a:solidFill>
-                        <a:schemeClr val="tx1"/>
-                      </a:solidFill>
-                      <a:prstDash val="solid"/>
-                      <a:round/>
-                      <a:headEnd type="none" w="med" len="med"/>
-                      <a:tailEnd type="none" w="med" len="med"/>
-                    </a:lnR>
-                    <a:lnT w="12700" cap="flat" cmpd="sng" algn="ctr">
-                      <a:solidFill>
-                        <a:schemeClr val="tx1"/>
-                      </a:solidFill>
-                      <a:prstDash val="solid"/>
-                      <a:round/>
-                      <a:headEnd type="none" w="med" len="med"/>
-                      <a:tailEnd type="none" w="med" len="med"/>
-                    </a:lnT>
-                    <a:lnB w="12700" cap="flat" cmpd="sng" algn="ctr">
-                      <a:solidFill>
-                        <a:schemeClr val="tx1"/>
-                      </a:solidFill>
-                      <a:prstDash val="solid"/>
-                      <a:round/>
-                      <a:headEnd type="none" w="med" len="med"/>
-                      <a:tailEnd type="none" w="med" len="med"/>
-                    </a:lnB>
-                  </a:tcPr>
-                </a:tc>
-              </a:tr>
-              <a:tr h="182847">
-                <a:tc>
-                  <a:txBody>
-                    <a:bodyPr/>
-                    <a:lstStyle/>
-                    <a:p>
-                      <a:pPr>
-                        <a:spcAft>
-                          <a:spcPts val="0"/>
-                        </a:spcAft>
-                      </a:pPr>
-                      <a:r>
-                        <a:rPr lang="ru-RU" sz="1100" dirty="0"/>
-                        <a:t>\</a:t>
-                      </a:r>
-                      <a:r>
-                        <a:rPr lang="en-US" sz="1100" dirty="0"/>
-                        <a:t>d</a:t>
-                      </a:r>
-                      <a:endParaRPr lang="be-BY" sz="1200" dirty="0">
-                        <a:latin typeface="Times New Roman"/>
-                        <a:ea typeface="Times New Roman"/>
-                      </a:endParaRPr>
-                    </a:p>
-                  </a:txBody>
-                  <a:tcPr marL="68580" marR="68580" marT="0" marB="0" anchor="ctr">
-                    <a:lnL w="12700" cap="flat" cmpd="sng" algn="ctr">
-                      <a:solidFill>
-                        <a:schemeClr val="tx1"/>
-                      </a:solidFill>
-                      <a:prstDash val="solid"/>
-                      <a:round/>
-                      <a:headEnd type="none" w="med" len="med"/>
-                      <a:tailEnd type="none" w="med" len="med"/>
-                    </a:lnL>
-                    <a:lnR w="12700" cap="flat" cmpd="sng" algn="ctr">
-                      <a:solidFill>
-                        <a:schemeClr val="tx1"/>
-                      </a:solidFill>
-                      <a:prstDash val="solid"/>
-                      <a:round/>
-                      <a:headEnd type="none" w="med" len="med"/>
-                      <a:tailEnd type="none" w="med" len="med"/>
-                    </a:lnR>
-                    <a:lnT w="12700" cap="flat" cmpd="sng" algn="ctr">
-                      <a:solidFill>
-                        <a:schemeClr val="tx1"/>
-                      </a:solidFill>
-                      <a:prstDash val="solid"/>
-                      <a:round/>
-                      <a:headEnd type="none" w="med" len="med"/>
-                      <a:tailEnd type="none" w="med" len="med"/>
-                    </a:lnT>
-                    <a:lnB w="12700" cap="flat" cmpd="sng" algn="ctr">
-                      <a:solidFill>
-                        <a:schemeClr val="tx1"/>
-                      </a:solidFill>
-                      <a:prstDash val="solid"/>
-                      <a:round/>
-                      <a:headEnd type="none" w="med" len="med"/>
-                      <a:tailEnd type="none" w="med" len="med"/>
-                    </a:lnB>
-                  </a:tcPr>
-                </a:tc>
-                <a:tc>
-                  <a:txBody>
-                    <a:bodyPr/>
-                    <a:lstStyle/>
-                    <a:p>
-                      <a:pPr algn="just">
-                        <a:spcAft>
-                          <a:spcPts val="0"/>
-                        </a:spcAft>
-                      </a:pPr>
-                      <a:r>
-                        <a:rPr lang="ru-RU" sz="1200"/>
-                        <a:t>Десятичная цифра (аналог </a:t>
-                      </a:r>
-                      <a:r>
-                        <a:rPr lang="en-US" sz="1100"/>
-                        <a:t>[</a:t>
-                      </a:r>
-                      <a:r>
-                        <a:rPr lang="ru-RU" sz="1100"/>
-                        <a:t>0</a:t>
-                      </a:r>
-                      <a:r>
-                        <a:rPr lang="en-US" sz="1100"/>
-                        <a:t>-</a:t>
-                      </a:r>
-                      <a:r>
-                        <a:rPr lang="ru-RU" sz="1100"/>
-                        <a:t>9</a:t>
-                      </a:r>
-                      <a:r>
-                        <a:rPr lang="en-US" sz="1100"/>
-                        <a:t>]</a:t>
-                      </a:r>
-                      <a:r>
-                        <a:rPr lang="ru-RU" sz="1200"/>
-                        <a:t>)</a:t>
-                      </a:r>
-                      <a:endParaRPr lang="be-BY" sz="1200">
-                        <a:latin typeface="Times New Roman"/>
-                        <a:ea typeface="Times New Roman"/>
-                      </a:endParaRPr>
-                    </a:p>
-                  </a:txBody>
-                  <a:tcPr marL="68580" marR="68580" marT="0" marB="0">
-                    <a:lnL w="12700" cap="flat" cmpd="sng" algn="ctr">
-                      <a:solidFill>
-                        <a:schemeClr val="tx1"/>
-                      </a:solidFill>
-                      <a:prstDash val="solid"/>
-                      <a:round/>
-                      <a:headEnd type="none" w="med" len="med"/>
-                      <a:tailEnd type="none" w="med" len="med"/>
-                    </a:lnL>
-                    <a:lnR w="12700" cap="flat" cmpd="sng" algn="ctr">
-                      <a:solidFill>
-                        <a:schemeClr val="tx1"/>
-                      </a:solidFill>
-                      <a:prstDash val="solid"/>
-                      <a:round/>
-                      <a:headEnd type="none" w="med" len="med"/>
-                      <a:tailEnd type="none" w="med" len="med"/>
-                    </a:lnR>
-                    <a:lnT w="12700" cap="flat" cmpd="sng" algn="ctr">
-                      <a:solidFill>
-                        <a:schemeClr val="tx1"/>
-                      </a:solidFill>
-                      <a:prstDash val="solid"/>
-                      <a:round/>
-                      <a:headEnd type="none" w="med" len="med"/>
-                      <a:tailEnd type="none" w="med" len="med"/>
-                    </a:lnT>
-                    <a:lnB w="12700" cap="flat" cmpd="sng" algn="ctr">
-                      <a:solidFill>
-                        <a:schemeClr val="tx1"/>
-                      </a:solidFill>
-                      <a:prstDash val="solid"/>
-                      <a:round/>
-                      <a:headEnd type="none" w="med" len="med"/>
-                      <a:tailEnd type="none" w="med" len="med"/>
-                    </a:lnB>
-                  </a:tcPr>
-                </a:tc>
-                <a:tc>
-                  <a:txBody>
-                    <a:bodyPr/>
-                    <a:lstStyle/>
-                    <a:p>
-                      <a:pPr>
-                        <a:spcAft>
-                          <a:spcPts val="0"/>
-                        </a:spcAft>
-                      </a:pPr>
-                      <a:r>
-                        <a:rPr lang="ru-RU" sz="1100"/>
-                        <a:t>\</a:t>
-                      </a:r>
-                      <a:r>
-                        <a:rPr lang="en-US" sz="1100"/>
-                        <a:t>D</a:t>
-                      </a:r>
-                      <a:endParaRPr lang="be-BY" sz="1200">
-                        <a:latin typeface="Times New Roman"/>
-                        <a:ea typeface="Times New Roman"/>
-                      </a:endParaRPr>
-                    </a:p>
-                  </a:txBody>
-                  <a:tcPr marL="68580" marR="68580" marT="0" marB="0" anchor="ctr">
-                    <a:lnL w="12700" cap="flat" cmpd="sng" algn="ctr">
-                      <a:solidFill>
-                        <a:schemeClr val="tx1"/>
-                      </a:solidFill>
-                      <a:prstDash val="solid"/>
-                      <a:round/>
-                      <a:headEnd type="none" w="med" len="med"/>
-                      <a:tailEnd type="none" w="med" len="med"/>
-                    </a:lnL>
-                    <a:lnR w="12700" cap="flat" cmpd="sng" algn="ctr">
-                      <a:solidFill>
-                        <a:schemeClr val="tx1"/>
-                      </a:solidFill>
-                      <a:prstDash val="solid"/>
-                      <a:round/>
-                      <a:headEnd type="none" w="med" len="med"/>
-                      <a:tailEnd type="none" w="med" len="med"/>
-                    </a:lnR>
-                    <a:lnT w="12700" cap="flat" cmpd="sng" algn="ctr">
-                      <a:solidFill>
-                        <a:schemeClr val="tx1"/>
-                      </a:solidFill>
-                      <a:prstDash val="solid"/>
-                      <a:round/>
-                      <a:headEnd type="none" w="med" len="med"/>
-                      <a:tailEnd type="none" w="med" len="med"/>
-                    </a:lnT>
-                    <a:lnB w="12700" cap="flat" cmpd="sng" algn="ctr">
-                      <a:solidFill>
-                        <a:schemeClr val="tx1"/>
-                      </a:solidFill>
-                      <a:prstDash val="solid"/>
-                      <a:round/>
-                      <a:headEnd type="none" w="med" len="med"/>
-                      <a:tailEnd type="none" w="med" len="med"/>
-                    </a:lnB>
-                  </a:tcPr>
-                </a:tc>
-              </a:tr>
-              <a:tr h="319983">
-                <a:tc>
-                  <a:txBody>
-                    <a:bodyPr/>
-                    <a:lstStyle/>
-                    <a:p>
-                      <a:pPr>
-                        <a:spcAft>
-                          <a:spcPts val="0"/>
-                        </a:spcAft>
-                      </a:pPr>
-                      <a:r>
-                        <a:rPr lang="ru-RU" sz="1100" dirty="0"/>
-                        <a:t>\</a:t>
-                      </a:r>
-                      <a:r>
-                        <a:rPr lang="en-US" sz="1100" dirty="0"/>
-                        <a:t>w</a:t>
-                      </a:r>
-                      <a:endParaRPr lang="be-BY" sz="1200" dirty="0">
-                        <a:latin typeface="Times New Roman"/>
-                        <a:ea typeface="Times New Roman"/>
-                      </a:endParaRPr>
-                    </a:p>
-                  </a:txBody>
-                  <a:tcPr marL="68580" marR="68580" marT="0" marB="0" anchor="ctr">
-                    <a:lnL w="12700" cap="flat" cmpd="sng" algn="ctr">
-                      <a:solidFill>
-                        <a:schemeClr val="tx1"/>
-                      </a:solidFill>
-                      <a:prstDash val="solid"/>
-                      <a:round/>
-                      <a:headEnd type="none" w="med" len="med"/>
-                      <a:tailEnd type="none" w="med" len="med"/>
-                    </a:lnL>
-                    <a:lnR w="12700" cap="flat" cmpd="sng" algn="ctr">
-                      <a:solidFill>
-                        <a:schemeClr val="tx1"/>
-                      </a:solidFill>
-                      <a:prstDash val="solid"/>
-                      <a:round/>
-                      <a:headEnd type="none" w="med" len="med"/>
-                      <a:tailEnd type="none" w="med" len="med"/>
-                    </a:lnR>
-                    <a:lnT w="12700" cap="flat" cmpd="sng" algn="ctr">
-                      <a:solidFill>
-                        <a:schemeClr val="tx1"/>
-                      </a:solidFill>
-                      <a:prstDash val="solid"/>
-                      <a:round/>
-                      <a:headEnd type="none" w="med" len="med"/>
-                      <a:tailEnd type="none" w="med" len="med"/>
-                    </a:lnT>
-                    <a:lnB w="12700" cap="flat" cmpd="sng" algn="ctr">
-                      <a:solidFill>
-                        <a:schemeClr val="tx1"/>
-                      </a:solidFill>
-                      <a:prstDash val="solid"/>
-                      <a:round/>
-                      <a:headEnd type="none" w="med" len="med"/>
-                      <a:tailEnd type="none" w="med" len="med"/>
-                    </a:lnB>
-                  </a:tcPr>
-                </a:tc>
-                <a:tc>
-                  <a:txBody>
-                    <a:bodyPr/>
-                    <a:lstStyle/>
-                    <a:p>
-                      <a:pPr algn="just">
-                        <a:spcAft>
-                          <a:spcPts val="0"/>
-                        </a:spcAft>
-                      </a:pPr>
-                      <a:r>
-                        <a:rPr lang="ru-RU" sz="1200" dirty="0"/>
-                        <a:t>Словообразующий символ </a:t>
-                      </a:r>
-                      <a:r>
-                        <a:rPr lang="ru-RU" sz="1200" dirty="0" smtClean="0"/>
-                        <a:t>(например</a:t>
-                      </a:r>
-                      <a:r>
-                        <a:rPr lang="ru-RU" sz="1200" dirty="0"/>
-                        <a:t>, для английского языка это </a:t>
-                      </a:r>
-                      <a:r>
-                        <a:rPr lang="ru-RU" sz="1100" dirty="0"/>
-                        <a:t>[</a:t>
-                      </a:r>
-                      <a:r>
-                        <a:rPr lang="en-US" sz="1100" dirty="0"/>
-                        <a:t>a</a:t>
-                      </a:r>
-                      <a:r>
-                        <a:rPr lang="ru-RU" sz="1100" dirty="0"/>
-                        <a:t>-</a:t>
-                      </a:r>
-                      <a:r>
-                        <a:rPr lang="en-US" sz="1100" dirty="0" err="1"/>
-                        <a:t>zA</a:t>
-                      </a:r>
-                      <a:r>
-                        <a:rPr lang="ru-RU" sz="1100" dirty="0"/>
-                        <a:t>-</a:t>
-                      </a:r>
-                      <a:r>
-                        <a:rPr lang="en-US" sz="1100" dirty="0"/>
-                        <a:t>Z</a:t>
-                      </a:r>
-                      <a:r>
-                        <a:rPr lang="ru-RU" sz="1100" dirty="0"/>
-                        <a:t>_0-9]</a:t>
-                      </a:r>
-                      <a:r>
-                        <a:rPr lang="ru-RU" sz="1200" dirty="0"/>
-                        <a:t>)</a:t>
-                      </a:r>
-                      <a:endParaRPr lang="be-BY" sz="1200" dirty="0">
-                        <a:latin typeface="Times New Roman"/>
-                        <a:ea typeface="Times New Roman"/>
-                      </a:endParaRPr>
-                    </a:p>
-                  </a:txBody>
-                  <a:tcPr marL="68580" marR="68580" marT="0" marB="0">
-                    <a:lnL w="12700" cap="flat" cmpd="sng" algn="ctr">
-                      <a:solidFill>
-                        <a:schemeClr val="tx1"/>
-                      </a:solidFill>
-                      <a:prstDash val="solid"/>
-                      <a:round/>
-                      <a:headEnd type="none" w="med" len="med"/>
-                      <a:tailEnd type="none" w="med" len="med"/>
-                    </a:lnL>
-                    <a:lnR w="12700" cap="flat" cmpd="sng" algn="ctr">
-                      <a:solidFill>
-                        <a:schemeClr val="tx1"/>
-                      </a:solidFill>
-                      <a:prstDash val="solid"/>
-                      <a:round/>
-                      <a:headEnd type="none" w="med" len="med"/>
-                      <a:tailEnd type="none" w="med" len="med"/>
-                    </a:lnR>
-                    <a:lnT w="12700" cap="flat" cmpd="sng" algn="ctr">
-                      <a:solidFill>
-                        <a:schemeClr val="tx1"/>
-                      </a:solidFill>
-                      <a:prstDash val="solid"/>
-                      <a:round/>
-                      <a:headEnd type="none" w="med" len="med"/>
-                      <a:tailEnd type="none" w="med" len="med"/>
-                    </a:lnT>
-                    <a:lnB w="12700" cap="flat" cmpd="sng" algn="ctr">
-                      <a:solidFill>
-                        <a:schemeClr val="tx1"/>
-                      </a:solidFill>
-                      <a:prstDash val="solid"/>
-                      <a:round/>
-                      <a:headEnd type="none" w="med" len="med"/>
-                      <a:tailEnd type="none" w="med" len="med"/>
-                    </a:lnB>
-                  </a:tcPr>
-                </a:tc>
-                <a:tc>
-                  <a:txBody>
-                    <a:bodyPr/>
-                    <a:lstStyle/>
-                    <a:p>
-                      <a:pPr>
-                        <a:spcAft>
-                          <a:spcPts val="0"/>
-                        </a:spcAft>
-                      </a:pPr>
-                      <a:r>
-                        <a:rPr lang="en-US" sz="1100" dirty="0"/>
-                        <a:t>\W</a:t>
-                      </a:r>
-                      <a:endParaRPr lang="be-BY" sz="1200" dirty="0">
-                        <a:latin typeface="Times New Roman"/>
-                        <a:ea typeface="Times New Roman"/>
-                      </a:endParaRPr>
-                    </a:p>
-                  </a:txBody>
-                  <a:tcPr marL="68580" marR="68580" marT="0" marB="0" anchor="ctr">
-                    <a:lnL w="12700" cap="flat" cmpd="sng" algn="ctr">
-                      <a:solidFill>
-                        <a:schemeClr val="tx1"/>
-                      </a:solidFill>
-                      <a:prstDash val="solid"/>
-                      <a:round/>
-                      <a:headEnd type="none" w="med" len="med"/>
-                      <a:tailEnd type="none" w="med" len="med"/>
-                    </a:lnL>
-                    <a:lnR w="12700" cap="flat" cmpd="sng" algn="ctr">
-                      <a:solidFill>
-                        <a:schemeClr val="tx1"/>
-                      </a:solidFill>
-                      <a:prstDash val="solid"/>
-                      <a:round/>
-                      <a:headEnd type="none" w="med" len="med"/>
-                      <a:tailEnd type="none" w="med" len="med"/>
-                    </a:lnR>
-                    <a:lnT w="12700" cap="flat" cmpd="sng" algn="ctr">
-                      <a:solidFill>
-                        <a:schemeClr val="tx1"/>
-                      </a:solidFill>
-                      <a:prstDash val="solid"/>
-                      <a:round/>
-                      <a:headEnd type="none" w="med" len="med"/>
-                      <a:tailEnd type="none" w="med" len="med"/>
-                    </a:lnT>
-                    <a:lnB w="12700" cap="flat" cmpd="sng" algn="ctr">
-                      <a:solidFill>
-                        <a:schemeClr val="tx1"/>
-                      </a:solidFill>
-                      <a:prstDash val="solid"/>
-                      <a:round/>
-                      <a:headEnd type="none" w="med" len="med"/>
-                      <a:tailEnd type="none" w="med" len="med"/>
-                    </a:lnB>
-                  </a:tcPr>
-                </a:tc>
-              </a:tr>
-              <a:tr h="182847">
-                <a:tc>
-                  <a:txBody>
-                    <a:bodyPr/>
-                    <a:lstStyle/>
-                    <a:p>
-                      <a:pPr>
-                        <a:spcAft>
-                          <a:spcPts val="0"/>
-                        </a:spcAft>
-                      </a:pPr>
-                      <a:r>
-                        <a:rPr lang="ru-RU" sz="1100"/>
-                        <a:t>\</a:t>
-                      </a:r>
-                      <a:r>
-                        <a:rPr lang="en-US" sz="1100"/>
-                        <a:t>s</a:t>
-                      </a:r>
-                      <a:endParaRPr lang="be-BY" sz="1200">
-                        <a:latin typeface="Times New Roman"/>
-                        <a:ea typeface="Times New Roman"/>
-                      </a:endParaRPr>
-                    </a:p>
-                  </a:txBody>
-                  <a:tcPr marL="68580" marR="68580" marT="0" marB="0" anchor="ctr">
-                    <a:lnL w="12700" cap="flat" cmpd="sng" algn="ctr">
-                      <a:solidFill>
-                        <a:schemeClr val="tx1"/>
-                      </a:solidFill>
-                      <a:prstDash val="solid"/>
-                      <a:round/>
-                      <a:headEnd type="none" w="med" len="med"/>
-                      <a:tailEnd type="none" w="med" len="med"/>
-                    </a:lnL>
-                    <a:lnR w="12700" cap="flat" cmpd="sng" algn="ctr">
-                      <a:solidFill>
-                        <a:schemeClr val="tx1"/>
-                      </a:solidFill>
-                      <a:prstDash val="solid"/>
-                      <a:round/>
-                      <a:headEnd type="none" w="med" len="med"/>
-                      <a:tailEnd type="none" w="med" len="med"/>
-                    </a:lnR>
-                    <a:lnT w="12700" cap="flat" cmpd="sng" algn="ctr">
-                      <a:solidFill>
-                        <a:schemeClr val="tx1"/>
-                      </a:solidFill>
-                      <a:prstDash val="solid"/>
-                      <a:round/>
-                      <a:headEnd type="none" w="med" len="med"/>
-                      <a:tailEnd type="none" w="med" len="med"/>
-                    </a:lnT>
-                    <a:lnB w="12700" cap="flat" cmpd="sng" algn="ctr">
-                      <a:solidFill>
-                        <a:schemeClr val="tx1"/>
-                      </a:solidFill>
-                      <a:prstDash val="solid"/>
-                      <a:round/>
-                      <a:headEnd type="none" w="med" len="med"/>
-                      <a:tailEnd type="none" w="med" len="med"/>
-                    </a:lnB>
-                  </a:tcPr>
-                </a:tc>
-                <a:tc>
-                  <a:txBody>
-                    <a:bodyPr/>
-                    <a:lstStyle/>
-                    <a:p>
-                      <a:pPr algn="just">
-                        <a:spcAft>
-                          <a:spcPts val="0"/>
-                        </a:spcAft>
-                      </a:pPr>
-                      <a:r>
-                        <a:rPr lang="ru-RU" sz="1200"/>
-                        <a:t>Пробельный символ (пробел, табуляция, новая строка, перевод каретки)</a:t>
-                      </a:r>
-                      <a:endParaRPr lang="be-BY" sz="1200">
-                        <a:latin typeface="Times New Roman"/>
-                        <a:ea typeface="Times New Roman"/>
-                      </a:endParaRPr>
-                    </a:p>
-                  </a:txBody>
-                  <a:tcPr marL="68580" marR="68580" marT="0" marB="0">
-                    <a:lnL w="12700" cap="flat" cmpd="sng" algn="ctr">
-                      <a:solidFill>
-                        <a:schemeClr val="tx1"/>
-                      </a:solidFill>
-                      <a:prstDash val="solid"/>
-                      <a:round/>
-                      <a:headEnd type="none" w="med" len="med"/>
-                      <a:tailEnd type="none" w="med" len="med"/>
-                    </a:lnL>
-                    <a:lnR w="12700" cap="flat" cmpd="sng" algn="ctr">
-                      <a:solidFill>
-                        <a:schemeClr val="tx1"/>
-                      </a:solidFill>
-                      <a:prstDash val="solid"/>
-                      <a:round/>
-                      <a:headEnd type="none" w="med" len="med"/>
-                      <a:tailEnd type="none" w="med" len="med"/>
-                    </a:lnR>
-                    <a:lnT w="12700" cap="flat" cmpd="sng" algn="ctr">
-                      <a:solidFill>
-                        <a:schemeClr val="tx1"/>
-                      </a:solidFill>
-                      <a:prstDash val="solid"/>
-                      <a:round/>
-                      <a:headEnd type="none" w="med" len="med"/>
-                      <a:tailEnd type="none" w="med" len="med"/>
-                    </a:lnT>
-                    <a:lnB w="12700" cap="flat" cmpd="sng" algn="ctr">
-                      <a:solidFill>
-                        <a:schemeClr val="tx1"/>
-                      </a:solidFill>
-                      <a:prstDash val="solid"/>
-                      <a:round/>
-                      <a:headEnd type="none" w="med" len="med"/>
-                      <a:tailEnd type="none" w="med" len="med"/>
-                    </a:lnB>
-                  </a:tcPr>
-                </a:tc>
-                <a:tc>
-                  <a:txBody>
-                    <a:bodyPr/>
-                    <a:lstStyle/>
-                    <a:p>
-                      <a:pPr>
-                        <a:spcAft>
-                          <a:spcPts val="0"/>
-                        </a:spcAft>
-                      </a:pPr>
-                      <a:r>
-                        <a:rPr lang="en-US" sz="1100"/>
-                        <a:t>\S</a:t>
-                      </a:r>
-                      <a:endParaRPr lang="be-BY" sz="1200">
-                        <a:latin typeface="Times New Roman"/>
-                        <a:ea typeface="Times New Roman"/>
-                      </a:endParaRPr>
-                    </a:p>
-                  </a:txBody>
-                  <a:tcPr marL="68580" marR="68580" marT="0" marB="0" anchor="ctr">
-                    <a:lnL w="12700" cap="flat" cmpd="sng" algn="ctr">
-                      <a:solidFill>
-                        <a:schemeClr val="tx1"/>
-                      </a:solidFill>
-                      <a:prstDash val="solid"/>
-                      <a:round/>
-                      <a:headEnd type="none" w="med" len="med"/>
-                      <a:tailEnd type="none" w="med" len="med"/>
-                    </a:lnL>
-                    <a:lnR w="12700" cap="flat" cmpd="sng" algn="ctr">
-                      <a:solidFill>
-                        <a:schemeClr val="tx1"/>
-                      </a:solidFill>
-                      <a:prstDash val="solid"/>
-                      <a:round/>
-                      <a:headEnd type="none" w="med" len="med"/>
-                      <a:tailEnd type="none" w="med" len="med"/>
-                    </a:lnR>
-                    <a:lnT w="12700" cap="flat" cmpd="sng" algn="ctr">
-                      <a:solidFill>
-                        <a:schemeClr val="tx1"/>
-                      </a:solidFill>
-                      <a:prstDash val="solid"/>
-                      <a:round/>
-                      <a:headEnd type="none" w="med" len="med"/>
-                      <a:tailEnd type="none" w="med" len="med"/>
-                    </a:lnT>
-                    <a:lnB w="12700" cap="flat" cmpd="sng" algn="ctr">
-                      <a:solidFill>
-                        <a:schemeClr val="tx1"/>
-                      </a:solidFill>
-                      <a:prstDash val="solid"/>
-                      <a:round/>
-                      <a:headEnd type="none" w="med" len="med"/>
-                      <a:tailEnd type="none" w="med" len="med"/>
-                    </a:lnB>
-                  </a:tcPr>
-                </a:tc>
-              </a:tr>
-              <a:tr h="182847">
-                <a:tc>
-                  <a:txBody>
-                    <a:bodyPr/>
-                    <a:lstStyle/>
-                    <a:p>
-                      <a:pPr>
-                        <a:spcAft>
-                          <a:spcPts val="0"/>
-                        </a:spcAft>
-                      </a:pPr>
-                      <a:r>
-                        <a:rPr lang="ru-RU" sz="1100"/>
-                        <a:t>\</a:t>
-                      </a:r>
-                      <a:r>
-                        <a:rPr lang="en-US" sz="1100"/>
-                        <a:t>p{…}</a:t>
-                      </a:r>
-                      <a:endParaRPr lang="be-BY" sz="1200">
-                        <a:latin typeface="Times New Roman"/>
-                        <a:ea typeface="Times New Roman"/>
-                      </a:endParaRPr>
-                    </a:p>
-                  </a:txBody>
-                  <a:tcPr marL="68580" marR="68580" marT="0" marB="0" anchor="ctr">
-                    <a:lnL w="12700" cap="flat" cmpd="sng" algn="ctr">
-                      <a:solidFill>
-                        <a:schemeClr val="tx1"/>
-                      </a:solidFill>
-                      <a:prstDash val="solid"/>
-                      <a:round/>
-                      <a:headEnd type="none" w="med" len="med"/>
-                      <a:tailEnd type="none" w="med" len="med"/>
-                    </a:lnL>
-                    <a:lnR w="12700" cap="flat" cmpd="sng" algn="ctr">
-                      <a:solidFill>
-                        <a:schemeClr val="tx1"/>
-                      </a:solidFill>
-                      <a:prstDash val="solid"/>
-                      <a:round/>
-                      <a:headEnd type="none" w="med" len="med"/>
-                      <a:tailEnd type="none" w="med" len="med"/>
-                    </a:lnR>
-                    <a:lnT w="12700" cap="flat" cmpd="sng" algn="ctr">
-                      <a:solidFill>
-                        <a:schemeClr val="tx1"/>
-                      </a:solidFill>
-                      <a:prstDash val="solid"/>
-                      <a:round/>
-                      <a:headEnd type="none" w="med" len="med"/>
-                      <a:tailEnd type="none" w="med" len="med"/>
-                    </a:lnT>
-                    <a:lnB w="12700" cap="flat" cmpd="sng" algn="ctr">
-                      <a:solidFill>
-                        <a:schemeClr val="tx1"/>
-                      </a:solidFill>
-                      <a:prstDash val="solid"/>
-                      <a:round/>
-                      <a:headEnd type="none" w="med" len="med"/>
-                      <a:tailEnd type="none" w="med" len="med"/>
-                    </a:lnB>
-                  </a:tcPr>
-                </a:tc>
-                <a:tc>
-                  <a:txBody>
-                    <a:bodyPr/>
-                    <a:lstStyle/>
-                    <a:p>
-                      <a:pPr algn="just">
-                        <a:spcAft>
-                          <a:spcPts val="0"/>
-                        </a:spcAft>
-                      </a:pPr>
-                      <a:r>
-                        <a:rPr lang="ru-RU" sz="1200" dirty="0"/>
-                        <a:t>Любой символ из указанной </a:t>
-                      </a:r>
-                      <a:r>
-                        <a:rPr lang="en-US" sz="1200" dirty="0"/>
-                        <a:t>Unicode</a:t>
-                      </a:r>
-                      <a:r>
-                        <a:rPr lang="ru-RU" sz="1200" dirty="0"/>
-                        <a:t>-категории. Например, </a:t>
-                      </a:r>
-                      <a:r>
-                        <a:rPr lang="ru-RU" sz="1100" dirty="0"/>
-                        <a:t>\</a:t>
-                      </a:r>
-                      <a:r>
-                        <a:rPr lang="en-US" sz="1100" dirty="0"/>
-                        <a:t>p</a:t>
-                      </a:r>
-                      <a:r>
-                        <a:rPr lang="ru-RU" sz="1100" dirty="0"/>
-                        <a:t>{</a:t>
-                      </a:r>
-                      <a:r>
-                        <a:rPr lang="en-US" sz="1100" dirty="0"/>
-                        <a:t>P</a:t>
-                      </a:r>
-                      <a:r>
-                        <a:rPr lang="ru-RU" sz="1100" dirty="0"/>
-                        <a:t>}</a:t>
-                      </a:r>
-                      <a:r>
-                        <a:rPr lang="ru-RU" sz="1200" dirty="0"/>
-                        <a:t> ‑ символы пунктуации</a:t>
-                      </a:r>
-                      <a:endParaRPr lang="be-BY" sz="1200" dirty="0">
-                        <a:latin typeface="Times New Roman"/>
-                        <a:ea typeface="Times New Roman"/>
-                      </a:endParaRPr>
-                    </a:p>
-                  </a:txBody>
-                  <a:tcPr marL="68580" marR="68580" marT="0" marB="0">
-                    <a:lnL w="12700" cap="flat" cmpd="sng" algn="ctr">
-                      <a:solidFill>
-                        <a:schemeClr val="tx1"/>
-                      </a:solidFill>
-                      <a:prstDash val="solid"/>
-                      <a:round/>
-                      <a:headEnd type="none" w="med" len="med"/>
-                      <a:tailEnd type="none" w="med" len="med"/>
-                    </a:lnL>
-                    <a:lnR w="12700" cap="flat" cmpd="sng" algn="ctr">
-                      <a:solidFill>
-                        <a:schemeClr val="tx1"/>
-                      </a:solidFill>
-                      <a:prstDash val="solid"/>
-                      <a:round/>
-                      <a:headEnd type="none" w="med" len="med"/>
-                      <a:tailEnd type="none" w="med" len="med"/>
-                    </a:lnR>
-                    <a:lnT w="12700" cap="flat" cmpd="sng" algn="ctr">
-                      <a:solidFill>
-                        <a:schemeClr val="tx1"/>
-                      </a:solidFill>
-                      <a:prstDash val="solid"/>
-                      <a:round/>
-                      <a:headEnd type="none" w="med" len="med"/>
-                      <a:tailEnd type="none" w="med" len="med"/>
-                    </a:lnT>
-                    <a:lnB w="12700" cap="flat" cmpd="sng" algn="ctr">
-                      <a:solidFill>
-                        <a:schemeClr val="tx1"/>
-                      </a:solidFill>
-                      <a:prstDash val="solid"/>
-                      <a:round/>
-                      <a:headEnd type="none" w="med" len="med"/>
-                      <a:tailEnd type="none" w="med" len="med"/>
-                    </a:lnB>
-                  </a:tcPr>
-                </a:tc>
-                <a:tc>
-                  <a:txBody>
-                    <a:bodyPr/>
-                    <a:lstStyle/>
-                    <a:p>
-                      <a:pPr>
-                        <a:spcAft>
-                          <a:spcPts val="0"/>
-                        </a:spcAft>
-                      </a:pPr>
-                      <a:r>
-                        <a:rPr lang="ru-RU" sz="1100"/>
-                        <a:t>\</a:t>
-                      </a:r>
-                      <a:r>
-                        <a:rPr lang="en-US" sz="1100"/>
-                        <a:t>P</a:t>
-                      </a:r>
-                      <a:endParaRPr lang="be-BY" sz="1200">
-                        <a:latin typeface="Times New Roman"/>
-                        <a:ea typeface="Times New Roman"/>
-                      </a:endParaRPr>
-                    </a:p>
-                  </a:txBody>
-                  <a:tcPr marL="68580" marR="68580" marT="0" marB="0" anchor="ctr">
-                    <a:lnL w="12700" cap="flat" cmpd="sng" algn="ctr">
-                      <a:solidFill>
-                        <a:schemeClr val="tx1"/>
-                      </a:solidFill>
-                      <a:prstDash val="solid"/>
-                      <a:round/>
-                      <a:headEnd type="none" w="med" len="med"/>
-                      <a:tailEnd type="none" w="med" len="med"/>
-                    </a:lnL>
-                    <a:lnR w="12700" cap="flat" cmpd="sng" algn="ctr">
-                      <a:solidFill>
-                        <a:schemeClr val="tx1"/>
-                      </a:solidFill>
-                      <a:prstDash val="solid"/>
-                      <a:round/>
-                      <a:headEnd type="none" w="med" len="med"/>
-                      <a:tailEnd type="none" w="med" len="med"/>
-                    </a:lnR>
-                    <a:lnT w="12700" cap="flat" cmpd="sng" algn="ctr">
-                      <a:solidFill>
-                        <a:schemeClr val="tx1"/>
-                      </a:solidFill>
-                      <a:prstDash val="solid"/>
-                      <a:round/>
-                      <a:headEnd type="none" w="med" len="med"/>
-                      <a:tailEnd type="none" w="med" len="med"/>
-                    </a:lnT>
-                    <a:lnB w="12700" cap="flat" cmpd="sng" algn="ctr">
-                      <a:solidFill>
-                        <a:schemeClr val="tx1"/>
-                      </a:solidFill>
-                      <a:prstDash val="solid"/>
-                      <a:round/>
-                      <a:headEnd type="none" w="med" len="med"/>
-                      <a:tailEnd type="none" w="med" len="med"/>
-                    </a:lnB>
-                  </a:tcPr>
-                </a:tc>
-              </a:tr>
-              <a:tr h="182847">
-                <a:tc>
-                  <a:txBody>
-                    <a:bodyPr/>
-                    <a:lstStyle/>
-                    <a:p>
-                      <a:pPr>
-                        <a:spcAft>
-                          <a:spcPts val="0"/>
-                        </a:spcAft>
-                      </a:pPr>
-                      <a:r>
-                        <a:rPr lang="en-US" sz="1100"/>
-                        <a:t>.</a:t>
-                      </a:r>
-                      <a:endParaRPr lang="be-BY" sz="1200">
-                        <a:latin typeface="Times New Roman"/>
-                        <a:ea typeface="Times New Roman"/>
-                      </a:endParaRPr>
-                    </a:p>
-                  </a:txBody>
-                  <a:tcPr marL="68580" marR="68580" marT="0" marB="0" anchor="ctr">
-                    <a:lnL w="12700" cap="flat" cmpd="sng" algn="ctr">
-                      <a:solidFill>
-                        <a:schemeClr val="tx1"/>
-                      </a:solidFill>
-                      <a:prstDash val="solid"/>
-                      <a:round/>
-                      <a:headEnd type="none" w="med" len="med"/>
-                      <a:tailEnd type="none" w="med" len="med"/>
-                    </a:lnL>
-                    <a:lnR w="12700" cap="flat" cmpd="sng" algn="ctr">
-                      <a:solidFill>
-                        <a:schemeClr val="tx1"/>
-                      </a:solidFill>
-                      <a:prstDash val="solid"/>
-                      <a:round/>
-                      <a:headEnd type="none" w="med" len="med"/>
-                      <a:tailEnd type="none" w="med" len="med"/>
-                    </a:lnR>
-                    <a:lnT w="12700" cap="flat" cmpd="sng" algn="ctr">
-                      <a:solidFill>
-                        <a:schemeClr val="tx1"/>
-                      </a:solidFill>
-                      <a:prstDash val="solid"/>
-                      <a:round/>
-                      <a:headEnd type="none" w="med" len="med"/>
-                      <a:tailEnd type="none" w="med" len="med"/>
-                    </a:lnT>
-                    <a:lnB w="12700" cap="flat" cmpd="sng" algn="ctr">
-                      <a:solidFill>
-                        <a:schemeClr val="tx1"/>
-                      </a:solidFill>
-                      <a:prstDash val="solid"/>
-                      <a:round/>
-                      <a:headEnd type="none" w="med" len="med"/>
-                      <a:tailEnd type="none" w="med" len="med"/>
-                    </a:lnB>
-                  </a:tcPr>
-                </a:tc>
-                <a:tc>
-                  <a:txBody>
-                    <a:bodyPr/>
-                    <a:lstStyle/>
-                    <a:p>
-                      <a:pPr algn="just">
-                        <a:spcAft>
-                          <a:spcPts val="0"/>
-                        </a:spcAft>
-                      </a:pPr>
-                      <a:r>
-                        <a:rPr lang="ru-RU" sz="1200" dirty="0"/>
-                        <a:t>Любой символ, кроме </a:t>
-                      </a:r>
-                      <a:r>
-                        <a:rPr lang="ru-RU" sz="1100" dirty="0"/>
-                        <a:t>\</a:t>
-                      </a:r>
-                      <a:r>
-                        <a:rPr lang="en-US" sz="1100" dirty="0"/>
-                        <a:t>n</a:t>
-                      </a:r>
-                      <a:endParaRPr lang="be-BY" sz="1200" dirty="0">
-                        <a:latin typeface="Times New Roman"/>
-                        <a:ea typeface="Times New Roman"/>
-                      </a:endParaRPr>
-                    </a:p>
-                  </a:txBody>
-                  <a:tcPr marL="68580" marR="68580" marT="0" marB="0">
-                    <a:lnL w="12700" cap="flat" cmpd="sng" algn="ctr">
-                      <a:solidFill>
-                        <a:schemeClr val="tx1"/>
-                      </a:solidFill>
-                      <a:prstDash val="solid"/>
-                      <a:round/>
-                      <a:headEnd type="none" w="med" len="med"/>
-                      <a:tailEnd type="none" w="med" len="med"/>
-                    </a:lnL>
-                    <a:lnR w="12700" cap="flat" cmpd="sng" algn="ctr">
-                      <a:solidFill>
-                        <a:schemeClr val="tx1"/>
-                      </a:solidFill>
-                      <a:prstDash val="solid"/>
-                      <a:round/>
-                      <a:headEnd type="none" w="med" len="med"/>
-                      <a:tailEnd type="none" w="med" len="med"/>
-                    </a:lnR>
-                    <a:lnT w="12700" cap="flat" cmpd="sng" algn="ctr">
-                      <a:solidFill>
-                        <a:schemeClr val="tx1"/>
-                      </a:solidFill>
-                      <a:prstDash val="solid"/>
-                      <a:round/>
-                      <a:headEnd type="none" w="med" len="med"/>
-                      <a:tailEnd type="none" w="med" len="med"/>
-                    </a:lnT>
-                    <a:lnB w="12700" cap="flat" cmpd="sng" algn="ctr">
-                      <a:solidFill>
-                        <a:schemeClr val="tx1"/>
-                      </a:solidFill>
-                      <a:prstDash val="solid"/>
-                      <a:round/>
-                      <a:headEnd type="none" w="med" len="med"/>
-                      <a:tailEnd type="none" w="med" len="med"/>
-                    </a:lnB>
-                  </a:tcPr>
-                </a:tc>
-                <a:tc>
-                  <a:txBody>
-                    <a:bodyPr/>
-                    <a:lstStyle/>
-                    <a:p>
-                      <a:pPr>
-                        <a:spcAft>
-                          <a:spcPts val="0"/>
-                        </a:spcAft>
-                      </a:pPr>
-                      <a:r>
-                        <a:rPr lang="ru-RU" sz="1100" dirty="0"/>
-                        <a:t>\</a:t>
-                      </a:r>
-                      <a:r>
-                        <a:rPr lang="en-US" sz="1100" dirty="0"/>
-                        <a:t>n</a:t>
-                      </a:r>
-                      <a:endParaRPr lang="be-BY" sz="1200" dirty="0">
-                        <a:latin typeface="Times New Roman"/>
-                        <a:ea typeface="Times New Roman"/>
-                      </a:endParaRPr>
-                    </a:p>
-                  </a:txBody>
-                  <a:tcPr marL="68580" marR="68580" marT="0" marB="0" anchor="ctr">
-                    <a:lnL w="12700" cap="flat" cmpd="sng" algn="ctr">
-                      <a:solidFill>
-                        <a:schemeClr val="tx1"/>
-                      </a:solidFill>
-                      <a:prstDash val="solid"/>
-                      <a:round/>
-                      <a:headEnd type="none" w="med" len="med"/>
-                      <a:tailEnd type="none" w="med" len="med"/>
-                    </a:lnL>
-                    <a:lnR w="12700" cap="flat" cmpd="sng" algn="ctr">
-                      <a:solidFill>
-                        <a:schemeClr val="tx1"/>
-                      </a:solidFill>
-                      <a:prstDash val="solid"/>
-                      <a:round/>
-                      <a:headEnd type="none" w="med" len="med"/>
-                      <a:tailEnd type="none" w="med" len="med"/>
-                    </a:lnR>
-                    <a:lnT w="12700" cap="flat" cmpd="sng" algn="ctr">
-                      <a:solidFill>
-                        <a:schemeClr val="tx1"/>
-                      </a:solidFill>
-                      <a:prstDash val="solid"/>
-                      <a:round/>
-                      <a:headEnd type="none" w="med" len="med"/>
-                      <a:tailEnd type="none" w="med" len="med"/>
-                    </a:lnT>
-                    <a:lnB w="12700" cap="flat" cmpd="sng" algn="ctr">
-                      <a:solidFill>
-                        <a:schemeClr val="tx1"/>
-                      </a:solidFill>
-                      <a:prstDash val="solid"/>
-                      <a:round/>
-                      <a:headEnd type="none" w="med" len="med"/>
-                      <a:tailEnd type="none" w="med" len="med"/>
-                    </a:lnB>
-                  </a:tcPr>
-                </a:tc>
-              </a:tr>
-            </a:tbl>
-          </a:graphicData>
-        </a:graphic>
-      </p:graphicFrame>
-      <p:graphicFrame>
-        <p:nvGraphicFramePr>
-          <p:cNvPr id="13" name="Таблица 12"/>
-          <p:cNvGraphicFramePr>
-            <a:graphicFrameLocks noGrp="1"/>
-          </p:cNvGraphicFramePr>
-          <p:nvPr/>
-        </p:nvGraphicFramePr>
-        <p:xfrm>
-          <a:off x="152400" y="4343400"/>
-          <a:ext cx="8839200" cy="1646238"/>
-        </p:xfrm>
-        <a:graphic>
-          <a:graphicData uri="http://schemas.openxmlformats.org/drawingml/2006/table">
-            <a:tbl>
-              <a:tblPr firstRow="1" bandRow="1">
-                <a:tableStyleId>{5940675A-B579-460E-94D1-54222C63F5DA}</a:tableStyleId>
-              </a:tblPr>
-              <a:tblGrid>
-                <a:gridCol w="1066800"/>
-                <a:gridCol w="7772400"/>
-              </a:tblGrid>
-              <a:tr h="274373">
-                <a:tc>
-                  <a:txBody>
-                    <a:bodyPr/>
-                    <a:lstStyle/>
-                    <a:p>
-                      <a:r>
-                        <a:rPr lang="en-US" sz="1200" dirty="0" smtClean="0"/>
-                        <a:t>?</a:t>
-                      </a:r>
-                      <a:endParaRPr lang="be-BY" sz="1200" dirty="0"/>
-                    </a:p>
-                  </a:txBody>
-                  <a:tcPr marT="45729" marB="45729"/>
-                </a:tc>
-                <a:tc>
-                  <a:txBody>
-                    <a:bodyPr/>
-                    <a:lstStyle/>
-                    <a:p>
-                      <a:r>
-                        <a:rPr lang="ru-RU" sz="1200" dirty="0" smtClean="0"/>
-                        <a:t>Встречается</a:t>
-                      </a:r>
-                      <a:r>
-                        <a:rPr lang="ru-RU" sz="1200" baseline="0" dirty="0" smtClean="0"/>
-                        <a:t> 0 или 1 раз.</a:t>
-                      </a:r>
-                      <a:endParaRPr lang="be-BY" sz="1200" dirty="0"/>
-                    </a:p>
-                  </a:txBody>
-                  <a:tcPr marT="45729" marB="45729"/>
-                </a:tc>
-              </a:tr>
-              <a:tr h="274373">
-                <a:tc>
-                  <a:txBody>
-                    <a:bodyPr/>
-                    <a:lstStyle/>
-                    <a:p>
-                      <a:r>
-                        <a:rPr lang="en-US" sz="1200" dirty="0" smtClean="0"/>
-                        <a:t>+</a:t>
-                      </a:r>
-                      <a:endParaRPr lang="be-BY" sz="1200" dirty="0"/>
-                    </a:p>
-                  </a:txBody>
-                  <a:tcPr marT="45729" marB="45729"/>
-                </a:tc>
-                <a:tc>
-                  <a:txBody>
-                    <a:bodyPr/>
-                    <a:lstStyle/>
-                    <a:p>
-                      <a:r>
-                        <a:rPr lang="ru-RU" sz="1200" dirty="0" smtClean="0"/>
-                        <a:t>Встречается от 1 и</a:t>
-                      </a:r>
-                      <a:r>
-                        <a:rPr lang="ru-RU" sz="1200" baseline="0" dirty="0" smtClean="0"/>
-                        <a:t> более раза.</a:t>
-                      </a:r>
-                      <a:endParaRPr lang="be-BY" sz="1200" dirty="0"/>
-                    </a:p>
-                  </a:txBody>
-                  <a:tcPr marT="45729" marB="45729"/>
-                </a:tc>
-              </a:tr>
-              <a:tr h="274373">
-                <a:tc>
-                  <a:txBody>
-                    <a:bodyPr/>
-                    <a:lstStyle/>
-                    <a:p>
-                      <a:r>
-                        <a:rPr lang="en-US" sz="1200" dirty="0" smtClean="0"/>
-                        <a:t>*</a:t>
-                      </a:r>
-                      <a:endParaRPr lang="be-BY" sz="1200" dirty="0"/>
-                    </a:p>
-                  </a:txBody>
-                  <a:tcPr marT="45729" marB="45729"/>
-                </a:tc>
-                <a:tc>
-                  <a:txBody>
-                    <a:bodyPr/>
-                    <a:lstStyle/>
-                    <a:p>
-                      <a:r>
-                        <a:rPr lang="ru-RU" sz="1200" dirty="0" smtClean="0"/>
-                        <a:t>Встречается 0 и более раза</a:t>
-                      </a:r>
-                      <a:endParaRPr lang="be-BY" sz="1200" dirty="0"/>
-                    </a:p>
-                  </a:txBody>
-                  <a:tcPr marT="45729" marB="45729"/>
-                </a:tc>
-              </a:tr>
-              <a:tr h="274373">
-                <a:tc>
-                  <a:txBody>
-                    <a:bodyPr/>
-                    <a:lstStyle/>
-                    <a:p>
-                      <a:r>
-                        <a:rPr lang="en-US" sz="1200" dirty="0" smtClean="0"/>
-                        <a:t>{n}</a:t>
-                      </a:r>
-                      <a:endParaRPr lang="be-BY" sz="1200" dirty="0"/>
-                    </a:p>
-                  </a:txBody>
-                  <a:tcPr marT="45729" marB="45729"/>
-                </a:tc>
-                <a:tc>
-                  <a:txBody>
-                    <a:bodyPr/>
-                    <a:lstStyle/>
-                    <a:p>
-                      <a:r>
-                        <a:rPr lang="ru-RU" sz="1200" dirty="0" smtClean="0"/>
-                        <a:t>Встречается </a:t>
-                      </a:r>
-                      <a:r>
-                        <a:rPr lang="en-US" sz="1200" dirty="0" smtClean="0"/>
-                        <a:t>n </a:t>
-                      </a:r>
-                      <a:r>
-                        <a:rPr lang="ru-RU" sz="1200" dirty="0" smtClean="0"/>
-                        <a:t>раз</a:t>
-                      </a:r>
-                      <a:endParaRPr lang="be-BY" sz="1200" dirty="0"/>
-                    </a:p>
-                  </a:txBody>
-                  <a:tcPr marT="45729" marB="45729"/>
-                </a:tc>
-              </a:tr>
-              <a:tr h="274373">
-                <a:tc>
-                  <a:txBody>
-                    <a:bodyPr/>
-                    <a:lstStyle/>
-                    <a:p>
-                      <a:r>
-                        <a:rPr lang="en-US" sz="1200" dirty="0" smtClean="0"/>
-                        <a:t>{</a:t>
-                      </a:r>
-                      <a:r>
-                        <a:rPr lang="en-US" sz="1200" dirty="0" err="1" smtClean="0"/>
-                        <a:t>n,m</a:t>
-                      </a:r>
-                      <a:r>
-                        <a:rPr lang="en-US" sz="1200" dirty="0" smtClean="0"/>
-                        <a:t>}</a:t>
-                      </a:r>
-                      <a:endParaRPr lang="be-BY" sz="1200" dirty="0"/>
-                    </a:p>
-                  </a:txBody>
-                  <a:tcPr marT="45729" marB="45729"/>
-                </a:tc>
-                <a:tc>
-                  <a:txBody>
-                    <a:bodyPr/>
-                    <a:lstStyle/>
-                    <a:p>
-                      <a:r>
-                        <a:rPr lang="ru-RU" sz="1200" dirty="0" smtClean="0"/>
-                        <a:t>Встречается от </a:t>
-                      </a:r>
-                      <a:r>
-                        <a:rPr lang="en-US" sz="1200" dirty="0" smtClean="0"/>
-                        <a:t>m </a:t>
-                      </a:r>
-                      <a:r>
-                        <a:rPr lang="ru-RU" sz="1200" dirty="0" smtClean="0"/>
-                        <a:t>до </a:t>
-                      </a:r>
-                      <a:r>
-                        <a:rPr lang="en-US" sz="1200" dirty="0" smtClean="0"/>
-                        <a:t>n</a:t>
-                      </a:r>
-                      <a:r>
-                        <a:rPr lang="en-US" sz="1200" baseline="0" dirty="0" smtClean="0"/>
-                        <a:t> </a:t>
-                      </a:r>
-                      <a:r>
-                        <a:rPr lang="ru-RU" sz="1200" baseline="0" dirty="0" smtClean="0"/>
-                        <a:t>раз</a:t>
-                      </a:r>
-                      <a:endParaRPr lang="be-BY" sz="1200" dirty="0"/>
-                    </a:p>
-                  </a:txBody>
-                  <a:tcPr marT="45729" marB="45729"/>
-                </a:tc>
-              </a:tr>
-              <a:tr h="274373">
-                <a:tc>
-                  <a:txBody>
-                    <a:bodyPr/>
-                    <a:lstStyle/>
-                    <a:p>
-                      <a:r>
-                        <a:rPr lang="en-US" sz="1200" dirty="0" smtClean="0"/>
-                        <a:t>{n,}</a:t>
-                      </a:r>
-                      <a:endParaRPr lang="be-BY" sz="1200" dirty="0"/>
-                    </a:p>
-                  </a:txBody>
-                  <a:tcPr marT="45729" marB="45729"/>
-                </a:tc>
-                <a:tc>
-                  <a:txBody>
-                    <a:bodyPr/>
-                    <a:lstStyle/>
-                    <a:p>
-                      <a:r>
-                        <a:rPr lang="ru-RU" sz="1200" dirty="0" smtClean="0"/>
-                        <a:t>Встречается </a:t>
-                      </a:r>
-                      <a:r>
-                        <a:rPr lang="en-US" sz="1200" dirty="0" smtClean="0"/>
-                        <a:t>n</a:t>
-                      </a:r>
-                      <a:r>
-                        <a:rPr lang="en-US" sz="1200" baseline="0" dirty="0" smtClean="0"/>
-                        <a:t> </a:t>
-                      </a:r>
-                      <a:r>
-                        <a:rPr lang="ru-RU" sz="1200" baseline="0" dirty="0" smtClean="0"/>
-                        <a:t>и больше раз.</a:t>
-                      </a:r>
-                      <a:endParaRPr lang="be-BY" sz="1200" dirty="0"/>
-                    </a:p>
-                  </a:txBody>
-                  <a:tcPr marT="45729" marB="45729"/>
-                </a:tc>
-              </a:tr>
-            </a:tbl>
-          </a:graphicData>
-        </a:graphic>
-      </p:graphicFrame>
-    </p:spTree>
-    <p:extLst>
-      <p:ext uri="{BB962C8B-B14F-4D97-AF65-F5344CB8AC3E}">
-        <p14:creationId xmlns:p14="http://schemas.microsoft.com/office/powerpoint/2010/main" val="938274926"/>
       </p:ext>
     </p:extLst>
   </p:cSld>

--- a/Presentation/lesson-03.pptx
+++ b/Presentation/lesson-03.pptx
@@ -17,6 +17,7 @@
     <p:sldId id="263" r:id="rId11"/>
     <p:sldId id="264" r:id="rId12"/>
     <p:sldId id="265" r:id="rId13"/>
+    <p:sldId id="271" r:id="rId14"/>
   </p:sldIdLst>
   <p:sldSz cx="9144000" cy="6858000" type="screen4x3"/>
   <p:notesSz cx="6858000" cy="9144000"/>
@@ -299,7 +300,7 @@
           <a:p>
             <a:fld id="{6D622FCB-595C-4A19-9DA3-A5F2C1EA723F}" type="datetimeFigureOut">
               <a:rPr lang="en-US" smtClean="0"/>
-              <a:t>6/19/2013</a:t>
+              <a:t>9/4/2013</a:t>
             </a:fld>
             <a:endParaRPr lang="en-US"/>
           </a:p>
@@ -469,7 +470,7 @@
           <a:p>
             <a:fld id="{6D622FCB-595C-4A19-9DA3-A5F2C1EA723F}" type="datetimeFigureOut">
               <a:rPr lang="en-US" smtClean="0"/>
-              <a:t>6/19/2013</a:t>
+              <a:t>9/4/2013</a:t>
             </a:fld>
             <a:endParaRPr lang="en-US"/>
           </a:p>
@@ -649,7 +650,7 @@
           <a:p>
             <a:fld id="{6D622FCB-595C-4A19-9DA3-A5F2C1EA723F}" type="datetimeFigureOut">
               <a:rPr lang="en-US" smtClean="0"/>
-              <a:t>6/19/2013</a:t>
+              <a:t>9/4/2013</a:t>
             </a:fld>
             <a:endParaRPr lang="en-US"/>
           </a:p>
@@ -819,7 +820,7 @@
           <a:p>
             <a:fld id="{6D622FCB-595C-4A19-9DA3-A5F2C1EA723F}" type="datetimeFigureOut">
               <a:rPr lang="en-US" smtClean="0"/>
-              <a:t>6/19/2013</a:t>
+              <a:t>9/4/2013</a:t>
             </a:fld>
             <a:endParaRPr lang="en-US"/>
           </a:p>
@@ -1065,7 +1066,7 @@
           <a:p>
             <a:fld id="{6D622FCB-595C-4A19-9DA3-A5F2C1EA723F}" type="datetimeFigureOut">
               <a:rPr lang="en-US" smtClean="0"/>
-              <a:t>6/19/2013</a:t>
+              <a:t>9/4/2013</a:t>
             </a:fld>
             <a:endParaRPr lang="en-US"/>
           </a:p>
@@ -1353,7 +1354,7 @@
           <a:p>
             <a:fld id="{6D622FCB-595C-4A19-9DA3-A5F2C1EA723F}" type="datetimeFigureOut">
               <a:rPr lang="en-US" smtClean="0"/>
-              <a:t>6/19/2013</a:t>
+              <a:t>9/4/2013</a:t>
             </a:fld>
             <a:endParaRPr lang="en-US"/>
           </a:p>
@@ -1775,7 +1776,7 @@
           <a:p>
             <a:fld id="{6D622FCB-595C-4A19-9DA3-A5F2C1EA723F}" type="datetimeFigureOut">
               <a:rPr lang="en-US" smtClean="0"/>
-              <a:t>6/19/2013</a:t>
+              <a:t>9/4/2013</a:t>
             </a:fld>
             <a:endParaRPr lang="en-US"/>
           </a:p>
@@ -1893,7 +1894,7 @@
           <a:p>
             <a:fld id="{6D622FCB-595C-4A19-9DA3-A5F2C1EA723F}" type="datetimeFigureOut">
               <a:rPr lang="en-US" smtClean="0"/>
-              <a:t>6/19/2013</a:t>
+              <a:t>9/4/2013</a:t>
             </a:fld>
             <a:endParaRPr lang="en-US"/>
           </a:p>
@@ -1988,7 +1989,7 @@
           <a:p>
             <a:fld id="{6D622FCB-595C-4A19-9DA3-A5F2C1EA723F}" type="datetimeFigureOut">
               <a:rPr lang="en-US" smtClean="0"/>
-              <a:t>6/19/2013</a:t>
+              <a:t>9/4/2013</a:t>
             </a:fld>
             <a:endParaRPr lang="en-US"/>
           </a:p>
@@ -2265,7 +2266,7 @@
           <a:p>
             <a:fld id="{6D622FCB-595C-4A19-9DA3-A5F2C1EA723F}" type="datetimeFigureOut">
               <a:rPr lang="en-US" smtClean="0"/>
-              <a:t>6/19/2013</a:t>
+              <a:t>9/4/2013</a:t>
             </a:fld>
             <a:endParaRPr lang="en-US"/>
           </a:p>
@@ -2518,7 +2519,7 @@
           <a:p>
             <a:fld id="{6D622FCB-595C-4A19-9DA3-A5F2C1EA723F}" type="datetimeFigureOut">
               <a:rPr lang="en-US" smtClean="0"/>
-              <a:t>6/19/2013</a:t>
+              <a:t>9/4/2013</a:t>
             </a:fld>
             <a:endParaRPr lang="en-US"/>
           </a:p>
@@ -2731,7 +2732,7 @@
           <a:p>
             <a:fld id="{6D622FCB-595C-4A19-9DA3-A5F2C1EA723F}" type="datetimeFigureOut">
               <a:rPr lang="en-US" smtClean="0"/>
-              <a:t>6/19/2013</a:t>
+              <a:t>9/4/2013</a:t>
             </a:fld>
             <a:endParaRPr lang="en-US"/>
           </a:p>
@@ -7680,6 +7681,904 @@
     <p:extLst>
       <p:ext uri="{BB962C8B-B14F-4D97-AF65-F5344CB8AC3E}">
         <p14:creationId xmlns:p14="http://schemas.microsoft.com/office/powerpoint/2010/main" val="1478398796"/>
+      </p:ext>
+    </p:extLst>
+  </p:cSld>
+  <p:clrMapOvr>
+    <a:masterClrMapping/>
+  </p:clrMapOvr>
+  <p:timing>
+    <p:tnLst>
+      <p:par>
+        <p:cTn id="1" dur="indefinite" restart="never" nodeType="tmRoot"/>
+      </p:par>
+    </p:tnLst>
+  </p:timing>
+</p:sld>
+</file>
+
+<file path=ppt/slides/slide13.xml><?xml version="1.0" encoding="utf-8"?>
+<p:sld xmlns:a="http://schemas.openxmlformats.org/drawingml/2006/main" xmlns:r="http://schemas.openxmlformats.org/officeDocument/2006/relationships" xmlns:p="http://schemas.openxmlformats.org/presentationml/2006/main">
+  <p:cSld>
+    <p:bg>
+      <p:bgPr>
+        <a:blipFill dpi="0" rotWithShape="1">
+          <a:blip r:embed="rId2">
+            <a:lum/>
+          </a:blip>
+          <a:srcRect/>
+          <a:stretch>
+            <a:fillRect/>
+          </a:stretch>
+        </a:blipFill>
+        <a:effectLst/>
+      </p:bgPr>
+    </p:bg>
+    <p:spTree>
+      <p:nvGrpSpPr>
+        <p:cNvPr id="1" name=""/>
+        <p:cNvGrpSpPr/>
+        <p:nvPr/>
+      </p:nvGrpSpPr>
+      <p:grpSpPr>
+        <a:xfrm>
+          <a:off x="0" y="0"/>
+          <a:ext cx="0" cy="0"/>
+          <a:chOff x="0" y="0"/>
+          <a:chExt cx="0" cy="0"/>
+        </a:xfrm>
+      </p:grpSpPr>
+      <p:sp>
+        <p:nvSpPr>
+          <p:cNvPr id="10242" name="Rectangle 1"/>
+          <p:cNvSpPr>
+            <a:spLocks noChangeArrowheads="1"/>
+          </p:cNvSpPr>
+          <p:nvPr/>
+        </p:nvSpPr>
+        <p:spPr bwMode="auto">
+          <a:xfrm>
+            <a:off x="457200" y="-4763"/>
+            <a:ext cx="8305800" cy="461963"/>
+          </a:xfrm>
+          <a:prstGeom prst="rect">
+            <a:avLst/>
+          </a:prstGeom>
+          <a:noFill/>
+          <a:ln>
+            <a:noFill/>
+          </a:ln>
+          <a:extLst>
+            <a:ext uri="{909E8E84-426E-40DD-AFC4-6F175D3DCCD1}">
+              <a14:hiddenFill xmlns:a14="http://schemas.microsoft.com/office/drawing/2010/main">
+                <a:solidFill>
+                  <a:srgbClr val="FFFFFF"/>
+                </a:solidFill>
+              </a14:hiddenFill>
+            </a:ext>
+            <a:ext uri="{91240B29-F687-4F45-9708-019B960494DF}">
+              <a14:hiddenLine xmlns:a14="http://schemas.microsoft.com/office/drawing/2010/main" w="9525">
+                <a:solidFill>
+                  <a:srgbClr val="000000"/>
+                </a:solidFill>
+                <a:miter lim="800000"/>
+                <a:headEnd/>
+                <a:tailEnd/>
+              </a14:hiddenLine>
+            </a:ext>
+          </a:extLst>
+        </p:spPr>
+        <p:txBody>
+          <a:bodyPr anchor="ctr">
+            <a:spAutoFit/>
+          </a:bodyPr>
+          <a:lstStyle/>
+          <a:p>
+            <a:pPr algn="ctr">
+              <a:tabLst>
+                <a:tab pos="457200" algn="l"/>
+              </a:tabLst>
+            </a:pPr>
+            <a:r>
+              <a:rPr lang="ru-RU" sz="2400" dirty="0" smtClean="0">
+                <a:cs typeface="Times New Roman" pitchFamily="18" charset="0"/>
+              </a:rPr>
+              <a:t>Управление ресурсами и блок </a:t>
+            </a:r>
+            <a:r>
+              <a:rPr lang="en-US" sz="2400" dirty="0" smtClean="0">
+                <a:cs typeface="Times New Roman" pitchFamily="18" charset="0"/>
+              </a:rPr>
+              <a:t>using</a:t>
+            </a:r>
+            <a:endParaRPr lang="en-US" sz="2400" dirty="0">
+              <a:cs typeface="Times New Roman" pitchFamily="18" charset="0"/>
+            </a:endParaRPr>
+          </a:p>
+        </p:txBody>
+      </p:sp>
+      <p:sp>
+        <p:nvSpPr>
+          <p:cNvPr id="10243" name="Rectangle 64"/>
+          <p:cNvSpPr>
+            <a:spLocks noChangeArrowheads="1"/>
+          </p:cNvSpPr>
+          <p:nvPr/>
+        </p:nvSpPr>
+        <p:spPr bwMode="auto">
+          <a:xfrm>
+            <a:off x="0" y="0"/>
+            <a:ext cx="9144000" cy="0"/>
+          </a:xfrm>
+          <a:prstGeom prst="rect">
+            <a:avLst/>
+          </a:prstGeom>
+          <a:noFill/>
+          <a:ln>
+            <a:noFill/>
+          </a:ln>
+          <a:extLst>
+            <a:ext uri="{909E8E84-426E-40DD-AFC4-6F175D3DCCD1}">
+              <a14:hiddenFill xmlns:a14="http://schemas.microsoft.com/office/drawing/2010/main">
+                <a:solidFill>
+                  <a:srgbClr val="FFFFFF"/>
+                </a:solidFill>
+              </a14:hiddenFill>
+            </a:ext>
+            <a:ext uri="{91240B29-F687-4F45-9708-019B960494DF}">
+              <a14:hiddenLine xmlns:a14="http://schemas.microsoft.com/office/drawing/2010/main" w="9525">
+                <a:solidFill>
+                  <a:srgbClr val="000000"/>
+                </a:solidFill>
+                <a:miter lim="800000"/>
+                <a:headEnd/>
+                <a:tailEnd/>
+              </a14:hiddenLine>
+            </a:ext>
+          </a:extLst>
+        </p:spPr>
+        <p:txBody>
+          <a:bodyPr wrap="none" anchor="ctr">
+            <a:spAutoFit/>
+          </a:bodyPr>
+          <a:lstStyle/>
+          <a:p>
+            <a:endParaRPr lang="be-BY"/>
+          </a:p>
+        </p:txBody>
+      </p:sp>
+      <p:sp>
+        <p:nvSpPr>
+          <p:cNvPr id="22529" name="Rectangle 1"/>
+          <p:cNvSpPr>
+            <a:spLocks noChangeArrowheads="1"/>
+          </p:cNvSpPr>
+          <p:nvPr/>
+        </p:nvSpPr>
+        <p:spPr bwMode="auto">
+          <a:xfrm>
+            <a:off x="228600" y="2362865"/>
+            <a:ext cx="8763000" cy="2554545"/>
+          </a:xfrm>
+          <a:prstGeom prst="rect">
+            <a:avLst/>
+          </a:prstGeom>
+          <a:solidFill>
+            <a:schemeClr val="bg1"/>
+          </a:solidFill>
+          <a:ln w="9525">
+            <a:solidFill>
+              <a:schemeClr val="bg1">
+                <a:lumMod val="65000"/>
+              </a:schemeClr>
+            </a:solidFill>
+            <a:miter lim="800000"/>
+            <a:headEnd/>
+            <a:tailEnd/>
+          </a:ln>
+          <a:effectLst/>
+        </p:spPr>
+        <p:txBody>
+          <a:bodyPr anchor="ctr">
+            <a:spAutoFit/>
+          </a:bodyPr>
+          <a:lstStyle/>
+          <a:p>
+            <a:r>
+              <a:rPr lang="en-US" sz="1000" dirty="0">
+                <a:solidFill>
+                  <a:srgbClr val="0000FF"/>
+                </a:solidFill>
+                <a:latin typeface="Consolas"/>
+              </a:rPr>
+              <a:t>string</a:t>
+            </a:r>
+            <a:r>
+              <a:rPr lang="en-US" sz="1000" dirty="0">
+                <a:solidFill>
+                  <a:prstClr val="black"/>
+                </a:solidFill>
+                <a:latin typeface="Consolas"/>
+              </a:rPr>
+              <a:t> </a:t>
+            </a:r>
+            <a:r>
+              <a:rPr lang="en-US" sz="1000" dirty="0" err="1">
+                <a:solidFill>
+                  <a:prstClr val="black"/>
+                </a:solidFill>
+                <a:latin typeface="Consolas"/>
+              </a:rPr>
+              <a:t>fileName</a:t>
+            </a:r>
+            <a:r>
+              <a:rPr lang="en-US" sz="1000" dirty="0">
+                <a:solidFill>
+                  <a:prstClr val="black"/>
+                </a:solidFill>
+                <a:latin typeface="Consolas"/>
+              </a:rPr>
+              <a:t> = </a:t>
+            </a:r>
+            <a:r>
+              <a:rPr lang="en-US" sz="1000" dirty="0" err="1">
+                <a:solidFill>
+                  <a:srgbClr val="2B91AF"/>
+                </a:solidFill>
+                <a:latin typeface="Consolas"/>
+              </a:rPr>
+              <a:t>Guid</a:t>
+            </a:r>
+            <a:r>
+              <a:rPr lang="en-US" sz="1000" dirty="0" err="1">
+                <a:solidFill>
+                  <a:prstClr val="black"/>
+                </a:solidFill>
+                <a:latin typeface="Consolas"/>
+              </a:rPr>
+              <a:t>.NewGuid</a:t>
+            </a:r>
+            <a:r>
+              <a:rPr lang="en-US" sz="1000" dirty="0">
+                <a:solidFill>
+                  <a:prstClr val="black"/>
+                </a:solidFill>
+                <a:latin typeface="Consolas"/>
+              </a:rPr>
+              <a:t>().</a:t>
+            </a:r>
+            <a:r>
+              <a:rPr lang="en-US" sz="1000" dirty="0" err="1">
+                <a:solidFill>
+                  <a:prstClr val="black"/>
+                </a:solidFill>
+                <a:latin typeface="Consolas"/>
+              </a:rPr>
+              <a:t>ToString</a:t>
+            </a:r>
+            <a:r>
+              <a:rPr lang="en-US" sz="1000" dirty="0">
+                <a:solidFill>
+                  <a:prstClr val="black"/>
+                </a:solidFill>
+                <a:latin typeface="Consolas"/>
+              </a:rPr>
+              <a:t>() + </a:t>
+            </a:r>
+            <a:r>
+              <a:rPr lang="en-US" sz="1000" dirty="0">
+                <a:solidFill>
+                  <a:srgbClr val="A31515"/>
+                </a:solidFill>
+                <a:latin typeface="Consolas"/>
+              </a:rPr>
+              <a:t>".txt"</a:t>
+            </a:r>
+            <a:r>
+              <a:rPr lang="en-US" sz="1000" dirty="0">
+                <a:solidFill>
+                  <a:prstClr val="black"/>
+                </a:solidFill>
+                <a:latin typeface="Consolas"/>
+              </a:rPr>
+              <a:t>;</a:t>
+            </a:r>
+          </a:p>
+          <a:p>
+            <a:r>
+              <a:rPr lang="en-US" sz="1000" dirty="0">
+                <a:solidFill>
+                  <a:srgbClr val="0000FF"/>
+                </a:solidFill>
+                <a:latin typeface="Consolas"/>
+              </a:rPr>
+              <a:t>string</a:t>
+            </a:r>
+            <a:r>
+              <a:rPr lang="en-US" sz="1000" dirty="0">
+                <a:solidFill>
+                  <a:prstClr val="black"/>
+                </a:solidFill>
+                <a:latin typeface="Consolas"/>
+              </a:rPr>
+              <a:t> </a:t>
+            </a:r>
+            <a:r>
+              <a:rPr lang="en-US" sz="1000" dirty="0" err="1">
+                <a:solidFill>
+                  <a:prstClr val="black"/>
+                </a:solidFill>
+                <a:latin typeface="Consolas"/>
+              </a:rPr>
+              <a:t>filePath</a:t>
+            </a:r>
+            <a:r>
+              <a:rPr lang="en-US" sz="1000" dirty="0">
+                <a:solidFill>
+                  <a:prstClr val="black"/>
+                </a:solidFill>
+                <a:latin typeface="Consolas"/>
+              </a:rPr>
+              <a:t> = </a:t>
+            </a:r>
+            <a:r>
+              <a:rPr lang="en-US" sz="1000" dirty="0" err="1">
+                <a:solidFill>
+                  <a:srgbClr val="2B91AF"/>
+                </a:solidFill>
+                <a:latin typeface="Consolas"/>
+              </a:rPr>
+              <a:t>Path</a:t>
+            </a:r>
+            <a:r>
+              <a:rPr lang="en-US" sz="1000" dirty="0" err="1">
+                <a:solidFill>
+                  <a:prstClr val="black"/>
+                </a:solidFill>
+                <a:latin typeface="Consolas"/>
+              </a:rPr>
+              <a:t>.Combine</a:t>
+            </a:r>
+            <a:r>
+              <a:rPr lang="en-US" sz="1000" dirty="0">
+                <a:solidFill>
+                  <a:prstClr val="black"/>
+                </a:solidFill>
+                <a:latin typeface="Consolas"/>
+              </a:rPr>
+              <a:t>(</a:t>
+            </a:r>
+            <a:r>
+              <a:rPr lang="en-US" sz="1000" dirty="0" err="1">
+                <a:solidFill>
+                  <a:srgbClr val="2B91AF"/>
+                </a:solidFill>
+                <a:latin typeface="Consolas"/>
+              </a:rPr>
+              <a:t>Path</a:t>
+            </a:r>
+            <a:r>
+              <a:rPr lang="en-US" sz="1000" dirty="0" err="1">
+                <a:solidFill>
+                  <a:prstClr val="black"/>
+                </a:solidFill>
+                <a:latin typeface="Consolas"/>
+              </a:rPr>
+              <a:t>.GetTempPath</a:t>
+            </a:r>
+            <a:r>
+              <a:rPr lang="en-US" sz="1000" dirty="0">
+                <a:solidFill>
+                  <a:prstClr val="black"/>
+                </a:solidFill>
+                <a:latin typeface="Consolas"/>
+              </a:rPr>
+              <a:t>(), </a:t>
+            </a:r>
+            <a:r>
+              <a:rPr lang="en-US" sz="1000" dirty="0" err="1">
+                <a:solidFill>
+                  <a:prstClr val="black"/>
+                </a:solidFill>
+                <a:latin typeface="Consolas"/>
+              </a:rPr>
+              <a:t>fileName</a:t>
+            </a:r>
+            <a:r>
+              <a:rPr lang="en-US" sz="1000" dirty="0">
+                <a:solidFill>
+                  <a:prstClr val="black"/>
+                </a:solidFill>
+                <a:latin typeface="Consolas"/>
+              </a:rPr>
+              <a:t>);</a:t>
+            </a:r>
+          </a:p>
+          <a:p>
+            <a:endParaRPr lang="en-US" sz="1000" dirty="0">
+              <a:solidFill>
+                <a:prstClr val="black"/>
+              </a:solidFill>
+              <a:latin typeface="Consolas"/>
+            </a:endParaRPr>
+          </a:p>
+          <a:p>
+            <a:r>
+              <a:rPr lang="en-US" sz="1000" dirty="0" err="1">
+                <a:solidFill>
+                  <a:srgbClr val="2B91AF"/>
+                </a:solidFill>
+                <a:latin typeface="Consolas"/>
+              </a:rPr>
+              <a:t>StreamWriter</a:t>
+            </a:r>
+            <a:r>
+              <a:rPr lang="en-US" sz="1000" dirty="0">
+                <a:solidFill>
+                  <a:prstClr val="black"/>
+                </a:solidFill>
+                <a:latin typeface="Consolas"/>
+              </a:rPr>
+              <a:t> writer = </a:t>
+            </a:r>
+            <a:r>
+              <a:rPr lang="en-US" sz="1000" dirty="0">
+                <a:solidFill>
+                  <a:srgbClr val="0000FF"/>
+                </a:solidFill>
+                <a:latin typeface="Consolas"/>
+              </a:rPr>
+              <a:t>new</a:t>
+            </a:r>
+            <a:r>
+              <a:rPr lang="en-US" sz="1000" dirty="0">
+                <a:solidFill>
+                  <a:prstClr val="black"/>
+                </a:solidFill>
+                <a:latin typeface="Consolas"/>
+              </a:rPr>
+              <a:t> </a:t>
+            </a:r>
+            <a:r>
+              <a:rPr lang="en-US" sz="1000" dirty="0" err="1">
+                <a:solidFill>
+                  <a:srgbClr val="2B91AF"/>
+                </a:solidFill>
+                <a:latin typeface="Consolas"/>
+              </a:rPr>
+              <a:t>StreamWriter</a:t>
+            </a:r>
+            <a:r>
+              <a:rPr lang="en-US" sz="1000" dirty="0">
+                <a:solidFill>
+                  <a:prstClr val="black"/>
+                </a:solidFill>
+                <a:latin typeface="Consolas"/>
+              </a:rPr>
+              <a:t>(</a:t>
+            </a:r>
+            <a:r>
+              <a:rPr lang="en-US" sz="1000" dirty="0" err="1">
+                <a:solidFill>
+                  <a:prstClr val="black"/>
+                </a:solidFill>
+                <a:latin typeface="Consolas"/>
+              </a:rPr>
+              <a:t>filePath</a:t>
+            </a:r>
+            <a:r>
+              <a:rPr lang="en-US" sz="1000" dirty="0">
+                <a:solidFill>
+                  <a:prstClr val="black"/>
+                </a:solidFill>
+                <a:latin typeface="Consolas"/>
+              </a:rPr>
+              <a:t>);</a:t>
+            </a:r>
+          </a:p>
+          <a:p>
+            <a:r>
+              <a:rPr lang="en-US" sz="1000" dirty="0" err="1">
+                <a:solidFill>
+                  <a:prstClr val="black"/>
+                </a:solidFill>
+                <a:latin typeface="Consolas"/>
+              </a:rPr>
+              <a:t>writer.WriteLine</a:t>
+            </a:r>
+            <a:r>
+              <a:rPr lang="en-US" sz="1000" dirty="0">
+                <a:solidFill>
+                  <a:prstClr val="black"/>
+                </a:solidFill>
+                <a:latin typeface="Consolas"/>
+              </a:rPr>
+              <a:t>(</a:t>
+            </a:r>
+            <a:r>
+              <a:rPr lang="en-US" sz="1000" dirty="0">
+                <a:solidFill>
+                  <a:srgbClr val="A31515"/>
+                </a:solidFill>
+                <a:latin typeface="Consolas"/>
+              </a:rPr>
+              <a:t>"Line 1"</a:t>
+            </a:r>
+            <a:r>
+              <a:rPr lang="en-US" sz="1000" dirty="0">
+                <a:solidFill>
+                  <a:prstClr val="black"/>
+                </a:solidFill>
+                <a:latin typeface="Consolas"/>
+              </a:rPr>
+              <a:t>);</a:t>
+            </a:r>
+          </a:p>
+          <a:p>
+            <a:r>
+              <a:rPr lang="en-US" sz="1000" dirty="0" err="1">
+                <a:solidFill>
+                  <a:prstClr val="black"/>
+                </a:solidFill>
+                <a:latin typeface="Consolas"/>
+              </a:rPr>
+              <a:t>writer.WriteLine</a:t>
+            </a:r>
+            <a:r>
+              <a:rPr lang="en-US" sz="1000" dirty="0">
+                <a:solidFill>
+                  <a:prstClr val="black"/>
+                </a:solidFill>
+                <a:latin typeface="Consolas"/>
+              </a:rPr>
+              <a:t>(</a:t>
+            </a:r>
+            <a:r>
+              <a:rPr lang="en-US" sz="1000" dirty="0">
+                <a:solidFill>
+                  <a:srgbClr val="A31515"/>
+                </a:solidFill>
+                <a:latin typeface="Consolas"/>
+              </a:rPr>
+              <a:t>"</a:t>
+            </a:r>
+            <a:r>
+              <a:rPr lang="ru-RU" sz="1000" dirty="0">
+                <a:solidFill>
+                  <a:srgbClr val="A31515"/>
+                </a:solidFill>
+                <a:latin typeface="Consolas"/>
+              </a:rPr>
+              <a:t>Строка 2"</a:t>
+            </a:r>
+            <a:r>
+              <a:rPr lang="ru-RU" sz="1000" dirty="0">
+                <a:solidFill>
+                  <a:prstClr val="black"/>
+                </a:solidFill>
+                <a:latin typeface="Consolas"/>
+              </a:rPr>
+              <a:t>);</a:t>
+            </a:r>
+          </a:p>
+          <a:p>
+            <a:r>
+              <a:rPr lang="en-US" sz="1000" dirty="0" err="1">
+                <a:solidFill>
+                  <a:prstClr val="black"/>
+                </a:solidFill>
+                <a:latin typeface="Consolas"/>
+              </a:rPr>
+              <a:t>writer.Close</a:t>
+            </a:r>
+            <a:r>
+              <a:rPr lang="en-US" sz="1000" dirty="0">
+                <a:solidFill>
+                  <a:prstClr val="black"/>
+                </a:solidFill>
+                <a:latin typeface="Consolas"/>
+              </a:rPr>
+              <a:t>();</a:t>
+            </a:r>
+          </a:p>
+          <a:p>
+            <a:endParaRPr lang="en-US" sz="1000" dirty="0">
+              <a:solidFill>
+                <a:prstClr val="black"/>
+              </a:solidFill>
+              <a:latin typeface="Consolas"/>
+            </a:endParaRPr>
+          </a:p>
+          <a:p>
+            <a:r>
+              <a:rPr lang="en-US" sz="1000" dirty="0" err="1">
+                <a:solidFill>
+                  <a:srgbClr val="2B91AF"/>
+                </a:solidFill>
+                <a:latin typeface="Consolas"/>
+              </a:rPr>
+              <a:t>StreamReader</a:t>
+            </a:r>
+            <a:r>
+              <a:rPr lang="en-US" sz="1000" dirty="0">
+                <a:solidFill>
+                  <a:prstClr val="black"/>
+                </a:solidFill>
+                <a:latin typeface="Consolas"/>
+              </a:rPr>
+              <a:t> reader = </a:t>
+            </a:r>
+            <a:r>
+              <a:rPr lang="en-US" sz="1000" dirty="0">
+                <a:solidFill>
+                  <a:srgbClr val="0000FF"/>
+                </a:solidFill>
+                <a:latin typeface="Consolas"/>
+              </a:rPr>
+              <a:t>new</a:t>
+            </a:r>
+            <a:r>
+              <a:rPr lang="en-US" sz="1000" dirty="0">
+                <a:solidFill>
+                  <a:prstClr val="black"/>
+                </a:solidFill>
+                <a:latin typeface="Consolas"/>
+              </a:rPr>
+              <a:t> </a:t>
+            </a:r>
+            <a:r>
+              <a:rPr lang="en-US" sz="1000" dirty="0" err="1">
+                <a:solidFill>
+                  <a:srgbClr val="2B91AF"/>
+                </a:solidFill>
+                <a:latin typeface="Consolas"/>
+              </a:rPr>
+              <a:t>StreamReader</a:t>
+            </a:r>
+            <a:r>
+              <a:rPr lang="en-US" sz="1000" dirty="0">
+                <a:solidFill>
+                  <a:prstClr val="black"/>
+                </a:solidFill>
+                <a:latin typeface="Consolas"/>
+              </a:rPr>
+              <a:t>(</a:t>
+            </a:r>
+            <a:r>
+              <a:rPr lang="en-US" sz="1000" dirty="0" err="1">
+                <a:solidFill>
+                  <a:prstClr val="black"/>
+                </a:solidFill>
+                <a:latin typeface="Consolas"/>
+              </a:rPr>
+              <a:t>filePath</a:t>
+            </a:r>
+            <a:r>
+              <a:rPr lang="en-US" sz="1000" dirty="0">
+                <a:solidFill>
+                  <a:prstClr val="black"/>
+                </a:solidFill>
+                <a:latin typeface="Consolas"/>
+              </a:rPr>
+              <a:t>);</a:t>
+            </a:r>
+          </a:p>
+          <a:p>
+            <a:r>
+              <a:rPr lang="en-US" sz="1000" dirty="0">
+                <a:solidFill>
+                  <a:srgbClr val="0000FF"/>
+                </a:solidFill>
+                <a:latin typeface="Consolas"/>
+              </a:rPr>
+              <a:t>while</a:t>
+            </a:r>
+            <a:r>
+              <a:rPr lang="en-US" sz="1000" dirty="0">
+                <a:solidFill>
+                  <a:prstClr val="black"/>
+                </a:solidFill>
+                <a:latin typeface="Consolas"/>
+              </a:rPr>
+              <a:t> (!</a:t>
+            </a:r>
+            <a:r>
+              <a:rPr lang="en-US" sz="1000" dirty="0" err="1">
+                <a:solidFill>
+                  <a:prstClr val="black"/>
+                </a:solidFill>
+                <a:latin typeface="Consolas"/>
+              </a:rPr>
+              <a:t>reader.EndOfStream</a:t>
+            </a:r>
+            <a:r>
+              <a:rPr lang="en-US" sz="1000" dirty="0">
+                <a:solidFill>
+                  <a:prstClr val="black"/>
+                </a:solidFill>
+                <a:latin typeface="Consolas"/>
+              </a:rPr>
+              <a:t>)</a:t>
+            </a:r>
+          </a:p>
+          <a:p>
+            <a:r>
+              <a:rPr lang="en-US" sz="1000" dirty="0">
+                <a:solidFill>
+                  <a:prstClr val="black"/>
+                </a:solidFill>
+                <a:latin typeface="Consolas"/>
+              </a:rPr>
+              <a:t>{</a:t>
+            </a:r>
+          </a:p>
+          <a:p>
+            <a:r>
+              <a:rPr lang="en-US" sz="1000" dirty="0">
+                <a:solidFill>
+                  <a:prstClr val="black"/>
+                </a:solidFill>
+                <a:latin typeface="Consolas"/>
+              </a:rPr>
+              <a:t>    </a:t>
+            </a:r>
+            <a:r>
+              <a:rPr lang="en-US" sz="1000" dirty="0" err="1">
+                <a:solidFill>
+                  <a:srgbClr val="2B91AF"/>
+                </a:solidFill>
+                <a:latin typeface="Consolas"/>
+              </a:rPr>
+              <a:t>Console</a:t>
+            </a:r>
+            <a:r>
+              <a:rPr lang="en-US" sz="1000" dirty="0" err="1">
+                <a:solidFill>
+                  <a:prstClr val="black"/>
+                </a:solidFill>
+                <a:latin typeface="Consolas"/>
+              </a:rPr>
+              <a:t>.WriteLine</a:t>
+            </a:r>
+            <a:r>
+              <a:rPr lang="en-US" sz="1000" dirty="0">
+                <a:solidFill>
+                  <a:prstClr val="black"/>
+                </a:solidFill>
+                <a:latin typeface="Consolas"/>
+              </a:rPr>
+              <a:t>(</a:t>
+            </a:r>
+            <a:r>
+              <a:rPr lang="en-US" sz="1000" dirty="0" err="1">
+                <a:solidFill>
+                  <a:prstClr val="black"/>
+                </a:solidFill>
+                <a:latin typeface="Consolas"/>
+              </a:rPr>
+              <a:t>reader.ReadLine</a:t>
+            </a:r>
+            <a:r>
+              <a:rPr lang="en-US" sz="1000" dirty="0">
+                <a:solidFill>
+                  <a:prstClr val="black"/>
+                </a:solidFill>
+                <a:latin typeface="Consolas"/>
+              </a:rPr>
+              <a:t>());</a:t>
+            </a:r>
+          </a:p>
+          <a:p>
+            <a:r>
+              <a:rPr lang="en-US" sz="1000" dirty="0">
+                <a:solidFill>
+                  <a:prstClr val="black"/>
+                </a:solidFill>
+                <a:latin typeface="Consolas"/>
+              </a:rPr>
+              <a:t>}</a:t>
+            </a:r>
+          </a:p>
+          <a:p>
+            <a:r>
+              <a:rPr lang="en-US" sz="1000" dirty="0" err="1">
+                <a:solidFill>
+                  <a:prstClr val="black"/>
+                </a:solidFill>
+                <a:latin typeface="Consolas"/>
+              </a:rPr>
+              <a:t>reader.Close</a:t>
+            </a:r>
+            <a:r>
+              <a:rPr lang="en-US" sz="1000" dirty="0">
+                <a:solidFill>
+                  <a:prstClr val="black"/>
+                </a:solidFill>
+                <a:latin typeface="Consolas"/>
+              </a:rPr>
+              <a:t>();</a:t>
+            </a:r>
+          </a:p>
+          <a:p>
+            <a:endParaRPr lang="en-US" sz="1000" dirty="0">
+              <a:solidFill>
+                <a:prstClr val="black"/>
+              </a:solidFill>
+              <a:latin typeface="Consolas"/>
+            </a:endParaRPr>
+          </a:p>
+          <a:p>
+            <a:r>
+              <a:rPr lang="en-US" sz="1000" dirty="0" err="1">
+                <a:solidFill>
+                  <a:srgbClr val="2B91AF"/>
+                </a:solidFill>
+                <a:latin typeface="Consolas"/>
+              </a:rPr>
+              <a:t>File</a:t>
+            </a:r>
+            <a:r>
+              <a:rPr lang="en-US" sz="1000" dirty="0" err="1">
+                <a:solidFill>
+                  <a:prstClr val="black"/>
+                </a:solidFill>
+                <a:latin typeface="Consolas"/>
+              </a:rPr>
+              <a:t>.Delete</a:t>
+            </a:r>
+            <a:r>
+              <a:rPr lang="en-US" sz="1000" dirty="0">
+                <a:solidFill>
+                  <a:prstClr val="black"/>
+                </a:solidFill>
+                <a:latin typeface="Consolas"/>
+              </a:rPr>
+              <a:t>(</a:t>
+            </a:r>
+            <a:r>
+              <a:rPr lang="en-US" sz="1000" dirty="0" err="1">
+                <a:solidFill>
+                  <a:prstClr val="black"/>
+                </a:solidFill>
+                <a:latin typeface="Consolas"/>
+              </a:rPr>
+              <a:t>filePath</a:t>
+            </a:r>
+            <a:r>
+              <a:rPr lang="en-US" sz="1000" dirty="0" smtClean="0">
+                <a:solidFill>
+                  <a:prstClr val="black"/>
+                </a:solidFill>
+                <a:latin typeface="Consolas"/>
+              </a:rPr>
+              <a:t>);</a:t>
+            </a:r>
+            <a:r>
+              <a:rPr lang="be-BY" sz="1000" dirty="0" smtClean="0">
+                <a:solidFill>
+                  <a:schemeClr val="bg1"/>
+                </a:solidFill>
+                <a:latin typeface="Consolas" panose="020B0609020204030204" pitchFamily="49" charset="0"/>
+                <a:ea typeface="Calibri" pitchFamily="34" charset="0"/>
+                <a:cs typeface="Consolas" panose="020B0609020204030204" pitchFamily="49" charset="0"/>
+              </a:rPr>
+              <a:t>: IDisposable</a:t>
+            </a:r>
+            <a:endParaRPr lang="be-BY" sz="900" dirty="0">
+              <a:solidFill>
+                <a:schemeClr val="bg1"/>
+              </a:solidFill>
+              <a:latin typeface="Consolas" panose="020B0609020204030204" pitchFamily="49" charset="0"/>
+              <a:ea typeface="Calibri" pitchFamily="34" charset="0"/>
+              <a:cs typeface="Consolas" panose="020B0609020204030204" pitchFamily="49" charset="0"/>
+            </a:endParaRPr>
+          </a:p>
+        </p:txBody>
+      </p:sp>
+    </p:spTree>
+    <p:extLst>
+      <p:ext uri="{BB962C8B-B14F-4D97-AF65-F5344CB8AC3E}">
+        <p14:creationId xmlns:p14="http://schemas.microsoft.com/office/powerpoint/2010/main" val="859555954"/>
       </p:ext>
     </p:extLst>
   </p:cSld>
@@ -14664,13 +15563,7 @@
               <a:rPr lang="ru-RU" sz="2400" dirty="0" smtClean="0">
                 <a:cs typeface="Times New Roman" pitchFamily="18" charset="0"/>
               </a:rPr>
-              <a:t>. (</a:t>
-            </a:r>
-            <a:r>
-              <a:rPr lang="ru-RU" sz="2400" dirty="0" smtClean="0">
-                <a:cs typeface="Times New Roman" pitchFamily="18" charset="0"/>
-              </a:rPr>
-              <a:t>класс </a:t>
+              <a:t>. (класс </a:t>
             </a:r>
             <a:r>
               <a:rPr lang="en-US" sz="2400" dirty="0" err="1" smtClean="0">
@@ -15110,15 +16003,7 @@
                             <a:srgbClr val="002060"/>
                           </a:solidFill>
                         </a:rPr>
-                        <a:t>Нет </a:t>
-                      </a:r>
-                      <a:r>
-                        <a:rPr lang="ru-RU" dirty="0" smtClean="0">
-                          <a:solidFill>
-                            <a:srgbClr val="002060"/>
-                          </a:solidFill>
-                        </a:rPr>
-                        <a:t>возможности указать дополнительные параметры</a:t>
+                        <a:t>Нет возможности указать дополнительные параметры</a:t>
                       </a:r>
                       <a:r>
                         <a:rPr lang="ru-RU" baseline="0" dirty="0" smtClean="0">

--- a/Presentation/lesson-03.pptx
+++ b/Presentation/lesson-03.pptx
@@ -3,21 +3,24 @@
 <p:presentation xmlns:a="http://schemas.openxmlformats.org/drawingml/2006/main" xmlns:r="http://schemas.openxmlformats.org/officeDocument/2006/relationships" xmlns:p="http://schemas.openxmlformats.org/presentationml/2006/main" saveSubsetFonts="1">
   <p:sldMasterIdLst>
     <p:sldMasterId id="2147483648" r:id="rId1"/>
+    <p:sldMasterId id="2147483660" r:id="rId2"/>
   </p:sldMasterIdLst>
   <p:sldIdLst>
-    <p:sldId id="266" r:id="rId2"/>
-    <p:sldId id="268" r:id="rId3"/>
-    <p:sldId id="258" r:id="rId4"/>
-    <p:sldId id="259" r:id="rId5"/>
-    <p:sldId id="269" r:id="rId6"/>
-    <p:sldId id="270" r:id="rId7"/>
-    <p:sldId id="260" r:id="rId8"/>
-    <p:sldId id="261" r:id="rId9"/>
-    <p:sldId id="262" r:id="rId10"/>
-    <p:sldId id="263" r:id="rId11"/>
-    <p:sldId id="264" r:id="rId12"/>
-    <p:sldId id="265" r:id="rId13"/>
-    <p:sldId id="271" r:id="rId14"/>
+    <p:sldId id="266" r:id="rId3"/>
+    <p:sldId id="268" r:id="rId4"/>
+    <p:sldId id="258" r:id="rId5"/>
+    <p:sldId id="259" r:id="rId6"/>
+    <p:sldId id="269" r:id="rId7"/>
+    <p:sldId id="270" r:id="rId8"/>
+    <p:sldId id="260" r:id="rId9"/>
+    <p:sldId id="261" r:id="rId10"/>
+    <p:sldId id="262" r:id="rId11"/>
+    <p:sldId id="272" r:id="rId12"/>
+    <p:sldId id="273" r:id="rId13"/>
+    <p:sldId id="263" r:id="rId14"/>
+    <p:sldId id="264" r:id="rId15"/>
+    <p:sldId id="265" r:id="rId16"/>
+    <p:sldId id="271" r:id="rId17"/>
   </p:sldIdLst>
   <p:sldSz cx="9144000" cy="6858000" type="screen4x3"/>
   <p:notesSz cx="6858000" cy="9144000"/>
@@ -300,7 +303,7 @@
           <a:p>
             <a:fld id="{6D622FCB-595C-4A19-9DA3-A5F2C1EA723F}" type="datetimeFigureOut">
               <a:rPr lang="en-US" smtClean="0"/>
-              <a:t>9/4/2013</a:t>
+              <a:t>11/3/2013</a:t>
             </a:fld>
             <a:endParaRPr lang="en-US"/>
           </a:p>
@@ -470,7 +473,7 @@
           <a:p>
             <a:fld id="{6D622FCB-595C-4A19-9DA3-A5F2C1EA723F}" type="datetimeFigureOut">
               <a:rPr lang="en-US" smtClean="0"/>
-              <a:t>9/4/2013</a:t>
+              <a:t>11/3/2013</a:t>
             </a:fld>
             <a:endParaRPr lang="en-US"/>
           </a:p>
@@ -650,7 +653,7 @@
           <a:p>
             <a:fld id="{6D622FCB-595C-4A19-9DA3-A5F2C1EA723F}" type="datetimeFigureOut">
               <a:rPr lang="en-US" smtClean="0"/>
-              <a:t>9/4/2013</a:t>
+              <a:t>11/3/2013</a:t>
             </a:fld>
             <a:endParaRPr lang="en-US"/>
           </a:p>
@@ -711,7 +714,209 @@
 </p:sldLayout>
 </file>
 
-<file path=ppt/slideLayouts/slideLayout2.xml><?xml version="1.0" encoding="utf-8"?>
+<file path=ppt/slideLayouts/slideLayout12.xml><?xml version="1.0" encoding="utf-8"?>
+<p:sldLayout xmlns:a="http://schemas.openxmlformats.org/drawingml/2006/main" xmlns:r="http://schemas.openxmlformats.org/officeDocument/2006/relationships" xmlns:p="http://schemas.openxmlformats.org/presentationml/2006/main" preserve="1" userDrawn="1">
+  <p:cSld name="Title Slide">
+    <p:spTree>
+      <p:nvGrpSpPr>
+        <p:cNvPr id="1" name=""/>
+        <p:cNvGrpSpPr/>
+        <p:nvPr/>
+      </p:nvGrpSpPr>
+      <p:grpSpPr>
+        <a:xfrm>
+          <a:off x="0" y="0"/>
+          <a:ext cx="0" cy="0"/>
+          <a:chOff x="0" y="0"/>
+          <a:chExt cx="0" cy="0"/>
+        </a:xfrm>
+      </p:grpSpPr>
+      <p:sp>
+        <p:nvSpPr>
+          <p:cNvPr id="7" name="Rectangle 6"/>
+          <p:cNvSpPr/>
+          <p:nvPr userDrawn="1"/>
+        </p:nvSpPr>
+        <p:spPr>
+          <a:xfrm>
+            <a:off x="143508" y="1304764"/>
+            <a:ext cx="8856984" cy="646331"/>
+          </a:xfrm>
+          <a:prstGeom prst="rect">
+            <a:avLst/>
+          </a:prstGeom>
+        </p:spPr>
+        <p:txBody>
+          <a:bodyPr wrap="square">
+            <a:spAutoFit/>
+          </a:bodyPr>
+          <a:lstStyle/>
+          <a:p>
+            <a:pPr algn="ctr"/>
+            <a:r>
+              <a:rPr lang="ru-RU" sz="3600" b="1" i="1" dirty="0" smtClean="0">
+                <a:solidFill>
+                  <a:prstClr val="white"/>
+                </a:solidFill>
+              </a:rPr>
+              <a:t>Основы программирования на </a:t>
+            </a:r>
+            <a:r>
+              <a:rPr lang="en-US" sz="3600" b="1" i="1" dirty="0" smtClean="0">
+                <a:solidFill>
+                  <a:prstClr val="white"/>
+                </a:solidFill>
+              </a:rPr>
+              <a:t>C#</a:t>
+            </a:r>
+            <a:endParaRPr lang="ru-RU" sz="3600" b="1" i="1" dirty="0">
+              <a:solidFill>
+                <a:prstClr val="white"/>
+              </a:solidFill>
+            </a:endParaRPr>
+          </a:p>
+        </p:txBody>
+      </p:sp>
+      <p:pic>
+        <p:nvPicPr>
+          <p:cNvPr id="8" name="Picture 5"/>
+          <p:cNvPicPr>
+            <a:picLocks noChangeAspect="1" noChangeArrowheads="1"/>
+          </p:cNvPicPr>
+          <p:nvPr userDrawn="1"/>
+        </p:nvPicPr>
+        <p:blipFill>
+          <a:blip r:embed="rId2">
+            <a:extLst>
+              <a:ext uri="{28A0092B-C50C-407E-A947-70E740481C1C}">
+                <a14:useLocalDpi xmlns:a14="http://schemas.microsoft.com/office/drawing/2010/main" val="0"/>
+              </a:ext>
+            </a:extLst>
+          </a:blip>
+          <a:srcRect/>
+          <a:stretch>
+            <a:fillRect/>
+          </a:stretch>
+        </p:blipFill>
+        <p:spPr bwMode="auto">
+          <a:xfrm>
+            <a:off x="1638300" y="3829211"/>
+            <a:ext cx="5867400" cy="1724025"/>
+          </a:xfrm>
+          <a:prstGeom prst="rect">
+            <a:avLst/>
+          </a:prstGeom>
+          <a:noFill/>
+          <a:ln>
+            <a:noFill/>
+          </a:ln>
+          <a:effectLst/>
+          <a:extLst>
+            <a:ext uri="{909E8E84-426E-40DD-AFC4-6F175D3DCCD1}">
+              <a14:hiddenFill xmlns:a14="http://schemas.microsoft.com/office/drawing/2010/main">
+                <a:solidFill>
+                  <a:schemeClr val="accent1"/>
+                </a:solidFill>
+              </a14:hiddenFill>
+            </a:ext>
+            <a:ext uri="{91240B29-F687-4F45-9708-019B960494DF}">
+              <a14:hiddenLine xmlns:a14="http://schemas.microsoft.com/office/drawing/2010/main" w="9525">
+                <a:solidFill>
+                  <a:schemeClr val="tx1"/>
+                </a:solidFill>
+                <a:miter lim="800000"/>
+                <a:headEnd/>
+                <a:tailEnd/>
+              </a14:hiddenLine>
+            </a:ext>
+            <a:ext uri="{AF507438-7753-43E0-B8FC-AC1667EBCBE1}">
+              <a14:hiddenEffects xmlns:a14="http://schemas.microsoft.com/office/drawing/2010/main">
+                <a:effectLst>
+                  <a:outerShdw dist="35921" dir="2700000" algn="ctr" rotWithShape="0">
+                    <a:schemeClr val="bg2"/>
+                  </a:outerShdw>
+                </a:effectLst>
+              </a14:hiddenEffects>
+            </a:ext>
+          </a:extLst>
+        </p:spPr>
+      </p:pic>
+      <p:sp>
+        <p:nvSpPr>
+          <p:cNvPr id="9" name="TextBox 8"/>
+          <p:cNvSpPr txBox="1"/>
+          <p:nvPr userDrawn="1"/>
+        </p:nvSpPr>
+        <p:spPr>
+          <a:xfrm>
+            <a:off x="2774873" y="2528900"/>
+            <a:ext cx="4240263" cy="461665"/>
+          </a:xfrm>
+          <a:prstGeom prst="rect">
+            <a:avLst/>
+          </a:prstGeom>
+          <a:noFill/>
+        </p:spPr>
+        <p:txBody>
+          <a:bodyPr wrap="none" rtlCol="0">
+            <a:spAutoFit/>
+          </a:bodyPr>
+          <a:lstStyle/>
+          <a:p>
+            <a:r>
+              <a:rPr lang="ru-RU" sz="2400" dirty="0">
+                <a:solidFill>
+                  <a:prstClr val="white"/>
+                </a:solidFill>
+              </a:rPr>
+              <a:t>Занятие </a:t>
+            </a:r>
+            <a:r>
+              <a:rPr lang="ru-RU" sz="2400" dirty="0" smtClean="0">
+                <a:solidFill>
+                  <a:prstClr val="white"/>
+                </a:solidFill>
+              </a:rPr>
+              <a:t>№</a:t>
+            </a:r>
+            <a:r>
+              <a:rPr lang="en-US" sz="2400" dirty="0" smtClean="0">
+                <a:solidFill>
+                  <a:prstClr val="white"/>
+                </a:solidFill>
+              </a:rPr>
+              <a:t>?</a:t>
+            </a:r>
+            <a:r>
+              <a:rPr lang="ru-RU" sz="2400" dirty="0" smtClean="0">
+                <a:solidFill>
+                  <a:prstClr val="white"/>
+                </a:solidFill>
+              </a:rPr>
+              <a:t>. Название занятия</a:t>
+            </a:r>
+            <a:endParaRPr lang="en-US" sz="2400" dirty="0">
+              <a:solidFill>
+                <a:prstClr val="white"/>
+              </a:solidFill>
+            </a:endParaRPr>
+          </a:p>
+        </p:txBody>
+      </p:sp>
+    </p:spTree>
+    <p:extLst>
+      <p:ext uri="{BB962C8B-B14F-4D97-AF65-F5344CB8AC3E}">
+        <p14:creationId xmlns:p14="http://schemas.microsoft.com/office/powerpoint/2010/main" val="3413960362"/>
+      </p:ext>
+    </p:extLst>
+  </p:cSld>
+  <p:clrMapOvr>
+    <a:masterClrMapping/>
+  </p:clrMapOvr>
+</p:sldLayout>
+</file>
+
+<file path=ppt/slideLayouts/slideLayout13.xml><?xml version="1.0" encoding="utf-8"?>
 <p:sldLayout xmlns:a="http://schemas.openxmlformats.org/drawingml/2006/main" xmlns:r="http://schemas.openxmlformats.org/officeDocument/2006/relationships" xmlns:p="http://schemas.openxmlformats.org/presentationml/2006/main" type="obj" preserve="1">
   <p:cSld name="Title and Content">
     <p:spTree>
@@ -747,7 +952,7 @@
               <a:rPr lang="en-US" smtClean="0"/>
               <a:t>Click to edit Master title style</a:t>
             </a:r>
-            <a:endParaRPr lang="en-US"/>
+            <a:endParaRPr lang="ru-RU" dirty="0"/>
           </a:p>
         </p:txBody>
       </p:sp>
@@ -799,79 +1004,14 @@
               <a:rPr lang="en-US" smtClean="0"/>
               <a:t>Fifth level</a:t>
             </a:r>
-            <a:endParaRPr lang="en-US"/>
-          </a:p>
-        </p:txBody>
-      </p:sp>
-      <p:sp>
-        <p:nvSpPr>
-          <p:cNvPr id="4" name="Date Placeholder 3"/>
-          <p:cNvSpPr>
-            <a:spLocks noGrp="1"/>
-          </p:cNvSpPr>
-          <p:nvPr>
-            <p:ph type="dt" sz="half" idx="10"/>
-          </p:nvPr>
-        </p:nvSpPr>
-        <p:spPr/>
-        <p:txBody>
-          <a:bodyPr/>
-          <a:lstStyle/>
-          <a:p>
-            <a:fld id="{6D622FCB-595C-4A19-9DA3-A5F2C1EA723F}" type="datetimeFigureOut">
-              <a:rPr lang="en-US" smtClean="0"/>
-              <a:t>9/4/2013</a:t>
-            </a:fld>
-            <a:endParaRPr lang="en-US"/>
-          </a:p>
-        </p:txBody>
-      </p:sp>
-      <p:sp>
-        <p:nvSpPr>
-          <p:cNvPr id="5" name="Footer Placeholder 4"/>
-          <p:cNvSpPr>
-            <a:spLocks noGrp="1"/>
-          </p:cNvSpPr>
-          <p:nvPr>
-            <p:ph type="ftr" sz="quarter" idx="11"/>
-          </p:nvPr>
-        </p:nvSpPr>
-        <p:spPr/>
-        <p:txBody>
-          <a:bodyPr/>
-          <a:lstStyle/>
-          <a:p>
-            <a:endParaRPr lang="en-US"/>
-          </a:p>
-        </p:txBody>
-      </p:sp>
-      <p:sp>
-        <p:nvSpPr>
-          <p:cNvPr id="6" name="Slide Number Placeholder 5"/>
-          <p:cNvSpPr>
-            <a:spLocks noGrp="1"/>
-          </p:cNvSpPr>
-          <p:nvPr>
-            <p:ph type="sldNum" sz="quarter" idx="12"/>
-          </p:nvPr>
-        </p:nvSpPr>
-        <p:spPr/>
-        <p:txBody>
-          <a:bodyPr/>
-          <a:lstStyle/>
-          <a:p>
-            <a:fld id="{34B91DE8-2EE2-4D34-94F0-905E5A9C31B8}" type="slidenum">
-              <a:rPr lang="en-US" smtClean="0"/>
-              <a:t>‹#›</a:t>
-            </a:fld>
-            <a:endParaRPr lang="en-US"/>
+            <a:endParaRPr lang="ru-RU" dirty="0"/>
           </a:p>
         </p:txBody>
       </p:sp>
     </p:spTree>
     <p:extLst>
       <p:ext uri="{BB962C8B-B14F-4D97-AF65-F5344CB8AC3E}">
-        <p14:creationId xmlns:p14="http://schemas.microsoft.com/office/powerpoint/2010/main" val="1471638653"/>
+        <p14:creationId xmlns:p14="http://schemas.microsoft.com/office/powerpoint/2010/main" val="2590922653"/>
       </p:ext>
     </p:extLst>
   </p:cSld>
@@ -881,7 +1021,7 @@
 </p:sldLayout>
 </file>
 
-<file path=ppt/slideLayouts/slideLayout3.xml><?xml version="1.0" encoding="utf-8"?>
+<file path=ppt/slideLayouts/slideLayout14.xml><?xml version="1.0" encoding="utf-8"?>
 <p:sldLayout xmlns:a="http://schemas.openxmlformats.org/drawingml/2006/main" xmlns:r="http://schemas.openxmlformats.org/officeDocument/2006/relationships" xmlns:p="http://schemas.openxmlformats.org/presentationml/2006/main" type="secHead" preserve="1">
   <p:cSld name="Section Header">
     <p:spTree>
@@ -926,7 +1066,7 @@
               <a:rPr lang="en-US" smtClean="0"/>
               <a:t>Click to edit Master title style</a:t>
             </a:r>
-            <a:endParaRPr lang="en-US"/>
+            <a:endParaRPr lang="ru-RU" dirty="0"/>
           </a:p>
         </p:txBody>
       </p:sp>
@@ -1049,75 +1189,10 @@
           </a:p>
         </p:txBody>
       </p:sp>
-      <p:sp>
-        <p:nvSpPr>
-          <p:cNvPr id="4" name="Date Placeholder 3"/>
-          <p:cNvSpPr>
-            <a:spLocks noGrp="1"/>
-          </p:cNvSpPr>
-          <p:nvPr>
-            <p:ph type="dt" sz="half" idx="10"/>
-          </p:nvPr>
-        </p:nvSpPr>
-        <p:spPr/>
-        <p:txBody>
-          <a:bodyPr/>
-          <a:lstStyle/>
-          <a:p>
-            <a:fld id="{6D622FCB-595C-4A19-9DA3-A5F2C1EA723F}" type="datetimeFigureOut">
-              <a:rPr lang="en-US" smtClean="0"/>
-              <a:t>9/4/2013</a:t>
-            </a:fld>
-            <a:endParaRPr lang="en-US"/>
-          </a:p>
-        </p:txBody>
-      </p:sp>
-      <p:sp>
-        <p:nvSpPr>
-          <p:cNvPr id="5" name="Footer Placeholder 4"/>
-          <p:cNvSpPr>
-            <a:spLocks noGrp="1"/>
-          </p:cNvSpPr>
-          <p:nvPr>
-            <p:ph type="ftr" sz="quarter" idx="11"/>
-          </p:nvPr>
-        </p:nvSpPr>
-        <p:spPr/>
-        <p:txBody>
-          <a:bodyPr/>
-          <a:lstStyle/>
-          <a:p>
-            <a:endParaRPr lang="en-US"/>
-          </a:p>
-        </p:txBody>
-      </p:sp>
-      <p:sp>
-        <p:nvSpPr>
-          <p:cNvPr id="6" name="Slide Number Placeholder 5"/>
-          <p:cNvSpPr>
-            <a:spLocks noGrp="1"/>
-          </p:cNvSpPr>
-          <p:nvPr>
-            <p:ph type="sldNum" sz="quarter" idx="12"/>
-          </p:nvPr>
-        </p:nvSpPr>
-        <p:spPr/>
-        <p:txBody>
-          <a:bodyPr/>
-          <a:lstStyle/>
-          <a:p>
-            <a:fld id="{34B91DE8-2EE2-4D34-94F0-905E5A9C31B8}" type="slidenum">
-              <a:rPr lang="en-US" smtClean="0"/>
-              <a:t>‹#›</a:t>
-            </a:fld>
-            <a:endParaRPr lang="en-US"/>
-          </a:p>
-        </p:txBody>
-      </p:sp>
     </p:spTree>
     <p:extLst>
       <p:ext uri="{BB962C8B-B14F-4D97-AF65-F5344CB8AC3E}">
-        <p14:creationId xmlns:p14="http://schemas.microsoft.com/office/powerpoint/2010/main" val="1321270541"/>
+        <p14:creationId xmlns:p14="http://schemas.microsoft.com/office/powerpoint/2010/main" val="3339603433"/>
       </p:ext>
     </p:extLst>
   </p:cSld>
@@ -1127,7 +1202,7 @@
 </p:sldLayout>
 </file>
 
-<file path=ppt/slideLayouts/slideLayout4.xml><?xml version="1.0" encoding="utf-8"?>
+<file path=ppt/slideLayouts/slideLayout15.xml><?xml version="1.0" encoding="utf-8"?>
 <p:sldLayout xmlns:a="http://schemas.openxmlformats.org/drawingml/2006/main" xmlns:r="http://schemas.openxmlformats.org/officeDocument/2006/relationships" xmlns:p="http://schemas.openxmlformats.org/presentationml/2006/main" type="twoObj" preserve="1">
   <p:cSld name="Two Content">
     <p:spTree>
@@ -1163,7 +1238,7 @@
               <a:rPr lang="en-US" smtClean="0"/>
               <a:t>Click to edit Master title style</a:t>
             </a:r>
-            <a:endParaRPr lang="en-US"/>
+            <a:endParaRPr lang="ru-RU" dirty="0"/>
           </a:p>
         </p:txBody>
       </p:sp>
@@ -1248,7 +1323,7 @@
               <a:rPr lang="en-US" smtClean="0"/>
               <a:t>Fifth level</a:t>
             </a:r>
-            <a:endParaRPr lang="en-US"/>
+            <a:endParaRPr lang="ru-RU" dirty="0"/>
           </a:p>
         </p:txBody>
       </p:sp>
@@ -1333,79 +1408,14 @@
               <a:rPr lang="en-US" smtClean="0"/>
               <a:t>Fifth level</a:t>
             </a:r>
-            <a:endParaRPr lang="en-US"/>
-          </a:p>
-        </p:txBody>
-      </p:sp>
-      <p:sp>
-        <p:nvSpPr>
-          <p:cNvPr id="5" name="Date Placeholder 4"/>
-          <p:cNvSpPr>
-            <a:spLocks noGrp="1"/>
-          </p:cNvSpPr>
-          <p:nvPr>
-            <p:ph type="dt" sz="half" idx="10"/>
-          </p:nvPr>
-        </p:nvSpPr>
-        <p:spPr/>
-        <p:txBody>
-          <a:bodyPr/>
-          <a:lstStyle/>
-          <a:p>
-            <a:fld id="{6D622FCB-595C-4A19-9DA3-A5F2C1EA723F}" type="datetimeFigureOut">
-              <a:rPr lang="en-US" smtClean="0"/>
-              <a:t>9/4/2013</a:t>
-            </a:fld>
-            <a:endParaRPr lang="en-US"/>
-          </a:p>
-        </p:txBody>
-      </p:sp>
-      <p:sp>
-        <p:nvSpPr>
-          <p:cNvPr id="6" name="Footer Placeholder 5"/>
-          <p:cNvSpPr>
-            <a:spLocks noGrp="1"/>
-          </p:cNvSpPr>
-          <p:nvPr>
-            <p:ph type="ftr" sz="quarter" idx="11"/>
-          </p:nvPr>
-        </p:nvSpPr>
-        <p:spPr/>
-        <p:txBody>
-          <a:bodyPr/>
-          <a:lstStyle/>
-          <a:p>
-            <a:endParaRPr lang="en-US"/>
-          </a:p>
-        </p:txBody>
-      </p:sp>
-      <p:sp>
-        <p:nvSpPr>
-          <p:cNvPr id="7" name="Slide Number Placeholder 6"/>
-          <p:cNvSpPr>
-            <a:spLocks noGrp="1"/>
-          </p:cNvSpPr>
-          <p:nvPr>
-            <p:ph type="sldNum" sz="quarter" idx="12"/>
-          </p:nvPr>
-        </p:nvSpPr>
-        <p:spPr/>
-        <p:txBody>
-          <a:bodyPr/>
-          <a:lstStyle/>
-          <a:p>
-            <a:fld id="{34B91DE8-2EE2-4D34-94F0-905E5A9C31B8}" type="slidenum">
-              <a:rPr lang="en-US" smtClean="0"/>
-              <a:t>‹#›</a:t>
-            </a:fld>
-            <a:endParaRPr lang="en-US"/>
+            <a:endParaRPr lang="ru-RU" dirty="0"/>
           </a:p>
         </p:txBody>
       </p:sp>
     </p:spTree>
     <p:extLst>
       <p:ext uri="{BB962C8B-B14F-4D97-AF65-F5344CB8AC3E}">
-        <p14:creationId xmlns:p14="http://schemas.microsoft.com/office/powerpoint/2010/main" val="4118999970"/>
+        <p14:creationId xmlns:p14="http://schemas.microsoft.com/office/powerpoint/2010/main" val="1693375819"/>
       </p:ext>
     </p:extLst>
   </p:cSld>
@@ -1415,7 +1425,7 @@
 </p:sldLayout>
 </file>
 
-<file path=ppt/slideLayouts/slideLayout5.xml><?xml version="1.0" encoding="utf-8"?>
+<file path=ppt/slideLayouts/slideLayout16.xml><?xml version="1.0" encoding="utf-8"?>
 <p:sldLayout xmlns:a="http://schemas.openxmlformats.org/drawingml/2006/main" xmlns:r="http://schemas.openxmlformats.org/officeDocument/2006/relationships" xmlns:p="http://schemas.openxmlformats.org/presentationml/2006/main" type="twoTxTwoObj" preserve="1">
   <p:cSld name="Comparison">
     <p:spTree>
@@ -1455,7 +1465,7 @@
               <a:rPr lang="en-US" smtClean="0"/>
               <a:t>Click to edit Master title style</a:t>
             </a:r>
-            <a:endParaRPr lang="en-US"/>
+            <a:endParaRPr lang="ru-RU" dirty="0"/>
           </a:p>
         </p:txBody>
       </p:sp>
@@ -1605,7 +1615,7 @@
               <a:rPr lang="en-US" smtClean="0"/>
               <a:t>Fifth level</a:t>
             </a:r>
-            <a:endParaRPr lang="en-US"/>
+            <a:endParaRPr lang="ru-RU" dirty="0"/>
           </a:p>
         </p:txBody>
       </p:sp>
@@ -1755,79 +1765,14 @@
               <a:rPr lang="en-US" smtClean="0"/>
               <a:t>Fifth level</a:t>
             </a:r>
-            <a:endParaRPr lang="en-US"/>
-          </a:p>
-        </p:txBody>
-      </p:sp>
-      <p:sp>
-        <p:nvSpPr>
-          <p:cNvPr id="7" name="Date Placeholder 6"/>
-          <p:cNvSpPr>
-            <a:spLocks noGrp="1"/>
-          </p:cNvSpPr>
-          <p:nvPr>
-            <p:ph type="dt" sz="half" idx="10"/>
-          </p:nvPr>
-        </p:nvSpPr>
-        <p:spPr/>
-        <p:txBody>
-          <a:bodyPr/>
-          <a:lstStyle/>
-          <a:p>
-            <a:fld id="{6D622FCB-595C-4A19-9DA3-A5F2C1EA723F}" type="datetimeFigureOut">
-              <a:rPr lang="en-US" smtClean="0"/>
-              <a:t>9/4/2013</a:t>
-            </a:fld>
-            <a:endParaRPr lang="en-US"/>
-          </a:p>
-        </p:txBody>
-      </p:sp>
-      <p:sp>
-        <p:nvSpPr>
-          <p:cNvPr id="8" name="Footer Placeholder 7"/>
-          <p:cNvSpPr>
-            <a:spLocks noGrp="1"/>
-          </p:cNvSpPr>
-          <p:nvPr>
-            <p:ph type="ftr" sz="quarter" idx="11"/>
-          </p:nvPr>
-        </p:nvSpPr>
-        <p:spPr/>
-        <p:txBody>
-          <a:bodyPr/>
-          <a:lstStyle/>
-          <a:p>
-            <a:endParaRPr lang="en-US"/>
-          </a:p>
-        </p:txBody>
-      </p:sp>
-      <p:sp>
-        <p:nvSpPr>
-          <p:cNvPr id="9" name="Slide Number Placeholder 8"/>
-          <p:cNvSpPr>
-            <a:spLocks noGrp="1"/>
-          </p:cNvSpPr>
-          <p:nvPr>
-            <p:ph type="sldNum" sz="quarter" idx="12"/>
-          </p:nvPr>
-        </p:nvSpPr>
-        <p:spPr/>
-        <p:txBody>
-          <a:bodyPr/>
-          <a:lstStyle/>
-          <a:p>
-            <a:fld id="{34B91DE8-2EE2-4D34-94F0-905E5A9C31B8}" type="slidenum">
-              <a:rPr lang="en-US" smtClean="0"/>
-              <a:t>‹#›</a:t>
-            </a:fld>
-            <a:endParaRPr lang="en-US"/>
+            <a:endParaRPr lang="ru-RU" dirty="0"/>
           </a:p>
         </p:txBody>
       </p:sp>
     </p:spTree>
     <p:extLst>
       <p:ext uri="{BB962C8B-B14F-4D97-AF65-F5344CB8AC3E}">
-        <p14:creationId xmlns:p14="http://schemas.microsoft.com/office/powerpoint/2010/main" val="364738984"/>
+        <p14:creationId xmlns:p14="http://schemas.microsoft.com/office/powerpoint/2010/main" val="1093153870"/>
       </p:ext>
     </p:extLst>
   </p:cSld>
@@ -1837,7 +1782,7 @@
 </p:sldLayout>
 </file>
 
-<file path=ppt/slideLayouts/slideLayout6.xml><?xml version="1.0" encoding="utf-8"?>
+<file path=ppt/slideLayouts/slideLayout17.xml><?xml version="1.0" encoding="utf-8"?>
 <p:sldLayout xmlns:a="http://schemas.openxmlformats.org/drawingml/2006/main" xmlns:r="http://schemas.openxmlformats.org/officeDocument/2006/relationships" xmlns:p="http://schemas.openxmlformats.org/presentationml/2006/main" type="titleOnly" preserve="1">
   <p:cSld name="Title Only">
     <p:spTree>
@@ -1873,79 +1818,14 @@
               <a:rPr lang="en-US" smtClean="0"/>
               <a:t>Click to edit Master title style</a:t>
             </a:r>
-            <a:endParaRPr lang="en-US"/>
-          </a:p>
-        </p:txBody>
-      </p:sp>
-      <p:sp>
-        <p:nvSpPr>
-          <p:cNvPr id="3" name="Date Placeholder 2"/>
-          <p:cNvSpPr>
-            <a:spLocks noGrp="1"/>
-          </p:cNvSpPr>
-          <p:nvPr>
-            <p:ph type="dt" sz="half" idx="10"/>
-          </p:nvPr>
-        </p:nvSpPr>
-        <p:spPr/>
-        <p:txBody>
-          <a:bodyPr/>
-          <a:lstStyle/>
-          <a:p>
-            <a:fld id="{6D622FCB-595C-4A19-9DA3-A5F2C1EA723F}" type="datetimeFigureOut">
-              <a:rPr lang="en-US" smtClean="0"/>
-              <a:t>9/4/2013</a:t>
-            </a:fld>
-            <a:endParaRPr lang="en-US"/>
-          </a:p>
-        </p:txBody>
-      </p:sp>
-      <p:sp>
-        <p:nvSpPr>
-          <p:cNvPr id="4" name="Footer Placeholder 3"/>
-          <p:cNvSpPr>
-            <a:spLocks noGrp="1"/>
-          </p:cNvSpPr>
-          <p:nvPr>
-            <p:ph type="ftr" sz="quarter" idx="11"/>
-          </p:nvPr>
-        </p:nvSpPr>
-        <p:spPr/>
-        <p:txBody>
-          <a:bodyPr/>
-          <a:lstStyle/>
-          <a:p>
-            <a:endParaRPr lang="en-US"/>
-          </a:p>
-        </p:txBody>
-      </p:sp>
-      <p:sp>
-        <p:nvSpPr>
-          <p:cNvPr id="5" name="Slide Number Placeholder 4"/>
-          <p:cNvSpPr>
-            <a:spLocks noGrp="1"/>
-          </p:cNvSpPr>
-          <p:nvPr>
-            <p:ph type="sldNum" sz="quarter" idx="12"/>
-          </p:nvPr>
-        </p:nvSpPr>
-        <p:spPr/>
-        <p:txBody>
-          <a:bodyPr/>
-          <a:lstStyle/>
-          <a:p>
-            <a:fld id="{34B91DE8-2EE2-4D34-94F0-905E5A9C31B8}" type="slidenum">
-              <a:rPr lang="en-US" smtClean="0"/>
-              <a:t>‹#›</a:t>
-            </a:fld>
-            <a:endParaRPr lang="en-US"/>
+            <a:endParaRPr lang="ru-RU" dirty="0"/>
           </a:p>
         </p:txBody>
       </p:sp>
     </p:spTree>
     <p:extLst>
       <p:ext uri="{BB962C8B-B14F-4D97-AF65-F5344CB8AC3E}">
-        <p14:creationId xmlns:p14="http://schemas.microsoft.com/office/powerpoint/2010/main" val="3928667392"/>
+        <p14:creationId xmlns:p14="http://schemas.microsoft.com/office/powerpoint/2010/main" val="484895963"/>
       </p:ext>
     </p:extLst>
   </p:cSld>
@@ -1955,9 +1835,9 @@
 </p:sldLayout>
 </file>
 
-<file path=ppt/slideLayouts/slideLayout7.xml><?xml version="1.0" encoding="utf-8"?>
-<p:sldLayout xmlns:a="http://schemas.openxmlformats.org/drawingml/2006/main" xmlns:r="http://schemas.openxmlformats.org/officeDocument/2006/relationships" xmlns:p="http://schemas.openxmlformats.org/presentationml/2006/main" type="blank" preserve="1">
-  <p:cSld name="Blank">
+<file path=ppt/slideLayouts/slideLayout18.xml><?xml version="1.0" encoding="utf-8"?>
+<p:sldLayout xmlns:a="http://schemas.openxmlformats.org/drawingml/2006/main" xmlns:r="http://schemas.openxmlformats.org/officeDocument/2006/relationships" xmlns:p="http://schemas.openxmlformats.org/presentationml/2006/main" preserve="1" userDrawn="1">
+  <p:cSld name="Demo">
     <p:spTree>
       <p:nvGrpSpPr>
         <p:cNvPr id="1" name=""/>
@@ -1974,7 +1854,176 @@
       </p:grpSpPr>
       <p:sp>
         <p:nvSpPr>
-          <p:cNvPr id="2" name="Date Placeholder 1"/>
+          <p:cNvPr id="10" name="TextBox 9"/>
+          <p:cNvSpPr txBox="1"/>
+          <p:nvPr userDrawn="1"/>
+        </p:nvSpPr>
+        <p:spPr>
+          <a:xfrm>
+            <a:off x="359532" y="3136613"/>
+            <a:ext cx="8424936" cy="584775"/>
+          </a:xfrm>
+          <a:prstGeom prst="rect">
+            <a:avLst/>
+          </a:prstGeom>
+          <a:noFill/>
+        </p:spPr>
+        <p:txBody>
+          <a:bodyPr wrap="square" rtlCol="0" anchor="ctr">
+            <a:spAutoFit/>
+          </a:bodyPr>
+          <a:lstStyle/>
+          <a:p>
+            <a:pPr algn="ctr"/>
+            <a:r>
+              <a:rPr lang="ru-RU" sz="3200" dirty="0" smtClean="0">
+                <a:solidFill>
+                  <a:srgbClr val="FFFFFF"/>
+                </a:solidFill>
+              </a:rPr>
+              <a:t>Название. Демонстрация.</a:t>
+            </a:r>
+          </a:p>
+        </p:txBody>
+      </p:sp>
+    </p:spTree>
+    <p:extLst>
+      <p:ext uri="{BB962C8B-B14F-4D97-AF65-F5344CB8AC3E}">
+        <p14:creationId xmlns:p14="http://schemas.microsoft.com/office/powerpoint/2010/main" val="3229909081"/>
+      </p:ext>
+    </p:extLst>
+  </p:cSld>
+  <p:clrMapOvr>
+    <a:masterClrMapping/>
+  </p:clrMapOvr>
+</p:sldLayout>
+</file>
+
+<file path=ppt/slideLayouts/slideLayout19.xml><?xml version="1.0" encoding="utf-8"?>
+<p:sldLayout xmlns:a="http://schemas.openxmlformats.org/drawingml/2006/main" xmlns:r="http://schemas.openxmlformats.org/officeDocument/2006/relationships" xmlns:p="http://schemas.openxmlformats.org/presentationml/2006/main" type="blank" preserve="1">
+  <p:cSld name="1_Blank">
+    <p:spTree>
+      <p:nvGrpSpPr>
+        <p:cNvPr id="1" name=""/>
+        <p:cNvGrpSpPr/>
+        <p:nvPr/>
+      </p:nvGrpSpPr>
+      <p:grpSpPr>
+        <a:xfrm>
+          <a:off x="0" y="0"/>
+          <a:ext cx="0" cy="0"/>
+          <a:chOff x="0" y="0"/>
+          <a:chExt cx="0" cy="0"/>
+        </a:xfrm>
+      </p:grpSpPr>
+    </p:spTree>
+    <p:extLst>
+      <p:ext uri="{BB962C8B-B14F-4D97-AF65-F5344CB8AC3E}">
+        <p14:creationId xmlns:p14="http://schemas.microsoft.com/office/powerpoint/2010/main" val="3481086457"/>
+      </p:ext>
+    </p:extLst>
+  </p:cSld>
+  <p:clrMapOvr>
+    <a:masterClrMapping/>
+  </p:clrMapOvr>
+</p:sldLayout>
+</file>
+
+<file path=ppt/slideLayouts/slideLayout2.xml><?xml version="1.0" encoding="utf-8"?>
+<p:sldLayout xmlns:a="http://schemas.openxmlformats.org/drawingml/2006/main" xmlns:r="http://schemas.openxmlformats.org/officeDocument/2006/relationships" xmlns:p="http://schemas.openxmlformats.org/presentationml/2006/main" type="obj" preserve="1">
+  <p:cSld name="Title and Content">
+    <p:spTree>
+      <p:nvGrpSpPr>
+        <p:cNvPr id="1" name=""/>
+        <p:cNvGrpSpPr/>
+        <p:nvPr/>
+      </p:nvGrpSpPr>
+      <p:grpSpPr>
+        <a:xfrm>
+          <a:off x="0" y="0"/>
+          <a:ext cx="0" cy="0"/>
+          <a:chOff x="0" y="0"/>
+          <a:chExt cx="0" cy="0"/>
+        </a:xfrm>
+      </p:grpSpPr>
+      <p:sp>
+        <p:nvSpPr>
+          <p:cNvPr id="2" name="Title 1"/>
+          <p:cNvSpPr>
+            <a:spLocks noGrp="1"/>
+          </p:cNvSpPr>
+          <p:nvPr>
+            <p:ph type="title"/>
+          </p:nvPr>
+        </p:nvSpPr>
+        <p:spPr/>
+        <p:txBody>
+          <a:bodyPr/>
+          <a:lstStyle/>
+          <a:p>
+            <a:r>
+              <a:rPr lang="en-US" smtClean="0"/>
+              <a:t>Click to edit Master title style</a:t>
+            </a:r>
+            <a:endParaRPr lang="en-US"/>
+          </a:p>
+        </p:txBody>
+      </p:sp>
+      <p:sp>
+        <p:nvSpPr>
+          <p:cNvPr id="3" name="Content Placeholder 2"/>
+          <p:cNvSpPr>
+            <a:spLocks noGrp="1"/>
+          </p:cNvSpPr>
+          <p:nvPr>
+            <p:ph idx="1"/>
+          </p:nvPr>
+        </p:nvSpPr>
+        <p:spPr/>
+        <p:txBody>
+          <a:bodyPr/>
+          <a:lstStyle/>
+          <a:p>
+            <a:pPr lvl="0"/>
+            <a:r>
+              <a:rPr lang="en-US" smtClean="0"/>
+              <a:t>Click to edit Master text styles</a:t>
+            </a:r>
+          </a:p>
+          <a:p>
+            <a:pPr lvl="1"/>
+            <a:r>
+              <a:rPr lang="en-US" smtClean="0"/>
+              <a:t>Second level</a:t>
+            </a:r>
+          </a:p>
+          <a:p>
+            <a:pPr lvl="2"/>
+            <a:r>
+              <a:rPr lang="en-US" smtClean="0"/>
+              <a:t>Third level</a:t>
+            </a:r>
+          </a:p>
+          <a:p>
+            <a:pPr lvl="3"/>
+            <a:r>
+              <a:rPr lang="en-US" smtClean="0"/>
+              <a:t>Fourth level</a:t>
+            </a:r>
+          </a:p>
+          <a:p>
+            <a:pPr lvl="4"/>
+            <a:r>
+              <a:rPr lang="en-US" smtClean="0"/>
+              <a:t>Fifth level</a:t>
+            </a:r>
+            <a:endParaRPr lang="en-US"/>
+          </a:p>
+        </p:txBody>
+      </p:sp>
+      <p:sp>
+        <p:nvSpPr>
+          <p:cNvPr id="4" name="Date Placeholder 3"/>
           <p:cNvSpPr>
             <a:spLocks noGrp="1"/>
           </p:cNvSpPr>
@@ -1989,7 +2038,7 @@
           <a:p>
             <a:fld id="{6D622FCB-595C-4A19-9DA3-A5F2C1EA723F}" type="datetimeFigureOut">
               <a:rPr lang="en-US" smtClean="0"/>
-              <a:t>9/4/2013</a:t>
+              <a:t>11/3/2013</a:t>
             </a:fld>
             <a:endParaRPr lang="en-US"/>
           </a:p>
@@ -1997,7 +2046,7 @@
       </p:sp>
       <p:sp>
         <p:nvSpPr>
-          <p:cNvPr id="3" name="Footer Placeholder 2"/>
+          <p:cNvPr id="5" name="Footer Placeholder 4"/>
           <p:cNvSpPr>
             <a:spLocks noGrp="1"/>
           </p:cNvSpPr>
@@ -2016,7 +2065,7 @@
       </p:sp>
       <p:sp>
         <p:nvSpPr>
-          <p:cNvPr id="4" name="Slide Number Placeholder 3"/>
+          <p:cNvPr id="6" name="Slide Number Placeholder 5"/>
           <p:cNvSpPr>
             <a:spLocks noGrp="1"/>
           </p:cNvSpPr>
@@ -2040,7 +2089,7 @@
     </p:spTree>
     <p:extLst>
       <p:ext uri="{BB962C8B-B14F-4D97-AF65-F5344CB8AC3E}">
-        <p14:creationId xmlns:p14="http://schemas.microsoft.com/office/powerpoint/2010/main" val="297534293"/>
+        <p14:creationId xmlns:p14="http://schemas.microsoft.com/office/powerpoint/2010/main" val="1471638653"/>
       </p:ext>
     </p:extLst>
   </p:cSld>
@@ -2050,7 +2099,7 @@
 </p:sldLayout>
 </file>
 
-<file path=ppt/slideLayouts/slideLayout8.xml><?xml version="1.0" encoding="utf-8"?>
+<file path=ppt/slideLayouts/slideLayout20.xml><?xml version="1.0" encoding="utf-8"?>
 <p:sldLayout xmlns:a="http://schemas.openxmlformats.org/drawingml/2006/main" xmlns:r="http://schemas.openxmlformats.org/officeDocument/2006/relationships" xmlns:p="http://schemas.openxmlformats.org/presentationml/2006/main" type="objTx" preserve="1">
   <p:cSld name="Content with Caption">
     <p:spTree>
@@ -2095,7 +2144,7 @@
               <a:rPr lang="en-US" smtClean="0"/>
               <a:t>Click to edit Master title style</a:t>
             </a:r>
-            <a:endParaRPr lang="en-US"/>
+            <a:endParaRPr lang="ru-RU" dirty="0"/>
           </a:p>
         </p:txBody>
       </p:sp>
@@ -2180,7 +2229,7 @@
               <a:rPr lang="en-US" smtClean="0"/>
               <a:t>Fifth level</a:t>
             </a:r>
-            <a:endParaRPr lang="en-US"/>
+            <a:endParaRPr lang="ru-RU" dirty="0"/>
           </a:p>
         </p:txBody>
       </p:sp>
@@ -2249,75 +2298,10 @@
           </a:p>
         </p:txBody>
       </p:sp>
-      <p:sp>
-        <p:nvSpPr>
-          <p:cNvPr id="5" name="Date Placeholder 4"/>
-          <p:cNvSpPr>
-            <a:spLocks noGrp="1"/>
-          </p:cNvSpPr>
-          <p:nvPr>
-            <p:ph type="dt" sz="half" idx="10"/>
-          </p:nvPr>
-        </p:nvSpPr>
-        <p:spPr/>
-        <p:txBody>
-          <a:bodyPr/>
-          <a:lstStyle/>
-          <a:p>
-            <a:fld id="{6D622FCB-595C-4A19-9DA3-A5F2C1EA723F}" type="datetimeFigureOut">
-              <a:rPr lang="en-US" smtClean="0"/>
-              <a:t>9/4/2013</a:t>
-            </a:fld>
-            <a:endParaRPr lang="en-US"/>
-          </a:p>
-        </p:txBody>
-      </p:sp>
-      <p:sp>
-        <p:nvSpPr>
-          <p:cNvPr id="6" name="Footer Placeholder 5"/>
-          <p:cNvSpPr>
-            <a:spLocks noGrp="1"/>
-          </p:cNvSpPr>
-          <p:nvPr>
-            <p:ph type="ftr" sz="quarter" idx="11"/>
-          </p:nvPr>
-        </p:nvSpPr>
-        <p:spPr/>
-        <p:txBody>
-          <a:bodyPr/>
-          <a:lstStyle/>
-          <a:p>
-            <a:endParaRPr lang="en-US"/>
-          </a:p>
-        </p:txBody>
-      </p:sp>
-      <p:sp>
-        <p:nvSpPr>
-          <p:cNvPr id="7" name="Slide Number Placeholder 6"/>
-          <p:cNvSpPr>
-            <a:spLocks noGrp="1"/>
-          </p:cNvSpPr>
-          <p:nvPr>
-            <p:ph type="sldNum" sz="quarter" idx="12"/>
-          </p:nvPr>
-        </p:nvSpPr>
-        <p:spPr/>
-        <p:txBody>
-          <a:bodyPr/>
-          <a:lstStyle/>
-          <a:p>
-            <a:fld id="{34B91DE8-2EE2-4D34-94F0-905E5A9C31B8}" type="slidenum">
-              <a:rPr lang="en-US" smtClean="0"/>
-              <a:t>‹#›</a:t>
-            </a:fld>
-            <a:endParaRPr lang="en-US"/>
-          </a:p>
-        </p:txBody>
-      </p:sp>
     </p:spTree>
     <p:extLst>
       <p:ext uri="{BB962C8B-B14F-4D97-AF65-F5344CB8AC3E}">
-        <p14:creationId xmlns:p14="http://schemas.microsoft.com/office/powerpoint/2010/main" val="683716944"/>
+        <p14:creationId xmlns:p14="http://schemas.microsoft.com/office/powerpoint/2010/main" val="418077775"/>
       </p:ext>
     </p:extLst>
   </p:cSld>
@@ -2327,7 +2311,7 @@
 </p:sldLayout>
 </file>
 
-<file path=ppt/slideLayouts/slideLayout9.xml><?xml version="1.0" encoding="utf-8"?>
+<file path=ppt/slideLayouts/slideLayout21.xml><?xml version="1.0" encoding="utf-8"?>
 <p:sldLayout xmlns:a="http://schemas.openxmlformats.org/drawingml/2006/main" xmlns:r="http://schemas.openxmlformats.org/officeDocument/2006/relationships" xmlns:p="http://schemas.openxmlformats.org/presentationml/2006/main" type="picTx" preserve="1">
   <p:cSld name="Picture with Caption">
     <p:spTree>
@@ -2372,7 +2356,7 @@
               <a:rPr lang="en-US" smtClean="0"/>
               <a:t>Click to edit Master title style</a:t>
             </a:r>
-            <a:endParaRPr lang="en-US"/>
+            <a:endParaRPr lang="ru-RU" dirty="0"/>
           </a:p>
         </p:txBody>
       </p:sp>
@@ -2433,7 +2417,11 @@
             </a:lvl9pPr>
           </a:lstStyle>
           <a:p>
-            <a:endParaRPr lang="en-US"/>
+            <a:r>
+              <a:rPr lang="en-US" smtClean="0"/>
+              <a:t>Click icon to add picture</a:t>
+            </a:r>
+            <a:endParaRPr lang="ru-RU"/>
           </a:p>
         </p:txBody>
       </p:sp>
@@ -2502,6 +2490,969 @@
           </a:p>
         </p:txBody>
       </p:sp>
+    </p:spTree>
+    <p:extLst>
+      <p:ext uri="{BB962C8B-B14F-4D97-AF65-F5344CB8AC3E}">
+        <p14:creationId xmlns:p14="http://schemas.microsoft.com/office/powerpoint/2010/main" val="2192985923"/>
+      </p:ext>
+    </p:extLst>
+  </p:cSld>
+  <p:clrMapOvr>
+    <a:masterClrMapping/>
+  </p:clrMapOvr>
+</p:sldLayout>
+</file>
+
+<file path=ppt/slideLayouts/slideLayout22.xml><?xml version="1.0" encoding="utf-8"?>
+<p:sldLayout xmlns:a="http://schemas.openxmlformats.org/drawingml/2006/main" xmlns:r="http://schemas.openxmlformats.org/officeDocument/2006/relationships" xmlns:p="http://schemas.openxmlformats.org/presentationml/2006/main" type="vertTx" preserve="1">
+  <p:cSld name="Title and Vertical Text">
+    <p:spTree>
+      <p:nvGrpSpPr>
+        <p:cNvPr id="1" name=""/>
+        <p:cNvGrpSpPr/>
+        <p:nvPr/>
+      </p:nvGrpSpPr>
+      <p:grpSpPr>
+        <a:xfrm>
+          <a:off x="0" y="0"/>
+          <a:ext cx="0" cy="0"/>
+          <a:chOff x="0" y="0"/>
+          <a:chExt cx="0" cy="0"/>
+        </a:xfrm>
+      </p:grpSpPr>
+      <p:sp>
+        <p:nvSpPr>
+          <p:cNvPr id="2" name="Title 1"/>
+          <p:cNvSpPr>
+            <a:spLocks noGrp="1"/>
+          </p:cNvSpPr>
+          <p:nvPr>
+            <p:ph type="title"/>
+          </p:nvPr>
+        </p:nvSpPr>
+        <p:spPr/>
+        <p:txBody>
+          <a:bodyPr/>
+          <a:lstStyle/>
+          <a:p>
+            <a:r>
+              <a:rPr lang="en-US" smtClean="0"/>
+              <a:t>Click to edit Master title style</a:t>
+            </a:r>
+            <a:endParaRPr lang="ru-RU" dirty="0"/>
+          </a:p>
+        </p:txBody>
+      </p:sp>
+      <p:sp>
+        <p:nvSpPr>
+          <p:cNvPr id="3" name="Vertical Text Placeholder 2"/>
+          <p:cNvSpPr>
+            <a:spLocks noGrp="1"/>
+          </p:cNvSpPr>
+          <p:nvPr>
+            <p:ph type="body" orient="vert" idx="1"/>
+          </p:nvPr>
+        </p:nvSpPr>
+        <p:spPr/>
+        <p:txBody>
+          <a:bodyPr vert="eaVert"/>
+          <a:lstStyle/>
+          <a:p>
+            <a:pPr lvl="0"/>
+            <a:r>
+              <a:rPr lang="en-US" smtClean="0"/>
+              <a:t>Click to edit Master text styles</a:t>
+            </a:r>
+          </a:p>
+          <a:p>
+            <a:pPr lvl="1"/>
+            <a:r>
+              <a:rPr lang="en-US" smtClean="0"/>
+              <a:t>Second level</a:t>
+            </a:r>
+          </a:p>
+          <a:p>
+            <a:pPr lvl="2"/>
+            <a:r>
+              <a:rPr lang="en-US" smtClean="0"/>
+              <a:t>Third level</a:t>
+            </a:r>
+          </a:p>
+          <a:p>
+            <a:pPr lvl="3"/>
+            <a:r>
+              <a:rPr lang="en-US" smtClean="0"/>
+              <a:t>Fourth level</a:t>
+            </a:r>
+          </a:p>
+          <a:p>
+            <a:pPr lvl="4"/>
+            <a:r>
+              <a:rPr lang="en-US" smtClean="0"/>
+              <a:t>Fifth level</a:t>
+            </a:r>
+            <a:endParaRPr lang="ru-RU" dirty="0"/>
+          </a:p>
+        </p:txBody>
+      </p:sp>
+    </p:spTree>
+    <p:extLst>
+      <p:ext uri="{BB962C8B-B14F-4D97-AF65-F5344CB8AC3E}">
+        <p14:creationId xmlns:p14="http://schemas.microsoft.com/office/powerpoint/2010/main" val="1902010836"/>
+      </p:ext>
+    </p:extLst>
+  </p:cSld>
+  <p:clrMapOvr>
+    <a:masterClrMapping/>
+  </p:clrMapOvr>
+</p:sldLayout>
+</file>
+
+<file path=ppt/slideLayouts/slideLayout23.xml><?xml version="1.0" encoding="utf-8"?>
+<p:sldLayout xmlns:a="http://schemas.openxmlformats.org/drawingml/2006/main" xmlns:r="http://schemas.openxmlformats.org/officeDocument/2006/relationships" xmlns:p="http://schemas.openxmlformats.org/presentationml/2006/main" type="vertTitleAndTx" preserve="1">
+  <p:cSld name="Vertical Title and Text">
+    <p:spTree>
+      <p:nvGrpSpPr>
+        <p:cNvPr id="1" name=""/>
+        <p:cNvGrpSpPr/>
+        <p:nvPr/>
+      </p:nvGrpSpPr>
+      <p:grpSpPr>
+        <a:xfrm>
+          <a:off x="0" y="0"/>
+          <a:ext cx="0" cy="0"/>
+          <a:chOff x="0" y="0"/>
+          <a:chExt cx="0" cy="0"/>
+        </a:xfrm>
+      </p:grpSpPr>
+      <p:sp>
+        <p:nvSpPr>
+          <p:cNvPr id="2" name="Vertical Title 1"/>
+          <p:cNvSpPr>
+            <a:spLocks noGrp="1"/>
+          </p:cNvSpPr>
+          <p:nvPr>
+            <p:ph type="title" orient="vert"/>
+          </p:nvPr>
+        </p:nvSpPr>
+        <p:spPr>
+          <a:xfrm>
+            <a:off x="6629400" y="274638"/>
+            <a:ext cx="2057400" cy="5851525"/>
+          </a:xfrm>
+        </p:spPr>
+        <p:txBody>
+          <a:bodyPr vert="eaVert"/>
+          <a:lstStyle/>
+          <a:p>
+            <a:r>
+              <a:rPr lang="en-US" smtClean="0"/>
+              <a:t>Click to edit Master title style</a:t>
+            </a:r>
+            <a:endParaRPr lang="ru-RU" dirty="0"/>
+          </a:p>
+        </p:txBody>
+      </p:sp>
+      <p:sp>
+        <p:nvSpPr>
+          <p:cNvPr id="3" name="Vertical Text Placeholder 2"/>
+          <p:cNvSpPr>
+            <a:spLocks noGrp="1"/>
+          </p:cNvSpPr>
+          <p:nvPr>
+            <p:ph type="body" orient="vert" idx="1"/>
+          </p:nvPr>
+        </p:nvSpPr>
+        <p:spPr>
+          <a:xfrm>
+            <a:off x="457200" y="274638"/>
+            <a:ext cx="6019800" cy="5851525"/>
+          </a:xfrm>
+        </p:spPr>
+        <p:txBody>
+          <a:bodyPr vert="eaVert"/>
+          <a:lstStyle/>
+          <a:p>
+            <a:pPr lvl="0"/>
+            <a:r>
+              <a:rPr lang="en-US" smtClean="0"/>
+              <a:t>Click to edit Master text styles</a:t>
+            </a:r>
+          </a:p>
+          <a:p>
+            <a:pPr lvl="1"/>
+            <a:r>
+              <a:rPr lang="en-US" smtClean="0"/>
+              <a:t>Second level</a:t>
+            </a:r>
+          </a:p>
+          <a:p>
+            <a:pPr lvl="2"/>
+            <a:r>
+              <a:rPr lang="en-US" smtClean="0"/>
+              <a:t>Third level</a:t>
+            </a:r>
+          </a:p>
+          <a:p>
+            <a:pPr lvl="3"/>
+            <a:r>
+              <a:rPr lang="en-US" smtClean="0"/>
+              <a:t>Fourth level</a:t>
+            </a:r>
+          </a:p>
+          <a:p>
+            <a:pPr lvl="4"/>
+            <a:r>
+              <a:rPr lang="en-US" smtClean="0"/>
+              <a:t>Fifth level</a:t>
+            </a:r>
+            <a:endParaRPr lang="ru-RU" dirty="0"/>
+          </a:p>
+        </p:txBody>
+      </p:sp>
+    </p:spTree>
+    <p:extLst>
+      <p:ext uri="{BB962C8B-B14F-4D97-AF65-F5344CB8AC3E}">
+        <p14:creationId xmlns:p14="http://schemas.microsoft.com/office/powerpoint/2010/main" val="3271773014"/>
+      </p:ext>
+    </p:extLst>
+  </p:cSld>
+  <p:clrMapOvr>
+    <a:masterClrMapping/>
+  </p:clrMapOvr>
+</p:sldLayout>
+</file>
+
+<file path=ppt/slideLayouts/slideLayout24.xml><?xml version="1.0" encoding="utf-8"?>
+<p:sldLayout xmlns:a="http://schemas.openxmlformats.org/drawingml/2006/main" xmlns:r="http://schemas.openxmlformats.org/officeDocument/2006/relationships" xmlns:p="http://schemas.openxmlformats.org/presentationml/2006/main" type="title">
+  <p:cSld name="1_Title Slide">
+    <p:spTree>
+      <p:nvGrpSpPr>
+        <p:cNvPr id="1" name=""/>
+        <p:cNvGrpSpPr/>
+        <p:nvPr/>
+      </p:nvGrpSpPr>
+      <p:grpSpPr>
+        <a:xfrm>
+          <a:off x="0" y="0"/>
+          <a:ext cx="0" cy="0"/>
+          <a:chOff x="0" y="0"/>
+          <a:chExt cx="0" cy="0"/>
+        </a:xfrm>
+      </p:grpSpPr>
+      <p:sp>
+        <p:nvSpPr>
+          <p:cNvPr id="2" name="Title 1"/>
+          <p:cNvSpPr>
+            <a:spLocks noGrp="1"/>
+          </p:cNvSpPr>
+          <p:nvPr>
+            <p:ph type="ctrTitle"/>
+          </p:nvPr>
+        </p:nvSpPr>
+        <p:spPr>
+          <a:xfrm>
+            <a:off x="685800" y="2130425"/>
+            <a:ext cx="7772400" cy="1470025"/>
+          </a:xfrm>
+        </p:spPr>
+        <p:txBody>
+          <a:bodyPr/>
+          <a:lstStyle/>
+          <a:p>
+            <a:r>
+              <a:rPr lang="en-US" smtClean="0"/>
+              <a:t>Click to edit Master title style</a:t>
+            </a:r>
+            <a:endParaRPr lang="ru-RU"/>
+          </a:p>
+        </p:txBody>
+      </p:sp>
+      <p:sp>
+        <p:nvSpPr>
+          <p:cNvPr id="3" name="Subtitle 2"/>
+          <p:cNvSpPr>
+            <a:spLocks noGrp="1"/>
+          </p:cNvSpPr>
+          <p:nvPr>
+            <p:ph type="subTitle" idx="1"/>
+          </p:nvPr>
+        </p:nvSpPr>
+        <p:spPr>
+          <a:xfrm>
+            <a:off x="1371600" y="3886200"/>
+            <a:ext cx="6400800" cy="1752600"/>
+          </a:xfrm>
+        </p:spPr>
+        <p:txBody>
+          <a:bodyPr/>
+          <a:lstStyle>
+            <a:lvl1pPr marL="0" indent="0" algn="ctr">
+              <a:buNone/>
+              <a:defRPr>
+                <a:solidFill>
+                  <a:schemeClr val="tx1">
+                    <a:tint val="75000"/>
+                  </a:schemeClr>
+                </a:solidFill>
+              </a:defRPr>
+            </a:lvl1pPr>
+            <a:lvl2pPr marL="457200" indent="0" algn="ctr">
+              <a:buNone/>
+              <a:defRPr>
+                <a:solidFill>
+                  <a:schemeClr val="tx1">
+                    <a:tint val="75000"/>
+                  </a:schemeClr>
+                </a:solidFill>
+              </a:defRPr>
+            </a:lvl2pPr>
+            <a:lvl3pPr marL="914400" indent="0" algn="ctr">
+              <a:buNone/>
+              <a:defRPr>
+                <a:solidFill>
+                  <a:schemeClr val="tx1">
+                    <a:tint val="75000"/>
+                  </a:schemeClr>
+                </a:solidFill>
+              </a:defRPr>
+            </a:lvl3pPr>
+            <a:lvl4pPr marL="1371600" indent="0" algn="ctr">
+              <a:buNone/>
+              <a:defRPr>
+                <a:solidFill>
+                  <a:schemeClr val="tx1">
+                    <a:tint val="75000"/>
+                  </a:schemeClr>
+                </a:solidFill>
+              </a:defRPr>
+            </a:lvl4pPr>
+            <a:lvl5pPr marL="1828800" indent="0" algn="ctr">
+              <a:buNone/>
+              <a:defRPr>
+                <a:solidFill>
+                  <a:schemeClr val="tx1">
+                    <a:tint val="75000"/>
+                  </a:schemeClr>
+                </a:solidFill>
+              </a:defRPr>
+            </a:lvl5pPr>
+            <a:lvl6pPr marL="2286000" indent="0" algn="ctr">
+              <a:buNone/>
+              <a:defRPr>
+                <a:solidFill>
+                  <a:schemeClr val="tx1">
+                    <a:tint val="75000"/>
+                  </a:schemeClr>
+                </a:solidFill>
+              </a:defRPr>
+            </a:lvl6pPr>
+            <a:lvl7pPr marL="2743200" indent="0" algn="ctr">
+              <a:buNone/>
+              <a:defRPr>
+                <a:solidFill>
+                  <a:schemeClr val="tx1">
+                    <a:tint val="75000"/>
+                  </a:schemeClr>
+                </a:solidFill>
+              </a:defRPr>
+            </a:lvl7pPr>
+            <a:lvl8pPr marL="3200400" indent="0" algn="ctr">
+              <a:buNone/>
+              <a:defRPr>
+                <a:solidFill>
+                  <a:schemeClr val="tx1">
+                    <a:tint val="75000"/>
+                  </a:schemeClr>
+                </a:solidFill>
+              </a:defRPr>
+            </a:lvl8pPr>
+            <a:lvl9pPr marL="3657600" indent="0" algn="ctr">
+              <a:buNone/>
+              <a:defRPr>
+                <a:solidFill>
+                  <a:schemeClr val="tx1">
+                    <a:tint val="75000"/>
+                  </a:schemeClr>
+                </a:solidFill>
+              </a:defRPr>
+            </a:lvl9pPr>
+          </a:lstStyle>
+          <a:p>
+            <a:r>
+              <a:rPr lang="en-US" smtClean="0"/>
+              <a:t>Click to edit Master subtitle style</a:t>
+            </a:r>
+            <a:endParaRPr lang="ru-RU"/>
+          </a:p>
+        </p:txBody>
+      </p:sp>
+      <p:sp>
+        <p:nvSpPr>
+          <p:cNvPr id="4" name="Date Placeholder 3"/>
+          <p:cNvSpPr>
+            <a:spLocks noGrp="1"/>
+          </p:cNvSpPr>
+          <p:nvPr>
+            <p:ph type="dt" sz="half" idx="10"/>
+          </p:nvPr>
+        </p:nvSpPr>
+        <p:spPr/>
+        <p:txBody>
+          <a:bodyPr/>
+          <a:lstStyle/>
+          <a:p>
+            <a:fld id="{8E6E6A2A-E9D3-4A0D-B04A-ABDD367A1E08}" type="datetimeFigureOut">
+              <a:rPr lang="ru-RU" smtClean="0">
+                <a:solidFill>
+                  <a:srgbClr val="FFFFFF">
+                    <a:tint val="75000"/>
+                  </a:srgbClr>
+                </a:solidFill>
+              </a:rPr>
+              <a:pPr/>
+              <a:t>03.11.2013</a:t>
+            </a:fld>
+            <a:endParaRPr lang="ru-RU">
+              <a:solidFill>
+                <a:srgbClr val="FFFFFF">
+                  <a:tint val="75000"/>
+                </a:srgbClr>
+              </a:solidFill>
+            </a:endParaRPr>
+          </a:p>
+        </p:txBody>
+      </p:sp>
+      <p:sp>
+        <p:nvSpPr>
+          <p:cNvPr id="5" name="Footer Placeholder 4"/>
+          <p:cNvSpPr>
+            <a:spLocks noGrp="1"/>
+          </p:cNvSpPr>
+          <p:nvPr>
+            <p:ph type="ftr" sz="quarter" idx="11"/>
+          </p:nvPr>
+        </p:nvSpPr>
+        <p:spPr/>
+        <p:txBody>
+          <a:bodyPr/>
+          <a:lstStyle/>
+          <a:p>
+            <a:endParaRPr lang="ru-RU">
+              <a:solidFill>
+                <a:srgbClr val="FFFFFF">
+                  <a:tint val="75000"/>
+                </a:srgbClr>
+              </a:solidFill>
+            </a:endParaRPr>
+          </a:p>
+        </p:txBody>
+      </p:sp>
+      <p:sp>
+        <p:nvSpPr>
+          <p:cNvPr id="6" name="Slide Number Placeholder 5"/>
+          <p:cNvSpPr>
+            <a:spLocks noGrp="1"/>
+          </p:cNvSpPr>
+          <p:nvPr>
+            <p:ph type="sldNum" sz="quarter" idx="12"/>
+          </p:nvPr>
+        </p:nvSpPr>
+        <p:spPr/>
+        <p:txBody>
+          <a:bodyPr/>
+          <a:lstStyle/>
+          <a:p>
+            <a:fld id="{BC0D3D34-2E8A-4A38-B864-C677BA056495}" type="slidenum">
+              <a:rPr lang="ru-RU" smtClean="0">
+                <a:solidFill>
+                  <a:srgbClr val="FFFFFF">
+                    <a:tint val="75000"/>
+                  </a:srgbClr>
+                </a:solidFill>
+              </a:rPr>
+              <a:pPr/>
+              <a:t>‹#›</a:t>
+            </a:fld>
+            <a:endParaRPr lang="ru-RU">
+              <a:solidFill>
+                <a:srgbClr val="FFFFFF">
+                  <a:tint val="75000"/>
+                </a:srgbClr>
+              </a:solidFill>
+            </a:endParaRPr>
+          </a:p>
+        </p:txBody>
+      </p:sp>
+    </p:spTree>
+    <p:extLst>
+      <p:ext uri="{BB962C8B-B14F-4D97-AF65-F5344CB8AC3E}">
+        <p14:creationId xmlns:p14="http://schemas.microsoft.com/office/powerpoint/2010/main" val="3866505184"/>
+      </p:ext>
+    </p:extLst>
+  </p:cSld>
+  <p:clrMapOvr>
+    <a:masterClrMapping/>
+  </p:clrMapOvr>
+</p:sldLayout>
+</file>
+
+<file path=ppt/slideLayouts/slideLayout3.xml><?xml version="1.0" encoding="utf-8"?>
+<p:sldLayout xmlns:a="http://schemas.openxmlformats.org/drawingml/2006/main" xmlns:r="http://schemas.openxmlformats.org/officeDocument/2006/relationships" xmlns:p="http://schemas.openxmlformats.org/presentationml/2006/main" type="secHead" preserve="1">
+  <p:cSld name="Section Header">
+    <p:spTree>
+      <p:nvGrpSpPr>
+        <p:cNvPr id="1" name=""/>
+        <p:cNvGrpSpPr/>
+        <p:nvPr/>
+      </p:nvGrpSpPr>
+      <p:grpSpPr>
+        <a:xfrm>
+          <a:off x="0" y="0"/>
+          <a:ext cx="0" cy="0"/>
+          <a:chOff x="0" y="0"/>
+          <a:chExt cx="0" cy="0"/>
+        </a:xfrm>
+      </p:grpSpPr>
+      <p:sp>
+        <p:nvSpPr>
+          <p:cNvPr id="2" name="Title 1"/>
+          <p:cNvSpPr>
+            <a:spLocks noGrp="1"/>
+          </p:cNvSpPr>
+          <p:nvPr>
+            <p:ph type="title"/>
+          </p:nvPr>
+        </p:nvSpPr>
+        <p:spPr>
+          <a:xfrm>
+            <a:off x="722313" y="4406900"/>
+            <a:ext cx="7772400" cy="1362075"/>
+          </a:xfrm>
+        </p:spPr>
+        <p:txBody>
+          <a:bodyPr anchor="t"/>
+          <a:lstStyle>
+            <a:lvl1pPr algn="l">
+              <a:defRPr sz="4000" b="1" cap="all"/>
+            </a:lvl1pPr>
+          </a:lstStyle>
+          <a:p>
+            <a:r>
+              <a:rPr lang="en-US" smtClean="0"/>
+              <a:t>Click to edit Master title style</a:t>
+            </a:r>
+            <a:endParaRPr lang="en-US"/>
+          </a:p>
+        </p:txBody>
+      </p:sp>
+      <p:sp>
+        <p:nvSpPr>
+          <p:cNvPr id="3" name="Text Placeholder 2"/>
+          <p:cNvSpPr>
+            <a:spLocks noGrp="1"/>
+          </p:cNvSpPr>
+          <p:nvPr>
+            <p:ph type="body" idx="1"/>
+          </p:nvPr>
+        </p:nvSpPr>
+        <p:spPr>
+          <a:xfrm>
+            <a:off x="722313" y="2906713"/>
+            <a:ext cx="7772400" cy="1500187"/>
+          </a:xfrm>
+        </p:spPr>
+        <p:txBody>
+          <a:bodyPr anchor="b"/>
+          <a:lstStyle>
+            <a:lvl1pPr marL="0" indent="0">
+              <a:buNone/>
+              <a:defRPr sz="2000">
+                <a:solidFill>
+                  <a:schemeClr val="tx1">
+                    <a:tint val="75000"/>
+                  </a:schemeClr>
+                </a:solidFill>
+              </a:defRPr>
+            </a:lvl1pPr>
+            <a:lvl2pPr marL="457200" indent="0">
+              <a:buNone/>
+              <a:defRPr sz="1800">
+                <a:solidFill>
+                  <a:schemeClr val="tx1">
+                    <a:tint val="75000"/>
+                  </a:schemeClr>
+                </a:solidFill>
+              </a:defRPr>
+            </a:lvl2pPr>
+            <a:lvl3pPr marL="914400" indent="0">
+              <a:buNone/>
+              <a:defRPr sz="1600">
+                <a:solidFill>
+                  <a:schemeClr val="tx1">
+                    <a:tint val="75000"/>
+                  </a:schemeClr>
+                </a:solidFill>
+              </a:defRPr>
+            </a:lvl3pPr>
+            <a:lvl4pPr marL="1371600" indent="0">
+              <a:buNone/>
+              <a:defRPr sz="1400">
+                <a:solidFill>
+                  <a:schemeClr val="tx1">
+                    <a:tint val="75000"/>
+                  </a:schemeClr>
+                </a:solidFill>
+              </a:defRPr>
+            </a:lvl4pPr>
+            <a:lvl5pPr marL="1828800" indent="0">
+              <a:buNone/>
+              <a:defRPr sz="1400">
+                <a:solidFill>
+                  <a:schemeClr val="tx1">
+                    <a:tint val="75000"/>
+                  </a:schemeClr>
+                </a:solidFill>
+              </a:defRPr>
+            </a:lvl5pPr>
+            <a:lvl6pPr marL="2286000" indent="0">
+              <a:buNone/>
+              <a:defRPr sz="1400">
+                <a:solidFill>
+                  <a:schemeClr val="tx1">
+                    <a:tint val="75000"/>
+                  </a:schemeClr>
+                </a:solidFill>
+              </a:defRPr>
+            </a:lvl6pPr>
+            <a:lvl7pPr marL="2743200" indent="0">
+              <a:buNone/>
+              <a:defRPr sz="1400">
+                <a:solidFill>
+                  <a:schemeClr val="tx1">
+                    <a:tint val="75000"/>
+                  </a:schemeClr>
+                </a:solidFill>
+              </a:defRPr>
+            </a:lvl7pPr>
+            <a:lvl8pPr marL="3200400" indent="0">
+              <a:buNone/>
+              <a:defRPr sz="1400">
+                <a:solidFill>
+                  <a:schemeClr val="tx1">
+                    <a:tint val="75000"/>
+                  </a:schemeClr>
+                </a:solidFill>
+              </a:defRPr>
+            </a:lvl8pPr>
+            <a:lvl9pPr marL="3657600" indent="0">
+              <a:buNone/>
+              <a:defRPr sz="1400">
+                <a:solidFill>
+                  <a:schemeClr val="tx1">
+                    <a:tint val="75000"/>
+                  </a:schemeClr>
+                </a:solidFill>
+              </a:defRPr>
+            </a:lvl9pPr>
+          </a:lstStyle>
+          <a:p>
+            <a:pPr lvl="0"/>
+            <a:r>
+              <a:rPr lang="en-US" smtClean="0"/>
+              <a:t>Click to edit Master text styles</a:t>
+            </a:r>
+          </a:p>
+        </p:txBody>
+      </p:sp>
+      <p:sp>
+        <p:nvSpPr>
+          <p:cNvPr id="4" name="Date Placeholder 3"/>
+          <p:cNvSpPr>
+            <a:spLocks noGrp="1"/>
+          </p:cNvSpPr>
+          <p:nvPr>
+            <p:ph type="dt" sz="half" idx="10"/>
+          </p:nvPr>
+        </p:nvSpPr>
+        <p:spPr/>
+        <p:txBody>
+          <a:bodyPr/>
+          <a:lstStyle/>
+          <a:p>
+            <a:fld id="{6D622FCB-595C-4A19-9DA3-A5F2C1EA723F}" type="datetimeFigureOut">
+              <a:rPr lang="en-US" smtClean="0"/>
+              <a:t>11/3/2013</a:t>
+            </a:fld>
+            <a:endParaRPr lang="en-US"/>
+          </a:p>
+        </p:txBody>
+      </p:sp>
+      <p:sp>
+        <p:nvSpPr>
+          <p:cNvPr id="5" name="Footer Placeholder 4"/>
+          <p:cNvSpPr>
+            <a:spLocks noGrp="1"/>
+          </p:cNvSpPr>
+          <p:nvPr>
+            <p:ph type="ftr" sz="quarter" idx="11"/>
+          </p:nvPr>
+        </p:nvSpPr>
+        <p:spPr/>
+        <p:txBody>
+          <a:bodyPr/>
+          <a:lstStyle/>
+          <a:p>
+            <a:endParaRPr lang="en-US"/>
+          </a:p>
+        </p:txBody>
+      </p:sp>
+      <p:sp>
+        <p:nvSpPr>
+          <p:cNvPr id="6" name="Slide Number Placeholder 5"/>
+          <p:cNvSpPr>
+            <a:spLocks noGrp="1"/>
+          </p:cNvSpPr>
+          <p:nvPr>
+            <p:ph type="sldNum" sz="quarter" idx="12"/>
+          </p:nvPr>
+        </p:nvSpPr>
+        <p:spPr/>
+        <p:txBody>
+          <a:bodyPr/>
+          <a:lstStyle/>
+          <a:p>
+            <a:fld id="{34B91DE8-2EE2-4D34-94F0-905E5A9C31B8}" type="slidenum">
+              <a:rPr lang="en-US" smtClean="0"/>
+              <a:t>‹#›</a:t>
+            </a:fld>
+            <a:endParaRPr lang="en-US"/>
+          </a:p>
+        </p:txBody>
+      </p:sp>
+    </p:spTree>
+    <p:extLst>
+      <p:ext uri="{BB962C8B-B14F-4D97-AF65-F5344CB8AC3E}">
+        <p14:creationId xmlns:p14="http://schemas.microsoft.com/office/powerpoint/2010/main" val="1321270541"/>
+      </p:ext>
+    </p:extLst>
+  </p:cSld>
+  <p:clrMapOvr>
+    <a:masterClrMapping/>
+  </p:clrMapOvr>
+</p:sldLayout>
+</file>
+
+<file path=ppt/slideLayouts/slideLayout4.xml><?xml version="1.0" encoding="utf-8"?>
+<p:sldLayout xmlns:a="http://schemas.openxmlformats.org/drawingml/2006/main" xmlns:r="http://schemas.openxmlformats.org/officeDocument/2006/relationships" xmlns:p="http://schemas.openxmlformats.org/presentationml/2006/main" type="twoObj" preserve="1">
+  <p:cSld name="Two Content">
+    <p:spTree>
+      <p:nvGrpSpPr>
+        <p:cNvPr id="1" name=""/>
+        <p:cNvGrpSpPr/>
+        <p:nvPr/>
+      </p:nvGrpSpPr>
+      <p:grpSpPr>
+        <a:xfrm>
+          <a:off x="0" y="0"/>
+          <a:ext cx="0" cy="0"/>
+          <a:chOff x="0" y="0"/>
+          <a:chExt cx="0" cy="0"/>
+        </a:xfrm>
+      </p:grpSpPr>
+      <p:sp>
+        <p:nvSpPr>
+          <p:cNvPr id="2" name="Title 1"/>
+          <p:cNvSpPr>
+            <a:spLocks noGrp="1"/>
+          </p:cNvSpPr>
+          <p:nvPr>
+            <p:ph type="title"/>
+          </p:nvPr>
+        </p:nvSpPr>
+        <p:spPr/>
+        <p:txBody>
+          <a:bodyPr/>
+          <a:lstStyle/>
+          <a:p>
+            <a:r>
+              <a:rPr lang="en-US" smtClean="0"/>
+              <a:t>Click to edit Master title style</a:t>
+            </a:r>
+            <a:endParaRPr lang="en-US"/>
+          </a:p>
+        </p:txBody>
+      </p:sp>
+      <p:sp>
+        <p:nvSpPr>
+          <p:cNvPr id="3" name="Content Placeholder 2"/>
+          <p:cNvSpPr>
+            <a:spLocks noGrp="1"/>
+          </p:cNvSpPr>
+          <p:nvPr>
+            <p:ph sz="half" idx="1"/>
+          </p:nvPr>
+        </p:nvSpPr>
+        <p:spPr>
+          <a:xfrm>
+            <a:off x="457200" y="1600200"/>
+            <a:ext cx="4038600" cy="4525963"/>
+          </a:xfrm>
+        </p:spPr>
+        <p:txBody>
+          <a:bodyPr/>
+          <a:lstStyle>
+            <a:lvl1pPr>
+              <a:defRPr sz="2800"/>
+            </a:lvl1pPr>
+            <a:lvl2pPr>
+              <a:defRPr sz="2400"/>
+            </a:lvl2pPr>
+            <a:lvl3pPr>
+              <a:defRPr sz="2000"/>
+            </a:lvl3pPr>
+            <a:lvl4pPr>
+              <a:defRPr sz="1800"/>
+            </a:lvl4pPr>
+            <a:lvl5pPr>
+              <a:defRPr sz="1800"/>
+            </a:lvl5pPr>
+            <a:lvl6pPr>
+              <a:defRPr sz="1800"/>
+            </a:lvl6pPr>
+            <a:lvl7pPr>
+              <a:defRPr sz="1800"/>
+            </a:lvl7pPr>
+            <a:lvl8pPr>
+              <a:defRPr sz="1800"/>
+            </a:lvl8pPr>
+            <a:lvl9pPr>
+              <a:defRPr sz="1800"/>
+            </a:lvl9pPr>
+          </a:lstStyle>
+          <a:p>
+            <a:pPr lvl="0"/>
+            <a:r>
+              <a:rPr lang="en-US" smtClean="0"/>
+              <a:t>Click to edit Master text styles</a:t>
+            </a:r>
+          </a:p>
+          <a:p>
+            <a:pPr lvl="1"/>
+            <a:r>
+              <a:rPr lang="en-US" smtClean="0"/>
+              <a:t>Second level</a:t>
+            </a:r>
+          </a:p>
+          <a:p>
+            <a:pPr lvl="2"/>
+            <a:r>
+              <a:rPr lang="en-US" smtClean="0"/>
+              <a:t>Third level</a:t>
+            </a:r>
+          </a:p>
+          <a:p>
+            <a:pPr lvl="3"/>
+            <a:r>
+              <a:rPr lang="en-US" smtClean="0"/>
+              <a:t>Fourth level</a:t>
+            </a:r>
+          </a:p>
+          <a:p>
+            <a:pPr lvl="4"/>
+            <a:r>
+              <a:rPr lang="en-US" smtClean="0"/>
+              <a:t>Fifth level</a:t>
+            </a:r>
+            <a:endParaRPr lang="en-US"/>
+          </a:p>
+        </p:txBody>
+      </p:sp>
+      <p:sp>
+        <p:nvSpPr>
+          <p:cNvPr id="4" name="Content Placeholder 3"/>
+          <p:cNvSpPr>
+            <a:spLocks noGrp="1"/>
+          </p:cNvSpPr>
+          <p:nvPr>
+            <p:ph sz="half" idx="2"/>
+          </p:nvPr>
+        </p:nvSpPr>
+        <p:spPr>
+          <a:xfrm>
+            <a:off x="4648200" y="1600200"/>
+            <a:ext cx="4038600" cy="4525963"/>
+          </a:xfrm>
+        </p:spPr>
+        <p:txBody>
+          <a:bodyPr/>
+          <a:lstStyle>
+            <a:lvl1pPr>
+              <a:defRPr sz="2800"/>
+            </a:lvl1pPr>
+            <a:lvl2pPr>
+              <a:defRPr sz="2400"/>
+            </a:lvl2pPr>
+            <a:lvl3pPr>
+              <a:defRPr sz="2000"/>
+            </a:lvl3pPr>
+            <a:lvl4pPr>
+              <a:defRPr sz="1800"/>
+            </a:lvl4pPr>
+            <a:lvl5pPr>
+              <a:defRPr sz="1800"/>
+            </a:lvl5pPr>
+            <a:lvl6pPr>
+              <a:defRPr sz="1800"/>
+            </a:lvl6pPr>
+            <a:lvl7pPr>
+              <a:defRPr sz="1800"/>
+            </a:lvl7pPr>
+            <a:lvl8pPr>
+              <a:defRPr sz="1800"/>
+            </a:lvl8pPr>
+            <a:lvl9pPr>
+              <a:defRPr sz="1800"/>
+            </a:lvl9pPr>
+          </a:lstStyle>
+          <a:p>
+            <a:pPr lvl="0"/>
+            <a:r>
+              <a:rPr lang="en-US" smtClean="0"/>
+              <a:t>Click to edit Master text styles</a:t>
+            </a:r>
+          </a:p>
+          <a:p>
+            <a:pPr lvl="1"/>
+            <a:r>
+              <a:rPr lang="en-US" smtClean="0"/>
+              <a:t>Second level</a:t>
+            </a:r>
+          </a:p>
+          <a:p>
+            <a:pPr lvl="2"/>
+            <a:r>
+              <a:rPr lang="en-US" smtClean="0"/>
+              <a:t>Third level</a:t>
+            </a:r>
+          </a:p>
+          <a:p>
+            <a:pPr lvl="3"/>
+            <a:r>
+              <a:rPr lang="en-US" smtClean="0"/>
+              <a:t>Fourth level</a:t>
+            </a:r>
+          </a:p>
+          <a:p>
+            <a:pPr lvl="4"/>
+            <a:r>
+              <a:rPr lang="en-US" smtClean="0"/>
+              <a:t>Fifth level</a:t>
+            </a:r>
+            <a:endParaRPr lang="en-US"/>
+          </a:p>
+        </p:txBody>
+      </p:sp>
       <p:sp>
         <p:nvSpPr>
           <p:cNvPr id="5" name="Date Placeholder 4"/>
@@ -2519,7 +3470,1172 @@
           <a:p>
             <a:fld id="{6D622FCB-595C-4A19-9DA3-A5F2C1EA723F}" type="datetimeFigureOut">
               <a:rPr lang="en-US" smtClean="0"/>
-              <a:t>9/4/2013</a:t>
+              <a:t>11/3/2013</a:t>
+            </a:fld>
+            <a:endParaRPr lang="en-US"/>
+          </a:p>
+        </p:txBody>
+      </p:sp>
+      <p:sp>
+        <p:nvSpPr>
+          <p:cNvPr id="6" name="Footer Placeholder 5"/>
+          <p:cNvSpPr>
+            <a:spLocks noGrp="1"/>
+          </p:cNvSpPr>
+          <p:nvPr>
+            <p:ph type="ftr" sz="quarter" idx="11"/>
+          </p:nvPr>
+        </p:nvSpPr>
+        <p:spPr/>
+        <p:txBody>
+          <a:bodyPr/>
+          <a:lstStyle/>
+          <a:p>
+            <a:endParaRPr lang="en-US"/>
+          </a:p>
+        </p:txBody>
+      </p:sp>
+      <p:sp>
+        <p:nvSpPr>
+          <p:cNvPr id="7" name="Slide Number Placeholder 6"/>
+          <p:cNvSpPr>
+            <a:spLocks noGrp="1"/>
+          </p:cNvSpPr>
+          <p:nvPr>
+            <p:ph type="sldNum" sz="quarter" idx="12"/>
+          </p:nvPr>
+        </p:nvSpPr>
+        <p:spPr/>
+        <p:txBody>
+          <a:bodyPr/>
+          <a:lstStyle/>
+          <a:p>
+            <a:fld id="{34B91DE8-2EE2-4D34-94F0-905E5A9C31B8}" type="slidenum">
+              <a:rPr lang="en-US" smtClean="0"/>
+              <a:t>‹#›</a:t>
+            </a:fld>
+            <a:endParaRPr lang="en-US"/>
+          </a:p>
+        </p:txBody>
+      </p:sp>
+    </p:spTree>
+    <p:extLst>
+      <p:ext uri="{BB962C8B-B14F-4D97-AF65-F5344CB8AC3E}">
+        <p14:creationId xmlns:p14="http://schemas.microsoft.com/office/powerpoint/2010/main" val="4118999970"/>
+      </p:ext>
+    </p:extLst>
+  </p:cSld>
+  <p:clrMapOvr>
+    <a:masterClrMapping/>
+  </p:clrMapOvr>
+</p:sldLayout>
+</file>
+
+<file path=ppt/slideLayouts/slideLayout5.xml><?xml version="1.0" encoding="utf-8"?>
+<p:sldLayout xmlns:a="http://schemas.openxmlformats.org/drawingml/2006/main" xmlns:r="http://schemas.openxmlformats.org/officeDocument/2006/relationships" xmlns:p="http://schemas.openxmlformats.org/presentationml/2006/main" type="twoTxTwoObj" preserve="1">
+  <p:cSld name="Comparison">
+    <p:spTree>
+      <p:nvGrpSpPr>
+        <p:cNvPr id="1" name=""/>
+        <p:cNvGrpSpPr/>
+        <p:nvPr/>
+      </p:nvGrpSpPr>
+      <p:grpSpPr>
+        <a:xfrm>
+          <a:off x="0" y="0"/>
+          <a:ext cx="0" cy="0"/>
+          <a:chOff x="0" y="0"/>
+          <a:chExt cx="0" cy="0"/>
+        </a:xfrm>
+      </p:grpSpPr>
+      <p:sp>
+        <p:nvSpPr>
+          <p:cNvPr id="2" name="Title 1"/>
+          <p:cNvSpPr>
+            <a:spLocks noGrp="1"/>
+          </p:cNvSpPr>
+          <p:nvPr>
+            <p:ph type="title"/>
+          </p:nvPr>
+        </p:nvSpPr>
+        <p:spPr/>
+        <p:txBody>
+          <a:bodyPr/>
+          <a:lstStyle>
+            <a:lvl1pPr>
+              <a:defRPr/>
+            </a:lvl1pPr>
+          </a:lstStyle>
+          <a:p>
+            <a:r>
+              <a:rPr lang="en-US" smtClean="0"/>
+              <a:t>Click to edit Master title style</a:t>
+            </a:r>
+            <a:endParaRPr lang="en-US"/>
+          </a:p>
+        </p:txBody>
+      </p:sp>
+      <p:sp>
+        <p:nvSpPr>
+          <p:cNvPr id="3" name="Text Placeholder 2"/>
+          <p:cNvSpPr>
+            <a:spLocks noGrp="1"/>
+          </p:cNvSpPr>
+          <p:nvPr>
+            <p:ph type="body" idx="1"/>
+          </p:nvPr>
+        </p:nvSpPr>
+        <p:spPr>
+          <a:xfrm>
+            <a:off x="457200" y="1535113"/>
+            <a:ext cx="4040188" cy="639762"/>
+          </a:xfrm>
+        </p:spPr>
+        <p:txBody>
+          <a:bodyPr anchor="b"/>
+          <a:lstStyle>
+            <a:lvl1pPr marL="0" indent="0">
+              <a:buNone/>
+              <a:defRPr sz="2400" b="1"/>
+            </a:lvl1pPr>
+            <a:lvl2pPr marL="457200" indent="0">
+              <a:buNone/>
+              <a:defRPr sz="2000" b="1"/>
+            </a:lvl2pPr>
+            <a:lvl3pPr marL="914400" indent="0">
+              <a:buNone/>
+              <a:defRPr sz="1800" b="1"/>
+            </a:lvl3pPr>
+            <a:lvl4pPr marL="1371600" indent="0">
+              <a:buNone/>
+              <a:defRPr sz="1600" b="1"/>
+            </a:lvl4pPr>
+            <a:lvl5pPr marL="1828800" indent="0">
+              <a:buNone/>
+              <a:defRPr sz="1600" b="1"/>
+            </a:lvl5pPr>
+            <a:lvl6pPr marL="2286000" indent="0">
+              <a:buNone/>
+              <a:defRPr sz="1600" b="1"/>
+            </a:lvl6pPr>
+            <a:lvl7pPr marL="2743200" indent="0">
+              <a:buNone/>
+              <a:defRPr sz="1600" b="1"/>
+            </a:lvl7pPr>
+            <a:lvl8pPr marL="3200400" indent="0">
+              <a:buNone/>
+              <a:defRPr sz="1600" b="1"/>
+            </a:lvl8pPr>
+            <a:lvl9pPr marL="3657600" indent="0">
+              <a:buNone/>
+              <a:defRPr sz="1600" b="1"/>
+            </a:lvl9pPr>
+          </a:lstStyle>
+          <a:p>
+            <a:pPr lvl="0"/>
+            <a:r>
+              <a:rPr lang="en-US" smtClean="0"/>
+              <a:t>Click to edit Master text styles</a:t>
+            </a:r>
+          </a:p>
+        </p:txBody>
+      </p:sp>
+      <p:sp>
+        <p:nvSpPr>
+          <p:cNvPr id="4" name="Content Placeholder 3"/>
+          <p:cNvSpPr>
+            <a:spLocks noGrp="1"/>
+          </p:cNvSpPr>
+          <p:nvPr>
+            <p:ph sz="half" idx="2"/>
+          </p:nvPr>
+        </p:nvSpPr>
+        <p:spPr>
+          <a:xfrm>
+            <a:off x="457200" y="2174875"/>
+            <a:ext cx="4040188" cy="3951288"/>
+          </a:xfrm>
+        </p:spPr>
+        <p:txBody>
+          <a:bodyPr/>
+          <a:lstStyle>
+            <a:lvl1pPr>
+              <a:defRPr sz="2400"/>
+            </a:lvl1pPr>
+            <a:lvl2pPr>
+              <a:defRPr sz="2000"/>
+            </a:lvl2pPr>
+            <a:lvl3pPr>
+              <a:defRPr sz="1800"/>
+            </a:lvl3pPr>
+            <a:lvl4pPr>
+              <a:defRPr sz="1600"/>
+            </a:lvl4pPr>
+            <a:lvl5pPr>
+              <a:defRPr sz="1600"/>
+            </a:lvl5pPr>
+            <a:lvl6pPr>
+              <a:defRPr sz="1600"/>
+            </a:lvl6pPr>
+            <a:lvl7pPr>
+              <a:defRPr sz="1600"/>
+            </a:lvl7pPr>
+            <a:lvl8pPr>
+              <a:defRPr sz="1600"/>
+            </a:lvl8pPr>
+            <a:lvl9pPr>
+              <a:defRPr sz="1600"/>
+            </a:lvl9pPr>
+          </a:lstStyle>
+          <a:p>
+            <a:pPr lvl="0"/>
+            <a:r>
+              <a:rPr lang="en-US" smtClean="0"/>
+              <a:t>Click to edit Master text styles</a:t>
+            </a:r>
+          </a:p>
+          <a:p>
+            <a:pPr lvl="1"/>
+            <a:r>
+              <a:rPr lang="en-US" smtClean="0"/>
+              <a:t>Second level</a:t>
+            </a:r>
+          </a:p>
+          <a:p>
+            <a:pPr lvl="2"/>
+            <a:r>
+              <a:rPr lang="en-US" smtClean="0"/>
+              <a:t>Third level</a:t>
+            </a:r>
+          </a:p>
+          <a:p>
+            <a:pPr lvl="3"/>
+            <a:r>
+              <a:rPr lang="en-US" smtClean="0"/>
+              <a:t>Fourth level</a:t>
+            </a:r>
+          </a:p>
+          <a:p>
+            <a:pPr lvl="4"/>
+            <a:r>
+              <a:rPr lang="en-US" smtClean="0"/>
+              <a:t>Fifth level</a:t>
+            </a:r>
+            <a:endParaRPr lang="en-US"/>
+          </a:p>
+        </p:txBody>
+      </p:sp>
+      <p:sp>
+        <p:nvSpPr>
+          <p:cNvPr id="5" name="Text Placeholder 4"/>
+          <p:cNvSpPr>
+            <a:spLocks noGrp="1"/>
+          </p:cNvSpPr>
+          <p:nvPr>
+            <p:ph type="body" sz="quarter" idx="3"/>
+          </p:nvPr>
+        </p:nvSpPr>
+        <p:spPr>
+          <a:xfrm>
+            <a:off x="4645025" y="1535113"/>
+            <a:ext cx="4041775" cy="639762"/>
+          </a:xfrm>
+        </p:spPr>
+        <p:txBody>
+          <a:bodyPr anchor="b"/>
+          <a:lstStyle>
+            <a:lvl1pPr marL="0" indent="0">
+              <a:buNone/>
+              <a:defRPr sz="2400" b="1"/>
+            </a:lvl1pPr>
+            <a:lvl2pPr marL="457200" indent="0">
+              <a:buNone/>
+              <a:defRPr sz="2000" b="1"/>
+            </a:lvl2pPr>
+            <a:lvl3pPr marL="914400" indent="0">
+              <a:buNone/>
+              <a:defRPr sz="1800" b="1"/>
+            </a:lvl3pPr>
+            <a:lvl4pPr marL="1371600" indent="0">
+              <a:buNone/>
+              <a:defRPr sz="1600" b="1"/>
+            </a:lvl4pPr>
+            <a:lvl5pPr marL="1828800" indent="0">
+              <a:buNone/>
+              <a:defRPr sz="1600" b="1"/>
+            </a:lvl5pPr>
+            <a:lvl6pPr marL="2286000" indent="0">
+              <a:buNone/>
+              <a:defRPr sz="1600" b="1"/>
+            </a:lvl6pPr>
+            <a:lvl7pPr marL="2743200" indent="0">
+              <a:buNone/>
+              <a:defRPr sz="1600" b="1"/>
+            </a:lvl7pPr>
+            <a:lvl8pPr marL="3200400" indent="0">
+              <a:buNone/>
+              <a:defRPr sz="1600" b="1"/>
+            </a:lvl8pPr>
+            <a:lvl9pPr marL="3657600" indent="0">
+              <a:buNone/>
+              <a:defRPr sz="1600" b="1"/>
+            </a:lvl9pPr>
+          </a:lstStyle>
+          <a:p>
+            <a:pPr lvl="0"/>
+            <a:r>
+              <a:rPr lang="en-US" smtClean="0"/>
+              <a:t>Click to edit Master text styles</a:t>
+            </a:r>
+          </a:p>
+        </p:txBody>
+      </p:sp>
+      <p:sp>
+        <p:nvSpPr>
+          <p:cNvPr id="6" name="Content Placeholder 5"/>
+          <p:cNvSpPr>
+            <a:spLocks noGrp="1"/>
+          </p:cNvSpPr>
+          <p:nvPr>
+            <p:ph sz="quarter" idx="4"/>
+          </p:nvPr>
+        </p:nvSpPr>
+        <p:spPr>
+          <a:xfrm>
+            <a:off x="4645025" y="2174875"/>
+            <a:ext cx="4041775" cy="3951288"/>
+          </a:xfrm>
+        </p:spPr>
+        <p:txBody>
+          <a:bodyPr/>
+          <a:lstStyle>
+            <a:lvl1pPr>
+              <a:defRPr sz="2400"/>
+            </a:lvl1pPr>
+            <a:lvl2pPr>
+              <a:defRPr sz="2000"/>
+            </a:lvl2pPr>
+            <a:lvl3pPr>
+              <a:defRPr sz="1800"/>
+            </a:lvl3pPr>
+            <a:lvl4pPr>
+              <a:defRPr sz="1600"/>
+            </a:lvl4pPr>
+            <a:lvl5pPr>
+              <a:defRPr sz="1600"/>
+            </a:lvl5pPr>
+            <a:lvl6pPr>
+              <a:defRPr sz="1600"/>
+            </a:lvl6pPr>
+            <a:lvl7pPr>
+              <a:defRPr sz="1600"/>
+            </a:lvl7pPr>
+            <a:lvl8pPr>
+              <a:defRPr sz="1600"/>
+            </a:lvl8pPr>
+            <a:lvl9pPr>
+              <a:defRPr sz="1600"/>
+            </a:lvl9pPr>
+          </a:lstStyle>
+          <a:p>
+            <a:pPr lvl="0"/>
+            <a:r>
+              <a:rPr lang="en-US" smtClean="0"/>
+              <a:t>Click to edit Master text styles</a:t>
+            </a:r>
+          </a:p>
+          <a:p>
+            <a:pPr lvl="1"/>
+            <a:r>
+              <a:rPr lang="en-US" smtClean="0"/>
+              <a:t>Second level</a:t>
+            </a:r>
+          </a:p>
+          <a:p>
+            <a:pPr lvl="2"/>
+            <a:r>
+              <a:rPr lang="en-US" smtClean="0"/>
+              <a:t>Third level</a:t>
+            </a:r>
+          </a:p>
+          <a:p>
+            <a:pPr lvl="3"/>
+            <a:r>
+              <a:rPr lang="en-US" smtClean="0"/>
+              <a:t>Fourth level</a:t>
+            </a:r>
+          </a:p>
+          <a:p>
+            <a:pPr lvl="4"/>
+            <a:r>
+              <a:rPr lang="en-US" smtClean="0"/>
+              <a:t>Fifth level</a:t>
+            </a:r>
+            <a:endParaRPr lang="en-US"/>
+          </a:p>
+        </p:txBody>
+      </p:sp>
+      <p:sp>
+        <p:nvSpPr>
+          <p:cNvPr id="7" name="Date Placeholder 6"/>
+          <p:cNvSpPr>
+            <a:spLocks noGrp="1"/>
+          </p:cNvSpPr>
+          <p:nvPr>
+            <p:ph type="dt" sz="half" idx="10"/>
+          </p:nvPr>
+        </p:nvSpPr>
+        <p:spPr/>
+        <p:txBody>
+          <a:bodyPr/>
+          <a:lstStyle/>
+          <a:p>
+            <a:fld id="{6D622FCB-595C-4A19-9DA3-A5F2C1EA723F}" type="datetimeFigureOut">
+              <a:rPr lang="en-US" smtClean="0"/>
+              <a:t>11/3/2013</a:t>
+            </a:fld>
+            <a:endParaRPr lang="en-US"/>
+          </a:p>
+        </p:txBody>
+      </p:sp>
+      <p:sp>
+        <p:nvSpPr>
+          <p:cNvPr id="8" name="Footer Placeholder 7"/>
+          <p:cNvSpPr>
+            <a:spLocks noGrp="1"/>
+          </p:cNvSpPr>
+          <p:nvPr>
+            <p:ph type="ftr" sz="quarter" idx="11"/>
+          </p:nvPr>
+        </p:nvSpPr>
+        <p:spPr/>
+        <p:txBody>
+          <a:bodyPr/>
+          <a:lstStyle/>
+          <a:p>
+            <a:endParaRPr lang="en-US"/>
+          </a:p>
+        </p:txBody>
+      </p:sp>
+      <p:sp>
+        <p:nvSpPr>
+          <p:cNvPr id="9" name="Slide Number Placeholder 8"/>
+          <p:cNvSpPr>
+            <a:spLocks noGrp="1"/>
+          </p:cNvSpPr>
+          <p:nvPr>
+            <p:ph type="sldNum" sz="quarter" idx="12"/>
+          </p:nvPr>
+        </p:nvSpPr>
+        <p:spPr/>
+        <p:txBody>
+          <a:bodyPr/>
+          <a:lstStyle/>
+          <a:p>
+            <a:fld id="{34B91DE8-2EE2-4D34-94F0-905E5A9C31B8}" type="slidenum">
+              <a:rPr lang="en-US" smtClean="0"/>
+              <a:t>‹#›</a:t>
+            </a:fld>
+            <a:endParaRPr lang="en-US"/>
+          </a:p>
+        </p:txBody>
+      </p:sp>
+    </p:spTree>
+    <p:extLst>
+      <p:ext uri="{BB962C8B-B14F-4D97-AF65-F5344CB8AC3E}">
+        <p14:creationId xmlns:p14="http://schemas.microsoft.com/office/powerpoint/2010/main" val="364738984"/>
+      </p:ext>
+    </p:extLst>
+  </p:cSld>
+  <p:clrMapOvr>
+    <a:masterClrMapping/>
+  </p:clrMapOvr>
+</p:sldLayout>
+</file>
+
+<file path=ppt/slideLayouts/slideLayout6.xml><?xml version="1.0" encoding="utf-8"?>
+<p:sldLayout xmlns:a="http://schemas.openxmlformats.org/drawingml/2006/main" xmlns:r="http://schemas.openxmlformats.org/officeDocument/2006/relationships" xmlns:p="http://schemas.openxmlformats.org/presentationml/2006/main" type="titleOnly" preserve="1">
+  <p:cSld name="Title Only">
+    <p:spTree>
+      <p:nvGrpSpPr>
+        <p:cNvPr id="1" name=""/>
+        <p:cNvGrpSpPr/>
+        <p:nvPr/>
+      </p:nvGrpSpPr>
+      <p:grpSpPr>
+        <a:xfrm>
+          <a:off x="0" y="0"/>
+          <a:ext cx="0" cy="0"/>
+          <a:chOff x="0" y="0"/>
+          <a:chExt cx="0" cy="0"/>
+        </a:xfrm>
+      </p:grpSpPr>
+      <p:sp>
+        <p:nvSpPr>
+          <p:cNvPr id="2" name="Title 1"/>
+          <p:cNvSpPr>
+            <a:spLocks noGrp="1"/>
+          </p:cNvSpPr>
+          <p:nvPr>
+            <p:ph type="title"/>
+          </p:nvPr>
+        </p:nvSpPr>
+        <p:spPr/>
+        <p:txBody>
+          <a:bodyPr/>
+          <a:lstStyle/>
+          <a:p>
+            <a:r>
+              <a:rPr lang="en-US" smtClean="0"/>
+              <a:t>Click to edit Master title style</a:t>
+            </a:r>
+            <a:endParaRPr lang="en-US"/>
+          </a:p>
+        </p:txBody>
+      </p:sp>
+      <p:sp>
+        <p:nvSpPr>
+          <p:cNvPr id="3" name="Date Placeholder 2"/>
+          <p:cNvSpPr>
+            <a:spLocks noGrp="1"/>
+          </p:cNvSpPr>
+          <p:nvPr>
+            <p:ph type="dt" sz="half" idx="10"/>
+          </p:nvPr>
+        </p:nvSpPr>
+        <p:spPr/>
+        <p:txBody>
+          <a:bodyPr/>
+          <a:lstStyle/>
+          <a:p>
+            <a:fld id="{6D622FCB-595C-4A19-9DA3-A5F2C1EA723F}" type="datetimeFigureOut">
+              <a:rPr lang="en-US" smtClean="0"/>
+              <a:t>11/3/2013</a:t>
+            </a:fld>
+            <a:endParaRPr lang="en-US"/>
+          </a:p>
+        </p:txBody>
+      </p:sp>
+      <p:sp>
+        <p:nvSpPr>
+          <p:cNvPr id="4" name="Footer Placeholder 3"/>
+          <p:cNvSpPr>
+            <a:spLocks noGrp="1"/>
+          </p:cNvSpPr>
+          <p:nvPr>
+            <p:ph type="ftr" sz="quarter" idx="11"/>
+          </p:nvPr>
+        </p:nvSpPr>
+        <p:spPr/>
+        <p:txBody>
+          <a:bodyPr/>
+          <a:lstStyle/>
+          <a:p>
+            <a:endParaRPr lang="en-US"/>
+          </a:p>
+        </p:txBody>
+      </p:sp>
+      <p:sp>
+        <p:nvSpPr>
+          <p:cNvPr id="5" name="Slide Number Placeholder 4"/>
+          <p:cNvSpPr>
+            <a:spLocks noGrp="1"/>
+          </p:cNvSpPr>
+          <p:nvPr>
+            <p:ph type="sldNum" sz="quarter" idx="12"/>
+          </p:nvPr>
+        </p:nvSpPr>
+        <p:spPr/>
+        <p:txBody>
+          <a:bodyPr/>
+          <a:lstStyle/>
+          <a:p>
+            <a:fld id="{34B91DE8-2EE2-4D34-94F0-905E5A9C31B8}" type="slidenum">
+              <a:rPr lang="en-US" smtClean="0"/>
+              <a:t>‹#›</a:t>
+            </a:fld>
+            <a:endParaRPr lang="en-US"/>
+          </a:p>
+        </p:txBody>
+      </p:sp>
+    </p:spTree>
+    <p:extLst>
+      <p:ext uri="{BB962C8B-B14F-4D97-AF65-F5344CB8AC3E}">
+        <p14:creationId xmlns:p14="http://schemas.microsoft.com/office/powerpoint/2010/main" val="3928667392"/>
+      </p:ext>
+    </p:extLst>
+  </p:cSld>
+  <p:clrMapOvr>
+    <a:masterClrMapping/>
+  </p:clrMapOvr>
+</p:sldLayout>
+</file>
+
+<file path=ppt/slideLayouts/slideLayout7.xml><?xml version="1.0" encoding="utf-8"?>
+<p:sldLayout xmlns:a="http://schemas.openxmlformats.org/drawingml/2006/main" xmlns:r="http://schemas.openxmlformats.org/officeDocument/2006/relationships" xmlns:p="http://schemas.openxmlformats.org/presentationml/2006/main" type="blank" preserve="1">
+  <p:cSld name="Blank">
+    <p:spTree>
+      <p:nvGrpSpPr>
+        <p:cNvPr id="1" name=""/>
+        <p:cNvGrpSpPr/>
+        <p:nvPr/>
+      </p:nvGrpSpPr>
+      <p:grpSpPr>
+        <a:xfrm>
+          <a:off x="0" y="0"/>
+          <a:ext cx="0" cy="0"/>
+          <a:chOff x="0" y="0"/>
+          <a:chExt cx="0" cy="0"/>
+        </a:xfrm>
+      </p:grpSpPr>
+      <p:sp>
+        <p:nvSpPr>
+          <p:cNvPr id="2" name="Date Placeholder 1"/>
+          <p:cNvSpPr>
+            <a:spLocks noGrp="1"/>
+          </p:cNvSpPr>
+          <p:nvPr>
+            <p:ph type="dt" sz="half" idx="10"/>
+          </p:nvPr>
+        </p:nvSpPr>
+        <p:spPr/>
+        <p:txBody>
+          <a:bodyPr/>
+          <a:lstStyle/>
+          <a:p>
+            <a:fld id="{6D622FCB-595C-4A19-9DA3-A5F2C1EA723F}" type="datetimeFigureOut">
+              <a:rPr lang="en-US" smtClean="0"/>
+              <a:t>11/3/2013</a:t>
+            </a:fld>
+            <a:endParaRPr lang="en-US"/>
+          </a:p>
+        </p:txBody>
+      </p:sp>
+      <p:sp>
+        <p:nvSpPr>
+          <p:cNvPr id="3" name="Footer Placeholder 2"/>
+          <p:cNvSpPr>
+            <a:spLocks noGrp="1"/>
+          </p:cNvSpPr>
+          <p:nvPr>
+            <p:ph type="ftr" sz="quarter" idx="11"/>
+          </p:nvPr>
+        </p:nvSpPr>
+        <p:spPr/>
+        <p:txBody>
+          <a:bodyPr/>
+          <a:lstStyle/>
+          <a:p>
+            <a:endParaRPr lang="en-US"/>
+          </a:p>
+        </p:txBody>
+      </p:sp>
+      <p:sp>
+        <p:nvSpPr>
+          <p:cNvPr id="4" name="Slide Number Placeholder 3"/>
+          <p:cNvSpPr>
+            <a:spLocks noGrp="1"/>
+          </p:cNvSpPr>
+          <p:nvPr>
+            <p:ph type="sldNum" sz="quarter" idx="12"/>
+          </p:nvPr>
+        </p:nvSpPr>
+        <p:spPr/>
+        <p:txBody>
+          <a:bodyPr/>
+          <a:lstStyle/>
+          <a:p>
+            <a:fld id="{34B91DE8-2EE2-4D34-94F0-905E5A9C31B8}" type="slidenum">
+              <a:rPr lang="en-US" smtClean="0"/>
+              <a:t>‹#›</a:t>
+            </a:fld>
+            <a:endParaRPr lang="en-US"/>
+          </a:p>
+        </p:txBody>
+      </p:sp>
+    </p:spTree>
+    <p:extLst>
+      <p:ext uri="{BB962C8B-B14F-4D97-AF65-F5344CB8AC3E}">
+        <p14:creationId xmlns:p14="http://schemas.microsoft.com/office/powerpoint/2010/main" val="297534293"/>
+      </p:ext>
+    </p:extLst>
+  </p:cSld>
+  <p:clrMapOvr>
+    <a:masterClrMapping/>
+  </p:clrMapOvr>
+</p:sldLayout>
+</file>
+
+<file path=ppt/slideLayouts/slideLayout8.xml><?xml version="1.0" encoding="utf-8"?>
+<p:sldLayout xmlns:a="http://schemas.openxmlformats.org/drawingml/2006/main" xmlns:r="http://schemas.openxmlformats.org/officeDocument/2006/relationships" xmlns:p="http://schemas.openxmlformats.org/presentationml/2006/main" type="objTx" preserve="1">
+  <p:cSld name="Content with Caption">
+    <p:spTree>
+      <p:nvGrpSpPr>
+        <p:cNvPr id="1" name=""/>
+        <p:cNvGrpSpPr/>
+        <p:nvPr/>
+      </p:nvGrpSpPr>
+      <p:grpSpPr>
+        <a:xfrm>
+          <a:off x="0" y="0"/>
+          <a:ext cx="0" cy="0"/>
+          <a:chOff x="0" y="0"/>
+          <a:chExt cx="0" cy="0"/>
+        </a:xfrm>
+      </p:grpSpPr>
+      <p:sp>
+        <p:nvSpPr>
+          <p:cNvPr id="2" name="Title 1"/>
+          <p:cNvSpPr>
+            <a:spLocks noGrp="1"/>
+          </p:cNvSpPr>
+          <p:nvPr>
+            <p:ph type="title"/>
+          </p:nvPr>
+        </p:nvSpPr>
+        <p:spPr>
+          <a:xfrm>
+            <a:off x="457200" y="273050"/>
+            <a:ext cx="3008313" cy="1162050"/>
+          </a:xfrm>
+        </p:spPr>
+        <p:txBody>
+          <a:bodyPr anchor="b"/>
+          <a:lstStyle>
+            <a:lvl1pPr algn="l">
+              <a:defRPr sz="2000" b="1"/>
+            </a:lvl1pPr>
+          </a:lstStyle>
+          <a:p>
+            <a:r>
+              <a:rPr lang="en-US" smtClean="0"/>
+              <a:t>Click to edit Master title style</a:t>
+            </a:r>
+            <a:endParaRPr lang="en-US"/>
+          </a:p>
+        </p:txBody>
+      </p:sp>
+      <p:sp>
+        <p:nvSpPr>
+          <p:cNvPr id="3" name="Content Placeholder 2"/>
+          <p:cNvSpPr>
+            <a:spLocks noGrp="1"/>
+          </p:cNvSpPr>
+          <p:nvPr>
+            <p:ph idx="1"/>
+          </p:nvPr>
+        </p:nvSpPr>
+        <p:spPr>
+          <a:xfrm>
+            <a:off x="3575050" y="273050"/>
+            <a:ext cx="5111750" cy="5853113"/>
+          </a:xfrm>
+        </p:spPr>
+        <p:txBody>
+          <a:bodyPr/>
+          <a:lstStyle>
+            <a:lvl1pPr>
+              <a:defRPr sz="3200"/>
+            </a:lvl1pPr>
+            <a:lvl2pPr>
+              <a:defRPr sz="2800"/>
+            </a:lvl2pPr>
+            <a:lvl3pPr>
+              <a:defRPr sz="2400"/>
+            </a:lvl3pPr>
+            <a:lvl4pPr>
+              <a:defRPr sz="2000"/>
+            </a:lvl4pPr>
+            <a:lvl5pPr>
+              <a:defRPr sz="2000"/>
+            </a:lvl5pPr>
+            <a:lvl6pPr>
+              <a:defRPr sz="2000"/>
+            </a:lvl6pPr>
+            <a:lvl7pPr>
+              <a:defRPr sz="2000"/>
+            </a:lvl7pPr>
+            <a:lvl8pPr>
+              <a:defRPr sz="2000"/>
+            </a:lvl8pPr>
+            <a:lvl9pPr>
+              <a:defRPr sz="2000"/>
+            </a:lvl9pPr>
+          </a:lstStyle>
+          <a:p>
+            <a:pPr lvl="0"/>
+            <a:r>
+              <a:rPr lang="en-US" smtClean="0"/>
+              <a:t>Click to edit Master text styles</a:t>
+            </a:r>
+          </a:p>
+          <a:p>
+            <a:pPr lvl="1"/>
+            <a:r>
+              <a:rPr lang="en-US" smtClean="0"/>
+              <a:t>Second level</a:t>
+            </a:r>
+          </a:p>
+          <a:p>
+            <a:pPr lvl="2"/>
+            <a:r>
+              <a:rPr lang="en-US" smtClean="0"/>
+              <a:t>Third level</a:t>
+            </a:r>
+          </a:p>
+          <a:p>
+            <a:pPr lvl="3"/>
+            <a:r>
+              <a:rPr lang="en-US" smtClean="0"/>
+              <a:t>Fourth level</a:t>
+            </a:r>
+          </a:p>
+          <a:p>
+            <a:pPr lvl="4"/>
+            <a:r>
+              <a:rPr lang="en-US" smtClean="0"/>
+              <a:t>Fifth level</a:t>
+            </a:r>
+            <a:endParaRPr lang="en-US"/>
+          </a:p>
+        </p:txBody>
+      </p:sp>
+      <p:sp>
+        <p:nvSpPr>
+          <p:cNvPr id="4" name="Text Placeholder 3"/>
+          <p:cNvSpPr>
+            <a:spLocks noGrp="1"/>
+          </p:cNvSpPr>
+          <p:nvPr>
+            <p:ph type="body" sz="half" idx="2"/>
+          </p:nvPr>
+        </p:nvSpPr>
+        <p:spPr>
+          <a:xfrm>
+            <a:off x="457200" y="1435100"/>
+            <a:ext cx="3008313" cy="4691063"/>
+          </a:xfrm>
+        </p:spPr>
+        <p:txBody>
+          <a:bodyPr/>
+          <a:lstStyle>
+            <a:lvl1pPr marL="0" indent="0">
+              <a:buNone/>
+              <a:defRPr sz="1400"/>
+            </a:lvl1pPr>
+            <a:lvl2pPr marL="457200" indent="0">
+              <a:buNone/>
+              <a:defRPr sz="1200"/>
+            </a:lvl2pPr>
+            <a:lvl3pPr marL="914400" indent="0">
+              <a:buNone/>
+              <a:defRPr sz="1000"/>
+            </a:lvl3pPr>
+            <a:lvl4pPr marL="1371600" indent="0">
+              <a:buNone/>
+              <a:defRPr sz="900"/>
+            </a:lvl4pPr>
+            <a:lvl5pPr marL="1828800" indent="0">
+              <a:buNone/>
+              <a:defRPr sz="900"/>
+            </a:lvl5pPr>
+            <a:lvl6pPr marL="2286000" indent="0">
+              <a:buNone/>
+              <a:defRPr sz="900"/>
+            </a:lvl6pPr>
+            <a:lvl7pPr marL="2743200" indent="0">
+              <a:buNone/>
+              <a:defRPr sz="900"/>
+            </a:lvl7pPr>
+            <a:lvl8pPr marL="3200400" indent="0">
+              <a:buNone/>
+              <a:defRPr sz="900"/>
+            </a:lvl8pPr>
+            <a:lvl9pPr marL="3657600" indent="0">
+              <a:buNone/>
+              <a:defRPr sz="900"/>
+            </a:lvl9pPr>
+          </a:lstStyle>
+          <a:p>
+            <a:pPr lvl="0"/>
+            <a:r>
+              <a:rPr lang="en-US" smtClean="0"/>
+              <a:t>Click to edit Master text styles</a:t>
+            </a:r>
+          </a:p>
+        </p:txBody>
+      </p:sp>
+      <p:sp>
+        <p:nvSpPr>
+          <p:cNvPr id="5" name="Date Placeholder 4"/>
+          <p:cNvSpPr>
+            <a:spLocks noGrp="1"/>
+          </p:cNvSpPr>
+          <p:nvPr>
+            <p:ph type="dt" sz="half" idx="10"/>
+          </p:nvPr>
+        </p:nvSpPr>
+        <p:spPr/>
+        <p:txBody>
+          <a:bodyPr/>
+          <a:lstStyle/>
+          <a:p>
+            <a:fld id="{6D622FCB-595C-4A19-9DA3-A5F2C1EA723F}" type="datetimeFigureOut">
+              <a:rPr lang="en-US" smtClean="0"/>
+              <a:t>11/3/2013</a:t>
+            </a:fld>
+            <a:endParaRPr lang="en-US"/>
+          </a:p>
+        </p:txBody>
+      </p:sp>
+      <p:sp>
+        <p:nvSpPr>
+          <p:cNvPr id="6" name="Footer Placeholder 5"/>
+          <p:cNvSpPr>
+            <a:spLocks noGrp="1"/>
+          </p:cNvSpPr>
+          <p:nvPr>
+            <p:ph type="ftr" sz="quarter" idx="11"/>
+          </p:nvPr>
+        </p:nvSpPr>
+        <p:spPr/>
+        <p:txBody>
+          <a:bodyPr/>
+          <a:lstStyle/>
+          <a:p>
+            <a:endParaRPr lang="en-US"/>
+          </a:p>
+        </p:txBody>
+      </p:sp>
+      <p:sp>
+        <p:nvSpPr>
+          <p:cNvPr id="7" name="Slide Number Placeholder 6"/>
+          <p:cNvSpPr>
+            <a:spLocks noGrp="1"/>
+          </p:cNvSpPr>
+          <p:nvPr>
+            <p:ph type="sldNum" sz="quarter" idx="12"/>
+          </p:nvPr>
+        </p:nvSpPr>
+        <p:spPr/>
+        <p:txBody>
+          <a:bodyPr/>
+          <a:lstStyle/>
+          <a:p>
+            <a:fld id="{34B91DE8-2EE2-4D34-94F0-905E5A9C31B8}" type="slidenum">
+              <a:rPr lang="en-US" smtClean="0"/>
+              <a:t>‹#›</a:t>
+            </a:fld>
+            <a:endParaRPr lang="en-US"/>
+          </a:p>
+        </p:txBody>
+      </p:sp>
+    </p:spTree>
+    <p:extLst>
+      <p:ext uri="{BB962C8B-B14F-4D97-AF65-F5344CB8AC3E}">
+        <p14:creationId xmlns:p14="http://schemas.microsoft.com/office/powerpoint/2010/main" val="683716944"/>
+      </p:ext>
+    </p:extLst>
+  </p:cSld>
+  <p:clrMapOvr>
+    <a:masterClrMapping/>
+  </p:clrMapOvr>
+</p:sldLayout>
+</file>
+
+<file path=ppt/slideLayouts/slideLayout9.xml><?xml version="1.0" encoding="utf-8"?>
+<p:sldLayout xmlns:a="http://schemas.openxmlformats.org/drawingml/2006/main" xmlns:r="http://schemas.openxmlformats.org/officeDocument/2006/relationships" xmlns:p="http://schemas.openxmlformats.org/presentationml/2006/main" type="picTx" preserve="1">
+  <p:cSld name="Picture with Caption">
+    <p:spTree>
+      <p:nvGrpSpPr>
+        <p:cNvPr id="1" name=""/>
+        <p:cNvGrpSpPr/>
+        <p:nvPr/>
+      </p:nvGrpSpPr>
+      <p:grpSpPr>
+        <a:xfrm>
+          <a:off x="0" y="0"/>
+          <a:ext cx="0" cy="0"/>
+          <a:chOff x="0" y="0"/>
+          <a:chExt cx="0" cy="0"/>
+        </a:xfrm>
+      </p:grpSpPr>
+      <p:sp>
+        <p:nvSpPr>
+          <p:cNvPr id="2" name="Title 1"/>
+          <p:cNvSpPr>
+            <a:spLocks noGrp="1"/>
+          </p:cNvSpPr>
+          <p:nvPr>
+            <p:ph type="title"/>
+          </p:nvPr>
+        </p:nvSpPr>
+        <p:spPr>
+          <a:xfrm>
+            <a:off x="1792288" y="4800600"/>
+            <a:ext cx="5486400" cy="566738"/>
+          </a:xfrm>
+        </p:spPr>
+        <p:txBody>
+          <a:bodyPr anchor="b"/>
+          <a:lstStyle>
+            <a:lvl1pPr algn="l">
+              <a:defRPr sz="2000" b="1"/>
+            </a:lvl1pPr>
+          </a:lstStyle>
+          <a:p>
+            <a:r>
+              <a:rPr lang="en-US" smtClean="0"/>
+              <a:t>Click to edit Master title style</a:t>
+            </a:r>
+            <a:endParaRPr lang="en-US"/>
+          </a:p>
+        </p:txBody>
+      </p:sp>
+      <p:sp>
+        <p:nvSpPr>
+          <p:cNvPr id="3" name="Picture Placeholder 2"/>
+          <p:cNvSpPr>
+            <a:spLocks noGrp="1"/>
+          </p:cNvSpPr>
+          <p:nvPr>
+            <p:ph type="pic" idx="1"/>
+          </p:nvPr>
+        </p:nvSpPr>
+        <p:spPr>
+          <a:xfrm>
+            <a:off x="1792288" y="612775"/>
+            <a:ext cx="5486400" cy="4114800"/>
+          </a:xfrm>
+        </p:spPr>
+        <p:txBody>
+          <a:bodyPr/>
+          <a:lstStyle>
+            <a:lvl1pPr marL="0" indent="0">
+              <a:buNone/>
+              <a:defRPr sz="3200"/>
+            </a:lvl1pPr>
+            <a:lvl2pPr marL="457200" indent="0">
+              <a:buNone/>
+              <a:defRPr sz="2800"/>
+            </a:lvl2pPr>
+            <a:lvl3pPr marL="914400" indent="0">
+              <a:buNone/>
+              <a:defRPr sz="2400"/>
+            </a:lvl3pPr>
+            <a:lvl4pPr marL="1371600" indent="0">
+              <a:buNone/>
+              <a:defRPr sz="2000"/>
+            </a:lvl4pPr>
+            <a:lvl5pPr marL="1828800" indent="0">
+              <a:buNone/>
+              <a:defRPr sz="2000"/>
+            </a:lvl5pPr>
+            <a:lvl6pPr marL="2286000" indent="0">
+              <a:buNone/>
+              <a:defRPr sz="2000"/>
+            </a:lvl6pPr>
+            <a:lvl7pPr marL="2743200" indent="0">
+              <a:buNone/>
+              <a:defRPr sz="2000"/>
+            </a:lvl7pPr>
+            <a:lvl8pPr marL="3200400" indent="0">
+              <a:buNone/>
+              <a:defRPr sz="2000"/>
+            </a:lvl8pPr>
+            <a:lvl9pPr marL="3657600" indent="0">
+              <a:buNone/>
+              <a:defRPr sz="2000"/>
+            </a:lvl9pPr>
+          </a:lstStyle>
+          <a:p>
+            <a:endParaRPr lang="en-US"/>
+          </a:p>
+        </p:txBody>
+      </p:sp>
+      <p:sp>
+        <p:nvSpPr>
+          <p:cNvPr id="4" name="Text Placeholder 3"/>
+          <p:cNvSpPr>
+            <a:spLocks noGrp="1"/>
+          </p:cNvSpPr>
+          <p:nvPr>
+            <p:ph type="body" sz="half" idx="2"/>
+          </p:nvPr>
+        </p:nvSpPr>
+        <p:spPr>
+          <a:xfrm>
+            <a:off x="1792288" y="5367338"/>
+            <a:ext cx="5486400" cy="804862"/>
+          </a:xfrm>
+        </p:spPr>
+        <p:txBody>
+          <a:bodyPr/>
+          <a:lstStyle>
+            <a:lvl1pPr marL="0" indent="0">
+              <a:buNone/>
+              <a:defRPr sz="1400"/>
+            </a:lvl1pPr>
+            <a:lvl2pPr marL="457200" indent="0">
+              <a:buNone/>
+              <a:defRPr sz="1200"/>
+            </a:lvl2pPr>
+            <a:lvl3pPr marL="914400" indent="0">
+              <a:buNone/>
+              <a:defRPr sz="1000"/>
+            </a:lvl3pPr>
+            <a:lvl4pPr marL="1371600" indent="0">
+              <a:buNone/>
+              <a:defRPr sz="900"/>
+            </a:lvl4pPr>
+            <a:lvl5pPr marL="1828800" indent="0">
+              <a:buNone/>
+              <a:defRPr sz="900"/>
+            </a:lvl5pPr>
+            <a:lvl6pPr marL="2286000" indent="0">
+              <a:buNone/>
+              <a:defRPr sz="900"/>
+            </a:lvl6pPr>
+            <a:lvl7pPr marL="2743200" indent="0">
+              <a:buNone/>
+              <a:defRPr sz="900"/>
+            </a:lvl7pPr>
+            <a:lvl8pPr marL="3200400" indent="0">
+              <a:buNone/>
+              <a:defRPr sz="900"/>
+            </a:lvl8pPr>
+            <a:lvl9pPr marL="3657600" indent="0">
+              <a:buNone/>
+              <a:defRPr sz="900"/>
+            </a:lvl9pPr>
+          </a:lstStyle>
+          <a:p>
+            <a:pPr lvl="0"/>
+            <a:r>
+              <a:rPr lang="en-US" smtClean="0"/>
+              <a:t>Click to edit Master text styles</a:t>
+            </a:r>
+          </a:p>
+        </p:txBody>
+      </p:sp>
+      <p:sp>
+        <p:nvSpPr>
+          <p:cNvPr id="5" name="Date Placeholder 4"/>
+          <p:cNvSpPr>
+            <a:spLocks noGrp="1"/>
+          </p:cNvSpPr>
+          <p:nvPr>
+            <p:ph type="dt" sz="half" idx="10"/>
+          </p:nvPr>
+        </p:nvSpPr>
+        <p:spPr/>
+        <p:txBody>
+          <a:bodyPr/>
+          <a:lstStyle/>
+          <a:p>
+            <a:fld id="{6D622FCB-595C-4A19-9DA3-A5F2C1EA723F}" type="datetimeFigureOut">
+              <a:rPr lang="en-US" smtClean="0"/>
+              <a:t>11/3/2013</a:t>
             </a:fld>
             <a:endParaRPr lang="en-US"/>
           </a:p>
@@ -2732,7 +4848,7 @@
           <a:p>
             <a:fld id="{6D622FCB-595C-4A19-9DA3-A5F2C1EA723F}" type="datetimeFigureOut">
               <a:rPr lang="en-US" smtClean="0"/>
-              <a:t>9/4/2013</a:t>
+              <a:t>11/3/2013</a:t>
             </a:fld>
             <a:endParaRPr lang="en-US"/>
           </a:p>
@@ -3090,6 +5206,559 @@
 </p:sldMaster>
 </file>
 
+<file path=ppt/slideMasters/slideMaster2.xml><?xml version="1.0" encoding="utf-8"?>
+<p:sldMaster xmlns:a="http://schemas.openxmlformats.org/drawingml/2006/main" xmlns:r="http://schemas.openxmlformats.org/officeDocument/2006/relationships" xmlns:p="http://schemas.openxmlformats.org/presentationml/2006/main">
+  <p:cSld>
+    <p:bg>
+      <p:bgPr>
+        <a:blipFill dpi="0" rotWithShape="1">
+          <a:blip r:embed="rId15">
+            <a:lum/>
+          </a:blip>
+          <a:srcRect/>
+          <a:stretch>
+            <a:fillRect/>
+          </a:stretch>
+        </a:blipFill>
+        <a:effectLst/>
+      </p:bgPr>
+    </p:bg>
+    <p:spTree>
+      <p:nvGrpSpPr>
+        <p:cNvPr id="1" name=""/>
+        <p:cNvGrpSpPr/>
+        <p:nvPr/>
+      </p:nvGrpSpPr>
+      <p:grpSpPr>
+        <a:xfrm>
+          <a:off x="0" y="0"/>
+          <a:ext cx="0" cy="0"/>
+          <a:chOff x="0" y="0"/>
+          <a:chExt cx="0" cy="0"/>
+        </a:xfrm>
+      </p:grpSpPr>
+      <p:sp>
+        <p:nvSpPr>
+          <p:cNvPr id="2" name="Title Placeholder 1"/>
+          <p:cNvSpPr>
+            <a:spLocks noGrp="1"/>
+          </p:cNvSpPr>
+          <p:nvPr>
+            <p:ph type="title"/>
+          </p:nvPr>
+        </p:nvSpPr>
+        <p:spPr>
+          <a:xfrm>
+            <a:off x="457200" y="274638"/>
+            <a:ext cx="8229600" cy="1143000"/>
+          </a:xfrm>
+          <a:prstGeom prst="rect">
+            <a:avLst/>
+          </a:prstGeom>
+        </p:spPr>
+        <p:txBody>
+          <a:bodyPr vert="horz" lIns="91440" tIns="45720" rIns="91440" bIns="45720" rtlCol="0" anchor="ctr">
+            <a:normAutofit/>
+          </a:bodyPr>
+          <a:lstStyle/>
+          <a:p>
+            <a:r>
+              <a:rPr lang="en-US" smtClean="0"/>
+              <a:t>Click to edit Master title style</a:t>
+            </a:r>
+            <a:endParaRPr lang="ru-RU"/>
+          </a:p>
+        </p:txBody>
+      </p:sp>
+      <p:sp>
+        <p:nvSpPr>
+          <p:cNvPr id="3" name="Text Placeholder 2"/>
+          <p:cNvSpPr>
+            <a:spLocks noGrp="1"/>
+          </p:cNvSpPr>
+          <p:nvPr>
+            <p:ph type="body" idx="1"/>
+          </p:nvPr>
+        </p:nvSpPr>
+        <p:spPr>
+          <a:xfrm>
+            <a:off x="457200" y="1600200"/>
+            <a:ext cx="8229600" cy="4525963"/>
+          </a:xfrm>
+          <a:prstGeom prst="rect">
+            <a:avLst/>
+          </a:prstGeom>
+        </p:spPr>
+        <p:txBody>
+          <a:bodyPr vert="horz" lIns="91440" tIns="45720" rIns="91440" bIns="45720" rtlCol="0">
+            <a:normAutofit/>
+          </a:bodyPr>
+          <a:lstStyle/>
+          <a:p>
+            <a:pPr lvl="0"/>
+            <a:r>
+              <a:rPr lang="en-US" smtClean="0"/>
+              <a:t>Click to edit Master text styles</a:t>
+            </a:r>
+          </a:p>
+          <a:p>
+            <a:pPr lvl="1"/>
+            <a:r>
+              <a:rPr lang="en-US" smtClean="0"/>
+              <a:t>Second level</a:t>
+            </a:r>
+          </a:p>
+          <a:p>
+            <a:pPr lvl="2"/>
+            <a:r>
+              <a:rPr lang="en-US" smtClean="0"/>
+              <a:t>Third level</a:t>
+            </a:r>
+          </a:p>
+          <a:p>
+            <a:pPr lvl="3"/>
+            <a:r>
+              <a:rPr lang="en-US" smtClean="0"/>
+              <a:t>Fourth level</a:t>
+            </a:r>
+          </a:p>
+          <a:p>
+            <a:pPr lvl="4"/>
+            <a:r>
+              <a:rPr lang="en-US" smtClean="0"/>
+              <a:t>Fifth level</a:t>
+            </a:r>
+            <a:endParaRPr lang="ru-RU"/>
+          </a:p>
+        </p:txBody>
+      </p:sp>
+      <p:sp>
+        <p:nvSpPr>
+          <p:cNvPr id="4" name="Date Placeholder 3"/>
+          <p:cNvSpPr>
+            <a:spLocks noGrp="1"/>
+          </p:cNvSpPr>
+          <p:nvPr>
+            <p:ph type="dt" sz="half" idx="2"/>
+          </p:nvPr>
+        </p:nvSpPr>
+        <p:spPr>
+          <a:xfrm>
+            <a:off x="457200" y="6356350"/>
+            <a:ext cx="2133600" cy="365125"/>
+          </a:xfrm>
+          <a:prstGeom prst="rect">
+            <a:avLst/>
+          </a:prstGeom>
+        </p:spPr>
+        <p:txBody>
+          <a:bodyPr vert="horz" lIns="91440" tIns="45720" rIns="91440" bIns="45720" rtlCol="0" anchor="ctr"/>
+          <a:lstStyle>
+            <a:lvl1pPr algn="l">
+              <a:defRPr sz="1200">
+                <a:solidFill>
+                  <a:schemeClr val="tx1">
+                    <a:tint val="75000"/>
+                  </a:schemeClr>
+                </a:solidFill>
+              </a:defRPr>
+            </a:lvl1pPr>
+          </a:lstStyle>
+          <a:p>
+            <a:fld id="{AC3D3127-B7C4-45E3-9797-C527EC9FDD78}" type="datetimeFigureOut">
+              <a:rPr lang="ru-RU" smtClean="0">
+                <a:solidFill>
+                  <a:srgbClr val="FFFFFF">
+                    <a:tint val="75000"/>
+                  </a:srgbClr>
+                </a:solidFill>
+              </a:rPr>
+              <a:pPr/>
+              <a:t>03.11.2013</a:t>
+            </a:fld>
+            <a:endParaRPr lang="ru-RU">
+              <a:solidFill>
+                <a:srgbClr val="FFFFFF">
+                  <a:tint val="75000"/>
+                </a:srgbClr>
+              </a:solidFill>
+            </a:endParaRPr>
+          </a:p>
+        </p:txBody>
+      </p:sp>
+      <p:sp>
+        <p:nvSpPr>
+          <p:cNvPr id="5" name="Footer Placeholder 4"/>
+          <p:cNvSpPr>
+            <a:spLocks noGrp="1"/>
+          </p:cNvSpPr>
+          <p:nvPr>
+            <p:ph type="ftr" sz="quarter" idx="3"/>
+          </p:nvPr>
+        </p:nvSpPr>
+        <p:spPr>
+          <a:xfrm>
+            <a:off x="3124200" y="6356350"/>
+            <a:ext cx="2895600" cy="365125"/>
+          </a:xfrm>
+          <a:prstGeom prst="rect">
+            <a:avLst/>
+          </a:prstGeom>
+        </p:spPr>
+        <p:txBody>
+          <a:bodyPr vert="horz" lIns="91440" tIns="45720" rIns="91440" bIns="45720" rtlCol="0" anchor="ctr"/>
+          <a:lstStyle>
+            <a:lvl1pPr algn="ctr">
+              <a:defRPr sz="1200">
+                <a:solidFill>
+                  <a:schemeClr val="tx1">
+                    <a:tint val="75000"/>
+                  </a:schemeClr>
+                </a:solidFill>
+              </a:defRPr>
+            </a:lvl1pPr>
+          </a:lstStyle>
+          <a:p>
+            <a:endParaRPr lang="ru-RU">
+              <a:solidFill>
+                <a:srgbClr val="FFFFFF">
+                  <a:tint val="75000"/>
+                </a:srgbClr>
+              </a:solidFill>
+            </a:endParaRPr>
+          </a:p>
+        </p:txBody>
+      </p:sp>
+      <p:sp>
+        <p:nvSpPr>
+          <p:cNvPr id="6" name="Slide Number Placeholder 5"/>
+          <p:cNvSpPr>
+            <a:spLocks noGrp="1"/>
+          </p:cNvSpPr>
+          <p:nvPr>
+            <p:ph type="sldNum" sz="quarter" idx="4"/>
+          </p:nvPr>
+        </p:nvSpPr>
+        <p:spPr>
+          <a:xfrm>
+            <a:off x="6553200" y="6356350"/>
+            <a:ext cx="2133600" cy="365125"/>
+          </a:xfrm>
+          <a:prstGeom prst="rect">
+            <a:avLst/>
+          </a:prstGeom>
+        </p:spPr>
+        <p:txBody>
+          <a:bodyPr vert="horz" lIns="91440" tIns="45720" rIns="91440" bIns="45720" rtlCol="0" anchor="ctr"/>
+          <a:lstStyle>
+            <a:lvl1pPr algn="r">
+              <a:defRPr sz="1200">
+                <a:solidFill>
+                  <a:schemeClr val="tx1">
+                    <a:tint val="75000"/>
+                  </a:schemeClr>
+                </a:solidFill>
+              </a:defRPr>
+            </a:lvl1pPr>
+          </a:lstStyle>
+          <a:p>
+            <a:fld id="{1E929BC3-9972-4A35-985B-BE0C2CB1D3A5}" type="slidenum">
+              <a:rPr lang="ru-RU" smtClean="0">
+                <a:solidFill>
+                  <a:srgbClr val="FFFFFF">
+                    <a:tint val="75000"/>
+                  </a:srgbClr>
+                </a:solidFill>
+              </a:rPr>
+              <a:pPr/>
+              <a:t>‹#›</a:t>
+            </a:fld>
+            <a:endParaRPr lang="ru-RU">
+              <a:solidFill>
+                <a:srgbClr val="FFFFFF">
+                  <a:tint val="75000"/>
+                </a:srgbClr>
+              </a:solidFill>
+            </a:endParaRPr>
+          </a:p>
+        </p:txBody>
+      </p:sp>
+    </p:spTree>
+    <p:extLst>
+      <p:ext uri="{BB962C8B-B14F-4D97-AF65-F5344CB8AC3E}">
+        <p14:creationId xmlns:p14="http://schemas.microsoft.com/office/powerpoint/2010/main" val="3209987544"/>
+      </p:ext>
+    </p:extLst>
+  </p:cSld>
+  <p:clrMap bg1="lt1" tx1="dk1" bg2="lt2" tx2="dk2" accent1="accent1" accent2="accent2" accent3="accent3" accent4="accent4" accent5="accent5" accent6="accent6" hlink="hlink" folHlink="folHlink"/>
+  <p:sldLayoutIdLst>
+    <p:sldLayoutId id="2147483661" r:id="rId1"/>
+    <p:sldLayoutId id="2147483662" r:id="rId2"/>
+    <p:sldLayoutId id="2147483663" r:id="rId3"/>
+    <p:sldLayoutId id="2147483664" r:id="rId4"/>
+    <p:sldLayoutId id="2147483665" r:id="rId5"/>
+    <p:sldLayoutId id="2147483666" r:id="rId6"/>
+    <p:sldLayoutId id="2147483667" r:id="rId7"/>
+    <p:sldLayoutId id="2147483668" r:id="rId8"/>
+    <p:sldLayoutId id="2147483669" r:id="rId9"/>
+    <p:sldLayoutId id="2147483670" r:id="rId10"/>
+    <p:sldLayoutId id="2147483671" r:id="rId11"/>
+    <p:sldLayoutId id="2147483672" r:id="rId12"/>
+    <p:sldLayoutId id="2147483673" r:id="rId13"/>
+  </p:sldLayoutIdLst>
+  <p:txStyles>
+    <p:titleStyle>
+      <a:lvl1pPr algn="ctr" defTabSz="914400" rtl="0" eaLnBrk="1" latinLnBrk="0" hangingPunct="1">
+        <a:spcBef>
+          <a:spcPct val="0"/>
+        </a:spcBef>
+        <a:buNone/>
+        <a:defRPr sz="4400" kern="1200">
+          <a:solidFill>
+            <a:schemeClr val="tx1"/>
+          </a:solidFill>
+          <a:latin typeface="+mj-lt"/>
+          <a:ea typeface="+mj-ea"/>
+          <a:cs typeface="+mj-cs"/>
+        </a:defRPr>
+      </a:lvl1pPr>
+    </p:titleStyle>
+    <p:bodyStyle>
+      <a:lvl1pPr marL="342900" indent="-342900" algn="l" defTabSz="914400" rtl="0" eaLnBrk="1" latinLnBrk="0" hangingPunct="1">
+        <a:spcBef>
+          <a:spcPct val="20000"/>
+        </a:spcBef>
+        <a:buFont typeface="Arial" pitchFamily="34" charset="0"/>
+        <a:buChar char="•"/>
+        <a:defRPr sz="3200" kern="1200">
+          <a:solidFill>
+            <a:schemeClr val="tx1"/>
+          </a:solidFill>
+          <a:latin typeface="+mn-lt"/>
+          <a:ea typeface="+mn-ea"/>
+          <a:cs typeface="+mn-cs"/>
+        </a:defRPr>
+      </a:lvl1pPr>
+      <a:lvl2pPr marL="742950" indent="-285750" algn="l" defTabSz="914400" rtl="0" eaLnBrk="1" latinLnBrk="0" hangingPunct="1">
+        <a:spcBef>
+          <a:spcPct val="20000"/>
+        </a:spcBef>
+        <a:buFont typeface="Arial" pitchFamily="34" charset="0"/>
+        <a:buChar char="–"/>
+        <a:defRPr sz="2800" kern="1200">
+          <a:solidFill>
+            <a:schemeClr val="tx1"/>
+          </a:solidFill>
+          <a:latin typeface="+mn-lt"/>
+          <a:ea typeface="+mn-ea"/>
+          <a:cs typeface="+mn-cs"/>
+        </a:defRPr>
+      </a:lvl2pPr>
+      <a:lvl3pPr marL="1143000" indent="-228600" algn="l" defTabSz="914400" rtl="0" eaLnBrk="1" latinLnBrk="0" hangingPunct="1">
+        <a:spcBef>
+          <a:spcPct val="20000"/>
+        </a:spcBef>
+        <a:buFont typeface="Arial" pitchFamily="34" charset="0"/>
+        <a:buChar char="•"/>
+        <a:defRPr sz="2400" kern="1200">
+          <a:solidFill>
+            <a:schemeClr val="tx1"/>
+          </a:solidFill>
+          <a:latin typeface="+mn-lt"/>
+          <a:ea typeface="+mn-ea"/>
+          <a:cs typeface="+mn-cs"/>
+        </a:defRPr>
+      </a:lvl3pPr>
+      <a:lvl4pPr marL="1600200" indent="-228600" algn="l" defTabSz="914400" rtl="0" eaLnBrk="1" latinLnBrk="0" hangingPunct="1">
+        <a:spcBef>
+          <a:spcPct val="20000"/>
+        </a:spcBef>
+        <a:buFont typeface="Arial" pitchFamily="34" charset="0"/>
+        <a:buChar char="–"/>
+        <a:defRPr sz="2000" kern="1200">
+          <a:solidFill>
+            <a:schemeClr val="tx1"/>
+          </a:solidFill>
+          <a:latin typeface="+mn-lt"/>
+          <a:ea typeface="+mn-ea"/>
+          <a:cs typeface="+mn-cs"/>
+        </a:defRPr>
+      </a:lvl4pPr>
+      <a:lvl5pPr marL="2057400" indent="-228600" algn="l" defTabSz="914400" rtl="0" eaLnBrk="1" latinLnBrk="0" hangingPunct="1">
+        <a:spcBef>
+          <a:spcPct val="20000"/>
+        </a:spcBef>
+        <a:buFont typeface="Arial" pitchFamily="34" charset="0"/>
+        <a:buChar char="»"/>
+        <a:defRPr sz="2000" kern="1200">
+          <a:solidFill>
+            <a:schemeClr val="tx1"/>
+          </a:solidFill>
+          <a:latin typeface="+mn-lt"/>
+          <a:ea typeface="+mn-ea"/>
+          <a:cs typeface="+mn-cs"/>
+        </a:defRPr>
+      </a:lvl5pPr>
+      <a:lvl6pPr marL="2514600" indent="-228600" algn="l" defTabSz="914400" rtl="0" eaLnBrk="1" latinLnBrk="0" hangingPunct="1">
+        <a:spcBef>
+          <a:spcPct val="20000"/>
+        </a:spcBef>
+        <a:buFont typeface="Arial" pitchFamily="34" charset="0"/>
+        <a:buChar char="•"/>
+        <a:defRPr sz="2000" kern="1200">
+          <a:solidFill>
+            <a:schemeClr val="tx1"/>
+          </a:solidFill>
+          <a:latin typeface="+mn-lt"/>
+          <a:ea typeface="+mn-ea"/>
+          <a:cs typeface="+mn-cs"/>
+        </a:defRPr>
+      </a:lvl6pPr>
+      <a:lvl7pPr marL="2971800" indent="-228600" algn="l" defTabSz="914400" rtl="0" eaLnBrk="1" latinLnBrk="0" hangingPunct="1">
+        <a:spcBef>
+          <a:spcPct val="20000"/>
+        </a:spcBef>
+        <a:buFont typeface="Arial" pitchFamily="34" charset="0"/>
+        <a:buChar char="•"/>
+        <a:defRPr sz="2000" kern="1200">
+          <a:solidFill>
+            <a:schemeClr val="tx1"/>
+          </a:solidFill>
+          <a:latin typeface="+mn-lt"/>
+          <a:ea typeface="+mn-ea"/>
+          <a:cs typeface="+mn-cs"/>
+        </a:defRPr>
+      </a:lvl7pPr>
+      <a:lvl8pPr marL="3429000" indent="-228600" algn="l" defTabSz="914400" rtl="0" eaLnBrk="1" latinLnBrk="0" hangingPunct="1">
+        <a:spcBef>
+          <a:spcPct val="20000"/>
+        </a:spcBef>
+        <a:buFont typeface="Arial" pitchFamily="34" charset="0"/>
+        <a:buChar char="•"/>
+        <a:defRPr sz="2000" kern="1200">
+          <a:solidFill>
+            <a:schemeClr val="tx1"/>
+          </a:solidFill>
+          <a:latin typeface="+mn-lt"/>
+          <a:ea typeface="+mn-ea"/>
+          <a:cs typeface="+mn-cs"/>
+        </a:defRPr>
+      </a:lvl8pPr>
+      <a:lvl9pPr marL="3886200" indent="-228600" algn="l" defTabSz="914400" rtl="0" eaLnBrk="1" latinLnBrk="0" hangingPunct="1">
+        <a:spcBef>
+          <a:spcPct val="20000"/>
+        </a:spcBef>
+        <a:buFont typeface="Arial" pitchFamily="34" charset="0"/>
+        <a:buChar char="•"/>
+        <a:defRPr sz="2000" kern="1200">
+          <a:solidFill>
+            <a:schemeClr val="tx1"/>
+          </a:solidFill>
+          <a:latin typeface="+mn-lt"/>
+          <a:ea typeface="+mn-ea"/>
+          <a:cs typeface="+mn-cs"/>
+        </a:defRPr>
+      </a:lvl9pPr>
+    </p:bodyStyle>
+    <p:otherStyle>
+      <a:defPPr>
+        <a:defRPr lang="ru-RU"/>
+      </a:defPPr>
+      <a:lvl1pPr marL="0" algn="l" defTabSz="914400" rtl="0" eaLnBrk="1" latinLnBrk="0" hangingPunct="1">
+        <a:defRPr sz="1800" kern="1200">
+          <a:solidFill>
+            <a:schemeClr val="tx1"/>
+          </a:solidFill>
+          <a:latin typeface="+mn-lt"/>
+          <a:ea typeface="+mn-ea"/>
+          <a:cs typeface="+mn-cs"/>
+        </a:defRPr>
+      </a:lvl1pPr>
+      <a:lvl2pPr marL="457200" algn="l" defTabSz="914400" rtl="0" eaLnBrk="1" latinLnBrk="0" hangingPunct="1">
+        <a:defRPr sz="1800" kern="1200">
+          <a:solidFill>
+            <a:schemeClr val="tx1"/>
+          </a:solidFill>
+          <a:latin typeface="+mn-lt"/>
+          <a:ea typeface="+mn-ea"/>
+          <a:cs typeface="+mn-cs"/>
+        </a:defRPr>
+      </a:lvl2pPr>
+      <a:lvl3pPr marL="914400" algn="l" defTabSz="914400" rtl="0" eaLnBrk="1" latinLnBrk="0" hangingPunct="1">
+        <a:defRPr sz="1800" kern="1200">
+          <a:solidFill>
+            <a:schemeClr val="tx1"/>
+          </a:solidFill>
+          <a:latin typeface="+mn-lt"/>
+          <a:ea typeface="+mn-ea"/>
+          <a:cs typeface="+mn-cs"/>
+        </a:defRPr>
+      </a:lvl3pPr>
+      <a:lvl4pPr marL="1371600" algn="l" defTabSz="914400" rtl="0" eaLnBrk="1" latinLnBrk="0" hangingPunct="1">
+        <a:defRPr sz="1800" kern="1200">
+          <a:solidFill>
+            <a:schemeClr val="tx1"/>
+          </a:solidFill>
+          <a:latin typeface="+mn-lt"/>
+          <a:ea typeface="+mn-ea"/>
+          <a:cs typeface="+mn-cs"/>
+        </a:defRPr>
+      </a:lvl4pPr>
+      <a:lvl5pPr marL="1828800" algn="l" defTabSz="914400" rtl="0" eaLnBrk="1" latinLnBrk="0" hangingPunct="1">
+        <a:defRPr sz="1800" kern="1200">
+          <a:solidFill>
+            <a:schemeClr val="tx1"/>
+          </a:solidFill>
+          <a:latin typeface="+mn-lt"/>
+          <a:ea typeface="+mn-ea"/>
+          <a:cs typeface="+mn-cs"/>
+        </a:defRPr>
+      </a:lvl5pPr>
+      <a:lvl6pPr marL="2286000" algn="l" defTabSz="914400" rtl="0" eaLnBrk="1" latinLnBrk="0" hangingPunct="1">
+        <a:defRPr sz="1800" kern="1200">
+          <a:solidFill>
+            <a:schemeClr val="tx1"/>
+          </a:solidFill>
+          <a:latin typeface="+mn-lt"/>
+          <a:ea typeface="+mn-ea"/>
+          <a:cs typeface="+mn-cs"/>
+        </a:defRPr>
+      </a:lvl6pPr>
+      <a:lvl7pPr marL="2743200" algn="l" defTabSz="914400" rtl="0" eaLnBrk="1" latinLnBrk="0" hangingPunct="1">
+        <a:defRPr sz="1800" kern="1200">
+          <a:solidFill>
+            <a:schemeClr val="tx1"/>
+          </a:solidFill>
+          <a:latin typeface="+mn-lt"/>
+          <a:ea typeface="+mn-ea"/>
+          <a:cs typeface="+mn-cs"/>
+        </a:defRPr>
+      </a:lvl7pPr>
+      <a:lvl8pPr marL="3200400" algn="l" defTabSz="914400" rtl="0" eaLnBrk="1" latinLnBrk="0" hangingPunct="1">
+        <a:defRPr sz="1800" kern="1200">
+          <a:solidFill>
+            <a:schemeClr val="tx1"/>
+          </a:solidFill>
+          <a:latin typeface="+mn-lt"/>
+          <a:ea typeface="+mn-ea"/>
+          <a:cs typeface="+mn-cs"/>
+        </a:defRPr>
+      </a:lvl8pPr>
+      <a:lvl9pPr marL="3657600" algn="l" defTabSz="914400" rtl="0" eaLnBrk="1" latinLnBrk="0" hangingPunct="1">
+        <a:defRPr sz="1800" kern="1200">
+          <a:solidFill>
+            <a:schemeClr val="tx1"/>
+          </a:solidFill>
+          <a:latin typeface="+mn-lt"/>
+          <a:ea typeface="+mn-ea"/>
+          <a:cs typeface="+mn-cs"/>
+        </a:defRPr>
+      </a:lvl9pPr>
+    </p:otherStyle>
+  </p:txStyles>
+</p:sldMaster>
+</file>
+
 <file path=ppt/slides/slide1.xml><?xml version="1.0" encoding="utf-8"?>
 <p:sld xmlns:a="http://schemas.openxmlformats.org/drawingml/2006/main" xmlns:r="http://schemas.openxmlformats.org/officeDocument/2006/relationships" xmlns:p="http://schemas.openxmlformats.org/presentationml/2006/main">
   <p:cSld>
@@ -3323,6 +5992,835 @@
 </file>
 
 <file path=ppt/slides/slide10.xml><?xml version="1.0" encoding="utf-8"?>
+<p:sld xmlns:a="http://schemas.openxmlformats.org/drawingml/2006/main" xmlns:r="http://schemas.openxmlformats.org/officeDocument/2006/relationships" xmlns:p="http://schemas.openxmlformats.org/presentationml/2006/main">
+  <p:cSld>
+    <p:spTree>
+      <p:nvGrpSpPr>
+        <p:cNvPr id="1" name=""/>
+        <p:cNvGrpSpPr/>
+        <p:nvPr/>
+      </p:nvGrpSpPr>
+      <p:grpSpPr>
+        <a:xfrm>
+          <a:off x="0" y="0"/>
+          <a:ext cx="0" cy="0"/>
+          <a:chOff x="0" y="0"/>
+          <a:chExt cx="0" cy="0"/>
+        </a:xfrm>
+      </p:grpSpPr>
+      <p:sp>
+        <p:nvSpPr>
+          <p:cNvPr id="2" name="Title 1"/>
+          <p:cNvSpPr>
+            <a:spLocks noGrp="1"/>
+          </p:cNvSpPr>
+          <p:nvPr>
+            <p:ph type="title"/>
+          </p:nvPr>
+        </p:nvSpPr>
+        <p:spPr/>
+        <p:txBody>
+          <a:bodyPr/>
+          <a:lstStyle/>
+          <a:p>
+            <a:r>
+              <a:rPr lang="ru-RU" dirty="0" smtClean="0"/>
+              <a:t>Кодировки текста</a:t>
+            </a:r>
+            <a:endParaRPr lang="ru-RU" dirty="0"/>
+          </a:p>
+        </p:txBody>
+      </p:sp>
+      <p:sp>
+        <p:nvSpPr>
+          <p:cNvPr id="3" name="Content Placeholder 2"/>
+          <p:cNvSpPr>
+            <a:spLocks noGrp="1"/>
+          </p:cNvSpPr>
+          <p:nvPr>
+            <p:ph idx="1"/>
+          </p:nvPr>
+        </p:nvSpPr>
+        <p:spPr/>
+        <p:txBody>
+          <a:bodyPr>
+            <a:normAutofit fontScale="70000" lnSpcReduction="20000"/>
+          </a:bodyPr>
+          <a:lstStyle/>
+          <a:p>
+            <a:pPr marL="0" indent="0">
+              <a:buNone/>
+            </a:pPr>
+            <a:r>
+              <a:rPr lang="ru-RU" dirty="0" smtClean="0"/>
+              <a:t>Под кодировкой понимается сопоставление символу числового кода. Это необходимо так как компьютер умеет оперировать только числами. Кодироки делятся на однобайтовые и многобайтовые. В однобайтовой кодировке можно представить не больше чем 256 символов, что зачастую лишает возможности иметь в одной строке символы из разных алфавитов. Многобайтовые кодировки, очевидно, способны представить гораздо больше символов.</a:t>
+            </a:r>
+          </a:p>
+          <a:p>
+            <a:pPr marL="0" indent="0">
+              <a:buNone/>
+            </a:pPr>
+            <a:r>
+              <a:rPr lang="ru-RU" dirty="0" smtClean="0"/>
+              <a:t>Примеры однобайтовых кодировок: </a:t>
+            </a:r>
+            <a:r>
+              <a:rPr lang="en-US" dirty="0" smtClean="0"/>
+              <a:t>windows-1251, koi8-r, dos866, ASCII (</a:t>
+            </a:r>
+            <a:r>
+              <a:rPr lang="ru-RU" dirty="0" smtClean="0"/>
+              <a:t>7-битовая кодировка).</a:t>
+            </a:r>
+          </a:p>
+          <a:p>
+            <a:pPr marL="0" indent="0">
+              <a:buNone/>
+            </a:pPr>
+            <a:r>
+              <a:rPr lang="ru-RU" dirty="0" smtClean="0"/>
+              <a:t>Примеры многобайтовых кодировок: семейство </a:t>
+            </a:r>
+            <a:r>
+              <a:rPr lang="en-US" dirty="0" smtClean="0"/>
+              <a:t>Unicode (UTF-8, UTF-16, UTF-32), GBK (</a:t>
+            </a:r>
+            <a:r>
+              <a:rPr lang="ru-RU" dirty="0" smtClean="0"/>
+              <a:t>китайский)</a:t>
+            </a:r>
+            <a:r>
+              <a:rPr lang="en-US" dirty="0"/>
+              <a:t>, </a:t>
+            </a:r>
+            <a:r>
+              <a:rPr lang="en-US" dirty="0" smtClean="0"/>
+              <a:t>ISO-2022-JP (</a:t>
+            </a:r>
+            <a:r>
+              <a:rPr lang="ru-RU" dirty="0" smtClean="0"/>
+              <a:t>японский) и другие.</a:t>
+            </a:r>
+          </a:p>
+          <a:p>
+            <a:pPr marL="0" indent="0">
+              <a:buNone/>
+            </a:pPr>
+            <a:r>
+              <a:rPr lang="ru-RU" dirty="0" smtClean="0"/>
+              <a:t>Самой популярной многобайтовой кодировкой является </a:t>
+            </a:r>
+            <a:r>
+              <a:rPr lang="en-US" dirty="0" smtClean="0"/>
+              <a:t>Unicode.</a:t>
+            </a:r>
+            <a:endParaRPr lang="ru-RU" dirty="0"/>
+          </a:p>
+        </p:txBody>
+      </p:sp>
+    </p:spTree>
+    <p:extLst>
+      <p:ext uri="{BB962C8B-B14F-4D97-AF65-F5344CB8AC3E}">
+        <p14:creationId xmlns:p14="http://schemas.microsoft.com/office/powerpoint/2010/main" val="3512071977"/>
+      </p:ext>
+    </p:extLst>
+  </p:cSld>
+  <p:clrMapOvr>
+    <a:masterClrMapping/>
+  </p:clrMapOvr>
+  <p:timing>
+    <p:tnLst>
+      <p:par>
+        <p:cTn id="1" dur="indefinite" restart="never" nodeType="tmRoot"/>
+      </p:par>
+    </p:tnLst>
+  </p:timing>
+</p:sld>
+</file>
+
+<file path=ppt/slides/slide11.xml><?xml version="1.0" encoding="utf-8"?>
+<p:sld xmlns:a="http://schemas.openxmlformats.org/drawingml/2006/main" xmlns:r="http://schemas.openxmlformats.org/officeDocument/2006/relationships" xmlns:p="http://schemas.openxmlformats.org/presentationml/2006/main">
+  <p:cSld>
+    <p:spTree>
+      <p:nvGrpSpPr>
+        <p:cNvPr id="1" name=""/>
+        <p:cNvGrpSpPr/>
+        <p:nvPr/>
+      </p:nvGrpSpPr>
+      <p:grpSpPr>
+        <a:xfrm>
+          <a:off x="0" y="0"/>
+          <a:ext cx="0" cy="0"/>
+          <a:chOff x="0" y="0"/>
+          <a:chExt cx="0" cy="0"/>
+        </a:xfrm>
+      </p:grpSpPr>
+      <p:sp>
+        <p:nvSpPr>
+          <p:cNvPr id="2" name="Title 1"/>
+          <p:cNvSpPr>
+            <a:spLocks noGrp="1"/>
+          </p:cNvSpPr>
+          <p:nvPr>
+            <p:ph type="title"/>
+          </p:nvPr>
+        </p:nvSpPr>
+        <p:spPr/>
+        <p:txBody>
+          <a:bodyPr/>
+          <a:lstStyle/>
+          <a:p>
+            <a:r>
+              <a:rPr lang="ru-RU" dirty="0" smtClean="0"/>
+              <a:t>Кодировки текста</a:t>
+            </a:r>
+            <a:endParaRPr lang="ru-RU" dirty="0"/>
+          </a:p>
+        </p:txBody>
+      </p:sp>
+      <p:grpSp>
+        <p:nvGrpSpPr>
+          <p:cNvPr id="6" name="Group 5"/>
+          <p:cNvGrpSpPr/>
+          <p:nvPr/>
+        </p:nvGrpSpPr>
+        <p:grpSpPr>
+          <a:xfrm>
+            <a:off x="1707356" y="1699068"/>
+            <a:ext cx="5729288" cy="3459864"/>
+            <a:chOff x="1707356" y="1405030"/>
+            <a:chExt cx="5729288" cy="3459864"/>
+          </a:xfrm>
+        </p:grpSpPr>
+        <p:pic>
+          <p:nvPicPr>
+            <p:cNvPr id="1026" name="Picture 2" descr="http://czyborra.com/charsets/koi8-r.gif"/>
+            <p:cNvPicPr>
+              <a:picLocks noChangeAspect="1" noChangeArrowheads="1"/>
+            </p:cNvPicPr>
+            <p:nvPr/>
+          </p:nvPicPr>
+          <p:blipFill>
+            <a:blip r:embed="rId2">
+              <a:extLst>
+                <a:ext uri="{28A0092B-C50C-407E-A947-70E740481C1C}">
+                  <a14:useLocalDpi xmlns:a14="http://schemas.microsoft.com/office/drawing/2010/main" val="0"/>
+                </a:ext>
+              </a:extLst>
+            </a:blip>
+            <a:srcRect/>
+            <a:stretch>
+              <a:fillRect/>
+            </a:stretch>
+          </p:blipFill>
+          <p:spPr bwMode="auto">
+            <a:xfrm>
+              <a:off x="1707356" y="1993106"/>
+              <a:ext cx="5729288" cy="2871788"/>
+            </a:xfrm>
+            <a:prstGeom prst="rect">
+              <a:avLst/>
+            </a:prstGeom>
+            <a:noFill/>
+            <a:extLst>
+              <a:ext uri="{909E8E84-426E-40DD-AFC4-6F175D3DCCD1}">
+                <a14:hiddenFill xmlns:a14="http://schemas.microsoft.com/office/drawing/2010/main">
+                  <a:solidFill>
+                    <a:srgbClr val="FFFFFF"/>
+                  </a:solidFill>
+                </a14:hiddenFill>
+              </a:ext>
+            </a:extLst>
+          </p:spPr>
+        </p:pic>
+        <p:sp>
+          <p:nvSpPr>
+            <p:cNvPr id="5" name="TextBox 4"/>
+            <p:cNvSpPr txBox="1"/>
+            <p:nvPr/>
+          </p:nvSpPr>
+          <p:spPr>
+            <a:xfrm>
+              <a:off x="1707356" y="1405030"/>
+              <a:ext cx="5729288" cy="584775"/>
+            </a:xfrm>
+            <a:prstGeom prst="rect">
+              <a:avLst/>
+            </a:prstGeom>
+            <a:noFill/>
+          </p:spPr>
+          <p:txBody>
+            <a:bodyPr wrap="square" rtlCol="0">
+              <a:spAutoFit/>
+            </a:bodyPr>
+            <a:lstStyle/>
+            <a:p>
+              <a:pPr algn="ctr"/>
+              <a:r>
+                <a:rPr lang="en-US" sz="3200" dirty="0" smtClean="0"/>
+                <a:t>KOI8-R </a:t>
+              </a:r>
+              <a:r>
+                <a:rPr lang="ru-RU" sz="3200" dirty="0" smtClean="0"/>
+                <a:t>(верхняя часть)</a:t>
+              </a:r>
+              <a:endParaRPr lang="ru-RU" sz="3200" dirty="0" smtClean="0"/>
+            </a:p>
+          </p:txBody>
+        </p:sp>
+      </p:grpSp>
+      <p:grpSp>
+        <p:nvGrpSpPr>
+          <p:cNvPr id="8" name="Group 7"/>
+          <p:cNvGrpSpPr/>
+          <p:nvPr/>
+        </p:nvGrpSpPr>
+        <p:grpSpPr>
+          <a:xfrm>
+            <a:off x="1707356" y="1704204"/>
+            <a:ext cx="5729288" cy="3449592"/>
+            <a:chOff x="1707356" y="1699068"/>
+            <a:chExt cx="5729288" cy="3449592"/>
+          </a:xfrm>
+        </p:grpSpPr>
+        <p:sp>
+          <p:nvSpPr>
+            <p:cNvPr id="9" name="TextBox 8"/>
+            <p:cNvSpPr txBox="1"/>
+            <p:nvPr/>
+          </p:nvSpPr>
+          <p:spPr>
+            <a:xfrm>
+              <a:off x="1707356" y="1699068"/>
+              <a:ext cx="5729288" cy="584775"/>
+            </a:xfrm>
+            <a:prstGeom prst="rect">
+              <a:avLst/>
+            </a:prstGeom>
+            <a:noFill/>
+          </p:spPr>
+          <p:txBody>
+            <a:bodyPr wrap="square" rtlCol="0">
+              <a:spAutoFit/>
+            </a:bodyPr>
+            <a:lstStyle/>
+            <a:p>
+              <a:pPr algn="ctr"/>
+              <a:r>
+                <a:rPr lang="en-US" sz="3200" dirty="0" smtClean="0"/>
+                <a:t>Windows-1251</a:t>
+              </a:r>
+              <a:r>
+                <a:rPr lang="en-US" sz="3200" dirty="0" smtClean="0"/>
+                <a:t> </a:t>
+              </a:r>
+              <a:r>
+                <a:rPr lang="ru-RU" sz="3200" dirty="0" smtClean="0"/>
+                <a:t>(верхняя часть)</a:t>
+              </a:r>
+              <a:endParaRPr lang="ru-RU" sz="3200" dirty="0" smtClean="0"/>
+            </a:p>
+          </p:txBody>
+        </p:sp>
+        <p:pic>
+          <p:nvPicPr>
+            <p:cNvPr id="10" name="Picture 2" descr="http://czyborra.com/charsets/cp1251.gif"/>
+            <p:cNvPicPr>
+              <a:picLocks noChangeAspect="1" noChangeArrowheads="1"/>
+            </p:cNvPicPr>
+            <p:nvPr/>
+          </p:nvPicPr>
+          <p:blipFill>
+            <a:blip r:embed="rId3">
+              <a:extLst>
+                <a:ext uri="{28A0092B-C50C-407E-A947-70E740481C1C}">
+                  <a14:useLocalDpi xmlns:a14="http://schemas.microsoft.com/office/drawing/2010/main" val="0"/>
+                </a:ext>
+              </a:extLst>
+            </a:blip>
+            <a:srcRect/>
+            <a:stretch>
+              <a:fillRect/>
+            </a:stretch>
+          </p:blipFill>
+          <p:spPr bwMode="auto">
+            <a:xfrm>
+              <a:off x="1707356" y="2276872"/>
+              <a:ext cx="5729288" cy="2871788"/>
+            </a:xfrm>
+            <a:prstGeom prst="rect">
+              <a:avLst/>
+            </a:prstGeom>
+            <a:noFill/>
+            <a:extLst>
+              <a:ext uri="{909E8E84-426E-40DD-AFC4-6F175D3DCCD1}">
+                <a14:hiddenFill xmlns:a14="http://schemas.microsoft.com/office/drawing/2010/main">
+                  <a:solidFill>
+                    <a:srgbClr val="FFFFFF"/>
+                  </a:solidFill>
+                </a14:hiddenFill>
+              </a:ext>
+            </a:extLst>
+          </p:spPr>
+        </p:pic>
+      </p:grpSp>
+      <p:grpSp>
+        <p:nvGrpSpPr>
+          <p:cNvPr id="11" name="Group 10"/>
+          <p:cNvGrpSpPr/>
+          <p:nvPr/>
+        </p:nvGrpSpPr>
+        <p:grpSpPr>
+          <a:xfrm>
+            <a:off x="1707356" y="1706772"/>
+            <a:ext cx="5729288" cy="3444456"/>
+            <a:chOff x="1707356" y="1704204"/>
+            <a:chExt cx="5729288" cy="3444456"/>
+          </a:xfrm>
+        </p:grpSpPr>
+        <p:sp>
+          <p:nvSpPr>
+            <p:cNvPr id="12" name="TextBox 11"/>
+            <p:cNvSpPr txBox="1"/>
+            <p:nvPr/>
+          </p:nvSpPr>
+          <p:spPr>
+            <a:xfrm>
+              <a:off x="1707356" y="1704204"/>
+              <a:ext cx="5729288" cy="584775"/>
+            </a:xfrm>
+            <a:prstGeom prst="rect">
+              <a:avLst/>
+            </a:prstGeom>
+            <a:noFill/>
+          </p:spPr>
+          <p:txBody>
+            <a:bodyPr wrap="square" rtlCol="0">
+              <a:spAutoFit/>
+            </a:bodyPr>
+            <a:lstStyle/>
+            <a:p>
+              <a:pPr algn="ctr"/>
+              <a:r>
+                <a:rPr lang="en-US" sz="3200" dirty="0" smtClean="0"/>
+                <a:t>ASCII</a:t>
+              </a:r>
+              <a:endParaRPr lang="ru-RU" sz="3200" dirty="0" smtClean="0"/>
+            </a:p>
+          </p:txBody>
+        </p:sp>
+        <p:pic>
+          <p:nvPicPr>
+            <p:cNvPr id="13" name="Picture 4" descr="http://czyborra.com/charsets/iso646-us.gif"/>
+            <p:cNvPicPr>
+              <a:picLocks noChangeAspect="1" noChangeArrowheads="1"/>
+            </p:cNvPicPr>
+            <p:nvPr/>
+          </p:nvPicPr>
+          <p:blipFill>
+            <a:blip r:embed="rId4">
+              <a:extLst>
+                <a:ext uri="{28A0092B-C50C-407E-A947-70E740481C1C}">
+                  <a14:useLocalDpi xmlns:a14="http://schemas.microsoft.com/office/drawing/2010/main" val="0"/>
+                </a:ext>
+              </a:extLst>
+            </a:blip>
+            <a:srcRect/>
+            <a:stretch>
+              <a:fillRect/>
+            </a:stretch>
+          </p:blipFill>
+          <p:spPr bwMode="auto">
+            <a:xfrm>
+              <a:off x="1707356" y="2276872"/>
+              <a:ext cx="5729288" cy="2871788"/>
+            </a:xfrm>
+            <a:prstGeom prst="rect">
+              <a:avLst/>
+            </a:prstGeom>
+            <a:noFill/>
+            <a:extLst>
+              <a:ext uri="{909E8E84-426E-40DD-AFC4-6F175D3DCCD1}">
+                <a14:hiddenFill xmlns:a14="http://schemas.microsoft.com/office/drawing/2010/main">
+                  <a:solidFill>
+                    <a:srgbClr val="FFFFFF"/>
+                  </a:solidFill>
+                </a14:hiddenFill>
+              </a:ext>
+            </a:extLst>
+          </p:spPr>
+        </p:pic>
+      </p:grpSp>
+      <p:grpSp>
+        <p:nvGrpSpPr>
+          <p:cNvPr id="14" name="Group 13"/>
+          <p:cNvGrpSpPr/>
+          <p:nvPr/>
+        </p:nvGrpSpPr>
+        <p:grpSpPr>
+          <a:xfrm>
+            <a:off x="1707356" y="1196752"/>
+            <a:ext cx="5729288" cy="5322628"/>
+            <a:chOff x="1707356" y="1706772"/>
+            <a:chExt cx="5729288" cy="5322628"/>
+          </a:xfrm>
+        </p:grpSpPr>
+        <p:pic>
+          <p:nvPicPr>
+            <p:cNvPr id="15" name="Picture 6" descr="http://czyborra.com/charsets/u-0400.gif"/>
+            <p:cNvPicPr>
+              <a:picLocks noChangeAspect="1" noChangeArrowheads="1"/>
+            </p:cNvPicPr>
+            <p:nvPr/>
+          </p:nvPicPr>
+          <p:blipFill>
+            <a:blip r:embed="rId5">
+              <a:extLst>
+                <a:ext uri="{28A0092B-C50C-407E-A947-70E740481C1C}">
+                  <a14:useLocalDpi xmlns:a14="http://schemas.microsoft.com/office/drawing/2010/main" val="0"/>
+                </a:ext>
+              </a:extLst>
+            </a:blip>
+            <a:srcRect/>
+            <a:stretch>
+              <a:fillRect/>
+            </a:stretch>
+          </p:blipFill>
+          <p:spPr bwMode="auto">
+            <a:xfrm>
+              <a:off x="2184797" y="2254994"/>
+              <a:ext cx="4774406" cy="4774406"/>
+            </a:xfrm>
+            <a:prstGeom prst="rect">
+              <a:avLst/>
+            </a:prstGeom>
+            <a:noFill/>
+            <a:extLst>
+              <a:ext uri="{909E8E84-426E-40DD-AFC4-6F175D3DCCD1}">
+                <a14:hiddenFill xmlns:a14="http://schemas.microsoft.com/office/drawing/2010/main">
+                  <a:solidFill>
+                    <a:srgbClr val="FFFFFF"/>
+                  </a:solidFill>
+                </a14:hiddenFill>
+              </a:ext>
+            </a:extLst>
+          </p:spPr>
+        </p:pic>
+        <p:sp>
+          <p:nvSpPr>
+            <p:cNvPr id="16" name="TextBox 15"/>
+            <p:cNvSpPr txBox="1"/>
+            <p:nvPr/>
+          </p:nvSpPr>
+          <p:spPr>
+            <a:xfrm>
+              <a:off x="1707356" y="1706772"/>
+              <a:ext cx="5729288" cy="584775"/>
+            </a:xfrm>
+            <a:prstGeom prst="rect">
+              <a:avLst/>
+            </a:prstGeom>
+            <a:noFill/>
+          </p:spPr>
+          <p:txBody>
+            <a:bodyPr wrap="square" rtlCol="0">
+              <a:spAutoFit/>
+            </a:bodyPr>
+            <a:lstStyle/>
+            <a:p>
+              <a:pPr algn="ctr"/>
+              <a:r>
+                <a:rPr lang="en-US" sz="3200" dirty="0" smtClean="0"/>
+                <a:t>Unicode</a:t>
+              </a:r>
+              <a:endParaRPr lang="ru-RU" sz="3200" dirty="0" smtClean="0"/>
+            </a:p>
+          </p:txBody>
+        </p:sp>
+      </p:grpSp>
+    </p:spTree>
+    <p:extLst>
+      <p:ext uri="{BB962C8B-B14F-4D97-AF65-F5344CB8AC3E}">
+        <p14:creationId xmlns:p14="http://schemas.microsoft.com/office/powerpoint/2010/main" val="690914939"/>
+      </p:ext>
+    </p:extLst>
+  </p:cSld>
+  <p:clrMapOvr>
+    <a:masterClrMapping/>
+  </p:clrMapOvr>
+  <mc:AlternateContent xmlns:mc="http://schemas.openxmlformats.org/markup-compatibility/2006">
+    <mc:Choice xmlns:p14="http://schemas.microsoft.com/office/powerpoint/2010/main" Requires="p14">
+      <p:transition p14:dur="10"/>
+    </mc:Choice>
+    <mc:Fallback>
+      <p:transition/>
+    </mc:Fallback>
+  </mc:AlternateContent>
+  <p:timing>
+    <p:tnLst>
+      <p:par>
+        <p:cTn id="1" dur="indefinite" restart="never" nodeType="tmRoot">
+          <p:childTnLst>
+            <p:seq concurrent="1" nextAc="seek">
+              <p:cTn id="2" dur="indefinite" nodeType="mainSeq">
+                <p:childTnLst>
+                  <p:par>
+                    <p:cTn id="3" fill="hold">
+                      <p:stCondLst>
+                        <p:cond delay="indefinite"/>
+                        <p:cond evt="onBegin" delay="0">
+                          <p:tn val="2"/>
+                        </p:cond>
+                      </p:stCondLst>
+                      <p:childTnLst>
+                        <p:par>
+                          <p:cTn id="4" fill="hold">
+                            <p:stCondLst>
+                              <p:cond delay="0"/>
+                            </p:stCondLst>
+                            <p:childTnLst>
+                              <p:par>
+                                <p:cTn id="5" presetID="1" presetClass="entr" presetSubtype="0" fill="hold" nodeType="withEffect">
+                                  <p:stCondLst>
+                                    <p:cond delay="0"/>
+                                  </p:stCondLst>
+                                  <p:childTnLst>
+                                    <p:set>
+                                      <p:cBhvr>
+                                        <p:cTn id="6" dur="1" fill="hold">
+                                          <p:stCondLst>
+                                            <p:cond delay="0"/>
+                                          </p:stCondLst>
+                                        </p:cTn>
+                                        <p:tgtEl>
+                                          <p:spTgt spid="6"/>
+                                        </p:tgtEl>
+                                        <p:attrNameLst>
+                                          <p:attrName>style.visibility</p:attrName>
+                                        </p:attrNameLst>
+                                      </p:cBhvr>
+                                      <p:to>
+                                        <p:strVal val="visible"/>
+                                      </p:to>
+                                    </p:set>
+                                  </p:childTnLst>
+                                  <p:subTnLst>
+                                    <p:set>
+                                      <p:cBhvr override="childStyle">
+                                        <p:cTn dur="1" fill="hold" display="0" masterRel="nextClick" afterEffect="1"/>
+                                        <p:tgtEl>
+                                          <p:spTgt spid="6"/>
+                                        </p:tgtEl>
+                                        <p:attrNameLst>
+                                          <p:attrName>style.visibility</p:attrName>
+                                        </p:attrNameLst>
+                                      </p:cBhvr>
+                                      <p:to>
+                                        <p:strVal val="hidden"/>
+                                      </p:to>
+                                    </p:set>
+                                  </p:subTnLst>
+                                </p:cTn>
+                              </p:par>
+                            </p:childTnLst>
+                          </p:cTn>
+                        </p:par>
+                      </p:childTnLst>
+                    </p:cTn>
+                  </p:par>
+                  <p:par>
+                    <p:cTn id="7" fill="hold">
+                      <p:stCondLst>
+                        <p:cond delay="indefinite"/>
+                      </p:stCondLst>
+                      <p:childTnLst>
+                        <p:par>
+                          <p:cTn id="8" fill="hold">
+                            <p:stCondLst>
+                              <p:cond delay="0"/>
+                            </p:stCondLst>
+                            <p:childTnLst>
+                              <p:par>
+                                <p:cTn id="9" presetID="1" presetClass="entr" presetSubtype="0" fill="hold" nodeType="clickEffect">
+                                  <p:stCondLst>
+                                    <p:cond delay="0"/>
+                                  </p:stCondLst>
+                                  <p:childTnLst>
+                                    <p:set>
+                                      <p:cBhvr>
+                                        <p:cTn id="10" dur="1" fill="hold">
+                                          <p:stCondLst>
+                                            <p:cond delay="0"/>
+                                          </p:stCondLst>
+                                        </p:cTn>
+                                        <p:tgtEl>
+                                          <p:spTgt spid="8"/>
+                                        </p:tgtEl>
+                                        <p:attrNameLst>
+                                          <p:attrName>style.visibility</p:attrName>
+                                        </p:attrNameLst>
+                                      </p:cBhvr>
+                                      <p:to>
+                                        <p:strVal val="visible"/>
+                                      </p:to>
+                                    </p:set>
+                                  </p:childTnLst>
+                                  <p:subTnLst>
+                                    <p:set>
+                                      <p:cBhvr override="childStyle">
+                                        <p:cTn dur="1" fill="hold" display="0" masterRel="nextClick" afterEffect="1"/>
+                                        <p:tgtEl>
+                                          <p:spTgt spid="8"/>
+                                        </p:tgtEl>
+                                        <p:attrNameLst>
+                                          <p:attrName>style.visibility</p:attrName>
+                                        </p:attrNameLst>
+                                      </p:cBhvr>
+                                      <p:to>
+                                        <p:strVal val="hidden"/>
+                                      </p:to>
+                                    </p:set>
+                                  </p:subTnLst>
+                                </p:cTn>
+                              </p:par>
+                            </p:childTnLst>
+                          </p:cTn>
+                        </p:par>
+                      </p:childTnLst>
+                    </p:cTn>
+                  </p:par>
+                  <p:par>
+                    <p:cTn id="11" fill="hold">
+                      <p:stCondLst>
+                        <p:cond delay="indefinite"/>
+                      </p:stCondLst>
+                      <p:childTnLst>
+                        <p:par>
+                          <p:cTn id="12" fill="hold">
+                            <p:stCondLst>
+                              <p:cond delay="0"/>
+                            </p:stCondLst>
+                            <p:childTnLst>
+                              <p:par>
+                                <p:cTn id="13" presetID="1" presetClass="entr" presetSubtype="0" fill="hold" nodeType="clickEffect">
+                                  <p:stCondLst>
+                                    <p:cond delay="0"/>
+                                  </p:stCondLst>
+                                  <p:childTnLst>
+                                    <p:set>
+                                      <p:cBhvr>
+                                        <p:cTn id="14" dur="1" fill="hold">
+                                          <p:stCondLst>
+                                            <p:cond delay="0"/>
+                                          </p:stCondLst>
+                                        </p:cTn>
+                                        <p:tgtEl>
+                                          <p:spTgt spid="11"/>
+                                        </p:tgtEl>
+                                        <p:attrNameLst>
+                                          <p:attrName>style.visibility</p:attrName>
+                                        </p:attrNameLst>
+                                      </p:cBhvr>
+                                      <p:to>
+                                        <p:strVal val="visible"/>
+                                      </p:to>
+                                    </p:set>
+                                  </p:childTnLst>
+                                  <p:subTnLst>
+                                    <p:set>
+                                      <p:cBhvr override="childStyle">
+                                        <p:cTn dur="1" fill="hold" display="0" masterRel="nextClick" afterEffect="1"/>
+                                        <p:tgtEl>
+                                          <p:spTgt spid="11"/>
+                                        </p:tgtEl>
+                                        <p:attrNameLst>
+                                          <p:attrName>style.visibility</p:attrName>
+                                        </p:attrNameLst>
+                                      </p:cBhvr>
+                                      <p:to>
+                                        <p:strVal val="hidden"/>
+                                      </p:to>
+                                    </p:set>
+                                  </p:subTnLst>
+                                </p:cTn>
+                              </p:par>
+                            </p:childTnLst>
+                          </p:cTn>
+                        </p:par>
+                      </p:childTnLst>
+                    </p:cTn>
+                  </p:par>
+                  <p:par>
+                    <p:cTn id="15" fill="hold">
+                      <p:stCondLst>
+                        <p:cond delay="indefinite"/>
+                      </p:stCondLst>
+                      <p:childTnLst>
+                        <p:par>
+                          <p:cTn id="16" fill="hold">
+                            <p:stCondLst>
+                              <p:cond delay="0"/>
+                            </p:stCondLst>
+                            <p:childTnLst>
+                              <p:par>
+                                <p:cTn id="17" presetID="1" presetClass="entr" presetSubtype="0" fill="hold" nodeType="clickEffect">
+                                  <p:stCondLst>
+                                    <p:cond delay="0"/>
+                                  </p:stCondLst>
+                                  <p:childTnLst>
+                                    <p:set>
+                                      <p:cBhvr>
+                                        <p:cTn id="18" dur="1" fill="hold">
+                                          <p:stCondLst>
+                                            <p:cond delay="0"/>
+                                          </p:stCondLst>
+                                        </p:cTn>
+                                        <p:tgtEl>
+                                          <p:spTgt spid="14"/>
+                                        </p:tgtEl>
+                                        <p:attrNameLst>
+                                          <p:attrName>style.visibility</p:attrName>
+                                        </p:attrNameLst>
+                                      </p:cBhvr>
+                                      <p:to>
+                                        <p:strVal val="visible"/>
+                                      </p:to>
+                                    </p:set>
+                                  </p:childTnLst>
+                                </p:cTn>
+                              </p:par>
+                            </p:childTnLst>
+                          </p:cTn>
+                        </p:par>
+                      </p:childTnLst>
+                    </p:cTn>
+                  </p:par>
+                </p:childTnLst>
+              </p:cTn>
+              <p:prevCondLst>
+                <p:cond evt="onPrev" delay="0">
+                  <p:tgtEl>
+                    <p:sldTgt/>
+                  </p:tgtEl>
+                </p:cond>
+              </p:prevCondLst>
+              <p:nextCondLst>
+                <p:cond evt="onNext" delay="0">
+                  <p:tgtEl>
+                    <p:sldTgt/>
+                  </p:tgtEl>
+                </p:cond>
+              </p:nextCondLst>
+            </p:seq>
+          </p:childTnLst>
+        </p:cTn>
+      </p:par>
+    </p:tnLst>
+  </p:timing>
+</p:sld>
+</file>
+
+<file path=ppt/slides/slide12.xml><?xml version="1.0" encoding="utf-8"?>
 <p:sld xmlns:a="http://schemas.openxmlformats.org/drawingml/2006/main" xmlns:r="http://schemas.openxmlformats.org/officeDocument/2006/relationships" xmlns:p="http://schemas.openxmlformats.org/presentationml/2006/main">
   <p:cSld>
     <p:bg>
@@ -4389,7 +7887,7 @@
 </p:sld>
 </file>
 
-<file path=ppt/slides/slide11.xml><?xml version="1.0" encoding="utf-8"?>
+<file path=ppt/slides/slide13.xml><?xml version="1.0" encoding="utf-8"?>
 <p:sld xmlns:a="http://schemas.openxmlformats.org/drawingml/2006/main" xmlns:r="http://schemas.openxmlformats.org/officeDocument/2006/relationships" xmlns:p="http://schemas.openxmlformats.org/presentationml/2006/main">
   <p:cSld>
     <p:bg>
@@ -6676,7 +10174,7 @@
 </p:sld>
 </file>
 
-<file path=ppt/slides/slide12.xml><?xml version="1.0" encoding="utf-8"?>
+<file path=ppt/slides/slide14.xml><?xml version="1.0" encoding="utf-8"?>
 <p:sld xmlns:a="http://schemas.openxmlformats.org/drawingml/2006/main" xmlns:r="http://schemas.openxmlformats.org/officeDocument/2006/relationships" xmlns:p="http://schemas.openxmlformats.org/presentationml/2006/main">
   <p:cSld>
     <p:bg>
@@ -7697,7 +11195,7 @@
 </p:sld>
 </file>
 
-<file path=ppt/slides/slide13.xml><?xml version="1.0" encoding="utf-8"?>
+<file path=ppt/slides/slide15.xml><?xml version="1.0" encoding="utf-8"?>
 <p:sld xmlns:a="http://schemas.openxmlformats.org/drawingml/2006/main" xmlns:r="http://schemas.openxmlformats.org/officeDocument/2006/relationships" xmlns:p="http://schemas.openxmlformats.org/presentationml/2006/main">
   <p:cSld>
     <p:bg>
@@ -7857,8 +11355,8 @@
         </p:nvSpPr>
         <p:spPr bwMode="auto">
           <a:xfrm>
-            <a:off x="228600" y="2362865"/>
-            <a:ext cx="8763000" cy="2554545"/>
+            <a:off x="228600" y="2116644"/>
+            <a:ext cx="8763000" cy="3046988"/>
           </a:xfrm>
           <a:prstGeom prst="rect">
             <a:avLst/>
@@ -7885,7 +11383,7 @@
           <a:lstStyle/>
           <a:p>
             <a:r>
-              <a:rPr lang="en-US" sz="1000" dirty="0">
+              <a:rPr lang="en-US" sz="1200" dirty="0">
                 <a:solidFill>
                   <a:srgbClr val="0000FF"/>
                 </a:solidFill>
@@ -7894,7 +11392,7 @@
               <a:t>string</a:t>
             </a:r>
             <a:r>
-              <a:rPr lang="en-US" sz="1000" dirty="0">
+              <a:rPr lang="en-US" sz="1200" dirty="0">
                 <a:solidFill>
                   <a:prstClr val="black"/>
                 </a:solidFill>
@@ -7903,7 +11401,7 @@
               <a:t> </a:t>
             </a:r>
             <a:r>
-              <a:rPr lang="en-US" sz="1000" dirty="0" err="1">
+              <a:rPr lang="en-US" sz="1200" dirty="0" err="1">
                 <a:solidFill>
                   <a:prstClr val="black"/>
                 </a:solidFill>
@@ -7912,7 +11410,7 @@
               <a:t>fileName</a:t>
             </a:r>
             <a:r>
-              <a:rPr lang="en-US" sz="1000" dirty="0">
+              <a:rPr lang="en-US" sz="1200" dirty="0">
                 <a:solidFill>
                   <a:prstClr val="black"/>
                 </a:solidFill>
@@ -7921,7 +11419,7 @@
               <a:t> = </a:t>
             </a:r>
             <a:r>
-              <a:rPr lang="en-US" sz="1000" dirty="0" err="1">
+              <a:rPr lang="en-US" sz="1200" dirty="0" err="1">
                 <a:solidFill>
                   <a:srgbClr val="2B91AF"/>
                 </a:solidFill>
@@ -7930,7 +11428,7 @@
               <a:t>Guid</a:t>
             </a:r>
             <a:r>
-              <a:rPr lang="en-US" sz="1000" dirty="0" err="1">
+              <a:rPr lang="en-US" sz="1200" dirty="0" err="1">
                 <a:solidFill>
                   <a:prstClr val="black"/>
                 </a:solidFill>
@@ -7939,7 +11437,7 @@
               <a:t>.NewGuid</a:t>
             </a:r>
             <a:r>
-              <a:rPr lang="en-US" sz="1000" dirty="0">
+              <a:rPr lang="en-US" sz="1200" dirty="0">
                 <a:solidFill>
                   <a:prstClr val="black"/>
                 </a:solidFill>
@@ -7948,7 +11446,7 @@
               <a:t>().</a:t>
             </a:r>
             <a:r>
-              <a:rPr lang="en-US" sz="1000" dirty="0" err="1">
+              <a:rPr lang="en-US" sz="1200" dirty="0" err="1">
                 <a:solidFill>
                   <a:prstClr val="black"/>
                 </a:solidFill>
@@ -7957,7 +11455,7 @@
               <a:t>ToString</a:t>
             </a:r>
             <a:r>
-              <a:rPr lang="en-US" sz="1000" dirty="0">
+              <a:rPr lang="en-US" sz="1200" dirty="0">
                 <a:solidFill>
                   <a:prstClr val="black"/>
                 </a:solidFill>
@@ -7966,7 +11464,7 @@
               <a:t>() + </a:t>
             </a:r>
             <a:r>
-              <a:rPr lang="en-US" sz="1000" dirty="0">
+              <a:rPr lang="en-US" sz="1200" dirty="0">
                 <a:solidFill>
                   <a:srgbClr val="A31515"/>
                 </a:solidFill>
@@ -7975,7 +11473,7 @@
               <a:t>".txt"</a:t>
             </a:r>
             <a:r>
-              <a:rPr lang="en-US" sz="1000" dirty="0">
+              <a:rPr lang="en-US" sz="1200" dirty="0">
                 <a:solidFill>
                   <a:prstClr val="black"/>
                 </a:solidFill>
@@ -7986,7 +11484,7 @@
           </a:p>
           <a:p>
             <a:r>
-              <a:rPr lang="en-US" sz="1000" dirty="0">
+              <a:rPr lang="en-US" sz="1200" dirty="0">
                 <a:solidFill>
                   <a:srgbClr val="0000FF"/>
                 </a:solidFill>
@@ -7995,7 +11493,7 @@
               <a:t>string</a:t>
             </a:r>
             <a:r>
-              <a:rPr lang="en-US" sz="1000" dirty="0">
+              <a:rPr lang="en-US" sz="1200" dirty="0">
                 <a:solidFill>
                   <a:prstClr val="black"/>
                 </a:solidFill>
@@ -8004,7 +11502,7 @@
               <a:t> </a:t>
             </a:r>
             <a:r>
-              <a:rPr lang="en-US" sz="1000" dirty="0" err="1">
+              <a:rPr lang="en-US" sz="1200" dirty="0" err="1">
                 <a:solidFill>
                   <a:prstClr val="black"/>
                 </a:solidFill>
@@ -8013,7 +11511,7 @@
               <a:t>filePath</a:t>
             </a:r>
             <a:r>
-              <a:rPr lang="en-US" sz="1000" dirty="0">
+              <a:rPr lang="en-US" sz="1200" dirty="0">
                 <a:solidFill>
                   <a:prstClr val="black"/>
                 </a:solidFill>
@@ -8022,7 +11520,7 @@
               <a:t> = </a:t>
             </a:r>
             <a:r>
-              <a:rPr lang="en-US" sz="1000" dirty="0" err="1">
+              <a:rPr lang="en-US" sz="1200" dirty="0" err="1">
                 <a:solidFill>
                   <a:srgbClr val="2B91AF"/>
                 </a:solidFill>
@@ -8031,7 +11529,7 @@
               <a:t>Path</a:t>
             </a:r>
             <a:r>
-              <a:rPr lang="en-US" sz="1000" dirty="0" err="1">
+              <a:rPr lang="en-US" sz="1200" dirty="0" err="1">
                 <a:solidFill>
                   <a:prstClr val="black"/>
                 </a:solidFill>
@@ -8040,7 +11538,7 @@
               <a:t>.Combine</a:t>
             </a:r>
             <a:r>
-              <a:rPr lang="en-US" sz="1000" dirty="0">
+              <a:rPr lang="en-US" sz="1200" dirty="0">
                 <a:solidFill>
                   <a:prstClr val="black"/>
                 </a:solidFill>
@@ -8049,7 +11547,7 @@
               <a:t>(</a:t>
             </a:r>
             <a:r>
-              <a:rPr lang="en-US" sz="1000" dirty="0" err="1">
+              <a:rPr lang="en-US" sz="1200" dirty="0" err="1">
                 <a:solidFill>
                   <a:srgbClr val="2B91AF"/>
                 </a:solidFill>
@@ -8058,7 +11556,7 @@
               <a:t>Path</a:t>
             </a:r>
             <a:r>
-              <a:rPr lang="en-US" sz="1000" dirty="0" err="1">
+              <a:rPr lang="en-US" sz="1200" dirty="0" err="1">
                 <a:solidFill>
                   <a:prstClr val="black"/>
                 </a:solidFill>
@@ -8067,7 +11565,7 @@
               <a:t>.GetTempPath</a:t>
             </a:r>
             <a:r>
-              <a:rPr lang="en-US" sz="1000" dirty="0">
+              <a:rPr lang="en-US" sz="1200" dirty="0">
                 <a:solidFill>
                   <a:prstClr val="black"/>
                 </a:solidFill>
@@ -8076,7 +11574,7 @@
               <a:t>(), </a:t>
             </a:r>
             <a:r>
-              <a:rPr lang="en-US" sz="1000" dirty="0" err="1">
+              <a:rPr lang="en-US" sz="1200" dirty="0" err="1">
                 <a:solidFill>
                   <a:prstClr val="black"/>
                 </a:solidFill>
@@ -8085,7 +11583,7 @@
               <a:t>fileName</a:t>
             </a:r>
             <a:r>
-              <a:rPr lang="en-US" sz="1000" dirty="0">
+              <a:rPr lang="en-US" sz="1200" dirty="0">
                 <a:solidFill>
                   <a:prstClr val="black"/>
                 </a:solidFill>
@@ -8095,7 +11593,7 @@
             </a:r>
           </a:p>
           <a:p>
-            <a:endParaRPr lang="en-US" sz="1000" dirty="0">
+            <a:endParaRPr lang="en-US" sz="1200" dirty="0">
               <a:solidFill>
                 <a:prstClr val="black"/>
               </a:solidFill>
@@ -8104,7 +11602,7 @@
           </a:p>
           <a:p>
             <a:r>
-              <a:rPr lang="en-US" sz="1000" dirty="0" err="1">
+              <a:rPr lang="en-US" sz="1200" dirty="0" err="1">
                 <a:solidFill>
                   <a:srgbClr val="2B91AF"/>
                 </a:solidFill>
@@ -8113,7 +11611,7 @@
               <a:t>StreamWriter</a:t>
             </a:r>
             <a:r>
-              <a:rPr lang="en-US" sz="1000" dirty="0">
+              <a:rPr lang="en-US" sz="1200" dirty="0">
                 <a:solidFill>
                   <a:prstClr val="black"/>
                 </a:solidFill>
@@ -8122,7 +11620,7 @@
               <a:t> writer = </a:t>
             </a:r>
             <a:r>
-              <a:rPr lang="en-US" sz="1000" dirty="0">
+              <a:rPr lang="en-US" sz="1200" dirty="0">
                 <a:solidFill>
                   <a:srgbClr val="0000FF"/>
                 </a:solidFill>
@@ -8131,7 +11629,7 @@
               <a:t>new</a:t>
             </a:r>
             <a:r>
-              <a:rPr lang="en-US" sz="1000" dirty="0">
+              <a:rPr lang="en-US" sz="1200" dirty="0">
                 <a:solidFill>
                   <a:prstClr val="black"/>
                 </a:solidFill>
@@ -8140,7 +11638,7 @@
               <a:t> </a:t>
             </a:r>
             <a:r>
-              <a:rPr lang="en-US" sz="1000" dirty="0" err="1">
+              <a:rPr lang="en-US" sz="1200" dirty="0" err="1">
                 <a:solidFill>
                   <a:srgbClr val="2B91AF"/>
                 </a:solidFill>
@@ -8149,7 +11647,7 @@
               <a:t>StreamWriter</a:t>
             </a:r>
             <a:r>
-              <a:rPr lang="en-US" sz="1000" dirty="0">
+              <a:rPr lang="en-US" sz="1200" dirty="0">
                 <a:solidFill>
                   <a:prstClr val="black"/>
                 </a:solidFill>
@@ -8158,7 +11656,7 @@
               <a:t>(</a:t>
             </a:r>
             <a:r>
-              <a:rPr lang="en-US" sz="1000" dirty="0" err="1">
+              <a:rPr lang="en-US" sz="1200" dirty="0" err="1">
                 <a:solidFill>
                   <a:prstClr val="black"/>
                 </a:solidFill>
@@ -8167,7 +11665,7 @@
               <a:t>filePath</a:t>
             </a:r>
             <a:r>
-              <a:rPr lang="en-US" sz="1000" dirty="0">
+              <a:rPr lang="en-US" sz="1200" dirty="0">
                 <a:solidFill>
                   <a:prstClr val="black"/>
                 </a:solidFill>
@@ -8178,7 +11676,7 @@
           </a:p>
           <a:p>
             <a:r>
-              <a:rPr lang="en-US" sz="1000" dirty="0" err="1">
+              <a:rPr lang="en-US" sz="1200" dirty="0" err="1">
                 <a:solidFill>
                   <a:prstClr val="black"/>
                 </a:solidFill>
@@ -8187,7 +11685,7 @@
               <a:t>writer.WriteLine</a:t>
             </a:r>
             <a:r>
-              <a:rPr lang="en-US" sz="1000" dirty="0">
+              <a:rPr lang="en-US" sz="1200" dirty="0">
                 <a:solidFill>
                   <a:prstClr val="black"/>
                 </a:solidFill>
@@ -8196,7 +11694,7 @@
               <a:t>(</a:t>
             </a:r>
             <a:r>
-              <a:rPr lang="en-US" sz="1000" dirty="0">
+              <a:rPr lang="en-US" sz="1200" dirty="0">
                 <a:solidFill>
                   <a:srgbClr val="A31515"/>
                 </a:solidFill>
@@ -8205,7 +11703,7 @@
               <a:t>"Line 1"</a:t>
             </a:r>
             <a:r>
-              <a:rPr lang="en-US" sz="1000" dirty="0">
+              <a:rPr lang="en-US" sz="1200" dirty="0">
                 <a:solidFill>
                   <a:prstClr val="black"/>
                 </a:solidFill>
@@ -8216,7 +11714,7 @@
           </a:p>
           <a:p>
             <a:r>
-              <a:rPr lang="en-US" sz="1000" dirty="0" err="1">
+              <a:rPr lang="en-US" sz="1200" dirty="0" err="1">
                 <a:solidFill>
                   <a:prstClr val="black"/>
                 </a:solidFill>
@@ -8225,7 +11723,7 @@
               <a:t>writer.WriteLine</a:t>
             </a:r>
             <a:r>
-              <a:rPr lang="en-US" sz="1000" dirty="0">
+              <a:rPr lang="en-US" sz="1200" dirty="0">
                 <a:solidFill>
                   <a:prstClr val="black"/>
                 </a:solidFill>
@@ -8234,7 +11732,7 @@
               <a:t>(</a:t>
             </a:r>
             <a:r>
-              <a:rPr lang="en-US" sz="1000" dirty="0">
+              <a:rPr lang="en-US" sz="1200" dirty="0">
                 <a:solidFill>
                   <a:srgbClr val="A31515"/>
                 </a:solidFill>
@@ -8243,7 +11741,7 @@
               <a:t>"</a:t>
             </a:r>
             <a:r>
-              <a:rPr lang="ru-RU" sz="1000" dirty="0">
+              <a:rPr lang="ru-RU" sz="1200" dirty="0">
                 <a:solidFill>
                   <a:srgbClr val="A31515"/>
                 </a:solidFill>
@@ -8252,7 +11750,7 @@
               <a:t>Строка 2"</a:t>
             </a:r>
             <a:r>
-              <a:rPr lang="ru-RU" sz="1000" dirty="0">
+              <a:rPr lang="ru-RU" sz="1200" dirty="0">
                 <a:solidFill>
                   <a:prstClr val="black"/>
                 </a:solidFill>
@@ -8263,7 +11761,7 @@
           </a:p>
           <a:p>
             <a:r>
-              <a:rPr lang="en-US" sz="1000" dirty="0" err="1">
+              <a:rPr lang="en-US" sz="1200" dirty="0" err="1">
                 <a:solidFill>
                   <a:prstClr val="black"/>
                 </a:solidFill>
@@ -8272,7 +11770,7 @@
               <a:t>writer.Close</a:t>
             </a:r>
             <a:r>
-              <a:rPr lang="en-US" sz="1000" dirty="0">
+              <a:rPr lang="en-US" sz="1200" dirty="0">
                 <a:solidFill>
                   <a:prstClr val="black"/>
                 </a:solidFill>
@@ -8282,7 +11780,7 @@
             </a:r>
           </a:p>
           <a:p>
-            <a:endParaRPr lang="en-US" sz="1000" dirty="0">
+            <a:endParaRPr lang="en-US" sz="1200" dirty="0">
               <a:solidFill>
                 <a:prstClr val="black"/>
               </a:solidFill>
@@ -8291,7 +11789,7 @@
           </a:p>
           <a:p>
             <a:r>
-              <a:rPr lang="en-US" sz="1000" dirty="0" err="1">
+              <a:rPr lang="en-US" sz="1200" dirty="0" err="1">
                 <a:solidFill>
                   <a:srgbClr val="2B91AF"/>
                 </a:solidFill>
@@ -8300,7 +11798,7 @@
               <a:t>StreamReader</a:t>
             </a:r>
             <a:r>
-              <a:rPr lang="en-US" sz="1000" dirty="0">
+              <a:rPr lang="en-US" sz="1200" dirty="0">
                 <a:solidFill>
                   <a:prstClr val="black"/>
                 </a:solidFill>
@@ -8309,7 +11807,7 @@
               <a:t> reader = </a:t>
             </a:r>
             <a:r>
-              <a:rPr lang="en-US" sz="1000" dirty="0">
+              <a:rPr lang="en-US" sz="1200" dirty="0">
                 <a:solidFill>
                   <a:srgbClr val="0000FF"/>
                 </a:solidFill>
@@ -8318,7 +11816,7 @@
               <a:t>new</a:t>
             </a:r>
             <a:r>
-              <a:rPr lang="en-US" sz="1000" dirty="0">
+              <a:rPr lang="en-US" sz="1200" dirty="0">
                 <a:solidFill>
                   <a:prstClr val="black"/>
                 </a:solidFill>
@@ -8327,7 +11825,7 @@
               <a:t> </a:t>
             </a:r>
             <a:r>
-              <a:rPr lang="en-US" sz="1000" dirty="0" err="1">
+              <a:rPr lang="en-US" sz="1200" dirty="0" err="1">
                 <a:solidFill>
                   <a:srgbClr val="2B91AF"/>
                 </a:solidFill>
@@ -8336,7 +11834,7 @@
               <a:t>StreamReader</a:t>
             </a:r>
             <a:r>
-              <a:rPr lang="en-US" sz="1000" dirty="0">
+              <a:rPr lang="en-US" sz="1200" dirty="0">
                 <a:solidFill>
                   <a:prstClr val="black"/>
                 </a:solidFill>
@@ -8345,7 +11843,7 @@
               <a:t>(</a:t>
             </a:r>
             <a:r>
-              <a:rPr lang="en-US" sz="1000" dirty="0" err="1">
+              <a:rPr lang="en-US" sz="1200" dirty="0" err="1">
                 <a:solidFill>
                   <a:prstClr val="black"/>
                 </a:solidFill>
@@ -8354,7 +11852,7 @@
               <a:t>filePath</a:t>
             </a:r>
             <a:r>
-              <a:rPr lang="en-US" sz="1000" dirty="0">
+              <a:rPr lang="en-US" sz="1200" dirty="0">
                 <a:solidFill>
                   <a:prstClr val="black"/>
                 </a:solidFill>
@@ -8365,7 +11863,7 @@
           </a:p>
           <a:p>
             <a:r>
-              <a:rPr lang="en-US" sz="1000" dirty="0">
+              <a:rPr lang="en-US" sz="1200" dirty="0">
                 <a:solidFill>
                   <a:srgbClr val="0000FF"/>
                 </a:solidFill>
@@ -8374,7 +11872,7 @@
               <a:t>while</a:t>
             </a:r>
             <a:r>
-              <a:rPr lang="en-US" sz="1000" dirty="0">
+              <a:rPr lang="en-US" sz="1200" dirty="0">
                 <a:solidFill>
                   <a:prstClr val="black"/>
                 </a:solidFill>
@@ -8383,7 +11881,7 @@
               <a:t> (!</a:t>
             </a:r>
             <a:r>
-              <a:rPr lang="en-US" sz="1000" dirty="0" err="1">
+              <a:rPr lang="en-US" sz="1200" dirty="0" err="1">
                 <a:solidFill>
                   <a:prstClr val="black"/>
                 </a:solidFill>
@@ -8392,7 +11890,7 @@
               <a:t>reader.EndOfStream</a:t>
             </a:r>
             <a:r>
-              <a:rPr lang="en-US" sz="1000" dirty="0">
+              <a:rPr lang="en-US" sz="1200" dirty="0">
                 <a:solidFill>
                   <a:prstClr val="black"/>
                 </a:solidFill>
@@ -8403,7 +11901,7 @@
           </a:p>
           <a:p>
             <a:r>
-              <a:rPr lang="en-US" sz="1000" dirty="0">
+              <a:rPr lang="en-US" sz="1200" dirty="0">
                 <a:solidFill>
                   <a:prstClr val="black"/>
                 </a:solidFill>
@@ -8414,7 +11912,7 @@
           </a:p>
           <a:p>
             <a:r>
-              <a:rPr lang="en-US" sz="1000" dirty="0">
+              <a:rPr lang="en-US" sz="1200" dirty="0">
                 <a:solidFill>
                   <a:prstClr val="black"/>
                 </a:solidFill>
@@ -8423,7 +11921,7 @@
               <a:t>    </a:t>
             </a:r>
             <a:r>
-              <a:rPr lang="en-US" sz="1000" dirty="0" err="1">
+              <a:rPr lang="en-US" sz="1200" dirty="0" err="1">
                 <a:solidFill>
                   <a:srgbClr val="2B91AF"/>
                 </a:solidFill>
@@ -8432,7 +11930,7 @@
               <a:t>Console</a:t>
             </a:r>
             <a:r>
-              <a:rPr lang="en-US" sz="1000" dirty="0" err="1">
+              <a:rPr lang="en-US" sz="1200" dirty="0" err="1">
                 <a:solidFill>
                   <a:prstClr val="black"/>
                 </a:solidFill>
@@ -8441,7 +11939,7 @@
               <a:t>.WriteLine</a:t>
             </a:r>
             <a:r>
-              <a:rPr lang="en-US" sz="1000" dirty="0">
+              <a:rPr lang="en-US" sz="1200" dirty="0">
                 <a:solidFill>
                   <a:prstClr val="black"/>
                 </a:solidFill>
@@ -8450,7 +11948,7 @@
               <a:t>(</a:t>
             </a:r>
             <a:r>
-              <a:rPr lang="en-US" sz="1000" dirty="0" err="1">
+              <a:rPr lang="en-US" sz="1200" dirty="0" err="1">
                 <a:solidFill>
                   <a:prstClr val="black"/>
                 </a:solidFill>
@@ -8459,7 +11957,7 @@
               <a:t>reader.ReadLine</a:t>
             </a:r>
             <a:r>
-              <a:rPr lang="en-US" sz="1000" dirty="0">
+              <a:rPr lang="en-US" sz="1200" dirty="0">
                 <a:solidFill>
                   <a:prstClr val="black"/>
                 </a:solidFill>
@@ -8470,7 +11968,7 @@
           </a:p>
           <a:p>
             <a:r>
-              <a:rPr lang="en-US" sz="1000" dirty="0">
+              <a:rPr lang="en-US" sz="1200" dirty="0">
                 <a:solidFill>
                   <a:prstClr val="black"/>
                 </a:solidFill>
@@ -8481,7 +11979,7 @@
           </a:p>
           <a:p>
             <a:r>
-              <a:rPr lang="en-US" sz="1000" dirty="0" err="1">
+              <a:rPr lang="en-US" sz="1200" dirty="0" err="1">
                 <a:solidFill>
                   <a:prstClr val="black"/>
                 </a:solidFill>
@@ -8490,7 +11988,7 @@
               <a:t>reader.Close</a:t>
             </a:r>
             <a:r>
-              <a:rPr lang="en-US" sz="1000" dirty="0">
+              <a:rPr lang="en-US" sz="1200" dirty="0">
                 <a:solidFill>
                   <a:prstClr val="black"/>
                 </a:solidFill>
@@ -8500,7 +11998,7 @@
             </a:r>
           </a:p>
           <a:p>
-            <a:endParaRPr lang="en-US" sz="1000" dirty="0">
+            <a:endParaRPr lang="en-US" sz="1200" dirty="0">
               <a:solidFill>
                 <a:prstClr val="black"/>
               </a:solidFill>
@@ -8509,7 +12007,7 @@
           </a:p>
           <a:p>
             <a:r>
-              <a:rPr lang="en-US" sz="1000" dirty="0" err="1">
+              <a:rPr lang="en-US" sz="1200" dirty="0" err="1">
                 <a:solidFill>
                   <a:srgbClr val="2B91AF"/>
                 </a:solidFill>
@@ -8518,7 +12016,7 @@
               <a:t>File</a:t>
             </a:r>
             <a:r>
-              <a:rPr lang="en-US" sz="1000" dirty="0" err="1">
+              <a:rPr lang="en-US" sz="1200" dirty="0" err="1">
                 <a:solidFill>
                   <a:prstClr val="black"/>
                 </a:solidFill>
@@ -8527,7 +12025,7 @@
               <a:t>.Delete</a:t>
             </a:r>
             <a:r>
-              <a:rPr lang="en-US" sz="1000" dirty="0">
+              <a:rPr lang="en-US" sz="1200" dirty="0">
                 <a:solidFill>
                   <a:prstClr val="black"/>
                 </a:solidFill>
@@ -8536,7 +12034,7 @@
               <a:t>(</a:t>
             </a:r>
             <a:r>
-              <a:rPr lang="en-US" sz="1000" dirty="0" err="1">
+              <a:rPr lang="en-US" sz="1200" dirty="0" err="1">
                 <a:solidFill>
                   <a:prstClr val="black"/>
                 </a:solidFill>
@@ -8545,7 +12043,7 @@
               <a:t>filePath</a:t>
             </a:r>
             <a:r>
-              <a:rPr lang="en-US" sz="1000" dirty="0" smtClean="0">
+              <a:rPr lang="en-US" sz="1200" dirty="0" smtClean="0">
                 <a:solidFill>
                   <a:prstClr val="black"/>
                 </a:solidFill>
@@ -8553,18 +12051,7 @@
               </a:rPr>
               <a:t>);</a:t>
             </a:r>
-            <a:r>
-              <a:rPr lang="be-BY" sz="1000" dirty="0" smtClean="0">
-                <a:solidFill>
-                  <a:schemeClr val="bg1"/>
-                </a:solidFill>
-                <a:latin typeface="Consolas" panose="020B0609020204030204" pitchFamily="49" charset="0"/>
-                <a:ea typeface="Calibri" pitchFamily="34" charset="0"/>
-                <a:cs typeface="Consolas" panose="020B0609020204030204" pitchFamily="49" charset="0"/>
-              </a:rPr>
-              <a:t>: IDisposable</a:t>
-            </a:r>
-            <a:endParaRPr lang="be-BY" sz="900" dirty="0">
+            <a:endParaRPr lang="be-BY" sz="1200" dirty="0">
               <a:solidFill>
                 <a:schemeClr val="bg1"/>
               </a:solidFill>
@@ -22261,6 +25748,305 @@
 </a:theme>
 </file>
 
+<file path=ppt/theme/theme2.xml><?xml version="1.0" encoding="utf-8"?>
+<a:theme xmlns:a="http://schemas.openxmlformats.org/drawingml/2006/main" name="bel-hard-training">
+  <a:themeElements>
+    <a:clrScheme name="White-On-Blue">
+      <a:dk1>
+        <a:srgbClr val="FFFFFF"/>
+      </a:dk1>
+      <a:lt1>
+        <a:sysClr val="window" lastClr="FFFFFF"/>
+      </a:lt1>
+      <a:dk2>
+        <a:srgbClr val="FFFFFF"/>
+      </a:dk2>
+      <a:lt2>
+        <a:srgbClr val="FFFFFF"/>
+      </a:lt2>
+      <a:accent1>
+        <a:srgbClr val="FFFFFF"/>
+      </a:accent1>
+      <a:accent2>
+        <a:srgbClr val="FFFFFF"/>
+      </a:accent2>
+      <a:accent3>
+        <a:srgbClr val="FFFFFF"/>
+      </a:accent3>
+      <a:accent4>
+        <a:srgbClr val="FFFFFF"/>
+      </a:accent4>
+      <a:accent5>
+        <a:srgbClr val="FFFFFF"/>
+      </a:accent5>
+      <a:accent6>
+        <a:srgbClr val="FFFFFF"/>
+      </a:accent6>
+      <a:hlink>
+        <a:srgbClr val="FFFFFF"/>
+      </a:hlink>
+      <a:folHlink>
+        <a:srgbClr val="FFFFFF"/>
+      </a:folHlink>
+    </a:clrScheme>
+    <a:fontScheme name="Office">
+      <a:majorFont>
+        <a:latin typeface="Calibri"/>
+        <a:ea typeface=""/>
+        <a:cs typeface=""/>
+        <a:font script="Jpan" typeface="ＭＳ Ｐゴシック"/>
+        <a:font script="Hang" typeface="맑은 고딕"/>
+        <a:font script="Hans" typeface="宋体"/>
+        <a:font script="Hant" typeface="新細明體"/>
+        <a:font script="Arab" typeface="Times New Roman"/>
+        <a:font script="Hebr" typeface="Times New Roman"/>
+        <a:font script="Thai" typeface="Angsana New"/>
+        <a:font script="Ethi" typeface="Nyala"/>
+        <a:font script="Beng" typeface="Vrinda"/>
+        <a:font script="Gujr" typeface="Shruti"/>
+        <a:font script="Khmr" typeface="MoolBoran"/>
+        <a:font script="Knda" typeface="Tunga"/>
+        <a:font script="Guru" typeface="Raavi"/>
+        <a:font script="Cans" typeface="Euphemia"/>
+        <a:font script="Cher" typeface="Plantagenet Cherokee"/>
+        <a:font script="Yiii" typeface="Microsoft Yi Baiti"/>
+        <a:font script="Tibt" typeface="Microsoft Himalaya"/>
+        <a:font script="Thaa" typeface="MV Boli"/>
+        <a:font script="Deva" typeface="Mangal"/>
+        <a:font script="Telu" typeface="Gautami"/>
+        <a:font script="Taml" typeface="Latha"/>
+        <a:font script="Syrc" typeface="Estrangelo Edessa"/>
+        <a:font script="Orya" typeface="Kalinga"/>
+        <a:font script="Mlym" typeface="Kartika"/>
+        <a:font script="Laoo" typeface="DokChampa"/>
+        <a:font script="Sinh" typeface="Iskoola Pota"/>
+        <a:font script="Mong" typeface="Mongolian Baiti"/>
+        <a:font script="Viet" typeface="Times New Roman"/>
+        <a:font script="Uigh" typeface="Microsoft Uighur"/>
+        <a:font script="Geor" typeface="Sylfaen"/>
+      </a:majorFont>
+      <a:minorFont>
+        <a:latin typeface="Calibri"/>
+        <a:ea typeface=""/>
+        <a:cs typeface=""/>
+        <a:font script="Jpan" typeface="ＭＳ Ｐゴシック"/>
+        <a:font script="Hang" typeface="맑은 고딕"/>
+        <a:font script="Hans" typeface="宋体"/>
+        <a:font script="Hant" typeface="新細明體"/>
+        <a:font script="Arab" typeface="Arial"/>
+        <a:font script="Hebr" typeface="Arial"/>
+        <a:font script="Thai" typeface="Cordia New"/>
+        <a:font script="Ethi" typeface="Nyala"/>
+        <a:font script="Beng" typeface="Vrinda"/>
+        <a:font script="Gujr" typeface="Shruti"/>
+        <a:font script="Khmr" typeface="DaunPenh"/>
+        <a:font script="Knda" typeface="Tunga"/>
+        <a:font script="Guru" typeface="Raavi"/>
+        <a:font script="Cans" typeface="Euphemia"/>
+        <a:font script="Cher" typeface="Plantagenet Cherokee"/>
+        <a:font script="Yiii" typeface="Microsoft Yi Baiti"/>
+        <a:font script="Tibt" typeface="Microsoft Himalaya"/>
+        <a:font script="Thaa" typeface="MV Boli"/>
+        <a:font script="Deva" typeface="Mangal"/>
+        <a:font script="Telu" typeface="Gautami"/>
+        <a:font script="Taml" typeface="Latha"/>
+        <a:font script="Syrc" typeface="Estrangelo Edessa"/>
+        <a:font script="Orya" typeface="Kalinga"/>
+        <a:font script="Mlym" typeface="Kartika"/>
+        <a:font script="Laoo" typeface="DokChampa"/>
+        <a:font script="Sinh" typeface="Iskoola Pota"/>
+        <a:font script="Mong" typeface="Mongolian Baiti"/>
+        <a:font script="Viet" typeface="Arial"/>
+        <a:font script="Uigh" typeface="Microsoft Uighur"/>
+        <a:font script="Geor" typeface="Sylfaen"/>
+      </a:minorFont>
+    </a:fontScheme>
+    <a:fmtScheme name="Office">
+      <a:fillStyleLst>
+        <a:solidFill>
+          <a:schemeClr val="phClr"/>
+        </a:solidFill>
+        <a:gradFill rotWithShape="1">
+          <a:gsLst>
+            <a:gs pos="0">
+              <a:schemeClr val="phClr">
+                <a:tint val="50000"/>
+                <a:satMod val="300000"/>
+              </a:schemeClr>
+            </a:gs>
+            <a:gs pos="35000">
+              <a:schemeClr val="phClr">
+                <a:tint val="37000"/>
+                <a:satMod val="300000"/>
+              </a:schemeClr>
+            </a:gs>
+            <a:gs pos="100000">
+              <a:schemeClr val="phClr">
+                <a:tint val="15000"/>
+                <a:satMod val="350000"/>
+              </a:schemeClr>
+            </a:gs>
+          </a:gsLst>
+          <a:lin ang="16200000" scaled="1"/>
+        </a:gradFill>
+        <a:gradFill rotWithShape="1">
+          <a:gsLst>
+            <a:gs pos="0">
+              <a:schemeClr val="phClr">
+                <a:shade val="51000"/>
+                <a:satMod val="130000"/>
+              </a:schemeClr>
+            </a:gs>
+            <a:gs pos="80000">
+              <a:schemeClr val="phClr">
+                <a:shade val="93000"/>
+                <a:satMod val="130000"/>
+              </a:schemeClr>
+            </a:gs>
+            <a:gs pos="100000">
+              <a:schemeClr val="phClr">
+                <a:shade val="94000"/>
+                <a:satMod val="135000"/>
+              </a:schemeClr>
+            </a:gs>
+          </a:gsLst>
+          <a:lin ang="16200000" scaled="0"/>
+        </a:gradFill>
+      </a:fillStyleLst>
+      <a:lnStyleLst>
+        <a:ln w="9525" cap="flat" cmpd="sng" algn="ctr">
+          <a:solidFill>
+            <a:schemeClr val="phClr">
+              <a:shade val="95000"/>
+              <a:satMod val="105000"/>
+            </a:schemeClr>
+          </a:solidFill>
+          <a:prstDash val="solid"/>
+        </a:ln>
+        <a:ln w="25400" cap="flat" cmpd="sng" algn="ctr">
+          <a:solidFill>
+            <a:schemeClr val="phClr"/>
+          </a:solidFill>
+          <a:prstDash val="solid"/>
+        </a:ln>
+        <a:ln w="38100" cap="flat" cmpd="sng" algn="ctr">
+          <a:solidFill>
+            <a:schemeClr val="phClr"/>
+          </a:solidFill>
+          <a:prstDash val="solid"/>
+        </a:ln>
+      </a:lnStyleLst>
+      <a:effectStyleLst>
+        <a:effectStyle>
+          <a:effectLst>
+            <a:outerShdw blurRad="40000" dist="20000" dir="5400000" rotWithShape="0">
+              <a:srgbClr val="000000">
+                <a:alpha val="38000"/>
+              </a:srgbClr>
+            </a:outerShdw>
+          </a:effectLst>
+        </a:effectStyle>
+        <a:effectStyle>
+          <a:effectLst>
+            <a:outerShdw blurRad="40000" dist="23000" dir="5400000" rotWithShape="0">
+              <a:srgbClr val="000000">
+                <a:alpha val="35000"/>
+              </a:srgbClr>
+            </a:outerShdw>
+          </a:effectLst>
+        </a:effectStyle>
+        <a:effectStyle>
+          <a:effectLst>
+            <a:outerShdw blurRad="40000" dist="23000" dir="5400000" rotWithShape="0">
+              <a:srgbClr val="000000">
+                <a:alpha val="35000"/>
+              </a:srgbClr>
+            </a:outerShdw>
+          </a:effectLst>
+          <a:scene3d>
+            <a:camera prst="orthographicFront">
+              <a:rot lat="0" lon="0" rev="0"/>
+            </a:camera>
+            <a:lightRig rig="threePt" dir="t">
+              <a:rot lat="0" lon="0" rev="1200000"/>
+            </a:lightRig>
+          </a:scene3d>
+          <a:sp3d>
+            <a:bevelT w="63500" h="25400"/>
+          </a:sp3d>
+        </a:effectStyle>
+      </a:effectStyleLst>
+      <a:bgFillStyleLst>
+        <a:solidFill>
+          <a:schemeClr val="phClr"/>
+        </a:solidFill>
+        <a:gradFill rotWithShape="1">
+          <a:gsLst>
+            <a:gs pos="0">
+              <a:schemeClr val="phClr">
+                <a:tint val="40000"/>
+                <a:satMod val="350000"/>
+              </a:schemeClr>
+            </a:gs>
+            <a:gs pos="40000">
+              <a:schemeClr val="phClr">
+                <a:tint val="45000"/>
+                <a:shade val="99000"/>
+                <a:satMod val="350000"/>
+              </a:schemeClr>
+            </a:gs>
+            <a:gs pos="100000">
+              <a:schemeClr val="phClr">
+                <a:shade val="20000"/>
+                <a:satMod val="255000"/>
+              </a:schemeClr>
+            </a:gs>
+          </a:gsLst>
+          <a:path path="circle">
+            <a:fillToRect l="50000" t="-80000" r="50000" b="180000"/>
+          </a:path>
+        </a:gradFill>
+        <a:gradFill rotWithShape="1">
+          <a:gsLst>
+            <a:gs pos="0">
+              <a:schemeClr val="phClr">
+                <a:tint val="80000"/>
+                <a:satMod val="300000"/>
+              </a:schemeClr>
+            </a:gs>
+            <a:gs pos="100000">
+              <a:schemeClr val="phClr">
+                <a:shade val="30000"/>
+                <a:satMod val="200000"/>
+              </a:schemeClr>
+            </a:gs>
+          </a:gsLst>
+          <a:path path="circle">
+            <a:fillToRect l="50000" t="50000" r="50000" b="50000"/>
+          </a:path>
+        </a:gradFill>
+      </a:bgFillStyleLst>
+    </a:fmtScheme>
+  </a:themeElements>
+  <a:objectDefaults>
+    <a:txDef>
+      <a:spPr>
+        <a:noFill/>
+      </a:spPr>
+      <a:bodyPr wrap="square" rtlCol="0">
+        <a:spAutoFit/>
+      </a:bodyPr>
+      <a:lstStyle>
+        <a:defPPr algn="ctr">
+          <a:defRPr sz="3200" dirty="0" smtClean="0"/>
+        </a:defPPr>
+      </a:lstStyle>
+    </a:txDef>
+  </a:objectDefaults>
+  <a:extraClrSchemeLst/>
+</a:theme>
+</file>
+
 <file path=ppt/theme/themeOverride1.xml><?xml version="1.0" encoding="utf-8"?>
 <a:themeOverride xmlns:a="http://schemas.openxmlformats.org/drawingml/2006/main">
   <a:clrScheme name="While On Navy">

--- a/Presentation/lesson-03.pptx
+++ b/Presentation/lesson-03.pptx
@@ -303,7 +303,7 @@
           <a:p>
             <a:fld id="{6D622FCB-595C-4A19-9DA3-A5F2C1EA723F}" type="datetimeFigureOut">
               <a:rPr lang="en-US" smtClean="0"/>
-              <a:t>11/3/2013</a:t>
+              <a:t>4/21/2014</a:t>
             </a:fld>
             <a:endParaRPr lang="en-US"/>
           </a:p>
@@ -473,7 +473,7 @@
           <a:p>
             <a:fld id="{6D622FCB-595C-4A19-9DA3-A5F2C1EA723F}" type="datetimeFigureOut">
               <a:rPr lang="en-US" smtClean="0"/>
-              <a:t>11/3/2013</a:t>
+              <a:t>4/21/2014</a:t>
             </a:fld>
             <a:endParaRPr lang="en-US"/>
           </a:p>
@@ -653,7 +653,7 @@
           <a:p>
             <a:fld id="{6D622FCB-595C-4A19-9DA3-A5F2C1EA723F}" type="datetimeFigureOut">
               <a:rPr lang="en-US" smtClean="0"/>
-              <a:t>11/3/2013</a:t>
+              <a:t>4/21/2014</a:t>
             </a:fld>
             <a:endParaRPr lang="en-US"/>
           </a:p>
@@ -2038,7 +2038,7 @@
           <a:p>
             <a:fld id="{6D622FCB-595C-4A19-9DA3-A5F2C1EA723F}" type="datetimeFigureOut">
               <a:rPr lang="en-US" smtClean="0"/>
-              <a:t>11/3/2013</a:t>
+              <a:t>4/21/2014</a:t>
             </a:fld>
             <a:endParaRPr lang="en-US"/>
           </a:p>
@@ -2911,7 +2911,7 @@
                 </a:solidFill>
               </a:rPr>
               <a:pPr/>
-              <a:t>03.11.2013</a:t>
+              <a:t>21.04.2014</a:t>
             </a:fld>
             <a:endParaRPr lang="ru-RU">
               <a:solidFill>
@@ -3182,7 +3182,7 @@
           <a:p>
             <a:fld id="{6D622FCB-595C-4A19-9DA3-A5F2C1EA723F}" type="datetimeFigureOut">
               <a:rPr lang="en-US" smtClean="0"/>
-              <a:t>11/3/2013</a:t>
+              <a:t>4/21/2014</a:t>
             </a:fld>
             <a:endParaRPr lang="en-US"/>
           </a:p>
@@ -3470,7 +3470,7 @@
           <a:p>
             <a:fld id="{6D622FCB-595C-4A19-9DA3-A5F2C1EA723F}" type="datetimeFigureOut">
               <a:rPr lang="en-US" smtClean="0"/>
-              <a:t>11/3/2013</a:t>
+              <a:t>4/21/2014</a:t>
             </a:fld>
             <a:endParaRPr lang="en-US"/>
           </a:p>
@@ -3892,7 +3892,7 @@
           <a:p>
             <a:fld id="{6D622FCB-595C-4A19-9DA3-A5F2C1EA723F}" type="datetimeFigureOut">
               <a:rPr lang="en-US" smtClean="0"/>
-              <a:t>11/3/2013</a:t>
+              <a:t>4/21/2014</a:t>
             </a:fld>
             <a:endParaRPr lang="en-US"/>
           </a:p>
@@ -4010,7 +4010,7 @@
           <a:p>
             <a:fld id="{6D622FCB-595C-4A19-9DA3-A5F2C1EA723F}" type="datetimeFigureOut">
               <a:rPr lang="en-US" smtClean="0"/>
-              <a:t>11/3/2013</a:t>
+              <a:t>4/21/2014</a:t>
             </a:fld>
             <a:endParaRPr lang="en-US"/>
           </a:p>
@@ -4105,7 +4105,7 @@
           <a:p>
             <a:fld id="{6D622FCB-595C-4A19-9DA3-A5F2C1EA723F}" type="datetimeFigureOut">
               <a:rPr lang="en-US" smtClean="0"/>
-              <a:t>11/3/2013</a:t>
+              <a:t>4/21/2014</a:t>
             </a:fld>
             <a:endParaRPr lang="en-US"/>
           </a:p>
@@ -4382,7 +4382,7 @@
           <a:p>
             <a:fld id="{6D622FCB-595C-4A19-9DA3-A5F2C1EA723F}" type="datetimeFigureOut">
               <a:rPr lang="en-US" smtClean="0"/>
-              <a:t>11/3/2013</a:t>
+              <a:t>4/21/2014</a:t>
             </a:fld>
             <a:endParaRPr lang="en-US"/>
           </a:p>
@@ -4635,7 +4635,7 @@
           <a:p>
             <a:fld id="{6D622FCB-595C-4A19-9DA3-A5F2C1EA723F}" type="datetimeFigureOut">
               <a:rPr lang="en-US" smtClean="0"/>
-              <a:t>11/3/2013</a:t>
+              <a:t>4/21/2014</a:t>
             </a:fld>
             <a:endParaRPr lang="en-US"/>
           </a:p>
@@ -4848,7 +4848,7 @@
           <a:p>
             <a:fld id="{6D622FCB-595C-4A19-9DA3-A5F2C1EA723F}" type="datetimeFigureOut">
               <a:rPr lang="en-US" smtClean="0"/>
-              <a:t>11/3/2013</a:t>
+              <a:t>4/21/2014</a:t>
             </a:fld>
             <a:endParaRPr lang="en-US"/>
           </a:p>
@@ -5374,7 +5374,7 @@
                 </a:solidFill>
               </a:rPr>
               <a:pPr/>
-              <a:t>03.11.2013</a:t>
+              <a:t>21.04.2014</a:t>
             </a:fld>
             <a:endParaRPr lang="ru-RU">
               <a:solidFill>
@@ -6053,54 +6053,90 @@
             </a:pPr>
             <a:r>
               <a:rPr lang="ru-RU" dirty="0" smtClean="0"/>
-              <a:t>Под кодировкой понимается сопоставление символу числового кода. Это необходимо так как компьютер умеет оперировать только числами. Кодироки делятся на однобайтовые и многобайтовые. В однобайтовой кодировке можно представить не больше чем 256 символов, что зачастую лишает возможности иметь в одной строке символы из разных алфавитов. Многобайтовые кодировки, очевидно, способны представить гораздо больше символов.</a:t>
-            </a:r>
+              <a:t>Под кодировкой понимается сопоставление символу числового кода. Это необходимо так как компьютер умеет оперировать только числами. Кодироки делятся на однобайтовые и многобайтовые. В однобайтовой кодировке можно представить не больше чем 256 символов, что зачастую лишает возможности иметь в одной строке символы из разных алфавитов. Многобайтовые кодировки, очевидно, способны представить гораздо больше символов</a:t>
+            </a:r>
+            <a:r>
+              <a:rPr lang="ru-RU" dirty="0" smtClean="0"/>
+              <a:t>.</a:t>
+            </a:r>
+            <a:endParaRPr lang="en-US" dirty="0" smtClean="0"/>
           </a:p>
           <a:p>
             <a:pPr marL="0" indent="0">
               <a:buNone/>
             </a:pPr>
+            <a:endParaRPr lang="en-US" dirty="0" smtClean="0"/>
+          </a:p>
+          <a:p>
             <a:r>
               <a:rPr lang="ru-RU" dirty="0" smtClean="0"/>
-              <a:t>Примеры однобайтовых кодировок: </a:t>
+              <a:t>Однобайтовые кодировки: </a:t>
             </a:r>
             <a:r>
               <a:rPr lang="en-US" dirty="0" smtClean="0"/>
-              <a:t>windows-1251, koi8-r, dos866, ASCII (</a:t>
+              <a:t> </a:t>
+            </a:r>
+            <a:r>
+              <a:rPr lang="en-US" dirty="0"/>
+              <a:t>ISO 8859-1, </a:t>
+            </a:r>
+            <a:r>
+              <a:rPr lang="en-US" dirty="0" smtClean="0"/>
+              <a:t>EBCDIC, Windows-1251</a:t>
+            </a:r>
+            <a:r>
+              <a:rPr lang="en-US" dirty="0" smtClean="0"/>
+              <a:t>, koi8-r, dos866, ASCII (</a:t>
             </a:r>
             <a:r>
               <a:rPr lang="ru-RU" dirty="0" smtClean="0"/>
-              <a:t>7-битовая кодировка).</a:t>
-            </a:r>
+              <a:t>7-битовая кодировка) и другие.</a:t>
+            </a:r>
+          </a:p>
+          <a:p>
+            <a:r>
+              <a:rPr lang="ru-RU" dirty="0" err="1" smtClean="0"/>
+              <a:t>Многобайтовые</a:t>
+            </a:r>
+            <a:r>
+              <a:rPr lang="ru-RU" dirty="0" smtClean="0"/>
+              <a:t> кодировки: </a:t>
+            </a:r>
+            <a:r>
+              <a:rPr lang="ru-RU" dirty="0" smtClean="0"/>
+              <a:t>семейство </a:t>
+            </a:r>
+            <a:r>
+              <a:rPr lang="en-US" dirty="0" smtClean="0"/>
+              <a:t>Unicode (UTF-8, UTF-16, UTF-32), GBK (</a:t>
+            </a:r>
+            <a:r>
+              <a:rPr lang="ru-RU" dirty="0" smtClean="0"/>
+              <a:t>китайский)</a:t>
+            </a:r>
+            <a:r>
+              <a:rPr lang="en-US" dirty="0"/>
+              <a:t>, </a:t>
+            </a:r>
+            <a:r>
+              <a:rPr lang="en-US" dirty="0" smtClean="0"/>
+              <a:t>ISO-2022-JP (</a:t>
+            </a:r>
+            <a:r>
+              <a:rPr lang="ru-RU" dirty="0" smtClean="0"/>
+              <a:t>японский) и </a:t>
+            </a:r>
+            <a:r>
+              <a:rPr lang="ru-RU" dirty="0" smtClean="0"/>
+              <a:t>другие.</a:t>
+            </a:r>
+            <a:endParaRPr lang="en-US" dirty="0" smtClean="0"/>
           </a:p>
           <a:p>
             <a:pPr marL="0" indent="0">
               <a:buNone/>
             </a:pPr>
-            <a:r>
-              <a:rPr lang="ru-RU" dirty="0" smtClean="0"/>
-              <a:t>Примеры многобайтовых кодировок: семейство </a:t>
-            </a:r>
-            <a:r>
-              <a:rPr lang="en-US" dirty="0" smtClean="0"/>
-              <a:t>Unicode (UTF-8, UTF-16, UTF-32), GBK (</a:t>
-            </a:r>
-            <a:r>
-              <a:rPr lang="ru-RU" dirty="0" smtClean="0"/>
-              <a:t>китайский)</a:t>
-            </a:r>
-            <a:r>
-              <a:rPr lang="en-US" dirty="0"/>
-              <a:t>, </a:t>
-            </a:r>
-            <a:r>
-              <a:rPr lang="en-US" dirty="0" smtClean="0"/>
-              <a:t>ISO-2022-JP (</a:t>
-            </a:r>
-            <a:r>
-              <a:rPr lang="ru-RU" dirty="0" smtClean="0"/>
-              <a:t>японский) и другие.</a:t>
-            </a:r>
+            <a:endParaRPr lang="en-US" dirty="0"/>
           </a:p>
           <a:p>
             <a:pPr marL="0" indent="0">
@@ -6108,7 +6144,11 @@
             </a:pPr>
             <a:r>
               <a:rPr lang="ru-RU" dirty="0" smtClean="0"/>
-              <a:t>Самой популярной многобайтовой кодировкой является </a:t>
+              <a:t>Самой </a:t>
+            </a:r>
+            <a:r>
+              <a:rPr lang="ru-RU" dirty="0" smtClean="0"/>
+              <a:t>популярной многобайтовой кодировкой является </a:t>
             </a:r>
             <a:r>
               <a:rPr lang="en-US" dirty="0" smtClean="0"/>
@@ -6264,7 +6304,6 @@
                 <a:rPr lang="ru-RU" sz="3200" dirty="0" smtClean="0"/>
                 <a:t>(верхняя часть)</a:t>
               </a:r>
-              <a:endParaRPr lang="ru-RU" sz="3200" dirty="0" smtClean="0"/>
             </a:p>
           </p:txBody>
         </p:sp>
@@ -6308,17 +6347,12 @@
               <a:pPr algn="ctr"/>
               <a:r>
                 <a:rPr lang="en-US" sz="3200" dirty="0" smtClean="0"/>
-                <a:t>Windows-1251</a:t>
-              </a:r>
-              <a:r>
-                <a:rPr lang="en-US" sz="3200" dirty="0" smtClean="0"/>
-                <a:t> </a:t>
+                <a:t>Windows-1251 </a:t>
               </a:r>
               <a:r>
                 <a:rPr lang="ru-RU" sz="3200" dirty="0" smtClean="0"/>
                 <a:t>(верхняя часть)</a:t>
               </a:r>
-              <a:endParaRPr lang="ru-RU" sz="3200" dirty="0" smtClean="0"/>
             </a:p>
           </p:txBody>
         </p:sp>
@@ -6548,11 +6582,11 @@
   <p:clrMapOvr>
     <a:masterClrMapping/>
   </p:clrMapOvr>
-  <mc:AlternateContent xmlns:mc="http://schemas.openxmlformats.org/markup-compatibility/2006">
-    <mc:Choice xmlns:p14="http://schemas.microsoft.com/office/powerpoint/2010/main" Requires="p14">
+  <mc:AlternateContent xmlns:mc="http://schemas.openxmlformats.org/markup-compatibility/2006" xmlns:p14="http://schemas.microsoft.com/office/powerpoint/2010/main">
+    <mc:Choice Requires="p14">
       <p:transition p14:dur="10"/>
     </mc:Choice>
-    <mc:Fallback>
+    <mc:Fallback xmlns="">
       <p:transition/>
     </mc:Fallback>
   </mc:AlternateContent>

--- a/Presentation/lesson-03.pptx
+++ b/Presentation/lesson-03.pptx
@@ -16,11 +16,12 @@
     <p:sldId id="261" r:id="rId10"/>
     <p:sldId id="262" r:id="rId11"/>
     <p:sldId id="272" r:id="rId12"/>
-    <p:sldId id="273" r:id="rId13"/>
-    <p:sldId id="263" r:id="rId14"/>
-    <p:sldId id="264" r:id="rId15"/>
-    <p:sldId id="265" r:id="rId16"/>
-    <p:sldId id="271" r:id="rId17"/>
+    <p:sldId id="274" r:id="rId13"/>
+    <p:sldId id="273" r:id="rId14"/>
+    <p:sldId id="263" r:id="rId15"/>
+    <p:sldId id="264" r:id="rId16"/>
+    <p:sldId id="265" r:id="rId17"/>
+    <p:sldId id="271" r:id="rId18"/>
   </p:sldIdLst>
   <p:sldSz cx="9144000" cy="6858000" type="screen4x3"/>
   <p:notesSz cx="6858000" cy="9144000"/>
@@ -303,7 +304,7 @@
           <a:p>
             <a:fld id="{6D622FCB-595C-4A19-9DA3-A5F2C1EA723F}" type="datetimeFigureOut">
               <a:rPr lang="en-US" smtClean="0"/>
-              <a:t>4/21/2014</a:t>
+              <a:t>5/18/2014</a:t>
             </a:fld>
             <a:endParaRPr lang="en-US"/>
           </a:p>
@@ -473,7 +474,7 @@
           <a:p>
             <a:fld id="{6D622FCB-595C-4A19-9DA3-A5F2C1EA723F}" type="datetimeFigureOut">
               <a:rPr lang="en-US" smtClean="0"/>
-              <a:t>4/21/2014</a:t>
+              <a:t>5/18/2014</a:t>
             </a:fld>
             <a:endParaRPr lang="en-US"/>
           </a:p>
@@ -653,7 +654,7 @@
           <a:p>
             <a:fld id="{6D622FCB-595C-4A19-9DA3-A5F2C1EA723F}" type="datetimeFigureOut">
               <a:rPr lang="en-US" smtClean="0"/>
-              <a:t>4/21/2014</a:t>
+              <a:t>5/18/2014</a:t>
             </a:fld>
             <a:endParaRPr lang="en-US"/>
           </a:p>
@@ -2038,7 +2039,7 @@
           <a:p>
             <a:fld id="{6D622FCB-595C-4A19-9DA3-A5F2C1EA723F}" type="datetimeFigureOut">
               <a:rPr lang="en-US" smtClean="0"/>
-              <a:t>4/21/2014</a:t>
+              <a:t>5/18/2014</a:t>
             </a:fld>
             <a:endParaRPr lang="en-US"/>
           </a:p>
@@ -2911,7 +2912,7 @@
                 </a:solidFill>
               </a:rPr>
               <a:pPr/>
-              <a:t>21.04.2014</a:t>
+              <a:t>18.05.2014</a:t>
             </a:fld>
             <a:endParaRPr lang="ru-RU">
               <a:solidFill>
@@ -3182,7 +3183,7 @@
           <a:p>
             <a:fld id="{6D622FCB-595C-4A19-9DA3-A5F2C1EA723F}" type="datetimeFigureOut">
               <a:rPr lang="en-US" smtClean="0"/>
-              <a:t>4/21/2014</a:t>
+              <a:t>5/18/2014</a:t>
             </a:fld>
             <a:endParaRPr lang="en-US"/>
           </a:p>
@@ -3470,7 +3471,7 @@
           <a:p>
             <a:fld id="{6D622FCB-595C-4A19-9DA3-A5F2C1EA723F}" type="datetimeFigureOut">
               <a:rPr lang="en-US" smtClean="0"/>
-              <a:t>4/21/2014</a:t>
+              <a:t>5/18/2014</a:t>
             </a:fld>
             <a:endParaRPr lang="en-US"/>
           </a:p>
@@ -3892,7 +3893,7 @@
           <a:p>
             <a:fld id="{6D622FCB-595C-4A19-9DA3-A5F2C1EA723F}" type="datetimeFigureOut">
               <a:rPr lang="en-US" smtClean="0"/>
-              <a:t>4/21/2014</a:t>
+              <a:t>5/18/2014</a:t>
             </a:fld>
             <a:endParaRPr lang="en-US"/>
           </a:p>
@@ -4010,7 +4011,7 @@
           <a:p>
             <a:fld id="{6D622FCB-595C-4A19-9DA3-A5F2C1EA723F}" type="datetimeFigureOut">
               <a:rPr lang="en-US" smtClean="0"/>
-              <a:t>4/21/2014</a:t>
+              <a:t>5/18/2014</a:t>
             </a:fld>
             <a:endParaRPr lang="en-US"/>
           </a:p>
@@ -4105,7 +4106,7 @@
           <a:p>
             <a:fld id="{6D622FCB-595C-4A19-9DA3-A5F2C1EA723F}" type="datetimeFigureOut">
               <a:rPr lang="en-US" smtClean="0"/>
-              <a:t>4/21/2014</a:t>
+              <a:t>5/18/2014</a:t>
             </a:fld>
             <a:endParaRPr lang="en-US"/>
           </a:p>
@@ -4382,7 +4383,7 @@
           <a:p>
             <a:fld id="{6D622FCB-595C-4A19-9DA3-A5F2C1EA723F}" type="datetimeFigureOut">
               <a:rPr lang="en-US" smtClean="0"/>
-              <a:t>4/21/2014</a:t>
+              <a:t>5/18/2014</a:t>
             </a:fld>
             <a:endParaRPr lang="en-US"/>
           </a:p>
@@ -4635,7 +4636,7 @@
           <a:p>
             <a:fld id="{6D622FCB-595C-4A19-9DA3-A5F2C1EA723F}" type="datetimeFigureOut">
               <a:rPr lang="en-US" smtClean="0"/>
-              <a:t>4/21/2014</a:t>
+              <a:t>5/18/2014</a:t>
             </a:fld>
             <a:endParaRPr lang="en-US"/>
           </a:p>
@@ -4848,7 +4849,7 @@
           <a:p>
             <a:fld id="{6D622FCB-595C-4A19-9DA3-A5F2C1EA723F}" type="datetimeFigureOut">
               <a:rPr lang="en-US" smtClean="0"/>
-              <a:t>4/21/2014</a:t>
+              <a:t>5/18/2014</a:t>
             </a:fld>
             <a:endParaRPr lang="en-US"/>
           </a:p>
@@ -5374,7 +5375,7 @@
                 </a:solidFill>
               </a:rPr>
               <a:pPr/>
-              <a:t>21.04.2014</a:t>
+              <a:t>18.05.2014</a:t>
             </a:fld>
             <a:endParaRPr lang="ru-RU">
               <a:solidFill>
@@ -6053,11 +6054,7 @@
             </a:pPr>
             <a:r>
               <a:rPr lang="ru-RU" dirty="0" smtClean="0"/>
-              <a:t>Под кодировкой понимается сопоставление символу числового кода. Это необходимо так как компьютер умеет оперировать только числами. Кодироки делятся на однобайтовые и многобайтовые. В однобайтовой кодировке можно представить не больше чем 256 символов, что зачастую лишает возможности иметь в одной строке символы из разных алфавитов. Многобайтовые кодировки, очевидно, способны представить гораздо больше символов</a:t>
-            </a:r>
-            <a:r>
-              <a:rPr lang="ru-RU" dirty="0" smtClean="0"/>
-              <a:t>.</a:t>
+              <a:t>Под кодировкой понимается сопоставление символу числового кода. Это необходимо так как компьютер умеет оперировать только числами. Кодироки делятся на однобайтовые и многобайтовые. В однобайтовой кодировке можно представить не больше чем 256 символов, что зачастую лишает возможности иметь в одной строке символы из разных алфавитов. Многобайтовые кодировки, очевидно, способны представить гораздо больше символов.</a:t>
             </a:r>
             <a:endParaRPr lang="en-US" dirty="0" smtClean="0"/>
           </a:p>
@@ -6082,11 +6079,7 @@
             </a:r>
             <a:r>
               <a:rPr lang="en-US" dirty="0" smtClean="0"/>
-              <a:t>EBCDIC, Windows-1251</a:t>
-            </a:r>
-            <a:r>
-              <a:rPr lang="en-US" dirty="0" smtClean="0"/>
-              <a:t>, koi8-r, dos866, ASCII (</a:t>
+              <a:t>EBCDIC, Windows-1251, koi8-r, dos866, ASCII (</a:t>
             </a:r>
             <a:r>
               <a:rPr lang="ru-RU" dirty="0" smtClean="0"/>
@@ -6100,11 +6093,7 @@
             </a:r>
             <a:r>
               <a:rPr lang="ru-RU" dirty="0" smtClean="0"/>
-              <a:t> кодировки: </a:t>
-            </a:r>
-            <a:r>
-              <a:rPr lang="ru-RU" dirty="0" smtClean="0"/>
-              <a:t>семейство </a:t>
+              <a:t> кодировки: семейство </a:t>
             </a:r>
             <a:r>
               <a:rPr lang="en-US" dirty="0" smtClean="0"/>
@@ -6124,11 +6113,7 @@
             </a:r>
             <a:r>
               <a:rPr lang="ru-RU" dirty="0" smtClean="0"/>
-              <a:t>японский) и </a:t>
-            </a:r>
-            <a:r>
-              <a:rPr lang="ru-RU" dirty="0" smtClean="0"/>
-              <a:t>другие.</a:t>
+              <a:t>японский) и другие.</a:t>
             </a:r>
             <a:endParaRPr lang="en-US" dirty="0" smtClean="0"/>
           </a:p>
@@ -6144,11 +6129,7 @@
             </a:pPr>
             <a:r>
               <a:rPr lang="ru-RU" dirty="0" smtClean="0"/>
-              <a:t>Самой </a:t>
-            </a:r>
-            <a:r>
-              <a:rPr lang="ru-RU" dirty="0" smtClean="0"/>
-              <a:t>популярной многобайтовой кодировкой является </a:t>
+              <a:t>Самой популярной многобайтовой кодировкой является </a:t>
             </a:r>
             <a:r>
               <a:rPr lang="en-US" dirty="0" smtClean="0"/>
@@ -6179,6 +6160,272 @@
 </file>
 
 <file path=ppt/slides/slide11.xml><?xml version="1.0" encoding="utf-8"?>
+<p:sld xmlns:a="http://schemas.openxmlformats.org/drawingml/2006/main" xmlns:r="http://schemas.openxmlformats.org/officeDocument/2006/relationships" xmlns:p="http://schemas.openxmlformats.org/presentationml/2006/main">
+  <p:cSld>
+    <p:spTree>
+      <p:nvGrpSpPr>
+        <p:cNvPr id="1" name=""/>
+        <p:cNvGrpSpPr/>
+        <p:nvPr/>
+      </p:nvGrpSpPr>
+      <p:grpSpPr>
+        <a:xfrm>
+          <a:off x="0" y="0"/>
+          <a:ext cx="0" cy="0"/>
+          <a:chOff x="0" y="0"/>
+          <a:chExt cx="0" cy="0"/>
+        </a:xfrm>
+      </p:grpSpPr>
+      <p:sp>
+        <p:nvSpPr>
+          <p:cNvPr id="2" name="Title 1"/>
+          <p:cNvSpPr>
+            <a:spLocks noGrp="1"/>
+          </p:cNvSpPr>
+          <p:nvPr>
+            <p:ph type="title"/>
+          </p:nvPr>
+        </p:nvSpPr>
+        <p:spPr/>
+        <p:txBody>
+          <a:bodyPr>
+            <a:normAutofit fontScale="90000"/>
+          </a:bodyPr>
+          <a:lstStyle/>
+          <a:p>
+            <a:r>
+              <a:rPr lang="ru-RU" dirty="0" smtClean="0"/>
+              <a:t>Кодировки </a:t>
+            </a:r>
+            <a:r>
+              <a:rPr lang="ru-RU" dirty="0" smtClean="0"/>
+              <a:t>текста</a:t>
+            </a:r>
+            <a:r>
+              <a:rPr lang="en-US" dirty="0"/>
+              <a:t/>
+            </a:r>
+            <a:br>
+              <a:rPr lang="en-US" dirty="0"/>
+            </a:br>
+            <a:r>
+              <a:rPr lang="ru-RU" dirty="0" smtClean="0"/>
+              <a:t>Полезные ссылки</a:t>
+            </a:r>
+            <a:endParaRPr lang="ru-RU" dirty="0"/>
+          </a:p>
+        </p:txBody>
+      </p:sp>
+      <p:sp>
+        <p:nvSpPr>
+          <p:cNvPr id="3" name="Content Placeholder 2"/>
+          <p:cNvSpPr>
+            <a:spLocks noGrp="1"/>
+          </p:cNvSpPr>
+          <p:nvPr>
+            <p:ph idx="1"/>
+          </p:nvPr>
+        </p:nvSpPr>
+        <p:spPr/>
+        <p:txBody>
+          <a:bodyPr>
+            <a:normAutofit/>
+          </a:bodyPr>
+          <a:lstStyle/>
+          <a:p>
+            <a:r>
+              <a:rPr lang="ru-RU" sz="2800" dirty="0" smtClean="0">
+                <a:solidFill>
+                  <a:schemeClr val="bg1"/>
+                </a:solidFill>
+              </a:rPr>
+              <a:t>«Абсолютный </a:t>
+            </a:r>
+            <a:r>
+              <a:rPr lang="ru-RU" sz="2800" dirty="0">
+                <a:solidFill>
+                  <a:schemeClr val="bg1"/>
+                </a:solidFill>
+              </a:rPr>
+              <a:t>Минимум, который Каждый Разработчик Программного Обеспечения Обязательно Должен Знать о Unicode и </a:t>
+            </a:r>
+            <a:r>
+              <a:rPr lang="ru-RU" sz="2800" dirty="0" smtClean="0">
+                <a:solidFill>
+                  <a:schemeClr val="bg1"/>
+                </a:solidFill>
+              </a:rPr>
+              <a:t>Наборах»</a:t>
+            </a:r>
+            <a:r>
+              <a:rPr lang="en-US" sz="2800" dirty="0" smtClean="0">
+                <a:solidFill>
+                  <a:schemeClr val="bg1"/>
+                </a:solidFill>
+              </a:rPr>
+              <a:t>. </a:t>
+            </a:r>
+            <a:r>
+              <a:rPr lang="ru-RU" sz="2800" dirty="0">
+                <a:solidFill>
+                  <a:schemeClr val="bg1"/>
+                </a:solidFill>
+              </a:rPr>
+              <a:t>Статья Джоеля Спольски (</a:t>
+            </a:r>
+            <a:r>
+              <a:rPr lang="en-US" sz="2800" dirty="0"/>
+              <a:t>Joel </a:t>
+            </a:r>
+            <a:r>
+              <a:rPr lang="en-US" sz="2800" dirty="0" err="1"/>
+              <a:t>Spolsky</a:t>
+            </a:r>
+            <a:r>
+              <a:rPr lang="ru-RU" sz="2800" dirty="0" smtClean="0">
+                <a:solidFill>
+                  <a:schemeClr val="bg1"/>
+                </a:solidFill>
+              </a:rPr>
+              <a:t>).</a:t>
+            </a:r>
+            <a:endParaRPr lang="ru-RU" sz="2800" dirty="0">
+              <a:solidFill>
+                <a:schemeClr val="bg1"/>
+              </a:solidFill>
+            </a:endParaRPr>
+          </a:p>
+          <a:p>
+            <a:pPr lvl="1"/>
+            <a:r>
+              <a:rPr lang="ru-RU" dirty="0" smtClean="0">
+                <a:solidFill>
+                  <a:schemeClr val="bg1"/>
+                </a:solidFill>
+              </a:rPr>
+              <a:t>На </a:t>
+            </a:r>
+            <a:r>
+              <a:rPr lang="ru-RU" dirty="0" smtClean="0">
+                <a:solidFill>
+                  <a:schemeClr val="bg1"/>
+                </a:solidFill>
+                <a:hlinkClick r:id="rId2"/>
+              </a:rPr>
+              <a:t>русском</a:t>
+            </a:r>
+            <a:r>
+              <a:rPr lang="ru-RU" dirty="0" smtClean="0">
+                <a:solidFill>
+                  <a:schemeClr val="bg1"/>
+                </a:solidFill>
+              </a:rPr>
+              <a:t> и </a:t>
+            </a:r>
+            <a:r>
+              <a:rPr lang="ru-RU" dirty="0" smtClean="0">
+                <a:solidFill>
+                  <a:schemeClr val="bg1"/>
+                </a:solidFill>
+                <a:hlinkClick r:id="rId3"/>
+              </a:rPr>
+              <a:t>английском</a:t>
+            </a:r>
+            <a:r>
+              <a:rPr lang="ru-RU" dirty="0" smtClean="0">
+                <a:solidFill>
+                  <a:schemeClr val="bg1"/>
+                </a:solidFill>
+              </a:rPr>
+              <a:t>.</a:t>
+            </a:r>
+          </a:p>
+          <a:p>
+            <a:r>
+              <a:rPr lang="en-US" sz="2800" dirty="0">
+                <a:solidFill>
+                  <a:schemeClr val="bg1"/>
+                </a:solidFill>
+                <a:hlinkClick r:id="rId4"/>
+              </a:rPr>
+              <a:t>http://</a:t>
+            </a:r>
+            <a:r>
+              <a:rPr lang="en-US" sz="2800" dirty="0" smtClean="0">
+                <a:solidFill>
+                  <a:schemeClr val="bg1"/>
+                </a:solidFill>
+                <a:hlinkClick r:id="rId4"/>
+              </a:rPr>
+              <a:t>www.fileformat.info/info/unicode/index.htm</a:t>
+            </a:r>
+            <a:endParaRPr lang="ru-RU" sz="2800" dirty="0" smtClean="0">
+              <a:solidFill>
+                <a:schemeClr val="bg1"/>
+              </a:solidFill>
+            </a:endParaRPr>
+          </a:p>
+          <a:p>
+            <a:r>
+              <a:rPr lang="en-US" sz="2800" dirty="0"/>
+              <a:t>The Unicode Consortium </a:t>
+            </a:r>
+            <a:r>
+              <a:rPr lang="ru-RU" sz="2800" dirty="0" smtClean="0"/>
+              <a:t>- </a:t>
+            </a:r>
+            <a:r>
+              <a:rPr lang="en-US" sz="2800" dirty="0" smtClean="0">
+                <a:solidFill>
+                  <a:schemeClr val="bg1"/>
+                </a:solidFill>
+                <a:hlinkClick r:id="rId5"/>
+              </a:rPr>
+              <a:t>http</a:t>
+            </a:r>
+            <a:r>
+              <a:rPr lang="en-US" sz="2800" dirty="0">
+                <a:solidFill>
+                  <a:schemeClr val="bg1"/>
+                </a:solidFill>
+                <a:hlinkClick r:id="rId5"/>
+              </a:rPr>
+              <a:t>://unicode.org</a:t>
+            </a:r>
+            <a:r>
+              <a:rPr lang="en-US" sz="2800" dirty="0" smtClean="0">
+                <a:solidFill>
+                  <a:schemeClr val="bg1"/>
+                </a:solidFill>
+                <a:hlinkClick r:id="rId5"/>
+              </a:rPr>
+              <a:t>/</a:t>
+            </a:r>
+            <a:endParaRPr lang="ru-RU" sz="2800" dirty="0"/>
+          </a:p>
+        </p:txBody>
+      </p:sp>
+    </p:spTree>
+    <p:extLst>
+      <p:ext uri="{BB962C8B-B14F-4D97-AF65-F5344CB8AC3E}">
+        <p14:creationId xmlns:p14="http://schemas.microsoft.com/office/powerpoint/2010/main" val="629239500"/>
+      </p:ext>
+    </p:extLst>
+  </p:cSld>
+  <p:clrMapOvr>
+    <a:masterClrMapping/>
+  </p:clrMapOvr>
+  <p:timing>
+    <p:tnLst>
+      <p:par>
+        <p:cTn id="1" dur="indefinite" restart="never" nodeType="tmRoot"/>
+      </p:par>
+    </p:tnLst>
+  </p:timing>
+</p:sld>
+</file>
+
+<file path=ppt/slides/slide12.xml><?xml version="1.0" encoding="utf-8"?>
 <p:sld xmlns:a="http://schemas.openxmlformats.org/drawingml/2006/main" xmlns:r="http://schemas.openxmlformats.org/officeDocument/2006/relationships" xmlns:p="http://schemas.openxmlformats.org/presentationml/2006/main">
   <p:cSld>
     <p:spTree>
@@ -6854,7 +7101,7 @@
 </p:sld>
 </file>
 
-<file path=ppt/slides/slide12.xml><?xml version="1.0" encoding="utf-8"?>
+<file path=ppt/slides/slide13.xml><?xml version="1.0" encoding="utf-8"?>
 <p:sld xmlns:a="http://schemas.openxmlformats.org/drawingml/2006/main" xmlns:r="http://schemas.openxmlformats.org/officeDocument/2006/relationships" xmlns:p="http://schemas.openxmlformats.org/presentationml/2006/main">
   <p:cSld>
     <p:bg>
@@ -7921,7 +8168,7 @@
 </p:sld>
 </file>
 
-<file path=ppt/slides/slide13.xml><?xml version="1.0" encoding="utf-8"?>
+<file path=ppt/slides/slide14.xml><?xml version="1.0" encoding="utf-8"?>
 <p:sld xmlns:a="http://schemas.openxmlformats.org/drawingml/2006/main" xmlns:r="http://schemas.openxmlformats.org/officeDocument/2006/relationships" xmlns:p="http://schemas.openxmlformats.org/presentationml/2006/main">
   <p:cSld>
     <p:bg>
@@ -10208,7 +10455,7 @@
 </p:sld>
 </file>
 
-<file path=ppt/slides/slide14.xml><?xml version="1.0" encoding="utf-8"?>
+<file path=ppt/slides/slide15.xml><?xml version="1.0" encoding="utf-8"?>
 <p:sld xmlns:a="http://schemas.openxmlformats.org/drawingml/2006/main" xmlns:r="http://schemas.openxmlformats.org/officeDocument/2006/relationships" xmlns:p="http://schemas.openxmlformats.org/presentationml/2006/main">
   <p:cSld>
     <p:bg>
@@ -11229,7 +11476,7 @@
 </p:sld>
 </file>
 
-<file path=ppt/slides/slide15.xml><?xml version="1.0" encoding="utf-8"?>
+<file path=ppt/slides/slide16.xml><?xml version="1.0" encoding="utf-8"?>
 <p:sld xmlns:a="http://schemas.openxmlformats.org/drawingml/2006/main" xmlns:r="http://schemas.openxmlformats.org/officeDocument/2006/relationships" xmlns:p="http://schemas.openxmlformats.org/presentationml/2006/main">
   <p:cSld>
     <p:bg>

--- a/Presentation/lesson-03.pptx
+++ b/Presentation/lesson-03.pptx
@@ -19,9 +19,10 @@
     <p:sldId id="274" r:id="rId13"/>
     <p:sldId id="273" r:id="rId14"/>
     <p:sldId id="263" r:id="rId15"/>
-    <p:sldId id="264" r:id="rId16"/>
-    <p:sldId id="265" r:id="rId17"/>
-    <p:sldId id="271" r:id="rId18"/>
+    <p:sldId id="275" r:id="rId16"/>
+    <p:sldId id="264" r:id="rId17"/>
+    <p:sldId id="265" r:id="rId18"/>
+    <p:sldId id="271" r:id="rId19"/>
   </p:sldIdLst>
   <p:sldSz cx="9144000" cy="6858000" type="screen4x3"/>
   <p:notesSz cx="6858000" cy="9144000"/>
@@ -304,7 +305,7 @@
           <a:p>
             <a:fld id="{6D622FCB-595C-4A19-9DA3-A5F2C1EA723F}" type="datetimeFigureOut">
               <a:rPr lang="en-US" smtClean="0"/>
-              <a:t>5/18/2014</a:t>
+              <a:t>8/28/2014</a:t>
             </a:fld>
             <a:endParaRPr lang="en-US"/>
           </a:p>
@@ -474,7 +475,7 @@
           <a:p>
             <a:fld id="{6D622FCB-595C-4A19-9DA3-A5F2C1EA723F}" type="datetimeFigureOut">
               <a:rPr lang="en-US" smtClean="0"/>
-              <a:t>5/18/2014</a:t>
+              <a:t>8/28/2014</a:t>
             </a:fld>
             <a:endParaRPr lang="en-US"/>
           </a:p>
@@ -654,7 +655,7 @@
           <a:p>
             <a:fld id="{6D622FCB-595C-4A19-9DA3-A5F2C1EA723F}" type="datetimeFigureOut">
               <a:rPr lang="en-US" smtClean="0"/>
-              <a:t>5/18/2014</a:t>
+              <a:t>8/28/2014</a:t>
             </a:fld>
             <a:endParaRPr lang="en-US"/>
           </a:p>
@@ -2039,7 +2040,7 @@
           <a:p>
             <a:fld id="{6D622FCB-595C-4A19-9DA3-A5F2C1EA723F}" type="datetimeFigureOut">
               <a:rPr lang="en-US" smtClean="0"/>
-              <a:t>5/18/2014</a:t>
+              <a:t>8/28/2014</a:t>
             </a:fld>
             <a:endParaRPr lang="en-US"/>
           </a:p>
@@ -2912,7 +2913,7 @@
                 </a:solidFill>
               </a:rPr>
               <a:pPr/>
-              <a:t>18.05.2014</a:t>
+              <a:t>28.08.2014</a:t>
             </a:fld>
             <a:endParaRPr lang="ru-RU">
               <a:solidFill>
@@ -3183,7 +3184,7 @@
           <a:p>
             <a:fld id="{6D622FCB-595C-4A19-9DA3-A5F2C1EA723F}" type="datetimeFigureOut">
               <a:rPr lang="en-US" smtClean="0"/>
-              <a:t>5/18/2014</a:t>
+              <a:t>8/28/2014</a:t>
             </a:fld>
             <a:endParaRPr lang="en-US"/>
           </a:p>
@@ -3471,7 +3472,7 @@
           <a:p>
             <a:fld id="{6D622FCB-595C-4A19-9DA3-A5F2C1EA723F}" type="datetimeFigureOut">
               <a:rPr lang="en-US" smtClean="0"/>
-              <a:t>5/18/2014</a:t>
+              <a:t>8/28/2014</a:t>
             </a:fld>
             <a:endParaRPr lang="en-US"/>
           </a:p>
@@ -3893,7 +3894,7 @@
           <a:p>
             <a:fld id="{6D622FCB-595C-4A19-9DA3-A5F2C1EA723F}" type="datetimeFigureOut">
               <a:rPr lang="en-US" smtClean="0"/>
-              <a:t>5/18/2014</a:t>
+              <a:t>8/28/2014</a:t>
             </a:fld>
             <a:endParaRPr lang="en-US"/>
           </a:p>
@@ -4011,7 +4012,7 @@
           <a:p>
             <a:fld id="{6D622FCB-595C-4A19-9DA3-A5F2C1EA723F}" type="datetimeFigureOut">
               <a:rPr lang="en-US" smtClean="0"/>
-              <a:t>5/18/2014</a:t>
+              <a:t>8/28/2014</a:t>
             </a:fld>
             <a:endParaRPr lang="en-US"/>
           </a:p>
@@ -4106,7 +4107,7 @@
           <a:p>
             <a:fld id="{6D622FCB-595C-4A19-9DA3-A5F2C1EA723F}" type="datetimeFigureOut">
               <a:rPr lang="en-US" smtClean="0"/>
-              <a:t>5/18/2014</a:t>
+              <a:t>8/28/2014</a:t>
             </a:fld>
             <a:endParaRPr lang="en-US"/>
           </a:p>
@@ -4383,7 +4384,7 @@
           <a:p>
             <a:fld id="{6D622FCB-595C-4A19-9DA3-A5F2C1EA723F}" type="datetimeFigureOut">
               <a:rPr lang="en-US" smtClean="0"/>
-              <a:t>5/18/2014</a:t>
+              <a:t>8/28/2014</a:t>
             </a:fld>
             <a:endParaRPr lang="en-US"/>
           </a:p>
@@ -4636,7 +4637,7 @@
           <a:p>
             <a:fld id="{6D622FCB-595C-4A19-9DA3-A5F2C1EA723F}" type="datetimeFigureOut">
               <a:rPr lang="en-US" smtClean="0"/>
-              <a:t>5/18/2014</a:t>
+              <a:t>8/28/2014</a:t>
             </a:fld>
             <a:endParaRPr lang="en-US"/>
           </a:p>
@@ -4849,7 +4850,7 @@
           <a:p>
             <a:fld id="{6D622FCB-595C-4A19-9DA3-A5F2C1EA723F}" type="datetimeFigureOut">
               <a:rPr lang="en-US" smtClean="0"/>
-              <a:t>5/18/2014</a:t>
+              <a:t>8/28/2014</a:t>
             </a:fld>
             <a:endParaRPr lang="en-US"/>
           </a:p>
@@ -5375,7 +5376,7 @@
                 </a:solidFill>
               </a:rPr>
               <a:pPr/>
-              <a:t>18.05.2014</a:t>
+              <a:t>28.08.2014</a:t>
             </a:fld>
             <a:endParaRPr lang="ru-RU">
               <a:solidFill>
@@ -6195,11 +6196,7 @@
           <a:p>
             <a:r>
               <a:rPr lang="ru-RU" dirty="0" smtClean="0"/>
-              <a:t>Кодировки </a:t>
-            </a:r>
-            <a:r>
-              <a:rPr lang="ru-RU" dirty="0" smtClean="0"/>
-              <a:t>текста</a:t>
+              <a:t>Кодировки текста</a:t>
             </a:r>
             <a:r>
               <a:rPr lang="en-US" dirty="0"/>
@@ -7475,7 +7472,40 @@
                 <a:ea typeface="Calibri" pitchFamily="34" charset="0"/>
                 <a:cs typeface="Courier New" pitchFamily="49" charset="0"/>
               </a:rPr>
-              <a:t>Encoding ascii = Encoding.GetEncoding("ascii");</a:t>
+              <a:t>Encoding ascii = Encoding.GetEncoding</a:t>
+            </a:r>
+            <a:r>
+              <a:rPr lang="be-BY" dirty="0" smtClean="0">
+                <a:solidFill>
+                  <a:schemeClr val="bg1"/>
+                </a:solidFill>
+                <a:latin typeface="Courier New" pitchFamily="49" charset="0"/>
+                <a:ea typeface="Calibri" pitchFamily="34" charset="0"/>
+                <a:cs typeface="Courier New" pitchFamily="49" charset="0"/>
+              </a:rPr>
+              <a:t>(“</a:t>
+            </a:r>
+            <a:r>
+              <a:rPr lang="en-US" dirty="0" smtClean="0">
+                <a:solidFill>
+                  <a:schemeClr val="bg1"/>
+                </a:solidFill>
+                <a:latin typeface="Courier New" pitchFamily="49" charset="0"/>
+                <a:ea typeface="Calibri" pitchFamily="34" charset="0"/>
+                <a:cs typeface="Courier New" pitchFamily="49" charset="0"/>
+              </a:rPr>
+              <a:t>windows-1251</a:t>
+            </a:r>
+            <a:r>
+              <a:rPr lang="be-BY" dirty="0" smtClean="0">
+                <a:solidFill>
+                  <a:schemeClr val="bg1"/>
+                </a:solidFill>
+                <a:latin typeface="Courier New" pitchFamily="49" charset="0"/>
+                <a:ea typeface="Calibri" pitchFamily="34" charset="0"/>
+                <a:cs typeface="Courier New" pitchFamily="49" charset="0"/>
+              </a:rPr>
+              <a:t>");</a:t>
             </a:r>
             <a:endParaRPr lang="be-BY" dirty="0">
               <a:solidFill>
@@ -7706,7 +7736,18 @@
                 <a:ea typeface="Calibri" pitchFamily="34" charset="0"/>
                 <a:cs typeface="Courier New" pitchFamily="49" charset="0"/>
               </a:rPr>
-              <a:t>            Encoding.ASCII;</a:t>
+              <a:t>            </a:t>
+            </a:r>
+            <a:r>
+              <a:rPr lang="be-BY" sz="1600" dirty="0" smtClean="0">
+                <a:solidFill>
+                  <a:schemeClr val="bg1"/>
+                </a:solidFill>
+                <a:latin typeface="Courier New" pitchFamily="49" charset="0"/>
+                <a:ea typeface="Calibri" pitchFamily="34" charset="0"/>
+                <a:cs typeface="Courier New" pitchFamily="49" charset="0"/>
+              </a:rPr>
+              <a:t>Encoding.ASCII</a:t>
             </a:r>
             <a:endParaRPr lang="be-BY" sz="1600" dirty="0">
               <a:solidFill>
@@ -7727,7 +7768,18 @@
                 <a:ea typeface="Calibri" pitchFamily="34" charset="0"/>
                 <a:cs typeface="Courier New" pitchFamily="49" charset="0"/>
               </a:rPr>
-              <a:t>            Encoding.Unicode;</a:t>
+              <a:t>            </a:t>
+            </a:r>
+            <a:r>
+              <a:rPr lang="be-BY" sz="1600" dirty="0" smtClean="0">
+                <a:solidFill>
+                  <a:schemeClr val="bg1"/>
+                </a:solidFill>
+                <a:latin typeface="Courier New" pitchFamily="49" charset="0"/>
+                <a:ea typeface="Calibri" pitchFamily="34" charset="0"/>
+                <a:cs typeface="Courier New" pitchFamily="49" charset="0"/>
+              </a:rPr>
+              <a:t>Encoding.Unicode</a:t>
             </a:r>
             <a:endParaRPr lang="be-BY" sz="1600" dirty="0">
               <a:solidFill>
@@ -7740,7 +7792,7 @@
           <a:p>
             <a:pPr eaLnBrk="0" hangingPunct="0"/>
             <a:r>
-              <a:rPr lang="be-BY" sz="1600" dirty="0">
+              <a:rPr lang="be-BY" sz="1600">
                 <a:solidFill>
                   <a:schemeClr val="bg1"/>
                 </a:solidFill>
@@ -7748,7 +7800,18 @@
                 <a:ea typeface="Calibri" pitchFamily="34" charset="0"/>
                 <a:cs typeface="Courier New" pitchFamily="49" charset="0"/>
               </a:rPr>
-              <a:t>            Encoding.UTF32;</a:t>
+              <a:t>            </a:t>
+            </a:r>
+            <a:r>
+              <a:rPr lang="be-BY" sz="1600" smtClean="0">
+                <a:solidFill>
+                  <a:schemeClr val="bg1"/>
+                </a:solidFill>
+                <a:latin typeface="Courier New" pitchFamily="49" charset="0"/>
+                <a:ea typeface="Calibri" pitchFamily="34" charset="0"/>
+                <a:cs typeface="Courier New" pitchFamily="49" charset="0"/>
+              </a:rPr>
+              <a:t>Encoding.UTF32</a:t>
             </a:r>
             <a:endParaRPr lang="be-BY" sz="1600" dirty="0">
               <a:solidFill>
@@ -8169,6 +8232,821 @@
 </file>
 
 <file path=ppt/slides/slide14.xml><?xml version="1.0" encoding="utf-8"?>
+<p:sld xmlns:a="http://schemas.openxmlformats.org/drawingml/2006/main" xmlns:r="http://schemas.openxmlformats.org/officeDocument/2006/relationships" xmlns:p="http://schemas.openxmlformats.org/presentationml/2006/main">
+  <p:cSld>
+    <p:bg>
+      <p:bgPr>
+        <a:blipFill dpi="0" rotWithShape="1">
+          <a:blip r:embed="rId2">
+            <a:lum/>
+          </a:blip>
+          <a:srcRect/>
+          <a:stretch>
+            <a:fillRect/>
+          </a:stretch>
+        </a:blipFill>
+        <a:effectLst/>
+      </p:bgPr>
+    </p:bg>
+    <p:spTree>
+      <p:nvGrpSpPr>
+        <p:cNvPr id="1" name=""/>
+        <p:cNvGrpSpPr/>
+        <p:nvPr/>
+      </p:nvGrpSpPr>
+      <p:grpSpPr>
+        <a:xfrm>
+          <a:off x="0" y="0"/>
+          <a:ext cx="0" cy="0"/>
+          <a:chOff x="0" y="0"/>
+          <a:chExt cx="0" cy="0"/>
+        </a:xfrm>
+      </p:grpSpPr>
+      <p:sp>
+        <p:nvSpPr>
+          <p:cNvPr id="8194" name="Rectangle 1"/>
+          <p:cNvSpPr>
+            <a:spLocks noChangeArrowheads="1"/>
+          </p:cNvSpPr>
+          <p:nvPr/>
+        </p:nvSpPr>
+        <p:spPr bwMode="auto">
+          <a:xfrm>
+            <a:off x="457200" y="-4763"/>
+            <a:ext cx="8305800" cy="461963"/>
+          </a:xfrm>
+          <a:prstGeom prst="rect">
+            <a:avLst/>
+          </a:prstGeom>
+          <a:noFill/>
+          <a:ln>
+            <a:noFill/>
+          </a:ln>
+          <a:extLst>
+            <a:ext uri="{909E8E84-426E-40DD-AFC4-6F175D3DCCD1}">
+              <a14:hiddenFill xmlns:a14="http://schemas.microsoft.com/office/drawing/2010/main">
+                <a:solidFill>
+                  <a:srgbClr val="FFFFFF"/>
+                </a:solidFill>
+              </a14:hiddenFill>
+            </a:ext>
+            <a:ext uri="{91240B29-F687-4F45-9708-019B960494DF}">
+              <a14:hiddenLine xmlns:a14="http://schemas.microsoft.com/office/drawing/2010/main" w="9525">
+                <a:solidFill>
+                  <a:srgbClr val="000000"/>
+                </a:solidFill>
+                <a:miter lim="800000"/>
+                <a:headEnd/>
+                <a:tailEnd/>
+              </a14:hiddenLine>
+            </a:ext>
+          </a:extLst>
+        </p:spPr>
+        <p:txBody>
+          <a:bodyPr anchor="ctr">
+            <a:spAutoFit/>
+          </a:bodyPr>
+          <a:lstStyle/>
+          <a:p>
+            <a:pPr algn="ctr">
+              <a:tabLst>
+                <a:tab pos="457200" algn="l"/>
+              </a:tabLst>
+            </a:pPr>
+            <a:r>
+              <a:rPr lang="ru-RU" sz="2400" dirty="0" smtClean="0">
+                <a:cs typeface="Times New Roman" pitchFamily="18" charset="0"/>
+              </a:rPr>
+              <a:t>Поддерживаемые кодировки</a:t>
+            </a:r>
+            <a:endParaRPr lang="en-US" sz="2400" dirty="0">
+              <a:cs typeface="Times New Roman" pitchFamily="18" charset="0"/>
+            </a:endParaRPr>
+          </a:p>
+        </p:txBody>
+      </p:sp>
+      <p:sp>
+        <p:nvSpPr>
+          <p:cNvPr id="8195" name="Rectangle 64"/>
+          <p:cNvSpPr>
+            <a:spLocks noChangeArrowheads="1"/>
+          </p:cNvSpPr>
+          <p:nvPr/>
+        </p:nvSpPr>
+        <p:spPr bwMode="auto">
+          <a:xfrm>
+            <a:off x="0" y="0"/>
+            <a:ext cx="9144000" cy="0"/>
+          </a:xfrm>
+          <a:prstGeom prst="rect">
+            <a:avLst/>
+          </a:prstGeom>
+          <a:noFill/>
+          <a:ln>
+            <a:noFill/>
+          </a:ln>
+          <a:extLst>
+            <a:ext uri="{909E8E84-426E-40DD-AFC4-6F175D3DCCD1}">
+              <a14:hiddenFill xmlns:a14="http://schemas.microsoft.com/office/drawing/2010/main">
+                <a:solidFill>
+                  <a:srgbClr val="FFFFFF"/>
+                </a:solidFill>
+              </a14:hiddenFill>
+            </a:ext>
+            <a:ext uri="{91240B29-F687-4F45-9708-019B960494DF}">
+              <a14:hiddenLine xmlns:a14="http://schemas.microsoft.com/office/drawing/2010/main" w="9525">
+                <a:solidFill>
+                  <a:srgbClr val="000000"/>
+                </a:solidFill>
+                <a:miter lim="800000"/>
+                <a:headEnd/>
+                <a:tailEnd/>
+              </a14:hiddenLine>
+            </a:ext>
+          </a:extLst>
+        </p:spPr>
+        <p:txBody>
+          <a:bodyPr wrap="none" anchor="ctr">
+            <a:spAutoFit/>
+          </a:bodyPr>
+          <a:lstStyle/>
+          <a:p>
+            <a:endParaRPr lang="be-BY"/>
+          </a:p>
+        </p:txBody>
+      </p:sp>
+      <p:sp>
+        <p:nvSpPr>
+          <p:cNvPr id="8196" name="TextBox 6"/>
+          <p:cNvSpPr txBox="1">
+            <a:spLocks noChangeArrowheads="1"/>
+          </p:cNvSpPr>
+          <p:nvPr/>
+        </p:nvSpPr>
+        <p:spPr bwMode="auto">
+          <a:xfrm>
+            <a:off x="152400" y="457200"/>
+            <a:ext cx="8839200" cy="584775"/>
+          </a:xfrm>
+          <a:prstGeom prst="rect">
+            <a:avLst/>
+          </a:prstGeom>
+          <a:noFill/>
+          <a:ln>
+            <a:noFill/>
+          </a:ln>
+          <a:extLst>
+            <a:ext uri="{909E8E84-426E-40DD-AFC4-6F175D3DCCD1}">
+              <a14:hiddenFill xmlns:a14="http://schemas.microsoft.com/office/drawing/2010/main">
+                <a:solidFill>
+                  <a:srgbClr val="FFFFFF"/>
+                </a:solidFill>
+              </a14:hiddenFill>
+            </a:ext>
+            <a:ext uri="{91240B29-F687-4F45-9708-019B960494DF}">
+              <a14:hiddenLine xmlns:a14="http://schemas.microsoft.com/office/drawing/2010/main" w="9525">
+                <a:solidFill>
+                  <a:srgbClr val="000000"/>
+                </a:solidFill>
+                <a:miter lim="800000"/>
+                <a:headEnd/>
+                <a:tailEnd/>
+              </a14:hiddenLine>
+            </a:ext>
+          </a:extLst>
+        </p:spPr>
+        <p:txBody>
+          <a:bodyPr>
+            <a:spAutoFit/>
+          </a:bodyPr>
+          <a:lstStyle>
+            <a:lvl1pPr defTabSz="358775" eaLnBrk="0" hangingPunct="0">
+              <a:defRPr>
+                <a:solidFill>
+                  <a:schemeClr val="tx1"/>
+                </a:solidFill>
+                <a:latin typeface="Arial" charset="0"/>
+              </a:defRPr>
+            </a:lvl1pPr>
+            <a:lvl2pPr marL="742950" indent="-285750" defTabSz="358775" eaLnBrk="0" hangingPunct="0">
+              <a:defRPr>
+                <a:solidFill>
+                  <a:schemeClr val="tx1"/>
+                </a:solidFill>
+                <a:latin typeface="Arial" charset="0"/>
+              </a:defRPr>
+            </a:lvl2pPr>
+            <a:lvl3pPr marL="1143000" indent="-228600" defTabSz="358775" eaLnBrk="0" hangingPunct="0">
+              <a:defRPr>
+                <a:solidFill>
+                  <a:schemeClr val="tx1"/>
+                </a:solidFill>
+                <a:latin typeface="Arial" charset="0"/>
+              </a:defRPr>
+            </a:lvl3pPr>
+            <a:lvl4pPr marL="1600200" indent="-228600" defTabSz="358775" eaLnBrk="0" hangingPunct="0">
+              <a:defRPr>
+                <a:solidFill>
+                  <a:schemeClr val="tx1"/>
+                </a:solidFill>
+                <a:latin typeface="Arial" charset="0"/>
+              </a:defRPr>
+            </a:lvl4pPr>
+            <a:lvl5pPr marL="2057400" indent="-228600" defTabSz="358775" eaLnBrk="0" hangingPunct="0">
+              <a:defRPr>
+                <a:solidFill>
+                  <a:schemeClr val="tx1"/>
+                </a:solidFill>
+                <a:latin typeface="Arial" charset="0"/>
+              </a:defRPr>
+            </a:lvl5pPr>
+            <a:lvl6pPr marL="2514600" indent="-228600" defTabSz="358775" eaLnBrk="0" fontAlgn="base" hangingPunct="0">
+              <a:spcBef>
+                <a:spcPct val="0"/>
+              </a:spcBef>
+              <a:spcAft>
+                <a:spcPct val="0"/>
+              </a:spcAft>
+              <a:defRPr>
+                <a:solidFill>
+                  <a:schemeClr val="tx1"/>
+                </a:solidFill>
+                <a:latin typeface="Arial" charset="0"/>
+              </a:defRPr>
+            </a:lvl6pPr>
+            <a:lvl7pPr marL="2971800" indent="-228600" defTabSz="358775" eaLnBrk="0" fontAlgn="base" hangingPunct="0">
+              <a:spcBef>
+                <a:spcPct val="0"/>
+              </a:spcBef>
+              <a:spcAft>
+                <a:spcPct val="0"/>
+              </a:spcAft>
+              <a:defRPr>
+                <a:solidFill>
+                  <a:schemeClr val="tx1"/>
+                </a:solidFill>
+                <a:latin typeface="Arial" charset="0"/>
+              </a:defRPr>
+            </a:lvl7pPr>
+            <a:lvl8pPr marL="3429000" indent="-228600" defTabSz="358775" eaLnBrk="0" fontAlgn="base" hangingPunct="0">
+              <a:spcBef>
+                <a:spcPct val="0"/>
+              </a:spcBef>
+              <a:spcAft>
+                <a:spcPct val="0"/>
+              </a:spcAft>
+              <a:defRPr>
+                <a:solidFill>
+                  <a:schemeClr val="tx1"/>
+                </a:solidFill>
+                <a:latin typeface="Arial" charset="0"/>
+              </a:defRPr>
+            </a:lvl8pPr>
+            <a:lvl9pPr marL="3886200" indent="-228600" defTabSz="358775" eaLnBrk="0" fontAlgn="base" hangingPunct="0">
+              <a:spcBef>
+                <a:spcPct val="0"/>
+              </a:spcBef>
+              <a:spcAft>
+                <a:spcPct val="0"/>
+              </a:spcAft>
+              <a:defRPr>
+                <a:solidFill>
+                  <a:schemeClr val="tx1"/>
+                </a:solidFill>
+                <a:latin typeface="Arial" charset="0"/>
+              </a:defRPr>
+            </a:lvl9pPr>
+          </a:lstStyle>
+          <a:p>
+            <a:pPr eaLnBrk="1" hangingPunct="1"/>
+            <a:r>
+              <a:rPr lang="ru-RU" sz="1600" dirty="0" smtClean="0"/>
+              <a:t>Список поддерживаемых кодировок можно получить с помощью метода </a:t>
+            </a:r>
+            <a:r>
+              <a:rPr lang="en-US" sz="1600" dirty="0" err="1" smtClean="0"/>
+              <a:t>GetEncodings</a:t>
+            </a:r>
+            <a:r>
+              <a:rPr lang="en-US" sz="1600" dirty="0" smtClean="0"/>
+              <a:t>() </a:t>
+            </a:r>
+            <a:r>
+              <a:rPr lang="ru-RU" sz="1600" dirty="0" smtClean="0"/>
+              <a:t>класса </a:t>
+            </a:r>
+            <a:r>
+              <a:rPr lang="en-US" sz="1600" dirty="0" smtClean="0"/>
+              <a:t>Encoding.</a:t>
+            </a:r>
+            <a:endParaRPr lang="en-US" sz="1600" dirty="0"/>
+          </a:p>
+        </p:txBody>
+      </p:sp>
+      <p:sp>
+        <p:nvSpPr>
+          <p:cNvPr id="3" name="Rectangle 2"/>
+          <p:cNvSpPr/>
+          <p:nvPr/>
+        </p:nvSpPr>
+        <p:spPr>
+          <a:xfrm>
+            <a:off x="152400" y="1268760"/>
+            <a:ext cx="8610600" cy="369332"/>
+          </a:xfrm>
+          <a:prstGeom prst="rect">
+            <a:avLst/>
+          </a:prstGeom>
+          <a:solidFill>
+            <a:schemeClr val="bg1"/>
+          </a:solidFill>
+        </p:spPr>
+        <p:txBody>
+          <a:bodyPr wrap="square">
+            <a:spAutoFit/>
+          </a:bodyPr>
+          <a:lstStyle/>
+          <a:p>
+            <a:r>
+              <a:rPr lang="en-US" dirty="0" err="1">
+                <a:solidFill>
+                  <a:srgbClr val="2B91AF"/>
+                </a:solidFill>
+                <a:latin typeface="Consolas"/>
+              </a:rPr>
+              <a:t>EncodingInfo</a:t>
+            </a:r>
+            <a:r>
+              <a:rPr lang="en-US" dirty="0">
+                <a:solidFill>
+                  <a:prstClr val="black"/>
+                </a:solidFill>
+                <a:latin typeface="Consolas"/>
+              </a:rPr>
+              <a:t>[] </a:t>
+            </a:r>
+            <a:r>
+              <a:rPr lang="en-US" dirty="0" err="1">
+                <a:solidFill>
+                  <a:prstClr val="black"/>
+                </a:solidFill>
+                <a:latin typeface="Consolas"/>
+              </a:rPr>
+              <a:t>supportedEncodings</a:t>
+            </a:r>
+            <a:r>
+              <a:rPr lang="en-US" dirty="0">
+                <a:solidFill>
+                  <a:prstClr val="black"/>
+                </a:solidFill>
+                <a:latin typeface="Consolas"/>
+              </a:rPr>
+              <a:t> = </a:t>
+            </a:r>
+            <a:r>
+              <a:rPr lang="en-US" dirty="0" err="1">
+                <a:solidFill>
+                  <a:srgbClr val="2B91AF"/>
+                </a:solidFill>
+                <a:latin typeface="Consolas"/>
+              </a:rPr>
+              <a:t>Encoding</a:t>
+            </a:r>
+            <a:r>
+              <a:rPr lang="en-US" dirty="0" err="1">
+                <a:solidFill>
+                  <a:prstClr val="black"/>
+                </a:solidFill>
+                <a:latin typeface="Consolas"/>
+              </a:rPr>
+              <a:t>.GetEncodings</a:t>
+            </a:r>
+            <a:r>
+              <a:rPr lang="en-US" dirty="0">
+                <a:solidFill>
+                  <a:prstClr val="black"/>
+                </a:solidFill>
+                <a:latin typeface="Consolas"/>
+              </a:rPr>
+              <a:t>();</a:t>
+            </a:r>
+          </a:p>
+        </p:txBody>
+      </p:sp>
+      <p:sp>
+        <p:nvSpPr>
+          <p:cNvPr id="11" name="TextBox 6"/>
+          <p:cNvSpPr txBox="1">
+            <a:spLocks noChangeArrowheads="1"/>
+          </p:cNvSpPr>
+          <p:nvPr/>
+        </p:nvSpPr>
+        <p:spPr bwMode="auto">
+          <a:xfrm>
+            <a:off x="152998" y="1836113"/>
+            <a:ext cx="8839200" cy="2800767"/>
+          </a:xfrm>
+          <a:prstGeom prst="rect">
+            <a:avLst/>
+          </a:prstGeom>
+          <a:noFill/>
+          <a:ln>
+            <a:noFill/>
+          </a:ln>
+          <a:extLst>
+            <a:ext uri="{909E8E84-426E-40DD-AFC4-6F175D3DCCD1}">
+              <a14:hiddenFill xmlns:a14="http://schemas.microsoft.com/office/drawing/2010/main">
+                <a:solidFill>
+                  <a:srgbClr val="FFFFFF"/>
+                </a:solidFill>
+              </a14:hiddenFill>
+            </a:ext>
+            <a:ext uri="{91240B29-F687-4F45-9708-019B960494DF}">
+              <a14:hiddenLine xmlns:a14="http://schemas.microsoft.com/office/drawing/2010/main" w="9525">
+                <a:solidFill>
+                  <a:srgbClr val="000000"/>
+                </a:solidFill>
+                <a:miter lim="800000"/>
+                <a:headEnd/>
+                <a:tailEnd/>
+              </a14:hiddenLine>
+            </a:ext>
+          </a:extLst>
+        </p:spPr>
+        <p:txBody>
+          <a:bodyPr>
+            <a:spAutoFit/>
+          </a:bodyPr>
+          <a:lstStyle>
+            <a:lvl1pPr defTabSz="358775" eaLnBrk="0" hangingPunct="0">
+              <a:defRPr>
+                <a:solidFill>
+                  <a:schemeClr val="tx1"/>
+                </a:solidFill>
+                <a:latin typeface="Arial" charset="0"/>
+              </a:defRPr>
+            </a:lvl1pPr>
+            <a:lvl2pPr marL="742950" indent="-285750" defTabSz="358775" eaLnBrk="0" hangingPunct="0">
+              <a:defRPr>
+                <a:solidFill>
+                  <a:schemeClr val="tx1"/>
+                </a:solidFill>
+                <a:latin typeface="Arial" charset="0"/>
+              </a:defRPr>
+            </a:lvl2pPr>
+            <a:lvl3pPr marL="1143000" indent="-228600" defTabSz="358775" eaLnBrk="0" hangingPunct="0">
+              <a:defRPr>
+                <a:solidFill>
+                  <a:schemeClr val="tx1"/>
+                </a:solidFill>
+                <a:latin typeface="Arial" charset="0"/>
+              </a:defRPr>
+            </a:lvl3pPr>
+            <a:lvl4pPr marL="1600200" indent="-228600" defTabSz="358775" eaLnBrk="0" hangingPunct="0">
+              <a:defRPr>
+                <a:solidFill>
+                  <a:schemeClr val="tx1"/>
+                </a:solidFill>
+                <a:latin typeface="Arial" charset="0"/>
+              </a:defRPr>
+            </a:lvl4pPr>
+            <a:lvl5pPr marL="2057400" indent="-228600" defTabSz="358775" eaLnBrk="0" hangingPunct="0">
+              <a:defRPr>
+                <a:solidFill>
+                  <a:schemeClr val="tx1"/>
+                </a:solidFill>
+                <a:latin typeface="Arial" charset="0"/>
+              </a:defRPr>
+            </a:lvl5pPr>
+            <a:lvl6pPr marL="2514600" indent="-228600" defTabSz="358775" eaLnBrk="0" fontAlgn="base" hangingPunct="0">
+              <a:spcBef>
+                <a:spcPct val="0"/>
+              </a:spcBef>
+              <a:spcAft>
+                <a:spcPct val="0"/>
+              </a:spcAft>
+              <a:defRPr>
+                <a:solidFill>
+                  <a:schemeClr val="tx1"/>
+                </a:solidFill>
+                <a:latin typeface="Arial" charset="0"/>
+              </a:defRPr>
+            </a:lvl6pPr>
+            <a:lvl7pPr marL="2971800" indent="-228600" defTabSz="358775" eaLnBrk="0" fontAlgn="base" hangingPunct="0">
+              <a:spcBef>
+                <a:spcPct val="0"/>
+              </a:spcBef>
+              <a:spcAft>
+                <a:spcPct val="0"/>
+              </a:spcAft>
+              <a:defRPr>
+                <a:solidFill>
+                  <a:schemeClr val="tx1"/>
+                </a:solidFill>
+                <a:latin typeface="Arial" charset="0"/>
+              </a:defRPr>
+            </a:lvl7pPr>
+            <a:lvl8pPr marL="3429000" indent="-228600" defTabSz="358775" eaLnBrk="0" fontAlgn="base" hangingPunct="0">
+              <a:spcBef>
+                <a:spcPct val="0"/>
+              </a:spcBef>
+              <a:spcAft>
+                <a:spcPct val="0"/>
+              </a:spcAft>
+              <a:defRPr>
+                <a:solidFill>
+                  <a:schemeClr val="tx1"/>
+                </a:solidFill>
+                <a:latin typeface="Arial" charset="0"/>
+              </a:defRPr>
+            </a:lvl8pPr>
+            <a:lvl9pPr marL="3886200" indent="-228600" defTabSz="358775" eaLnBrk="0" fontAlgn="base" hangingPunct="0">
+              <a:spcBef>
+                <a:spcPct val="0"/>
+              </a:spcBef>
+              <a:spcAft>
+                <a:spcPct val="0"/>
+              </a:spcAft>
+              <a:defRPr>
+                <a:solidFill>
+                  <a:schemeClr val="tx1"/>
+                </a:solidFill>
+                <a:latin typeface="Arial" charset="0"/>
+              </a:defRPr>
+            </a:lvl9pPr>
+          </a:lstStyle>
+          <a:p>
+            <a:pPr eaLnBrk="1" hangingPunct="1"/>
+            <a:r>
+              <a:rPr lang="ru-RU" sz="1600" dirty="0" smtClean="0"/>
+              <a:t>Некоторые поддерживаемые кодировки:</a:t>
+            </a:r>
+          </a:p>
+          <a:p>
+            <a:pPr marL="285750" indent="-285750">
+              <a:buFont typeface="Arial" panose="020B0604020202020204" pitchFamily="34" charset="0"/>
+              <a:buChar char="•"/>
+            </a:pPr>
+            <a:r>
+              <a:rPr lang="en-US" sz="1600" dirty="0" smtClean="0"/>
+              <a:t>cp866</a:t>
+            </a:r>
+            <a:r>
+              <a:rPr lang="ru-RU" sz="1600" dirty="0"/>
+              <a:t>	</a:t>
+            </a:r>
+            <a:r>
+              <a:rPr lang="ru-RU" sz="1600" dirty="0" smtClean="0"/>
+              <a:t>		</a:t>
+            </a:r>
+            <a:r>
+              <a:rPr lang="en-US" sz="1600" dirty="0" smtClean="0"/>
+              <a:t>Cyrillic </a:t>
+            </a:r>
+            <a:r>
+              <a:rPr lang="en-US" sz="1600" dirty="0"/>
+              <a:t>(</a:t>
+            </a:r>
+            <a:r>
+              <a:rPr lang="en-US" sz="1600" dirty="0" smtClean="0"/>
+              <a:t>DOS)</a:t>
+            </a:r>
+            <a:endParaRPr lang="ru-RU" sz="1600" dirty="0" smtClean="0"/>
+          </a:p>
+          <a:p>
+            <a:pPr marL="285750" indent="-285750">
+              <a:buFont typeface="Arial" panose="020B0604020202020204" pitchFamily="34" charset="0"/>
+              <a:buChar char="•"/>
+            </a:pPr>
+            <a:r>
+              <a:rPr lang="en-US" sz="1600" dirty="0" smtClean="0"/>
+              <a:t>IBM1026</a:t>
+            </a:r>
+            <a:r>
+              <a:rPr lang="ru-RU" sz="1600" dirty="0" smtClean="0"/>
+              <a:t>		</a:t>
+            </a:r>
+            <a:r>
+              <a:rPr lang="en-US" sz="1600" dirty="0" smtClean="0"/>
+              <a:t>IBM </a:t>
+            </a:r>
+            <a:r>
+              <a:rPr lang="en-US" sz="1600" dirty="0"/>
+              <a:t>EBCDIC (Turkish </a:t>
+            </a:r>
+            <a:r>
+              <a:rPr lang="en-US" sz="1600" dirty="0" smtClean="0"/>
+              <a:t>Latin-5)</a:t>
+            </a:r>
+            <a:endParaRPr lang="ru-RU" sz="1600" dirty="0"/>
+          </a:p>
+          <a:p>
+            <a:pPr marL="285750" indent="-285750">
+              <a:buFont typeface="Arial" panose="020B0604020202020204" pitchFamily="34" charset="0"/>
+              <a:buChar char="•"/>
+            </a:pPr>
+            <a:r>
+              <a:rPr lang="en-US" sz="1600" dirty="0" smtClean="0"/>
+              <a:t>iso-8859-1</a:t>
+            </a:r>
+            <a:r>
+              <a:rPr lang="ru-RU" sz="1600" dirty="0" smtClean="0"/>
+              <a:t>		</a:t>
+            </a:r>
+            <a:r>
+              <a:rPr lang="en-US" sz="1600" dirty="0" smtClean="0"/>
+              <a:t>Western </a:t>
+            </a:r>
+            <a:r>
+              <a:rPr lang="en-US" sz="1600" dirty="0"/>
+              <a:t>European (</a:t>
+            </a:r>
+            <a:r>
+              <a:rPr lang="en-US" sz="1600" dirty="0" smtClean="0"/>
+              <a:t>ISO)</a:t>
+            </a:r>
+            <a:endParaRPr lang="ru-RU" sz="1600" dirty="0" smtClean="0"/>
+          </a:p>
+          <a:p>
+            <a:pPr marL="285750" indent="-285750">
+              <a:buFont typeface="Arial" panose="020B0604020202020204" pitchFamily="34" charset="0"/>
+              <a:buChar char="•"/>
+            </a:pPr>
+            <a:r>
+              <a:rPr lang="en-US" sz="1600" dirty="0" smtClean="0"/>
+              <a:t>koi8-r</a:t>
+            </a:r>
+            <a:r>
+              <a:rPr lang="ru-RU" sz="1600" dirty="0" smtClean="0"/>
+              <a:t>			</a:t>
+            </a:r>
+            <a:r>
+              <a:rPr lang="en-US" sz="1600" dirty="0" smtClean="0"/>
+              <a:t>Cyrillic </a:t>
+            </a:r>
+            <a:r>
+              <a:rPr lang="en-US" sz="1600" dirty="0"/>
+              <a:t>(</a:t>
+            </a:r>
+            <a:r>
+              <a:rPr lang="en-US" sz="1600" dirty="0" smtClean="0"/>
+              <a:t>KOI8-R)</a:t>
+            </a:r>
+            <a:endParaRPr lang="ru-RU" sz="1600" dirty="0" smtClean="0"/>
+          </a:p>
+          <a:p>
+            <a:pPr marL="285750" indent="-285750">
+              <a:buFont typeface="Arial" panose="020B0604020202020204" pitchFamily="34" charset="0"/>
+              <a:buChar char="•"/>
+            </a:pPr>
+            <a:r>
+              <a:rPr lang="en-US" sz="1600" dirty="0" smtClean="0"/>
+              <a:t>koi8-u</a:t>
+            </a:r>
+            <a:r>
+              <a:rPr lang="ru-RU" sz="1600" dirty="0" smtClean="0"/>
+              <a:t>			</a:t>
+            </a:r>
+            <a:r>
+              <a:rPr lang="en-US" sz="1600" dirty="0" smtClean="0"/>
+              <a:t>Cyrillic </a:t>
+            </a:r>
+            <a:r>
+              <a:rPr lang="en-US" sz="1600" dirty="0"/>
+              <a:t>(</a:t>
+            </a:r>
+            <a:r>
+              <a:rPr lang="en-US" sz="1600" dirty="0" smtClean="0"/>
+              <a:t>KOI8-U)</a:t>
+            </a:r>
+            <a:endParaRPr lang="ru-RU" sz="1600" dirty="0" smtClean="0"/>
+          </a:p>
+          <a:p>
+            <a:pPr marL="285750" indent="-285750">
+              <a:buFont typeface="Arial" panose="020B0604020202020204" pitchFamily="34" charset="0"/>
+              <a:buChar char="•"/>
+            </a:pPr>
+            <a:r>
+              <a:rPr lang="en-US" sz="1600" dirty="0" smtClean="0"/>
+              <a:t>windows-1250</a:t>
+            </a:r>
+            <a:r>
+              <a:rPr lang="ru-RU" sz="1600" dirty="0" smtClean="0"/>
+              <a:t>	</a:t>
+            </a:r>
+            <a:r>
+              <a:rPr lang="en-US" sz="1600" dirty="0" smtClean="0"/>
+              <a:t>Central </a:t>
+            </a:r>
+            <a:r>
+              <a:rPr lang="en-US" sz="1600" dirty="0"/>
+              <a:t>European (</a:t>
+            </a:r>
+            <a:r>
+              <a:rPr lang="en-US" sz="1600" dirty="0" smtClean="0"/>
+              <a:t>Windows)</a:t>
+            </a:r>
+            <a:endParaRPr lang="ru-RU" sz="1600" dirty="0" smtClean="0"/>
+          </a:p>
+          <a:p>
+            <a:pPr marL="285750" indent="-285750">
+              <a:buFont typeface="Arial" panose="020B0604020202020204" pitchFamily="34" charset="0"/>
+              <a:buChar char="•"/>
+            </a:pPr>
+            <a:r>
+              <a:rPr lang="en-US" sz="1600" dirty="0" smtClean="0"/>
+              <a:t>windows-1251</a:t>
+            </a:r>
+            <a:r>
+              <a:rPr lang="ru-RU" sz="1600" dirty="0" smtClean="0"/>
+              <a:t>	</a:t>
+            </a:r>
+            <a:r>
+              <a:rPr lang="en-US" sz="1600" dirty="0" smtClean="0"/>
+              <a:t>Cyrillic </a:t>
+            </a:r>
+            <a:r>
+              <a:rPr lang="en-US" sz="1600" dirty="0"/>
+              <a:t>(</a:t>
+            </a:r>
+            <a:r>
+              <a:rPr lang="en-US" sz="1600" dirty="0" smtClean="0"/>
+              <a:t>Windows)</a:t>
+            </a:r>
+            <a:endParaRPr lang="ru-RU" sz="1600" dirty="0" smtClean="0"/>
+          </a:p>
+          <a:p>
+            <a:pPr marL="285750" indent="-285750">
+              <a:buFont typeface="Arial" panose="020B0604020202020204" pitchFamily="34" charset="0"/>
+              <a:buChar char="•"/>
+            </a:pPr>
+            <a:r>
+              <a:rPr lang="en-US" sz="1600" dirty="0" smtClean="0"/>
+              <a:t>windows-1252</a:t>
+            </a:r>
+            <a:r>
+              <a:rPr lang="ru-RU" sz="1600" dirty="0" smtClean="0"/>
+              <a:t>	</a:t>
+            </a:r>
+            <a:r>
+              <a:rPr lang="en-US" sz="1600" dirty="0" smtClean="0"/>
+              <a:t>Western </a:t>
+            </a:r>
+            <a:r>
+              <a:rPr lang="en-US" sz="1600" dirty="0"/>
+              <a:t>European (</a:t>
+            </a:r>
+            <a:r>
+              <a:rPr lang="en-US" sz="1600" dirty="0" smtClean="0"/>
+              <a:t>Windows</a:t>
+            </a:r>
+            <a:r>
+              <a:rPr lang="ru-RU" sz="1600" dirty="0" smtClean="0"/>
+              <a:t>)</a:t>
+            </a:r>
+            <a:endParaRPr lang="en-US" sz="1600" dirty="0" smtClean="0"/>
+          </a:p>
+          <a:p>
+            <a:pPr marL="285750" indent="-285750">
+              <a:buFont typeface="Arial" panose="020B0604020202020204" pitchFamily="34" charset="0"/>
+              <a:buChar char="•"/>
+            </a:pPr>
+            <a:endParaRPr lang="en-US" sz="1600" dirty="0"/>
+          </a:p>
+          <a:p>
+            <a:r>
+              <a:rPr lang="ru-RU" sz="1600" dirty="0" smtClean="0"/>
+              <a:t>Широко используемые кодировки можно получить через свойства класс </a:t>
+            </a:r>
+            <a:r>
+              <a:rPr lang="en-US" sz="1600" dirty="0" smtClean="0"/>
+              <a:t>Encoding.</a:t>
+            </a:r>
+            <a:endParaRPr lang="en-US" sz="1600" dirty="0"/>
+          </a:p>
+        </p:txBody>
+      </p:sp>
+    </p:spTree>
+    <p:extLst>
+      <p:ext uri="{BB962C8B-B14F-4D97-AF65-F5344CB8AC3E}">
+        <p14:creationId xmlns:p14="http://schemas.microsoft.com/office/powerpoint/2010/main" val="965376481"/>
+      </p:ext>
+    </p:extLst>
+  </p:cSld>
+  <p:clrMapOvr>
+    <a:masterClrMapping/>
+  </p:clrMapOvr>
+  <p:timing>
+    <p:tnLst>
+      <p:par>
+        <p:cTn id="1" dur="indefinite" restart="never" nodeType="tmRoot"/>
+      </p:par>
+    </p:tnLst>
+  </p:timing>
+</p:sld>
+</file>
+
+<file path=ppt/slides/slide15.xml><?xml version="1.0" encoding="utf-8"?>
 <p:sld xmlns:a="http://schemas.openxmlformats.org/drawingml/2006/main" xmlns:r="http://schemas.openxmlformats.org/officeDocument/2006/relationships" xmlns:p="http://schemas.openxmlformats.org/presentationml/2006/main">
   <p:cSld>
     <p:bg>
@@ -10455,7 +11333,7 @@
 </p:sld>
 </file>
 
-<file path=ppt/slides/slide15.xml><?xml version="1.0" encoding="utf-8"?>
+<file path=ppt/slides/slide16.xml><?xml version="1.0" encoding="utf-8"?>
 <p:sld xmlns:a="http://schemas.openxmlformats.org/drawingml/2006/main" xmlns:r="http://schemas.openxmlformats.org/officeDocument/2006/relationships" xmlns:p="http://schemas.openxmlformats.org/presentationml/2006/main">
   <p:cSld>
     <p:bg>
@@ -11476,7 +12354,7 @@
 </p:sld>
 </file>
 
-<file path=ppt/slides/slide16.xml><?xml version="1.0" encoding="utf-8"?>
+<file path=ppt/slides/slide17.xml><?xml version="1.0" encoding="utf-8"?>
 <p:sld xmlns:a="http://schemas.openxmlformats.org/drawingml/2006/main" xmlns:r="http://schemas.openxmlformats.org/officeDocument/2006/relationships" xmlns:p="http://schemas.openxmlformats.org/presentationml/2006/main">
   <p:cSld>
     <p:bg>
@@ -12552,6 +13430,13 @@
   <p:clrMapOvr>
     <a:overrideClrMapping bg1="lt1" tx1="dk1" bg2="lt2" tx2="dk2" accent1="accent1" accent2="accent2" accent3="accent3" accent4="accent4" accent5="accent5" accent6="accent6" hlink="hlink" folHlink="folHlink"/>
   </p:clrMapOvr>
+  <p:timing>
+    <p:tnLst>
+      <p:par>
+        <p:cTn id="1" dur="indefinite" restart="never" nodeType="tmRoot"/>
+      </p:par>
+    </p:tnLst>
+  </p:timing>
 </p:sld>
 </file>
 

--- a/Presentation/lesson-03.pptx
+++ b/Presentation/lesson-03.pptx
@@ -305,7 +305,7 @@
           <a:p>
             <a:fld id="{6D622FCB-595C-4A19-9DA3-A5F2C1EA723F}" type="datetimeFigureOut">
               <a:rPr lang="en-US" smtClean="0"/>
-              <a:t>8/28/2014</a:t>
+              <a:t>8/20/2015</a:t>
             </a:fld>
             <a:endParaRPr lang="en-US"/>
           </a:p>
@@ -475,7 +475,7 @@
           <a:p>
             <a:fld id="{6D622FCB-595C-4A19-9DA3-A5F2C1EA723F}" type="datetimeFigureOut">
               <a:rPr lang="en-US" smtClean="0"/>
-              <a:t>8/28/2014</a:t>
+              <a:t>8/20/2015</a:t>
             </a:fld>
             <a:endParaRPr lang="en-US"/>
           </a:p>
@@ -655,7 +655,7 @@
           <a:p>
             <a:fld id="{6D622FCB-595C-4A19-9DA3-A5F2C1EA723F}" type="datetimeFigureOut">
               <a:rPr lang="en-US" smtClean="0"/>
-              <a:t>8/28/2014</a:t>
+              <a:t>8/20/2015</a:t>
             </a:fld>
             <a:endParaRPr lang="en-US"/>
           </a:p>
@@ -2040,7 +2040,7 @@
           <a:p>
             <a:fld id="{6D622FCB-595C-4A19-9DA3-A5F2C1EA723F}" type="datetimeFigureOut">
               <a:rPr lang="en-US" smtClean="0"/>
-              <a:t>8/28/2014</a:t>
+              <a:t>8/20/2015</a:t>
             </a:fld>
             <a:endParaRPr lang="en-US"/>
           </a:p>
@@ -2913,7 +2913,7 @@
                 </a:solidFill>
               </a:rPr>
               <a:pPr/>
-              <a:t>28.08.2014</a:t>
+              <a:t>20.08.2015</a:t>
             </a:fld>
             <a:endParaRPr lang="ru-RU">
               <a:solidFill>
@@ -3184,7 +3184,7 @@
           <a:p>
             <a:fld id="{6D622FCB-595C-4A19-9DA3-A5F2C1EA723F}" type="datetimeFigureOut">
               <a:rPr lang="en-US" smtClean="0"/>
-              <a:t>8/28/2014</a:t>
+              <a:t>8/20/2015</a:t>
             </a:fld>
             <a:endParaRPr lang="en-US"/>
           </a:p>
@@ -3472,7 +3472,7 @@
           <a:p>
             <a:fld id="{6D622FCB-595C-4A19-9DA3-A5F2C1EA723F}" type="datetimeFigureOut">
               <a:rPr lang="en-US" smtClean="0"/>
-              <a:t>8/28/2014</a:t>
+              <a:t>8/20/2015</a:t>
             </a:fld>
             <a:endParaRPr lang="en-US"/>
           </a:p>
@@ -3894,7 +3894,7 @@
           <a:p>
             <a:fld id="{6D622FCB-595C-4A19-9DA3-A5F2C1EA723F}" type="datetimeFigureOut">
               <a:rPr lang="en-US" smtClean="0"/>
-              <a:t>8/28/2014</a:t>
+              <a:t>8/20/2015</a:t>
             </a:fld>
             <a:endParaRPr lang="en-US"/>
           </a:p>
@@ -4012,7 +4012,7 @@
           <a:p>
             <a:fld id="{6D622FCB-595C-4A19-9DA3-A5F2C1EA723F}" type="datetimeFigureOut">
               <a:rPr lang="en-US" smtClean="0"/>
-              <a:t>8/28/2014</a:t>
+              <a:t>8/20/2015</a:t>
             </a:fld>
             <a:endParaRPr lang="en-US"/>
           </a:p>
@@ -4107,7 +4107,7 @@
           <a:p>
             <a:fld id="{6D622FCB-595C-4A19-9DA3-A5F2C1EA723F}" type="datetimeFigureOut">
               <a:rPr lang="en-US" smtClean="0"/>
-              <a:t>8/28/2014</a:t>
+              <a:t>8/20/2015</a:t>
             </a:fld>
             <a:endParaRPr lang="en-US"/>
           </a:p>
@@ -4384,7 +4384,7 @@
           <a:p>
             <a:fld id="{6D622FCB-595C-4A19-9DA3-A5F2C1EA723F}" type="datetimeFigureOut">
               <a:rPr lang="en-US" smtClean="0"/>
-              <a:t>8/28/2014</a:t>
+              <a:t>8/20/2015</a:t>
             </a:fld>
             <a:endParaRPr lang="en-US"/>
           </a:p>
@@ -4637,7 +4637,7 @@
           <a:p>
             <a:fld id="{6D622FCB-595C-4A19-9DA3-A5F2C1EA723F}" type="datetimeFigureOut">
               <a:rPr lang="en-US" smtClean="0"/>
-              <a:t>8/28/2014</a:t>
+              <a:t>8/20/2015</a:t>
             </a:fld>
             <a:endParaRPr lang="en-US"/>
           </a:p>
@@ -4850,7 +4850,7 @@
           <a:p>
             <a:fld id="{6D622FCB-595C-4A19-9DA3-A5F2C1EA723F}" type="datetimeFigureOut">
               <a:rPr lang="en-US" smtClean="0"/>
-              <a:t>8/28/2014</a:t>
+              <a:t>8/20/2015</a:t>
             </a:fld>
             <a:endParaRPr lang="en-US"/>
           </a:p>
@@ -5376,7 +5376,7 @@
                 </a:solidFill>
               </a:rPr>
               <a:pPr/>
-              <a:t>28.08.2014</a:t>
+              <a:t>20.08.2015</a:t>
             </a:fld>
             <a:endParaRPr lang="ru-RU">
               <a:solidFill>
@@ -11313,6 +11313,131 @@
           </a:graphicData>
         </a:graphic>
       </p:graphicFrame>
+      <p:sp>
+        <p:nvSpPr>
+          <p:cNvPr id="7" name="Rectangle 1"/>
+          <p:cNvSpPr>
+            <a:spLocks noChangeArrowheads="1"/>
+          </p:cNvSpPr>
+          <p:nvPr/>
+        </p:nvSpPr>
+        <p:spPr bwMode="auto">
+          <a:xfrm>
+            <a:off x="309673" y="6093296"/>
+            <a:ext cx="8610600" cy="523220"/>
+          </a:xfrm>
+          <a:prstGeom prst="rect">
+            <a:avLst/>
+          </a:prstGeom>
+          <a:noFill/>
+          <a:ln>
+            <a:noFill/>
+          </a:ln>
+          <a:extLst>
+            <a:ext uri="{909E8E84-426E-40DD-AFC4-6F175D3DCCD1}">
+              <a14:hiddenFill xmlns:a14="http://schemas.microsoft.com/office/drawing/2010/main">
+                <a:solidFill>
+                  <a:srgbClr val="FFFFFF"/>
+                </a:solidFill>
+              </a14:hiddenFill>
+            </a:ext>
+            <a:ext uri="{91240B29-F687-4F45-9708-019B960494DF}">
+              <a14:hiddenLine xmlns:a14="http://schemas.microsoft.com/office/drawing/2010/main" w="9525">
+                <a:solidFill>
+                  <a:srgbClr val="000000"/>
+                </a:solidFill>
+                <a:miter lim="800000"/>
+                <a:headEnd/>
+                <a:tailEnd/>
+              </a14:hiddenLine>
+            </a:ext>
+          </a:extLst>
+        </p:spPr>
+        <p:txBody>
+          <a:bodyPr anchor="ctr">
+            <a:spAutoFit/>
+          </a:bodyPr>
+          <a:lstStyle/>
+          <a:p>
+            <a:pPr eaLnBrk="0" hangingPunct="0"/>
+            <a:r>
+              <a:rPr lang="ru-RU" sz="1400" dirty="0" smtClean="0">
+                <a:solidFill>
+                  <a:schemeClr val="bg1"/>
+                </a:solidFill>
+                <a:latin typeface="Courier New" pitchFamily="49" charset="0"/>
+                <a:ea typeface="Calibri" pitchFamily="34" charset="0"/>
+                <a:cs typeface="Courier New" pitchFamily="49" charset="0"/>
+              </a:rPr>
+              <a:t>Для тренировки с регулярными выражениями используйте бесплатное приложение </a:t>
+            </a:r>
+            <a:r>
+              <a:rPr lang="en-US" sz="1400" dirty="0" smtClean="0">
+                <a:solidFill>
+                  <a:schemeClr val="bg1"/>
+                </a:solidFill>
+                <a:latin typeface="Courier New" pitchFamily="49" charset="0"/>
+                <a:ea typeface="Calibri" pitchFamily="34" charset="0"/>
+                <a:cs typeface="Courier New" pitchFamily="49" charset="0"/>
+              </a:rPr>
+              <a:t>Expresso</a:t>
+            </a:r>
+            <a:r>
+              <a:rPr lang="ru-RU" sz="1400" dirty="0" smtClean="0">
+                <a:solidFill>
+                  <a:schemeClr val="bg1"/>
+                </a:solidFill>
+                <a:latin typeface="Courier New" pitchFamily="49" charset="0"/>
+                <a:ea typeface="Calibri" pitchFamily="34" charset="0"/>
+                <a:cs typeface="Courier New" pitchFamily="49" charset="0"/>
+              </a:rPr>
+              <a:t> (</a:t>
+            </a:r>
+            <a:r>
+              <a:rPr lang="en-US" sz="1400" dirty="0">
+                <a:solidFill>
+                  <a:schemeClr val="bg1"/>
+                </a:solidFill>
+                <a:latin typeface="Courier New" pitchFamily="49" charset="0"/>
+                <a:ea typeface="Calibri" pitchFamily="34" charset="0"/>
+                <a:cs typeface="Courier New" pitchFamily="49" charset="0"/>
+                <a:hlinkClick r:id="rId3"/>
+              </a:rPr>
+              <a:t>http://</a:t>
+            </a:r>
+            <a:r>
+              <a:rPr lang="en-US" sz="1400" dirty="0" smtClean="0">
+                <a:solidFill>
+                  <a:schemeClr val="bg1"/>
+                </a:solidFill>
+                <a:latin typeface="Courier New" pitchFamily="49" charset="0"/>
+                <a:ea typeface="Calibri" pitchFamily="34" charset="0"/>
+                <a:cs typeface="Courier New" pitchFamily="49" charset="0"/>
+                <a:hlinkClick r:id="rId3"/>
+              </a:rPr>
+              <a:t>www.ultrapico.com/Expresso.htm</a:t>
+            </a:r>
+            <a:r>
+              <a:rPr lang="ru-RU" sz="1400" dirty="0" smtClean="0">
+                <a:solidFill>
+                  <a:schemeClr val="bg1"/>
+                </a:solidFill>
+                <a:latin typeface="Courier New" pitchFamily="49" charset="0"/>
+                <a:ea typeface="Calibri" pitchFamily="34" charset="0"/>
+                <a:cs typeface="Courier New" pitchFamily="49" charset="0"/>
+              </a:rPr>
+              <a:t>).</a:t>
+            </a:r>
+            <a:endParaRPr lang="be-BY" sz="1400" dirty="0">
+              <a:solidFill>
+                <a:schemeClr val="bg1"/>
+              </a:solidFill>
+              <a:ea typeface="Calibri" pitchFamily="34" charset="0"/>
+              <a:cs typeface="Courier New" pitchFamily="49" charset="0"/>
+            </a:endParaRPr>
+          </a:p>
+        </p:txBody>
+      </p:sp>
     </p:spTree>
     <p:extLst>
       <p:ext uri="{BB962C8B-B14F-4D97-AF65-F5344CB8AC3E}">

--- a/Presentation/lesson-03.pptx
+++ b/Presentation/lesson-03.pptx
@@ -305,7 +305,7 @@
           <a:p>
             <a:fld id="{6D622FCB-595C-4A19-9DA3-A5F2C1EA723F}" type="datetimeFigureOut">
               <a:rPr lang="en-US" smtClean="0"/>
-              <a:t>8/20/2015</a:t>
+              <a:t>11/17/2015</a:t>
             </a:fld>
             <a:endParaRPr lang="en-US"/>
           </a:p>
@@ -475,7 +475,7 @@
           <a:p>
             <a:fld id="{6D622FCB-595C-4A19-9DA3-A5F2C1EA723F}" type="datetimeFigureOut">
               <a:rPr lang="en-US" smtClean="0"/>
-              <a:t>8/20/2015</a:t>
+              <a:t>11/17/2015</a:t>
             </a:fld>
             <a:endParaRPr lang="en-US"/>
           </a:p>
@@ -655,7 +655,7 @@
           <a:p>
             <a:fld id="{6D622FCB-595C-4A19-9DA3-A5F2C1EA723F}" type="datetimeFigureOut">
               <a:rPr lang="en-US" smtClean="0"/>
-              <a:t>8/20/2015</a:t>
+              <a:t>11/17/2015</a:t>
             </a:fld>
             <a:endParaRPr lang="en-US"/>
           </a:p>
@@ -2040,7 +2040,7 @@
           <a:p>
             <a:fld id="{6D622FCB-595C-4A19-9DA3-A5F2C1EA723F}" type="datetimeFigureOut">
               <a:rPr lang="en-US" smtClean="0"/>
-              <a:t>8/20/2015</a:t>
+              <a:t>11/17/2015</a:t>
             </a:fld>
             <a:endParaRPr lang="en-US"/>
           </a:p>
@@ -2913,7 +2913,7 @@
                 </a:solidFill>
               </a:rPr>
               <a:pPr/>
-              <a:t>20.08.2015</a:t>
+              <a:t>17.11.2015</a:t>
             </a:fld>
             <a:endParaRPr lang="ru-RU">
               <a:solidFill>
@@ -3184,7 +3184,7 @@
           <a:p>
             <a:fld id="{6D622FCB-595C-4A19-9DA3-A5F2C1EA723F}" type="datetimeFigureOut">
               <a:rPr lang="en-US" smtClean="0"/>
-              <a:t>8/20/2015</a:t>
+              <a:t>11/17/2015</a:t>
             </a:fld>
             <a:endParaRPr lang="en-US"/>
           </a:p>
@@ -3472,7 +3472,7 @@
           <a:p>
             <a:fld id="{6D622FCB-595C-4A19-9DA3-A5F2C1EA723F}" type="datetimeFigureOut">
               <a:rPr lang="en-US" smtClean="0"/>
-              <a:t>8/20/2015</a:t>
+              <a:t>11/17/2015</a:t>
             </a:fld>
             <a:endParaRPr lang="en-US"/>
           </a:p>
@@ -3894,7 +3894,7 @@
           <a:p>
             <a:fld id="{6D622FCB-595C-4A19-9DA3-A5F2C1EA723F}" type="datetimeFigureOut">
               <a:rPr lang="en-US" smtClean="0"/>
-              <a:t>8/20/2015</a:t>
+              <a:t>11/17/2015</a:t>
             </a:fld>
             <a:endParaRPr lang="en-US"/>
           </a:p>
@@ -4012,7 +4012,7 @@
           <a:p>
             <a:fld id="{6D622FCB-595C-4A19-9DA3-A5F2C1EA723F}" type="datetimeFigureOut">
               <a:rPr lang="en-US" smtClean="0"/>
-              <a:t>8/20/2015</a:t>
+              <a:t>11/17/2015</a:t>
             </a:fld>
             <a:endParaRPr lang="en-US"/>
           </a:p>
@@ -4107,7 +4107,7 @@
           <a:p>
             <a:fld id="{6D622FCB-595C-4A19-9DA3-A5F2C1EA723F}" type="datetimeFigureOut">
               <a:rPr lang="en-US" smtClean="0"/>
-              <a:t>8/20/2015</a:t>
+              <a:t>11/17/2015</a:t>
             </a:fld>
             <a:endParaRPr lang="en-US"/>
           </a:p>
@@ -4384,7 +4384,7 @@
           <a:p>
             <a:fld id="{6D622FCB-595C-4A19-9DA3-A5F2C1EA723F}" type="datetimeFigureOut">
               <a:rPr lang="en-US" smtClean="0"/>
-              <a:t>8/20/2015</a:t>
+              <a:t>11/17/2015</a:t>
             </a:fld>
             <a:endParaRPr lang="en-US"/>
           </a:p>
@@ -4637,7 +4637,7 @@
           <a:p>
             <a:fld id="{6D622FCB-595C-4A19-9DA3-A5F2C1EA723F}" type="datetimeFigureOut">
               <a:rPr lang="en-US" smtClean="0"/>
-              <a:t>8/20/2015</a:t>
+              <a:t>11/17/2015</a:t>
             </a:fld>
             <a:endParaRPr lang="en-US"/>
           </a:p>
@@ -4850,7 +4850,7 @@
           <a:p>
             <a:fld id="{6D622FCB-595C-4A19-9DA3-A5F2C1EA723F}" type="datetimeFigureOut">
               <a:rPr lang="en-US" smtClean="0"/>
-              <a:t>8/20/2015</a:t>
+              <a:t>11/17/2015</a:t>
             </a:fld>
             <a:endParaRPr lang="en-US"/>
           </a:p>
@@ -5376,7 +5376,7 @@
                 </a:solidFill>
               </a:rPr>
               <a:pPr/>
-              <a:t>20.08.2015</a:t>
+              <a:t>17.11.2015</a:t>
             </a:fld>
             <a:endParaRPr lang="ru-RU">
               <a:solidFill>
@@ -18223,14 +18223,14 @@
           <a:p>
             <a:pPr algn="ctr" eaLnBrk="1" hangingPunct="1"/>
             <a:r>
-              <a:rPr lang="ru-RU"/>
+              <a:rPr lang="ru-RU" dirty="0"/>
               <a:t>Схема неявного преобразования</a:t>
             </a:r>
             <a:r>
-              <a:rPr lang="en-US"/>
+              <a:rPr lang="en-US" dirty="0"/>
               <a:t>:</a:t>
             </a:r>
-            <a:endParaRPr lang="en-US" sz="1400"/>
+            <a:endParaRPr lang="en-US" sz="1400" dirty="0"/>
           </a:p>
         </p:txBody>
       </p:sp>
@@ -18244,7 +18244,7 @@
         </p:nvSpPr>
         <p:spPr bwMode="auto">
           <a:xfrm>
-            <a:off x="152400" y="5181600"/>
+            <a:off x="152400" y="5385395"/>
             <a:ext cx="8839200" cy="923925"/>
           </a:xfrm>
           <a:prstGeom prst="rect">
@@ -18379,10 +18379,22 @@
           <a:p>
             <a:pPr algn="ctr" eaLnBrk="1" hangingPunct="1"/>
             <a:r>
-              <a:rPr lang="ru-RU"/>
-              <a:t>Очевидно, но во время явного преобразования более точного типа к менее точному может произойти потеря данных. Также потеря данных может произойти при арифметических операциях с большими числами.</a:t>
-            </a:r>
-            <a:endParaRPr lang="en-US" sz="1400"/>
+              <a:rPr lang="ru-RU" dirty="0" smtClean="0"/>
+              <a:t>Очевидно </a:t>
+            </a:r>
+            <a:r>
+              <a:rPr lang="ru-RU" dirty="0" smtClean="0"/>
+              <a:t>во </a:t>
+            </a:r>
+            <a:r>
+              <a:rPr lang="ru-RU" dirty="0" smtClean="0"/>
+              <a:t>время </a:t>
+            </a:r>
+            <a:r>
+              <a:rPr lang="ru-RU" dirty="0"/>
+              <a:t>явного преобразования более точного типа к менее точному может произойти потеря данных. Также потеря данных может произойти при арифметических операциях с большими числами.</a:t>
+            </a:r>
+            <a:endParaRPr lang="en-US" sz="1400" dirty="0"/>
           </a:p>
         </p:txBody>
       </p:sp>

--- a/Presentation/lesson-03.pptx
+++ b/Presentation/lesson-03.pptx
@@ -305,7 +305,7 @@
           <a:p>
             <a:fld id="{6D622FCB-595C-4A19-9DA3-A5F2C1EA723F}" type="datetimeFigureOut">
               <a:rPr lang="en-US" smtClean="0"/>
-              <a:t>11/17/2015</a:t>
+              <a:t>11/23/2015</a:t>
             </a:fld>
             <a:endParaRPr lang="en-US"/>
           </a:p>
@@ -475,7 +475,7 @@
           <a:p>
             <a:fld id="{6D622FCB-595C-4A19-9DA3-A5F2C1EA723F}" type="datetimeFigureOut">
               <a:rPr lang="en-US" smtClean="0"/>
-              <a:t>11/17/2015</a:t>
+              <a:t>11/23/2015</a:t>
             </a:fld>
             <a:endParaRPr lang="en-US"/>
           </a:p>
@@ -655,7 +655,7 @@
           <a:p>
             <a:fld id="{6D622FCB-595C-4A19-9DA3-A5F2C1EA723F}" type="datetimeFigureOut">
               <a:rPr lang="en-US" smtClean="0"/>
-              <a:t>11/17/2015</a:t>
+              <a:t>11/23/2015</a:t>
             </a:fld>
             <a:endParaRPr lang="en-US"/>
           </a:p>
@@ -2040,7 +2040,7 @@
           <a:p>
             <a:fld id="{6D622FCB-595C-4A19-9DA3-A5F2C1EA723F}" type="datetimeFigureOut">
               <a:rPr lang="en-US" smtClean="0"/>
-              <a:t>11/17/2015</a:t>
+              <a:t>11/23/2015</a:t>
             </a:fld>
             <a:endParaRPr lang="en-US"/>
           </a:p>
@@ -2913,7 +2913,7 @@
                 </a:solidFill>
               </a:rPr>
               <a:pPr/>
-              <a:t>17.11.2015</a:t>
+              <a:t>23.11.2015</a:t>
             </a:fld>
             <a:endParaRPr lang="ru-RU">
               <a:solidFill>
@@ -3184,7 +3184,7 @@
           <a:p>
             <a:fld id="{6D622FCB-595C-4A19-9DA3-A5F2C1EA723F}" type="datetimeFigureOut">
               <a:rPr lang="en-US" smtClean="0"/>
-              <a:t>11/17/2015</a:t>
+              <a:t>11/23/2015</a:t>
             </a:fld>
             <a:endParaRPr lang="en-US"/>
           </a:p>
@@ -3472,7 +3472,7 @@
           <a:p>
             <a:fld id="{6D622FCB-595C-4A19-9DA3-A5F2C1EA723F}" type="datetimeFigureOut">
               <a:rPr lang="en-US" smtClean="0"/>
-              <a:t>11/17/2015</a:t>
+              <a:t>11/23/2015</a:t>
             </a:fld>
             <a:endParaRPr lang="en-US"/>
           </a:p>
@@ -3894,7 +3894,7 @@
           <a:p>
             <a:fld id="{6D622FCB-595C-4A19-9DA3-A5F2C1EA723F}" type="datetimeFigureOut">
               <a:rPr lang="en-US" smtClean="0"/>
-              <a:t>11/17/2015</a:t>
+              <a:t>11/23/2015</a:t>
             </a:fld>
             <a:endParaRPr lang="en-US"/>
           </a:p>
@@ -4012,7 +4012,7 @@
           <a:p>
             <a:fld id="{6D622FCB-595C-4A19-9DA3-A5F2C1EA723F}" type="datetimeFigureOut">
               <a:rPr lang="en-US" smtClean="0"/>
-              <a:t>11/17/2015</a:t>
+              <a:t>11/23/2015</a:t>
             </a:fld>
             <a:endParaRPr lang="en-US"/>
           </a:p>
@@ -4107,7 +4107,7 @@
           <a:p>
             <a:fld id="{6D622FCB-595C-4A19-9DA3-A5F2C1EA723F}" type="datetimeFigureOut">
               <a:rPr lang="en-US" smtClean="0"/>
-              <a:t>11/17/2015</a:t>
+              <a:t>11/23/2015</a:t>
             </a:fld>
             <a:endParaRPr lang="en-US"/>
           </a:p>
@@ -4384,7 +4384,7 @@
           <a:p>
             <a:fld id="{6D622FCB-595C-4A19-9DA3-A5F2C1EA723F}" type="datetimeFigureOut">
               <a:rPr lang="en-US" smtClean="0"/>
-              <a:t>11/17/2015</a:t>
+              <a:t>11/23/2015</a:t>
             </a:fld>
             <a:endParaRPr lang="en-US"/>
           </a:p>
@@ -4637,7 +4637,7 @@
           <a:p>
             <a:fld id="{6D622FCB-595C-4A19-9DA3-A5F2C1EA723F}" type="datetimeFigureOut">
               <a:rPr lang="en-US" smtClean="0"/>
-              <a:t>11/17/2015</a:t>
+              <a:t>11/23/2015</a:t>
             </a:fld>
             <a:endParaRPr lang="en-US"/>
           </a:p>
@@ -4850,7 +4850,7 @@
           <a:p>
             <a:fld id="{6D622FCB-595C-4A19-9DA3-A5F2C1EA723F}" type="datetimeFigureOut">
               <a:rPr lang="en-US" smtClean="0"/>
-              <a:t>11/17/2015</a:t>
+              <a:t>11/23/2015</a:t>
             </a:fld>
             <a:endParaRPr lang="en-US"/>
           </a:p>
@@ -5376,7 +5376,7 @@
                 </a:solidFill>
               </a:rPr>
               <a:pPr/>
-              <a:t>17.11.2015</a:t>
+              <a:t>23.11.2015</a:t>
             </a:fld>
             <a:endParaRPr lang="ru-RU">
               <a:solidFill>
@@ -7472,7 +7472,40 @@
                 <a:ea typeface="Calibri" pitchFamily="34" charset="0"/>
                 <a:cs typeface="Courier New" pitchFamily="49" charset="0"/>
               </a:rPr>
-              <a:t>Encoding ascii = Encoding.GetEncoding</a:t>
+              <a:t>Encoding </a:t>
+            </a:r>
+            <a:r>
+              <a:rPr lang="en-US" smtClean="0">
+                <a:solidFill>
+                  <a:schemeClr val="bg1"/>
+                </a:solidFill>
+                <a:latin typeface="Courier New" pitchFamily="49" charset="0"/>
+                <a:ea typeface="Calibri" pitchFamily="34" charset="0"/>
+                <a:cs typeface="Courier New" pitchFamily="49" charset="0"/>
+              </a:rPr>
+              <a:t>win1251</a:t>
+            </a:r>
+            <a:r>
+              <a:rPr lang="be-BY" smtClean="0">
+                <a:solidFill>
+                  <a:schemeClr val="bg1"/>
+                </a:solidFill>
+                <a:latin typeface="Courier New" pitchFamily="49" charset="0"/>
+                <a:ea typeface="Calibri" pitchFamily="34" charset="0"/>
+                <a:cs typeface="Courier New" pitchFamily="49" charset="0"/>
+              </a:rPr>
+              <a:t> </a:t>
+            </a:r>
+            <a:r>
+              <a:rPr lang="be-BY" dirty="0">
+                <a:solidFill>
+                  <a:schemeClr val="bg1"/>
+                </a:solidFill>
+                <a:latin typeface="Courier New" pitchFamily="49" charset="0"/>
+                <a:ea typeface="Calibri" pitchFamily="34" charset="0"/>
+                <a:cs typeface="Courier New" pitchFamily="49" charset="0"/>
+              </a:rPr>
+              <a:t>= Encoding.GetEncoding</a:t>
             </a:r>
             <a:r>
               <a:rPr lang="be-BY" dirty="0" smtClean="0">
@@ -18380,15 +18413,7 @@
             <a:pPr algn="ctr" eaLnBrk="1" hangingPunct="1"/>
             <a:r>
               <a:rPr lang="ru-RU" dirty="0" smtClean="0"/>
-              <a:t>Очевидно </a:t>
-            </a:r>
-            <a:r>
-              <a:rPr lang="ru-RU" dirty="0" smtClean="0"/>
-              <a:t>во </a:t>
-            </a:r>
-            <a:r>
-              <a:rPr lang="ru-RU" dirty="0" smtClean="0"/>
-              <a:t>время </a:t>
+              <a:t>Очевидно во время </a:t>
             </a:r>
             <a:r>
               <a:rPr lang="ru-RU" dirty="0"/>

--- a/Presentation/lesson-03.pptx
+++ b/Presentation/lesson-03.pptx
@@ -20,9 +20,12 @@
     <p:sldId id="273" r:id="rId14"/>
     <p:sldId id="263" r:id="rId15"/>
     <p:sldId id="275" r:id="rId16"/>
-    <p:sldId id="264" r:id="rId17"/>
-    <p:sldId id="265" r:id="rId18"/>
-    <p:sldId id="271" r:id="rId19"/>
+    <p:sldId id="276" r:id="rId17"/>
+    <p:sldId id="277" r:id="rId18"/>
+    <p:sldId id="278" r:id="rId19"/>
+    <p:sldId id="264" r:id="rId20"/>
+    <p:sldId id="265" r:id="rId21"/>
+    <p:sldId id="271" r:id="rId22"/>
   </p:sldIdLst>
   <p:sldSz cx="9144000" cy="6858000" type="screen4x3"/>
   <p:notesSz cx="6858000" cy="9144000"/>
@@ -121,6 +124,70 @@
       </a:defRPr>
     </a:lvl9pPr>
   </p:defaultTextStyle>
+  <p:extLst>
+    <p:ext uri="{521415D9-36F7-43E2-AB2F-B90AF26B5E84}">
+      <p14:sectionLst xmlns:p14="http://schemas.microsoft.com/office/powerpoint/2010/main">
+        <p14:section name="Default Section" id="{1E8BE004-1621-4A9D-8FCD-FFFF7F7D649B}">
+          <p14:sldIdLst>
+            <p14:sldId id="266"/>
+            <p14:sldId id="268"/>
+          </p14:sldIdLst>
+        </p14:section>
+        <p14:section name="Преобразование типов" id="{33E823D7-D520-4DF9-9DF4-A481EBF6DF43}">
+          <p14:sldIdLst>
+            <p14:sldId id="258"/>
+            <p14:sldId id="259"/>
+            <p14:sldId id="269"/>
+            <p14:sldId id="270"/>
+          </p14:sldIdLst>
+        </p14:section>
+        <p14:section name="Строки и символы" id="{E65CB02C-3B98-4A45-8C72-F3E182D8DBD2}">
+          <p14:sldIdLst>
+            <p14:sldId id="260"/>
+            <p14:sldId id="261"/>
+            <p14:sldId id="262"/>
+          </p14:sldIdLst>
+        </p14:section>
+        <p14:section name="Кодировки" id="{80C8463C-EF94-4A0A-A4D6-94EF23EE6637}">
+          <p14:sldIdLst>
+            <p14:sldId id="272"/>
+            <p14:sldId id="274"/>
+            <p14:sldId id="273"/>
+            <p14:sldId id="263"/>
+            <p14:sldId id="275"/>
+            <p14:sldId id="276"/>
+            <p14:sldId id="277"/>
+            <p14:sldId id="278"/>
+          </p14:sldIdLst>
+        </p14:section>
+        <p14:section name="Регулярные выражения" id="{3AEB8464-61F8-4BC7-A268-876AD6E955DF}">
+          <p14:sldIdLst>
+            <p14:sldId id="264"/>
+          </p14:sldIdLst>
+        </p14:section>
+        <p14:section name="GC" id="{49F27F40-7E8A-47E4-8FDA-76DA53BD61EF}">
+          <p14:sldIdLst>
+            <p14:sldId id="265"/>
+            <p14:sldId id="271"/>
+          </p14:sldIdLst>
+        </p14:section>
+      </p14:sectionLst>
+    </p:ext>
+    <p:ext uri="{EFAFB233-063F-42B5-8137-9DF3F51BA10A}">
+      <p15:sldGuideLst xmlns:p15="http://schemas.microsoft.com/office/powerpoint/2012/main">
+        <p15:guide id="1" orient="horz" pos="2160">
+          <p15:clr>
+            <a:srgbClr val="A4A3A4"/>
+          </p15:clr>
+        </p15:guide>
+        <p15:guide id="2" pos="2880">
+          <p15:clr>
+            <a:srgbClr val="A4A3A4"/>
+          </p15:clr>
+        </p15:guide>
+      </p15:sldGuideLst>
+    </p:ext>
+  </p:extLst>
 </p:presentation>
 </file>
 
@@ -305,7 +372,7 @@
           <a:p>
             <a:fld id="{6D622FCB-595C-4A19-9DA3-A5F2C1EA723F}" type="datetimeFigureOut">
               <a:rPr lang="en-US" smtClean="0"/>
-              <a:t>11/23/2015</a:t>
+              <a:t>3/20/2017</a:t>
             </a:fld>
             <a:endParaRPr lang="en-US"/>
           </a:p>
@@ -475,7 +542,7 @@
           <a:p>
             <a:fld id="{6D622FCB-595C-4A19-9DA3-A5F2C1EA723F}" type="datetimeFigureOut">
               <a:rPr lang="en-US" smtClean="0"/>
-              <a:t>11/23/2015</a:t>
+              <a:t>3/20/2017</a:t>
             </a:fld>
             <a:endParaRPr lang="en-US"/>
           </a:p>
@@ -655,7 +722,7 @@
           <a:p>
             <a:fld id="{6D622FCB-595C-4A19-9DA3-A5F2C1EA723F}" type="datetimeFigureOut">
               <a:rPr lang="en-US" smtClean="0"/>
-              <a:t>11/23/2015</a:t>
+              <a:t>3/20/2017</a:t>
             </a:fld>
             <a:endParaRPr lang="en-US"/>
           </a:p>
@@ -2040,7 +2107,7 @@
           <a:p>
             <a:fld id="{6D622FCB-595C-4A19-9DA3-A5F2C1EA723F}" type="datetimeFigureOut">
               <a:rPr lang="en-US" smtClean="0"/>
-              <a:t>11/23/2015</a:t>
+              <a:t>3/20/2017</a:t>
             </a:fld>
             <a:endParaRPr lang="en-US"/>
           </a:p>
@@ -2913,7 +2980,7 @@
                 </a:solidFill>
               </a:rPr>
               <a:pPr/>
-              <a:t>23.11.2015</a:t>
+              <a:t>20.03.2017</a:t>
             </a:fld>
             <a:endParaRPr lang="ru-RU">
               <a:solidFill>
@@ -3184,7 +3251,7 @@
           <a:p>
             <a:fld id="{6D622FCB-595C-4A19-9DA3-A5F2C1EA723F}" type="datetimeFigureOut">
               <a:rPr lang="en-US" smtClean="0"/>
-              <a:t>11/23/2015</a:t>
+              <a:t>3/20/2017</a:t>
             </a:fld>
             <a:endParaRPr lang="en-US"/>
           </a:p>
@@ -3472,7 +3539,7 @@
           <a:p>
             <a:fld id="{6D622FCB-595C-4A19-9DA3-A5F2C1EA723F}" type="datetimeFigureOut">
               <a:rPr lang="en-US" smtClean="0"/>
-              <a:t>11/23/2015</a:t>
+              <a:t>3/20/2017</a:t>
             </a:fld>
             <a:endParaRPr lang="en-US"/>
           </a:p>
@@ -3894,7 +3961,7 @@
           <a:p>
             <a:fld id="{6D622FCB-595C-4A19-9DA3-A5F2C1EA723F}" type="datetimeFigureOut">
               <a:rPr lang="en-US" smtClean="0"/>
-              <a:t>11/23/2015</a:t>
+              <a:t>3/20/2017</a:t>
             </a:fld>
             <a:endParaRPr lang="en-US"/>
           </a:p>
@@ -4012,7 +4079,7 @@
           <a:p>
             <a:fld id="{6D622FCB-595C-4A19-9DA3-A5F2C1EA723F}" type="datetimeFigureOut">
               <a:rPr lang="en-US" smtClean="0"/>
-              <a:t>11/23/2015</a:t>
+              <a:t>3/20/2017</a:t>
             </a:fld>
             <a:endParaRPr lang="en-US"/>
           </a:p>
@@ -4107,7 +4174,7 @@
           <a:p>
             <a:fld id="{6D622FCB-595C-4A19-9DA3-A5F2C1EA723F}" type="datetimeFigureOut">
               <a:rPr lang="en-US" smtClean="0"/>
-              <a:t>11/23/2015</a:t>
+              <a:t>3/20/2017</a:t>
             </a:fld>
             <a:endParaRPr lang="en-US"/>
           </a:p>
@@ -4384,7 +4451,7 @@
           <a:p>
             <a:fld id="{6D622FCB-595C-4A19-9DA3-A5F2C1EA723F}" type="datetimeFigureOut">
               <a:rPr lang="en-US" smtClean="0"/>
-              <a:t>11/23/2015</a:t>
+              <a:t>3/20/2017</a:t>
             </a:fld>
             <a:endParaRPr lang="en-US"/>
           </a:p>
@@ -4637,7 +4704,7 @@
           <a:p>
             <a:fld id="{6D622FCB-595C-4A19-9DA3-A5F2C1EA723F}" type="datetimeFigureOut">
               <a:rPr lang="en-US" smtClean="0"/>
-              <a:t>11/23/2015</a:t>
+              <a:t>3/20/2017</a:t>
             </a:fld>
             <a:endParaRPr lang="en-US"/>
           </a:p>
@@ -4850,7 +4917,7 @@
           <a:p>
             <a:fld id="{6D622FCB-595C-4A19-9DA3-A5F2C1EA723F}" type="datetimeFigureOut">
               <a:rPr lang="en-US" smtClean="0"/>
-              <a:t>11/23/2015</a:t>
+              <a:t>3/20/2017</a:t>
             </a:fld>
             <a:endParaRPr lang="en-US"/>
           </a:p>
@@ -5376,7 +5443,7 @@
                 </a:solidFill>
               </a:rPr>
               <a:pPr/>
-              <a:t>23.11.2015</a:t>
+              <a:t>20.03.2017</a:t>
             </a:fld>
             <a:endParaRPr lang="ru-RU">
               <a:solidFill>
@@ -9082,6 +9149,3721 @@
 <file path=ppt/slides/slide15.xml><?xml version="1.0" encoding="utf-8"?>
 <p:sld xmlns:a="http://schemas.openxmlformats.org/drawingml/2006/main" xmlns:r="http://schemas.openxmlformats.org/officeDocument/2006/relationships" xmlns:p="http://schemas.openxmlformats.org/presentationml/2006/main">
   <p:cSld>
+    <p:spTree>
+      <p:nvGrpSpPr>
+        <p:cNvPr id="1" name=""/>
+        <p:cNvGrpSpPr/>
+        <p:nvPr/>
+      </p:nvGrpSpPr>
+      <p:grpSpPr>
+        <a:xfrm>
+          <a:off x="0" y="0"/>
+          <a:ext cx="0" cy="0"/>
+          <a:chOff x="0" y="0"/>
+          <a:chExt cx="0" cy="0"/>
+        </a:xfrm>
+      </p:grpSpPr>
+      <p:sp>
+        <p:nvSpPr>
+          <p:cNvPr id="2" name="Title 1"/>
+          <p:cNvSpPr>
+            <a:spLocks noGrp="1"/>
+          </p:cNvSpPr>
+          <p:nvPr>
+            <p:ph type="title"/>
+          </p:nvPr>
+        </p:nvSpPr>
+        <p:spPr/>
+        <p:txBody>
+          <a:bodyPr>
+            <a:normAutofit/>
+          </a:bodyPr>
+          <a:lstStyle/>
+          <a:p>
+            <a:r>
+              <a:rPr lang="en-US" dirty="0" err="1" smtClean="0"/>
+              <a:t>Encoding.Default</a:t>
+            </a:r>
+            <a:r>
+              <a:rPr lang="ru-RU" dirty="0" smtClean="0"/>
+              <a:t> </a:t>
+            </a:r>
+            <a:r>
+              <a:rPr lang="en-US" b="1" dirty="0">
+                <a:solidFill>
+                  <a:srgbClr val="FFFF00"/>
+                </a:solidFill>
+              </a:rPr>
+              <a:t>🕱</a:t>
+            </a:r>
+            <a:endParaRPr lang="ru-RU" dirty="0">
+              <a:solidFill>
+                <a:srgbClr val="FFFF00"/>
+              </a:solidFill>
+            </a:endParaRPr>
+          </a:p>
+        </p:txBody>
+      </p:sp>
+      <p:sp>
+        <p:nvSpPr>
+          <p:cNvPr id="3" name="Content Placeholder 2"/>
+          <p:cNvSpPr>
+            <a:spLocks noGrp="1"/>
+          </p:cNvSpPr>
+          <p:nvPr>
+            <p:ph idx="1"/>
+          </p:nvPr>
+        </p:nvSpPr>
+        <p:spPr>
+          <a:xfrm>
+            <a:off x="457200" y="1600201"/>
+            <a:ext cx="8229600" cy="1108719"/>
+          </a:xfrm>
+        </p:spPr>
+        <p:txBody>
+          <a:bodyPr>
+            <a:normAutofit/>
+          </a:bodyPr>
+          <a:lstStyle/>
+          <a:p>
+            <a:pPr marL="0" indent="0">
+              <a:buNone/>
+            </a:pPr>
+            <a:r>
+              <a:rPr lang="ru-RU" sz="1600" dirty="0" smtClean="0"/>
+              <a:t>Возвращает т.н. </a:t>
+            </a:r>
+            <a:r>
+              <a:rPr lang="en-US" sz="1600" dirty="0" smtClean="0"/>
+              <a:t>ANSI </a:t>
+            </a:r>
+            <a:r>
+              <a:rPr lang="ru-RU" sz="1600" dirty="0" smtClean="0"/>
+              <a:t>кодировку которая соответствует настройке «</a:t>
+            </a:r>
+            <a:r>
+              <a:rPr lang="en-US" sz="1600" dirty="0" smtClean="0"/>
+              <a:t>Language for non-Unicode programs</a:t>
+            </a:r>
+            <a:r>
+              <a:rPr lang="ru-RU" sz="1600" dirty="0" smtClean="0"/>
+              <a:t>»</a:t>
+            </a:r>
+            <a:r>
+              <a:rPr lang="en-US" sz="1600" dirty="0" smtClean="0"/>
+              <a:t> </a:t>
+            </a:r>
+            <a:r>
+              <a:rPr lang="ru-RU" sz="1600" dirty="0" smtClean="0"/>
+              <a:t>в региональных настройках системы. </a:t>
+            </a:r>
+            <a:r>
+              <a:rPr lang="ru-RU" sz="1600" dirty="0" smtClean="0">
+                <a:solidFill>
+                  <a:srgbClr val="FFFF00"/>
+                </a:solidFill>
+              </a:rPr>
+              <a:t>Избегайте использования данного свойства!</a:t>
+            </a:r>
+            <a:r>
+              <a:rPr lang="ru-RU" sz="1600" dirty="0" smtClean="0"/>
+              <a:t> Оно может измениться между сеансами, оно может быть разным на разных компьютерах. Вместо него </a:t>
+            </a:r>
+            <a:r>
+              <a:rPr lang="ru-RU" sz="1600" dirty="0"/>
+              <a:t>л</a:t>
+            </a:r>
+            <a:r>
+              <a:rPr lang="ru-RU" sz="1600" dirty="0" smtClean="0"/>
+              <a:t>учше использовать </a:t>
+            </a:r>
+            <a:r>
+              <a:rPr lang="en-US" sz="1600" dirty="0" smtClean="0"/>
+              <a:t>Encoding.UTF8.</a:t>
+            </a:r>
+            <a:endParaRPr lang="ru-RU" sz="1600" dirty="0"/>
+          </a:p>
+        </p:txBody>
+      </p:sp>
+      <p:graphicFrame>
+        <p:nvGraphicFramePr>
+          <p:cNvPr id="4" name="Table 3"/>
+          <p:cNvGraphicFramePr>
+            <a:graphicFrameLocks noGrp="1"/>
+          </p:cNvGraphicFramePr>
+          <p:nvPr>
+            <p:extLst>
+              <p:ext uri="{D42A27DB-BD31-4B8C-83A1-F6EECF244321}">
+                <p14:modId xmlns:p14="http://schemas.microsoft.com/office/powerpoint/2010/main" val="272065401"/>
+              </p:ext>
+            </p:extLst>
+          </p:nvPr>
+        </p:nvGraphicFramePr>
+        <p:xfrm>
+          <a:off x="1506488" y="3068960"/>
+          <a:ext cx="6131024" cy="3470790"/>
+        </p:xfrm>
+        <a:graphic>
+          <a:graphicData uri="http://schemas.openxmlformats.org/drawingml/2006/table">
+            <a:tbl>
+              <a:tblPr/>
+              <a:tblGrid>
+                <a:gridCol w="1316641"/>
+                <a:gridCol w="3301291"/>
+                <a:gridCol w="1513092"/>
+              </a:tblGrid>
+              <a:tr h="0">
+                <a:tc>
+                  <a:txBody>
+                    <a:bodyPr/>
+                    <a:lstStyle/>
+                    <a:p>
+                      <a:pPr marL="0" marR="0" algn="r" fontAlgn="t">
+                        <a:spcBef>
+                          <a:spcPts val="0"/>
+                        </a:spcBef>
+                        <a:spcAft>
+                          <a:spcPts val="0"/>
+                        </a:spcAft>
+                      </a:pPr>
+                      <a:r>
+                        <a:rPr lang="en-US" sz="1100" b="1" dirty="0" smtClean="0">
+                          <a:solidFill>
+                            <a:srgbClr val="002060"/>
+                          </a:solidFill>
+                          <a:effectLst/>
+                          <a:latin typeface="Verdana" panose="020B0604030504040204" pitchFamily="34" charset="0"/>
+                        </a:rPr>
+                        <a:t>Code</a:t>
+                      </a:r>
+                      <a:r>
+                        <a:rPr lang="en-US" sz="1100" b="1" baseline="0" dirty="0" smtClean="0">
+                          <a:solidFill>
+                            <a:srgbClr val="002060"/>
+                          </a:solidFill>
+                          <a:effectLst/>
+                          <a:latin typeface="Verdana" panose="020B0604030504040204" pitchFamily="34" charset="0"/>
+                        </a:rPr>
+                        <a:t> page</a:t>
+                      </a:r>
+                      <a:endParaRPr lang="en-US" sz="1100" b="1" dirty="0">
+                        <a:solidFill>
+                          <a:srgbClr val="002060"/>
+                        </a:solidFill>
+                        <a:effectLst/>
+                        <a:latin typeface="Verdana" panose="020B0604030504040204" pitchFamily="34" charset="0"/>
+                      </a:endParaRPr>
+                    </a:p>
+                  </a:txBody>
+                  <a:tcPr marL="63746" marR="63746" marT="31873" marB="31873">
+                    <a:lnL w="9525" cap="flat" cmpd="sng" algn="ctr">
+                      <a:solidFill>
+                        <a:srgbClr val="AAAAAA"/>
+                      </a:solidFill>
+                      <a:prstDash val="solid"/>
+                      <a:round/>
+                      <a:headEnd type="none" w="med" len="med"/>
+                      <a:tailEnd type="none" w="med" len="med"/>
+                    </a:lnL>
+                    <a:lnR w="9525" cap="flat" cmpd="sng" algn="ctr">
+                      <a:solidFill>
+                        <a:srgbClr val="AAAAAA"/>
+                      </a:solidFill>
+                      <a:prstDash val="solid"/>
+                      <a:round/>
+                      <a:headEnd type="none" w="med" len="med"/>
+                      <a:tailEnd type="none" w="med" len="med"/>
+                    </a:lnR>
+                    <a:lnT w="9525" cap="flat" cmpd="sng" algn="ctr">
+                      <a:solidFill>
+                        <a:srgbClr val="AAAAAA"/>
+                      </a:solidFill>
+                      <a:prstDash val="solid"/>
+                      <a:round/>
+                      <a:headEnd type="none" w="med" len="med"/>
+                      <a:tailEnd type="none" w="med" len="med"/>
+                    </a:lnT>
+                    <a:lnB w="9525" cap="flat" cmpd="sng" algn="ctr">
+                      <a:solidFill>
+                        <a:srgbClr val="AAAAAA"/>
+                      </a:solidFill>
+                      <a:prstDash val="solid"/>
+                      <a:round/>
+                      <a:headEnd type="none" w="med" len="med"/>
+                      <a:tailEnd type="none" w="med" len="med"/>
+                    </a:lnB>
+                    <a:solidFill>
+                      <a:schemeClr val="bg1"/>
+                    </a:solidFill>
+                  </a:tcPr>
+                </a:tc>
+                <a:tc>
+                  <a:txBody>
+                    <a:bodyPr/>
+                    <a:lstStyle/>
+                    <a:p>
+                      <a:pPr marL="0" marR="0" fontAlgn="t">
+                        <a:spcBef>
+                          <a:spcPts val="0"/>
+                        </a:spcBef>
+                        <a:spcAft>
+                          <a:spcPts val="0"/>
+                        </a:spcAft>
+                      </a:pPr>
+                      <a:r>
+                        <a:rPr lang="ru-RU" sz="1100" b="1" dirty="0" smtClean="0">
+                          <a:solidFill>
+                            <a:srgbClr val="002060"/>
+                          </a:solidFill>
+                          <a:effectLst/>
+                          <a:latin typeface="Verdana" panose="020B0604030504040204" pitchFamily="34" charset="0"/>
+                        </a:rPr>
+                        <a:t>Название</a:t>
+                      </a:r>
+                      <a:endParaRPr lang="en-US" sz="1100" b="1" dirty="0">
+                        <a:solidFill>
+                          <a:srgbClr val="002060"/>
+                        </a:solidFill>
+                        <a:effectLst/>
+                        <a:latin typeface="Verdana" panose="020B0604030504040204" pitchFamily="34" charset="0"/>
+                      </a:endParaRPr>
+                    </a:p>
+                  </a:txBody>
+                  <a:tcPr marL="63746" marR="63746" marT="31873" marB="31873">
+                    <a:lnL w="9525" cap="flat" cmpd="sng" algn="ctr">
+                      <a:solidFill>
+                        <a:srgbClr val="AAAAAA"/>
+                      </a:solidFill>
+                      <a:prstDash val="solid"/>
+                      <a:round/>
+                      <a:headEnd type="none" w="med" len="med"/>
+                      <a:tailEnd type="none" w="med" len="med"/>
+                    </a:lnL>
+                    <a:lnR w="9525" cap="flat" cmpd="sng" algn="ctr">
+                      <a:solidFill>
+                        <a:srgbClr val="AAAAAA"/>
+                      </a:solidFill>
+                      <a:prstDash val="solid"/>
+                      <a:round/>
+                      <a:headEnd type="none" w="med" len="med"/>
+                      <a:tailEnd type="none" w="med" len="med"/>
+                    </a:lnR>
+                    <a:lnT w="9525" cap="flat" cmpd="sng" algn="ctr">
+                      <a:solidFill>
+                        <a:srgbClr val="AAAAAA"/>
+                      </a:solidFill>
+                      <a:prstDash val="solid"/>
+                      <a:round/>
+                      <a:headEnd type="none" w="med" len="med"/>
+                      <a:tailEnd type="none" w="med" len="med"/>
+                    </a:lnT>
+                    <a:lnB w="9525" cap="flat" cmpd="sng" algn="ctr">
+                      <a:solidFill>
+                        <a:srgbClr val="AAAAAA"/>
+                      </a:solidFill>
+                      <a:prstDash val="solid"/>
+                      <a:round/>
+                      <a:headEnd type="none" w="med" len="med"/>
+                      <a:tailEnd type="none" w="med" len="med"/>
+                    </a:lnB>
+                    <a:solidFill>
+                      <a:schemeClr val="bg1"/>
+                    </a:solidFill>
+                  </a:tcPr>
+                </a:tc>
+                <a:tc>
+                  <a:txBody>
+                    <a:bodyPr/>
+                    <a:lstStyle/>
+                    <a:p>
+                      <a:pPr marL="0" marR="0" fontAlgn="t">
+                        <a:spcBef>
+                          <a:spcPts val="0"/>
+                        </a:spcBef>
+                        <a:spcAft>
+                          <a:spcPts val="0"/>
+                        </a:spcAft>
+                      </a:pPr>
+                      <a:r>
+                        <a:rPr lang="ru-RU" sz="1100" b="1" dirty="0" err="1" smtClean="0">
+                          <a:solidFill>
+                            <a:srgbClr val="002060"/>
+                          </a:solidFill>
+                          <a:effectLst/>
+                          <a:latin typeface="Verdana" panose="020B0604030504040204" pitchFamily="34" charset="0"/>
+                        </a:rPr>
+                        <a:t>Многобайтовая</a:t>
+                      </a:r>
+                      <a:r>
+                        <a:rPr lang="ru-RU" sz="1100" b="1" dirty="0" smtClean="0">
+                          <a:solidFill>
+                            <a:srgbClr val="002060"/>
+                          </a:solidFill>
+                          <a:effectLst/>
+                          <a:latin typeface="Verdana" panose="020B0604030504040204" pitchFamily="34" charset="0"/>
+                        </a:rPr>
+                        <a:t>?</a:t>
+                      </a:r>
+                      <a:endParaRPr lang="en-US" sz="1100" b="1" dirty="0">
+                        <a:solidFill>
+                          <a:srgbClr val="002060"/>
+                        </a:solidFill>
+                        <a:effectLst/>
+                        <a:latin typeface="Verdana" panose="020B0604030504040204" pitchFamily="34" charset="0"/>
+                      </a:endParaRPr>
+                    </a:p>
+                  </a:txBody>
+                  <a:tcPr marL="63746" marR="63746" marT="31873" marB="31873">
+                    <a:lnL w="9525" cap="flat" cmpd="sng" algn="ctr">
+                      <a:solidFill>
+                        <a:srgbClr val="AAAAAA"/>
+                      </a:solidFill>
+                      <a:prstDash val="solid"/>
+                      <a:round/>
+                      <a:headEnd type="none" w="med" len="med"/>
+                      <a:tailEnd type="none" w="med" len="med"/>
+                    </a:lnL>
+                    <a:lnR w="9525" cap="flat" cmpd="sng" algn="ctr">
+                      <a:solidFill>
+                        <a:srgbClr val="AAAAAA"/>
+                      </a:solidFill>
+                      <a:prstDash val="solid"/>
+                      <a:round/>
+                      <a:headEnd type="none" w="med" len="med"/>
+                      <a:tailEnd type="none" w="med" len="med"/>
+                    </a:lnR>
+                    <a:lnT w="9525" cap="flat" cmpd="sng" algn="ctr">
+                      <a:solidFill>
+                        <a:srgbClr val="AAAAAA"/>
+                      </a:solidFill>
+                      <a:prstDash val="solid"/>
+                      <a:round/>
+                      <a:headEnd type="none" w="med" len="med"/>
+                      <a:tailEnd type="none" w="med" len="med"/>
+                    </a:lnT>
+                    <a:lnB w="9525" cap="flat" cmpd="sng" algn="ctr">
+                      <a:solidFill>
+                        <a:srgbClr val="AAAAAA"/>
+                      </a:solidFill>
+                      <a:prstDash val="solid"/>
+                      <a:round/>
+                      <a:headEnd type="none" w="med" len="med"/>
+                      <a:tailEnd type="none" w="med" len="med"/>
+                    </a:lnB>
+                    <a:solidFill>
+                      <a:schemeClr val="bg1"/>
+                    </a:solidFill>
+                  </a:tcPr>
+                </a:tc>
+              </a:tr>
+              <a:tr h="0">
+                <a:tc>
+                  <a:txBody>
+                    <a:bodyPr/>
+                    <a:lstStyle/>
+                    <a:p>
+                      <a:pPr marL="0" marR="0" algn="r" fontAlgn="t">
+                        <a:spcBef>
+                          <a:spcPts val="0"/>
+                        </a:spcBef>
+                        <a:spcAft>
+                          <a:spcPts val="0"/>
+                        </a:spcAft>
+                      </a:pPr>
+                      <a:r>
+                        <a:rPr lang="en-US" sz="1100" dirty="0">
+                          <a:effectLst/>
+                          <a:latin typeface="Verdana" panose="020B0604030504040204" pitchFamily="34" charset="0"/>
+                        </a:rPr>
+                        <a:t>874</a:t>
+                      </a:r>
+                    </a:p>
+                  </a:txBody>
+                  <a:tcPr marL="63746" marR="63746" marT="31873" marB="31873">
+                    <a:lnL w="9525" cap="flat" cmpd="sng" algn="ctr">
+                      <a:solidFill>
+                        <a:srgbClr val="AAAAAA"/>
+                      </a:solidFill>
+                      <a:prstDash val="solid"/>
+                      <a:round/>
+                      <a:headEnd type="none" w="med" len="med"/>
+                      <a:tailEnd type="none" w="med" len="med"/>
+                    </a:lnL>
+                    <a:lnR w="9525" cap="flat" cmpd="sng" algn="ctr">
+                      <a:solidFill>
+                        <a:srgbClr val="AAAAAA"/>
+                      </a:solidFill>
+                      <a:prstDash val="solid"/>
+                      <a:round/>
+                      <a:headEnd type="none" w="med" len="med"/>
+                      <a:tailEnd type="none" w="med" len="med"/>
+                    </a:lnR>
+                    <a:lnT w="9525" cap="flat" cmpd="sng" algn="ctr">
+                      <a:solidFill>
+                        <a:srgbClr val="AAAAAA"/>
+                      </a:solidFill>
+                      <a:prstDash val="solid"/>
+                      <a:round/>
+                      <a:headEnd type="none" w="med" len="med"/>
+                      <a:tailEnd type="none" w="med" len="med"/>
+                    </a:lnT>
+                    <a:lnB w="9525" cap="flat" cmpd="sng" algn="ctr">
+                      <a:solidFill>
+                        <a:srgbClr val="AAAAAA"/>
+                      </a:solidFill>
+                      <a:prstDash val="solid"/>
+                      <a:round/>
+                      <a:headEnd type="none" w="med" len="med"/>
+                      <a:tailEnd type="none" w="med" len="med"/>
+                    </a:lnB>
+                  </a:tcPr>
+                </a:tc>
+                <a:tc>
+                  <a:txBody>
+                    <a:bodyPr/>
+                    <a:lstStyle/>
+                    <a:p>
+                      <a:pPr marL="0" marR="0" fontAlgn="t">
+                        <a:spcBef>
+                          <a:spcPts val="0"/>
+                        </a:spcBef>
+                        <a:spcAft>
+                          <a:spcPts val="0"/>
+                        </a:spcAft>
+                      </a:pPr>
+                      <a:r>
+                        <a:rPr lang="en-US" sz="1100" dirty="0">
+                          <a:effectLst/>
+                          <a:latin typeface="Verdana" panose="020B0604030504040204" pitchFamily="34" charset="0"/>
+                        </a:rPr>
+                        <a:t>Thai (Windows)</a:t>
+                      </a:r>
+                    </a:p>
+                  </a:txBody>
+                  <a:tcPr marL="63746" marR="63746" marT="31873" marB="31873">
+                    <a:lnL w="9525" cap="flat" cmpd="sng" algn="ctr">
+                      <a:solidFill>
+                        <a:srgbClr val="AAAAAA"/>
+                      </a:solidFill>
+                      <a:prstDash val="solid"/>
+                      <a:round/>
+                      <a:headEnd type="none" w="med" len="med"/>
+                      <a:tailEnd type="none" w="med" len="med"/>
+                    </a:lnL>
+                    <a:lnR w="9525" cap="flat" cmpd="sng" algn="ctr">
+                      <a:solidFill>
+                        <a:srgbClr val="AAAAAA"/>
+                      </a:solidFill>
+                      <a:prstDash val="solid"/>
+                      <a:round/>
+                      <a:headEnd type="none" w="med" len="med"/>
+                      <a:tailEnd type="none" w="med" len="med"/>
+                    </a:lnR>
+                    <a:lnT w="9525" cap="flat" cmpd="sng" algn="ctr">
+                      <a:solidFill>
+                        <a:srgbClr val="AAAAAA"/>
+                      </a:solidFill>
+                      <a:prstDash val="solid"/>
+                      <a:round/>
+                      <a:headEnd type="none" w="med" len="med"/>
+                      <a:tailEnd type="none" w="med" len="med"/>
+                    </a:lnT>
+                    <a:lnB w="9525" cap="flat" cmpd="sng" algn="ctr">
+                      <a:solidFill>
+                        <a:srgbClr val="AAAAAA"/>
+                      </a:solidFill>
+                      <a:prstDash val="solid"/>
+                      <a:round/>
+                      <a:headEnd type="none" w="med" len="med"/>
+                      <a:tailEnd type="none" w="med" len="med"/>
+                    </a:lnB>
+                  </a:tcPr>
+                </a:tc>
+                <a:tc>
+                  <a:txBody>
+                    <a:bodyPr/>
+                    <a:lstStyle/>
+                    <a:p>
+                      <a:pPr marL="0" marR="0" fontAlgn="t">
+                        <a:spcBef>
+                          <a:spcPts val="0"/>
+                        </a:spcBef>
+                        <a:spcAft>
+                          <a:spcPts val="0"/>
+                        </a:spcAft>
+                      </a:pPr>
+                      <a:endParaRPr lang="en-US" sz="1100" dirty="0">
+                        <a:effectLst/>
+                        <a:latin typeface="Verdana" panose="020B0604030504040204" pitchFamily="34" charset="0"/>
+                      </a:endParaRPr>
+                    </a:p>
+                  </a:txBody>
+                  <a:tcPr marL="63746" marR="63746" marT="31873" marB="31873">
+                    <a:lnL w="9525" cap="flat" cmpd="sng" algn="ctr">
+                      <a:solidFill>
+                        <a:srgbClr val="AAAAAA"/>
+                      </a:solidFill>
+                      <a:prstDash val="solid"/>
+                      <a:round/>
+                      <a:headEnd type="none" w="med" len="med"/>
+                      <a:tailEnd type="none" w="med" len="med"/>
+                    </a:lnL>
+                    <a:lnR w="9525" cap="flat" cmpd="sng" algn="ctr">
+                      <a:solidFill>
+                        <a:srgbClr val="AAAAAA"/>
+                      </a:solidFill>
+                      <a:prstDash val="solid"/>
+                      <a:round/>
+                      <a:headEnd type="none" w="med" len="med"/>
+                      <a:tailEnd type="none" w="med" len="med"/>
+                    </a:lnR>
+                    <a:lnT w="9525" cap="flat" cmpd="sng" algn="ctr">
+                      <a:solidFill>
+                        <a:srgbClr val="AAAAAA"/>
+                      </a:solidFill>
+                      <a:prstDash val="solid"/>
+                      <a:round/>
+                      <a:headEnd type="none" w="med" len="med"/>
+                      <a:tailEnd type="none" w="med" len="med"/>
+                    </a:lnT>
+                    <a:lnB w="9525" cap="flat" cmpd="sng" algn="ctr">
+                      <a:solidFill>
+                        <a:srgbClr val="AAAAAA"/>
+                      </a:solidFill>
+                      <a:prstDash val="solid"/>
+                      <a:round/>
+                      <a:headEnd type="none" w="med" len="med"/>
+                      <a:tailEnd type="none" w="med" len="med"/>
+                    </a:lnB>
+                  </a:tcPr>
+                </a:tc>
+              </a:tr>
+              <a:tr h="0">
+                <a:tc>
+                  <a:txBody>
+                    <a:bodyPr/>
+                    <a:lstStyle/>
+                    <a:p>
+                      <a:pPr marL="0" marR="0" algn="r" fontAlgn="t">
+                        <a:spcBef>
+                          <a:spcPts val="0"/>
+                        </a:spcBef>
+                        <a:spcAft>
+                          <a:spcPts val="0"/>
+                        </a:spcAft>
+                      </a:pPr>
+                      <a:r>
+                        <a:rPr lang="en-US" sz="1100" dirty="0">
+                          <a:effectLst/>
+                          <a:latin typeface="Verdana" panose="020B0604030504040204" pitchFamily="34" charset="0"/>
+                        </a:rPr>
+                        <a:t>932</a:t>
+                      </a:r>
+                    </a:p>
+                  </a:txBody>
+                  <a:tcPr marL="63746" marR="63746" marT="31873" marB="31873">
+                    <a:lnL w="9525" cap="flat" cmpd="sng" algn="ctr">
+                      <a:solidFill>
+                        <a:srgbClr val="AAAAAA"/>
+                      </a:solidFill>
+                      <a:prstDash val="solid"/>
+                      <a:round/>
+                      <a:headEnd type="none" w="med" len="med"/>
+                      <a:tailEnd type="none" w="med" len="med"/>
+                    </a:lnL>
+                    <a:lnR w="9525" cap="flat" cmpd="sng" algn="ctr">
+                      <a:solidFill>
+                        <a:srgbClr val="AAAAAA"/>
+                      </a:solidFill>
+                      <a:prstDash val="solid"/>
+                      <a:round/>
+                      <a:headEnd type="none" w="med" len="med"/>
+                      <a:tailEnd type="none" w="med" len="med"/>
+                    </a:lnR>
+                    <a:lnT w="9525" cap="flat" cmpd="sng" algn="ctr">
+                      <a:solidFill>
+                        <a:srgbClr val="AAAAAA"/>
+                      </a:solidFill>
+                      <a:prstDash val="solid"/>
+                      <a:round/>
+                      <a:headEnd type="none" w="med" len="med"/>
+                      <a:tailEnd type="none" w="med" len="med"/>
+                    </a:lnT>
+                    <a:lnB w="9525" cap="flat" cmpd="sng" algn="ctr">
+                      <a:solidFill>
+                        <a:srgbClr val="AAAAAA"/>
+                      </a:solidFill>
+                      <a:prstDash val="solid"/>
+                      <a:round/>
+                      <a:headEnd type="none" w="med" len="med"/>
+                      <a:tailEnd type="none" w="med" len="med"/>
+                    </a:lnB>
+                  </a:tcPr>
+                </a:tc>
+                <a:tc>
+                  <a:txBody>
+                    <a:bodyPr/>
+                    <a:lstStyle/>
+                    <a:p>
+                      <a:pPr marL="0" marR="0" fontAlgn="t">
+                        <a:spcBef>
+                          <a:spcPts val="0"/>
+                        </a:spcBef>
+                        <a:spcAft>
+                          <a:spcPts val="0"/>
+                        </a:spcAft>
+                      </a:pPr>
+                      <a:r>
+                        <a:rPr lang="en-US" sz="1100" dirty="0">
+                          <a:effectLst/>
+                          <a:latin typeface="Verdana" panose="020B0604030504040204" pitchFamily="34" charset="0"/>
+                        </a:rPr>
+                        <a:t>Japanese (Shift-JIS)</a:t>
+                      </a:r>
+                    </a:p>
+                  </a:txBody>
+                  <a:tcPr marL="63746" marR="63746" marT="31873" marB="31873">
+                    <a:lnL w="9525" cap="flat" cmpd="sng" algn="ctr">
+                      <a:solidFill>
+                        <a:srgbClr val="AAAAAA"/>
+                      </a:solidFill>
+                      <a:prstDash val="solid"/>
+                      <a:round/>
+                      <a:headEnd type="none" w="med" len="med"/>
+                      <a:tailEnd type="none" w="med" len="med"/>
+                    </a:lnL>
+                    <a:lnR w="9525" cap="flat" cmpd="sng" algn="ctr">
+                      <a:solidFill>
+                        <a:srgbClr val="AAAAAA"/>
+                      </a:solidFill>
+                      <a:prstDash val="solid"/>
+                      <a:round/>
+                      <a:headEnd type="none" w="med" len="med"/>
+                      <a:tailEnd type="none" w="med" len="med"/>
+                    </a:lnR>
+                    <a:lnT w="9525" cap="flat" cmpd="sng" algn="ctr">
+                      <a:solidFill>
+                        <a:srgbClr val="AAAAAA"/>
+                      </a:solidFill>
+                      <a:prstDash val="solid"/>
+                      <a:round/>
+                      <a:headEnd type="none" w="med" len="med"/>
+                      <a:tailEnd type="none" w="med" len="med"/>
+                    </a:lnT>
+                    <a:lnB w="9525" cap="flat" cmpd="sng" algn="ctr">
+                      <a:solidFill>
+                        <a:srgbClr val="AAAAAA"/>
+                      </a:solidFill>
+                      <a:prstDash val="solid"/>
+                      <a:round/>
+                      <a:headEnd type="none" w="med" len="med"/>
+                      <a:tailEnd type="none" w="med" len="med"/>
+                    </a:lnB>
+                  </a:tcPr>
+                </a:tc>
+                <a:tc>
+                  <a:txBody>
+                    <a:bodyPr/>
+                    <a:lstStyle/>
+                    <a:p>
+                      <a:pPr marL="0" marR="0" fontAlgn="t">
+                        <a:spcBef>
+                          <a:spcPts val="0"/>
+                        </a:spcBef>
+                        <a:spcAft>
+                          <a:spcPts val="0"/>
+                        </a:spcAft>
+                      </a:pPr>
+                      <a:r>
+                        <a:rPr lang="ru-RU" sz="1100" dirty="0" smtClean="0">
+                          <a:effectLst/>
+                          <a:latin typeface="Verdana" panose="020B0604030504040204" pitchFamily="34" charset="0"/>
+                        </a:rPr>
+                        <a:t>Да</a:t>
+                      </a:r>
+                      <a:endParaRPr lang="en-US" sz="1100" dirty="0">
+                        <a:effectLst/>
+                        <a:latin typeface="Verdana" panose="020B0604030504040204" pitchFamily="34" charset="0"/>
+                      </a:endParaRPr>
+                    </a:p>
+                  </a:txBody>
+                  <a:tcPr marL="63746" marR="63746" marT="31873" marB="31873">
+                    <a:lnL w="9525" cap="flat" cmpd="sng" algn="ctr">
+                      <a:solidFill>
+                        <a:srgbClr val="AAAAAA"/>
+                      </a:solidFill>
+                      <a:prstDash val="solid"/>
+                      <a:round/>
+                      <a:headEnd type="none" w="med" len="med"/>
+                      <a:tailEnd type="none" w="med" len="med"/>
+                    </a:lnL>
+                    <a:lnR w="9525" cap="flat" cmpd="sng" algn="ctr">
+                      <a:solidFill>
+                        <a:srgbClr val="AAAAAA"/>
+                      </a:solidFill>
+                      <a:prstDash val="solid"/>
+                      <a:round/>
+                      <a:headEnd type="none" w="med" len="med"/>
+                      <a:tailEnd type="none" w="med" len="med"/>
+                    </a:lnR>
+                    <a:lnT w="9525" cap="flat" cmpd="sng" algn="ctr">
+                      <a:solidFill>
+                        <a:srgbClr val="AAAAAA"/>
+                      </a:solidFill>
+                      <a:prstDash val="solid"/>
+                      <a:round/>
+                      <a:headEnd type="none" w="med" len="med"/>
+                      <a:tailEnd type="none" w="med" len="med"/>
+                    </a:lnT>
+                    <a:lnB w="9525" cap="flat" cmpd="sng" algn="ctr">
+                      <a:solidFill>
+                        <a:srgbClr val="AAAAAA"/>
+                      </a:solidFill>
+                      <a:prstDash val="solid"/>
+                      <a:round/>
+                      <a:headEnd type="none" w="med" len="med"/>
+                      <a:tailEnd type="none" w="med" len="med"/>
+                    </a:lnB>
+                  </a:tcPr>
+                </a:tc>
+              </a:tr>
+              <a:tr h="0">
+                <a:tc>
+                  <a:txBody>
+                    <a:bodyPr/>
+                    <a:lstStyle/>
+                    <a:p>
+                      <a:pPr marL="0" marR="0" algn="r" fontAlgn="t">
+                        <a:spcBef>
+                          <a:spcPts val="0"/>
+                        </a:spcBef>
+                        <a:spcAft>
+                          <a:spcPts val="0"/>
+                        </a:spcAft>
+                      </a:pPr>
+                      <a:r>
+                        <a:rPr lang="en-US" sz="1100" dirty="0">
+                          <a:effectLst/>
+                          <a:latin typeface="Verdana" panose="020B0604030504040204" pitchFamily="34" charset="0"/>
+                        </a:rPr>
+                        <a:t>936</a:t>
+                      </a:r>
+                    </a:p>
+                  </a:txBody>
+                  <a:tcPr marL="63746" marR="63746" marT="31873" marB="31873">
+                    <a:lnL w="9525" cap="flat" cmpd="sng" algn="ctr">
+                      <a:solidFill>
+                        <a:srgbClr val="AAAAAA"/>
+                      </a:solidFill>
+                      <a:prstDash val="solid"/>
+                      <a:round/>
+                      <a:headEnd type="none" w="med" len="med"/>
+                      <a:tailEnd type="none" w="med" len="med"/>
+                    </a:lnL>
+                    <a:lnR w="9525" cap="flat" cmpd="sng" algn="ctr">
+                      <a:solidFill>
+                        <a:srgbClr val="AAAAAA"/>
+                      </a:solidFill>
+                      <a:prstDash val="solid"/>
+                      <a:round/>
+                      <a:headEnd type="none" w="med" len="med"/>
+                      <a:tailEnd type="none" w="med" len="med"/>
+                    </a:lnR>
+                    <a:lnT w="9525" cap="flat" cmpd="sng" algn="ctr">
+                      <a:solidFill>
+                        <a:srgbClr val="AAAAAA"/>
+                      </a:solidFill>
+                      <a:prstDash val="solid"/>
+                      <a:round/>
+                      <a:headEnd type="none" w="med" len="med"/>
+                      <a:tailEnd type="none" w="med" len="med"/>
+                    </a:lnT>
+                    <a:lnB w="9525" cap="flat" cmpd="sng" algn="ctr">
+                      <a:solidFill>
+                        <a:srgbClr val="AAAAAA"/>
+                      </a:solidFill>
+                      <a:prstDash val="solid"/>
+                      <a:round/>
+                      <a:headEnd type="none" w="med" len="med"/>
+                      <a:tailEnd type="none" w="med" len="med"/>
+                    </a:lnB>
+                  </a:tcPr>
+                </a:tc>
+                <a:tc>
+                  <a:txBody>
+                    <a:bodyPr/>
+                    <a:lstStyle/>
+                    <a:p>
+                      <a:pPr marL="0" marR="0" fontAlgn="t">
+                        <a:spcBef>
+                          <a:spcPts val="0"/>
+                        </a:spcBef>
+                        <a:spcAft>
+                          <a:spcPts val="0"/>
+                        </a:spcAft>
+                      </a:pPr>
+                      <a:r>
+                        <a:rPr lang="en-US" sz="1100" dirty="0">
+                          <a:effectLst/>
+                          <a:latin typeface="Verdana" panose="020B0604030504040204" pitchFamily="34" charset="0"/>
+                        </a:rPr>
+                        <a:t>Chinese Simplified (GB2312)</a:t>
+                      </a:r>
+                    </a:p>
+                  </a:txBody>
+                  <a:tcPr marL="63746" marR="63746" marT="31873" marB="31873">
+                    <a:lnL w="9525" cap="flat" cmpd="sng" algn="ctr">
+                      <a:solidFill>
+                        <a:srgbClr val="AAAAAA"/>
+                      </a:solidFill>
+                      <a:prstDash val="solid"/>
+                      <a:round/>
+                      <a:headEnd type="none" w="med" len="med"/>
+                      <a:tailEnd type="none" w="med" len="med"/>
+                    </a:lnL>
+                    <a:lnR w="9525" cap="flat" cmpd="sng" algn="ctr">
+                      <a:solidFill>
+                        <a:srgbClr val="AAAAAA"/>
+                      </a:solidFill>
+                      <a:prstDash val="solid"/>
+                      <a:round/>
+                      <a:headEnd type="none" w="med" len="med"/>
+                      <a:tailEnd type="none" w="med" len="med"/>
+                    </a:lnR>
+                    <a:lnT w="9525" cap="flat" cmpd="sng" algn="ctr">
+                      <a:solidFill>
+                        <a:srgbClr val="AAAAAA"/>
+                      </a:solidFill>
+                      <a:prstDash val="solid"/>
+                      <a:round/>
+                      <a:headEnd type="none" w="med" len="med"/>
+                      <a:tailEnd type="none" w="med" len="med"/>
+                    </a:lnT>
+                    <a:lnB w="9525" cap="flat" cmpd="sng" algn="ctr">
+                      <a:solidFill>
+                        <a:srgbClr val="AAAAAA"/>
+                      </a:solidFill>
+                      <a:prstDash val="solid"/>
+                      <a:round/>
+                      <a:headEnd type="none" w="med" len="med"/>
+                      <a:tailEnd type="none" w="med" len="med"/>
+                    </a:lnB>
+                  </a:tcPr>
+                </a:tc>
+                <a:tc>
+                  <a:txBody>
+                    <a:bodyPr/>
+                    <a:lstStyle/>
+                    <a:p>
+                      <a:pPr marL="0" marR="0" fontAlgn="t">
+                        <a:spcBef>
+                          <a:spcPts val="0"/>
+                        </a:spcBef>
+                        <a:spcAft>
+                          <a:spcPts val="0"/>
+                        </a:spcAft>
+                      </a:pPr>
+                      <a:r>
+                        <a:rPr lang="ru-RU" sz="1100" dirty="0" smtClean="0">
+                          <a:effectLst/>
+                          <a:latin typeface="Verdana" panose="020B0604030504040204" pitchFamily="34" charset="0"/>
+                        </a:rPr>
+                        <a:t>Да</a:t>
+                      </a:r>
+                      <a:endParaRPr lang="en-US" sz="1100" dirty="0">
+                        <a:effectLst/>
+                        <a:latin typeface="Verdana" panose="020B0604030504040204" pitchFamily="34" charset="0"/>
+                      </a:endParaRPr>
+                    </a:p>
+                  </a:txBody>
+                  <a:tcPr marL="63746" marR="63746" marT="31873" marB="31873">
+                    <a:lnL w="9525" cap="flat" cmpd="sng" algn="ctr">
+                      <a:solidFill>
+                        <a:srgbClr val="AAAAAA"/>
+                      </a:solidFill>
+                      <a:prstDash val="solid"/>
+                      <a:round/>
+                      <a:headEnd type="none" w="med" len="med"/>
+                      <a:tailEnd type="none" w="med" len="med"/>
+                    </a:lnL>
+                    <a:lnR w="9525" cap="flat" cmpd="sng" algn="ctr">
+                      <a:solidFill>
+                        <a:srgbClr val="AAAAAA"/>
+                      </a:solidFill>
+                      <a:prstDash val="solid"/>
+                      <a:round/>
+                      <a:headEnd type="none" w="med" len="med"/>
+                      <a:tailEnd type="none" w="med" len="med"/>
+                    </a:lnR>
+                    <a:lnT w="9525" cap="flat" cmpd="sng" algn="ctr">
+                      <a:solidFill>
+                        <a:srgbClr val="AAAAAA"/>
+                      </a:solidFill>
+                      <a:prstDash val="solid"/>
+                      <a:round/>
+                      <a:headEnd type="none" w="med" len="med"/>
+                      <a:tailEnd type="none" w="med" len="med"/>
+                    </a:lnT>
+                    <a:lnB w="9525" cap="flat" cmpd="sng" algn="ctr">
+                      <a:solidFill>
+                        <a:srgbClr val="AAAAAA"/>
+                      </a:solidFill>
+                      <a:prstDash val="solid"/>
+                      <a:round/>
+                      <a:headEnd type="none" w="med" len="med"/>
+                      <a:tailEnd type="none" w="med" len="med"/>
+                    </a:lnB>
+                  </a:tcPr>
+                </a:tc>
+              </a:tr>
+              <a:tr h="0">
+                <a:tc>
+                  <a:txBody>
+                    <a:bodyPr/>
+                    <a:lstStyle/>
+                    <a:p>
+                      <a:pPr marL="0" marR="0" algn="r" fontAlgn="t">
+                        <a:spcBef>
+                          <a:spcPts val="0"/>
+                        </a:spcBef>
+                        <a:spcAft>
+                          <a:spcPts val="0"/>
+                        </a:spcAft>
+                      </a:pPr>
+                      <a:r>
+                        <a:rPr lang="en-US" sz="1100" dirty="0">
+                          <a:effectLst/>
+                          <a:latin typeface="Verdana" panose="020B0604030504040204" pitchFamily="34" charset="0"/>
+                        </a:rPr>
+                        <a:t>949</a:t>
+                      </a:r>
+                    </a:p>
+                  </a:txBody>
+                  <a:tcPr marL="63746" marR="63746" marT="31873" marB="31873">
+                    <a:lnL w="9525" cap="flat" cmpd="sng" algn="ctr">
+                      <a:solidFill>
+                        <a:srgbClr val="AAAAAA"/>
+                      </a:solidFill>
+                      <a:prstDash val="solid"/>
+                      <a:round/>
+                      <a:headEnd type="none" w="med" len="med"/>
+                      <a:tailEnd type="none" w="med" len="med"/>
+                    </a:lnL>
+                    <a:lnR w="9525" cap="flat" cmpd="sng" algn="ctr">
+                      <a:solidFill>
+                        <a:srgbClr val="AAAAAA"/>
+                      </a:solidFill>
+                      <a:prstDash val="solid"/>
+                      <a:round/>
+                      <a:headEnd type="none" w="med" len="med"/>
+                      <a:tailEnd type="none" w="med" len="med"/>
+                    </a:lnR>
+                    <a:lnT w="9525" cap="flat" cmpd="sng" algn="ctr">
+                      <a:solidFill>
+                        <a:srgbClr val="AAAAAA"/>
+                      </a:solidFill>
+                      <a:prstDash val="solid"/>
+                      <a:round/>
+                      <a:headEnd type="none" w="med" len="med"/>
+                      <a:tailEnd type="none" w="med" len="med"/>
+                    </a:lnT>
+                    <a:lnB w="9525" cap="flat" cmpd="sng" algn="ctr">
+                      <a:solidFill>
+                        <a:srgbClr val="AAAAAA"/>
+                      </a:solidFill>
+                      <a:prstDash val="solid"/>
+                      <a:round/>
+                      <a:headEnd type="none" w="med" len="med"/>
+                      <a:tailEnd type="none" w="med" len="med"/>
+                    </a:lnB>
+                  </a:tcPr>
+                </a:tc>
+                <a:tc>
+                  <a:txBody>
+                    <a:bodyPr/>
+                    <a:lstStyle/>
+                    <a:p>
+                      <a:pPr marL="0" marR="0" fontAlgn="t">
+                        <a:spcBef>
+                          <a:spcPts val="0"/>
+                        </a:spcBef>
+                        <a:spcAft>
+                          <a:spcPts val="0"/>
+                        </a:spcAft>
+                      </a:pPr>
+                      <a:r>
+                        <a:rPr lang="en-US" sz="1100" dirty="0">
+                          <a:effectLst/>
+                          <a:latin typeface="Verdana" panose="020B0604030504040204" pitchFamily="34" charset="0"/>
+                        </a:rPr>
+                        <a:t>Korean</a:t>
+                      </a:r>
+                    </a:p>
+                  </a:txBody>
+                  <a:tcPr marL="63746" marR="63746" marT="31873" marB="31873">
+                    <a:lnL w="9525" cap="flat" cmpd="sng" algn="ctr">
+                      <a:solidFill>
+                        <a:srgbClr val="AAAAAA"/>
+                      </a:solidFill>
+                      <a:prstDash val="solid"/>
+                      <a:round/>
+                      <a:headEnd type="none" w="med" len="med"/>
+                      <a:tailEnd type="none" w="med" len="med"/>
+                    </a:lnL>
+                    <a:lnR w="9525" cap="flat" cmpd="sng" algn="ctr">
+                      <a:solidFill>
+                        <a:srgbClr val="AAAAAA"/>
+                      </a:solidFill>
+                      <a:prstDash val="solid"/>
+                      <a:round/>
+                      <a:headEnd type="none" w="med" len="med"/>
+                      <a:tailEnd type="none" w="med" len="med"/>
+                    </a:lnR>
+                    <a:lnT w="9525" cap="flat" cmpd="sng" algn="ctr">
+                      <a:solidFill>
+                        <a:srgbClr val="AAAAAA"/>
+                      </a:solidFill>
+                      <a:prstDash val="solid"/>
+                      <a:round/>
+                      <a:headEnd type="none" w="med" len="med"/>
+                      <a:tailEnd type="none" w="med" len="med"/>
+                    </a:lnT>
+                    <a:lnB w="9525" cap="flat" cmpd="sng" algn="ctr">
+                      <a:solidFill>
+                        <a:srgbClr val="AAAAAA"/>
+                      </a:solidFill>
+                      <a:prstDash val="solid"/>
+                      <a:round/>
+                      <a:headEnd type="none" w="med" len="med"/>
+                      <a:tailEnd type="none" w="med" len="med"/>
+                    </a:lnB>
+                  </a:tcPr>
+                </a:tc>
+                <a:tc>
+                  <a:txBody>
+                    <a:bodyPr/>
+                    <a:lstStyle/>
+                    <a:p>
+                      <a:pPr marL="0" marR="0" fontAlgn="t">
+                        <a:spcBef>
+                          <a:spcPts val="0"/>
+                        </a:spcBef>
+                        <a:spcAft>
+                          <a:spcPts val="0"/>
+                        </a:spcAft>
+                      </a:pPr>
+                      <a:r>
+                        <a:rPr lang="ru-RU" sz="1100" dirty="0" smtClean="0">
+                          <a:effectLst/>
+                          <a:latin typeface="Verdana" panose="020B0604030504040204" pitchFamily="34" charset="0"/>
+                        </a:rPr>
+                        <a:t>Да</a:t>
+                      </a:r>
+                      <a:endParaRPr lang="en-US" sz="1100" dirty="0">
+                        <a:effectLst/>
+                        <a:latin typeface="Verdana" panose="020B0604030504040204" pitchFamily="34" charset="0"/>
+                      </a:endParaRPr>
+                    </a:p>
+                  </a:txBody>
+                  <a:tcPr marL="63746" marR="63746" marT="31873" marB="31873">
+                    <a:lnL w="9525" cap="flat" cmpd="sng" algn="ctr">
+                      <a:solidFill>
+                        <a:srgbClr val="AAAAAA"/>
+                      </a:solidFill>
+                      <a:prstDash val="solid"/>
+                      <a:round/>
+                      <a:headEnd type="none" w="med" len="med"/>
+                      <a:tailEnd type="none" w="med" len="med"/>
+                    </a:lnL>
+                    <a:lnR w="9525" cap="flat" cmpd="sng" algn="ctr">
+                      <a:solidFill>
+                        <a:srgbClr val="AAAAAA"/>
+                      </a:solidFill>
+                      <a:prstDash val="solid"/>
+                      <a:round/>
+                      <a:headEnd type="none" w="med" len="med"/>
+                      <a:tailEnd type="none" w="med" len="med"/>
+                    </a:lnR>
+                    <a:lnT w="9525" cap="flat" cmpd="sng" algn="ctr">
+                      <a:solidFill>
+                        <a:srgbClr val="AAAAAA"/>
+                      </a:solidFill>
+                      <a:prstDash val="solid"/>
+                      <a:round/>
+                      <a:headEnd type="none" w="med" len="med"/>
+                      <a:tailEnd type="none" w="med" len="med"/>
+                    </a:lnT>
+                    <a:lnB w="9525" cap="flat" cmpd="sng" algn="ctr">
+                      <a:solidFill>
+                        <a:srgbClr val="AAAAAA"/>
+                      </a:solidFill>
+                      <a:prstDash val="solid"/>
+                      <a:round/>
+                      <a:headEnd type="none" w="med" len="med"/>
+                      <a:tailEnd type="none" w="med" len="med"/>
+                    </a:lnB>
+                  </a:tcPr>
+                </a:tc>
+              </a:tr>
+              <a:tr h="0">
+                <a:tc>
+                  <a:txBody>
+                    <a:bodyPr/>
+                    <a:lstStyle/>
+                    <a:p>
+                      <a:pPr marL="0" marR="0" algn="r" fontAlgn="t">
+                        <a:spcBef>
+                          <a:spcPts val="0"/>
+                        </a:spcBef>
+                        <a:spcAft>
+                          <a:spcPts val="0"/>
+                        </a:spcAft>
+                      </a:pPr>
+                      <a:r>
+                        <a:rPr lang="en-US" sz="1100">
+                          <a:effectLst/>
+                          <a:latin typeface="Verdana" panose="020B0604030504040204" pitchFamily="34" charset="0"/>
+                        </a:rPr>
+                        <a:t>950</a:t>
+                      </a:r>
+                    </a:p>
+                  </a:txBody>
+                  <a:tcPr marL="63746" marR="63746" marT="31873" marB="31873">
+                    <a:lnL w="9525" cap="flat" cmpd="sng" algn="ctr">
+                      <a:solidFill>
+                        <a:srgbClr val="AAAAAA"/>
+                      </a:solidFill>
+                      <a:prstDash val="solid"/>
+                      <a:round/>
+                      <a:headEnd type="none" w="med" len="med"/>
+                      <a:tailEnd type="none" w="med" len="med"/>
+                    </a:lnL>
+                    <a:lnR w="9525" cap="flat" cmpd="sng" algn="ctr">
+                      <a:solidFill>
+                        <a:srgbClr val="AAAAAA"/>
+                      </a:solidFill>
+                      <a:prstDash val="solid"/>
+                      <a:round/>
+                      <a:headEnd type="none" w="med" len="med"/>
+                      <a:tailEnd type="none" w="med" len="med"/>
+                    </a:lnR>
+                    <a:lnT w="9525" cap="flat" cmpd="sng" algn="ctr">
+                      <a:solidFill>
+                        <a:srgbClr val="AAAAAA"/>
+                      </a:solidFill>
+                      <a:prstDash val="solid"/>
+                      <a:round/>
+                      <a:headEnd type="none" w="med" len="med"/>
+                      <a:tailEnd type="none" w="med" len="med"/>
+                    </a:lnT>
+                    <a:lnB w="9525" cap="flat" cmpd="sng" algn="ctr">
+                      <a:solidFill>
+                        <a:srgbClr val="AAAAAA"/>
+                      </a:solidFill>
+                      <a:prstDash val="solid"/>
+                      <a:round/>
+                      <a:headEnd type="none" w="med" len="med"/>
+                      <a:tailEnd type="none" w="med" len="med"/>
+                    </a:lnB>
+                  </a:tcPr>
+                </a:tc>
+                <a:tc>
+                  <a:txBody>
+                    <a:bodyPr/>
+                    <a:lstStyle/>
+                    <a:p>
+                      <a:pPr marL="0" marR="0" fontAlgn="t">
+                        <a:spcBef>
+                          <a:spcPts val="0"/>
+                        </a:spcBef>
+                        <a:spcAft>
+                          <a:spcPts val="0"/>
+                        </a:spcAft>
+                      </a:pPr>
+                      <a:r>
+                        <a:rPr lang="en-US" sz="1100" dirty="0">
+                          <a:effectLst/>
+                          <a:latin typeface="Verdana" panose="020B0604030504040204" pitchFamily="34" charset="0"/>
+                        </a:rPr>
+                        <a:t>Chinese Traditional (Big5)</a:t>
+                      </a:r>
+                    </a:p>
+                  </a:txBody>
+                  <a:tcPr marL="63746" marR="63746" marT="31873" marB="31873">
+                    <a:lnL w="9525" cap="flat" cmpd="sng" algn="ctr">
+                      <a:solidFill>
+                        <a:srgbClr val="AAAAAA"/>
+                      </a:solidFill>
+                      <a:prstDash val="solid"/>
+                      <a:round/>
+                      <a:headEnd type="none" w="med" len="med"/>
+                      <a:tailEnd type="none" w="med" len="med"/>
+                    </a:lnL>
+                    <a:lnR w="9525" cap="flat" cmpd="sng" algn="ctr">
+                      <a:solidFill>
+                        <a:srgbClr val="AAAAAA"/>
+                      </a:solidFill>
+                      <a:prstDash val="solid"/>
+                      <a:round/>
+                      <a:headEnd type="none" w="med" len="med"/>
+                      <a:tailEnd type="none" w="med" len="med"/>
+                    </a:lnR>
+                    <a:lnT w="9525" cap="flat" cmpd="sng" algn="ctr">
+                      <a:solidFill>
+                        <a:srgbClr val="AAAAAA"/>
+                      </a:solidFill>
+                      <a:prstDash val="solid"/>
+                      <a:round/>
+                      <a:headEnd type="none" w="med" len="med"/>
+                      <a:tailEnd type="none" w="med" len="med"/>
+                    </a:lnT>
+                    <a:lnB w="9525" cap="flat" cmpd="sng" algn="ctr">
+                      <a:solidFill>
+                        <a:srgbClr val="AAAAAA"/>
+                      </a:solidFill>
+                      <a:prstDash val="solid"/>
+                      <a:round/>
+                      <a:headEnd type="none" w="med" len="med"/>
+                      <a:tailEnd type="none" w="med" len="med"/>
+                    </a:lnB>
+                  </a:tcPr>
+                </a:tc>
+                <a:tc>
+                  <a:txBody>
+                    <a:bodyPr/>
+                    <a:lstStyle/>
+                    <a:p>
+                      <a:pPr marL="0" marR="0" fontAlgn="t">
+                        <a:spcBef>
+                          <a:spcPts val="0"/>
+                        </a:spcBef>
+                        <a:spcAft>
+                          <a:spcPts val="0"/>
+                        </a:spcAft>
+                      </a:pPr>
+                      <a:r>
+                        <a:rPr lang="ru-RU" sz="1100" dirty="0" smtClean="0">
+                          <a:effectLst/>
+                          <a:latin typeface="Verdana" panose="020B0604030504040204" pitchFamily="34" charset="0"/>
+                        </a:rPr>
+                        <a:t>Да</a:t>
+                      </a:r>
+                      <a:endParaRPr lang="en-US" sz="1100" dirty="0">
+                        <a:effectLst/>
+                        <a:latin typeface="Verdana" panose="020B0604030504040204" pitchFamily="34" charset="0"/>
+                      </a:endParaRPr>
+                    </a:p>
+                  </a:txBody>
+                  <a:tcPr marL="63746" marR="63746" marT="31873" marB="31873">
+                    <a:lnL w="9525" cap="flat" cmpd="sng" algn="ctr">
+                      <a:solidFill>
+                        <a:srgbClr val="AAAAAA"/>
+                      </a:solidFill>
+                      <a:prstDash val="solid"/>
+                      <a:round/>
+                      <a:headEnd type="none" w="med" len="med"/>
+                      <a:tailEnd type="none" w="med" len="med"/>
+                    </a:lnL>
+                    <a:lnR w="9525" cap="flat" cmpd="sng" algn="ctr">
+                      <a:solidFill>
+                        <a:srgbClr val="AAAAAA"/>
+                      </a:solidFill>
+                      <a:prstDash val="solid"/>
+                      <a:round/>
+                      <a:headEnd type="none" w="med" len="med"/>
+                      <a:tailEnd type="none" w="med" len="med"/>
+                    </a:lnR>
+                    <a:lnT w="9525" cap="flat" cmpd="sng" algn="ctr">
+                      <a:solidFill>
+                        <a:srgbClr val="AAAAAA"/>
+                      </a:solidFill>
+                      <a:prstDash val="solid"/>
+                      <a:round/>
+                      <a:headEnd type="none" w="med" len="med"/>
+                      <a:tailEnd type="none" w="med" len="med"/>
+                    </a:lnT>
+                    <a:lnB w="9525" cap="flat" cmpd="sng" algn="ctr">
+                      <a:solidFill>
+                        <a:srgbClr val="AAAAAA"/>
+                      </a:solidFill>
+                      <a:prstDash val="solid"/>
+                      <a:round/>
+                      <a:headEnd type="none" w="med" len="med"/>
+                      <a:tailEnd type="none" w="med" len="med"/>
+                    </a:lnB>
+                  </a:tcPr>
+                </a:tc>
+              </a:tr>
+              <a:tr h="0">
+                <a:tc>
+                  <a:txBody>
+                    <a:bodyPr/>
+                    <a:lstStyle/>
+                    <a:p>
+                      <a:pPr marL="0" marR="0" algn="r" fontAlgn="t">
+                        <a:spcBef>
+                          <a:spcPts val="0"/>
+                        </a:spcBef>
+                        <a:spcAft>
+                          <a:spcPts val="0"/>
+                        </a:spcAft>
+                      </a:pPr>
+                      <a:r>
+                        <a:rPr lang="en-US" sz="1100">
+                          <a:effectLst/>
+                          <a:latin typeface="Verdana" panose="020B0604030504040204" pitchFamily="34" charset="0"/>
+                        </a:rPr>
+                        <a:t>1250</a:t>
+                      </a:r>
+                    </a:p>
+                  </a:txBody>
+                  <a:tcPr marL="63746" marR="63746" marT="31873" marB="31873">
+                    <a:lnL w="9525" cap="flat" cmpd="sng" algn="ctr">
+                      <a:solidFill>
+                        <a:srgbClr val="AAAAAA"/>
+                      </a:solidFill>
+                      <a:prstDash val="solid"/>
+                      <a:round/>
+                      <a:headEnd type="none" w="med" len="med"/>
+                      <a:tailEnd type="none" w="med" len="med"/>
+                    </a:lnL>
+                    <a:lnR w="9525" cap="flat" cmpd="sng" algn="ctr">
+                      <a:solidFill>
+                        <a:srgbClr val="AAAAAA"/>
+                      </a:solidFill>
+                      <a:prstDash val="solid"/>
+                      <a:round/>
+                      <a:headEnd type="none" w="med" len="med"/>
+                      <a:tailEnd type="none" w="med" len="med"/>
+                    </a:lnR>
+                    <a:lnT w="9525" cap="flat" cmpd="sng" algn="ctr">
+                      <a:solidFill>
+                        <a:srgbClr val="AAAAAA"/>
+                      </a:solidFill>
+                      <a:prstDash val="solid"/>
+                      <a:round/>
+                      <a:headEnd type="none" w="med" len="med"/>
+                      <a:tailEnd type="none" w="med" len="med"/>
+                    </a:lnT>
+                    <a:lnB w="9525" cap="flat" cmpd="sng" algn="ctr">
+                      <a:solidFill>
+                        <a:srgbClr val="AAAAAA"/>
+                      </a:solidFill>
+                      <a:prstDash val="solid"/>
+                      <a:round/>
+                      <a:headEnd type="none" w="med" len="med"/>
+                      <a:tailEnd type="none" w="med" len="med"/>
+                    </a:lnB>
+                  </a:tcPr>
+                </a:tc>
+                <a:tc>
+                  <a:txBody>
+                    <a:bodyPr/>
+                    <a:lstStyle/>
+                    <a:p>
+                      <a:pPr marL="0" marR="0" fontAlgn="t">
+                        <a:spcBef>
+                          <a:spcPts val="0"/>
+                        </a:spcBef>
+                        <a:spcAft>
+                          <a:spcPts val="0"/>
+                        </a:spcAft>
+                      </a:pPr>
+                      <a:r>
+                        <a:rPr lang="en-US" sz="1100" dirty="0">
+                          <a:effectLst/>
+                          <a:latin typeface="Verdana" panose="020B0604030504040204" pitchFamily="34" charset="0"/>
+                        </a:rPr>
+                        <a:t>Central European (Windows)</a:t>
+                      </a:r>
+                    </a:p>
+                  </a:txBody>
+                  <a:tcPr marL="63746" marR="63746" marT="31873" marB="31873">
+                    <a:lnL w="9525" cap="flat" cmpd="sng" algn="ctr">
+                      <a:solidFill>
+                        <a:srgbClr val="AAAAAA"/>
+                      </a:solidFill>
+                      <a:prstDash val="solid"/>
+                      <a:round/>
+                      <a:headEnd type="none" w="med" len="med"/>
+                      <a:tailEnd type="none" w="med" len="med"/>
+                    </a:lnL>
+                    <a:lnR w="9525" cap="flat" cmpd="sng" algn="ctr">
+                      <a:solidFill>
+                        <a:srgbClr val="AAAAAA"/>
+                      </a:solidFill>
+                      <a:prstDash val="solid"/>
+                      <a:round/>
+                      <a:headEnd type="none" w="med" len="med"/>
+                      <a:tailEnd type="none" w="med" len="med"/>
+                    </a:lnR>
+                    <a:lnT w="9525" cap="flat" cmpd="sng" algn="ctr">
+                      <a:solidFill>
+                        <a:srgbClr val="AAAAAA"/>
+                      </a:solidFill>
+                      <a:prstDash val="solid"/>
+                      <a:round/>
+                      <a:headEnd type="none" w="med" len="med"/>
+                      <a:tailEnd type="none" w="med" len="med"/>
+                    </a:lnT>
+                    <a:lnB w="9525" cap="flat" cmpd="sng" algn="ctr">
+                      <a:solidFill>
+                        <a:srgbClr val="AAAAAA"/>
+                      </a:solidFill>
+                      <a:prstDash val="solid"/>
+                      <a:round/>
+                      <a:headEnd type="none" w="med" len="med"/>
+                      <a:tailEnd type="none" w="med" len="med"/>
+                    </a:lnB>
+                  </a:tcPr>
+                </a:tc>
+                <a:tc>
+                  <a:txBody>
+                    <a:bodyPr/>
+                    <a:lstStyle/>
+                    <a:p>
+                      <a:pPr marL="0" marR="0" fontAlgn="t">
+                        <a:spcBef>
+                          <a:spcPts val="0"/>
+                        </a:spcBef>
+                        <a:spcAft>
+                          <a:spcPts val="0"/>
+                        </a:spcAft>
+                      </a:pPr>
+                      <a:endParaRPr lang="en-US" sz="1100" dirty="0">
+                        <a:effectLst/>
+                        <a:latin typeface="Verdana" panose="020B0604030504040204" pitchFamily="34" charset="0"/>
+                      </a:endParaRPr>
+                    </a:p>
+                  </a:txBody>
+                  <a:tcPr marL="63746" marR="63746" marT="31873" marB="31873">
+                    <a:lnL w="9525" cap="flat" cmpd="sng" algn="ctr">
+                      <a:solidFill>
+                        <a:srgbClr val="AAAAAA"/>
+                      </a:solidFill>
+                      <a:prstDash val="solid"/>
+                      <a:round/>
+                      <a:headEnd type="none" w="med" len="med"/>
+                      <a:tailEnd type="none" w="med" len="med"/>
+                    </a:lnL>
+                    <a:lnR w="9525" cap="flat" cmpd="sng" algn="ctr">
+                      <a:solidFill>
+                        <a:srgbClr val="AAAAAA"/>
+                      </a:solidFill>
+                      <a:prstDash val="solid"/>
+                      <a:round/>
+                      <a:headEnd type="none" w="med" len="med"/>
+                      <a:tailEnd type="none" w="med" len="med"/>
+                    </a:lnR>
+                    <a:lnT w="9525" cap="flat" cmpd="sng" algn="ctr">
+                      <a:solidFill>
+                        <a:srgbClr val="AAAAAA"/>
+                      </a:solidFill>
+                      <a:prstDash val="solid"/>
+                      <a:round/>
+                      <a:headEnd type="none" w="med" len="med"/>
+                      <a:tailEnd type="none" w="med" len="med"/>
+                    </a:lnT>
+                    <a:lnB w="9525" cap="flat" cmpd="sng" algn="ctr">
+                      <a:solidFill>
+                        <a:srgbClr val="AAAAAA"/>
+                      </a:solidFill>
+                      <a:prstDash val="solid"/>
+                      <a:round/>
+                      <a:headEnd type="none" w="med" len="med"/>
+                      <a:tailEnd type="none" w="med" len="med"/>
+                    </a:lnB>
+                  </a:tcPr>
+                </a:tc>
+              </a:tr>
+              <a:tr h="0">
+                <a:tc>
+                  <a:txBody>
+                    <a:bodyPr/>
+                    <a:lstStyle/>
+                    <a:p>
+                      <a:pPr marL="0" marR="0" algn="r" fontAlgn="t">
+                        <a:spcBef>
+                          <a:spcPts val="0"/>
+                        </a:spcBef>
+                        <a:spcAft>
+                          <a:spcPts val="0"/>
+                        </a:spcAft>
+                      </a:pPr>
+                      <a:r>
+                        <a:rPr lang="en-US" sz="1100">
+                          <a:effectLst/>
+                          <a:latin typeface="Verdana" panose="020B0604030504040204" pitchFamily="34" charset="0"/>
+                        </a:rPr>
+                        <a:t>1251</a:t>
+                      </a:r>
+                    </a:p>
+                  </a:txBody>
+                  <a:tcPr marL="63746" marR="63746" marT="31873" marB="31873">
+                    <a:lnL w="9525" cap="flat" cmpd="sng" algn="ctr">
+                      <a:solidFill>
+                        <a:srgbClr val="AAAAAA"/>
+                      </a:solidFill>
+                      <a:prstDash val="solid"/>
+                      <a:round/>
+                      <a:headEnd type="none" w="med" len="med"/>
+                      <a:tailEnd type="none" w="med" len="med"/>
+                    </a:lnL>
+                    <a:lnR w="9525" cap="flat" cmpd="sng" algn="ctr">
+                      <a:solidFill>
+                        <a:srgbClr val="AAAAAA"/>
+                      </a:solidFill>
+                      <a:prstDash val="solid"/>
+                      <a:round/>
+                      <a:headEnd type="none" w="med" len="med"/>
+                      <a:tailEnd type="none" w="med" len="med"/>
+                    </a:lnR>
+                    <a:lnT w="9525" cap="flat" cmpd="sng" algn="ctr">
+                      <a:solidFill>
+                        <a:srgbClr val="AAAAAA"/>
+                      </a:solidFill>
+                      <a:prstDash val="solid"/>
+                      <a:round/>
+                      <a:headEnd type="none" w="med" len="med"/>
+                      <a:tailEnd type="none" w="med" len="med"/>
+                    </a:lnT>
+                    <a:lnB w="9525" cap="flat" cmpd="sng" algn="ctr">
+                      <a:solidFill>
+                        <a:srgbClr val="AAAAAA"/>
+                      </a:solidFill>
+                      <a:prstDash val="solid"/>
+                      <a:round/>
+                      <a:headEnd type="none" w="med" len="med"/>
+                      <a:tailEnd type="none" w="med" len="med"/>
+                    </a:lnB>
+                  </a:tcPr>
+                </a:tc>
+                <a:tc>
+                  <a:txBody>
+                    <a:bodyPr/>
+                    <a:lstStyle/>
+                    <a:p>
+                      <a:pPr marL="0" marR="0" fontAlgn="t">
+                        <a:spcBef>
+                          <a:spcPts val="0"/>
+                        </a:spcBef>
+                        <a:spcAft>
+                          <a:spcPts val="0"/>
+                        </a:spcAft>
+                      </a:pPr>
+                      <a:r>
+                        <a:rPr lang="en-US" sz="1100" dirty="0">
+                          <a:effectLst/>
+                          <a:latin typeface="Verdana" panose="020B0604030504040204" pitchFamily="34" charset="0"/>
+                        </a:rPr>
+                        <a:t>Cyrillic (Windows)</a:t>
+                      </a:r>
+                    </a:p>
+                  </a:txBody>
+                  <a:tcPr marL="63746" marR="63746" marT="31873" marB="31873">
+                    <a:lnL w="9525" cap="flat" cmpd="sng" algn="ctr">
+                      <a:solidFill>
+                        <a:srgbClr val="AAAAAA"/>
+                      </a:solidFill>
+                      <a:prstDash val="solid"/>
+                      <a:round/>
+                      <a:headEnd type="none" w="med" len="med"/>
+                      <a:tailEnd type="none" w="med" len="med"/>
+                    </a:lnL>
+                    <a:lnR w="9525" cap="flat" cmpd="sng" algn="ctr">
+                      <a:solidFill>
+                        <a:srgbClr val="AAAAAA"/>
+                      </a:solidFill>
+                      <a:prstDash val="solid"/>
+                      <a:round/>
+                      <a:headEnd type="none" w="med" len="med"/>
+                      <a:tailEnd type="none" w="med" len="med"/>
+                    </a:lnR>
+                    <a:lnT w="9525" cap="flat" cmpd="sng" algn="ctr">
+                      <a:solidFill>
+                        <a:srgbClr val="AAAAAA"/>
+                      </a:solidFill>
+                      <a:prstDash val="solid"/>
+                      <a:round/>
+                      <a:headEnd type="none" w="med" len="med"/>
+                      <a:tailEnd type="none" w="med" len="med"/>
+                    </a:lnT>
+                    <a:lnB w="9525" cap="flat" cmpd="sng" algn="ctr">
+                      <a:solidFill>
+                        <a:srgbClr val="AAAAAA"/>
+                      </a:solidFill>
+                      <a:prstDash val="solid"/>
+                      <a:round/>
+                      <a:headEnd type="none" w="med" len="med"/>
+                      <a:tailEnd type="none" w="med" len="med"/>
+                    </a:lnB>
+                  </a:tcPr>
+                </a:tc>
+                <a:tc>
+                  <a:txBody>
+                    <a:bodyPr/>
+                    <a:lstStyle/>
+                    <a:p>
+                      <a:pPr marL="0" marR="0" fontAlgn="t">
+                        <a:spcBef>
+                          <a:spcPts val="0"/>
+                        </a:spcBef>
+                        <a:spcAft>
+                          <a:spcPts val="0"/>
+                        </a:spcAft>
+                      </a:pPr>
+                      <a:endParaRPr lang="en-US" sz="1100" dirty="0">
+                        <a:effectLst/>
+                        <a:latin typeface="Verdana" panose="020B0604030504040204" pitchFamily="34" charset="0"/>
+                      </a:endParaRPr>
+                    </a:p>
+                  </a:txBody>
+                  <a:tcPr marL="63746" marR="63746" marT="31873" marB="31873">
+                    <a:lnL w="9525" cap="flat" cmpd="sng" algn="ctr">
+                      <a:solidFill>
+                        <a:srgbClr val="AAAAAA"/>
+                      </a:solidFill>
+                      <a:prstDash val="solid"/>
+                      <a:round/>
+                      <a:headEnd type="none" w="med" len="med"/>
+                      <a:tailEnd type="none" w="med" len="med"/>
+                    </a:lnL>
+                    <a:lnR w="9525" cap="flat" cmpd="sng" algn="ctr">
+                      <a:solidFill>
+                        <a:srgbClr val="AAAAAA"/>
+                      </a:solidFill>
+                      <a:prstDash val="solid"/>
+                      <a:round/>
+                      <a:headEnd type="none" w="med" len="med"/>
+                      <a:tailEnd type="none" w="med" len="med"/>
+                    </a:lnR>
+                    <a:lnT w="9525" cap="flat" cmpd="sng" algn="ctr">
+                      <a:solidFill>
+                        <a:srgbClr val="AAAAAA"/>
+                      </a:solidFill>
+                      <a:prstDash val="solid"/>
+                      <a:round/>
+                      <a:headEnd type="none" w="med" len="med"/>
+                      <a:tailEnd type="none" w="med" len="med"/>
+                    </a:lnT>
+                    <a:lnB w="9525" cap="flat" cmpd="sng" algn="ctr">
+                      <a:solidFill>
+                        <a:srgbClr val="AAAAAA"/>
+                      </a:solidFill>
+                      <a:prstDash val="solid"/>
+                      <a:round/>
+                      <a:headEnd type="none" w="med" len="med"/>
+                      <a:tailEnd type="none" w="med" len="med"/>
+                    </a:lnB>
+                  </a:tcPr>
+                </a:tc>
+              </a:tr>
+              <a:tr h="0">
+                <a:tc>
+                  <a:txBody>
+                    <a:bodyPr/>
+                    <a:lstStyle/>
+                    <a:p>
+                      <a:pPr marL="0" marR="0" algn="r" fontAlgn="t">
+                        <a:spcBef>
+                          <a:spcPts val="0"/>
+                        </a:spcBef>
+                        <a:spcAft>
+                          <a:spcPts val="0"/>
+                        </a:spcAft>
+                      </a:pPr>
+                      <a:r>
+                        <a:rPr lang="en-US" sz="1100" dirty="0">
+                          <a:effectLst/>
+                          <a:latin typeface="Verdana" panose="020B0604030504040204" pitchFamily="34" charset="0"/>
+                        </a:rPr>
+                        <a:t>1252</a:t>
+                      </a:r>
+                    </a:p>
+                  </a:txBody>
+                  <a:tcPr marL="63746" marR="63746" marT="31873" marB="31873">
+                    <a:lnL w="9525" cap="flat" cmpd="sng" algn="ctr">
+                      <a:solidFill>
+                        <a:srgbClr val="AAAAAA"/>
+                      </a:solidFill>
+                      <a:prstDash val="solid"/>
+                      <a:round/>
+                      <a:headEnd type="none" w="med" len="med"/>
+                      <a:tailEnd type="none" w="med" len="med"/>
+                    </a:lnL>
+                    <a:lnR w="9525" cap="flat" cmpd="sng" algn="ctr">
+                      <a:solidFill>
+                        <a:srgbClr val="AAAAAA"/>
+                      </a:solidFill>
+                      <a:prstDash val="solid"/>
+                      <a:round/>
+                      <a:headEnd type="none" w="med" len="med"/>
+                      <a:tailEnd type="none" w="med" len="med"/>
+                    </a:lnR>
+                    <a:lnT w="9525" cap="flat" cmpd="sng" algn="ctr">
+                      <a:solidFill>
+                        <a:srgbClr val="AAAAAA"/>
+                      </a:solidFill>
+                      <a:prstDash val="solid"/>
+                      <a:round/>
+                      <a:headEnd type="none" w="med" len="med"/>
+                      <a:tailEnd type="none" w="med" len="med"/>
+                    </a:lnT>
+                    <a:lnB w="9525" cap="flat" cmpd="sng" algn="ctr">
+                      <a:solidFill>
+                        <a:srgbClr val="AAAAAA"/>
+                      </a:solidFill>
+                      <a:prstDash val="solid"/>
+                      <a:round/>
+                      <a:headEnd type="none" w="med" len="med"/>
+                      <a:tailEnd type="none" w="med" len="med"/>
+                    </a:lnB>
+                  </a:tcPr>
+                </a:tc>
+                <a:tc>
+                  <a:txBody>
+                    <a:bodyPr/>
+                    <a:lstStyle/>
+                    <a:p>
+                      <a:pPr marL="0" marR="0" fontAlgn="t">
+                        <a:spcBef>
+                          <a:spcPts val="0"/>
+                        </a:spcBef>
+                        <a:spcAft>
+                          <a:spcPts val="0"/>
+                        </a:spcAft>
+                      </a:pPr>
+                      <a:r>
+                        <a:rPr lang="en-US" sz="1100" dirty="0">
+                          <a:effectLst/>
+                          <a:latin typeface="Verdana" panose="020B0604030504040204" pitchFamily="34" charset="0"/>
+                        </a:rPr>
+                        <a:t>Western European (Windows)</a:t>
+                      </a:r>
+                    </a:p>
+                  </a:txBody>
+                  <a:tcPr marL="63746" marR="63746" marT="31873" marB="31873">
+                    <a:lnL w="9525" cap="flat" cmpd="sng" algn="ctr">
+                      <a:solidFill>
+                        <a:srgbClr val="AAAAAA"/>
+                      </a:solidFill>
+                      <a:prstDash val="solid"/>
+                      <a:round/>
+                      <a:headEnd type="none" w="med" len="med"/>
+                      <a:tailEnd type="none" w="med" len="med"/>
+                    </a:lnL>
+                    <a:lnR w="9525" cap="flat" cmpd="sng" algn="ctr">
+                      <a:solidFill>
+                        <a:srgbClr val="AAAAAA"/>
+                      </a:solidFill>
+                      <a:prstDash val="solid"/>
+                      <a:round/>
+                      <a:headEnd type="none" w="med" len="med"/>
+                      <a:tailEnd type="none" w="med" len="med"/>
+                    </a:lnR>
+                    <a:lnT w="9525" cap="flat" cmpd="sng" algn="ctr">
+                      <a:solidFill>
+                        <a:srgbClr val="AAAAAA"/>
+                      </a:solidFill>
+                      <a:prstDash val="solid"/>
+                      <a:round/>
+                      <a:headEnd type="none" w="med" len="med"/>
+                      <a:tailEnd type="none" w="med" len="med"/>
+                    </a:lnT>
+                    <a:lnB w="9525" cap="flat" cmpd="sng" algn="ctr">
+                      <a:solidFill>
+                        <a:srgbClr val="AAAAAA"/>
+                      </a:solidFill>
+                      <a:prstDash val="solid"/>
+                      <a:round/>
+                      <a:headEnd type="none" w="med" len="med"/>
+                      <a:tailEnd type="none" w="med" len="med"/>
+                    </a:lnB>
+                  </a:tcPr>
+                </a:tc>
+                <a:tc>
+                  <a:txBody>
+                    <a:bodyPr/>
+                    <a:lstStyle/>
+                    <a:p>
+                      <a:pPr marL="0" marR="0" fontAlgn="t">
+                        <a:spcBef>
+                          <a:spcPts val="0"/>
+                        </a:spcBef>
+                        <a:spcAft>
+                          <a:spcPts val="0"/>
+                        </a:spcAft>
+                      </a:pPr>
+                      <a:endParaRPr lang="en-US" sz="1100" dirty="0">
+                        <a:effectLst/>
+                        <a:latin typeface="Verdana" panose="020B0604030504040204" pitchFamily="34" charset="0"/>
+                      </a:endParaRPr>
+                    </a:p>
+                  </a:txBody>
+                  <a:tcPr marL="63746" marR="63746" marT="31873" marB="31873">
+                    <a:lnL w="9525" cap="flat" cmpd="sng" algn="ctr">
+                      <a:solidFill>
+                        <a:srgbClr val="AAAAAA"/>
+                      </a:solidFill>
+                      <a:prstDash val="solid"/>
+                      <a:round/>
+                      <a:headEnd type="none" w="med" len="med"/>
+                      <a:tailEnd type="none" w="med" len="med"/>
+                    </a:lnL>
+                    <a:lnR w="9525" cap="flat" cmpd="sng" algn="ctr">
+                      <a:solidFill>
+                        <a:srgbClr val="AAAAAA"/>
+                      </a:solidFill>
+                      <a:prstDash val="solid"/>
+                      <a:round/>
+                      <a:headEnd type="none" w="med" len="med"/>
+                      <a:tailEnd type="none" w="med" len="med"/>
+                    </a:lnR>
+                    <a:lnT w="9525" cap="flat" cmpd="sng" algn="ctr">
+                      <a:solidFill>
+                        <a:srgbClr val="AAAAAA"/>
+                      </a:solidFill>
+                      <a:prstDash val="solid"/>
+                      <a:round/>
+                      <a:headEnd type="none" w="med" len="med"/>
+                      <a:tailEnd type="none" w="med" len="med"/>
+                    </a:lnT>
+                    <a:lnB w="9525" cap="flat" cmpd="sng" algn="ctr">
+                      <a:solidFill>
+                        <a:srgbClr val="AAAAAA"/>
+                      </a:solidFill>
+                      <a:prstDash val="solid"/>
+                      <a:round/>
+                      <a:headEnd type="none" w="med" len="med"/>
+                      <a:tailEnd type="none" w="med" len="med"/>
+                    </a:lnB>
+                  </a:tcPr>
+                </a:tc>
+              </a:tr>
+              <a:tr h="0">
+                <a:tc>
+                  <a:txBody>
+                    <a:bodyPr/>
+                    <a:lstStyle/>
+                    <a:p>
+                      <a:pPr marL="0" marR="0" algn="r" fontAlgn="t">
+                        <a:spcBef>
+                          <a:spcPts val="0"/>
+                        </a:spcBef>
+                        <a:spcAft>
+                          <a:spcPts val="0"/>
+                        </a:spcAft>
+                      </a:pPr>
+                      <a:r>
+                        <a:rPr lang="en-US" sz="1100">
+                          <a:effectLst/>
+                          <a:latin typeface="Verdana" panose="020B0604030504040204" pitchFamily="34" charset="0"/>
+                        </a:rPr>
+                        <a:t>1253</a:t>
+                      </a:r>
+                    </a:p>
+                  </a:txBody>
+                  <a:tcPr marL="63746" marR="63746" marT="31873" marB="31873">
+                    <a:lnL w="9525" cap="flat" cmpd="sng" algn="ctr">
+                      <a:solidFill>
+                        <a:srgbClr val="AAAAAA"/>
+                      </a:solidFill>
+                      <a:prstDash val="solid"/>
+                      <a:round/>
+                      <a:headEnd type="none" w="med" len="med"/>
+                      <a:tailEnd type="none" w="med" len="med"/>
+                    </a:lnL>
+                    <a:lnR w="9525" cap="flat" cmpd="sng" algn="ctr">
+                      <a:solidFill>
+                        <a:srgbClr val="AAAAAA"/>
+                      </a:solidFill>
+                      <a:prstDash val="solid"/>
+                      <a:round/>
+                      <a:headEnd type="none" w="med" len="med"/>
+                      <a:tailEnd type="none" w="med" len="med"/>
+                    </a:lnR>
+                    <a:lnT w="9525" cap="flat" cmpd="sng" algn="ctr">
+                      <a:solidFill>
+                        <a:srgbClr val="AAAAAA"/>
+                      </a:solidFill>
+                      <a:prstDash val="solid"/>
+                      <a:round/>
+                      <a:headEnd type="none" w="med" len="med"/>
+                      <a:tailEnd type="none" w="med" len="med"/>
+                    </a:lnT>
+                    <a:lnB w="9525" cap="flat" cmpd="sng" algn="ctr">
+                      <a:solidFill>
+                        <a:srgbClr val="AAAAAA"/>
+                      </a:solidFill>
+                      <a:prstDash val="solid"/>
+                      <a:round/>
+                      <a:headEnd type="none" w="med" len="med"/>
+                      <a:tailEnd type="none" w="med" len="med"/>
+                    </a:lnB>
+                  </a:tcPr>
+                </a:tc>
+                <a:tc>
+                  <a:txBody>
+                    <a:bodyPr/>
+                    <a:lstStyle/>
+                    <a:p>
+                      <a:pPr marL="0" marR="0" fontAlgn="t">
+                        <a:spcBef>
+                          <a:spcPts val="0"/>
+                        </a:spcBef>
+                        <a:spcAft>
+                          <a:spcPts val="0"/>
+                        </a:spcAft>
+                      </a:pPr>
+                      <a:r>
+                        <a:rPr lang="en-US" sz="1100" dirty="0">
+                          <a:effectLst/>
+                          <a:latin typeface="Verdana" panose="020B0604030504040204" pitchFamily="34" charset="0"/>
+                        </a:rPr>
+                        <a:t>Greek (Windows)</a:t>
+                      </a:r>
+                    </a:p>
+                  </a:txBody>
+                  <a:tcPr marL="63746" marR="63746" marT="31873" marB="31873">
+                    <a:lnL w="9525" cap="flat" cmpd="sng" algn="ctr">
+                      <a:solidFill>
+                        <a:srgbClr val="AAAAAA"/>
+                      </a:solidFill>
+                      <a:prstDash val="solid"/>
+                      <a:round/>
+                      <a:headEnd type="none" w="med" len="med"/>
+                      <a:tailEnd type="none" w="med" len="med"/>
+                    </a:lnL>
+                    <a:lnR w="9525" cap="flat" cmpd="sng" algn="ctr">
+                      <a:solidFill>
+                        <a:srgbClr val="AAAAAA"/>
+                      </a:solidFill>
+                      <a:prstDash val="solid"/>
+                      <a:round/>
+                      <a:headEnd type="none" w="med" len="med"/>
+                      <a:tailEnd type="none" w="med" len="med"/>
+                    </a:lnR>
+                    <a:lnT w="9525" cap="flat" cmpd="sng" algn="ctr">
+                      <a:solidFill>
+                        <a:srgbClr val="AAAAAA"/>
+                      </a:solidFill>
+                      <a:prstDash val="solid"/>
+                      <a:round/>
+                      <a:headEnd type="none" w="med" len="med"/>
+                      <a:tailEnd type="none" w="med" len="med"/>
+                    </a:lnT>
+                    <a:lnB w="9525" cap="flat" cmpd="sng" algn="ctr">
+                      <a:solidFill>
+                        <a:srgbClr val="AAAAAA"/>
+                      </a:solidFill>
+                      <a:prstDash val="solid"/>
+                      <a:round/>
+                      <a:headEnd type="none" w="med" len="med"/>
+                      <a:tailEnd type="none" w="med" len="med"/>
+                    </a:lnB>
+                  </a:tcPr>
+                </a:tc>
+                <a:tc>
+                  <a:txBody>
+                    <a:bodyPr/>
+                    <a:lstStyle/>
+                    <a:p>
+                      <a:pPr marL="0" marR="0" fontAlgn="t">
+                        <a:spcBef>
+                          <a:spcPts val="0"/>
+                        </a:spcBef>
+                        <a:spcAft>
+                          <a:spcPts val="0"/>
+                        </a:spcAft>
+                      </a:pPr>
+                      <a:endParaRPr lang="en-US" sz="1100" dirty="0">
+                        <a:effectLst/>
+                        <a:latin typeface="Verdana" panose="020B0604030504040204" pitchFamily="34" charset="0"/>
+                      </a:endParaRPr>
+                    </a:p>
+                  </a:txBody>
+                  <a:tcPr marL="63746" marR="63746" marT="31873" marB="31873">
+                    <a:lnL w="9525" cap="flat" cmpd="sng" algn="ctr">
+                      <a:solidFill>
+                        <a:srgbClr val="AAAAAA"/>
+                      </a:solidFill>
+                      <a:prstDash val="solid"/>
+                      <a:round/>
+                      <a:headEnd type="none" w="med" len="med"/>
+                      <a:tailEnd type="none" w="med" len="med"/>
+                    </a:lnL>
+                    <a:lnR w="9525" cap="flat" cmpd="sng" algn="ctr">
+                      <a:solidFill>
+                        <a:srgbClr val="AAAAAA"/>
+                      </a:solidFill>
+                      <a:prstDash val="solid"/>
+                      <a:round/>
+                      <a:headEnd type="none" w="med" len="med"/>
+                      <a:tailEnd type="none" w="med" len="med"/>
+                    </a:lnR>
+                    <a:lnT w="9525" cap="flat" cmpd="sng" algn="ctr">
+                      <a:solidFill>
+                        <a:srgbClr val="AAAAAA"/>
+                      </a:solidFill>
+                      <a:prstDash val="solid"/>
+                      <a:round/>
+                      <a:headEnd type="none" w="med" len="med"/>
+                      <a:tailEnd type="none" w="med" len="med"/>
+                    </a:lnT>
+                    <a:lnB w="9525" cap="flat" cmpd="sng" algn="ctr">
+                      <a:solidFill>
+                        <a:srgbClr val="AAAAAA"/>
+                      </a:solidFill>
+                      <a:prstDash val="solid"/>
+                      <a:round/>
+                      <a:headEnd type="none" w="med" len="med"/>
+                      <a:tailEnd type="none" w="med" len="med"/>
+                    </a:lnB>
+                  </a:tcPr>
+                </a:tc>
+              </a:tr>
+              <a:tr h="0">
+                <a:tc>
+                  <a:txBody>
+                    <a:bodyPr/>
+                    <a:lstStyle/>
+                    <a:p>
+                      <a:pPr marL="0" marR="0" algn="r" fontAlgn="t">
+                        <a:spcBef>
+                          <a:spcPts val="0"/>
+                        </a:spcBef>
+                        <a:spcAft>
+                          <a:spcPts val="0"/>
+                        </a:spcAft>
+                      </a:pPr>
+                      <a:r>
+                        <a:rPr lang="en-US" sz="1100" dirty="0">
+                          <a:effectLst/>
+                          <a:latin typeface="Verdana" panose="020B0604030504040204" pitchFamily="34" charset="0"/>
+                        </a:rPr>
+                        <a:t>1254</a:t>
+                      </a:r>
+                    </a:p>
+                  </a:txBody>
+                  <a:tcPr marL="63746" marR="63746" marT="31873" marB="31873">
+                    <a:lnL w="9525" cap="flat" cmpd="sng" algn="ctr">
+                      <a:solidFill>
+                        <a:srgbClr val="AAAAAA"/>
+                      </a:solidFill>
+                      <a:prstDash val="solid"/>
+                      <a:round/>
+                      <a:headEnd type="none" w="med" len="med"/>
+                      <a:tailEnd type="none" w="med" len="med"/>
+                    </a:lnL>
+                    <a:lnR w="9525" cap="flat" cmpd="sng" algn="ctr">
+                      <a:solidFill>
+                        <a:srgbClr val="AAAAAA"/>
+                      </a:solidFill>
+                      <a:prstDash val="solid"/>
+                      <a:round/>
+                      <a:headEnd type="none" w="med" len="med"/>
+                      <a:tailEnd type="none" w="med" len="med"/>
+                    </a:lnR>
+                    <a:lnT w="9525" cap="flat" cmpd="sng" algn="ctr">
+                      <a:solidFill>
+                        <a:srgbClr val="AAAAAA"/>
+                      </a:solidFill>
+                      <a:prstDash val="solid"/>
+                      <a:round/>
+                      <a:headEnd type="none" w="med" len="med"/>
+                      <a:tailEnd type="none" w="med" len="med"/>
+                    </a:lnT>
+                    <a:lnB w="9525" cap="flat" cmpd="sng" algn="ctr">
+                      <a:solidFill>
+                        <a:srgbClr val="AAAAAA"/>
+                      </a:solidFill>
+                      <a:prstDash val="solid"/>
+                      <a:round/>
+                      <a:headEnd type="none" w="med" len="med"/>
+                      <a:tailEnd type="none" w="med" len="med"/>
+                    </a:lnB>
+                  </a:tcPr>
+                </a:tc>
+                <a:tc>
+                  <a:txBody>
+                    <a:bodyPr/>
+                    <a:lstStyle/>
+                    <a:p>
+                      <a:pPr marL="0" marR="0" fontAlgn="t">
+                        <a:spcBef>
+                          <a:spcPts val="0"/>
+                        </a:spcBef>
+                        <a:spcAft>
+                          <a:spcPts val="0"/>
+                        </a:spcAft>
+                      </a:pPr>
+                      <a:r>
+                        <a:rPr lang="en-US" sz="1100">
+                          <a:effectLst/>
+                          <a:latin typeface="Verdana" panose="020B0604030504040204" pitchFamily="34" charset="0"/>
+                        </a:rPr>
+                        <a:t>Turkish (Windows)</a:t>
+                      </a:r>
+                    </a:p>
+                  </a:txBody>
+                  <a:tcPr marL="63746" marR="63746" marT="31873" marB="31873">
+                    <a:lnL w="9525" cap="flat" cmpd="sng" algn="ctr">
+                      <a:solidFill>
+                        <a:srgbClr val="AAAAAA"/>
+                      </a:solidFill>
+                      <a:prstDash val="solid"/>
+                      <a:round/>
+                      <a:headEnd type="none" w="med" len="med"/>
+                      <a:tailEnd type="none" w="med" len="med"/>
+                    </a:lnL>
+                    <a:lnR w="9525" cap="flat" cmpd="sng" algn="ctr">
+                      <a:solidFill>
+                        <a:srgbClr val="AAAAAA"/>
+                      </a:solidFill>
+                      <a:prstDash val="solid"/>
+                      <a:round/>
+                      <a:headEnd type="none" w="med" len="med"/>
+                      <a:tailEnd type="none" w="med" len="med"/>
+                    </a:lnR>
+                    <a:lnT w="9525" cap="flat" cmpd="sng" algn="ctr">
+                      <a:solidFill>
+                        <a:srgbClr val="AAAAAA"/>
+                      </a:solidFill>
+                      <a:prstDash val="solid"/>
+                      <a:round/>
+                      <a:headEnd type="none" w="med" len="med"/>
+                      <a:tailEnd type="none" w="med" len="med"/>
+                    </a:lnT>
+                    <a:lnB w="9525" cap="flat" cmpd="sng" algn="ctr">
+                      <a:solidFill>
+                        <a:srgbClr val="AAAAAA"/>
+                      </a:solidFill>
+                      <a:prstDash val="solid"/>
+                      <a:round/>
+                      <a:headEnd type="none" w="med" len="med"/>
+                      <a:tailEnd type="none" w="med" len="med"/>
+                    </a:lnB>
+                  </a:tcPr>
+                </a:tc>
+                <a:tc>
+                  <a:txBody>
+                    <a:bodyPr/>
+                    <a:lstStyle/>
+                    <a:p>
+                      <a:pPr marL="0" marR="0" fontAlgn="t">
+                        <a:spcBef>
+                          <a:spcPts val="0"/>
+                        </a:spcBef>
+                        <a:spcAft>
+                          <a:spcPts val="0"/>
+                        </a:spcAft>
+                      </a:pPr>
+                      <a:endParaRPr lang="en-US" sz="1100" dirty="0">
+                        <a:effectLst/>
+                        <a:latin typeface="Verdana" panose="020B0604030504040204" pitchFamily="34" charset="0"/>
+                      </a:endParaRPr>
+                    </a:p>
+                  </a:txBody>
+                  <a:tcPr marL="63746" marR="63746" marT="31873" marB="31873">
+                    <a:lnL w="9525" cap="flat" cmpd="sng" algn="ctr">
+                      <a:solidFill>
+                        <a:srgbClr val="AAAAAA"/>
+                      </a:solidFill>
+                      <a:prstDash val="solid"/>
+                      <a:round/>
+                      <a:headEnd type="none" w="med" len="med"/>
+                      <a:tailEnd type="none" w="med" len="med"/>
+                    </a:lnL>
+                    <a:lnR w="9525" cap="flat" cmpd="sng" algn="ctr">
+                      <a:solidFill>
+                        <a:srgbClr val="AAAAAA"/>
+                      </a:solidFill>
+                      <a:prstDash val="solid"/>
+                      <a:round/>
+                      <a:headEnd type="none" w="med" len="med"/>
+                      <a:tailEnd type="none" w="med" len="med"/>
+                    </a:lnR>
+                    <a:lnT w="9525" cap="flat" cmpd="sng" algn="ctr">
+                      <a:solidFill>
+                        <a:srgbClr val="AAAAAA"/>
+                      </a:solidFill>
+                      <a:prstDash val="solid"/>
+                      <a:round/>
+                      <a:headEnd type="none" w="med" len="med"/>
+                      <a:tailEnd type="none" w="med" len="med"/>
+                    </a:lnT>
+                    <a:lnB w="9525" cap="flat" cmpd="sng" algn="ctr">
+                      <a:solidFill>
+                        <a:srgbClr val="AAAAAA"/>
+                      </a:solidFill>
+                      <a:prstDash val="solid"/>
+                      <a:round/>
+                      <a:headEnd type="none" w="med" len="med"/>
+                      <a:tailEnd type="none" w="med" len="med"/>
+                    </a:lnB>
+                  </a:tcPr>
+                </a:tc>
+              </a:tr>
+              <a:tr h="0">
+                <a:tc>
+                  <a:txBody>
+                    <a:bodyPr/>
+                    <a:lstStyle/>
+                    <a:p>
+                      <a:pPr marL="0" marR="0" algn="r" fontAlgn="t">
+                        <a:spcBef>
+                          <a:spcPts val="0"/>
+                        </a:spcBef>
+                        <a:spcAft>
+                          <a:spcPts val="0"/>
+                        </a:spcAft>
+                      </a:pPr>
+                      <a:r>
+                        <a:rPr lang="en-US" sz="1100">
+                          <a:effectLst/>
+                          <a:latin typeface="Verdana" panose="020B0604030504040204" pitchFamily="34" charset="0"/>
+                        </a:rPr>
+                        <a:t>1255</a:t>
+                      </a:r>
+                    </a:p>
+                  </a:txBody>
+                  <a:tcPr marL="63746" marR="63746" marT="31873" marB="31873">
+                    <a:lnL w="9525" cap="flat" cmpd="sng" algn="ctr">
+                      <a:solidFill>
+                        <a:srgbClr val="AAAAAA"/>
+                      </a:solidFill>
+                      <a:prstDash val="solid"/>
+                      <a:round/>
+                      <a:headEnd type="none" w="med" len="med"/>
+                      <a:tailEnd type="none" w="med" len="med"/>
+                    </a:lnL>
+                    <a:lnR w="9525" cap="flat" cmpd="sng" algn="ctr">
+                      <a:solidFill>
+                        <a:srgbClr val="AAAAAA"/>
+                      </a:solidFill>
+                      <a:prstDash val="solid"/>
+                      <a:round/>
+                      <a:headEnd type="none" w="med" len="med"/>
+                      <a:tailEnd type="none" w="med" len="med"/>
+                    </a:lnR>
+                    <a:lnT w="9525" cap="flat" cmpd="sng" algn="ctr">
+                      <a:solidFill>
+                        <a:srgbClr val="AAAAAA"/>
+                      </a:solidFill>
+                      <a:prstDash val="solid"/>
+                      <a:round/>
+                      <a:headEnd type="none" w="med" len="med"/>
+                      <a:tailEnd type="none" w="med" len="med"/>
+                    </a:lnT>
+                    <a:lnB w="9525" cap="flat" cmpd="sng" algn="ctr">
+                      <a:solidFill>
+                        <a:srgbClr val="AAAAAA"/>
+                      </a:solidFill>
+                      <a:prstDash val="solid"/>
+                      <a:round/>
+                      <a:headEnd type="none" w="med" len="med"/>
+                      <a:tailEnd type="none" w="med" len="med"/>
+                    </a:lnB>
+                  </a:tcPr>
+                </a:tc>
+                <a:tc>
+                  <a:txBody>
+                    <a:bodyPr/>
+                    <a:lstStyle/>
+                    <a:p>
+                      <a:pPr marL="0" marR="0" fontAlgn="t">
+                        <a:spcBef>
+                          <a:spcPts val="0"/>
+                        </a:spcBef>
+                        <a:spcAft>
+                          <a:spcPts val="0"/>
+                        </a:spcAft>
+                      </a:pPr>
+                      <a:r>
+                        <a:rPr lang="en-US" sz="1100">
+                          <a:effectLst/>
+                          <a:latin typeface="Verdana" panose="020B0604030504040204" pitchFamily="34" charset="0"/>
+                        </a:rPr>
+                        <a:t>Hebrew (Windows)</a:t>
+                      </a:r>
+                    </a:p>
+                  </a:txBody>
+                  <a:tcPr marL="63746" marR="63746" marT="31873" marB="31873">
+                    <a:lnL w="9525" cap="flat" cmpd="sng" algn="ctr">
+                      <a:solidFill>
+                        <a:srgbClr val="AAAAAA"/>
+                      </a:solidFill>
+                      <a:prstDash val="solid"/>
+                      <a:round/>
+                      <a:headEnd type="none" w="med" len="med"/>
+                      <a:tailEnd type="none" w="med" len="med"/>
+                    </a:lnL>
+                    <a:lnR w="9525" cap="flat" cmpd="sng" algn="ctr">
+                      <a:solidFill>
+                        <a:srgbClr val="AAAAAA"/>
+                      </a:solidFill>
+                      <a:prstDash val="solid"/>
+                      <a:round/>
+                      <a:headEnd type="none" w="med" len="med"/>
+                      <a:tailEnd type="none" w="med" len="med"/>
+                    </a:lnR>
+                    <a:lnT w="9525" cap="flat" cmpd="sng" algn="ctr">
+                      <a:solidFill>
+                        <a:srgbClr val="AAAAAA"/>
+                      </a:solidFill>
+                      <a:prstDash val="solid"/>
+                      <a:round/>
+                      <a:headEnd type="none" w="med" len="med"/>
+                      <a:tailEnd type="none" w="med" len="med"/>
+                    </a:lnT>
+                    <a:lnB w="9525" cap="flat" cmpd="sng" algn="ctr">
+                      <a:solidFill>
+                        <a:srgbClr val="AAAAAA"/>
+                      </a:solidFill>
+                      <a:prstDash val="solid"/>
+                      <a:round/>
+                      <a:headEnd type="none" w="med" len="med"/>
+                      <a:tailEnd type="none" w="med" len="med"/>
+                    </a:lnB>
+                  </a:tcPr>
+                </a:tc>
+                <a:tc>
+                  <a:txBody>
+                    <a:bodyPr/>
+                    <a:lstStyle/>
+                    <a:p>
+                      <a:pPr marL="0" marR="0" fontAlgn="t">
+                        <a:spcBef>
+                          <a:spcPts val="0"/>
+                        </a:spcBef>
+                        <a:spcAft>
+                          <a:spcPts val="0"/>
+                        </a:spcAft>
+                      </a:pPr>
+                      <a:endParaRPr lang="en-US" sz="1100" dirty="0">
+                        <a:effectLst/>
+                        <a:latin typeface="Verdana" panose="020B0604030504040204" pitchFamily="34" charset="0"/>
+                      </a:endParaRPr>
+                    </a:p>
+                  </a:txBody>
+                  <a:tcPr marL="63746" marR="63746" marT="31873" marB="31873">
+                    <a:lnL w="9525" cap="flat" cmpd="sng" algn="ctr">
+                      <a:solidFill>
+                        <a:srgbClr val="AAAAAA"/>
+                      </a:solidFill>
+                      <a:prstDash val="solid"/>
+                      <a:round/>
+                      <a:headEnd type="none" w="med" len="med"/>
+                      <a:tailEnd type="none" w="med" len="med"/>
+                    </a:lnL>
+                    <a:lnR w="9525" cap="flat" cmpd="sng" algn="ctr">
+                      <a:solidFill>
+                        <a:srgbClr val="AAAAAA"/>
+                      </a:solidFill>
+                      <a:prstDash val="solid"/>
+                      <a:round/>
+                      <a:headEnd type="none" w="med" len="med"/>
+                      <a:tailEnd type="none" w="med" len="med"/>
+                    </a:lnR>
+                    <a:lnT w="9525" cap="flat" cmpd="sng" algn="ctr">
+                      <a:solidFill>
+                        <a:srgbClr val="AAAAAA"/>
+                      </a:solidFill>
+                      <a:prstDash val="solid"/>
+                      <a:round/>
+                      <a:headEnd type="none" w="med" len="med"/>
+                      <a:tailEnd type="none" w="med" len="med"/>
+                    </a:lnT>
+                    <a:lnB w="9525" cap="flat" cmpd="sng" algn="ctr">
+                      <a:solidFill>
+                        <a:srgbClr val="AAAAAA"/>
+                      </a:solidFill>
+                      <a:prstDash val="solid"/>
+                      <a:round/>
+                      <a:headEnd type="none" w="med" len="med"/>
+                      <a:tailEnd type="none" w="med" len="med"/>
+                    </a:lnB>
+                  </a:tcPr>
+                </a:tc>
+              </a:tr>
+              <a:tr h="0">
+                <a:tc>
+                  <a:txBody>
+                    <a:bodyPr/>
+                    <a:lstStyle/>
+                    <a:p>
+                      <a:pPr marL="0" marR="0" algn="r" fontAlgn="t">
+                        <a:spcBef>
+                          <a:spcPts val="0"/>
+                        </a:spcBef>
+                        <a:spcAft>
+                          <a:spcPts val="0"/>
+                        </a:spcAft>
+                      </a:pPr>
+                      <a:r>
+                        <a:rPr lang="en-US" sz="1100">
+                          <a:effectLst/>
+                          <a:latin typeface="Verdana" panose="020B0604030504040204" pitchFamily="34" charset="0"/>
+                        </a:rPr>
+                        <a:t>1256</a:t>
+                      </a:r>
+                    </a:p>
+                  </a:txBody>
+                  <a:tcPr marL="63746" marR="63746" marT="31873" marB="31873">
+                    <a:lnL w="9525" cap="flat" cmpd="sng" algn="ctr">
+                      <a:solidFill>
+                        <a:srgbClr val="AAAAAA"/>
+                      </a:solidFill>
+                      <a:prstDash val="solid"/>
+                      <a:round/>
+                      <a:headEnd type="none" w="med" len="med"/>
+                      <a:tailEnd type="none" w="med" len="med"/>
+                    </a:lnL>
+                    <a:lnR w="9525" cap="flat" cmpd="sng" algn="ctr">
+                      <a:solidFill>
+                        <a:srgbClr val="AAAAAA"/>
+                      </a:solidFill>
+                      <a:prstDash val="solid"/>
+                      <a:round/>
+                      <a:headEnd type="none" w="med" len="med"/>
+                      <a:tailEnd type="none" w="med" len="med"/>
+                    </a:lnR>
+                    <a:lnT w="9525" cap="flat" cmpd="sng" algn="ctr">
+                      <a:solidFill>
+                        <a:srgbClr val="AAAAAA"/>
+                      </a:solidFill>
+                      <a:prstDash val="solid"/>
+                      <a:round/>
+                      <a:headEnd type="none" w="med" len="med"/>
+                      <a:tailEnd type="none" w="med" len="med"/>
+                    </a:lnT>
+                    <a:lnB w="9525" cap="flat" cmpd="sng" algn="ctr">
+                      <a:solidFill>
+                        <a:srgbClr val="AAAAAA"/>
+                      </a:solidFill>
+                      <a:prstDash val="solid"/>
+                      <a:round/>
+                      <a:headEnd type="none" w="med" len="med"/>
+                      <a:tailEnd type="none" w="med" len="med"/>
+                    </a:lnB>
+                  </a:tcPr>
+                </a:tc>
+                <a:tc>
+                  <a:txBody>
+                    <a:bodyPr/>
+                    <a:lstStyle/>
+                    <a:p>
+                      <a:pPr marL="0" marR="0" fontAlgn="t">
+                        <a:spcBef>
+                          <a:spcPts val="0"/>
+                        </a:spcBef>
+                        <a:spcAft>
+                          <a:spcPts val="0"/>
+                        </a:spcAft>
+                      </a:pPr>
+                      <a:r>
+                        <a:rPr lang="en-US" sz="1100">
+                          <a:effectLst/>
+                          <a:latin typeface="Verdana" panose="020B0604030504040204" pitchFamily="34" charset="0"/>
+                        </a:rPr>
+                        <a:t>Arabic (Windows)</a:t>
+                      </a:r>
+                    </a:p>
+                  </a:txBody>
+                  <a:tcPr marL="63746" marR="63746" marT="31873" marB="31873">
+                    <a:lnL w="9525" cap="flat" cmpd="sng" algn="ctr">
+                      <a:solidFill>
+                        <a:srgbClr val="AAAAAA"/>
+                      </a:solidFill>
+                      <a:prstDash val="solid"/>
+                      <a:round/>
+                      <a:headEnd type="none" w="med" len="med"/>
+                      <a:tailEnd type="none" w="med" len="med"/>
+                    </a:lnL>
+                    <a:lnR w="9525" cap="flat" cmpd="sng" algn="ctr">
+                      <a:solidFill>
+                        <a:srgbClr val="AAAAAA"/>
+                      </a:solidFill>
+                      <a:prstDash val="solid"/>
+                      <a:round/>
+                      <a:headEnd type="none" w="med" len="med"/>
+                      <a:tailEnd type="none" w="med" len="med"/>
+                    </a:lnR>
+                    <a:lnT w="9525" cap="flat" cmpd="sng" algn="ctr">
+                      <a:solidFill>
+                        <a:srgbClr val="AAAAAA"/>
+                      </a:solidFill>
+                      <a:prstDash val="solid"/>
+                      <a:round/>
+                      <a:headEnd type="none" w="med" len="med"/>
+                      <a:tailEnd type="none" w="med" len="med"/>
+                    </a:lnT>
+                    <a:lnB w="9525" cap="flat" cmpd="sng" algn="ctr">
+                      <a:solidFill>
+                        <a:srgbClr val="AAAAAA"/>
+                      </a:solidFill>
+                      <a:prstDash val="solid"/>
+                      <a:round/>
+                      <a:headEnd type="none" w="med" len="med"/>
+                      <a:tailEnd type="none" w="med" len="med"/>
+                    </a:lnB>
+                  </a:tcPr>
+                </a:tc>
+                <a:tc>
+                  <a:txBody>
+                    <a:bodyPr/>
+                    <a:lstStyle/>
+                    <a:p>
+                      <a:pPr marL="0" marR="0" fontAlgn="t">
+                        <a:spcBef>
+                          <a:spcPts val="0"/>
+                        </a:spcBef>
+                        <a:spcAft>
+                          <a:spcPts val="0"/>
+                        </a:spcAft>
+                      </a:pPr>
+                      <a:endParaRPr lang="en-US" sz="1100" dirty="0">
+                        <a:effectLst/>
+                        <a:latin typeface="Verdana" panose="020B0604030504040204" pitchFamily="34" charset="0"/>
+                      </a:endParaRPr>
+                    </a:p>
+                  </a:txBody>
+                  <a:tcPr marL="63746" marR="63746" marT="31873" marB="31873">
+                    <a:lnL w="9525" cap="flat" cmpd="sng" algn="ctr">
+                      <a:solidFill>
+                        <a:srgbClr val="AAAAAA"/>
+                      </a:solidFill>
+                      <a:prstDash val="solid"/>
+                      <a:round/>
+                      <a:headEnd type="none" w="med" len="med"/>
+                      <a:tailEnd type="none" w="med" len="med"/>
+                    </a:lnL>
+                    <a:lnR w="9525" cap="flat" cmpd="sng" algn="ctr">
+                      <a:solidFill>
+                        <a:srgbClr val="AAAAAA"/>
+                      </a:solidFill>
+                      <a:prstDash val="solid"/>
+                      <a:round/>
+                      <a:headEnd type="none" w="med" len="med"/>
+                      <a:tailEnd type="none" w="med" len="med"/>
+                    </a:lnR>
+                    <a:lnT w="9525" cap="flat" cmpd="sng" algn="ctr">
+                      <a:solidFill>
+                        <a:srgbClr val="AAAAAA"/>
+                      </a:solidFill>
+                      <a:prstDash val="solid"/>
+                      <a:round/>
+                      <a:headEnd type="none" w="med" len="med"/>
+                      <a:tailEnd type="none" w="med" len="med"/>
+                    </a:lnT>
+                    <a:lnB w="9525" cap="flat" cmpd="sng" algn="ctr">
+                      <a:solidFill>
+                        <a:srgbClr val="AAAAAA"/>
+                      </a:solidFill>
+                      <a:prstDash val="solid"/>
+                      <a:round/>
+                      <a:headEnd type="none" w="med" len="med"/>
+                      <a:tailEnd type="none" w="med" len="med"/>
+                    </a:lnB>
+                  </a:tcPr>
+                </a:tc>
+              </a:tr>
+              <a:tr h="0">
+                <a:tc>
+                  <a:txBody>
+                    <a:bodyPr/>
+                    <a:lstStyle/>
+                    <a:p>
+                      <a:pPr marL="0" marR="0" algn="r" fontAlgn="t">
+                        <a:spcBef>
+                          <a:spcPts val="0"/>
+                        </a:spcBef>
+                        <a:spcAft>
+                          <a:spcPts val="0"/>
+                        </a:spcAft>
+                      </a:pPr>
+                      <a:r>
+                        <a:rPr lang="en-US" sz="1100">
+                          <a:effectLst/>
+                          <a:latin typeface="Verdana" panose="020B0604030504040204" pitchFamily="34" charset="0"/>
+                        </a:rPr>
+                        <a:t>1257</a:t>
+                      </a:r>
+                    </a:p>
+                  </a:txBody>
+                  <a:tcPr marL="63746" marR="63746" marT="31873" marB="31873">
+                    <a:lnL w="9525" cap="flat" cmpd="sng" algn="ctr">
+                      <a:solidFill>
+                        <a:srgbClr val="AAAAAA"/>
+                      </a:solidFill>
+                      <a:prstDash val="solid"/>
+                      <a:round/>
+                      <a:headEnd type="none" w="med" len="med"/>
+                      <a:tailEnd type="none" w="med" len="med"/>
+                    </a:lnL>
+                    <a:lnR w="9525" cap="flat" cmpd="sng" algn="ctr">
+                      <a:solidFill>
+                        <a:srgbClr val="AAAAAA"/>
+                      </a:solidFill>
+                      <a:prstDash val="solid"/>
+                      <a:round/>
+                      <a:headEnd type="none" w="med" len="med"/>
+                      <a:tailEnd type="none" w="med" len="med"/>
+                    </a:lnR>
+                    <a:lnT w="9525" cap="flat" cmpd="sng" algn="ctr">
+                      <a:solidFill>
+                        <a:srgbClr val="AAAAAA"/>
+                      </a:solidFill>
+                      <a:prstDash val="solid"/>
+                      <a:round/>
+                      <a:headEnd type="none" w="med" len="med"/>
+                      <a:tailEnd type="none" w="med" len="med"/>
+                    </a:lnT>
+                    <a:lnB w="9525" cap="flat" cmpd="sng" algn="ctr">
+                      <a:solidFill>
+                        <a:srgbClr val="AAAAAA"/>
+                      </a:solidFill>
+                      <a:prstDash val="solid"/>
+                      <a:round/>
+                      <a:headEnd type="none" w="med" len="med"/>
+                      <a:tailEnd type="none" w="med" len="med"/>
+                    </a:lnB>
+                  </a:tcPr>
+                </a:tc>
+                <a:tc>
+                  <a:txBody>
+                    <a:bodyPr/>
+                    <a:lstStyle/>
+                    <a:p>
+                      <a:pPr marL="0" marR="0" fontAlgn="t">
+                        <a:spcBef>
+                          <a:spcPts val="0"/>
+                        </a:spcBef>
+                        <a:spcAft>
+                          <a:spcPts val="0"/>
+                        </a:spcAft>
+                      </a:pPr>
+                      <a:r>
+                        <a:rPr lang="en-US" sz="1100">
+                          <a:effectLst/>
+                          <a:latin typeface="Verdana" panose="020B0604030504040204" pitchFamily="34" charset="0"/>
+                        </a:rPr>
+                        <a:t>Baltic (Windows)</a:t>
+                      </a:r>
+                    </a:p>
+                  </a:txBody>
+                  <a:tcPr marL="63746" marR="63746" marT="31873" marB="31873">
+                    <a:lnL w="9525" cap="flat" cmpd="sng" algn="ctr">
+                      <a:solidFill>
+                        <a:srgbClr val="AAAAAA"/>
+                      </a:solidFill>
+                      <a:prstDash val="solid"/>
+                      <a:round/>
+                      <a:headEnd type="none" w="med" len="med"/>
+                      <a:tailEnd type="none" w="med" len="med"/>
+                    </a:lnL>
+                    <a:lnR w="9525" cap="flat" cmpd="sng" algn="ctr">
+                      <a:solidFill>
+                        <a:srgbClr val="AAAAAA"/>
+                      </a:solidFill>
+                      <a:prstDash val="solid"/>
+                      <a:round/>
+                      <a:headEnd type="none" w="med" len="med"/>
+                      <a:tailEnd type="none" w="med" len="med"/>
+                    </a:lnR>
+                    <a:lnT w="9525" cap="flat" cmpd="sng" algn="ctr">
+                      <a:solidFill>
+                        <a:srgbClr val="AAAAAA"/>
+                      </a:solidFill>
+                      <a:prstDash val="solid"/>
+                      <a:round/>
+                      <a:headEnd type="none" w="med" len="med"/>
+                      <a:tailEnd type="none" w="med" len="med"/>
+                    </a:lnT>
+                    <a:lnB w="9525" cap="flat" cmpd="sng" algn="ctr">
+                      <a:solidFill>
+                        <a:srgbClr val="AAAAAA"/>
+                      </a:solidFill>
+                      <a:prstDash val="solid"/>
+                      <a:round/>
+                      <a:headEnd type="none" w="med" len="med"/>
+                      <a:tailEnd type="none" w="med" len="med"/>
+                    </a:lnB>
+                  </a:tcPr>
+                </a:tc>
+                <a:tc>
+                  <a:txBody>
+                    <a:bodyPr/>
+                    <a:lstStyle/>
+                    <a:p>
+                      <a:pPr marL="0" marR="0" fontAlgn="t">
+                        <a:spcBef>
+                          <a:spcPts val="0"/>
+                        </a:spcBef>
+                        <a:spcAft>
+                          <a:spcPts val="0"/>
+                        </a:spcAft>
+                      </a:pPr>
+                      <a:endParaRPr lang="en-US" sz="1100" dirty="0">
+                        <a:effectLst/>
+                        <a:latin typeface="Verdana" panose="020B0604030504040204" pitchFamily="34" charset="0"/>
+                      </a:endParaRPr>
+                    </a:p>
+                  </a:txBody>
+                  <a:tcPr marL="63746" marR="63746" marT="31873" marB="31873">
+                    <a:lnL w="9525" cap="flat" cmpd="sng" algn="ctr">
+                      <a:solidFill>
+                        <a:srgbClr val="AAAAAA"/>
+                      </a:solidFill>
+                      <a:prstDash val="solid"/>
+                      <a:round/>
+                      <a:headEnd type="none" w="med" len="med"/>
+                      <a:tailEnd type="none" w="med" len="med"/>
+                    </a:lnL>
+                    <a:lnR w="9525" cap="flat" cmpd="sng" algn="ctr">
+                      <a:solidFill>
+                        <a:srgbClr val="AAAAAA"/>
+                      </a:solidFill>
+                      <a:prstDash val="solid"/>
+                      <a:round/>
+                      <a:headEnd type="none" w="med" len="med"/>
+                      <a:tailEnd type="none" w="med" len="med"/>
+                    </a:lnR>
+                    <a:lnT w="9525" cap="flat" cmpd="sng" algn="ctr">
+                      <a:solidFill>
+                        <a:srgbClr val="AAAAAA"/>
+                      </a:solidFill>
+                      <a:prstDash val="solid"/>
+                      <a:round/>
+                      <a:headEnd type="none" w="med" len="med"/>
+                      <a:tailEnd type="none" w="med" len="med"/>
+                    </a:lnT>
+                    <a:lnB w="9525" cap="flat" cmpd="sng" algn="ctr">
+                      <a:solidFill>
+                        <a:srgbClr val="AAAAAA"/>
+                      </a:solidFill>
+                      <a:prstDash val="solid"/>
+                      <a:round/>
+                      <a:headEnd type="none" w="med" len="med"/>
+                      <a:tailEnd type="none" w="med" len="med"/>
+                    </a:lnB>
+                  </a:tcPr>
+                </a:tc>
+              </a:tr>
+              <a:tr h="0">
+                <a:tc>
+                  <a:txBody>
+                    <a:bodyPr/>
+                    <a:lstStyle/>
+                    <a:p>
+                      <a:pPr marL="0" marR="0" algn="r" fontAlgn="t">
+                        <a:spcBef>
+                          <a:spcPts val="0"/>
+                        </a:spcBef>
+                        <a:spcAft>
+                          <a:spcPts val="0"/>
+                        </a:spcAft>
+                      </a:pPr>
+                      <a:r>
+                        <a:rPr lang="en-US" sz="1100">
+                          <a:effectLst/>
+                          <a:latin typeface="Verdana" panose="020B0604030504040204" pitchFamily="34" charset="0"/>
+                        </a:rPr>
+                        <a:t>1258</a:t>
+                      </a:r>
+                    </a:p>
+                  </a:txBody>
+                  <a:tcPr marL="63746" marR="63746" marT="31873" marB="31873">
+                    <a:lnL w="9525" cap="flat" cmpd="sng" algn="ctr">
+                      <a:solidFill>
+                        <a:srgbClr val="AAAAAA"/>
+                      </a:solidFill>
+                      <a:prstDash val="solid"/>
+                      <a:round/>
+                      <a:headEnd type="none" w="med" len="med"/>
+                      <a:tailEnd type="none" w="med" len="med"/>
+                    </a:lnL>
+                    <a:lnR w="9525" cap="flat" cmpd="sng" algn="ctr">
+                      <a:solidFill>
+                        <a:srgbClr val="AAAAAA"/>
+                      </a:solidFill>
+                      <a:prstDash val="solid"/>
+                      <a:round/>
+                      <a:headEnd type="none" w="med" len="med"/>
+                      <a:tailEnd type="none" w="med" len="med"/>
+                    </a:lnR>
+                    <a:lnT w="9525" cap="flat" cmpd="sng" algn="ctr">
+                      <a:solidFill>
+                        <a:srgbClr val="AAAAAA"/>
+                      </a:solidFill>
+                      <a:prstDash val="solid"/>
+                      <a:round/>
+                      <a:headEnd type="none" w="med" len="med"/>
+                      <a:tailEnd type="none" w="med" len="med"/>
+                    </a:lnT>
+                    <a:lnB w="9525" cap="flat" cmpd="sng" algn="ctr">
+                      <a:solidFill>
+                        <a:srgbClr val="AAAAAA"/>
+                      </a:solidFill>
+                      <a:prstDash val="solid"/>
+                      <a:round/>
+                      <a:headEnd type="none" w="med" len="med"/>
+                      <a:tailEnd type="none" w="med" len="med"/>
+                    </a:lnB>
+                  </a:tcPr>
+                </a:tc>
+                <a:tc>
+                  <a:txBody>
+                    <a:bodyPr/>
+                    <a:lstStyle/>
+                    <a:p>
+                      <a:pPr marL="0" marR="0" fontAlgn="t">
+                        <a:spcBef>
+                          <a:spcPts val="0"/>
+                        </a:spcBef>
+                        <a:spcAft>
+                          <a:spcPts val="0"/>
+                        </a:spcAft>
+                      </a:pPr>
+                      <a:r>
+                        <a:rPr lang="en-US" sz="1100">
+                          <a:effectLst/>
+                          <a:latin typeface="Verdana" panose="020B0604030504040204" pitchFamily="34" charset="0"/>
+                        </a:rPr>
+                        <a:t>Vietnamese (Windows)</a:t>
+                      </a:r>
+                    </a:p>
+                  </a:txBody>
+                  <a:tcPr marL="63746" marR="63746" marT="31873" marB="31873">
+                    <a:lnL w="9525" cap="flat" cmpd="sng" algn="ctr">
+                      <a:solidFill>
+                        <a:srgbClr val="AAAAAA"/>
+                      </a:solidFill>
+                      <a:prstDash val="solid"/>
+                      <a:round/>
+                      <a:headEnd type="none" w="med" len="med"/>
+                      <a:tailEnd type="none" w="med" len="med"/>
+                    </a:lnL>
+                    <a:lnR w="9525" cap="flat" cmpd="sng" algn="ctr">
+                      <a:solidFill>
+                        <a:srgbClr val="AAAAAA"/>
+                      </a:solidFill>
+                      <a:prstDash val="solid"/>
+                      <a:round/>
+                      <a:headEnd type="none" w="med" len="med"/>
+                      <a:tailEnd type="none" w="med" len="med"/>
+                    </a:lnR>
+                    <a:lnT w="9525" cap="flat" cmpd="sng" algn="ctr">
+                      <a:solidFill>
+                        <a:srgbClr val="AAAAAA"/>
+                      </a:solidFill>
+                      <a:prstDash val="solid"/>
+                      <a:round/>
+                      <a:headEnd type="none" w="med" len="med"/>
+                      <a:tailEnd type="none" w="med" len="med"/>
+                    </a:lnT>
+                    <a:lnB w="9525" cap="flat" cmpd="sng" algn="ctr">
+                      <a:solidFill>
+                        <a:srgbClr val="AAAAAA"/>
+                      </a:solidFill>
+                      <a:prstDash val="solid"/>
+                      <a:round/>
+                      <a:headEnd type="none" w="med" len="med"/>
+                      <a:tailEnd type="none" w="med" len="med"/>
+                    </a:lnB>
+                  </a:tcPr>
+                </a:tc>
+                <a:tc>
+                  <a:txBody>
+                    <a:bodyPr/>
+                    <a:lstStyle/>
+                    <a:p>
+                      <a:pPr marL="0" marR="0" fontAlgn="t">
+                        <a:spcBef>
+                          <a:spcPts val="0"/>
+                        </a:spcBef>
+                        <a:spcAft>
+                          <a:spcPts val="0"/>
+                        </a:spcAft>
+                      </a:pPr>
+                      <a:endParaRPr lang="en-US" sz="1100" dirty="0">
+                        <a:effectLst/>
+                        <a:latin typeface="Verdana" panose="020B0604030504040204" pitchFamily="34" charset="0"/>
+                      </a:endParaRPr>
+                    </a:p>
+                  </a:txBody>
+                  <a:tcPr marL="63746" marR="63746" marT="31873" marB="31873">
+                    <a:lnL w="9525" cap="flat" cmpd="sng" algn="ctr">
+                      <a:solidFill>
+                        <a:srgbClr val="AAAAAA"/>
+                      </a:solidFill>
+                      <a:prstDash val="solid"/>
+                      <a:round/>
+                      <a:headEnd type="none" w="med" len="med"/>
+                      <a:tailEnd type="none" w="med" len="med"/>
+                    </a:lnL>
+                    <a:lnR w="9525" cap="flat" cmpd="sng" algn="ctr">
+                      <a:solidFill>
+                        <a:srgbClr val="AAAAAA"/>
+                      </a:solidFill>
+                      <a:prstDash val="solid"/>
+                      <a:round/>
+                      <a:headEnd type="none" w="med" len="med"/>
+                      <a:tailEnd type="none" w="med" len="med"/>
+                    </a:lnR>
+                    <a:lnT w="9525" cap="flat" cmpd="sng" algn="ctr">
+                      <a:solidFill>
+                        <a:srgbClr val="AAAAAA"/>
+                      </a:solidFill>
+                      <a:prstDash val="solid"/>
+                      <a:round/>
+                      <a:headEnd type="none" w="med" len="med"/>
+                      <a:tailEnd type="none" w="med" len="med"/>
+                    </a:lnT>
+                    <a:lnB w="9525" cap="flat" cmpd="sng" algn="ctr">
+                      <a:solidFill>
+                        <a:srgbClr val="AAAAAA"/>
+                      </a:solidFill>
+                      <a:prstDash val="solid"/>
+                      <a:round/>
+                      <a:headEnd type="none" w="med" len="med"/>
+                      <a:tailEnd type="none" w="med" len="med"/>
+                    </a:lnB>
+                  </a:tcPr>
+                </a:tc>
+              </a:tr>
+            </a:tbl>
+          </a:graphicData>
+        </a:graphic>
+      </p:graphicFrame>
+    </p:spTree>
+    <p:extLst>
+      <p:ext uri="{BB962C8B-B14F-4D97-AF65-F5344CB8AC3E}">
+        <p14:creationId xmlns:p14="http://schemas.microsoft.com/office/powerpoint/2010/main" val="855025515"/>
+      </p:ext>
+    </p:extLst>
+  </p:cSld>
+  <p:clrMapOvr>
+    <a:masterClrMapping/>
+  </p:clrMapOvr>
+  <p:timing>
+    <p:tnLst>
+      <p:par>
+        <p:cTn id="1" dur="indefinite" restart="never" nodeType="tmRoot"/>
+      </p:par>
+    </p:tnLst>
+  </p:timing>
+</p:sld>
+</file>
+
+<file path=ppt/slides/slide16.xml><?xml version="1.0" encoding="utf-8"?>
+<p:sld xmlns:a="http://schemas.openxmlformats.org/drawingml/2006/main" xmlns:r="http://schemas.openxmlformats.org/officeDocument/2006/relationships" xmlns:p="http://schemas.openxmlformats.org/presentationml/2006/main" show="0">
+  <p:cSld>
+    <p:spTree>
+      <p:nvGrpSpPr>
+        <p:cNvPr id="1" name=""/>
+        <p:cNvGrpSpPr/>
+        <p:nvPr/>
+      </p:nvGrpSpPr>
+      <p:grpSpPr>
+        <a:xfrm>
+          <a:off x="0" y="0"/>
+          <a:ext cx="0" cy="0"/>
+          <a:chOff x="0" y="0"/>
+          <a:chExt cx="0" cy="0"/>
+        </a:xfrm>
+      </p:grpSpPr>
+      <p:sp>
+        <p:nvSpPr>
+          <p:cNvPr id="2" name="Title 1"/>
+          <p:cNvSpPr>
+            <a:spLocks noGrp="1"/>
+          </p:cNvSpPr>
+          <p:nvPr>
+            <p:ph type="title"/>
+          </p:nvPr>
+        </p:nvSpPr>
+        <p:spPr/>
+        <p:txBody>
+          <a:bodyPr>
+            <a:normAutofit fontScale="90000"/>
+          </a:bodyPr>
+          <a:lstStyle/>
+          <a:p>
+            <a:r>
+              <a:rPr lang="ru-RU" dirty="0" smtClean="0"/>
+              <a:t>Получение списка </a:t>
+            </a:r>
+            <a:r>
+              <a:rPr lang="en-US" dirty="0" smtClean="0"/>
+              <a:t>ANSI </a:t>
+            </a:r>
+            <a:r>
+              <a:rPr lang="ru-RU" dirty="0" smtClean="0"/>
+              <a:t>кодировок</a:t>
+            </a:r>
+            <a:endParaRPr lang="ru-RU" dirty="0">
+              <a:solidFill>
+                <a:srgbClr val="FFFF00"/>
+              </a:solidFill>
+            </a:endParaRPr>
+          </a:p>
+        </p:txBody>
+      </p:sp>
+      <p:sp>
+        <p:nvSpPr>
+          <p:cNvPr id="3" name="Content Placeholder 2"/>
+          <p:cNvSpPr>
+            <a:spLocks noGrp="1"/>
+          </p:cNvSpPr>
+          <p:nvPr>
+            <p:ph idx="1"/>
+          </p:nvPr>
+        </p:nvSpPr>
+        <p:spPr>
+          <a:xfrm>
+            <a:off x="457200" y="1600201"/>
+            <a:ext cx="8229600" cy="4277071"/>
+          </a:xfrm>
+        </p:spPr>
+        <p:txBody>
+          <a:bodyPr>
+            <a:normAutofit/>
+          </a:bodyPr>
+          <a:lstStyle/>
+          <a:p>
+            <a:pPr marL="0" indent="0">
+              <a:buNone/>
+            </a:pPr>
+            <a:r>
+              <a:rPr lang="en-US" sz="1200" dirty="0" err="1">
+                <a:latin typeface="Consolas" panose="020B0609020204030204" pitchFamily="49" charset="0"/>
+              </a:rPr>
+              <a:t>CultureInfo.GetCultures</a:t>
+            </a:r>
+            <a:r>
+              <a:rPr lang="en-US" sz="1200" dirty="0">
+                <a:latin typeface="Consolas" panose="020B0609020204030204" pitchFamily="49" charset="0"/>
+              </a:rPr>
+              <a:t>(</a:t>
+            </a:r>
+            <a:r>
+              <a:rPr lang="en-US" sz="1200" dirty="0" err="1">
+                <a:latin typeface="Consolas" panose="020B0609020204030204" pitchFamily="49" charset="0"/>
+              </a:rPr>
+              <a:t>CultureTypes.AllCultures</a:t>
+            </a:r>
+            <a:r>
+              <a:rPr lang="en-US" sz="1200" dirty="0">
+                <a:latin typeface="Consolas" panose="020B0609020204030204" pitchFamily="49" charset="0"/>
+              </a:rPr>
+              <a:t>)</a:t>
+            </a:r>
+          </a:p>
+          <a:p>
+            <a:pPr marL="0" indent="0">
+              <a:buNone/>
+            </a:pPr>
+            <a:r>
+              <a:rPr lang="en-US" sz="1200" dirty="0">
+                <a:latin typeface="Consolas" panose="020B0609020204030204" pitchFamily="49" charset="0"/>
+              </a:rPr>
+              <a:t>	.Select(ci =&gt; </a:t>
+            </a:r>
+            <a:r>
+              <a:rPr lang="en-US" sz="1200" dirty="0" err="1">
+                <a:latin typeface="Consolas" panose="020B0609020204030204" pitchFamily="49" charset="0"/>
+              </a:rPr>
+              <a:t>ci.TextInfo.ANSICodePage</a:t>
+            </a:r>
+            <a:r>
+              <a:rPr lang="en-US" sz="1200" dirty="0">
+                <a:latin typeface="Consolas" panose="020B0609020204030204" pitchFamily="49" charset="0"/>
+              </a:rPr>
+              <a:t>)</a:t>
+            </a:r>
+          </a:p>
+          <a:p>
+            <a:pPr marL="0" indent="0">
+              <a:buNone/>
+            </a:pPr>
+            <a:r>
+              <a:rPr lang="en-US" sz="1200" dirty="0">
+                <a:latin typeface="Consolas" panose="020B0609020204030204" pitchFamily="49" charset="0"/>
+              </a:rPr>
+              <a:t>	.Distinct()</a:t>
+            </a:r>
+          </a:p>
+          <a:p>
+            <a:pPr marL="0" indent="0">
+              <a:buNone/>
+            </a:pPr>
+            <a:r>
+              <a:rPr lang="en-US" sz="1200" dirty="0">
+                <a:latin typeface="Consolas" panose="020B0609020204030204" pitchFamily="49" charset="0"/>
+              </a:rPr>
+              <a:t>	.Where(</a:t>
+            </a:r>
+            <a:r>
+              <a:rPr lang="en-US" sz="1200" dirty="0" err="1">
+                <a:latin typeface="Consolas" panose="020B0609020204030204" pitchFamily="49" charset="0"/>
+              </a:rPr>
+              <a:t>cp</a:t>
+            </a:r>
+            <a:r>
+              <a:rPr lang="en-US" sz="1200" dirty="0">
+                <a:latin typeface="Consolas" panose="020B0609020204030204" pitchFamily="49" charset="0"/>
+              </a:rPr>
+              <a:t> =&gt; </a:t>
+            </a:r>
+            <a:r>
+              <a:rPr lang="en-US" sz="1200" dirty="0" err="1">
+                <a:latin typeface="Consolas" panose="020B0609020204030204" pitchFamily="49" charset="0"/>
+              </a:rPr>
+              <a:t>cp</a:t>
+            </a:r>
+            <a:r>
+              <a:rPr lang="en-US" sz="1200" dirty="0">
+                <a:latin typeface="Consolas" panose="020B0609020204030204" pitchFamily="49" charset="0"/>
+              </a:rPr>
+              <a:t> != 0)</a:t>
+            </a:r>
+          </a:p>
+          <a:p>
+            <a:pPr marL="0" indent="0">
+              <a:buNone/>
+            </a:pPr>
+            <a:r>
+              <a:rPr lang="en-US" sz="1200" dirty="0">
+                <a:latin typeface="Consolas" panose="020B0609020204030204" pitchFamily="49" charset="0"/>
+              </a:rPr>
+              <a:t>	.</a:t>
+            </a:r>
+            <a:r>
+              <a:rPr lang="en-US" sz="1200" dirty="0" err="1">
+                <a:latin typeface="Consolas" panose="020B0609020204030204" pitchFamily="49" charset="0"/>
+              </a:rPr>
+              <a:t>OrderBy</a:t>
+            </a:r>
+            <a:r>
+              <a:rPr lang="en-US" sz="1200" dirty="0">
+                <a:latin typeface="Consolas" panose="020B0609020204030204" pitchFamily="49" charset="0"/>
+              </a:rPr>
+              <a:t>(</a:t>
+            </a:r>
+            <a:r>
+              <a:rPr lang="en-US" sz="1200" dirty="0" err="1">
+                <a:latin typeface="Consolas" panose="020B0609020204030204" pitchFamily="49" charset="0"/>
+              </a:rPr>
+              <a:t>cp</a:t>
+            </a:r>
+            <a:r>
+              <a:rPr lang="en-US" sz="1200" dirty="0">
+                <a:latin typeface="Consolas" panose="020B0609020204030204" pitchFamily="49" charset="0"/>
+              </a:rPr>
+              <a:t> =&gt; </a:t>
+            </a:r>
+            <a:r>
+              <a:rPr lang="en-US" sz="1200" dirty="0" err="1">
+                <a:latin typeface="Consolas" panose="020B0609020204030204" pitchFamily="49" charset="0"/>
+              </a:rPr>
+              <a:t>cp</a:t>
+            </a:r>
+            <a:r>
+              <a:rPr lang="en-US" sz="1200" dirty="0">
+                <a:latin typeface="Consolas" panose="020B0609020204030204" pitchFamily="49" charset="0"/>
+              </a:rPr>
+              <a:t>)</a:t>
+            </a:r>
+          </a:p>
+          <a:p>
+            <a:pPr marL="0" indent="0">
+              <a:buNone/>
+            </a:pPr>
+            <a:r>
+              <a:rPr lang="en-US" sz="1200" dirty="0">
+                <a:latin typeface="Consolas" panose="020B0609020204030204" pitchFamily="49" charset="0"/>
+              </a:rPr>
+              <a:t>	.Select(</a:t>
+            </a:r>
+            <a:r>
+              <a:rPr lang="en-US" sz="1200" dirty="0" err="1">
+                <a:latin typeface="Consolas" panose="020B0609020204030204" pitchFamily="49" charset="0"/>
+              </a:rPr>
+              <a:t>cp</a:t>
+            </a:r>
+            <a:r>
+              <a:rPr lang="en-US" sz="1200" dirty="0">
+                <a:latin typeface="Consolas" panose="020B0609020204030204" pitchFamily="49" charset="0"/>
+              </a:rPr>
+              <a:t> =&gt; new { </a:t>
+            </a:r>
+            <a:r>
+              <a:rPr lang="en-US" sz="1200" dirty="0" err="1">
+                <a:latin typeface="Consolas" panose="020B0609020204030204" pitchFamily="49" charset="0"/>
+              </a:rPr>
+              <a:t>AnsiCodePage</a:t>
+            </a:r>
+            <a:r>
+              <a:rPr lang="en-US" sz="1200" dirty="0">
+                <a:latin typeface="Consolas" panose="020B0609020204030204" pitchFamily="49" charset="0"/>
+              </a:rPr>
+              <a:t> = </a:t>
+            </a:r>
+            <a:r>
+              <a:rPr lang="en-US" sz="1200" dirty="0" err="1">
+                <a:latin typeface="Consolas" panose="020B0609020204030204" pitchFamily="49" charset="0"/>
+              </a:rPr>
+              <a:t>cp</a:t>
+            </a:r>
+            <a:r>
+              <a:rPr lang="en-US" sz="1200" dirty="0">
+                <a:latin typeface="Consolas" panose="020B0609020204030204" pitchFamily="49" charset="0"/>
+              </a:rPr>
+              <a:t>, Name = </a:t>
+            </a:r>
+            <a:r>
+              <a:rPr lang="en-US" sz="1200" dirty="0" err="1">
+                <a:latin typeface="Consolas" panose="020B0609020204030204" pitchFamily="49" charset="0"/>
+              </a:rPr>
+              <a:t>Encoding.GetEncoding</a:t>
+            </a:r>
+            <a:r>
+              <a:rPr lang="en-US" sz="1200" dirty="0">
+                <a:latin typeface="Consolas" panose="020B0609020204030204" pitchFamily="49" charset="0"/>
+              </a:rPr>
+              <a:t>(</a:t>
+            </a:r>
+            <a:r>
+              <a:rPr lang="en-US" sz="1200" dirty="0" err="1">
+                <a:latin typeface="Consolas" panose="020B0609020204030204" pitchFamily="49" charset="0"/>
+              </a:rPr>
+              <a:t>cp</a:t>
+            </a:r>
+            <a:r>
+              <a:rPr lang="en-US" sz="1200" dirty="0">
+                <a:latin typeface="Consolas" panose="020B0609020204030204" pitchFamily="49" charset="0"/>
+              </a:rPr>
+              <a:t>).</a:t>
+            </a:r>
+            <a:r>
+              <a:rPr lang="en-US" sz="1200" dirty="0" err="1">
+                <a:latin typeface="Consolas" panose="020B0609020204030204" pitchFamily="49" charset="0"/>
+              </a:rPr>
+              <a:t>EncodingName</a:t>
+            </a:r>
+            <a:r>
+              <a:rPr lang="en-US" sz="1200" dirty="0">
+                <a:latin typeface="Consolas" panose="020B0609020204030204" pitchFamily="49" charset="0"/>
+              </a:rPr>
+              <a:t>, </a:t>
+            </a:r>
+            <a:r>
+              <a:rPr lang="en-US" sz="1200" dirty="0" err="1">
+                <a:latin typeface="Consolas" panose="020B0609020204030204" pitchFamily="49" charset="0"/>
+              </a:rPr>
+              <a:t>IsSingleByte</a:t>
+            </a:r>
+            <a:r>
+              <a:rPr lang="en-US" sz="1200" dirty="0">
+                <a:latin typeface="Consolas" panose="020B0609020204030204" pitchFamily="49" charset="0"/>
+              </a:rPr>
+              <a:t> = </a:t>
+            </a:r>
+            <a:r>
+              <a:rPr lang="en-US" sz="1200" dirty="0" err="1">
+                <a:latin typeface="Consolas" panose="020B0609020204030204" pitchFamily="49" charset="0"/>
+              </a:rPr>
+              <a:t>Encoding.GetEncoding</a:t>
+            </a:r>
+            <a:r>
+              <a:rPr lang="en-US" sz="1200" dirty="0">
+                <a:latin typeface="Consolas" panose="020B0609020204030204" pitchFamily="49" charset="0"/>
+              </a:rPr>
+              <a:t>(</a:t>
+            </a:r>
+            <a:r>
+              <a:rPr lang="en-US" sz="1200" dirty="0" err="1">
+                <a:latin typeface="Consolas" panose="020B0609020204030204" pitchFamily="49" charset="0"/>
+              </a:rPr>
+              <a:t>cp</a:t>
+            </a:r>
+            <a:r>
+              <a:rPr lang="en-US" sz="1200" dirty="0">
+                <a:latin typeface="Consolas" panose="020B0609020204030204" pitchFamily="49" charset="0"/>
+              </a:rPr>
+              <a:t>).</a:t>
+            </a:r>
+            <a:r>
+              <a:rPr lang="en-US" sz="1200" dirty="0" err="1">
+                <a:latin typeface="Consolas" panose="020B0609020204030204" pitchFamily="49" charset="0"/>
+              </a:rPr>
+              <a:t>IsSingleByte</a:t>
+            </a:r>
+            <a:r>
+              <a:rPr lang="en-US" sz="1200" dirty="0">
+                <a:latin typeface="Consolas" panose="020B0609020204030204" pitchFamily="49" charset="0"/>
+              </a:rPr>
+              <a:t> })</a:t>
+            </a:r>
+          </a:p>
+          <a:p>
+            <a:pPr marL="0" indent="0">
+              <a:buNone/>
+            </a:pPr>
+            <a:r>
+              <a:rPr lang="en-US" sz="1200" dirty="0">
+                <a:latin typeface="Consolas" panose="020B0609020204030204" pitchFamily="49" charset="0"/>
+              </a:rPr>
+              <a:t>	.Dump</a:t>
+            </a:r>
+            <a:r>
+              <a:rPr lang="en-US" sz="1200" dirty="0" smtClean="0">
+                <a:latin typeface="Consolas" panose="020B0609020204030204" pitchFamily="49" charset="0"/>
+              </a:rPr>
+              <a:t>();</a:t>
+            </a:r>
+            <a:endParaRPr lang="en-US" sz="1200" dirty="0">
+              <a:latin typeface="Consolas" panose="020B0609020204030204" pitchFamily="49" charset="0"/>
+            </a:endParaRPr>
+          </a:p>
+        </p:txBody>
+      </p:sp>
+    </p:spTree>
+    <p:extLst>
+      <p:ext uri="{BB962C8B-B14F-4D97-AF65-F5344CB8AC3E}">
+        <p14:creationId xmlns:p14="http://schemas.microsoft.com/office/powerpoint/2010/main" val="3474526132"/>
+      </p:ext>
+    </p:extLst>
+  </p:cSld>
+  <p:clrMapOvr>
+    <a:masterClrMapping/>
+  </p:clrMapOvr>
+  <mc:AlternateContent xmlns:mc="http://schemas.openxmlformats.org/markup-compatibility/2006" xmlns:p14="http://schemas.microsoft.com/office/powerpoint/2010/main">
+    <mc:Choice Requires="p14">
+      <p:transition spd="slow" p14:dur="2000"/>
+    </mc:Choice>
+    <mc:Fallback xmlns="">
+      <p:transition spd="slow"/>
+    </mc:Fallback>
+  </mc:AlternateContent>
+  <p:timing>
+    <p:tnLst>
+      <p:par>
+        <p:cTn id="1" dur="indefinite" restart="never" nodeType="tmRoot"/>
+      </p:par>
+    </p:tnLst>
+  </p:timing>
+</p:sld>
+</file>
+
+<file path=ppt/slides/slide17.xml><?xml version="1.0" encoding="utf-8"?>
+<p:sld xmlns:a="http://schemas.openxmlformats.org/drawingml/2006/main" xmlns:r="http://schemas.openxmlformats.org/officeDocument/2006/relationships" xmlns:p="http://schemas.openxmlformats.org/presentationml/2006/main">
+  <p:cSld>
+    <p:spTree>
+      <p:nvGrpSpPr>
+        <p:cNvPr id="1" name=""/>
+        <p:cNvGrpSpPr/>
+        <p:nvPr/>
+      </p:nvGrpSpPr>
+      <p:grpSpPr>
+        <a:xfrm>
+          <a:off x="0" y="0"/>
+          <a:ext cx="0" cy="0"/>
+          <a:chOff x="0" y="0"/>
+          <a:chExt cx="0" cy="0"/>
+        </a:xfrm>
+      </p:grpSpPr>
+      <p:sp>
+        <p:nvSpPr>
+          <p:cNvPr id="2" name="Title 1"/>
+          <p:cNvSpPr>
+            <a:spLocks noGrp="1"/>
+          </p:cNvSpPr>
+          <p:nvPr>
+            <p:ph type="title"/>
+          </p:nvPr>
+        </p:nvSpPr>
+        <p:spPr/>
+        <p:txBody>
+          <a:bodyPr>
+            <a:normAutofit fontScale="90000"/>
+          </a:bodyPr>
+          <a:lstStyle/>
+          <a:p>
+            <a:r>
+              <a:rPr lang="en-US" dirty="0" err="1" smtClean="0"/>
+              <a:t>Encoding.Default</a:t>
+            </a:r>
+            <a:r>
+              <a:rPr lang="ru-RU" dirty="0" smtClean="0"/>
+              <a:t> </a:t>
+            </a:r>
+            <a:r>
+              <a:rPr lang="ru-RU" dirty="0" smtClean="0"/>
+              <a:t>и </a:t>
+            </a:r>
+            <a:r>
+              <a:rPr lang="en-US" dirty="0" smtClean="0"/>
+              <a:t>best-fit</a:t>
+            </a:r>
+            <a:r>
+              <a:rPr lang="ru-RU" dirty="0" smtClean="0"/>
+              <a:t> преобразования</a:t>
+            </a:r>
+            <a:endParaRPr lang="ru-RU" dirty="0">
+              <a:solidFill>
+                <a:srgbClr val="FFFF00"/>
+              </a:solidFill>
+            </a:endParaRPr>
+          </a:p>
+        </p:txBody>
+      </p:sp>
+      <p:sp>
+        <p:nvSpPr>
+          <p:cNvPr id="3" name="Content Placeholder 2"/>
+          <p:cNvSpPr>
+            <a:spLocks noGrp="1"/>
+          </p:cNvSpPr>
+          <p:nvPr>
+            <p:ph idx="1"/>
+          </p:nvPr>
+        </p:nvSpPr>
+        <p:spPr>
+          <a:xfrm>
+            <a:off x="457200" y="1600201"/>
+            <a:ext cx="8229600" cy="4493095"/>
+          </a:xfrm>
+        </p:spPr>
+        <p:txBody>
+          <a:bodyPr>
+            <a:noAutofit/>
+          </a:bodyPr>
+          <a:lstStyle/>
+          <a:p>
+            <a:pPr marL="0" indent="0">
+              <a:buNone/>
+            </a:pPr>
+            <a:r>
+              <a:rPr lang="ru-RU" sz="1200" dirty="0" smtClean="0"/>
+              <a:t>Еще одна причина по которой лучше избегать использовать </a:t>
+            </a:r>
+            <a:r>
+              <a:rPr lang="en-US" sz="1200" dirty="0" err="1" smtClean="0"/>
+              <a:t>Encoding.Default</a:t>
+            </a:r>
+            <a:r>
+              <a:rPr lang="en-US" sz="1200" dirty="0" smtClean="0"/>
+              <a:t> </a:t>
+            </a:r>
+            <a:r>
+              <a:rPr lang="ru-RU" sz="1200" dirty="0" smtClean="0"/>
+              <a:t>это потому что при преобразованиях он использует т.н. </a:t>
+            </a:r>
+            <a:r>
+              <a:rPr lang="en-US" sz="1200" dirty="0" smtClean="0"/>
+              <a:t>best-fit</a:t>
+            </a:r>
+            <a:r>
+              <a:rPr lang="ru-RU" sz="1200" dirty="0" smtClean="0"/>
+              <a:t> алгоритм который заменяет </a:t>
+            </a:r>
+            <a:r>
+              <a:rPr lang="en-US" sz="1200" dirty="0" smtClean="0"/>
+              <a:t>Unicode </a:t>
+            </a:r>
+            <a:r>
+              <a:rPr lang="ru-RU" sz="1200" dirty="0" smtClean="0"/>
+              <a:t>символы на «похожие». Эта замена делается по разному для разных кодировок и далеко не всегда эта замена является удачной</a:t>
+            </a:r>
+          </a:p>
+          <a:p>
+            <a:r>
+              <a:rPr lang="en-US" sz="1200" dirty="0"/>
+              <a:t>The mappings are somewhat random and sometimes bizarre.  The infinity symbol, ∞, U+221e, is mapped to 8.  Sure it looks like a sideways 8, but its sideways, and its meaning is very </a:t>
+            </a:r>
+            <a:r>
+              <a:rPr lang="en-US" sz="1200" dirty="0" smtClean="0"/>
+              <a:t>different.</a:t>
+            </a:r>
+            <a:endParaRPr lang="ru-RU" sz="1200" dirty="0" smtClean="0"/>
+          </a:p>
+          <a:p>
+            <a:r>
+              <a:rPr lang="en-US" sz="1200" dirty="0" smtClean="0"/>
+              <a:t>The </a:t>
+            </a:r>
+            <a:r>
+              <a:rPr lang="en-US" sz="1200" dirty="0"/>
+              <a:t>mappings are somewhat random and inconsistent between code pages.  In some code pages Japanese </a:t>
+            </a:r>
+            <a:r>
+              <a:rPr lang="en-US" sz="1200" dirty="0" err="1"/>
+              <a:t>fullwidth</a:t>
+            </a:r>
+            <a:r>
+              <a:rPr lang="en-US" sz="1200" dirty="0"/>
+              <a:t> forms are “best fit” to the non full-width form, in others they are </a:t>
+            </a:r>
+            <a:r>
+              <a:rPr lang="en-US" sz="1200" dirty="0" smtClean="0"/>
+              <a:t>not.</a:t>
+            </a:r>
+            <a:endParaRPr lang="ru-RU" sz="1200" dirty="0" smtClean="0"/>
+          </a:p>
+          <a:p>
+            <a:r>
+              <a:rPr lang="en-US" sz="1200" dirty="0" smtClean="0"/>
+              <a:t>The </a:t>
+            </a:r>
+            <a:r>
+              <a:rPr lang="en-US" sz="1200" dirty="0"/>
+              <a:t>best fit behavior has not been updated in years, so new code points aren’t present, so c, ć U+0107 c with acute, ĉ U+0109 c with circumflex, ċ 0x010b c with dot above, č 0x010d c with </a:t>
+            </a:r>
+            <a:r>
+              <a:rPr lang="en-US" sz="1200" dirty="0" err="1"/>
+              <a:t>caron</a:t>
+            </a:r>
+            <a:r>
+              <a:rPr lang="en-US" sz="1200" dirty="0"/>
+              <a:t> and ｃ U+ff43 </a:t>
+            </a:r>
+            <a:r>
+              <a:rPr lang="en-US" sz="1200" dirty="0" err="1"/>
+              <a:t>fullwidth</a:t>
+            </a:r>
+            <a:r>
+              <a:rPr lang="en-US" sz="1200" dirty="0"/>
+              <a:t> c, are all mapped to c in code page 1252.  However ƈ U+0188 c with hook, ɕ U+0255 c with curl, с U+0441 Cyrillic </a:t>
+            </a:r>
+            <a:r>
+              <a:rPr lang="en-US" sz="1200" dirty="0" err="1"/>
+              <a:t>es</a:t>
+            </a:r>
+            <a:r>
+              <a:rPr lang="en-US" sz="1200" dirty="0"/>
+              <a:t>, ḉ U+1e09 c with cedilla and acute above and others are not mapped and turn into ?.  Also, ç U+00e7 c with cedilla doesn’t change since it has its own character in </a:t>
+            </a:r>
+            <a:r>
+              <a:rPr lang="en-US" sz="1200" dirty="0" smtClean="0"/>
+              <a:t>1252.</a:t>
+            </a:r>
+            <a:endParaRPr lang="ru-RU" sz="1200" dirty="0" smtClean="0"/>
+          </a:p>
+          <a:p>
+            <a:r>
+              <a:rPr lang="en-US" sz="1200" dirty="0" smtClean="0"/>
+              <a:t>Many </a:t>
+            </a:r>
+            <a:r>
+              <a:rPr lang="en-US" sz="1200" dirty="0"/>
+              <a:t>mappings lead to security holes.  A common test for .,  and other characters to prevent .. style attacks on paths fail if </a:t>
+            </a:r>
+            <a:r>
+              <a:rPr lang="en-US" sz="1200" dirty="0" err="1"/>
+              <a:t>fullwidth</a:t>
+            </a:r>
+            <a:r>
+              <a:rPr lang="en-US" sz="1200" dirty="0"/>
+              <a:t> forms are used and not tested for.  Since </a:t>
+            </a:r>
+            <a:r>
+              <a:rPr lang="en-US" sz="1200" dirty="0" err="1"/>
+              <a:t>fullwidth</a:t>
+            </a:r>
+            <a:r>
+              <a:rPr lang="en-US" sz="1200" dirty="0"/>
+              <a:t> forms are often mapped, any English string, like a user name or password can also have multiple variations, leading to security holes.  Even if </a:t>
+            </a:r>
+            <a:r>
+              <a:rPr lang="en-US" sz="1200" dirty="0" err="1"/>
+              <a:t>fullwidth</a:t>
+            </a:r>
+            <a:r>
+              <a:rPr lang="en-US" sz="1200" dirty="0"/>
+              <a:t> forms are considered other mappings with diacritics as mentioned in the previous bullet exist for common English </a:t>
+            </a:r>
+            <a:r>
+              <a:rPr lang="en-US" sz="1200" dirty="0" smtClean="0"/>
+              <a:t>characters.</a:t>
+            </a:r>
+            <a:endParaRPr lang="ru-RU" sz="1200" dirty="0" smtClean="0"/>
+          </a:p>
+          <a:p>
+            <a:r>
+              <a:rPr lang="en-US" sz="1200" dirty="0" smtClean="0"/>
+              <a:t>Most </a:t>
+            </a:r>
+            <a:r>
+              <a:rPr lang="en-US" sz="1200" dirty="0"/>
+              <a:t>of the best fit mappings in our tables were thought of by English speaking Americans and could be culturally inappropriate for other </a:t>
+            </a:r>
+            <a:r>
+              <a:rPr lang="en-US" sz="1200" dirty="0" smtClean="0"/>
+              <a:t>locales.</a:t>
+            </a:r>
+            <a:endParaRPr lang="ru-RU" sz="1200" dirty="0" smtClean="0"/>
+          </a:p>
+          <a:p>
+            <a:r>
+              <a:rPr lang="en-US" sz="1200" dirty="0" smtClean="0"/>
+              <a:t>ü </a:t>
+            </a:r>
+            <a:r>
+              <a:rPr lang="en-US" sz="1200" dirty="0"/>
+              <a:t>and u aren’t the same character.  </a:t>
+            </a:r>
+            <a:r>
+              <a:rPr lang="en-US" sz="1200" dirty="0" err="1"/>
+              <a:t>Düssledorf</a:t>
+            </a:r>
+            <a:r>
+              <a:rPr lang="en-US" sz="1200" dirty="0"/>
+              <a:t> has the alternate spelling </a:t>
+            </a:r>
+            <a:r>
+              <a:rPr lang="en-US" sz="1200" dirty="0" err="1"/>
+              <a:t>Duessledorf</a:t>
+            </a:r>
+            <a:r>
+              <a:rPr lang="en-US" sz="1200" dirty="0"/>
+              <a:t>, replacing the ü with </a:t>
+            </a:r>
+            <a:r>
+              <a:rPr lang="en-US" sz="1200" dirty="0" err="1"/>
+              <a:t>ue</a:t>
+            </a:r>
+            <a:r>
+              <a:rPr lang="en-US" sz="1200" dirty="0"/>
+              <a:t>, not u.  In languages that use diacritics the pronunciation of the character changes.  If you made mailing labels for your customers would you really want to change their name?  Best case the spelling looks stupid and the customer thinks “gee, these guys have an old computer too”.  Worst case you turned their name to crap… literally.  In that case ? would probably be better, at least your customer would probably understand it was a computer limitation [:)] </a:t>
+            </a:r>
+            <a:endParaRPr lang="ru-RU" sz="1200" dirty="0"/>
+          </a:p>
+        </p:txBody>
+      </p:sp>
+    </p:spTree>
+    <p:extLst>
+      <p:ext uri="{BB962C8B-B14F-4D97-AF65-F5344CB8AC3E}">
+        <p14:creationId xmlns:p14="http://schemas.microsoft.com/office/powerpoint/2010/main" val="4083603529"/>
+      </p:ext>
+    </p:extLst>
+  </p:cSld>
+  <p:clrMapOvr>
+    <a:masterClrMapping/>
+  </p:clrMapOvr>
+  <p:timing>
+    <p:tnLst>
+      <p:par>
+        <p:cTn id="1" dur="indefinite" restart="never" nodeType="tmRoot"/>
+      </p:par>
+    </p:tnLst>
+  </p:timing>
+</p:sld>
+</file>
+
+<file path=ppt/slides/slide18.xml><?xml version="1.0" encoding="utf-8"?>
+<p:sld xmlns:a="http://schemas.openxmlformats.org/drawingml/2006/main" xmlns:r="http://schemas.openxmlformats.org/officeDocument/2006/relationships" xmlns:p="http://schemas.openxmlformats.org/presentationml/2006/main">
+  <p:cSld>
     <p:bg>
       <p:bgPr>
         <a:blipFill dpi="0" rotWithShape="1">
@@ -11491,7 +15273,7 @@
 </p:sld>
 </file>
 
-<file path=ppt/slides/slide16.xml><?xml version="1.0" encoding="utf-8"?>
+<file path=ppt/slides/slide19.xml><?xml version="1.0" encoding="utf-8"?>
 <p:sld xmlns:a="http://schemas.openxmlformats.org/drawingml/2006/main" xmlns:r="http://schemas.openxmlformats.org/officeDocument/2006/relationships" xmlns:p="http://schemas.openxmlformats.org/presentationml/2006/main">
   <p:cSld>
     <p:bg>
@@ -12496,893 +16278,6 @@
     <p:extLst>
       <p:ext uri="{BB962C8B-B14F-4D97-AF65-F5344CB8AC3E}">
         <p14:creationId xmlns:p14="http://schemas.microsoft.com/office/powerpoint/2010/main" val="1478398796"/>
-      </p:ext>
-    </p:extLst>
-  </p:cSld>
-  <p:clrMapOvr>
-    <a:masterClrMapping/>
-  </p:clrMapOvr>
-  <p:timing>
-    <p:tnLst>
-      <p:par>
-        <p:cTn id="1" dur="indefinite" restart="never" nodeType="tmRoot"/>
-      </p:par>
-    </p:tnLst>
-  </p:timing>
-</p:sld>
-</file>
-
-<file path=ppt/slides/slide17.xml><?xml version="1.0" encoding="utf-8"?>
-<p:sld xmlns:a="http://schemas.openxmlformats.org/drawingml/2006/main" xmlns:r="http://schemas.openxmlformats.org/officeDocument/2006/relationships" xmlns:p="http://schemas.openxmlformats.org/presentationml/2006/main">
-  <p:cSld>
-    <p:bg>
-      <p:bgPr>
-        <a:blipFill dpi="0" rotWithShape="1">
-          <a:blip r:embed="rId2">
-            <a:lum/>
-          </a:blip>
-          <a:srcRect/>
-          <a:stretch>
-            <a:fillRect/>
-          </a:stretch>
-        </a:blipFill>
-        <a:effectLst/>
-      </p:bgPr>
-    </p:bg>
-    <p:spTree>
-      <p:nvGrpSpPr>
-        <p:cNvPr id="1" name=""/>
-        <p:cNvGrpSpPr/>
-        <p:nvPr/>
-      </p:nvGrpSpPr>
-      <p:grpSpPr>
-        <a:xfrm>
-          <a:off x="0" y="0"/>
-          <a:ext cx="0" cy="0"/>
-          <a:chOff x="0" y="0"/>
-          <a:chExt cx="0" cy="0"/>
-        </a:xfrm>
-      </p:grpSpPr>
-      <p:sp>
-        <p:nvSpPr>
-          <p:cNvPr id="10242" name="Rectangle 1"/>
-          <p:cNvSpPr>
-            <a:spLocks noChangeArrowheads="1"/>
-          </p:cNvSpPr>
-          <p:nvPr/>
-        </p:nvSpPr>
-        <p:spPr bwMode="auto">
-          <a:xfrm>
-            <a:off x="457200" y="-4763"/>
-            <a:ext cx="8305800" cy="461963"/>
-          </a:xfrm>
-          <a:prstGeom prst="rect">
-            <a:avLst/>
-          </a:prstGeom>
-          <a:noFill/>
-          <a:ln>
-            <a:noFill/>
-          </a:ln>
-          <a:extLst>
-            <a:ext uri="{909E8E84-426E-40DD-AFC4-6F175D3DCCD1}">
-              <a14:hiddenFill xmlns:a14="http://schemas.microsoft.com/office/drawing/2010/main">
-                <a:solidFill>
-                  <a:srgbClr val="FFFFFF"/>
-                </a:solidFill>
-              </a14:hiddenFill>
-            </a:ext>
-            <a:ext uri="{91240B29-F687-4F45-9708-019B960494DF}">
-              <a14:hiddenLine xmlns:a14="http://schemas.microsoft.com/office/drawing/2010/main" w="9525">
-                <a:solidFill>
-                  <a:srgbClr val="000000"/>
-                </a:solidFill>
-                <a:miter lim="800000"/>
-                <a:headEnd/>
-                <a:tailEnd/>
-              </a14:hiddenLine>
-            </a:ext>
-          </a:extLst>
-        </p:spPr>
-        <p:txBody>
-          <a:bodyPr anchor="ctr">
-            <a:spAutoFit/>
-          </a:bodyPr>
-          <a:lstStyle/>
-          <a:p>
-            <a:pPr algn="ctr">
-              <a:tabLst>
-                <a:tab pos="457200" algn="l"/>
-              </a:tabLst>
-            </a:pPr>
-            <a:r>
-              <a:rPr lang="ru-RU" sz="2400" dirty="0" smtClean="0">
-                <a:cs typeface="Times New Roman" pitchFamily="18" charset="0"/>
-              </a:rPr>
-              <a:t>Управление ресурсами и блок </a:t>
-            </a:r>
-            <a:r>
-              <a:rPr lang="en-US" sz="2400" dirty="0" smtClean="0">
-                <a:cs typeface="Times New Roman" pitchFamily="18" charset="0"/>
-              </a:rPr>
-              <a:t>using</a:t>
-            </a:r>
-            <a:endParaRPr lang="en-US" sz="2400" dirty="0">
-              <a:cs typeface="Times New Roman" pitchFamily="18" charset="0"/>
-            </a:endParaRPr>
-          </a:p>
-        </p:txBody>
-      </p:sp>
-      <p:sp>
-        <p:nvSpPr>
-          <p:cNvPr id="10243" name="Rectangle 64"/>
-          <p:cNvSpPr>
-            <a:spLocks noChangeArrowheads="1"/>
-          </p:cNvSpPr>
-          <p:nvPr/>
-        </p:nvSpPr>
-        <p:spPr bwMode="auto">
-          <a:xfrm>
-            <a:off x="0" y="0"/>
-            <a:ext cx="9144000" cy="0"/>
-          </a:xfrm>
-          <a:prstGeom prst="rect">
-            <a:avLst/>
-          </a:prstGeom>
-          <a:noFill/>
-          <a:ln>
-            <a:noFill/>
-          </a:ln>
-          <a:extLst>
-            <a:ext uri="{909E8E84-426E-40DD-AFC4-6F175D3DCCD1}">
-              <a14:hiddenFill xmlns:a14="http://schemas.microsoft.com/office/drawing/2010/main">
-                <a:solidFill>
-                  <a:srgbClr val="FFFFFF"/>
-                </a:solidFill>
-              </a14:hiddenFill>
-            </a:ext>
-            <a:ext uri="{91240B29-F687-4F45-9708-019B960494DF}">
-              <a14:hiddenLine xmlns:a14="http://schemas.microsoft.com/office/drawing/2010/main" w="9525">
-                <a:solidFill>
-                  <a:srgbClr val="000000"/>
-                </a:solidFill>
-                <a:miter lim="800000"/>
-                <a:headEnd/>
-                <a:tailEnd/>
-              </a14:hiddenLine>
-            </a:ext>
-          </a:extLst>
-        </p:spPr>
-        <p:txBody>
-          <a:bodyPr wrap="none" anchor="ctr">
-            <a:spAutoFit/>
-          </a:bodyPr>
-          <a:lstStyle/>
-          <a:p>
-            <a:endParaRPr lang="be-BY"/>
-          </a:p>
-        </p:txBody>
-      </p:sp>
-      <p:sp>
-        <p:nvSpPr>
-          <p:cNvPr id="22529" name="Rectangle 1"/>
-          <p:cNvSpPr>
-            <a:spLocks noChangeArrowheads="1"/>
-          </p:cNvSpPr>
-          <p:nvPr/>
-        </p:nvSpPr>
-        <p:spPr bwMode="auto">
-          <a:xfrm>
-            <a:off x="228600" y="2116644"/>
-            <a:ext cx="8763000" cy="3046988"/>
-          </a:xfrm>
-          <a:prstGeom prst="rect">
-            <a:avLst/>
-          </a:prstGeom>
-          <a:solidFill>
-            <a:schemeClr val="bg1"/>
-          </a:solidFill>
-          <a:ln w="9525">
-            <a:solidFill>
-              <a:schemeClr val="bg1">
-                <a:lumMod val="65000"/>
-              </a:schemeClr>
-            </a:solidFill>
-            <a:miter lim="800000"/>
-            <a:headEnd/>
-            <a:tailEnd/>
-          </a:ln>
-          <a:effectLst/>
-        </p:spPr>
-        <p:txBody>
-          <a:bodyPr anchor="ctr">
-            <a:spAutoFit/>
-          </a:bodyPr>
-          <a:lstStyle/>
-          <a:p>
-            <a:r>
-              <a:rPr lang="en-US" sz="1200" dirty="0">
-                <a:solidFill>
-                  <a:srgbClr val="0000FF"/>
-                </a:solidFill>
-                <a:latin typeface="Consolas"/>
-              </a:rPr>
-              <a:t>string</a:t>
-            </a:r>
-            <a:r>
-              <a:rPr lang="en-US" sz="1200" dirty="0">
-                <a:solidFill>
-                  <a:prstClr val="black"/>
-                </a:solidFill>
-                <a:latin typeface="Consolas"/>
-              </a:rPr>
-              <a:t> </a:t>
-            </a:r>
-            <a:r>
-              <a:rPr lang="en-US" sz="1200" dirty="0" err="1">
-                <a:solidFill>
-                  <a:prstClr val="black"/>
-                </a:solidFill>
-                <a:latin typeface="Consolas"/>
-              </a:rPr>
-              <a:t>fileName</a:t>
-            </a:r>
-            <a:r>
-              <a:rPr lang="en-US" sz="1200" dirty="0">
-                <a:solidFill>
-                  <a:prstClr val="black"/>
-                </a:solidFill>
-                <a:latin typeface="Consolas"/>
-              </a:rPr>
-              <a:t> = </a:t>
-            </a:r>
-            <a:r>
-              <a:rPr lang="en-US" sz="1200" dirty="0" err="1">
-                <a:solidFill>
-                  <a:srgbClr val="2B91AF"/>
-                </a:solidFill>
-                <a:latin typeface="Consolas"/>
-              </a:rPr>
-              <a:t>Guid</a:t>
-            </a:r>
-            <a:r>
-              <a:rPr lang="en-US" sz="1200" dirty="0" err="1">
-                <a:solidFill>
-                  <a:prstClr val="black"/>
-                </a:solidFill>
-                <a:latin typeface="Consolas"/>
-              </a:rPr>
-              <a:t>.NewGuid</a:t>
-            </a:r>
-            <a:r>
-              <a:rPr lang="en-US" sz="1200" dirty="0">
-                <a:solidFill>
-                  <a:prstClr val="black"/>
-                </a:solidFill>
-                <a:latin typeface="Consolas"/>
-              </a:rPr>
-              <a:t>().</a:t>
-            </a:r>
-            <a:r>
-              <a:rPr lang="en-US" sz="1200" dirty="0" err="1">
-                <a:solidFill>
-                  <a:prstClr val="black"/>
-                </a:solidFill>
-                <a:latin typeface="Consolas"/>
-              </a:rPr>
-              <a:t>ToString</a:t>
-            </a:r>
-            <a:r>
-              <a:rPr lang="en-US" sz="1200" dirty="0">
-                <a:solidFill>
-                  <a:prstClr val="black"/>
-                </a:solidFill>
-                <a:latin typeface="Consolas"/>
-              </a:rPr>
-              <a:t>() + </a:t>
-            </a:r>
-            <a:r>
-              <a:rPr lang="en-US" sz="1200" dirty="0">
-                <a:solidFill>
-                  <a:srgbClr val="A31515"/>
-                </a:solidFill>
-                <a:latin typeface="Consolas"/>
-              </a:rPr>
-              <a:t>".txt"</a:t>
-            </a:r>
-            <a:r>
-              <a:rPr lang="en-US" sz="1200" dirty="0">
-                <a:solidFill>
-                  <a:prstClr val="black"/>
-                </a:solidFill>
-                <a:latin typeface="Consolas"/>
-              </a:rPr>
-              <a:t>;</a:t>
-            </a:r>
-          </a:p>
-          <a:p>
-            <a:r>
-              <a:rPr lang="en-US" sz="1200" dirty="0">
-                <a:solidFill>
-                  <a:srgbClr val="0000FF"/>
-                </a:solidFill>
-                <a:latin typeface="Consolas"/>
-              </a:rPr>
-              <a:t>string</a:t>
-            </a:r>
-            <a:r>
-              <a:rPr lang="en-US" sz="1200" dirty="0">
-                <a:solidFill>
-                  <a:prstClr val="black"/>
-                </a:solidFill>
-                <a:latin typeface="Consolas"/>
-              </a:rPr>
-              <a:t> </a:t>
-            </a:r>
-            <a:r>
-              <a:rPr lang="en-US" sz="1200" dirty="0" err="1">
-                <a:solidFill>
-                  <a:prstClr val="black"/>
-                </a:solidFill>
-                <a:latin typeface="Consolas"/>
-              </a:rPr>
-              <a:t>filePath</a:t>
-            </a:r>
-            <a:r>
-              <a:rPr lang="en-US" sz="1200" dirty="0">
-                <a:solidFill>
-                  <a:prstClr val="black"/>
-                </a:solidFill>
-                <a:latin typeface="Consolas"/>
-              </a:rPr>
-              <a:t> = </a:t>
-            </a:r>
-            <a:r>
-              <a:rPr lang="en-US" sz="1200" dirty="0" err="1">
-                <a:solidFill>
-                  <a:srgbClr val="2B91AF"/>
-                </a:solidFill>
-                <a:latin typeface="Consolas"/>
-              </a:rPr>
-              <a:t>Path</a:t>
-            </a:r>
-            <a:r>
-              <a:rPr lang="en-US" sz="1200" dirty="0" err="1">
-                <a:solidFill>
-                  <a:prstClr val="black"/>
-                </a:solidFill>
-                <a:latin typeface="Consolas"/>
-              </a:rPr>
-              <a:t>.Combine</a:t>
-            </a:r>
-            <a:r>
-              <a:rPr lang="en-US" sz="1200" dirty="0">
-                <a:solidFill>
-                  <a:prstClr val="black"/>
-                </a:solidFill>
-                <a:latin typeface="Consolas"/>
-              </a:rPr>
-              <a:t>(</a:t>
-            </a:r>
-            <a:r>
-              <a:rPr lang="en-US" sz="1200" dirty="0" err="1">
-                <a:solidFill>
-                  <a:srgbClr val="2B91AF"/>
-                </a:solidFill>
-                <a:latin typeface="Consolas"/>
-              </a:rPr>
-              <a:t>Path</a:t>
-            </a:r>
-            <a:r>
-              <a:rPr lang="en-US" sz="1200" dirty="0" err="1">
-                <a:solidFill>
-                  <a:prstClr val="black"/>
-                </a:solidFill>
-                <a:latin typeface="Consolas"/>
-              </a:rPr>
-              <a:t>.GetTempPath</a:t>
-            </a:r>
-            <a:r>
-              <a:rPr lang="en-US" sz="1200" dirty="0">
-                <a:solidFill>
-                  <a:prstClr val="black"/>
-                </a:solidFill>
-                <a:latin typeface="Consolas"/>
-              </a:rPr>
-              <a:t>(), </a:t>
-            </a:r>
-            <a:r>
-              <a:rPr lang="en-US" sz="1200" dirty="0" err="1">
-                <a:solidFill>
-                  <a:prstClr val="black"/>
-                </a:solidFill>
-                <a:latin typeface="Consolas"/>
-              </a:rPr>
-              <a:t>fileName</a:t>
-            </a:r>
-            <a:r>
-              <a:rPr lang="en-US" sz="1200" dirty="0">
-                <a:solidFill>
-                  <a:prstClr val="black"/>
-                </a:solidFill>
-                <a:latin typeface="Consolas"/>
-              </a:rPr>
-              <a:t>);</a:t>
-            </a:r>
-          </a:p>
-          <a:p>
-            <a:endParaRPr lang="en-US" sz="1200" dirty="0">
-              <a:solidFill>
-                <a:prstClr val="black"/>
-              </a:solidFill>
-              <a:latin typeface="Consolas"/>
-            </a:endParaRPr>
-          </a:p>
-          <a:p>
-            <a:r>
-              <a:rPr lang="en-US" sz="1200" dirty="0" err="1">
-                <a:solidFill>
-                  <a:srgbClr val="2B91AF"/>
-                </a:solidFill>
-                <a:latin typeface="Consolas"/>
-              </a:rPr>
-              <a:t>StreamWriter</a:t>
-            </a:r>
-            <a:r>
-              <a:rPr lang="en-US" sz="1200" dirty="0">
-                <a:solidFill>
-                  <a:prstClr val="black"/>
-                </a:solidFill>
-                <a:latin typeface="Consolas"/>
-              </a:rPr>
-              <a:t> writer = </a:t>
-            </a:r>
-            <a:r>
-              <a:rPr lang="en-US" sz="1200" dirty="0">
-                <a:solidFill>
-                  <a:srgbClr val="0000FF"/>
-                </a:solidFill>
-                <a:latin typeface="Consolas"/>
-              </a:rPr>
-              <a:t>new</a:t>
-            </a:r>
-            <a:r>
-              <a:rPr lang="en-US" sz="1200" dirty="0">
-                <a:solidFill>
-                  <a:prstClr val="black"/>
-                </a:solidFill>
-                <a:latin typeface="Consolas"/>
-              </a:rPr>
-              <a:t> </a:t>
-            </a:r>
-            <a:r>
-              <a:rPr lang="en-US" sz="1200" dirty="0" err="1">
-                <a:solidFill>
-                  <a:srgbClr val="2B91AF"/>
-                </a:solidFill>
-                <a:latin typeface="Consolas"/>
-              </a:rPr>
-              <a:t>StreamWriter</a:t>
-            </a:r>
-            <a:r>
-              <a:rPr lang="en-US" sz="1200" dirty="0">
-                <a:solidFill>
-                  <a:prstClr val="black"/>
-                </a:solidFill>
-                <a:latin typeface="Consolas"/>
-              </a:rPr>
-              <a:t>(</a:t>
-            </a:r>
-            <a:r>
-              <a:rPr lang="en-US" sz="1200" dirty="0" err="1">
-                <a:solidFill>
-                  <a:prstClr val="black"/>
-                </a:solidFill>
-                <a:latin typeface="Consolas"/>
-              </a:rPr>
-              <a:t>filePath</a:t>
-            </a:r>
-            <a:r>
-              <a:rPr lang="en-US" sz="1200" dirty="0">
-                <a:solidFill>
-                  <a:prstClr val="black"/>
-                </a:solidFill>
-                <a:latin typeface="Consolas"/>
-              </a:rPr>
-              <a:t>);</a:t>
-            </a:r>
-          </a:p>
-          <a:p>
-            <a:r>
-              <a:rPr lang="en-US" sz="1200" dirty="0" err="1">
-                <a:solidFill>
-                  <a:prstClr val="black"/>
-                </a:solidFill>
-                <a:latin typeface="Consolas"/>
-              </a:rPr>
-              <a:t>writer.WriteLine</a:t>
-            </a:r>
-            <a:r>
-              <a:rPr lang="en-US" sz="1200" dirty="0">
-                <a:solidFill>
-                  <a:prstClr val="black"/>
-                </a:solidFill>
-                <a:latin typeface="Consolas"/>
-              </a:rPr>
-              <a:t>(</a:t>
-            </a:r>
-            <a:r>
-              <a:rPr lang="en-US" sz="1200" dirty="0">
-                <a:solidFill>
-                  <a:srgbClr val="A31515"/>
-                </a:solidFill>
-                <a:latin typeface="Consolas"/>
-              </a:rPr>
-              <a:t>"Line 1"</a:t>
-            </a:r>
-            <a:r>
-              <a:rPr lang="en-US" sz="1200" dirty="0">
-                <a:solidFill>
-                  <a:prstClr val="black"/>
-                </a:solidFill>
-                <a:latin typeface="Consolas"/>
-              </a:rPr>
-              <a:t>);</a:t>
-            </a:r>
-          </a:p>
-          <a:p>
-            <a:r>
-              <a:rPr lang="en-US" sz="1200" dirty="0" err="1">
-                <a:solidFill>
-                  <a:prstClr val="black"/>
-                </a:solidFill>
-                <a:latin typeface="Consolas"/>
-              </a:rPr>
-              <a:t>writer.WriteLine</a:t>
-            </a:r>
-            <a:r>
-              <a:rPr lang="en-US" sz="1200" dirty="0">
-                <a:solidFill>
-                  <a:prstClr val="black"/>
-                </a:solidFill>
-                <a:latin typeface="Consolas"/>
-              </a:rPr>
-              <a:t>(</a:t>
-            </a:r>
-            <a:r>
-              <a:rPr lang="en-US" sz="1200" dirty="0">
-                <a:solidFill>
-                  <a:srgbClr val="A31515"/>
-                </a:solidFill>
-                <a:latin typeface="Consolas"/>
-              </a:rPr>
-              <a:t>"</a:t>
-            </a:r>
-            <a:r>
-              <a:rPr lang="ru-RU" sz="1200" dirty="0">
-                <a:solidFill>
-                  <a:srgbClr val="A31515"/>
-                </a:solidFill>
-                <a:latin typeface="Consolas"/>
-              </a:rPr>
-              <a:t>Строка 2"</a:t>
-            </a:r>
-            <a:r>
-              <a:rPr lang="ru-RU" sz="1200" dirty="0">
-                <a:solidFill>
-                  <a:prstClr val="black"/>
-                </a:solidFill>
-                <a:latin typeface="Consolas"/>
-              </a:rPr>
-              <a:t>);</a:t>
-            </a:r>
-          </a:p>
-          <a:p>
-            <a:r>
-              <a:rPr lang="en-US" sz="1200" dirty="0" err="1">
-                <a:solidFill>
-                  <a:prstClr val="black"/>
-                </a:solidFill>
-                <a:latin typeface="Consolas"/>
-              </a:rPr>
-              <a:t>writer.Close</a:t>
-            </a:r>
-            <a:r>
-              <a:rPr lang="en-US" sz="1200" dirty="0">
-                <a:solidFill>
-                  <a:prstClr val="black"/>
-                </a:solidFill>
-                <a:latin typeface="Consolas"/>
-              </a:rPr>
-              <a:t>();</a:t>
-            </a:r>
-          </a:p>
-          <a:p>
-            <a:endParaRPr lang="en-US" sz="1200" dirty="0">
-              <a:solidFill>
-                <a:prstClr val="black"/>
-              </a:solidFill>
-              <a:latin typeface="Consolas"/>
-            </a:endParaRPr>
-          </a:p>
-          <a:p>
-            <a:r>
-              <a:rPr lang="en-US" sz="1200" dirty="0" err="1">
-                <a:solidFill>
-                  <a:srgbClr val="2B91AF"/>
-                </a:solidFill>
-                <a:latin typeface="Consolas"/>
-              </a:rPr>
-              <a:t>StreamReader</a:t>
-            </a:r>
-            <a:r>
-              <a:rPr lang="en-US" sz="1200" dirty="0">
-                <a:solidFill>
-                  <a:prstClr val="black"/>
-                </a:solidFill>
-                <a:latin typeface="Consolas"/>
-              </a:rPr>
-              <a:t> reader = </a:t>
-            </a:r>
-            <a:r>
-              <a:rPr lang="en-US" sz="1200" dirty="0">
-                <a:solidFill>
-                  <a:srgbClr val="0000FF"/>
-                </a:solidFill>
-                <a:latin typeface="Consolas"/>
-              </a:rPr>
-              <a:t>new</a:t>
-            </a:r>
-            <a:r>
-              <a:rPr lang="en-US" sz="1200" dirty="0">
-                <a:solidFill>
-                  <a:prstClr val="black"/>
-                </a:solidFill>
-                <a:latin typeface="Consolas"/>
-              </a:rPr>
-              <a:t> </a:t>
-            </a:r>
-            <a:r>
-              <a:rPr lang="en-US" sz="1200" dirty="0" err="1">
-                <a:solidFill>
-                  <a:srgbClr val="2B91AF"/>
-                </a:solidFill>
-                <a:latin typeface="Consolas"/>
-              </a:rPr>
-              <a:t>StreamReader</a:t>
-            </a:r>
-            <a:r>
-              <a:rPr lang="en-US" sz="1200" dirty="0">
-                <a:solidFill>
-                  <a:prstClr val="black"/>
-                </a:solidFill>
-                <a:latin typeface="Consolas"/>
-              </a:rPr>
-              <a:t>(</a:t>
-            </a:r>
-            <a:r>
-              <a:rPr lang="en-US" sz="1200" dirty="0" err="1">
-                <a:solidFill>
-                  <a:prstClr val="black"/>
-                </a:solidFill>
-                <a:latin typeface="Consolas"/>
-              </a:rPr>
-              <a:t>filePath</a:t>
-            </a:r>
-            <a:r>
-              <a:rPr lang="en-US" sz="1200" dirty="0">
-                <a:solidFill>
-                  <a:prstClr val="black"/>
-                </a:solidFill>
-                <a:latin typeface="Consolas"/>
-              </a:rPr>
-              <a:t>);</a:t>
-            </a:r>
-          </a:p>
-          <a:p>
-            <a:r>
-              <a:rPr lang="en-US" sz="1200" dirty="0">
-                <a:solidFill>
-                  <a:srgbClr val="0000FF"/>
-                </a:solidFill>
-                <a:latin typeface="Consolas"/>
-              </a:rPr>
-              <a:t>while</a:t>
-            </a:r>
-            <a:r>
-              <a:rPr lang="en-US" sz="1200" dirty="0">
-                <a:solidFill>
-                  <a:prstClr val="black"/>
-                </a:solidFill>
-                <a:latin typeface="Consolas"/>
-              </a:rPr>
-              <a:t> (!</a:t>
-            </a:r>
-            <a:r>
-              <a:rPr lang="en-US" sz="1200" dirty="0" err="1">
-                <a:solidFill>
-                  <a:prstClr val="black"/>
-                </a:solidFill>
-                <a:latin typeface="Consolas"/>
-              </a:rPr>
-              <a:t>reader.EndOfStream</a:t>
-            </a:r>
-            <a:r>
-              <a:rPr lang="en-US" sz="1200" dirty="0">
-                <a:solidFill>
-                  <a:prstClr val="black"/>
-                </a:solidFill>
-                <a:latin typeface="Consolas"/>
-              </a:rPr>
-              <a:t>)</a:t>
-            </a:r>
-          </a:p>
-          <a:p>
-            <a:r>
-              <a:rPr lang="en-US" sz="1200" dirty="0">
-                <a:solidFill>
-                  <a:prstClr val="black"/>
-                </a:solidFill>
-                <a:latin typeface="Consolas"/>
-              </a:rPr>
-              <a:t>{</a:t>
-            </a:r>
-          </a:p>
-          <a:p>
-            <a:r>
-              <a:rPr lang="en-US" sz="1200" dirty="0">
-                <a:solidFill>
-                  <a:prstClr val="black"/>
-                </a:solidFill>
-                <a:latin typeface="Consolas"/>
-              </a:rPr>
-              <a:t>    </a:t>
-            </a:r>
-            <a:r>
-              <a:rPr lang="en-US" sz="1200" dirty="0" err="1">
-                <a:solidFill>
-                  <a:srgbClr val="2B91AF"/>
-                </a:solidFill>
-                <a:latin typeface="Consolas"/>
-              </a:rPr>
-              <a:t>Console</a:t>
-            </a:r>
-            <a:r>
-              <a:rPr lang="en-US" sz="1200" dirty="0" err="1">
-                <a:solidFill>
-                  <a:prstClr val="black"/>
-                </a:solidFill>
-                <a:latin typeface="Consolas"/>
-              </a:rPr>
-              <a:t>.WriteLine</a:t>
-            </a:r>
-            <a:r>
-              <a:rPr lang="en-US" sz="1200" dirty="0">
-                <a:solidFill>
-                  <a:prstClr val="black"/>
-                </a:solidFill>
-                <a:latin typeface="Consolas"/>
-              </a:rPr>
-              <a:t>(</a:t>
-            </a:r>
-            <a:r>
-              <a:rPr lang="en-US" sz="1200" dirty="0" err="1">
-                <a:solidFill>
-                  <a:prstClr val="black"/>
-                </a:solidFill>
-                <a:latin typeface="Consolas"/>
-              </a:rPr>
-              <a:t>reader.ReadLine</a:t>
-            </a:r>
-            <a:r>
-              <a:rPr lang="en-US" sz="1200" dirty="0">
-                <a:solidFill>
-                  <a:prstClr val="black"/>
-                </a:solidFill>
-                <a:latin typeface="Consolas"/>
-              </a:rPr>
-              <a:t>());</a:t>
-            </a:r>
-          </a:p>
-          <a:p>
-            <a:r>
-              <a:rPr lang="en-US" sz="1200" dirty="0">
-                <a:solidFill>
-                  <a:prstClr val="black"/>
-                </a:solidFill>
-                <a:latin typeface="Consolas"/>
-              </a:rPr>
-              <a:t>}</a:t>
-            </a:r>
-          </a:p>
-          <a:p>
-            <a:r>
-              <a:rPr lang="en-US" sz="1200" dirty="0" err="1">
-                <a:solidFill>
-                  <a:prstClr val="black"/>
-                </a:solidFill>
-                <a:latin typeface="Consolas"/>
-              </a:rPr>
-              <a:t>reader.Close</a:t>
-            </a:r>
-            <a:r>
-              <a:rPr lang="en-US" sz="1200" dirty="0">
-                <a:solidFill>
-                  <a:prstClr val="black"/>
-                </a:solidFill>
-                <a:latin typeface="Consolas"/>
-              </a:rPr>
-              <a:t>();</a:t>
-            </a:r>
-          </a:p>
-          <a:p>
-            <a:endParaRPr lang="en-US" sz="1200" dirty="0">
-              <a:solidFill>
-                <a:prstClr val="black"/>
-              </a:solidFill>
-              <a:latin typeface="Consolas"/>
-            </a:endParaRPr>
-          </a:p>
-          <a:p>
-            <a:r>
-              <a:rPr lang="en-US" sz="1200" dirty="0" err="1">
-                <a:solidFill>
-                  <a:srgbClr val="2B91AF"/>
-                </a:solidFill>
-                <a:latin typeface="Consolas"/>
-              </a:rPr>
-              <a:t>File</a:t>
-            </a:r>
-            <a:r>
-              <a:rPr lang="en-US" sz="1200" dirty="0" err="1">
-                <a:solidFill>
-                  <a:prstClr val="black"/>
-                </a:solidFill>
-                <a:latin typeface="Consolas"/>
-              </a:rPr>
-              <a:t>.Delete</a:t>
-            </a:r>
-            <a:r>
-              <a:rPr lang="en-US" sz="1200" dirty="0">
-                <a:solidFill>
-                  <a:prstClr val="black"/>
-                </a:solidFill>
-                <a:latin typeface="Consolas"/>
-              </a:rPr>
-              <a:t>(</a:t>
-            </a:r>
-            <a:r>
-              <a:rPr lang="en-US" sz="1200" dirty="0" err="1">
-                <a:solidFill>
-                  <a:prstClr val="black"/>
-                </a:solidFill>
-                <a:latin typeface="Consolas"/>
-              </a:rPr>
-              <a:t>filePath</a:t>
-            </a:r>
-            <a:r>
-              <a:rPr lang="en-US" sz="1200" dirty="0" smtClean="0">
-                <a:solidFill>
-                  <a:prstClr val="black"/>
-                </a:solidFill>
-                <a:latin typeface="Consolas"/>
-              </a:rPr>
-              <a:t>);</a:t>
-            </a:r>
-            <a:endParaRPr lang="be-BY" sz="1200" dirty="0">
-              <a:solidFill>
-                <a:schemeClr val="bg1"/>
-              </a:solidFill>
-              <a:latin typeface="Consolas" panose="020B0609020204030204" pitchFamily="49" charset="0"/>
-              <a:ea typeface="Calibri" pitchFamily="34" charset="0"/>
-              <a:cs typeface="Consolas" panose="020B0609020204030204" pitchFamily="49" charset="0"/>
-            </a:endParaRPr>
-          </a:p>
-        </p:txBody>
-      </p:sp>
-    </p:spTree>
-    <p:extLst>
-      <p:ext uri="{BB962C8B-B14F-4D97-AF65-F5344CB8AC3E}">
-        <p14:creationId xmlns:p14="http://schemas.microsoft.com/office/powerpoint/2010/main" val="859555954"/>
       </p:ext>
     </p:extLst>
   </p:cSld>
@@ -13587,6 +16482,893 @@
   </p:cSld>
   <p:clrMapOvr>
     <a:overrideClrMapping bg1="lt1" tx1="dk1" bg2="lt2" tx2="dk2" accent1="accent1" accent2="accent2" accent3="accent3" accent4="accent4" accent5="accent5" accent6="accent6" hlink="hlink" folHlink="folHlink"/>
+  </p:clrMapOvr>
+  <p:timing>
+    <p:tnLst>
+      <p:par>
+        <p:cTn id="1" dur="indefinite" restart="never" nodeType="tmRoot"/>
+      </p:par>
+    </p:tnLst>
+  </p:timing>
+</p:sld>
+</file>
+
+<file path=ppt/slides/slide20.xml><?xml version="1.0" encoding="utf-8"?>
+<p:sld xmlns:a="http://schemas.openxmlformats.org/drawingml/2006/main" xmlns:r="http://schemas.openxmlformats.org/officeDocument/2006/relationships" xmlns:p="http://schemas.openxmlformats.org/presentationml/2006/main">
+  <p:cSld>
+    <p:bg>
+      <p:bgPr>
+        <a:blipFill dpi="0" rotWithShape="1">
+          <a:blip r:embed="rId2">
+            <a:lum/>
+          </a:blip>
+          <a:srcRect/>
+          <a:stretch>
+            <a:fillRect/>
+          </a:stretch>
+        </a:blipFill>
+        <a:effectLst/>
+      </p:bgPr>
+    </p:bg>
+    <p:spTree>
+      <p:nvGrpSpPr>
+        <p:cNvPr id="1" name=""/>
+        <p:cNvGrpSpPr/>
+        <p:nvPr/>
+      </p:nvGrpSpPr>
+      <p:grpSpPr>
+        <a:xfrm>
+          <a:off x="0" y="0"/>
+          <a:ext cx="0" cy="0"/>
+          <a:chOff x="0" y="0"/>
+          <a:chExt cx="0" cy="0"/>
+        </a:xfrm>
+      </p:grpSpPr>
+      <p:sp>
+        <p:nvSpPr>
+          <p:cNvPr id="10242" name="Rectangle 1"/>
+          <p:cNvSpPr>
+            <a:spLocks noChangeArrowheads="1"/>
+          </p:cNvSpPr>
+          <p:nvPr/>
+        </p:nvSpPr>
+        <p:spPr bwMode="auto">
+          <a:xfrm>
+            <a:off x="457200" y="-4763"/>
+            <a:ext cx="8305800" cy="461963"/>
+          </a:xfrm>
+          <a:prstGeom prst="rect">
+            <a:avLst/>
+          </a:prstGeom>
+          <a:noFill/>
+          <a:ln>
+            <a:noFill/>
+          </a:ln>
+          <a:extLst>
+            <a:ext uri="{909E8E84-426E-40DD-AFC4-6F175D3DCCD1}">
+              <a14:hiddenFill xmlns:a14="http://schemas.microsoft.com/office/drawing/2010/main">
+                <a:solidFill>
+                  <a:srgbClr val="FFFFFF"/>
+                </a:solidFill>
+              </a14:hiddenFill>
+            </a:ext>
+            <a:ext uri="{91240B29-F687-4F45-9708-019B960494DF}">
+              <a14:hiddenLine xmlns:a14="http://schemas.microsoft.com/office/drawing/2010/main" w="9525">
+                <a:solidFill>
+                  <a:srgbClr val="000000"/>
+                </a:solidFill>
+                <a:miter lim="800000"/>
+                <a:headEnd/>
+                <a:tailEnd/>
+              </a14:hiddenLine>
+            </a:ext>
+          </a:extLst>
+        </p:spPr>
+        <p:txBody>
+          <a:bodyPr anchor="ctr">
+            <a:spAutoFit/>
+          </a:bodyPr>
+          <a:lstStyle/>
+          <a:p>
+            <a:pPr algn="ctr">
+              <a:tabLst>
+                <a:tab pos="457200" algn="l"/>
+              </a:tabLst>
+            </a:pPr>
+            <a:r>
+              <a:rPr lang="ru-RU" sz="2400" dirty="0" smtClean="0">
+                <a:cs typeface="Times New Roman" pitchFamily="18" charset="0"/>
+              </a:rPr>
+              <a:t>Управление ресурсами и блок </a:t>
+            </a:r>
+            <a:r>
+              <a:rPr lang="en-US" sz="2400" dirty="0" smtClean="0">
+                <a:cs typeface="Times New Roman" pitchFamily="18" charset="0"/>
+              </a:rPr>
+              <a:t>using</a:t>
+            </a:r>
+            <a:endParaRPr lang="en-US" sz="2400" dirty="0">
+              <a:cs typeface="Times New Roman" pitchFamily="18" charset="0"/>
+            </a:endParaRPr>
+          </a:p>
+        </p:txBody>
+      </p:sp>
+      <p:sp>
+        <p:nvSpPr>
+          <p:cNvPr id="10243" name="Rectangle 64"/>
+          <p:cNvSpPr>
+            <a:spLocks noChangeArrowheads="1"/>
+          </p:cNvSpPr>
+          <p:nvPr/>
+        </p:nvSpPr>
+        <p:spPr bwMode="auto">
+          <a:xfrm>
+            <a:off x="0" y="0"/>
+            <a:ext cx="9144000" cy="0"/>
+          </a:xfrm>
+          <a:prstGeom prst="rect">
+            <a:avLst/>
+          </a:prstGeom>
+          <a:noFill/>
+          <a:ln>
+            <a:noFill/>
+          </a:ln>
+          <a:extLst>
+            <a:ext uri="{909E8E84-426E-40DD-AFC4-6F175D3DCCD1}">
+              <a14:hiddenFill xmlns:a14="http://schemas.microsoft.com/office/drawing/2010/main">
+                <a:solidFill>
+                  <a:srgbClr val="FFFFFF"/>
+                </a:solidFill>
+              </a14:hiddenFill>
+            </a:ext>
+            <a:ext uri="{91240B29-F687-4F45-9708-019B960494DF}">
+              <a14:hiddenLine xmlns:a14="http://schemas.microsoft.com/office/drawing/2010/main" w="9525">
+                <a:solidFill>
+                  <a:srgbClr val="000000"/>
+                </a:solidFill>
+                <a:miter lim="800000"/>
+                <a:headEnd/>
+                <a:tailEnd/>
+              </a14:hiddenLine>
+            </a:ext>
+          </a:extLst>
+        </p:spPr>
+        <p:txBody>
+          <a:bodyPr wrap="none" anchor="ctr">
+            <a:spAutoFit/>
+          </a:bodyPr>
+          <a:lstStyle/>
+          <a:p>
+            <a:endParaRPr lang="be-BY"/>
+          </a:p>
+        </p:txBody>
+      </p:sp>
+      <p:sp>
+        <p:nvSpPr>
+          <p:cNvPr id="22529" name="Rectangle 1"/>
+          <p:cNvSpPr>
+            <a:spLocks noChangeArrowheads="1"/>
+          </p:cNvSpPr>
+          <p:nvPr/>
+        </p:nvSpPr>
+        <p:spPr bwMode="auto">
+          <a:xfrm>
+            <a:off x="228600" y="2116644"/>
+            <a:ext cx="8763000" cy="3046988"/>
+          </a:xfrm>
+          <a:prstGeom prst="rect">
+            <a:avLst/>
+          </a:prstGeom>
+          <a:solidFill>
+            <a:schemeClr val="bg1"/>
+          </a:solidFill>
+          <a:ln w="9525">
+            <a:solidFill>
+              <a:schemeClr val="bg1">
+                <a:lumMod val="65000"/>
+              </a:schemeClr>
+            </a:solidFill>
+            <a:miter lim="800000"/>
+            <a:headEnd/>
+            <a:tailEnd/>
+          </a:ln>
+          <a:effectLst/>
+        </p:spPr>
+        <p:txBody>
+          <a:bodyPr anchor="ctr">
+            <a:spAutoFit/>
+          </a:bodyPr>
+          <a:lstStyle/>
+          <a:p>
+            <a:r>
+              <a:rPr lang="en-US" sz="1200" dirty="0">
+                <a:solidFill>
+                  <a:srgbClr val="0000FF"/>
+                </a:solidFill>
+                <a:latin typeface="Consolas"/>
+              </a:rPr>
+              <a:t>string</a:t>
+            </a:r>
+            <a:r>
+              <a:rPr lang="en-US" sz="1200" dirty="0">
+                <a:solidFill>
+                  <a:prstClr val="black"/>
+                </a:solidFill>
+                <a:latin typeface="Consolas"/>
+              </a:rPr>
+              <a:t> </a:t>
+            </a:r>
+            <a:r>
+              <a:rPr lang="en-US" sz="1200" dirty="0" err="1">
+                <a:solidFill>
+                  <a:prstClr val="black"/>
+                </a:solidFill>
+                <a:latin typeface="Consolas"/>
+              </a:rPr>
+              <a:t>fileName</a:t>
+            </a:r>
+            <a:r>
+              <a:rPr lang="en-US" sz="1200" dirty="0">
+                <a:solidFill>
+                  <a:prstClr val="black"/>
+                </a:solidFill>
+                <a:latin typeface="Consolas"/>
+              </a:rPr>
+              <a:t> = </a:t>
+            </a:r>
+            <a:r>
+              <a:rPr lang="en-US" sz="1200" dirty="0" err="1">
+                <a:solidFill>
+                  <a:srgbClr val="2B91AF"/>
+                </a:solidFill>
+                <a:latin typeface="Consolas"/>
+              </a:rPr>
+              <a:t>Guid</a:t>
+            </a:r>
+            <a:r>
+              <a:rPr lang="en-US" sz="1200" dirty="0" err="1">
+                <a:solidFill>
+                  <a:prstClr val="black"/>
+                </a:solidFill>
+                <a:latin typeface="Consolas"/>
+              </a:rPr>
+              <a:t>.NewGuid</a:t>
+            </a:r>
+            <a:r>
+              <a:rPr lang="en-US" sz="1200" dirty="0">
+                <a:solidFill>
+                  <a:prstClr val="black"/>
+                </a:solidFill>
+                <a:latin typeface="Consolas"/>
+              </a:rPr>
+              <a:t>().</a:t>
+            </a:r>
+            <a:r>
+              <a:rPr lang="en-US" sz="1200" dirty="0" err="1">
+                <a:solidFill>
+                  <a:prstClr val="black"/>
+                </a:solidFill>
+                <a:latin typeface="Consolas"/>
+              </a:rPr>
+              <a:t>ToString</a:t>
+            </a:r>
+            <a:r>
+              <a:rPr lang="en-US" sz="1200" dirty="0">
+                <a:solidFill>
+                  <a:prstClr val="black"/>
+                </a:solidFill>
+                <a:latin typeface="Consolas"/>
+              </a:rPr>
+              <a:t>() + </a:t>
+            </a:r>
+            <a:r>
+              <a:rPr lang="en-US" sz="1200" dirty="0">
+                <a:solidFill>
+                  <a:srgbClr val="A31515"/>
+                </a:solidFill>
+                <a:latin typeface="Consolas"/>
+              </a:rPr>
+              <a:t>".txt"</a:t>
+            </a:r>
+            <a:r>
+              <a:rPr lang="en-US" sz="1200" dirty="0">
+                <a:solidFill>
+                  <a:prstClr val="black"/>
+                </a:solidFill>
+                <a:latin typeface="Consolas"/>
+              </a:rPr>
+              <a:t>;</a:t>
+            </a:r>
+          </a:p>
+          <a:p>
+            <a:r>
+              <a:rPr lang="en-US" sz="1200" dirty="0">
+                <a:solidFill>
+                  <a:srgbClr val="0000FF"/>
+                </a:solidFill>
+                <a:latin typeface="Consolas"/>
+              </a:rPr>
+              <a:t>string</a:t>
+            </a:r>
+            <a:r>
+              <a:rPr lang="en-US" sz="1200" dirty="0">
+                <a:solidFill>
+                  <a:prstClr val="black"/>
+                </a:solidFill>
+                <a:latin typeface="Consolas"/>
+              </a:rPr>
+              <a:t> </a:t>
+            </a:r>
+            <a:r>
+              <a:rPr lang="en-US" sz="1200" dirty="0" err="1">
+                <a:solidFill>
+                  <a:prstClr val="black"/>
+                </a:solidFill>
+                <a:latin typeface="Consolas"/>
+              </a:rPr>
+              <a:t>filePath</a:t>
+            </a:r>
+            <a:r>
+              <a:rPr lang="en-US" sz="1200" dirty="0">
+                <a:solidFill>
+                  <a:prstClr val="black"/>
+                </a:solidFill>
+                <a:latin typeface="Consolas"/>
+              </a:rPr>
+              <a:t> = </a:t>
+            </a:r>
+            <a:r>
+              <a:rPr lang="en-US" sz="1200" dirty="0" err="1">
+                <a:solidFill>
+                  <a:srgbClr val="2B91AF"/>
+                </a:solidFill>
+                <a:latin typeface="Consolas"/>
+              </a:rPr>
+              <a:t>Path</a:t>
+            </a:r>
+            <a:r>
+              <a:rPr lang="en-US" sz="1200" dirty="0" err="1">
+                <a:solidFill>
+                  <a:prstClr val="black"/>
+                </a:solidFill>
+                <a:latin typeface="Consolas"/>
+              </a:rPr>
+              <a:t>.Combine</a:t>
+            </a:r>
+            <a:r>
+              <a:rPr lang="en-US" sz="1200" dirty="0">
+                <a:solidFill>
+                  <a:prstClr val="black"/>
+                </a:solidFill>
+                <a:latin typeface="Consolas"/>
+              </a:rPr>
+              <a:t>(</a:t>
+            </a:r>
+            <a:r>
+              <a:rPr lang="en-US" sz="1200" dirty="0" err="1">
+                <a:solidFill>
+                  <a:srgbClr val="2B91AF"/>
+                </a:solidFill>
+                <a:latin typeface="Consolas"/>
+              </a:rPr>
+              <a:t>Path</a:t>
+            </a:r>
+            <a:r>
+              <a:rPr lang="en-US" sz="1200" dirty="0" err="1">
+                <a:solidFill>
+                  <a:prstClr val="black"/>
+                </a:solidFill>
+                <a:latin typeface="Consolas"/>
+              </a:rPr>
+              <a:t>.GetTempPath</a:t>
+            </a:r>
+            <a:r>
+              <a:rPr lang="en-US" sz="1200" dirty="0">
+                <a:solidFill>
+                  <a:prstClr val="black"/>
+                </a:solidFill>
+                <a:latin typeface="Consolas"/>
+              </a:rPr>
+              <a:t>(), </a:t>
+            </a:r>
+            <a:r>
+              <a:rPr lang="en-US" sz="1200" dirty="0" err="1">
+                <a:solidFill>
+                  <a:prstClr val="black"/>
+                </a:solidFill>
+                <a:latin typeface="Consolas"/>
+              </a:rPr>
+              <a:t>fileName</a:t>
+            </a:r>
+            <a:r>
+              <a:rPr lang="en-US" sz="1200" dirty="0">
+                <a:solidFill>
+                  <a:prstClr val="black"/>
+                </a:solidFill>
+                <a:latin typeface="Consolas"/>
+              </a:rPr>
+              <a:t>);</a:t>
+            </a:r>
+          </a:p>
+          <a:p>
+            <a:endParaRPr lang="en-US" sz="1200" dirty="0">
+              <a:solidFill>
+                <a:prstClr val="black"/>
+              </a:solidFill>
+              <a:latin typeface="Consolas"/>
+            </a:endParaRPr>
+          </a:p>
+          <a:p>
+            <a:r>
+              <a:rPr lang="en-US" sz="1200" dirty="0" err="1">
+                <a:solidFill>
+                  <a:srgbClr val="2B91AF"/>
+                </a:solidFill>
+                <a:latin typeface="Consolas"/>
+              </a:rPr>
+              <a:t>StreamWriter</a:t>
+            </a:r>
+            <a:r>
+              <a:rPr lang="en-US" sz="1200" dirty="0">
+                <a:solidFill>
+                  <a:prstClr val="black"/>
+                </a:solidFill>
+                <a:latin typeface="Consolas"/>
+              </a:rPr>
+              <a:t> writer = </a:t>
+            </a:r>
+            <a:r>
+              <a:rPr lang="en-US" sz="1200" dirty="0">
+                <a:solidFill>
+                  <a:srgbClr val="0000FF"/>
+                </a:solidFill>
+                <a:latin typeface="Consolas"/>
+              </a:rPr>
+              <a:t>new</a:t>
+            </a:r>
+            <a:r>
+              <a:rPr lang="en-US" sz="1200" dirty="0">
+                <a:solidFill>
+                  <a:prstClr val="black"/>
+                </a:solidFill>
+                <a:latin typeface="Consolas"/>
+              </a:rPr>
+              <a:t> </a:t>
+            </a:r>
+            <a:r>
+              <a:rPr lang="en-US" sz="1200" dirty="0" err="1">
+                <a:solidFill>
+                  <a:srgbClr val="2B91AF"/>
+                </a:solidFill>
+                <a:latin typeface="Consolas"/>
+              </a:rPr>
+              <a:t>StreamWriter</a:t>
+            </a:r>
+            <a:r>
+              <a:rPr lang="en-US" sz="1200" dirty="0">
+                <a:solidFill>
+                  <a:prstClr val="black"/>
+                </a:solidFill>
+                <a:latin typeface="Consolas"/>
+              </a:rPr>
+              <a:t>(</a:t>
+            </a:r>
+            <a:r>
+              <a:rPr lang="en-US" sz="1200" dirty="0" err="1">
+                <a:solidFill>
+                  <a:prstClr val="black"/>
+                </a:solidFill>
+                <a:latin typeface="Consolas"/>
+              </a:rPr>
+              <a:t>filePath</a:t>
+            </a:r>
+            <a:r>
+              <a:rPr lang="en-US" sz="1200" dirty="0">
+                <a:solidFill>
+                  <a:prstClr val="black"/>
+                </a:solidFill>
+                <a:latin typeface="Consolas"/>
+              </a:rPr>
+              <a:t>);</a:t>
+            </a:r>
+          </a:p>
+          <a:p>
+            <a:r>
+              <a:rPr lang="en-US" sz="1200" dirty="0" err="1">
+                <a:solidFill>
+                  <a:prstClr val="black"/>
+                </a:solidFill>
+                <a:latin typeface="Consolas"/>
+              </a:rPr>
+              <a:t>writer.WriteLine</a:t>
+            </a:r>
+            <a:r>
+              <a:rPr lang="en-US" sz="1200" dirty="0">
+                <a:solidFill>
+                  <a:prstClr val="black"/>
+                </a:solidFill>
+                <a:latin typeface="Consolas"/>
+              </a:rPr>
+              <a:t>(</a:t>
+            </a:r>
+            <a:r>
+              <a:rPr lang="en-US" sz="1200" dirty="0">
+                <a:solidFill>
+                  <a:srgbClr val="A31515"/>
+                </a:solidFill>
+                <a:latin typeface="Consolas"/>
+              </a:rPr>
+              <a:t>"Line 1"</a:t>
+            </a:r>
+            <a:r>
+              <a:rPr lang="en-US" sz="1200" dirty="0">
+                <a:solidFill>
+                  <a:prstClr val="black"/>
+                </a:solidFill>
+                <a:latin typeface="Consolas"/>
+              </a:rPr>
+              <a:t>);</a:t>
+            </a:r>
+          </a:p>
+          <a:p>
+            <a:r>
+              <a:rPr lang="en-US" sz="1200" dirty="0" err="1">
+                <a:solidFill>
+                  <a:prstClr val="black"/>
+                </a:solidFill>
+                <a:latin typeface="Consolas"/>
+              </a:rPr>
+              <a:t>writer.WriteLine</a:t>
+            </a:r>
+            <a:r>
+              <a:rPr lang="en-US" sz="1200" dirty="0">
+                <a:solidFill>
+                  <a:prstClr val="black"/>
+                </a:solidFill>
+                <a:latin typeface="Consolas"/>
+              </a:rPr>
+              <a:t>(</a:t>
+            </a:r>
+            <a:r>
+              <a:rPr lang="en-US" sz="1200" dirty="0">
+                <a:solidFill>
+                  <a:srgbClr val="A31515"/>
+                </a:solidFill>
+                <a:latin typeface="Consolas"/>
+              </a:rPr>
+              <a:t>"</a:t>
+            </a:r>
+            <a:r>
+              <a:rPr lang="ru-RU" sz="1200" dirty="0">
+                <a:solidFill>
+                  <a:srgbClr val="A31515"/>
+                </a:solidFill>
+                <a:latin typeface="Consolas"/>
+              </a:rPr>
+              <a:t>Строка 2"</a:t>
+            </a:r>
+            <a:r>
+              <a:rPr lang="ru-RU" sz="1200" dirty="0">
+                <a:solidFill>
+                  <a:prstClr val="black"/>
+                </a:solidFill>
+                <a:latin typeface="Consolas"/>
+              </a:rPr>
+              <a:t>);</a:t>
+            </a:r>
+          </a:p>
+          <a:p>
+            <a:r>
+              <a:rPr lang="en-US" sz="1200" dirty="0" err="1">
+                <a:solidFill>
+                  <a:prstClr val="black"/>
+                </a:solidFill>
+                <a:latin typeface="Consolas"/>
+              </a:rPr>
+              <a:t>writer.Close</a:t>
+            </a:r>
+            <a:r>
+              <a:rPr lang="en-US" sz="1200" dirty="0">
+                <a:solidFill>
+                  <a:prstClr val="black"/>
+                </a:solidFill>
+                <a:latin typeface="Consolas"/>
+              </a:rPr>
+              <a:t>();</a:t>
+            </a:r>
+          </a:p>
+          <a:p>
+            <a:endParaRPr lang="en-US" sz="1200" dirty="0">
+              <a:solidFill>
+                <a:prstClr val="black"/>
+              </a:solidFill>
+              <a:latin typeface="Consolas"/>
+            </a:endParaRPr>
+          </a:p>
+          <a:p>
+            <a:r>
+              <a:rPr lang="en-US" sz="1200" dirty="0" err="1">
+                <a:solidFill>
+                  <a:srgbClr val="2B91AF"/>
+                </a:solidFill>
+                <a:latin typeface="Consolas"/>
+              </a:rPr>
+              <a:t>StreamReader</a:t>
+            </a:r>
+            <a:r>
+              <a:rPr lang="en-US" sz="1200" dirty="0">
+                <a:solidFill>
+                  <a:prstClr val="black"/>
+                </a:solidFill>
+                <a:latin typeface="Consolas"/>
+              </a:rPr>
+              <a:t> reader = </a:t>
+            </a:r>
+            <a:r>
+              <a:rPr lang="en-US" sz="1200" dirty="0">
+                <a:solidFill>
+                  <a:srgbClr val="0000FF"/>
+                </a:solidFill>
+                <a:latin typeface="Consolas"/>
+              </a:rPr>
+              <a:t>new</a:t>
+            </a:r>
+            <a:r>
+              <a:rPr lang="en-US" sz="1200" dirty="0">
+                <a:solidFill>
+                  <a:prstClr val="black"/>
+                </a:solidFill>
+                <a:latin typeface="Consolas"/>
+              </a:rPr>
+              <a:t> </a:t>
+            </a:r>
+            <a:r>
+              <a:rPr lang="en-US" sz="1200" dirty="0" err="1">
+                <a:solidFill>
+                  <a:srgbClr val="2B91AF"/>
+                </a:solidFill>
+                <a:latin typeface="Consolas"/>
+              </a:rPr>
+              <a:t>StreamReader</a:t>
+            </a:r>
+            <a:r>
+              <a:rPr lang="en-US" sz="1200" dirty="0">
+                <a:solidFill>
+                  <a:prstClr val="black"/>
+                </a:solidFill>
+                <a:latin typeface="Consolas"/>
+              </a:rPr>
+              <a:t>(</a:t>
+            </a:r>
+            <a:r>
+              <a:rPr lang="en-US" sz="1200" dirty="0" err="1">
+                <a:solidFill>
+                  <a:prstClr val="black"/>
+                </a:solidFill>
+                <a:latin typeface="Consolas"/>
+              </a:rPr>
+              <a:t>filePath</a:t>
+            </a:r>
+            <a:r>
+              <a:rPr lang="en-US" sz="1200" dirty="0">
+                <a:solidFill>
+                  <a:prstClr val="black"/>
+                </a:solidFill>
+                <a:latin typeface="Consolas"/>
+              </a:rPr>
+              <a:t>);</a:t>
+            </a:r>
+          </a:p>
+          <a:p>
+            <a:r>
+              <a:rPr lang="en-US" sz="1200" dirty="0">
+                <a:solidFill>
+                  <a:srgbClr val="0000FF"/>
+                </a:solidFill>
+                <a:latin typeface="Consolas"/>
+              </a:rPr>
+              <a:t>while</a:t>
+            </a:r>
+            <a:r>
+              <a:rPr lang="en-US" sz="1200" dirty="0">
+                <a:solidFill>
+                  <a:prstClr val="black"/>
+                </a:solidFill>
+                <a:latin typeface="Consolas"/>
+              </a:rPr>
+              <a:t> (!</a:t>
+            </a:r>
+            <a:r>
+              <a:rPr lang="en-US" sz="1200" dirty="0" err="1">
+                <a:solidFill>
+                  <a:prstClr val="black"/>
+                </a:solidFill>
+                <a:latin typeface="Consolas"/>
+              </a:rPr>
+              <a:t>reader.EndOfStream</a:t>
+            </a:r>
+            <a:r>
+              <a:rPr lang="en-US" sz="1200" dirty="0">
+                <a:solidFill>
+                  <a:prstClr val="black"/>
+                </a:solidFill>
+                <a:latin typeface="Consolas"/>
+              </a:rPr>
+              <a:t>)</a:t>
+            </a:r>
+          </a:p>
+          <a:p>
+            <a:r>
+              <a:rPr lang="en-US" sz="1200" dirty="0">
+                <a:solidFill>
+                  <a:prstClr val="black"/>
+                </a:solidFill>
+                <a:latin typeface="Consolas"/>
+              </a:rPr>
+              <a:t>{</a:t>
+            </a:r>
+          </a:p>
+          <a:p>
+            <a:r>
+              <a:rPr lang="en-US" sz="1200" dirty="0">
+                <a:solidFill>
+                  <a:prstClr val="black"/>
+                </a:solidFill>
+                <a:latin typeface="Consolas"/>
+              </a:rPr>
+              <a:t>    </a:t>
+            </a:r>
+            <a:r>
+              <a:rPr lang="en-US" sz="1200" dirty="0" err="1">
+                <a:solidFill>
+                  <a:srgbClr val="2B91AF"/>
+                </a:solidFill>
+                <a:latin typeface="Consolas"/>
+              </a:rPr>
+              <a:t>Console</a:t>
+            </a:r>
+            <a:r>
+              <a:rPr lang="en-US" sz="1200" dirty="0" err="1">
+                <a:solidFill>
+                  <a:prstClr val="black"/>
+                </a:solidFill>
+                <a:latin typeface="Consolas"/>
+              </a:rPr>
+              <a:t>.WriteLine</a:t>
+            </a:r>
+            <a:r>
+              <a:rPr lang="en-US" sz="1200" dirty="0">
+                <a:solidFill>
+                  <a:prstClr val="black"/>
+                </a:solidFill>
+                <a:latin typeface="Consolas"/>
+              </a:rPr>
+              <a:t>(</a:t>
+            </a:r>
+            <a:r>
+              <a:rPr lang="en-US" sz="1200" dirty="0" err="1">
+                <a:solidFill>
+                  <a:prstClr val="black"/>
+                </a:solidFill>
+                <a:latin typeface="Consolas"/>
+              </a:rPr>
+              <a:t>reader.ReadLine</a:t>
+            </a:r>
+            <a:r>
+              <a:rPr lang="en-US" sz="1200" dirty="0">
+                <a:solidFill>
+                  <a:prstClr val="black"/>
+                </a:solidFill>
+                <a:latin typeface="Consolas"/>
+              </a:rPr>
+              <a:t>());</a:t>
+            </a:r>
+          </a:p>
+          <a:p>
+            <a:r>
+              <a:rPr lang="en-US" sz="1200" dirty="0">
+                <a:solidFill>
+                  <a:prstClr val="black"/>
+                </a:solidFill>
+                <a:latin typeface="Consolas"/>
+              </a:rPr>
+              <a:t>}</a:t>
+            </a:r>
+          </a:p>
+          <a:p>
+            <a:r>
+              <a:rPr lang="en-US" sz="1200" dirty="0" err="1">
+                <a:solidFill>
+                  <a:prstClr val="black"/>
+                </a:solidFill>
+                <a:latin typeface="Consolas"/>
+              </a:rPr>
+              <a:t>reader.Close</a:t>
+            </a:r>
+            <a:r>
+              <a:rPr lang="en-US" sz="1200" dirty="0">
+                <a:solidFill>
+                  <a:prstClr val="black"/>
+                </a:solidFill>
+                <a:latin typeface="Consolas"/>
+              </a:rPr>
+              <a:t>();</a:t>
+            </a:r>
+          </a:p>
+          <a:p>
+            <a:endParaRPr lang="en-US" sz="1200" dirty="0">
+              <a:solidFill>
+                <a:prstClr val="black"/>
+              </a:solidFill>
+              <a:latin typeface="Consolas"/>
+            </a:endParaRPr>
+          </a:p>
+          <a:p>
+            <a:r>
+              <a:rPr lang="en-US" sz="1200" dirty="0" err="1">
+                <a:solidFill>
+                  <a:srgbClr val="2B91AF"/>
+                </a:solidFill>
+                <a:latin typeface="Consolas"/>
+              </a:rPr>
+              <a:t>File</a:t>
+            </a:r>
+            <a:r>
+              <a:rPr lang="en-US" sz="1200" dirty="0" err="1">
+                <a:solidFill>
+                  <a:prstClr val="black"/>
+                </a:solidFill>
+                <a:latin typeface="Consolas"/>
+              </a:rPr>
+              <a:t>.Delete</a:t>
+            </a:r>
+            <a:r>
+              <a:rPr lang="en-US" sz="1200" dirty="0">
+                <a:solidFill>
+                  <a:prstClr val="black"/>
+                </a:solidFill>
+                <a:latin typeface="Consolas"/>
+              </a:rPr>
+              <a:t>(</a:t>
+            </a:r>
+            <a:r>
+              <a:rPr lang="en-US" sz="1200" dirty="0" err="1">
+                <a:solidFill>
+                  <a:prstClr val="black"/>
+                </a:solidFill>
+                <a:latin typeface="Consolas"/>
+              </a:rPr>
+              <a:t>filePath</a:t>
+            </a:r>
+            <a:r>
+              <a:rPr lang="en-US" sz="1200" dirty="0" smtClean="0">
+                <a:solidFill>
+                  <a:prstClr val="black"/>
+                </a:solidFill>
+                <a:latin typeface="Consolas"/>
+              </a:rPr>
+              <a:t>);</a:t>
+            </a:r>
+            <a:endParaRPr lang="be-BY" sz="1200" dirty="0">
+              <a:solidFill>
+                <a:schemeClr val="bg1"/>
+              </a:solidFill>
+              <a:latin typeface="Consolas" panose="020B0609020204030204" pitchFamily="49" charset="0"/>
+              <a:ea typeface="Calibri" pitchFamily="34" charset="0"/>
+              <a:cs typeface="Consolas" panose="020B0609020204030204" pitchFamily="49" charset="0"/>
+            </a:endParaRPr>
+          </a:p>
+        </p:txBody>
+      </p:sp>
+    </p:spTree>
+    <p:extLst>
+      <p:ext uri="{BB962C8B-B14F-4D97-AF65-F5344CB8AC3E}">
+        <p14:creationId xmlns:p14="http://schemas.microsoft.com/office/powerpoint/2010/main" val="859555954"/>
+      </p:ext>
+    </p:extLst>
+  </p:cSld>
+  <p:clrMapOvr>
+    <a:masterClrMapping/>
   </p:clrMapOvr>
   <p:timing>
     <p:tnLst>

--- a/Presentation/lesson-03.pptx
+++ b/Presentation/lesson-03.pptx
@@ -374,7 +374,7 @@
           <a:p>
             <a:fld id="{6D622FCB-595C-4A19-9DA3-A5F2C1EA723F}" type="datetimeFigureOut">
               <a:rPr lang="en-US" smtClean="0"/>
-              <a:t>4/14/2017</a:t>
+              <a:t>2/13/2018</a:t>
             </a:fld>
             <a:endParaRPr lang="en-US"/>
           </a:p>
@@ -544,7 +544,7 @@
           <a:p>
             <a:fld id="{6D622FCB-595C-4A19-9DA3-A5F2C1EA723F}" type="datetimeFigureOut">
               <a:rPr lang="en-US" smtClean="0"/>
-              <a:t>4/14/2017</a:t>
+              <a:t>2/13/2018</a:t>
             </a:fld>
             <a:endParaRPr lang="en-US"/>
           </a:p>
@@ -724,7 +724,7 @@
           <a:p>
             <a:fld id="{6D622FCB-595C-4A19-9DA3-A5F2C1EA723F}" type="datetimeFigureOut">
               <a:rPr lang="en-US" smtClean="0"/>
-              <a:t>4/14/2017</a:t>
+              <a:t>2/13/2018</a:t>
             </a:fld>
             <a:endParaRPr lang="en-US"/>
           </a:p>
@@ -2109,7 +2109,7 @@
           <a:p>
             <a:fld id="{6D622FCB-595C-4A19-9DA3-A5F2C1EA723F}" type="datetimeFigureOut">
               <a:rPr lang="en-US" smtClean="0"/>
-              <a:t>4/14/2017</a:t>
+              <a:t>2/13/2018</a:t>
             </a:fld>
             <a:endParaRPr lang="en-US"/>
           </a:p>
@@ -2982,7 +2982,7 @@
                 </a:solidFill>
               </a:rPr>
               <a:pPr/>
-              <a:t>14.04.2017</a:t>
+              <a:t>13.02.2018</a:t>
             </a:fld>
             <a:endParaRPr lang="ru-RU">
               <a:solidFill>
@@ -3253,7 +3253,7 @@
           <a:p>
             <a:fld id="{6D622FCB-595C-4A19-9DA3-A5F2C1EA723F}" type="datetimeFigureOut">
               <a:rPr lang="en-US" smtClean="0"/>
-              <a:t>4/14/2017</a:t>
+              <a:t>2/13/2018</a:t>
             </a:fld>
             <a:endParaRPr lang="en-US"/>
           </a:p>
@@ -3541,7 +3541,7 @@
           <a:p>
             <a:fld id="{6D622FCB-595C-4A19-9DA3-A5F2C1EA723F}" type="datetimeFigureOut">
               <a:rPr lang="en-US" smtClean="0"/>
-              <a:t>4/14/2017</a:t>
+              <a:t>2/13/2018</a:t>
             </a:fld>
             <a:endParaRPr lang="en-US"/>
           </a:p>
@@ -3963,7 +3963,7 @@
           <a:p>
             <a:fld id="{6D622FCB-595C-4A19-9DA3-A5F2C1EA723F}" type="datetimeFigureOut">
               <a:rPr lang="en-US" smtClean="0"/>
-              <a:t>4/14/2017</a:t>
+              <a:t>2/13/2018</a:t>
             </a:fld>
             <a:endParaRPr lang="en-US"/>
           </a:p>
@@ -4081,7 +4081,7 @@
           <a:p>
             <a:fld id="{6D622FCB-595C-4A19-9DA3-A5F2C1EA723F}" type="datetimeFigureOut">
               <a:rPr lang="en-US" smtClean="0"/>
-              <a:t>4/14/2017</a:t>
+              <a:t>2/13/2018</a:t>
             </a:fld>
             <a:endParaRPr lang="en-US"/>
           </a:p>
@@ -4176,7 +4176,7 @@
           <a:p>
             <a:fld id="{6D622FCB-595C-4A19-9DA3-A5F2C1EA723F}" type="datetimeFigureOut">
               <a:rPr lang="en-US" smtClean="0"/>
-              <a:t>4/14/2017</a:t>
+              <a:t>2/13/2018</a:t>
             </a:fld>
             <a:endParaRPr lang="en-US"/>
           </a:p>
@@ -4453,7 +4453,7 @@
           <a:p>
             <a:fld id="{6D622FCB-595C-4A19-9DA3-A5F2C1EA723F}" type="datetimeFigureOut">
               <a:rPr lang="en-US" smtClean="0"/>
-              <a:t>4/14/2017</a:t>
+              <a:t>2/13/2018</a:t>
             </a:fld>
             <a:endParaRPr lang="en-US"/>
           </a:p>
@@ -4706,7 +4706,7 @@
           <a:p>
             <a:fld id="{6D622FCB-595C-4A19-9DA3-A5F2C1EA723F}" type="datetimeFigureOut">
               <a:rPr lang="en-US" smtClean="0"/>
-              <a:t>4/14/2017</a:t>
+              <a:t>2/13/2018</a:t>
             </a:fld>
             <a:endParaRPr lang="en-US"/>
           </a:p>
@@ -4919,7 +4919,7 @@
           <a:p>
             <a:fld id="{6D622FCB-595C-4A19-9DA3-A5F2C1EA723F}" type="datetimeFigureOut">
               <a:rPr lang="en-US" smtClean="0"/>
-              <a:t>4/14/2017</a:t>
+              <a:t>2/13/2018</a:t>
             </a:fld>
             <a:endParaRPr lang="en-US"/>
           </a:p>
@@ -5445,7 +5445,7 @@
                 </a:solidFill>
               </a:rPr>
               <a:pPr/>
-              <a:t>14.04.2017</a:t>
+              <a:t>13.02.2018</a:t>
             </a:fld>
             <a:endParaRPr lang="ru-RU">
               <a:solidFill>
@@ -10036,9 +10036,27 @@
             <a:tbl>
               <a:tblPr/>
               <a:tblGrid>
-                <a:gridCol w="1316641"/>
-                <a:gridCol w="3301291"/>
-                <a:gridCol w="1513092"/>
+                <a:gridCol w="1316641">
+                  <a:extLst>
+                    <a:ext uri="{9D8B030D-6E8A-4147-A177-3AD203B41FA5}">
+                      <a16:colId xmlns:a16="http://schemas.microsoft.com/office/drawing/2014/main" val="20000"/>
+                    </a:ext>
+                  </a:extLst>
+                </a:gridCol>
+                <a:gridCol w="3301291">
+                  <a:extLst>
+                    <a:ext uri="{9D8B030D-6E8A-4147-A177-3AD203B41FA5}">
+                      <a16:colId xmlns:a16="http://schemas.microsoft.com/office/drawing/2014/main" val="20001"/>
+                    </a:ext>
+                  </a:extLst>
+                </a:gridCol>
+                <a:gridCol w="1513092">
+                  <a:extLst>
+                    <a:ext uri="{9D8B030D-6E8A-4147-A177-3AD203B41FA5}">
+                      <a16:colId xmlns:a16="http://schemas.microsoft.com/office/drawing/2014/main" val="20002"/>
+                    </a:ext>
+                  </a:extLst>
+                </a:gridCol>
               </a:tblGrid>
               <a:tr h="0">
                 <a:tc>
@@ -10283,6 +10301,11 @@
                     </a:solidFill>
                   </a:tcPr>
                 </a:tc>
+                <a:extLst>
+                  <a:ext uri="{0D108BD9-81ED-4DB2-BD59-A6C34878D82A}">
+                    <a16:rowId xmlns:a16="http://schemas.microsoft.com/office/drawing/2014/main" val="10000"/>
+                  </a:ext>
+                </a:extLst>
               </a:tr>
               <a:tr h="0">
                 <a:tc>
@@ -10465,6 +10488,11 @@
                     </a:lnB>
                   </a:tcPr>
                 </a:tc>
+                <a:extLst>
+                  <a:ext uri="{0D108BD9-81ED-4DB2-BD59-A6C34878D82A}">
+                    <a16:rowId xmlns:a16="http://schemas.microsoft.com/office/drawing/2014/main" val="10001"/>
+                  </a:ext>
+                </a:extLst>
               </a:tr>
               <a:tr h="0">
                 <a:tc>
@@ -10654,6 +10682,11 @@
                     </a:lnB>
                   </a:tcPr>
                 </a:tc>
+                <a:extLst>
+                  <a:ext uri="{0D108BD9-81ED-4DB2-BD59-A6C34878D82A}">
+                    <a16:rowId xmlns:a16="http://schemas.microsoft.com/office/drawing/2014/main" val="10002"/>
+                  </a:ext>
+                </a:extLst>
               </a:tr>
               <a:tr h="0">
                 <a:tc>
@@ -10843,6 +10876,11 @@
                     </a:lnB>
                   </a:tcPr>
                 </a:tc>
+                <a:extLst>
+                  <a:ext uri="{0D108BD9-81ED-4DB2-BD59-A6C34878D82A}">
+                    <a16:rowId xmlns:a16="http://schemas.microsoft.com/office/drawing/2014/main" val="10003"/>
+                  </a:ext>
+                </a:extLst>
               </a:tr>
               <a:tr h="0">
                 <a:tc>
@@ -11032,6 +11070,11 @@
                     </a:lnB>
                   </a:tcPr>
                 </a:tc>
+                <a:extLst>
+                  <a:ext uri="{0D108BD9-81ED-4DB2-BD59-A6C34878D82A}">
+                    <a16:rowId xmlns:a16="http://schemas.microsoft.com/office/drawing/2014/main" val="10004"/>
+                  </a:ext>
+                </a:extLst>
               </a:tr>
               <a:tr h="0">
                 <a:tc>
@@ -11221,6 +11264,11 @@
                     </a:lnB>
                   </a:tcPr>
                 </a:tc>
+                <a:extLst>
+                  <a:ext uri="{0D108BD9-81ED-4DB2-BD59-A6C34878D82A}">
+                    <a16:rowId xmlns:a16="http://schemas.microsoft.com/office/drawing/2014/main" val="10005"/>
+                  </a:ext>
+                </a:extLst>
               </a:tr>
               <a:tr h="0">
                 <a:tc>
@@ -11403,6 +11451,11 @@
                     </a:lnB>
                   </a:tcPr>
                 </a:tc>
+                <a:extLst>
+                  <a:ext uri="{0D108BD9-81ED-4DB2-BD59-A6C34878D82A}">
+                    <a16:rowId xmlns:a16="http://schemas.microsoft.com/office/drawing/2014/main" val="10006"/>
+                  </a:ext>
+                </a:extLst>
               </a:tr>
               <a:tr h="0">
                 <a:tc>
@@ -11585,6 +11638,11 @@
                     </a:lnB>
                   </a:tcPr>
                 </a:tc>
+                <a:extLst>
+                  <a:ext uri="{0D108BD9-81ED-4DB2-BD59-A6C34878D82A}">
+                    <a16:rowId xmlns:a16="http://schemas.microsoft.com/office/drawing/2014/main" val="10007"/>
+                  </a:ext>
+                </a:extLst>
               </a:tr>
               <a:tr h="0">
                 <a:tc>
@@ -11767,6 +11825,11 @@
                     </a:lnB>
                   </a:tcPr>
                 </a:tc>
+                <a:extLst>
+                  <a:ext uri="{0D108BD9-81ED-4DB2-BD59-A6C34878D82A}">
+                    <a16:rowId xmlns:a16="http://schemas.microsoft.com/office/drawing/2014/main" val="10008"/>
+                  </a:ext>
+                </a:extLst>
               </a:tr>
               <a:tr h="0">
                 <a:tc>
@@ -11949,6 +12012,11 @@
                     </a:lnB>
                   </a:tcPr>
                 </a:tc>
+                <a:extLst>
+                  <a:ext uri="{0D108BD9-81ED-4DB2-BD59-A6C34878D82A}">
+                    <a16:rowId xmlns:a16="http://schemas.microsoft.com/office/drawing/2014/main" val="10009"/>
+                  </a:ext>
+                </a:extLst>
               </a:tr>
               <a:tr h="0">
                 <a:tc>
@@ -12131,6 +12199,11 @@
                     </a:lnB>
                   </a:tcPr>
                 </a:tc>
+                <a:extLst>
+                  <a:ext uri="{0D108BD9-81ED-4DB2-BD59-A6C34878D82A}">
+                    <a16:rowId xmlns:a16="http://schemas.microsoft.com/office/drawing/2014/main" val="10010"/>
+                  </a:ext>
+                </a:extLst>
               </a:tr>
               <a:tr h="0">
                 <a:tc>
@@ -12313,6 +12386,11 @@
                     </a:lnB>
                   </a:tcPr>
                 </a:tc>
+                <a:extLst>
+                  <a:ext uri="{0D108BD9-81ED-4DB2-BD59-A6C34878D82A}">
+                    <a16:rowId xmlns:a16="http://schemas.microsoft.com/office/drawing/2014/main" val="10011"/>
+                  </a:ext>
+                </a:extLst>
               </a:tr>
               <a:tr h="0">
                 <a:tc>
@@ -12495,6 +12573,11 @@
                     </a:lnB>
                   </a:tcPr>
                 </a:tc>
+                <a:extLst>
+                  <a:ext uri="{0D108BD9-81ED-4DB2-BD59-A6C34878D82A}">
+                    <a16:rowId xmlns:a16="http://schemas.microsoft.com/office/drawing/2014/main" val="10012"/>
+                  </a:ext>
+                </a:extLst>
               </a:tr>
               <a:tr h="0">
                 <a:tc>
@@ -12677,6 +12760,11 @@
                     </a:lnB>
                   </a:tcPr>
                 </a:tc>
+                <a:extLst>
+                  <a:ext uri="{0D108BD9-81ED-4DB2-BD59-A6C34878D82A}">
+                    <a16:rowId xmlns:a16="http://schemas.microsoft.com/office/drawing/2014/main" val="10013"/>
+                  </a:ext>
+                </a:extLst>
               </a:tr>
               <a:tr h="0">
                 <a:tc>
@@ -12859,6 +12947,11 @@
                     </a:lnB>
                   </a:tcPr>
                 </a:tc>
+                <a:extLst>
+                  <a:ext uri="{0D108BD9-81ED-4DB2-BD59-A6C34878D82A}">
+                    <a16:rowId xmlns:a16="http://schemas.microsoft.com/office/drawing/2014/main" val="10014"/>
+                  </a:ext>
+                </a:extLst>
               </a:tr>
             </a:tbl>
           </a:graphicData>
@@ -13994,9 +14087,27 @@
                 <a:tableStyleId>{5940675A-B579-460E-94D1-54222C63F5DA}</a:tableStyleId>
               </a:tblPr>
               <a:tblGrid>
-                <a:gridCol w="1066799"/>
-                <a:gridCol w="6096001"/>
-                <a:gridCol w="1676400"/>
+                <a:gridCol w="1066799">
+                  <a:extLst>
+                    <a:ext uri="{9D8B030D-6E8A-4147-A177-3AD203B41FA5}">
+                      <a16:colId xmlns:a16="http://schemas.microsoft.com/office/drawing/2014/main" val="20000"/>
+                    </a:ext>
+                  </a:extLst>
+                </a:gridCol>
+                <a:gridCol w="6096001">
+                  <a:extLst>
+                    <a:ext uri="{9D8B030D-6E8A-4147-A177-3AD203B41FA5}">
+                      <a16:colId xmlns:a16="http://schemas.microsoft.com/office/drawing/2014/main" val="20001"/>
+                    </a:ext>
+                  </a:extLst>
+                </a:gridCol>
+                <a:gridCol w="1676400">
+                  <a:extLst>
+                    <a:ext uri="{9D8B030D-6E8A-4147-A177-3AD203B41FA5}">
+                      <a16:colId xmlns:a16="http://schemas.microsoft.com/office/drawing/2014/main" val="20002"/>
+                    </a:ext>
+                  </a:extLst>
+                </a:gridCol>
               </a:tblGrid>
               <a:tr h="365695">
                 <a:tc>
@@ -14176,6 +14287,11 @@
                     </a:lnB>
                   </a:tcPr>
                 </a:tc>
+                <a:extLst>
+                  <a:ext uri="{0D108BD9-81ED-4DB2-BD59-A6C34878D82A}">
+                    <a16:rowId xmlns:a16="http://schemas.microsoft.com/office/drawing/2014/main" val="10000"/>
+                  </a:ext>
+                </a:extLst>
               </a:tr>
               <a:tr h="182847">
                 <a:tc>
@@ -14371,6 +14487,11 @@
                     </a:lnB>
                   </a:tcPr>
                 </a:tc>
+                <a:extLst>
+                  <a:ext uri="{0D108BD9-81ED-4DB2-BD59-A6C34878D82A}">
+                    <a16:rowId xmlns:a16="http://schemas.microsoft.com/office/drawing/2014/main" val="10001"/>
+                  </a:ext>
+                </a:extLst>
               </a:tr>
               <a:tr h="182847">
                 <a:tc>
@@ -14558,6 +14679,11 @@
                     </a:lnB>
                   </a:tcPr>
                 </a:tc>
+                <a:extLst>
+                  <a:ext uri="{0D108BD9-81ED-4DB2-BD59-A6C34878D82A}">
+                    <a16:rowId xmlns:a16="http://schemas.microsoft.com/office/drawing/2014/main" val="10002"/>
+                  </a:ext>
+                </a:extLst>
               </a:tr>
               <a:tr h="182847">
                 <a:tc>
@@ -14769,6 +14895,11 @@
                     </a:lnB>
                   </a:tcPr>
                 </a:tc>
+                <a:extLst>
+                  <a:ext uri="{0D108BD9-81ED-4DB2-BD59-A6C34878D82A}">
+                    <a16:rowId xmlns:a16="http://schemas.microsoft.com/office/drawing/2014/main" val="10003"/>
+                  </a:ext>
+                </a:extLst>
               </a:tr>
               <a:tr h="319983">
                 <a:tc>
@@ -14992,6 +15123,11 @@
                     </a:lnB>
                   </a:tcPr>
                 </a:tc>
+                <a:extLst>
+                  <a:ext uri="{0D108BD9-81ED-4DB2-BD59-A6C34878D82A}">
+                    <a16:rowId xmlns:a16="http://schemas.microsoft.com/office/drawing/2014/main" val="10004"/>
+                  </a:ext>
+                </a:extLst>
               </a:tr>
               <a:tr h="182847">
                 <a:tc>
@@ -15175,6 +15311,11 @@
                     </a:lnB>
                   </a:tcPr>
                 </a:tc>
+                <a:extLst>
+                  <a:ext uri="{0D108BD9-81ED-4DB2-BD59-A6C34878D82A}">
+                    <a16:rowId xmlns:a16="http://schemas.microsoft.com/office/drawing/2014/main" val="10005"/>
+                  </a:ext>
+                </a:extLst>
               </a:tr>
               <a:tr h="182847">
                 <a:tc>
@@ -15394,6 +15535,11 @@
                     </a:lnB>
                   </a:tcPr>
                 </a:tc>
+                <a:extLst>
+                  <a:ext uri="{0D108BD9-81ED-4DB2-BD59-A6C34878D82A}">
+                    <a16:rowId xmlns:a16="http://schemas.microsoft.com/office/drawing/2014/main" val="10006"/>
+                  </a:ext>
+                </a:extLst>
               </a:tr>
               <a:tr h="182847">
                 <a:tc>
@@ -15585,6 +15731,11 @@
                     </a:lnB>
                   </a:tcPr>
                 </a:tc>
+                <a:extLst>
+                  <a:ext uri="{0D108BD9-81ED-4DB2-BD59-A6C34878D82A}">
+                    <a16:rowId xmlns:a16="http://schemas.microsoft.com/office/drawing/2014/main" val="10007"/>
+                  </a:ext>
+                </a:extLst>
               </a:tr>
             </a:tbl>
           </a:graphicData>
@@ -15609,8 +15760,20 @@
                 <a:tableStyleId>{5940675A-B579-460E-94D1-54222C63F5DA}</a:tableStyleId>
               </a:tblPr>
               <a:tblGrid>
-                <a:gridCol w="1066800"/>
-                <a:gridCol w="7772400"/>
+                <a:gridCol w="1066800">
+                  <a:extLst>
+                    <a:ext uri="{9D8B030D-6E8A-4147-A177-3AD203B41FA5}">
+                      <a16:colId xmlns:a16="http://schemas.microsoft.com/office/drawing/2014/main" val="20000"/>
+                    </a:ext>
+                  </a:extLst>
+                </a:gridCol>
+                <a:gridCol w="7772400">
+                  <a:extLst>
+                    <a:ext uri="{9D8B030D-6E8A-4147-A177-3AD203B41FA5}">
+                      <a16:colId xmlns:a16="http://schemas.microsoft.com/office/drawing/2014/main" val="20001"/>
+                    </a:ext>
+                  </a:extLst>
+                </a:gridCol>
               </a:tblGrid>
               <a:tr h="274373">
                 <a:tc>
@@ -15645,6 +15808,11 @@
                   </a:txBody>
                   <a:tcPr marT="45729" marB="45729"/>
                 </a:tc>
+                <a:extLst>
+                  <a:ext uri="{0D108BD9-81ED-4DB2-BD59-A6C34878D82A}">
+                    <a16:rowId xmlns:a16="http://schemas.microsoft.com/office/drawing/2014/main" val="10000"/>
+                  </a:ext>
+                </a:extLst>
               </a:tr>
               <a:tr h="274373">
                 <a:tc>
@@ -15679,6 +15847,11 @@
                   </a:txBody>
                   <a:tcPr marT="45729" marB="45729"/>
                 </a:tc>
+                <a:extLst>
+                  <a:ext uri="{0D108BD9-81ED-4DB2-BD59-A6C34878D82A}">
+                    <a16:rowId xmlns:a16="http://schemas.microsoft.com/office/drawing/2014/main" val="10001"/>
+                  </a:ext>
+                </a:extLst>
               </a:tr>
               <a:tr h="274373">
                 <a:tc>
@@ -15709,6 +15882,11 @@
                   </a:txBody>
                   <a:tcPr marT="45729" marB="45729"/>
                 </a:tc>
+                <a:extLst>
+                  <a:ext uri="{0D108BD9-81ED-4DB2-BD59-A6C34878D82A}">
+                    <a16:rowId xmlns:a16="http://schemas.microsoft.com/office/drawing/2014/main" val="10002"/>
+                  </a:ext>
+                </a:extLst>
               </a:tr>
               <a:tr h="274373">
                 <a:tc>
@@ -15747,6 +15925,11 @@
                   </a:txBody>
                   <a:tcPr marT="45729" marB="45729"/>
                 </a:tc>
+                <a:extLst>
+                  <a:ext uri="{0D108BD9-81ED-4DB2-BD59-A6C34878D82A}">
+                    <a16:rowId xmlns:a16="http://schemas.microsoft.com/office/drawing/2014/main" val="10003"/>
+                  </a:ext>
+                </a:extLst>
               </a:tr>
               <a:tr h="274373">
                 <a:tc>
@@ -15805,6 +15988,11 @@
                   </a:txBody>
                   <a:tcPr marT="45729" marB="45729"/>
                 </a:tc>
+                <a:extLst>
+                  <a:ext uri="{0D108BD9-81ED-4DB2-BD59-A6C34878D82A}">
+                    <a16:rowId xmlns:a16="http://schemas.microsoft.com/office/drawing/2014/main" val="10004"/>
+                  </a:ext>
+                </a:extLst>
               </a:tr>
               <a:tr h="274373">
                 <a:tc>
@@ -15847,6 +16035,11 @@
                   </a:txBody>
                   <a:tcPr marT="45729" marB="45729"/>
                 </a:tc>
+                <a:extLst>
+                  <a:ext uri="{0D108BD9-81ED-4DB2-BD59-A6C34878D82A}">
+                    <a16:rowId xmlns:a16="http://schemas.microsoft.com/office/drawing/2014/main" val="10005"/>
+                  </a:ext>
+                </a:extLst>
               </a:tr>
             </a:tbl>
           </a:graphicData>
@@ -24985,11 +25178,41 @@
                 <a:tableStyleId>{5C22544A-7EE6-4342-B048-85BDC9FD1C3A}</a:tableStyleId>
               </a:tblPr>
               <a:tblGrid>
-                <a:gridCol w="3384376"/>
-                <a:gridCol w="1080120"/>
-                <a:gridCol w="1008112"/>
-                <a:gridCol w="1008112"/>
-                <a:gridCol w="1454696"/>
+                <a:gridCol w="3384376">
+                  <a:extLst>
+                    <a:ext uri="{9D8B030D-6E8A-4147-A177-3AD203B41FA5}">
+                      <a16:colId xmlns:a16="http://schemas.microsoft.com/office/drawing/2014/main" val="20000"/>
+                    </a:ext>
+                  </a:extLst>
+                </a:gridCol>
+                <a:gridCol w="1080120">
+                  <a:extLst>
+                    <a:ext uri="{9D8B030D-6E8A-4147-A177-3AD203B41FA5}">
+                      <a16:colId xmlns:a16="http://schemas.microsoft.com/office/drawing/2014/main" val="20001"/>
+                    </a:ext>
+                  </a:extLst>
+                </a:gridCol>
+                <a:gridCol w="1008112">
+                  <a:extLst>
+                    <a:ext uri="{9D8B030D-6E8A-4147-A177-3AD203B41FA5}">
+                      <a16:colId xmlns:a16="http://schemas.microsoft.com/office/drawing/2014/main" val="20002"/>
+                    </a:ext>
+                  </a:extLst>
+                </a:gridCol>
+                <a:gridCol w="1008112">
+                  <a:extLst>
+                    <a:ext uri="{9D8B030D-6E8A-4147-A177-3AD203B41FA5}">
+                      <a16:colId xmlns:a16="http://schemas.microsoft.com/office/drawing/2014/main" val="20003"/>
+                    </a:ext>
+                  </a:extLst>
+                </a:gridCol>
+                <a:gridCol w="1454696">
+                  <a:extLst>
+                    <a:ext uri="{9D8B030D-6E8A-4147-A177-3AD203B41FA5}">
+                      <a16:colId xmlns:a16="http://schemas.microsoft.com/office/drawing/2014/main" val="20004"/>
+                    </a:ext>
+                  </a:extLst>
+                </a:gridCol>
               </a:tblGrid>
               <a:tr h="190500">
                 <a:tc>
@@ -25313,6 +25536,11 @@
                     </a:solidFill>
                   </a:tcPr>
                 </a:tc>
+                <a:extLst>
+                  <a:ext uri="{0D108BD9-81ED-4DB2-BD59-A6C34878D82A}">
+                    <a16:rowId xmlns:a16="http://schemas.microsoft.com/office/drawing/2014/main" val="10000"/>
+                  </a:ext>
+                </a:extLst>
               </a:tr>
               <a:tr h="190500">
                 <a:tc>
@@ -25639,6 +25867,11 @@
                     </a:solidFill>
                   </a:tcPr>
                 </a:tc>
+                <a:extLst>
+                  <a:ext uri="{0D108BD9-81ED-4DB2-BD59-A6C34878D82A}">
+                    <a16:rowId xmlns:a16="http://schemas.microsoft.com/office/drawing/2014/main" val="10001"/>
+                  </a:ext>
+                </a:extLst>
               </a:tr>
               <a:tr h="190500">
                 <a:tc>
@@ -25965,6 +26198,11 @@
                     </a:solidFill>
                   </a:tcPr>
                 </a:tc>
+                <a:extLst>
+                  <a:ext uri="{0D108BD9-81ED-4DB2-BD59-A6C34878D82A}">
+                    <a16:rowId xmlns:a16="http://schemas.microsoft.com/office/drawing/2014/main" val="10002"/>
+                  </a:ext>
+                </a:extLst>
               </a:tr>
               <a:tr h="190500">
                 <a:tc>
@@ -26300,6 +26538,11 @@
                     </a:solidFill>
                   </a:tcPr>
                 </a:tc>
+                <a:extLst>
+                  <a:ext uri="{0D108BD9-81ED-4DB2-BD59-A6C34878D82A}">
+                    <a16:rowId xmlns:a16="http://schemas.microsoft.com/office/drawing/2014/main" val="10003"/>
+                  </a:ext>
+                </a:extLst>
               </a:tr>
               <a:tr h="190500">
                 <a:tc>
@@ -26635,6 +26878,11 @@
                     </a:solidFill>
                   </a:tcPr>
                 </a:tc>
+                <a:extLst>
+                  <a:ext uri="{0D108BD9-81ED-4DB2-BD59-A6C34878D82A}">
+                    <a16:rowId xmlns:a16="http://schemas.microsoft.com/office/drawing/2014/main" val="10004"/>
+                  </a:ext>
+                </a:extLst>
               </a:tr>
               <a:tr h="190500">
                 <a:tc>
@@ -26970,6 +27218,11 @@
                     </a:solidFill>
                   </a:tcPr>
                 </a:tc>
+                <a:extLst>
+                  <a:ext uri="{0D108BD9-81ED-4DB2-BD59-A6C34878D82A}">
+                    <a16:rowId xmlns:a16="http://schemas.microsoft.com/office/drawing/2014/main" val="10005"/>
+                  </a:ext>
+                </a:extLst>
               </a:tr>
               <a:tr h="190500">
                 <a:tc>
@@ -27305,6 +27558,11 @@
                     </a:solidFill>
                   </a:tcPr>
                 </a:tc>
+                <a:extLst>
+                  <a:ext uri="{0D108BD9-81ED-4DB2-BD59-A6C34878D82A}">
+                    <a16:rowId xmlns:a16="http://schemas.microsoft.com/office/drawing/2014/main" val="10006"/>
+                  </a:ext>
+                </a:extLst>
               </a:tr>
               <a:tr h="190500">
                 <a:tc>
@@ -27640,6 +27898,11 @@
                     </a:solidFill>
                   </a:tcPr>
                 </a:tc>
+                <a:extLst>
+                  <a:ext uri="{0D108BD9-81ED-4DB2-BD59-A6C34878D82A}">
+                    <a16:rowId xmlns:a16="http://schemas.microsoft.com/office/drawing/2014/main" val="10007"/>
+                  </a:ext>
+                </a:extLst>
               </a:tr>
               <a:tr h="190500">
                 <a:tc>
@@ -27966,6 +28229,11 @@
                     </a:solidFill>
                   </a:tcPr>
                 </a:tc>
+                <a:extLst>
+                  <a:ext uri="{0D108BD9-81ED-4DB2-BD59-A6C34878D82A}">
+                    <a16:rowId xmlns:a16="http://schemas.microsoft.com/office/drawing/2014/main" val="10008"/>
+                  </a:ext>
+                </a:extLst>
               </a:tr>
               <a:tr h="190500">
                 <a:tc>
@@ -28292,6 +28560,11 @@
                     </a:solidFill>
                   </a:tcPr>
                 </a:tc>
+                <a:extLst>
+                  <a:ext uri="{0D108BD9-81ED-4DB2-BD59-A6C34878D82A}">
+                    <a16:rowId xmlns:a16="http://schemas.microsoft.com/office/drawing/2014/main" val="10009"/>
+                  </a:ext>
+                </a:extLst>
               </a:tr>
               <a:tr h="190500">
                 <a:tc>
@@ -28627,6 +28900,11 @@
                     </a:solidFill>
                   </a:tcPr>
                 </a:tc>
+                <a:extLst>
+                  <a:ext uri="{0D108BD9-81ED-4DB2-BD59-A6C34878D82A}">
+                    <a16:rowId xmlns:a16="http://schemas.microsoft.com/office/drawing/2014/main" val="10010"/>
+                  </a:ext>
+                </a:extLst>
               </a:tr>
               <a:tr h="190500">
                 <a:tc>
@@ -28962,6 +29240,11 @@
                     </a:solidFill>
                   </a:tcPr>
                 </a:tc>
+                <a:extLst>
+                  <a:ext uri="{0D108BD9-81ED-4DB2-BD59-A6C34878D82A}">
+                    <a16:rowId xmlns:a16="http://schemas.microsoft.com/office/drawing/2014/main" val="10011"/>
+                  </a:ext>
+                </a:extLst>
               </a:tr>
               <a:tr h="190500">
                 <a:tc>
@@ -29297,6 +29580,11 @@
                     </a:solidFill>
                   </a:tcPr>
                 </a:tc>
+                <a:extLst>
+                  <a:ext uri="{0D108BD9-81ED-4DB2-BD59-A6C34878D82A}">
+                    <a16:rowId xmlns:a16="http://schemas.microsoft.com/office/drawing/2014/main" val="10012"/>
+                  </a:ext>
+                </a:extLst>
               </a:tr>
               <a:tr h="190500">
                 <a:tc>
@@ -29632,6 +29920,11 @@
                     </a:solidFill>
                   </a:tcPr>
                 </a:tc>
+                <a:extLst>
+                  <a:ext uri="{0D108BD9-81ED-4DB2-BD59-A6C34878D82A}">
+                    <a16:rowId xmlns:a16="http://schemas.microsoft.com/office/drawing/2014/main" val="10013"/>
+                  </a:ext>
+                </a:extLst>
               </a:tr>
               <a:tr h="190500">
                 <a:tc>
@@ -29967,6 +30260,11 @@
                     </a:solidFill>
                   </a:tcPr>
                 </a:tc>
+                <a:extLst>
+                  <a:ext uri="{0D108BD9-81ED-4DB2-BD59-A6C34878D82A}">
+                    <a16:rowId xmlns:a16="http://schemas.microsoft.com/office/drawing/2014/main" val="10014"/>
+                  </a:ext>
+                </a:extLst>
               </a:tr>
               <a:tr h="190500">
                 <a:tc>
@@ -30293,6 +30591,11 @@
                     </a:solidFill>
                   </a:tcPr>
                 </a:tc>
+                <a:extLst>
+                  <a:ext uri="{0D108BD9-81ED-4DB2-BD59-A6C34878D82A}">
+                    <a16:rowId xmlns:a16="http://schemas.microsoft.com/office/drawing/2014/main" val="10015"/>
+                  </a:ext>
+                </a:extLst>
               </a:tr>
               <a:tr h="190500">
                 <a:tc>
@@ -30628,6 +30931,11 @@
                     </a:solidFill>
                   </a:tcPr>
                 </a:tc>
+                <a:extLst>
+                  <a:ext uri="{0D108BD9-81ED-4DB2-BD59-A6C34878D82A}">
+                    <a16:rowId xmlns:a16="http://schemas.microsoft.com/office/drawing/2014/main" val="10016"/>
+                  </a:ext>
+                </a:extLst>
               </a:tr>
               <a:tr h="190500">
                 <a:tc>
@@ -30963,6 +31271,11 @@
                     </a:solidFill>
                   </a:tcPr>
                 </a:tc>
+                <a:extLst>
+                  <a:ext uri="{0D108BD9-81ED-4DB2-BD59-A6C34878D82A}">
+                    <a16:rowId xmlns:a16="http://schemas.microsoft.com/office/drawing/2014/main" val="10017"/>
+                  </a:ext>
+                </a:extLst>
               </a:tr>
               <a:tr h="190500">
                 <a:tc>
@@ -31298,6 +31611,11 @@
                     </a:solidFill>
                   </a:tcPr>
                 </a:tc>
+                <a:extLst>
+                  <a:ext uri="{0D108BD9-81ED-4DB2-BD59-A6C34878D82A}">
+                    <a16:rowId xmlns:a16="http://schemas.microsoft.com/office/drawing/2014/main" val="10018"/>
+                  </a:ext>
+                </a:extLst>
               </a:tr>
               <a:tr h="190500">
                 <a:tc>
@@ -31624,6 +31942,11 @@
                     </a:solidFill>
                   </a:tcPr>
                 </a:tc>
+                <a:extLst>
+                  <a:ext uri="{0D108BD9-81ED-4DB2-BD59-A6C34878D82A}">
+                    <a16:rowId xmlns:a16="http://schemas.microsoft.com/office/drawing/2014/main" val="10019"/>
+                  </a:ext>
+                </a:extLst>
               </a:tr>
               <a:tr h="190500">
                 <a:tc>
@@ -31950,6 +32273,11 @@
                     </a:solidFill>
                   </a:tcPr>
                 </a:tc>
+                <a:extLst>
+                  <a:ext uri="{0D108BD9-81ED-4DB2-BD59-A6C34878D82A}">
+                    <a16:rowId xmlns:a16="http://schemas.microsoft.com/office/drawing/2014/main" val="10020"/>
+                  </a:ext>
+                </a:extLst>
               </a:tr>
               <a:tr h="190500">
                 <a:tc>
@@ -32276,6 +32604,11 @@
                     </a:solidFill>
                   </a:tcPr>
                 </a:tc>
+                <a:extLst>
+                  <a:ext uri="{0D108BD9-81ED-4DB2-BD59-A6C34878D82A}">
+                    <a16:rowId xmlns:a16="http://schemas.microsoft.com/office/drawing/2014/main" val="10021"/>
+                  </a:ext>
+                </a:extLst>
               </a:tr>
             </a:tbl>
           </a:graphicData>
@@ -32750,8 +33083,20 @@
                 <a:tableStyleId>{5C22544A-7EE6-4342-B048-85BDC9FD1C3A}</a:tableStyleId>
               </a:tblPr>
               <a:tblGrid>
-                <a:gridCol w="3870430"/>
-                <a:gridCol w="3870430"/>
+                <a:gridCol w="3870430">
+                  <a:extLst>
+                    <a:ext uri="{9D8B030D-6E8A-4147-A177-3AD203B41FA5}">
+                      <a16:colId xmlns:a16="http://schemas.microsoft.com/office/drawing/2014/main" val="20000"/>
+                    </a:ext>
+                  </a:extLst>
+                </a:gridCol>
+                <a:gridCol w="3870430">
+                  <a:extLst>
+                    <a:ext uri="{9D8B030D-6E8A-4147-A177-3AD203B41FA5}">
+                      <a16:colId xmlns:a16="http://schemas.microsoft.com/office/drawing/2014/main" val="20001"/>
+                    </a:ext>
+                  </a:extLst>
+                </a:gridCol>
               </a:tblGrid>
               <a:tr h="370840">
                 <a:tc>
@@ -32790,6 +33135,11 @@
                   </a:txBody>
                   <a:tcPr/>
                 </a:tc>
+                <a:extLst>
+                  <a:ext uri="{0D108BD9-81ED-4DB2-BD59-A6C34878D82A}">
+                    <a16:rowId xmlns:a16="http://schemas.microsoft.com/office/drawing/2014/main" val="10000"/>
+                  </a:ext>
+                </a:extLst>
               </a:tr>
               <a:tr h="370840">
                 <a:tc>
@@ -32852,6 +33202,11 @@
                   </a:txBody>
                   <a:tcPr/>
                 </a:tc>
+                <a:extLst>
+                  <a:ext uri="{0D108BD9-81ED-4DB2-BD59-A6C34878D82A}">
+                    <a16:rowId xmlns:a16="http://schemas.microsoft.com/office/drawing/2014/main" val="10001"/>
+                  </a:ext>
+                </a:extLst>
               </a:tr>
               <a:tr h="370840">
                 <a:tc>
@@ -32946,6 +33301,11 @@
                   </a:txBody>
                   <a:tcPr/>
                 </a:tc>
+                <a:extLst>
+                  <a:ext uri="{0D108BD9-81ED-4DB2-BD59-A6C34878D82A}">
+                    <a16:rowId xmlns:a16="http://schemas.microsoft.com/office/drawing/2014/main" val="10002"/>
+                  </a:ext>
+                </a:extLst>
               </a:tr>
             </a:tbl>
           </a:graphicData>
@@ -33329,8 +33689,20 @@
                 <a:tableStyleId>{5940675A-B579-460E-94D1-54222C63F5DA}</a:tableStyleId>
               </a:tblPr>
               <a:tblGrid>
-                <a:gridCol w="1981200"/>
-                <a:gridCol w="6858000"/>
+                <a:gridCol w="1981200">
+                  <a:extLst>
+                    <a:ext uri="{9D8B030D-6E8A-4147-A177-3AD203B41FA5}">
+                      <a16:colId xmlns:a16="http://schemas.microsoft.com/office/drawing/2014/main" val="20000"/>
+                    </a:ext>
+                  </a:extLst>
+                </a:gridCol>
+                <a:gridCol w="6858000">
+                  <a:extLst>
+                    <a:ext uri="{9D8B030D-6E8A-4147-A177-3AD203B41FA5}">
+                      <a16:colId xmlns:a16="http://schemas.microsoft.com/office/drawing/2014/main" val="20001"/>
+                    </a:ext>
+                  </a:extLst>
+                </a:gridCol>
               </a:tblGrid>
               <a:tr h="213330">
                 <a:tc>
@@ -33379,6 +33751,11 @@
                   </a:txBody>
                   <a:tcPr marL="7809" marR="7809" marT="0" marB="0"/>
                 </a:tc>
+                <a:extLst>
+                  <a:ext uri="{0D108BD9-81ED-4DB2-BD59-A6C34878D82A}">
+                    <a16:rowId xmlns:a16="http://schemas.microsoft.com/office/drawing/2014/main" val="10000"/>
+                  </a:ext>
+                </a:extLst>
               </a:tr>
               <a:tr h="426660">
                 <a:tc>
@@ -33427,6 +33804,11 @@
                   </a:txBody>
                   <a:tcPr marL="7809" marR="7809" marT="0" marB="0" anchor="ctr"/>
                 </a:tc>
+                <a:extLst>
+                  <a:ext uri="{0D108BD9-81ED-4DB2-BD59-A6C34878D82A}">
+                    <a16:rowId xmlns:a16="http://schemas.microsoft.com/office/drawing/2014/main" val="10001"/>
+                  </a:ext>
+                </a:extLst>
               </a:tr>
               <a:tr h="426660">
                 <a:tc>
@@ -33475,6 +33857,11 @@
                   </a:txBody>
                   <a:tcPr marL="7809" marR="7809" marT="0" marB="0" anchor="ctr"/>
                 </a:tc>
+                <a:extLst>
+                  <a:ext uri="{0D108BD9-81ED-4DB2-BD59-A6C34878D82A}">
+                    <a16:rowId xmlns:a16="http://schemas.microsoft.com/office/drawing/2014/main" val="10002"/>
+                  </a:ext>
+                </a:extLst>
               </a:tr>
               <a:tr h="213330">
                 <a:tc>
@@ -33531,6 +33918,11 @@
                   </a:txBody>
                   <a:tcPr marL="7809" marR="7809" marT="0" marB="0" anchor="ctr"/>
                 </a:tc>
+                <a:extLst>
+                  <a:ext uri="{0D108BD9-81ED-4DB2-BD59-A6C34878D82A}">
+                    <a16:rowId xmlns:a16="http://schemas.microsoft.com/office/drawing/2014/main" val="10003"/>
+                  </a:ext>
+                </a:extLst>
               </a:tr>
               <a:tr h="213330">
                 <a:tc>
@@ -33579,6 +33971,11 @@
                   </a:txBody>
                   <a:tcPr marL="7809" marR="7809" marT="0" marB="0" anchor="ctr"/>
                 </a:tc>
+                <a:extLst>
+                  <a:ext uri="{0D108BD9-81ED-4DB2-BD59-A6C34878D82A}">
+                    <a16:rowId xmlns:a16="http://schemas.microsoft.com/office/drawing/2014/main" val="10004"/>
+                  </a:ext>
+                </a:extLst>
               </a:tr>
               <a:tr h="213330">
                 <a:tc>
@@ -33635,6 +34032,11 @@
                   </a:txBody>
                   <a:tcPr marL="7809" marR="7809" marT="0" marB="0" anchor="ctr"/>
                 </a:tc>
+                <a:extLst>
+                  <a:ext uri="{0D108BD9-81ED-4DB2-BD59-A6C34878D82A}">
+                    <a16:rowId xmlns:a16="http://schemas.microsoft.com/office/drawing/2014/main" val="10005"/>
+                  </a:ext>
+                </a:extLst>
               </a:tr>
               <a:tr h="324449">
                 <a:tc>
@@ -33683,6 +34085,11 @@
                   </a:txBody>
                   <a:tcPr marL="7809" marR="7809" marT="0" marB="0" anchor="ctr"/>
                 </a:tc>
+                <a:extLst>
+                  <a:ext uri="{0D108BD9-81ED-4DB2-BD59-A6C34878D82A}">
+                    <a16:rowId xmlns:a16="http://schemas.microsoft.com/office/drawing/2014/main" val="10006"/>
+                  </a:ext>
+                </a:extLst>
               </a:tr>
               <a:tr h="213330">
                 <a:tc>
@@ -33731,6 +34138,11 @@
                   </a:txBody>
                   <a:tcPr marL="7809" marR="7809" marT="0" marB="0" anchor="ctr"/>
                 </a:tc>
+                <a:extLst>
+                  <a:ext uri="{0D108BD9-81ED-4DB2-BD59-A6C34878D82A}">
+                    <a16:rowId xmlns:a16="http://schemas.microsoft.com/office/drawing/2014/main" val="10007"/>
+                  </a:ext>
+                </a:extLst>
               </a:tr>
               <a:tr h="213330">
                 <a:tc>
@@ -33779,6 +34191,11 @@
                   </a:txBody>
                   <a:tcPr marL="7809" marR="7809" marT="0" marB="0" anchor="ctr"/>
                 </a:tc>
+                <a:extLst>
+                  <a:ext uri="{0D108BD9-81ED-4DB2-BD59-A6C34878D82A}">
+                    <a16:rowId xmlns:a16="http://schemas.microsoft.com/office/drawing/2014/main" val="10008"/>
+                  </a:ext>
+                </a:extLst>
               </a:tr>
               <a:tr h="286279">
                 <a:tc>
@@ -33839,6 +34256,11 @@
                   </a:txBody>
                   <a:tcPr marL="7809" marR="7809" marT="0" marB="0" anchor="ctr"/>
                 </a:tc>
+                <a:extLst>
+                  <a:ext uri="{0D108BD9-81ED-4DB2-BD59-A6C34878D82A}">
+                    <a16:rowId xmlns:a16="http://schemas.microsoft.com/office/drawing/2014/main" val="10009"/>
+                  </a:ext>
+                </a:extLst>
               </a:tr>
               <a:tr h="248108">
                 <a:tc>
@@ -33887,6 +34309,11 @@
                   </a:txBody>
                   <a:tcPr marL="7809" marR="7809" marT="0" marB="0" anchor="ctr"/>
                 </a:tc>
+                <a:extLst>
+                  <a:ext uri="{0D108BD9-81ED-4DB2-BD59-A6C34878D82A}">
+                    <a16:rowId xmlns:a16="http://schemas.microsoft.com/office/drawing/2014/main" val="10010"/>
+                  </a:ext>
+                </a:extLst>
               </a:tr>
               <a:tr h="426660">
                 <a:tc>
@@ -33935,6 +34362,11 @@
                   </a:txBody>
                   <a:tcPr marL="7809" marR="7809" marT="0" marB="0"/>
                 </a:tc>
+                <a:extLst>
+                  <a:ext uri="{0D108BD9-81ED-4DB2-BD59-A6C34878D82A}">
+                    <a16:rowId xmlns:a16="http://schemas.microsoft.com/office/drawing/2014/main" val="10011"/>
+                  </a:ext>
+                </a:extLst>
               </a:tr>
               <a:tr h="213330">
                 <a:tc>
@@ -33991,6 +34423,11 @@
                   </a:txBody>
                   <a:tcPr marL="7809" marR="7809" marT="0" marB="0" anchor="ctr"/>
                 </a:tc>
+                <a:extLst>
+                  <a:ext uri="{0D108BD9-81ED-4DB2-BD59-A6C34878D82A}">
+                    <a16:rowId xmlns:a16="http://schemas.microsoft.com/office/drawing/2014/main" val="10012"/>
+                  </a:ext>
+                </a:extLst>
               </a:tr>
               <a:tr h="639990">
                 <a:tc>
@@ -34051,6 +34488,11 @@
                   </a:txBody>
                   <a:tcPr marL="7809" marR="7809" marT="0" marB="0"/>
                 </a:tc>
+                <a:extLst>
+                  <a:ext uri="{0D108BD9-81ED-4DB2-BD59-A6C34878D82A}">
+                    <a16:rowId xmlns:a16="http://schemas.microsoft.com/office/drawing/2014/main" val="10013"/>
+                  </a:ext>
+                </a:extLst>
               </a:tr>
               <a:tr h="426660">
                 <a:tc>
@@ -34099,6 +34541,11 @@
                   </a:txBody>
                   <a:tcPr marL="7809" marR="7809" marT="0" marB="0"/>
                 </a:tc>
+                <a:extLst>
+                  <a:ext uri="{0D108BD9-81ED-4DB2-BD59-A6C34878D82A}">
+                    <a16:rowId xmlns:a16="http://schemas.microsoft.com/office/drawing/2014/main" val="10014"/>
+                  </a:ext>
+                </a:extLst>
               </a:tr>
               <a:tr h="213330">
                 <a:tc>
@@ -34147,6 +34594,11 @@
                   </a:txBody>
                   <a:tcPr marL="7809" marR="7809" marT="0" marB="0"/>
                 </a:tc>
+                <a:extLst>
+                  <a:ext uri="{0D108BD9-81ED-4DB2-BD59-A6C34878D82A}">
+                    <a16:rowId xmlns:a16="http://schemas.microsoft.com/office/drawing/2014/main" val="10015"/>
+                  </a:ext>
+                </a:extLst>
               </a:tr>
               <a:tr h="213330">
                 <a:tc>
@@ -34195,6 +34647,11 @@
                   </a:txBody>
                   <a:tcPr marL="7809" marR="7809" marT="0" marB="0"/>
                 </a:tc>
+                <a:extLst>
+                  <a:ext uri="{0D108BD9-81ED-4DB2-BD59-A6C34878D82A}">
+                    <a16:rowId xmlns:a16="http://schemas.microsoft.com/office/drawing/2014/main" val="10016"/>
+                  </a:ext>
+                </a:extLst>
               </a:tr>
               <a:tr h="213330">
                 <a:tc>
@@ -34243,6 +34700,11 @@
                   </a:txBody>
                   <a:tcPr marL="7809" marR="7809" marT="0" marB="0"/>
                 </a:tc>
+                <a:extLst>
+                  <a:ext uri="{0D108BD9-81ED-4DB2-BD59-A6C34878D82A}">
+                    <a16:rowId xmlns:a16="http://schemas.microsoft.com/office/drawing/2014/main" val="10017"/>
+                  </a:ext>
+                </a:extLst>
               </a:tr>
             </a:tbl>
           </a:graphicData>
@@ -34619,8 +35081,20 @@
             <a:tbl>
               <a:tblPr/>
               <a:tblGrid>
-                <a:gridCol w="1981200"/>
-                <a:gridCol w="6858000"/>
+                <a:gridCol w="1981200">
+                  <a:extLst>
+                    <a:ext uri="{9D8B030D-6E8A-4147-A177-3AD203B41FA5}">
+                      <a16:colId xmlns:a16="http://schemas.microsoft.com/office/drawing/2014/main" val="20000"/>
+                    </a:ext>
+                  </a:extLst>
+                </a:gridCol>
+                <a:gridCol w="6858000">
+                  <a:extLst>
+                    <a:ext uri="{9D8B030D-6E8A-4147-A177-3AD203B41FA5}">
+                      <a16:colId xmlns:a16="http://schemas.microsoft.com/office/drawing/2014/main" val="20001"/>
+                    </a:ext>
+                  </a:extLst>
+                </a:gridCol>
               </a:tblGrid>
               <a:tr h="182856">
                 <a:tc>
@@ -34811,6 +35285,11 @@
                     <a:noFill/>
                   </a:tcPr>
                 </a:tc>
+                <a:extLst>
+                  <a:ext uri="{0D108BD9-81ED-4DB2-BD59-A6C34878D82A}">
+                    <a16:rowId xmlns:a16="http://schemas.microsoft.com/office/drawing/2014/main" val="10000"/>
+                  </a:ext>
+                </a:extLst>
               </a:tr>
               <a:tr h="182856">
                 <a:tc>
@@ -35015,6 +35494,11 @@
                     <a:noFill/>
                   </a:tcPr>
                 </a:tc>
+                <a:extLst>
+                  <a:ext uri="{0D108BD9-81ED-4DB2-BD59-A6C34878D82A}">
+                    <a16:rowId xmlns:a16="http://schemas.microsoft.com/office/drawing/2014/main" val="10001"/>
+                  </a:ext>
+                </a:extLst>
               </a:tr>
               <a:tr h="182856">
                 <a:tc>
@@ -35205,6 +35689,11 @@
                     <a:noFill/>
                   </a:tcPr>
                 </a:tc>
+                <a:extLst>
+                  <a:ext uri="{0D108BD9-81ED-4DB2-BD59-A6C34878D82A}">
+                    <a16:rowId xmlns:a16="http://schemas.microsoft.com/office/drawing/2014/main" val="10002"/>
+                  </a:ext>
+                </a:extLst>
               </a:tr>
               <a:tr h="182856">
                 <a:tc>
@@ -35395,6 +35884,11 @@
                     <a:noFill/>
                   </a:tcPr>
                 </a:tc>
+                <a:extLst>
+                  <a:ext uri="{0D108BD9-81ED-4DB2-BD59-A6C34878D82A}">
+                    <a16:rowId xmlns:a16="http://schemas.microsoft.com/office/drawing/2014/main" val="10003"/>
+                  </a:ext>
+                </a:extLst>
               </a:tr>
               <a:tr h="182856">
                 <a:tc>
@@ -35585,6 +36079,11 @@
                     <a:noFill/>
                   </a:tcPr>
                 </a:tc>
+                <a:extLst>
+                  <a:ext uri="{0D108BD9-81ED-4DB2-BD59-A6C34878D82A}">
+                    <a16:rowId xmlns:a16="http://schemas.microsoft.com/office/drawing/2014/main" val="10004"/>
+                  </a:ext>
+                </a:extLst>
               </a:tr>
               <a:tr h="365712">
                 <a:tc>
@@ -35803,6 +36302,11 @@
                     <a:noFill/>
                   </a:tcPr>
                 </a:tc>
+                <a:extLst>
+                  <a:ext uri="{0D108BD9-81ED-4DB2-BD59-A6C34878D82A}">
+                    <a16:rowId xmlns:a16="http://schemas.microsoft.com/office/drawing/2014/main" val="10005"/>
+                  </a:ext>
+                </a:extLst>
               </a:tr>
               <a:tr h="182856">
                 <a:tc>
@@ -35993,6 +36497,11 @@
                     <a:noFill/>
                   </a:tcPr>
                 </a:tc>
+                <a:extLst>
+                  <a:ext uri="{0D108BD9-81ED-4DB2-BD59-A6C34878D82A}">
+                    <a16:rowId xmlns:a16="http://schemas.microsoft.com/office/drawing/2014/main" val="10006"/>
+                  </a:ext>
+                </a:extLst>
               </a:tr>
               <a:tr h="182856">
                 <a:tc>
@@ -36183,6 +36692,11 @@
                     <a:noFill/>
                   </a:tcPr>
                 </a:tc>
+                <a:extLst>
+                  <a:ext uri="{0D108BD9-81ED-4DB2-BD59-A6C34878D82A}">
+                    <a16:rowId xmlns:a16="http://schemas.microsoft.com/office/drawing/2014/main" val="10007"/>
+                  </a:ext>
+                </a:extLst>
               </a:tr>
               <a:tr h="182856">
                 <a:tc>
@@ -36401,6 +36915,11 @@
                     <a:noFill/>
                   </a:tcPr>
                 </a:tc>
+                <a:extLst>
+                  <a:ext uri="{0D108BD9-81ED-4DB2-BD59-A6C34878D82A}">
+                    <a16:rowId xmlns:a16="http://schemas.microsoft.com/office/drawing/2014/main" val="10008"/>
+                  </a:ext>
+                </a:extLst>
               </a:tr>
               <a:tr h="784123">
                 <a:tc>
@@ -36720,6 +37239,11 @@
                     <a:noFill/>
                   </a:tcPr>
                 </a:tc>
+                <a:extLst>
+                  <a:ext uri="{0D108BD9-81ED-4DB2-BD59-A6C34878D82A}">
+                    <a16:rowId xmlns:a16="http://schemas.microsoft.com/office/drawing/2014/main" val="10009"/>
+                  </a:ext>
+                </a:extLst>
               </a:tr>
               <a:tr h="365712">
                 <a:tc>
@@ -36953,6 +37477,11 @@
                     <a:noFill/>
                   </a:tcPr>
                 </a:tc>
+                <a:extLst>
+                  <a:ext uri="{0D108BD9-81ED-4DB2-BD59-A6C34878D82A}">
+                    <a16:rowId xmlns:a16="http://schemas.microsoft.com/office/drawing/2014/main" val="10010"/>
+                  </a:ext>
+                </a:extLst>
               </a:tr>
               <a:tr h="365712">
                 <a:tc>
@@ -37186,6 +37715,11 @@
                     <a:noFill/>
                   </a:tcPr>
                 </a:tc>
+                <a:extLst>
+                  <a:ext uri="{0D108BD9-81ED-4DB2-BD59-A6C34878D82A}">
+                    <a16:rowId xmlns:a16="http://schemas.microsoft.com/office/drawing/2014/main" val="10011"/>
+                  </a:ext>
+                </a:extLst>
               </a:tr>
               <a:tr h="548569">
                 <a:tc>
@@ -37462,6 +37996,11 @@
                     <a:noFill/>
                   </a:tcPr>
                 </a:tc>
+                <a:extLst>
+                  <a:ext uri="{0D108BD9-81ED-4DB2-BD59-A6C34878D82A}">
+                    <a16:rowId xmlns:a16="http://schemas.microsoft.com/office/drawing/2014/main" val="10012"/>
+                  </a:ext>
+                </a:extLst>
               </a:tr>
               <a:tr h="192063">
                 <a:tc>
@@ -37652,6 +38191,11 @@
                     <a:noFill/>
                   </a:tcPr>
                 </a:tc>
+                <a:extLst>
+                  <a:ext uri="{0D108BD9-81ED-4DB2-BD59-A6C34878D82A}">
+                    <a16:rowId xmlns:a16="http://schemas.microsoft.com/office/drawing/2014/main" val="10013"/>
+                  </a:ext>
+                </a:extLst>
               </a:tr>
               <a:tr h="798409">
                 <a:tc>
@@ -38055,6 +38599,11 @@
                     <a:noFill/>
                   </a:tcPr>
                 </a:tc>
+                <a:extLst>
+                  <a:ext uri="{0D108BD9-81ED-4DB2-BD59-A6C34878D82A}">
+                    <a16:rowId xmlns:a16="http://schemas.microsoft.com/office/drawing/2014/main" val="10014"/>
+                  </a:ext>
+                </a:extLst>
               </a:tr>
             </a:tbl>
           </a:graphicData>

--- a/Presentation/lesson-03.pptx
+++ b/Presentation/lesson-03.pptx
@@ -231,10 +231,9 @@
           <a:lstStyle/>
           <a:p>
             <a:r>
-              <a:rPr lang="en-US" smtClean="0"/>
+              <a:rPr lang="en-US"/>
               <a:t>Click to edit Master title style</a:t>
             </a:r>
-            <a:endParaRPr lang="en-US"/>
           </a:p>
         </p:txBody>
       </p:sp>
@@ -350,10 +349,9 @@
           </a:lstStyle>
           <a:p>
             <a:r>
-              <a:rPr lang="en-US" smtClean="0"/>
+              <a:rPr lang="en-US"/>
               <a:t>Click to edit Master subtitle style</a:t>
             </a:r>
-            <a:endParaRPr lang="en-US"/>
           </a:p>
         </p:txBody>
       </p:sp>
@@ -374,7 +372,7 @@
           <a:p>
             <a:fld id="{6D622FCB-595C-4A19-9DA3-A5F2C1EA723F}" type="datetimeFigureOut">
               <a:rPr lang="en-US" smtClean="0"/>
-              <a:t>2/13/2018</a:t>
+              <a:t>7/1/18</a:t>
             </a:fld>
             <a:endParaRPr lang="en-US"/>
           </a:p>
@@ -468,10 +466,9 @@
           <a:lstStyle/>
           <a:p>
             <a:r>
-              <a:rPr lang="en-US" smtClean="0"/>
+              <a:rPr lang="en-US"/>
               <a:t>Click to edit Master title style</a:t>
             </a:r>
-            <a:endParaRPr lang="en-US"/>
           </a:p>
         </p:txBody>
       </p:sp>
@@ -492,38 +489,37 @@
           <a:p>
             <a:pPr lvl="0"/>
             <a:r>
-              <a:rPr lang="en-US" smtClean="0"/>
+              <a:rPr lang="en-US"/>
               <a:t>Click to edit Master text styles</a:t>
             </a:r>
           </a:p>
           <a:p>
             <a:pPr lvl="1"/>
             <a:r>
-              <a:rPr lang="en-US" smtClean="0"/>
+              <a:rPr lang="en-US"/>
               <a:t>Second level</a:t>
             </a:r>
           </a:p>
           <a:p>
             <a:pPr lvl="2"/>
             <a:r>
-              <a:rPr lang="en-US" smtClean="0"/>
+              <a:rPr lang="en-US"/>
               <a:t>Third level</a:t>
             </a:r>
           </a:p>
           <a:p>
             <a:pPr lvl="3"/>
             <a:r>
-              <a:rPr lang="en-US" smtClean="0"/>
+              <a:rPr lang="en-US"/>
               <a:t>Fourth level</a:t>
             </a:r>
           </a:p>
           <a:p>
             <a:pPr lvl="4"/>
             <a:r>
-              <a:rPr lang="en-US" smtClean="0"/>
+              <a:rPr lang="en-US"/>
               <a:t>Fifth level</a:t>
             </a:r>
-            <a:endParaRPr lang="en-US"/>
           </a:p>
         </p:txBody>
       </p:sp>
@@ -544,7 +540,7 @@
           <a:p>
             <a:fld id="{6D622FCB-595C-4A19-9DA3-A5F2C1EA723F}" type="datetimeFigureOut">
               <a:rPr lang="en-US" smtClean="0"/>
-              <a:t>2/13/2018</a:t>
+              <a:t>7/1/18</a:t>
             </a:fld>
             <a:endParaRPr lang="en-US"/>
           </a:p>
@@ -643,10 +639,9 @@
           <a:lstStyle/>
           <a:p>
             <a:r>
-              <a:rPr lang="en-US" smtClean="0"/>
+              <a:rPr lang="en-US"/>
               <a:t>Click to edit Master title style</a:t>
             </a:r>
-            <a:endParaRPr lang="en-US"/>
           </a:p>
         </p:txBody>
       </p:sp>
@@ -672,38 +667,37 @@
           <a:p>
             <a:pPr lvl="0"/>
             <a:r>
-              <a:rPr lang="en-US" smtClean="0"/>
+              <a:rPr lang="en-US"/>
               <a:t>Click to edit Master text styles</a:t>
             </a:r>
           </a:p>
           <a:p>
             <a:pPr lvl="1"/>
             <a:r>
-              <a:rPr lang="en-US" smtClean="0"/>
+              <a:rPr lang="en-US"/>
               <a:t>Second level</a:t>
             </a:r>
           </a:p>
           <a:p>
             <a:pPr lvl="2"/>
             <a:r>
-              <a:rPr lang="en-US" smtClean="0"/>
+              <a:rPr lang="en-US"/>
               <a:t>Third level</a:t>
             </a:r>
           </a:p>
           <a:p>
             <a:pPr lvl="3"/>
             <a:r>
-              <a:rPr lang="en-US" smtClean="0"/>
+              <a:rPr lang="en-US"/>
               <a:t>Fourth level</a:t>
             </a:r>
           </a:p>
           <a:p>
             <a:pPr lvl="4"/>
             <a:r>
-              <a:rPr lang="en-US" smtClean="0"/>
+              <a:rPr lang="en-US"/>
               <a:t>Fifth level</a:t>
             </a:r>
-            <a:endParaRPr lang="en-US"/>
           </a:p>
         </p:txBody>
       </p:sp>
@@ -724,7 +718,7 @@
           <a:p>
             <a:fld id="{6D622FCB-595C-4A19-9DA3-A5F2C1EA723F}" type="datetimeFigureOut">
               <a:rPr lang="en-US" smtClean="0"/>
-              <a:t>2/13/2018</a:t>
+              <a:t>7/1/18</a:t>
             </a:fld>
             <a:endParaRPr lang="en-US"/>
           </a:p>
@@ -825,7 +819,7 @@
           <a:p>
             <a:pPr algn="ctr"/>
             <a:r>
-              <a:rPr lang="ru-RU" sz="3600" b="1" i="1" dirty="0" smtClean="0">
+              <a:rPr lang="ru-RU" sz="3600" b="1" i="1" dirty="0">
                 <a:solidFill>
                   <a:prstClr val="white"/>
                 </a:solidFill>
@@ -833,7 +827,7 @@
               <a:t>Основы программирования на </a:t>
             </a:r>
             <a:r>
-              <a:rPr lang="en-US" sz="3600" b="1" i="1" dirty="0" smtClean="0">
+              <a:rPr lang="en-US" sz="3600" b="1" i="1" dirty="0">
                 <a:solidFill>
                   <a:prstClr val="white"/>
                 </a:solidFill>
@@ -940,18 +934,10 @@
                   <a:prstClr val="white"/>
                 </a:solidFill>
               </a:rPr>
-              <a:t>Занятие </a:t>
-            </a:r>
-            <a:r>
-              <a:rPr lang="ru-RU" sz="2400" dirty="0" smtClean="0">
-                <a:solidFill>
-                  <a:prstClr val="white"/>
-                </a:solidFill>
-              </a:rPr>
-              <a:t>№</a:t>
-            </a:r>
-            <a:r>
-              <a:rPr lang="en-US" sz="2400" dirty="0" smtClean="0">
+              <a:t>Занятие №</a:t>
+            </a:r>
+            <a:r>
+              <a:rPr lang="en-US" sz="2400" dirty="0">
                 <a:solidFill>
                   <a:prstClr val="white"/>
                 </a:solidFill>
@@ -959,7 +945,7 @@
               <a:t>?</a:t>
             </a:r>
             <a:r>
-              <a:rPr lang="ru-RU" sz="2400" dirty="0" smtClean="0">
+              <a:rPr lang="ru-RU" sz="2400" dirty="0">
                 <a:solidFill>
                   <a:prstClr val="white"/>
                 </a:solidFill>
@@ -1020,7 +1006,7 @@
           <a:lstStyle/>
           <a:p>
             <a:r>
-              <a:rPr lang="en-US" smtClean="0"/>
+              <a:rPr lang="en-US"/>
               <a:t>Click to edit Master title style</a:t>
             </a:r>
             <a:endParaRPr lang="ru-RU" dirty="0"/>
@@ -1044,35 +1030,35 @@
           <a:p>
             <a:pPr lvl="0"/>
             <a:r>
-              <a:rPr lang="en-US" smtClean="0"/>
+              <a:rPr lang="en-US"/>
               <a:t>Click to edit Master text styles</a:t>
             </a:r>
           </a:p>
           <a:p>
             <a:pPr lvl="1"/>
             <a:r>
-              <a:rPr lang="en-US" smtClean="0"/>
+              <a:rPr lang="en-US"/>
               <a:t>Second level</a:t>
             </a:r>
           </a:p>
           <a:p>
             <a:pPr lvl="2"/>
             <a:r>
-              <a:rPr lang="en-US" smtClean="0"/>
+              <a:rPr lang="en-US"/>
               <a:t>Third level</a:t>
             </a:r>
           </a:p>
           <a:p>
             <a:pPr lvl="3"/>
             <a:r>
-              <a:rPr lang="en-US" smtClean="0"/>
+              <a:rPr lang="en-US"/>
               <a:t>Fourth level</a:t>
             </a:r>
           </a:p>
           <a:p>
             <a:pPr lvl="4"/>
             <a:r>
-              <a:rPr lang="en-US" smtClean="0"/>
+              <a:rPr lang="en-US"/>
               <a:t>Fifth level</a:t>
             </a:r>
             <a:endParaRPr lang="ru-RU" dirty="0"/>
@@ -1134,7 +1120,7 @@
           </a:lstStyle>
           <a:p>
             <a:r>
-              <a:rPr lang="en-US" smtClean="0"/>
+              <a:rPr lang="en-US"/>
               <a:t>Click to edit Master title style</a:t>
             </a:r>
             <a:endParaRPr lang="ru-RU" dirty="0"/>
@@ -1254,7 +1240,7 @@
           <a:p>
             <a:pPr lvl="0"/>
             <a:r>
-              <a:rPr lang="en-US" smtClean="0"/>
+              <a:rPr lang="en-US"/>
               <a:t>Click to edit Master text styles</a:t>
             </a:r>
           </a:p>
@@ -1306,7 +1292,7 @@
           <a:lstStyle/>
           <a:p>
             <a:r>
-              <a:rPr lang="en-US" smtClean="0"/>
+              <a:rPr lang="en-US"/>
               <a:t>Click to edit Master title style</a:t>
             </a:r>
             <a:endParaRPr lang="ru-RU" dirty="0"/>
@@ -1363,35 +1349,35 @@
           <a:p>
             <a:pPr lvl="0"/>
             <a:r>
-              <a:rPr lang="en-US" smtClean="0"/>
+              <a:rPr lang="en-US"/>
               <a:t>Click to edit Master text styles</a:t>
             </a:r>
           </a:p>
           <a:p>
             <a:pPr lvl="1"/>
             <a:r>
-              <a:rPr lang="en-US" smtClean="0"/>
+              <a:rPr lang="en-US"/>
               <a:t>Second level</a:t>
             </a:r>
           </a:p>
           <a:p>
             <a:pPr lvl="2"/>
             <a:r>
-              <a:rPr lang="en-US" smtClean="0"/>
+              <a:rPr lang="en-US"/>
               <a:t>Third level</a:t>
             </a:r>
           </a:p>
           <a:p>
             <a:pPr lvl="3"/>
             <a:r>
-              <a:rPr lang="en-US" smtClean="0"/>
+              <a:rPr lang="en-US"/>
               <a:t>Fourth level</a:t>
             </a:r>
           </a:p>
           <a:p>
             <a:pPr lvl="4"/>
             <a:r>
-              <a:rPr lang="en-US" smtClean="0"/>
+              <a:rPr lang="en-US"/>
               <a:t>Fifth level</a:t>
             </a:r>
             <a:endParaRPr lang="ru-RU" dirty="0"/>
@@ -1448,35 +1434,35 @@
           <a:p>
             <a:pPr lvl="0"/>
             <a:r>
-              <a:rPr lang="en-US" smtClean="0"/>
+              <a:rPr lang="en-US"/>
               <a:t>Click to edit Master text styles</a:t>
             </a:r>
           </a:p>
           <a:p>
             <a:pPr lvl="1"/>
             <a:r>
-              <a:rPr lang="en-US" smtClean="0"/>
+              <a:rPr lang="en-US"/>
               <a:t>Second level</a:t>
             </a:r>
           </a:p>
           <a:p>
             <a:pPr lvl="2"/>
             <a:r>
-              <a:rPr lang="en-US" smtClean="0"/>
+              <a:rPr lang="en-US"/>
               <a:t>Third level</a:t>
             </a:r>
           </a:p>
           <a:p>
             <a:pPr lvl="3"/>
             <a:r>
-              <a:rPr lang="en-US" smtClean="0"/>
+              <a:rPr lang="en-US"/>
               <a:t>Fourth level</a:t>
             </a:r>
           </a:p>
           <a:p>
             <a:pPr lvl="4"/>
             <a:r>
-              <a:rPr lang="en-US" smtClean="0"/>
+              <a:rPr lang="en-US"/>
               <a:t>Fifth level</a:t>
             </a:r>
             <a:endParaRPr lang="ru-RU" dirty="0"/>
@@ -1533,7 +1519,7 @@
           </a:lstStyle>
           <a:p>
             <a:r>
-              <a:rPr lang="en-US" smtClean="0"/>
+              <a:rPr lang="en-US"/>
               <a:t>Click to edit Master title style</a:t>
             </a:r>
             <a:endParaRPr lang="ru-RU" dirty="0"/>
@@ -1599,7 +1585,7 @@
           <a:p>
             <a:pPr lvl="0"/>
             <a:r>
-              <a:rPr lang="en-US" smtClean="0"/>
+              <a:rPr lang="en-US"/>
               <a:t>Click to edit Master text styles</a:t>
             </a:r>
           </a:p>
@@ -1655,35 +1641,35 @@
           <a:p>
             <a:pPr lvl="0"/>
             <a:r>
-              <a:rPr lang="en-US" smtClean="0"/>
+              <a:rPr lang="en-US"/>
               <a:t>Click to edit Master text styles</a:t>
             </a:r>
           </a:p>
           <a:p>
             <a:pPr lvl="1"/>
             <a:r>
-              <a:rPr lang="en-US" smtClean="0"/>
+              <a:rPr lang="en-US"/>
               <a:t>Second level</a:t>
             </a:r>
           </a:p>
           <a:p>
             <a:pPr lvl="2"/>
             <a:r>
-              <a:rPr lang="en-US" smtClean="0"/>
+              <a:rPr lang="en-US"/>
               <a:t>Third level</a:t>
             </a:r>
           </a:p>
           <a:p>
             <a:pPr lvl="3"/>
             <a:r>
-              <a:rPr lang="en-US" smtClean="0"/>
+              <a:rPr lang="en-US"/>
               <a:t>Fourth level</a:t>
             </a:r>
           </a:p>
           <a:p>
             <a:pPr lvl="4"/>
             <a:r>
-              <a:rPr lang="en-US" smtClean="0"/>
+              <a:rPr lang="en-US"/>
               <a:t>Fifth level</a:t>
             </a:r>
             <a:endParaRPr lang="ru-RU" dirty="0"/>
@@ -1749,7 +1735,7 @@
           <a:p>
             <a:pPr lvl="0"/>
             <a:r>
-              <a:rPr lang="en-US" smtClean="0"/>
+              <a:rPr lang="en-US"/>
               <a:t>Click to edit Master text styles</a:t>
             </a:r>
           </a:p>
@@ -1805,35 +1791,35 @@
           <a:p>
             <a:pPr lvl="0"/>
             <a:r>
-              <a:rPr lang="en-US" smtClean="0"/>
+              <a:rPr lang="en-US"/>
               <a:t>Click to edit Master text styles</a:t>
             </a:r>
           </a:p>
           <a:p>
             <a:pPr lvl="1"/>
             <a:r>
-              <a:rPr lang="en-US" smtClean="0"/>
+              <a:rPr lang="en-US"/>
               <a:t>Second level</a:t>
             </a:r>
           </a:p>
           <a:p>
             <a:pPr lvl="2"/>
             <a:r>
-              <a:rPr lang="en-US" smtClean="0"/>
+              <a:rPr lang="en-US"/>
               <a:t>Third level</a:t>
             </a:r>
           </a:p>
           <a:p>
             <a:pPr lvl="3"/>
             <a:r>
-              <a:rPr lang="en-US" smtClean="0"/>
+              <a:rPr lang="en-US"/>
               <a:t>Fourth level</a:t>
             </a:r>
           </a:p>
           <a:p>
             <a:pPr lvl="4"/>
             <a:r>
-              <a:rPr lang="en-US" smtClean="0"/>
+              <a:rPr lang="en-US"/>
               <a:t>Fifth level</a:t>
             </a:r>
             <a:endParaRPr lang="ru-RU" dirty="0"/>
@@ -1886,7 +1872,7 @@
           <a:lstStyle/>
           <a:p>
             <a:r>
-              <a:rPr lang="en-US" smtClean="0"/>
+              <a:rPr lang="en-US"/>
               <a:t>Click to edit Master title style</a:t>
             </a:r>
             <a:endParaRPr lang="ru-RU" dirty="0"/>
@@ -1947,7 +1933,7 @@
           <a:p>
             <a:pPr algn="ctr"/>
             <a:r>
-              <a:rPr lang="ru-RU" sz="3200" dirty="0" smtClean="0">
+              <a:rPr lang="ru-RU" sz="3200" dirty="0">
                 <a:solidFill>
                   <a:srgbClr val="FFFFFF"/>
                 </a:solidFill>
@@ -2033,10 +2019,9 @@
           <a:lstStyle/>
           <a:p>
             <a:r>
-              <a:rPr lang="en-US" smtClean="0"/>
+              <a:rPr lang="en-US"/>
               <a:t>Click to edit Master title style</a:t>
             </a:r>
-            <a:endParaRPr lang="en-US"/>
           </a:p>
         </p:txBody>
       </p:sp>
@@ -2057,38 +2042,37 @@
           <a:p>
             <a:pPr lvl="0"/>
             <a:r>
-              <a:rPr lang="en-US" smtClean="0"/>
+              <a:rPr lang="en-US"/>
               <a:t>Click to edit Master text styles</a:t>
             </a:r>
           </a:p>
           <a:p>
             <a:pPr lvl="1"/>
             <a:r>
-              <a:rPr lang="en-US" smtClean="0"/>
+              <a:rPr lang="en-US"/>
               <a:t>Second level</a:t>
             </a:r>
           </a:p>
           <a:p>
             <a:pPr lvl="2"/>
             <a:r>
-              <a:rPr lang="en-US" smtClean="0"/>
+              <a:rPr lang="en-US"/>
               <a:t>Third level</a:t>
             </a:r>
           </a:p>
           <a:p>
             <a:pPr lvl="3"/>
             <a:r>
-              <a:rPr lang="en-US" smtClean="0"/>
+              <a:rPr lang="en-US"/>
               <a:t>Fourth level</a:t>
             </a:r>
           </a:p>
           <a:p>
             <a:pPr lvl="4"/>
             <a:r>
-              <a:rPr lang="en-US" smtClean="0"/>
+              <a:rPr lang="en-US"/>
               <a:t>Fifth level</a:t>
             </a:r>
-            <a:endParaRPr lang="en-US"/>
           </a:p>
         </p:txBody>
       </p:sp>
@@ -2109,7 +2093,7 @@
           <a:p>
             <a:fld id="{6D622FCB-595C-4A19-9DA3-A5F2C1EA723F}" type="datetimeFigureOut">
               <a:rPr lang="en-US" smtClean="0"/>
-              <a:t>2/13/2018</a:t>
+              <a:t>7/1/18</a:t>
             </a:fld>
             <a:endParaRPr lang="en-US"/>
           </a:p>
@@ -2212,7 +2196,7 @@
           </a:lstStyle>
           <a:p>
             <a:r>
-              <a:rPr lang="en-US" smtClean="0"/>
+              <a:rPr lang="en-US"/>
               <a:t>Click to edit Master title style</a:t>
             </a:r>
             <a:endParaRPr lang="ru-RU" dirty="0"/>
@@ -2269,35 +2253,35 @@
           <a:p>
             <a:pPr lvl="0"/>
             <a:r>
-              <a:rPr lang="en-US" smtClean="0"/>
+              <a:rPr lang="en-US"/>
               <a:t>Click to edit Master text styles</a:t>
             </a:r>
           </a:p>
           <a:p>
             <a:pPr lvl="1"/>
             <a:r>
-              <a:rPr lang="en-US" smtClean="0"/>
+              <a:rPr lang="en-US"/>
               <a:t>Second level</a:t>
             </a:r>
           </a:p>
           <a:p>
             <a:pPr lvl="2"/>
             <a:r>
-              <a:rPr lang="en-US" smtClean="0"/>
+              <a:rPr lang="en-US"/>
               <a:t>Third level</a:t>
             </a:r>
           </a:p>
           <a:p>
             <a:pPr lvl="3"/>
             <a:r>
-              <a:rPr lang="en-US" smtClean="0"/>
+              <a:rPr lang="en-US"/>
               <a:t>Fourth level</a:t>
             </a:r>
           </a:p>
           <a:p>
             <a:pPr lvl="4"/>
             <a:r>
-              <a:rPr lang="en-US" smtClean="0"/>
+              <a:rPr lang="en-US"/>
               <a:t>Fifth level</a:t>
             </a:r>
             <a:endParaRPr lang="ru-RU" dirty="0"/>
@@ -2363,7 +2347,7 @@
           <a:p>
             <a:pPr lvl="0"/>
             <a:r>
-              <a:rPr lang="en-US" smtClean="0"/>
+              <a:rPr lang="en-US"/>
               <a:t>Click to edit Master text styles</a:t>
             </a:r>
           </a:p>
@@ -2424,7 +2408,7 @@
           </a:lstStyle>
           <a:p>
             <a:r>
-              <a:rPr lang="en-US" smtClean="0"/>
+              <a:rPr lang="en-US"/>
               <a:t>Click to edit Master title style</a:t>
             </a:r>
             <a:endParaRPr lang="ru-RU" dirty="0"/>
@@ -2489,7 +2473,7 @@
           </a:lstStyle>
           <a:p>
             <a:r>
-              <a:rPr lang="en-US" smtClean="0"/>
+              <a:rPr lang="en-US"/>
               <a:t>Click icon to add picture</a:t>
             </a:r>
             <a:endParaRPr lang="ru-RU"/>
@@ -2555,7 +2539,7 @@
           <a:p>
             <a:pPr lvl="0"/>
             <a:r>
-              <a:rPr lang="en-US" smtClean="0"/>
+              <a:rPr lang="en-US"/>
               <a:t>Click to edit Master text styles</a:t>
             </a:r>
           </a:p>
@@ -2607,7 +2591,7 @@
           <a:lstStyle/>
           <a:p>
             <a:r>
-              <a:rPr lang="en-US" smtClean="0"/>
+              <a:rPr lang="en-US"/>
               <a:t>Click to edit Master title style</a:t>
             </a:r>
             <a:endParaRPr lang="ru-RU" dirty="0"/>
@@ -2631,35 +2615,35 @@
           <a:p>
             <a:pPr lvl="0"/>
             <a:r>
-              <a:rPr lang="en-US" smtClean="0"/>
+              <a:rPr lang="en-US"/>
               <a:t>Click to edit Master text styles</a:t>
             </a:r>
           </a:p>
           <a:p>
             <a:pPr lvl="1"/>
             <a:r>
-              <a:rPr lang="en-US" smtClean="0"/>
+              <a:rPr lang="en-US"/>
               <a:t>Second level</a:t>
             </a:r>
           </a:p>
           <a:p>
             <a:pPr lvl="2"/>
             <a:r>
-              <a:rPr lang="en-US" smtClean="0"/>
+              <a:rPr lang="en-US"/>
               <a:t>Third level</a:t>
             </a:r>
           </a:p>
           <a:p>
             <a:pPr lvl="3"/>
             <a:r>
-              <a:rPr lang="en-US" smtClean="0"/>
+              <a:rPr lang="en-US"/>
               <a:t>Fourth level</a:t>
             </a:r>
           </a:p>
           <a:p>
             <a:pPr lvl="4"/>
             <a:r>
-              <a:rPr lang="en-US" smtClean="0"/>
+              <a:rPr lang="en-US"/>
               <a:t>Fifth level</a:t>
             </a:r>
             <a:endParaRPr lang="ru-RU" dirty="0"/>
@@ -2717,7 +2701,7 @@
           <a:lstStyle/>
           <a:p>
             <a:r>
-              <a:rPr lang="en-US" smtClean="0"/>
+              <a:rPr lang="en-US"/>
               <a:t>Click to edit Master title style</a:t>
             </a:r>
             <a:endParaRPr lang="ru-RU" dirty="0"/>
@@ -2746,35 +2730,35 @@
           <a:p>
             <a:pPr lvl="0"/>
             <a:r>
-              <a:rPr lang="en-US" smtClean="0"/>
+              <a:rPr lang="en-US"/>
               <a:t>Click to edit Master text styles</a:t>
             </a:r>
           </a:p>
           <a:p>
             <a:pPr lvl="1"/>
             <a:r>
-              <a:rPr lang="en-US" smtClean="0"/>
+              <a:rPr lang="en-US"/>
               <a:t>Second level</a:t>
             </a:r>
           </a:p>
           <a:p>
             <a:pPr lvl="2"/>
             <a:r>
-              <a:rPr lang="en-US" smtClean="0"/>
+              <a:rPr lang="en-US"/>
               <a:t>Third level</a:t>
             </a:r>
           </a:p>
           <a:p>
             <a:pPr lvl="3"/>
             <a:r>
-              <a:rPr lang="en-US" smtClean="0"/>
+              <a:rPr lang="en-US"/>
               <a:t>Fourth level</a:t>
             </a:r>
           </a:p>
           <a:p>
             <a:pPr lvl="4"/>
             <a:r>
-              <a:rPr lang="en-US" smtClean="0"/>
+              <a:rPr lang="en-US"/>
               <a:t>Fifth level</a:t>
             </a:r>
             <a:endParaRPr lang="ru-RU" dirty="0"/>
@@ -2832,7 +2816,7 @@
           <a:lstStyle/>
           <a:p>
             <a:r>
-              <a:rPr lang="en-US" smtClean="0"/>
+              <a:rPr lang="en-US"/>
               <a:t>Click to edit Master title style</a:t>
             </a:r>
             <a:endParaRPr lang="ru-RU"/>
@@ -2951,7 +2935,7 @@
           </a:lstStyle>
           <a:p>
             <a:r>
-              <a:rPr lang="en-US" smtClean="0"/>
+              <a:rPr lang="en-US"/>
               <a:t>Click to edit Master subtitle style</a:t>
             </a:r>
             <a:endParaRPr lang="ru-RU"/>
@@ -2982,7 +2966,7 @@
                 </a:solidFill>
               </a:rPr>
               <a:pPr/>
-              <a:t>13.02.2018</a:t>
+              <a:t>01.07.2018</a:t>
             </a:fld>
             <a:endParaRPr lang="ru-RU">
               <a:solidFill>
@@ -3110,10 +3094,9 @@
           </a:lstStyle>
           <a:p>
             <a:r>
-              <a:rPr lang="en-US" smtClean="0"/>
+              <a:rPr lang="en-US"/>
               <a:t>Click to edit Master title style</a:t>
             </a:r>
-            <a:endParaRPr lang="en-US"/>
           </a:p>
         </p:txBody>
       </p:sp>
@@ -3230,7 +3213,7 @@
           <a:p>
             <a:pPr lvl="0"/>
             <a:r>
-              <a:rPr lang="en-US" smtClean="0"/>
+              <a:rPr lang="en-US"/>
               <a:t>Click to edit Master text styles</a:t>
             </a:r>
           </a:p>
@@ -3253,7 +3236,7 @@
           <a:p>
             <a:fld id="{6D622FCB-595C-4A19-9DA3-A5F2C1EA723F}" type="datetimeFigureOut">
               <a:rPr lang="en-US" smtClean="0"/>
-              <a:t>2/13/2018</a:t>
+              <a:t>7/1/18</a:t>
             </a:fld>
             <a:endParaRPr lang="en-US"/>
           </a:p>
@@ -3347,10 +3330,9 @@
           <a:lstStyle/>
           <a:p>
             <a:r>
-              <a:rPr lang="en-US" smtClean="0"/>
+              <a:rPr lang="en-US"/>
               <a:t>Click to edit Master title style</a:t>
             </a:r>
-            <a:endParaRPr lang="en-US"/>
           </a:p>
         </p:txBody>
       </p:sp>
@@ -3404,38 +3386,37 @@
           <a:p>
             <a:pPr lvl="0"/>
             <a:r>
-              <a:rPr lang="en-US" smtClean="0"/>
+              <a:rPr lang="en-US"/>
               <a:t>Click to edit Master text styles</a:t>
             </a:r>
           </a:p>
           <a:p>
             <a:pPr lvl="1"/>
             <a:r>
-              <a:rPr lang="en-US" smtClean="0"/>
+              <a:rPr lang="en-US"/>
               <a:t>Second level</a:t>
             </a:r>
           </a:p>
           <a:p>
             <a:pPr lvl="2"/>
             <a:r>
-              <a:rPr lang="en-US" smtClean="0"/>
+              <a:rPr lang="en-US"/>
               <a:t>Third level</a:t>
             </a:r>
           </a:p>
           <a:p>
             <a:pPr lvl="3"/>
             <a:r>
-              <a:rPr lang="en-US" smtClean="0"/>
+              <a:rPr lang="en-US"/>
               <a:t>Fourth level</a:t>
             </a:r>
           </a:p>
           <a:p>
             <a:pPr lvl="4"/>
             <a:r>
-              <a:rPr lang="en-US" smtClean="0"/>
+              <a:rPr lang="en-US"/>
               <a:t>Fifth level</a:t>
             </a:r>
-            <a:endParaRPr lang="en-US"/>
           </a:p>
         </p:txBody>
       </p:sp>
@@ -3489,38 +3470,37 @@
           <a:p>
             <a:pPr lvl="0"/>
             <a:r>
-              <a:rPr lang="en-US" smtClean="0"/>
+              <a:rPr lang="en-US"/>
               <a:t>Click to edit Master text styles</a:t>
             </a:r>
           </a:p>
           <a:p>
             <a:pPr lvl="1"/>
             <a:r>
-              <a:rPr lang="en-US" smtClean="0"/>
+              <a:rPr lang="en-US"/>
               <a:t>Second level</a:t>
             </a:r>
           </a:p>
           <a:p>
             <a:pPr lvl="2"/>
             <a:r>
-              <a:rPr lang="en-US" smtClean="0"/>
+              <a:rPr lang="en-US"/>
               <a:t>Third level</a:t>
             </a:r>
           </a:p>
           <a:p>
             <a:pPr lvl="3"/>
             <a:r>
-              <a:rPr lang="en-US" smtClean="0"/>
+              <a:rPr lang="en-US"/>
               <a:t>Fourth level</a:t>
             </a:r>
           </a:p>
           <a:p>
             <a:pPr lvl="4"/>
             <a:r>
-              <a:rPr lang="en-US" smtClean="0"/>
+              <a:rPr lang="en-US"/>
               <a:t>Fifth level</a:t>
             </a:r>
-            <a:endParaRPr lang="en-US"/>
           </a:p>
         </p:txBody>
       </p:sp>
@@ -3541,7 +3521,7 @@
           <a:p>
             <a:fld id="{6D622FCB-595C-4A19-9DA3-A5F2C1EA723F}" type="datetimeFigureOut">
               <a:rPr lang="en-US" smtClean="0"/>
-              <a:t>2/13/2018</a:t>
+              <a:t>7/1/18</a:t>
             </a:fld>
             <a:endParaRPr lang="en-US"/>
           </a:p>
@@ -3639,10 +3619,9 @@
           </a:lstStyle>
           <a:p>
             <a:r>
-              <a:rPr lang="en-US" smtClean="0"/>
+              <a:rPr lang="en-US"/>
               <a:t>Click to edit Master title style</a:t>
             </a:r>
-            <a:endParaRPr lang="en-US"/>
           </a:p>
         </p:txBody>
       </p:sp>
@@ -3705,7 +3684,7 @@
           <a:p>
             <a:pPr lvl="0"/>
             <a:r>
-              <a:rPr lang="en-US" smtClean="0"/>
+              <a:rPr lang="en-US"/>
               <a:t>Click to edit Master text styles</a:t>
             </a:r>
           </a:p>
@@ -3761,38 +3740,37 @@
           <a:p>
             <a:pPr lvl="0"/>
             <a:r>
-              <a:rPr lang="en-US" smtClean="0"/>
+              <a:rPr lang="en-US"/>
               <a:t>Click to edit Master text styles</a:t>
             </a:r>
           </a:p>
           <a:p>
             <a:pPr lvl="1"/>
             <a:r>
-              <a:rPr lang="en-US" smtClean="0"/>
+              <a:rPr lang="en-US"/>
               <a:t>Second level</a:t>
             </a:r>
           </a:p>
           <a:p>
             <a:pPr lvl="2"/>
             <a:r>
-              <a:rPr lang="en-US" smtClean="0"/>
+              <a:rPr lang="en-US"/>
               <a:t>Third level</a:t>
             </a:r>
           </a:p>
           <a:p>
             <a:pPr lvl="3"/>
             <a:r>
-              <a:rPr lang="en-US" smtClean="0"/>
+              <a:rPr lang="en-US"/>
               <a:t>Fourth level</a:t>
             </a:r>
           </a:p>
           <a:p>
             <a:pPr lvl="4"/>
             <a:r>
-              <a:rPr lang="en-US" smtClean="0"/>
+              <a:rPr lang="en-US"/>
               <a:t>Fifth level</a:t>
             </a:r>
-            <a:endParaRPr lang="en-US"/>
           </a:p>
         </p:txBody>
       </p:sp>
@@ -3855,7 +3833,7 @@
           <a:p>
             <a:pPr lvl="0"/>
             <a:r>
-              <a:rPr lang="en-US" smtClean="0"/>
+              <a:rPr lang="en-US"/>
               <a:t>Click to edit Master text styles</a:t>
             </a:r>
           </a:p>
@@ -3911,38 +3889,37 @@
           <a:p>
             <a:pPr lvl="0"/>
             <a:r>
-              <a:rPr lang="en-US" smtClean="0"/>
+              <a:rPr lang="en-US"/>
               <a:t>Click to edit Master text styles</a:t>
             </a:r>
           </a:p>
           <a:p>
             <a:pPr lvl="1"/>
             <a:r>
-              <a:rPr lang="en-US" smtClean="0"/>
+              <a:rPr lang="en-US"/>
               <a:t>Second level</a:t>
             </a:r>
           </a:p>
           <a:p>
             <a:pPr lvl="2"/>
             <a:r>
-              <a:rPr lang="en-US" smtClean="0"/>
+              <a:rPr lang="en-US"/>
               <a:t>Third level</a:t>
             </a:r>
           </a:p>
           <a:p>
             <a:pPr lvl="3"/>
             <a:r>
-              <a:rPr lang="en-US" smtClean="0"/>
+              <a:rPr lang="en-US"/>
               <a:t>Fourth level</a:t>
             </a:r>
           </a:p>
           <a:p>
             <a:pPr lvl="4"/>
             <a:r>
-              <a:rPr lang="en-US" smtClean="0"/>
+              <a:rPr lang="en-US"/>
               <a:t>Fifth level</a:t>
             </a:r>
-            <a:endParaRPr lang="en-US"/>
           </a:p>
         </p:txBody>
       </p:sp>
@@ -3963,7 +3940,7 @@
           <a:p>
             <a:fld id="{6D622FCB-595C-4A19-9DA3-A5F2C1EA723F}" type="datetimeFigureOut">
               <a:rPr lang="en-US" smtClean="0"/>
-              <a:t>2/13/2018</a:t>
+              <a:t>7/1/18</a:t>
             </a:fld>
             <a:endParaRPr lang="en-US"/>
           </a:p>
@@ -4057,10 +4034,9 @@
           <a:lstStyle/>
           <a:p>
             <a:r>
-              <a:rPr lang="en-US" smtClean="0"/>
+              <a:rPr lang="en-US"/>
               <a:t>Click to edit Master title style</a:t>
             </a:r>
-            <a:endParaRPr lang="en-US"/>
           </a:p>
         </p:txBody>
       </p:sp>
@@ -4081,7 +4057,7 @@
           <a:p>
             <a:fld id="{6D622FCB-595C-4A19-9DA3-A5F2C1EA723F}" type="datetimeFigureOut">
               <a:rPr lang="en-US" smtClean="0"/>
-              <a:t>2/13/2018</a:t>
+              <a:t>7/1/18</a:t>
             </a:fld>
             <a:endParaRPr lang="en-US"/>
           </a:p>
@@ -4176,7 +4152,7 @@
           <a:p>
             <a:fld id="{6D622FCB-595C-4A19-9DA3-A5F2C1EA723F}" type="datetimeFigureOut">
               <a:rPr lang="en-US" smtClean="0"/>
-              <a:t>2/13/2018</a:t>
+              <a:t>7/1/18</a:t>
             </a:fld>
             <a:endParaRPr lang="en-US"/>
           </a:p>
@@ -4279,10 +4255,9 @@
           </a:lstStyle>
           <a:p>
             <a:r>
-              <a:rPr lang="en-US" smtClean="0"/>
+              <a:rPr lang="en-US"/>
               <a:t>Click to edit Master title style</a:t>
             </a:r>
-            <a:endParaRPr lang="en-US"/>
           </a:p>
         </p:txBody>
       </p:sp>
@@ -4336,38 +4311,37 @@
           <a:p>
             <a:pPr lvl="0"/>
             <a:r>
-              <a:rPr lang="en-US" smtClean="0"/>
+              <a:rPr lang="en-US"/>
               <a:t>Click to edit Master text styles</a:t>
             </a:r>
           </a:p>
           <a:p>
             <a:pPr lvl="1"/>
             <a:r>
-              <a:rPr lang="en-US" smtClean="0"/>
+              <a:rPr lang="en-US"/>
               <a:t>Second level</a:t>
             </a:r>
           </a:p>
           <a:p>
             <a:pPr lvl="2"/>
             <a:r>
-              <a:rPr lang="en-US" smtClean="0"/>
+              <a:rPr lang="en-US"/>
               <a:t>Third level</a:t>
             </a:r>
           </a:p>
           <a:p>
             <a:pPr lvl="3"/>
             <a:r>
-              <a:rPr lang="en-US" smtClean="0"/>
+              <a:rPr lang="en-US"/>
               <a:t>Fourth level</a:t>
             </a:r>
           </a:p>
           <a:p>
             <a:pPr lvl="4"/>
             <a:r>
-              <a:rPr lang="en-US" smtClean="0"/>
+              <a:rPr lang="en-US"/>
               <a:t>Fifth level</a:t>
             </a:r>
-            <a:endParaRPr lang="en-US"/>
           </a:p>
         </p:txBody>
       </p:sp>
@@ -4430,7 +4404,7 @@
           <a:p>
             <a:pPr lvl="0"/>
             <a:r>
-              <a:rPr lang="en-US" smtClean="0"/>
+              <a:rPr lang="en-US"/>
               <a:t>Click to edit Master text styles</a:t>
             </a:r>
           </a:p>
@@ -4453,7 +4427,7 @@
           <a:p>
             <a:fld id="{6D622FCB-595C-4A19-9DA3-A5F2C1EA723F}" type="datetimeFigureOut">
               <a:rPr lang="en-US" smtClean="0"/>
-              <a:t>2/13/2018</a:t>
+              <a:t>7/1/18</a:t>
             </a:fld>
             <a:endParaRPr lang="en-US"/>
           </a:p>
@@ -4556,10 +4530,9 @@
           </a:lstStyle>
           <a:p>
             <a:r>
-              <a:rPr lang="en-US" smtClean="0"/>
+              <a:rPr lang="en-US"/>
               <a:t>Click to edit Master title style</a:t>
             </a:r>
-            <a:endParaRPr lang="en-US"/>
           </a:p>
         </p:txBody>
       </p:sp>
@@ -4683,7 +4656,7 @@
           <a:p>
             <a:pPr lvl="0"/>
             <a:r>
-              <a:rPr lang="en-US" smtClean="0"/>
+              <a:rPr lang="en-US"/>
               <a:t>Click to edit Master text styles</a:t>
             </a:r>
           </a:p>
@@ -4706,7 +4679,7 @@
           <a:p>
             <a:fld id="{6D622FCB-595C-4A19-9DA3-A5F2C1EA723F}" type="datetimeFigureOut">
               <a:rPr lang="en-US" smtClean="0"/>
-              <a:t>2/13/2018</a:t>
+              <a:t>7/1/18</a:t>
             </a:fld>
             <a:endParaRPr lang="en-US"/>
           </a:p>
@@ -4815,10 +4788,9 @@
           <a:lstStyle/>
           <a:p>
             <a:r>
-              <a:rPr lang="en-US" smtClean="0"/>
+              <a:rPr lang="en-US"/>
               <a:t>Click to edit Master title style</a:t>
             </a:r>
-            <a:endParaRPr lang="en-US"/>
           </a:p>
         </p:txBody>
       </p:sp>
@@ -4849,38 +4821,37 @@
           <a:p>
             <a:pPr lvl="0"/>
             <a:r>
-              <a:rPr lang="en-US" smtClean="0"/>
+              <a:rPr lang="en-US"/>
               <a:t>Click to edit Master text styles</a:t>
             </a:r>
           </a:p>
           <a:p>
             <a:pPr lvl="1"/>
             <a:r>
-              <a:rPr lang="en-US" smtClean="0"/>
+              <a:rPr lang="en-US"/>
               <a:t>Second level</a:t>
             </a:r>
           </a:p>
           <a:p>
             <a:pPr lvl="2"/>
             <a:r>
-              <a:rPr lang="en-US" smtClean="0"/>
+              <a:rPr lang="en-US"/>
               <a:t>Third level</a:t>
             </a:r>
           </a:p>
           <a:p>
             <a:pPr lvl="3"/>
             <a:r>
-              <a:rPr lang="en-US" smtClean="0"/>
+              <a:rPr lang="en-US"/>
               <a:t>Fourth level</a:t>
             </a:r>
           </a:p>
           <a:p>
             <a:pPr lvl="4"/>
             <a:r>
-              <a:rPr lang="en-US" smtClean="0"/>
+              <a:rPr lang="en-US"/>
               <a:t>Fifth level</a:t>
             </a:r>
-            <a:endParaRPr lang="en-US"/>
           </a:p>
         </p:txBody>
       </p:sp>
@@ -4919,7 +4890,7 @@
           <a:p>
             <a:fld id="{6D622FCB-595C-4A19-9DA3-A5F2C1EA723F}" type="datetimeFigureOut">
               <a:rPr lang="en-US" smtClean="0"/>
-              <a:t>2/13/2018</a:t>
+              <a:t>7/1/18</a:t>
             </a:fld>
             <a:endParaRPr lang="en-US"/>
           </a:p>
@@ -5334,7 +5305,7 @@
           <a:lstStyle/>
           <a:p>
             <a:r>
-              <a:rPr lang="en-US" smtClean="0"/>
+              <a:rPr lang="en-US"/>
               <a:t>Click to edit Master title style</a:t>
             </a:r>
             <a:endParaRPr lang="ru-RU"/>
@@ -5368,35 +5339,35 @@
           <a:p>
             <a:pPr lvl="0"/>
             <a:r>
-              <a:rPr lang="en-US" smtClean="0"/>
+              <a:rPr lang="en-US"/>
               <a:t>Click to edit Master text styles</a:t>
             </a:r>
           </a:p>
           <a:p>
             <a:pPr lvl="1"/>
             <a:r>
-              <a:rPr lang="en-US" smtClean="0"/>
+              <a:rPr lang="en-US"/>
               <a:t>Second level</a:t>
             </a:r>
           </a:p>
           <a:p>
             <a:pPr lvl="2"/>
             <a:r>
-              <a:rPr lang="en-US" smtClean="0"/>
+              <a:rPr lang="en-US"/>
               <a:t>Third level</a:t>
             </a:r>
           </a:p>
           <a:p>
             <a:pPr lvl="3"/>
             <a:r>
-              <a:rPr lang="en-US" smtClean="0"/>
+              <a:rPr lang="en-US"/>
               <a:t>Fourth level</a:t>
             </a:r>
           </a:p>
           <a:p>
             <a:pPr lvl="4"/>
             <a:r>
-              <a:rPr lang="en-US" smtClean="0"/>
+              <a:rPr lang="en-US"/>
               <a:t>Fifth level</a:t>
             </a:r>
             <a:endParaRPr lang="ru-RU"/>
@@ -5445,7 +5416,7 @@
                 </a:solidFill>
               </a:rPr>
               <a:pPr/>
-              <a:t>13.02.2018</a:t>
+              <a:t>01.07.2018</a:t>
             </a:fld>
             <a:endParaRPr lang="ru-RU">
               <a:solidFill>
@@ -5870,7 +5841,7 @@
         <p:spPr>
           <a:xfrm>
             <a:off x="143508" y="1304764"/>
-            <a:ext cx="8856984" cy="646331"/>
+            <a:ext cx="8856984" cy="523220"/>
           </a:xfrm>
           <a:prstGeom prst="rect">
             <a:avLst/>
@@ -5884,7 +5855,7 @@
           <a:p>
             <a:pPr algn="ctr"/>
             <a:r>
-              <a:rPr lang="ru-RU" sz="3600" b="1" i="1" dirty="0" smtClean="0">
+              <a:rPr lang="ru-RU" sz="2800" i="1" dirty="0">
                 <a:solidFill>
                   <a:schemeClr val="bg1"/>
                 </a:solidFill>
@@ -5892,14 +5863,14 @@
               <a:t>Основы программирования на </a:t>
             </a:r>
             <a:r>
-              <a:rPr lang="en-US" sz="3600" b="1" i="1" dirty="0" smtClean="0">
+              <a:rPr lang="en-US" sz="2800" i="1" dirty="0">
                 <a:solidFill>
                   <a:schemeClr val="bg1"/>
                 </a:solidFill>
               </a:rPr>
               <a:t>C#</a:t>
             </a:r>
-            <a:endParaRPr lang="ru-RU" sz="3600" b="1" i="1" dirty="0">
+            <a:endParaRPr lang="ru-RU" sz="2800" i="1" dirty="0">
               <a:solidFill>
                 <a:schemeClr val="bg1"/>
               </a:solidFill>
@@ -5907,70 +5878,6 @@
           </a:p>
         </p:txBody>
       </p:sp>
-      <p:pic>
-        <p:nvPicPr>
-          <p:cNvPr id="1029" name="Picture 5"/>
-          <p:cNvPicPr>
-            <a:picLocks noChangeAspect="1" noChangeArrowheads="1"/>
-          </p:cNvPicPr>
-          <p:nvPr/>
-        </p:nvPicPr>
-        <p:blipFill>
-          <a:blip r:embed="rId3">
-            <a:extLst>
-              <a:ext uri="{28A0092B-C50C-407E-A947-70E740481C1C}">
-                <a14:useLocalDpi xmlns:a14="http://schemas.microsoft.com/office/drawing/2010/main" val="0"/>
-              </a:ext>
-            </a:extLst>
-          </a:blip>
-          <a:srcRect/>
-          <a:stretch>
-            <a:fillRect/>
-          </a:stretch>
-        </p:blipFill>
-        <p:spPr bwMode="auto">
-          <a:xfrm>
-            <a:off x="1638300" y="3829211"/>
-            <a:ext cx="5867400" cy="1724025"/>
-          </a:xfrm>
-          <a:prstGeom prst="rect">
-            <a:avLst/>
-          </a:prstGeom>
-          <a:noFill/>
-          <a:ln>
-            <a:noFill/>
-          </a:ln>
-          <a:effectLst/>
-          <a:extLst>
-            <a:ext uri="{909E8E84-426E-40DD-AFC4-6F175D3DCCD1}">
-              <a14:hiddenFill xmlns:a14="http://schemas.microsoft.com/office/drawing/2010/main">
-                <a:solidFill>
-                  <a:schemeClr val="accent1"/>
-                </a:solidFill>
-              </a14:hiddenFill>
-            </a:ext>
-            <a:ext uri="{91240B29-F687-4F45-9708-019B960494DF}">
-              <a14:hiddenLine xmlns:a14="http://schemas.microsoft.com/office/drawing/2010/main" w="9525">
-                <a:solidFill>
-                  <a:schemeClr val="tx1"/>
-                </a:solidFill>
-                <a:miter lim="800000"/>
-                <a:headEnd/>
-                <a:tailEnd/>
-              </a14:hiddenLine>
-            </a:ext>
-            <a:ext uri="{AF507438-7753-43E0-B8FC-AC1667EBCBE1}">
-              <a14:hiddenEffects xmlns:a14="http://schemas.microsoft.com/office/drawing/2010/main">
-                <a:effectLst>
-                  <a:outerShdw dist="35921" dir="2700000" algn="ctr" rotWithShape="0">
-                    <a:schemeClr val="bg2"/>
-                  </a:outerShdw>
-                </a:effectLst>
-              </a14:hiddenEffects>
-            </a:ext>
-          </a:extLst>
-        </p:spPr>
-      </p:pic>
       <p:sp>
         <p:nvSpPr>
           <p:cNvPr id="2" name="TextBox 1"/>
@@ -5980,7 +5887,7 @@
         <p:spPr>
           <a:xfrm>
             <a:off x="143508" y="2528900"/>
-            <a:ext cx="8856983" cy="830997"/>
+            <a:ext cx="8856983" cy="1200329"/>
           </a:xfrm>
           <a:prstGeom prst="rect">
             <a:avLst/>
@@ -5995,49 +5902,142 @@
           <a:p>
             <a:pPr algn="ctr"/>
             <a:r>
-              <a:rPr lang="ru-RU" sz="2400" dirty="0" smtClean="0">
+              <a:rPr lang="ru-RU" sz="3600" b="1" dirty="0">
                 <a:solidFill>
                   <a:schemeClr val="bg1"/>
                 </a:solidFill>
+                <a:latin typeface="Footlight MT Light" panose="0204060206030A020304" pitchFamily="18" charset="77"/>
               </a:rPr>
-              <a:t>Занятие №</a:t>
-            </a:r>
-            <a:r>
-              <a:rPr lang="en-US" sz="2400" dirty="0" smtClean="0">
+              <a:t>§ Преобразования, строки </a:t>
+            </a:r>
+            <a:r>
+              <a:rPr lang="ru-RU" sz="3600" b="1">
                 <a:solidFill>
                   <a:schemeClr val="bg1"/>
                 </a:solidFill>
+                <a:latin typeface="Footlight MT Light" panose="0204060206030A020304" pitchFamily="18" charset="77"/>
               </a:rPr>
-              <a:t>3</a:t>
-            </a:r>
-            <a:r>
-              <a:rPr lang="ru-RU" sz="2400" dirty="0" smtClean="0">
-                <a:solidFill>
-                  <a:schemeClr val="bg1"/>
-                </a:solidFill>
-              </a:rPr>
-              <a:t>.</a:t>
-            </a:r>
-            <a:endParaRPr lang="en-US" sz="2400" dirty="0" smtClean="0">
+              <a:t>и кодировки</a:t>
+            </a:r>
+            <a:endParaRPr lang="ru-RU" sz="3600" b="1" dirty="0">
               <a:solidFill>
                 <a:schemeClr val="bg1"/>
               </a:solidFill>
+              <a:latin typeface="Footlight MT Light" panose="0204060206030A020304" pitchFamily="18" charset="77"/>
             </a:endParaRPr>
           </a:p>
+        </p:txBody>
+      </p:sp>
+      <p:sp>
+        <p:nvSpPr>
+          <p:cNvPr id="5" name="TextBox 4">
+            <a:extLst>
+              <a:ext uri="{FF2B5EF4-FFF2-40B4-BE49-F238E27FC236}">
+                <a16:creationId xmlns:a16="http://schemas.microsoft.com/office/drawing/2014/main" id="{F5BAD8C7-5BD8-184C-85E9-1300D98DA30A}"/>
+              </a:ext>
+            </a:extLst>
+          </p:cNvPr>
+          <p:cNvSpPr txBox="1"/>
+          <p:nvPr/>
+        </p:nvSpPr>
+        <p:spPr>
+          <a:xfrm>
+            <a:off x="2339752" y="4984720"/>
+            <a:ext cx="4464496" cy="1138773"/>
+          </a:xfrm>
+          <a:prstGeom prst="rect">
+            <a:avLst/>
+          </a:prstGeom>
+          <a:noFill/>
+        </p:spPr>
+        <p:txBody>
+          <a:bodyPr wrap="square" rtlCol="0">
+            <a:spAutoFit/>
+          </a:bodyPr>
+          <a:lstStyle/>
+          <a:p>
+            <a:r>
+              <a:rPr lang="ru-RU" sz="2000" dirty="0">
+                <a:solidFill>
+                  <a:schemeClr val="bg1"/>
+                </a:solidFill>
+                <a:effectLst>
+                  <a:outerShdw blurRad="50800" dist="38100" dir="5400000" algn="t" rotWithShape="0">
+                    <a:prstClr val="black">
+                      <a:alpha val="40000"/>
+                    </a:prstClr>
+                  </a:outerShdw>
+                </a:effectLst>
+                <a:latin typeface="Segoe Print" panose="02000800000000000000" pitchFamily="2" charset="0"/>
+              </a:rPr>
+              <a:t>Центр Обучающих Технологий</a:t>
+            </a:r>
+          </a:p>
           <a:p>
             <a:pPr algn="ctr"/>
             <a:r>
-              <a:rPr lang="ru-RU" sz="2400" dirty="0" smtClean="0">
+              <a:rPr lang="ru-RU" sz="1600" dirty="0">
                 <a:solidFill>
                   <a:schemeClr val="bg1"/>
                 </a:solidFill>
+                <a:effectLst>
+                  <a:outerShdw blurRad="50800" dist="38100" dir="5400000" algn="t" rotWithShape="0">
+                    <a:prstClr val="black">
+                      <a:alpha val="40000"/>
+                    </a:prstClr>
+                  </a:outerShdw>
+                </a:effectLst>
+                <a:latin typeface="Segoe Print" panose="02000800000000000000" pitchFamily="2" charset="0"/>
               </a:rPr>
-              <a:t>Углубленные основы ООП. Жизненный цикл объекта</a:t>
-            </a:r>
-            <a:endParaRPr lang="en-US" sz="2400" dirty="0">
+              <a:t>основан в 2002 году</a:t>
+            </a:r>
+          </a:p>
+          <a:p>
+            <a:pPr algn="ctr"/>
+            <a:endParaRPr lang="ru-RU" sz="1600" dirty="0">
               <a:solidFill>
                 <a:schemeClr val="bg1"/>
               </a:solidFill>
+              <a:effectLst>
+                <a:outerShdw blurRad="50800" dist="38100" dir="5400000" algn="t" rotWithShape="0">
+                  <a:prstClr val="black">
+                    <a:alpha val="40000"/>
+                  </a:prstClr>
+                </a:outerShdw>
+              </a:effectLst>
+              <a:latin typeface="Segoe Print" panose="02000800000000000000" pitchFamily="2" charset="0"/>
+            </a:endParaRPr>
+          </a:p>
+          <a:p>
+            <a:pPr algn="ctr"/>
+            <a:r>
+              <a:rPr lang="en-US" sz="1600" dirty="0" err="1">
+                <a:solidFill>
+                  <a:schemeClr val="bg1"/>
+                </a:solidFill>
+                <a:effectLst>
+                  <a:outerShdw blurRad="50800" dist="38100" dir="5400000" algn="t" rotWithShape="0">
+                    <a:prstClr val="black">
+                      <a:alpha val="40000"/>
+                    </a:prstClr>
+                  </a:outerShdw>
+                </a:effectLst>
+                <a:latin typeface="Segoe Print" panose="02000800000000000000" pitchFamily="2" charset="0"/>
+              </a:rPr>
+              <a:t>trainingcenter.by</a:t>
+            </a:r>
+            <a:endParaRPr lang="en-US" sz="1600" dirty="0">
+              <a:solidFill>
+                <a:schemeClr val="bg1"/>
+              </a:solidFill>
+              <a:effectLst>
+                <a:outerShdw blurRad="50800" dist="38100" dir="5400000" algn="t" rotWithShape="0">
+                  <a:prstClr val="black">
+                    <a:alpha val="40000"/>
+                  </a:prstClr>
+                </a:outerShdw>
+              </a:effectLst>
+              <a:latin typeface="Segoe Print" panose="02000800000000000000" pitchFamily="2" charset="0"/>
             </a:endParaRPr>
           </a:p>
         </p:txBody>
@@ -6052,13 +6052,6 @@
   <p:clrMapOvr>
     <a:masterClrMapping/>
   </p:clrMapOvr>
-  <p:timing>
-    <p:tnLst>
-      <p:par>
-        <p:cTn id="1" dur="indefinite" restart="never" nodeType="tmRoot"/>
-      </p:par>
-    </p:tnLst>
-  </p:timing>
 </p:sld>
 </file>
 
@@ -6778,13 +6771,6 @@
   <p:clrMapOvr>
     <a:masterClrMapping/>
   </p:clrMapOvr>
-  <p:timing>
-    <p:tnLst>
-      <p:par>
-        <p:cTn id="1" dur="indefinite" restart="never" nodeType="tmRoot"/>
-      </p:par>
-    </p:tnLst>
-  </p:timing>
 </p:sld>
 </file>
 
@@ -6821,10 +6807,9 @@
           <a:lstStyle/>
           <a:p>
             <a:r>
-              <a:rPr lang="ru-RU" dirty="0" smtClean="0"/>
+              <a:rPr lang="ru-RU" dirty="0"/>
               <a:t>Кодировки текста</a:t>
             </a:r>
-            <a:endParaRPr lang="ru-RU" dirty="0"/>
           </a:p>
         </p:txBody>
       </p:sp>
@@ -6849,69 +6834,10 @@
               <a:buNone/>
             </a:pPr>
             <a:r>
-              <a:rPr lang="ru-RU" dirty="0" smtClean="0"/>
+              <a:rPr lang="ru-RU" dirty="0"/>
               <a:t>Под кодировкой понимается сопоставление символу числового кода. Это необходимо так как компьютер умеет оперировать только числами. Кодироки делятся на однобайтовые и многобайтовые. В однобайтовой кодировке можно представить не больше чем 256 символов, что зачастую лишает возможности иметь в одной строке символы из разных алфавитов. Многобайтовые кодировки, очевидно, способны представить гораздо больше символов.</a:t>
             </a:r>
-            <a:endParaRPr lang="en-US" dirty="0" smtClean="0"/>
-          </a:p>
-          <a:p>
-            <a:pPr marL="0" indent="0">
-              <a:buNone/>
-            </a:pPr>
-            <a:endParaRPr lang="en-US" dirty="0" smtClean="0"/>
-          </a:p>
-          <a:p>
-            <a:r>
-              <a:rPr lang="ru-RU" dirty="0" smtClean="0"/>
-              <a:t>Однобайтовые кодировки: </a:t>
-            </a:r>
-            <a:r>
-              <a:rPr lang="en-US" dirty="0" smtClean="0"/>
-              <a:t> </a:t>
-            </a:r>
-            <a:r>
-              <a:rPr lang="en-US" dirty="0"/>
-              <a:t>ISO 8859-1, </a:t>
-            </a:r>
-            <a:r>
-              <a:rPr lang="en-US" dirty="0" smtClean="0"/>
-              <a:t>EBCDIC, Windows-1251, koi8-r, dos866, ASCII (</a:t>
-            </a:r>
-            <a:r>
-              <a:rPr lang="ru-RU" dirty="0" smtClean="0"/>
-              <a:t>7-битовая кодировка) и другие.</a:t>
-            </a:r>
-          </a:p>
-          <a:p>
-            <a:r>
-              <a:rPr lang="ru-RU" dirty="0" err="1" smtClean="0"/>
-              <a:t>Многобайтовые</a:t>
-            </a:r>
-            <a:r>
-              <a:rPr lang="ru-RU" dirty="0" smtClean="0"/>
-              <a:t> кодировки: семейство </a:t>
-            </a:r>
-            <a:r>
-              <a:rPr lang="en-US" dirty="0" smtClean="0"/>
-              <a:t>Unicode (UTF-8, UTF-16, UTF-32), GBK (</a:t>
-            </a:r>
-            <a:r>
-              <a:rPr lang="ru-RU" dirty="0" smtClean="0"/>
-              <a:t>китайский)</a:t>
-            </a:r>
-            <a:r>
-              <a:rPr lang="en-US" dirty="0"/>
-              <a:t>, </a:t>
-            </a:r>
-            <a:r>
-              <a:rPr lang="en-US" dirty="0" smtClean="0"/>
-              <a:t>ISO-2022-JP (</a:t>
-            </a:r>
-            <a:r>
-              <a:rPr lang="ru-RU" dirty="0" smtClean="0"/>
-              <a:t>японский) и другие.</a:t>
-            </a:r>
-            <a:endParaRPr lang="en-US" dirty="0" smtClean="0"/>
+            <a:endParaRPr lang="en-US" dirty="0"/>
           </a:p>
           <a:p>
             <a:pPr marL="0" indent="0">
@@ -6920,15 +6846,62 @@
             <a:endParaRPr lang="en-US" dirty="0"/>
           </a:p>
           <a:p>
+            <a:r>
+              <a:rPr lang="ru-RU" dirty="0"/>
+              <a:t>Однобайтовые кодировки: </a:t>
+            </a:r>
+            <a:r>
+              <a:rPr lang="en-US" dirty="0"/>
+              <a:t> ISO 8859-1, EBCDIC, Windows-1251, koi8-r, dos866, ASCII (</a:t>
+            </a:r>
+            <a:r>
+              <a:rPr lang="ru-RU" dirty="0"/>
+              <a:t>7-битовая кодировка) и другие.</a:t>
+            </a:r>
+          </a:p>
+          <a:p>
+            <a:r>
+              <a:rPr lang="ru-RU" dirty="0" err="1"/>
+              <a:t>Многобайтовые</a:t>
+            </a:r>
+            <a:r>
+              <a:rPr lang="ru-RU" dirty="0"/>
+              <a:t> кодировки: семейство </a:t>
+            </a:r>
+            <a:r>
+              <a:rPr lang="en-US" dirty="0"/>
+              <a:t>Unicode (UTF-8, UTF-16, UTF-32), GBK (</a:t>
+            </a:r>
+            <a:r>
+              <a:rPr lang="ru-RU" dirty="0"/>
+              <a:t>китайский)</a:t>
+            </a:r>
+            <a:r>
+              <a:rPr lang="en-US" dirty="0"/>
+              <a:t>, ISO-2022-JP (</a:t>
+            </a:r>
+            <a:r>
+              <a:rPr lang="ru-RU" dirty="0"/>
+              <a:t>японский) и другие.</a:t>
+            </a:r>
+            <a:endParaRPr lang="en-US" dirty="0"/>
+          </a:p>
+          <a:p>
             <a:pPr marL="0" indent="0">
               <a:buNone/>
             </a:pPr>
-            <a:r>
-              <a:rPr lang="ru-RU" dirty="0" smtClean="0"/>
+            <a:endParaRPr lang="en-US" dirty="0"/>
+          </a:p>
+          <a:p>
+            <a:pPr marL="0" indent="0">
+              <a:buNone/>
+            </a:pPr>
+            <a:r>
+              <a:rPr lang="ru-RU" dirty="0"/>
               <a:t>Самой популярной многобайтовой кодировкой является </a:t>
             </a:r>
             <a:r>
-              <a:rPr lang="en-US" dirty="0" smtClean="0"/>
+              <a:rPr lang="en-US" dirty="0"/>
               <a:t>Unicode.</a:t>
             </a:r>
             <a:endParaRPr lang="ru-RU" dirty="0"/>
@@ -6945,13 +6918,6 @@
   <p:clrMapOvr>
     <a:masterClrMapping/>
   </p:clrMapOvr>
-  <p:timing>
-    <p:tnLst>
-      <p:par>
-        <p:cTn id="1" dur="indefinite" restart="never" nodeType="tmRoot"/>
-      </p:par>
-    </p:tnLst>
-  </p:timing>
 </p:sld>
 </file>
 
@@ -6990,21 +6956,16 @@
           <a:lstStyle/>
           <a:p>
             <a:r>
-              <a:rPr lang="ru-RU" dirty="0" smtClean="0"/>
+              <a:rPr lang="ru-RU" dirty="0"/>
               <a:t>Кодировки текста</a:t>
-            </a:r>
-            <a:r>
-              <a:rPr lang="en-US" dirty="0"/>
-              <a:t/>
             </a:r>
             <a:br>
               <a:rPr lang="en-US" dirty="0"/>
             </a:br>
             <a:r>
-              <a:rPr lang="ru-RU" dirty="0" smtClean="0"/>
+              <a:rPr lang="ru-RU" dirty="0"/>
               <a:t>Полезные ссылки</a:t>
             </a:r>
-            <a:endParaRPr lang="ru-RU" dirty="0"/>
           </a:p>
         </p:txBody>
       </p:sp>
@@ -7026,31 +6987,15 @@
           <a:lstStyle/>
           <a:p>
             <a:r>
-              <a:rPr lang="ru-RU" sz="2800" dirty="0" smtClean="0">
+              <a:rPr lang="ru-RU" sz="2800" dirty="0">
                 <a:solidFill>
                   <a:schemeClr val="bg1"/>
                 </a:solidFill>
               </a:rPr>
-              <a:t>«Абсолютный </a:t>
-            </a:r>
-            <a:r>
-              <a:rPr lang="ru-RU" sz="2800" dirty="0">
-                <a:solidFill>
-                  <a:schemeClr val="bg1"/>
-                </a:solidFill>
-              </a:rPr>
-              <a:t>Минимум, который Каждый Разработчик Программного Обеспечения Обязательно Должен Знать о Unicode и </a:t>
-            </a:r>
-            <a:r>
-              <a:rPr lang="ru-RU" sz="2800" dirty="0" smtClean="0">
-                <a:solidFill>
-                  <a:schemeClr val="bg1"/>
-                </a:solidFill>
-              </a:rPr>
-              <a:t>Наборах»</a:t>
-            </a:r>
-            <a:r>
-              <a:rPr lang="en-US" sz="2800" dirty="0" smtClean="0">
+              <a:t>«Абсолютный Минимум, который Каждый Разработчик Программного Обеспечения Обязательно Должен Знать о Unicode и Наборах»</a:t>
+            </a:r>
+            <a:r>
+              <a:rPr lang="en-US" sz="2800" dirty="0">
                 <a:solidFill>
                   <a:schemeClr val="bg1"/>
                 </a:solidFill>
@@ -7074,12 +7019,68 @@
               <a:t>Spolsky</a:t>
             </a:r>
             <a:r>
-              <a:rPr lang="ru-RU" sz="2800" dirty="0" smtClean="0">
+              <a:rPr lang="ru-RU" sz="2800" dirty="0">
                 <a:solidFill>
                   <a:schemeClr val="bg1"/>
                 </a:solidFill>
               </a:rPr>
               <a:t>).</a:t>
+            </a:r>
+          </a:p>
+          <a:p>
+            <a:pPr lvl="1"/>
+            <a:r>
+              <a:rPr lang="ru-RU" dirty="0">
+                <a:solidFill>
+                  <a:schemeClr val="bg1"/>
+                </a:solidFill>
+              </a:rPr>
+              <a:t>На </a:t>
+            </a:r>
+            <a:r>
+              <a:rPr lang="ru-RU" dirty="0">
+                <a:solidFill>
+                  <a:schemeClr val="bg1"/>
+                </a:solidFill>
+                <a:hlinkClick r:id="rId2"/>
+              </a:rPr>
+              <a:t>русском</a:t>
+            </a:r>
+            <a:r>
+              <a:rPr lang="ru-RU" dirty="0">
+                <a:solidFill>
+                  <a:schemeClr val="bg1"/>
+                </a:solidFill>
+              </a:rPr>
+              <a:t> и </a:t>
+            </a:r>
+            <a:r>
+              <a:rPr lang="ru-RU" dirty="0">
+                <a:solidFill>
+                  <a:schemeClr val="bg1"/>
+                </a:solidFill>
+                <a:hlinkClick r:id="rId3"/>
+              </a:rPr>
+              <a:t>английском</a:t>
+            </a:r>
+            <a:r>
+              <a:rPr lang="ru-RU" dirty="0">
+                <a:solidFill>
+                  <a:schemeClr val="bg1"/>
+                </a:solidFill>
+              </a:rPr>
+              <a:t>.</a:t>
+            </a:r>
+          </a:p>
+          <a:p>
+            <a:r>
+              <a:rPr lang="en-US" sz="2800" dirty="0">
+                <a:solidFill>
+                  <a:schemeClr val="bg1"/>
+                </a:solidFill>
+                <a:hlinkClick r:id="rId4"/>
+              </a:rPr>
+              <a:t>http://www.fileformat.info/info/unicode/index.htm</a:t>
             </a:r>
             <a:endParaRPr lang="ru-RU" sz="2800" dirty="0">
               <a:solidFill>
@@ -7088,110 +7089,22 @@
             </a:endParaRPr>
           </a:p>
           <a:p>
-            <a:pPr lvl="1"/>
-            <a:r>
-              <a:rPr lang="ru-RU" dirty="0" smtClean="0">
-                <a:solidFill>
-                  <a:schemeClr val="bg1"/>
-                </a:solidFill>
-              </a:rPr>
-              <a:t>На </a:t>
-            </a:r>
-            <a:r>
-              <a:rPr lang="ru-RU" dirty="0" smtClean="0">
-                <a:solidFill>
-                  <a:schemeClr val="bg1"/>
-                </a:solidFill>
-                <a:hlinkClick r:id="rId2"/>
-              </a:rPr>
-              <a:t>русском</a:t>
-            </a:r>
-            <a:r>
-              <a:rPr lang="ru-RU" dirty="0" smtClean="0">
-                <a:solidFill>
-                  <a:schemeClr val="bg1"/>
-                </a:solidFill>
-              </a:rPr>
-              <a:t> и </a:t>
-            </a:r>
-            <a:r>
-              <a:rPr lang="ru-RU" dirty="0" smtClean="0">
-                <a:solidFill>
-                  <a:schemeClr val="bg1"/>
-                </a:solidFill>
-                <a:hlinkClick r:id="rId3"/>
-              </a:rPr>
-              <a:t>английском</a:t>
-            </a:r>
-            <a:r>
-              <a:rPr lang="ru-RU" dirty="0" smtClean="0">
-                <a:solidFill>
-                  <a:schemeClr val="bg1"/>
-                </a:solidFill>
-              </a:rPr>
-              <a:t>.</a:t>
-            </a:r>
-          </a:p>
-          <a:p>
-            <a:r>
-              <a:rPr lang="en-US" sz="2800" dirty="0">
-                <a:solidFill>
-                  <a:schemeClr val="bg1"/>
-                </a:solidFill>
-                <a:hlinkClick r:id="rId4"/>
-              </a:rPr>
-              <a:t>http://</a:t>
-            </a:r>
-            <a:r>
-              <a:rPr lang="en-US" sz="2800" dirty="0" smtClean="0">
-                <a:solidFill>
-                  <a:schemeClr val="bg1"/>
-                </a:solidFill>
-                <a:hlinkClick r:id="rId4"/>
-              </a:rPr>
-              <a:t>www.fileformat.info/info/unicode/index.htm</a:t>
-            </a:r>
-            <a:endParaRPr lang="ru-RU" sz="2800" dirty="0" smtClean="0">
-              <a:solidFill>
-                <a:schemeClr val="bg1"/>
-              </a:solidFill>
-            </a:endParaRPr>
-          </a:p>
-          <a:p>
             <a:r>
               <a:rPr lang="en-US" sz="2800" dirty="0"/>
               <a:t>The Unicode Consortium </a:t>
             </a:r>
             <a:r>
-              <a:rPr lang="ru-RU" sz="2800" dirty="0" smtClean="0"/>
+              <a:rPr lang="ru-RU" sz="2800" dirty="0"/>
               <a:t>- </a:t>
             </a:r>
             <a:r>
-              <a:rPr lang="en-US" sz="2800" dirty="0" smtClean="0">
+              <a:rPr lang="en-US" sz="2800" dirty="0">
                 <a:solidFill>
                   <a:schemeClr val="bg1"/>
                 </a:solidFill>
                 <a:hlinkClick r:id="rId5"/>
               </a:rPr>
-              <a:t>http</a:t>
-            </a:r>
-            <a:r>
-              <a:rPr lang="en-US" sz="2800" dirty="0">
-                <a:solidFill>
-                  <a:schemeClr val="bg1"/>
-                </a:solidFill>
-                <a:hlinkClick r:id="rId5"/>
-              </a:rPr>
-              <a:t>://unicode.org</a:t>
-            </a:r>
-            <a:r>
-              <a:rPr lang="en-US" sz="2800" dirty="0" smtClean="0">
-                <a:solidFill>
-                  <a:schemeClr val="bg1"/>
-                </a:solidFill>
-                <a:hlinkClick r:id="rId5"/>
-              </a:rPr>
-              <a:t>/</a:t>
+              <a:t>http://unicode.org/</a:t>
             </a:r>
             <a:endParaRPr lang="ru-RU" sz="2800" dirty="0"/>
           </a:p>
@@ -7207,13 +7120,6 @@
   <p:clrMapOvr>
     <a:masterClrMapping/>
   </p:clrMapOvr>
-  <p:timing>
-    <p:tnLst>
-      <p:par>
-        <p:cTn id="1" dur="indefinite" restart="never" nodeType="tmRoot"/>
-      </p:par>
-    </p:tnLst>
-  </p:timing>
 </p:sld>
 </file>
 
@@ -7250,10 +7156,9 @@
           <a:lstStyle/>
           <a:p>
             <a:r>
-              <a:rPr lang="ru-RU" dirty="0" smtClean="0"/>
+              <a:rPr lang="ru-RU" dirty="0"/>
               <a:t>Кодировки текста</a:t>
             </a:r>
-            <a:endParaRPr lang="ru-RU" dirty="0"/>
           </a:p>
         </p:txBody>
       </p:sp>
@@ -7336,11 +7241,11 @@
             <a:p>
               <a:pPr algn="ctr"/>
               <a:r>
-                <a:rPr lang="en-US" sz="3200" dirty="0" smtClean="0"/>
+                <a:rPr lang="en-US" sz="3200" dirty="0"/>
                 <a:t>KOI8-R </a:t>
               </a:r>
               <a:r>
-                <a:rPr lang="ru-RU" sz="3200" dirty="0" smtClean="0"/>
+                <a:rPr lang="ru-RU" sz="3200" dirty="0"/>
                 <a:t>(верхняя часть)</a:t>
               </a:r>
             </a:p>
@@ -7385,11 +7290,11 @@
             <a:p>
               <a:pPr algn="ctr"/>
               <a:r>
-                <a:rPr lang="en-US" sz="3200" dirty="0" smtClean="0"/>
+                <a:rPr lang="en-US" sz="3200" dirty="0"/>
                 <a:t>Windows-1251 </a:t>
               </a:r>
               <a:r>
-                <a:rPr lang="ru-RU" sz="3200" dirty="0" smtClean="0"/>
+                <a:rPr lang="ru-RU" sz="3200" dirty="0"/>
                 <a:t>(верхняя часть)</a:t>
               </a:r>
             </a:p>
@@ -7475,10 +7380,10 @@
             <a:p>
               <a:pPr algn="ctr"/>
               <a:r>
-                <a:rPr lang="en-US" sz="3200" dirty="0" smtClean="0"/>
+                <a:rPr lang="en-US" sz="3200" dirty="0"/>
                 <a:t>ASCII</a:t>
               </a:r>
-              <a:endParaRPr lang="ru-RU" sz="3200" dirty="0" smtClean="0"/>
+              <a:endParaRPr lang="ru-RU" sz="3200" dirty="0"/>
             </a:p>
           </p:txBody>
         </p:sp>
@@ -7603,10 +7508,10 @@
             <a:p>
               <a:pPr algn="ctr"/>
               <a:r>
-                <a:rPr lang="en-US" sz="3200" dirty="0" smtClean="0"/>
+                <a:rPr lang="en-US" sz="3200" dirty="0"/>
                 <a:t>Unicode</a:t>
               </a:r>
-              <a:endParaRPr lang="ru-RU" sz="3200" dirty="0" smtClean="0"/>
+              <a:endParaRPr lang="ru-RU" sz="3200" dirty="0"/>
             </a:p>
           </p:txBody>
         </p:sp>
@@ -8270,7 +8175,7 @@
               <a:t>Encoding </a:t>
             </a:r>
             <a:r>
-              <a:rPr lang="en-US" smtClean="0">
+              <a:rPr lang="en-US">
                 <a:solidFill>
                   <a:schemeClr val="bg1"/>
                 </a:solidFill>
@@ -8281,7 +8186,7 @@
               <a:t>win1251</a:t>
             </a:r>
             <a:r>
-              <a:rPr lang="be-BY" smtClean="0">
+              <a:rPr lang="be-BY">
                 <a:solidFill>
                   <a:schemeClr val="bg1"/>
                 </a:solidFill>
@@ -8300,21 +8205,10 @@
                 <a:ea typeface="Calibri" pitchFamily="34" charset="0"/>
                 <a:cs typeface="Courier New" pitchFamily="49" charset="0"/>
               </a:rPr>
-              <a:t>= Encoding.GetEncoding</a:t>
-            </a:r>
-            <a:r>
-              <a:rPr lang="be-BY" dirty="0" smtClean="0">
-                <a:solidFill>
-                  <a:schemeClr val="bg1"/>
-                </a:solidFill>
-                <a:latin typeface="Courier New" pitchFamily="49" charset="0"/>
-                <a:ea typeface="Calibri" pitchFamily="34" charset="0"/>
-                <a:cs typeface="Courier New" pitchFamily="49" charset="0"/>
-              </a:rPr>
-              <a:t>(“</a:t>
-            </a:r>
-            <a:r>
-              <a:rPr lang="en-US" dirty="0" smtClean="0">
+              <a:t>= Encoding.GetEncoding(“</a:t>
+            </a:r>
+            <a:r>
+              <a:rPr lang="en-US" dirty="0">
                 <a:solidFill>
                   <a:schemeClr val="bg1"/>
                 </a:solidFill>
@@ -8325,7 +8219,7 @@
               <a:t>windows-1251</a:t>
             </a:r>
             <a:r>
-              <a:rPr lang="be-BY" dirty="0" smtClean="0">
+              <a:rPr lang="be-BY" dirty="0">
                 <a:solidFill>
                   <a:schemeClr val="bg1"/>
                 </a:solidFill>
@@ -8564,18 +8458,7 @@
                 <a:ea typeface="Calibri" pitchFamily="34" charset="0"/>
                 <a:cs typeface="Courier New" pitchFamily="49" charset="0"/>
               </a:rPr>
-              <a:t>            </a:t>
-            </a:r>
-            <a:r>
-              <a:rPr lang="be-BY" sz="1600" dirty="0" smtClean="0">
-                <a:solidFill>
-                  <a:schemeClr val="bg1"/>
-                </a:solidFill>
-                <a:latin typeface="Courier New" pitchFamily="49" charset="0"/>
-                <a:ea typeface="Calibri" pitchFamily="34" charset="0"/>
-                <a:cs typeface="Courier New" pitchFamily="49" charset="0"/>
-              </a:rPr>
-              <a:t>Encoding.ASCII</a:t>
+              <a:t>            Encoding.ASCII</a:t>
             </a:r>
             <a:endParaRPr lang="be-BY" sz="1600" dirty="0">
               <a:solidFill>
@@ -8596,18 +8479,7 @@
                 <a:ea typeface="Calibri" pitchFamily="34" charset="0"/>
                 <a:cs typeface="Courier New" pitchFamily="49" charset="0"/>
               </a:rPr>
-              <a:t>            </a:t>
-            </a:r>
-            <a:r>
-              <a:rPr lang="be-BY" sz="1600" dirty="0" smtClean="0">
-                <a:solidFill>
-                  <a:schemeClr val="bg1"/>
-                </a:solidFill>
-                <a:latin typeface="Courier New" pitchFamily="49" charset="0"/>
-                <a:ea typeface="Calibri" pitchFamily="34" charset="0"/>
-                <a:cs typeface="Courier New" pitchFamily="49" charset="0"/>
-              </a:rPr>
-              <a:t>Encoding.Unicode</a:t>
+              <a:t>            Encoding.Unicode</a:t>
             </a:r>
             <a:endParaRPr lang="be-BY" sz="1600" dirty="0">
               <a:solidFill>
@@ -8628,18 +8500,7 @@
                 <a:ea typeface="Calibri" pitchFamily="34" charset="0"/>
                 <a:cs typeface="Courier New" pitchFamily="49" charset="0"/>
               </a:rPr>
-              <a:t>            </a:t>
-            </a:r>
-            <a:r>
-              <a:rPr lang="be-BY" sz="1600" smtClean="0">
-                <a:solidFill>
-                  <a:schemeClr val="bg1"/>
-                </a:solidFill>
-                <a:latin typeface="Courier New" pitchFamily="49" charset="0"/>
-                <a:ea typeface="Calibri" pitchFamily="34" charset="0"/>
-                <a:cs typeface="Courier New" pitchFamily="49" charset="0"/>
-              </a:rPr>
-              <a:t>Encoding.UTF32</a:t>
+              <a:t>            Encoding.UTF32</a:t>
             </a:r>
             <a:endParaRPr lang="be-BY" sz="1600" dirty="0">
               <a:solidFill>
@@ -9049,13 +8910,6 @@
   <p:clrMapOvr>
     <a:masterClrMapping/>
   </p:clrMapOvr>
-  <p:timing>
-    <p:tnLst>
-      <p:par>
-        <p:cTn id="1" dur="indefinite" restart="never" nodeType="tmRoot"/>
-      </p:par>
-    </p:tnLst>
-  </p:timing>
 </p:sld>
 </file>
 
@@ -9142,7 +8996,7 @@
               </a:tabLst>
             </a:pPr>
             <a:r>
-              <a:rPr lang="ru-RU" sz="2400" dirty="0" smtClean="0">
+              <a:rPr lang="ru-RU" sz="2400" dirty="0">
                 <a:cs typeface="Times New Roman" pitchFamily="18" charset="0"/>
               </a:rPr>
               <a:t>Поддерживаемые кодировки</a:t>
@@ -9348,26 +9202,25 @@
           <a:p>
             <a:pPr eaLnBrk="1" hangingPunct="1"/>
             <a:r>
-              <a:rPr lang="ru-RU" sz="1600" dirty="0" smtClean="0"/>
+              <a:rPr lang="ru-RU" sz="1600" dirty="0"/>
               <a:t>Список поддерживаемых кодировок можно получить с помощью метода </a:t>
             </a:r>
             <a:r>
-              <a:rPr lang="en-US" sz="1600" dirty="0" err="1" smtClean="0"/>
+              <a:rPr lang="en-US" sz="1600" dirty="0" err="1"/>
               <a:t>GetEncodings</a:t>
             </a:r>
             <a:r>
-              <a:rPr lang="en-US" sz="1600" dirty="0" smtClean="0"/>
+              <a:rPr lang="en-US" sz="1600" dirty="0"/>
               <a:t>() </a:t>
             </a:r>
             <a:r>
-              <a:rPr lang="ru-RU" sz="1600" dirty="0" smtClean="0"/>
+              <a:rPr lang="ru-RU" sz="1600" dirty="0"/>
               <a:t>класса </a:t>
             </a:r>
             <a:r>
-              <a:rPr lang="en-US" sz="1600" dirty="0" smtClean="0"/>
+              <a:rPr lang="en-US" sz="1600" dirty="0"/>
               <a:t>Encoding.</a:t>
             </a:r>
-            <a:endParaRPr lang="en-US" sz="1600" dirty="0"/>
           </a:p>
         </p:txBody>
       </p:sp>
@@ -9606,7 +9459,7 @@
           <a:p>
             <a:pPr eaLnBrk="1" hangingPunct="1"/>
             <a:r>
-              <a:rPr lang="ru-RU" sz="1600" dirty="0" smtClean="0"/>
+              <a:rPr lang="ru-RU" sz="1600" dirty="0"/>
               <a:t>Некоторые поддерживаемые кодировки:</a:t>
             </a:r>
           </a:p>
@@ -9616,30 +9469,18 @@
               <a:buChar char="•"/>
             </a:pPr>
             <a:r>
-              <a:rPr lang="en-US" sz="1600" dirty="0" smtClean="0"/>
+              <a:rPr lang="en-US" sz="1600" dirty="0"/>
               <a:t>cp866</a:t>
             </a:r>
             <a:r>
               <a:rPr lang="ru-RU" sz="1600" dirty="0"/>
-              <a:t>	</a:t>
-            </a:r>
-            <a:r>
-              <a:rPr lang="ru-RU" sz="1600" dirty="0" smtClean="0"/>
-              <a:t>		</a:t>
-            </a:r>
-            <a:r>
-              <a:rPr lang="en-US" sz="1600" dirty="0" smtClean="0"/>
-              <a:t>Cyrillic </a:t>
+              <a:t>			</a:t>
             </a:r>
             <a:r>
               <a:rPr lang="en-US" sz="1600" dirty="0"/>
-              <a:t>(</a:t>
-            </a:r>
-            <a:r>
-              <a:rPr lang="en-US" sz="1600" dirty="0" smtClean="0"/>
-              <a:t>DOS)</a:t>
-            </a:r>
-            <a:endParaRPr lang="ru-RU" sz="1600" dirty="0" smtClean="0"/>
+              <a:t>Cyrillic (DOS)</a:t>
+            </a:r>
+            <a:endParaRPr lang="ru-RU" sz="1600" dirty="0"/>
           </a:p>
           <a:p>
             <a:pPr marL="285750" indent="-285750">
@@ -9647,24 +9488,16 @@
               <a:buChar char="•"/>
             </a:pPr>
             <a:r>
-              <a:rPr lang="en-US" sz="1600" dirty="0" smtClean="0"/>
+              <a:rPr lang="en-US" sz="1600" dirty="0"/>
               <a:t>IBM1026</a:t>
             </a:r>
             <a:r>
-              <a:rPr lang="ru-RU" sz="1600" dirty="0" smtClean="0"/>
+              <a:rPr lang="ru-RU" sz="1600" dirty="0"/>
               <a:t>		</a:t>
             </a:r>
             <a:r>
-              <a:rPr lang="en-US" sz="1600" dirty="0" smtClean="0"/>
-              <a:t>IBM </a:t>
-            </a:r>
-            <a:r>
               <a:rPr lang="en-US" sz="1600" dirty="0"/>
-              <a:t>EBCDIC (Turkish </a:t>
-            </a:r>
-            <a:r>
-              <a:rPr lang="en-US" sz="1600" dirty="0" smtClean="0"/>
-              <a:t>Latin-5)</a:t>
+              <a:t>IBM EBCDIC (Turkish Latin-5)</a:t>
             </a:r>
             <a:endParaRPr lang="ru-RU" sz="1600" dirty="0"/>
           </a:p>
@@ -9674,26 +9507,18 @@
               <a:buChar char="•"/>
             </a:pPr>
             <a:r>
-              <a:rPr lang="en-US" sz="1600" dirty="0" smtClean="0"/>
+              <a:rPr lang="en-US" sz="1600" dirty="0"/>
               <a:t>iso-8859-1</a:t>
             </a:r>
             <a:r>
-              <a:rPr lang="ru-RU" sz="1600" dirty="0" smtClean="0"/>
+              <a:rPr lang="ru-RU" sz="1600" dirty="0"/>
               <a:t>		</a:t>
             </a:r>
             <a:r>
-              <a:rPr lang="en-US" sz="1600" dirty="0" smtClean="0"/>
-              <a:t>Western </a:t>
-            </a:r>
-            <a:r>
               <a:rPr lang="en-US" sz="1600" dirty="0"/>
-              <a:t>European (</a:t>
-            </a:r>
-            <a:r>
-              <a:rPr lang="en-US" sz="1600" dirty="0" smtClean="0"/>
-              <a:t>ISO)</a:t>
-            </a:r>
-            <a:endParaRPr lang="ru-RU" sz="1600" dirty="0" smtClean="0"/>
+              <a:t>Western European (ISO)</a:t>
+            </a:r>
+            <a:endParaRPr lang="ru-RU" sz="1600" dirty="0"/>
           </a:p>
           <a:p>
             <a:pPr marL="285750" indent="-285750">
@@ -9701,26 +9526,18 @@
               <a:buChar char="•"/>
             </a:pPr>
             <a:r>
-              <a:rPr lang="en-US" sz="1600" dirty="0" smtClean="0"/>
+              <a:rPr lang="en-US" sz="1600" dirty="0"/>
               <a:t>koi8-r</a:t>
             </a:r>
             <a:r>
-              <a:rPr lang="ru-RU" sz="1600" dirty="0" smtClean="0"/>
+              <a:rPr lang="ru-RU" sz="1600" dirty="0"/>
               <a:t>			</a:t>
             </a:r>
             <a:r>
-              <a:rPr lang="en-US" sz="1600" dirty="0" smtClean="0"/>
-              <a:t>Cyrillic </a:t>
-            </a:r>
-            <a:r>
               <a:rPr lang="en-US" sz="1600" dirty="0"/>
-              <a:t>(</a:t>
-            </a:r>
-            <a:r>
-              <a:rPr lang="en-US" sz="1600" dirty="0" smtClean="0"/>
-              <a:t>KOI8-R)</a:t>
-            </a:r>
-            <a:endParaRPr lang="ru-RU" sz="1600" dirty="0" smtClean="0"/>
+              <a:t>Cyrillic (KOI8-R)</a:t>
+            </a:r>
+            <a:endParaRPr lang="ru-RU" sz="1600" dirty="0"/>
           </a:p>
           <a:p>
             <a:pPr marL="285750" indent="-285750">
@@ -9728,26 +9545,18 @@
               <a:buChar char="•"/>
             </a:pPr>
             <a:r>
-              <a:rPr lang="en-US" sz="1600" dirty="0" smtClean="0"/>
+              <a:rPr lang="en-US" sz="1600" dirty="0"/>
               <a:t>koi8-u</a:t>
             </a:r>
             <a:r>
-              <a:rPr lang="ru-RU" sz="1600" dirty="0" smtClean="0"/>
+              <a:rPr lang="ru-RU" sz="1600" dirty="0"/>
               <a:t>			</a:t>
             </a:r>
             <a:r>
-              <a:rPr lang="en-US" sz="1600" dirty="0" smtClean="0"/>
-              <a:t>Cyrillic </a:t>
-            </a:r>
-            <a:r>
               <a:rPr lang="en-US" sz="1600" dirty="0"/>
-              <a:t>(</a:t>
-            </a:r>
-            <a:r>
-              <a:rPr lang="en-US" sz="1600" dirty="0" smtClean="0"/>
-              <a:t>KOI8-U)</a:t>
-            </a:r>
-            <a:endParaRPr lang="ru-RU" sz="1600" dirty="0" smtClean="0"/>
+              <a:t>Cyrillic (KOI8-U)</a:t>
+            </a:r>
+            <a:endParaRPr lang="ru-RU" sz="1600" dirty="0"/>
           </a:p>
           <a:p>
             <a:pPr marL="285750" indent="-285750">
@@ -9755,26 +9564,18 @@
               <a:buChar char="•"/>
             </a:pPr>
             <a:r>
-              <a:rPr lang="en-US" sz="1600" dirty="0" smtClean="0"/>
+              <a:rPr lang="en-US" sz="1600" dirty="0"/>
               <a:t>windows-1250</a:t>
             </a:r>
             <a:r>
-              <a:rPr lang="ru-RU" sz="1600" dirty="0" smtClean="0"/>
+              <a:rPr lang="ru-RU" sz="1600" dirty="0"/>
               <a:t>	</a:t>
             </a:r>
             <a:r>
-              <a:rPr lang="en-US" sz="1600" dirty="0" smtClean="0"/>
-              <a:t>Central </a:t>
-            </a:r>
-            <a:r>
               <a:rPr lang="en-US" sz="1600" dirty="0"/>
-              <a:t>European (</a:t>
-            </a:r>
-            <a:r>
-              <a:rPr lang="en-US" sz="1600" dirty="0" smtClean="0"/>
-              <a:t>Windows)</a:t>
-            </a:r>
-            <a:endParaRPr lang="ru-RU" sz="1600" dirty="0" smtClean="0"/>
+              <a:t>Central European (Windows)</a:t>
+            </a:r>
+            <a:endParaRPr lang="ru-RU" sz="1600" dirty="0"/>
           </a:p>
           <a:p>
             <a:pPr marL="285750" indent="-285750">
@@ -9782,26 +9583,18 @@
               <a:buChar char="•"/>
             </a:pPr>
             <a:r>
-              <a:rPr lang="en-US" sz="1600" dirty="0" smtClean="0"/>
+              <a:rPr lang="en-US" sz="1600" dirty="0"/>
               <a:t>windows-1251</a:t>
             </a:r>
             <a:r>
-              <a:rPr lang="ru-RU" sz="1600" dirty="0" smtClean="0"/>
+              <a:rPr lang="ru-RU" sz="1600" dirty="0"/>
               <a:t>	</a:t>
             </a:r>
             <a:r>
-              <a:rPr lang="en-US" sz="1600" dirty="0" smtClean="0"/>
-              <a:t>Cyrillic </a:t>
-            </a:r>
-            <a:r>
               <a:rPr lang="en-US" sz="1600" dirty="0"/>
-              <a:t>(</a:t>
-            </a:r>
-            <a:r>
-              <a:rPr lang="en-US" sz="1600" dirty="0" smtClean="0"/>
-              <a:t>Windows)</a:t>
-            </a:r>
-            <a:endParaRPr lang="ru-RU" sz="1600" dirty="0" smtClean="0"/>
+              <a:t>Cyrillic (Windows)</a:t>
+            </a:r>
+            <a:endParaRPr lang="ru-RU" sz="1600" dirty="0"/>
           </a:p>
           <a:p>
             <a:pPr marL="285750" indent="-285750">
@@ -9809,30 +9602,22 @@
               <a:buChar char="•"/>
             </a:pPr>
             <a:r>
-              <a:rPr lang="en-US" sz="1600" dirty="0" smtClean="0"/>
+              <a:rPr lang="en-US" sz="1600" dirty="0"/>
               <a:t>windows-1252</a:t>
             </a:r>
             <a:r>
-              <a:rPr lang="ru-RU" sz="1600" dirty="0" smtClean="0"/>
+              <a:rPr lang="ru-RU" sz="1600" dirty="0"/>
               <a:t>	</a:t>
             </a:r>
             <a:r>
-              <a:rPr lang="en-US" sz="1600" dirty="0" smtClean="0"/>
-              <a:t>Western </a:t>
-            </a:r>
-            <a:r>
               <a:rPr lang="en-US" sz="1600" dirty="0"/>
-              <a:t>European (</a:t>
-            </a:r>
-            <a:r>
-              <a:rPr lang="en-US" sz="1600" dirty="0" smtClean="0"/>
-              <a:t>Windows</a:t>
-            </a:r>
-            <a:r>
-              <a:rPr lang="ru-RU" sz="1600" dirty="0" smtClean="0"/>
+              <a:t>Western European (Windows</a:t>
+            </a:r>
+            <a:r>
+              <a:rPr lang="ru-RU" sz="1600" dirty="0"/>
               <a:t>)</a:t>
             </a:r>
-            <a:endParaRPr lang="en-US" sz="1600" dirty="0" smtClean="0"/>
+            <a:endParaRPr lang="en-US" sz="1600" dirty="0"/>
           </a:p>
           <a:p>
             <a:pPr marL="285750" indent="-285750">
@@ -9843,14 +9628,13 @@
           </a:p>
           <a:p>
             <a:r>
-              <a:rPr lang="ru-RU" sz="1600" dirty="0" smtClean="0"/>
+              <a:rPr lang="ru-RU" sz="1600" dirty="0"/>
               <a:t>Широко используемые кодировки можно получить через свойства класс </a:t>
             </a:r>
             <a:r>
-              <a:rPr lang="en-US" sz="1600" dirty="0" smtClean="0"/>
+              <a:rPr lang="en-US" sz="1600" dirty="0"/>
               <a:t>Encoding.</a:t>
             </a:r>
-            <a:endParaRPr lang="en-US" sz="1600" dirty="0"/>
           </a:p>
         </p:txBody>
       </p:sp>
@@ -9864,13 +9648,6 @@
   <p:clrMapOvr>
     <a:masterClrMapping/>
   </p:clrMapOvr>
-  <p:timing>
-    <p:tnLst>
-      <p:par>
-        <p:cTn id="1" dur="indefinite" restart="never" nodeType="tmRoot"/>
-      </p:par>
-    </p:tnLst>
-  </p:timing>
 </p:sld>
 </file>
 
@@ -9909,11 +9686,11 @@
           <a:lstStyle/>
           <a:p>
             <a:r>
-              <a:rPr lang="en-US" dirty="0" err="1" smtClean="0"/>
+              <a:rPr lang="en-US" dirty="0" err="1"/>
               <a:t>Encoding.Default</a:t>
             </a:r>
             <a:r>
-              <a:rPr lang="ru-RU" dirty="0" smtClean="0"/>
+              <a:rPr lang="ru-RU" dirty="0"/>
               <a:t> </a:t>
             </a:r>
             <a:r>
@@ -9958,35 +9735,35 @@
               <a:buNone/>
             </a:pPr>
             <a:r>
-              <a:rPr lang="ru-RU" sz="1600" dirty="0" smtClean="0"/>
+              <a:rPr lang="ru-RU" sz="1600" dirty="0"/>
               <a:t>Возвращает т.н. </a:t>
             </a:r>
             <a:r>
-              <a:rPr lang="en-US" sz="1600" dirty="0" smtClean="0"/>
+              <a:rPr lang="en-US" sz="1600" dirty="0"/>
               <a:t>ANSI </a:t>
             </a:r>
             <a:r>
-              <a:rPr lang="ru-RU" sz="1600" dirty="0" smtClean="0"/>
+              <a:rPr lang="ru-RU" sz="1600" dirty="0"/>
               <a:t>кодировку которая соответствует настройке «</a:t>
             </a:r>
             <a:r>
-              <a:rPr lang="en-US" sz="1600" dirty="0" smtClean="0"/>
+              <a:rPr lang="en-US" sz="1600" dirty="0"/>
               <a:t>Language for non-Unicode programs</a:t>
             </a:r>
             <a:r>
-              <a:rPr lang="ru-RU" sz="1600" dirty="0" smtClean="0"/>
+              <a:rPr lang="ru-RU" sz="1600" dirty="0"/>
               <a:t>»</a:t>
             </a:r>
             <a:r>
-              <a:rPr lang="en-US" sz="1600" dirty="0" smtClean="0"/>
+              <a:rPr lang="en-US" sz="1600" dirty="0"/>
               <a:t> </a:t>
             </a:r>
             <a:r>
-              <a:rPr lang="ru-RU" sz="1600" dirty="0" smtClean="0"/>
+              <a:rPr lang="ru-RU" sz="1600" dirty="0"/>
               <a:t>в региональных настройках системы. </a:t>
             </a:r>
             <a:r>
-              <a:rPr lang="ru-RU" sz="1600" dirty="0" smtClean="0">
+              <a:rPr lang="ru-RU" sz="1600" dirty="0">
                 <a:solidFill>
                   <a:srgbClr val="FFFF00"/>
                 </a:solidFill>
@@ -9994,19 +9771,11 @@
               <a:t>Избегайте использования данного свойства!</a:t>
             </a:r>
             <a:r>
-              <a:rPr lang="ru-RU" sz="1600" dirty="0" smtClean="0"/>
-              <a:t> Оно может измениться между сеансами, оно может быть разным на разных компьютерах. Вместо него </a:t>
-            </a:r>
-            <a:r>
               <a:rPr lang="ru-RU" sz="1600" dirty="0"/>
-              <a:t>л</a:t>
-            </a:r>
-            <a:r>
-              <a:rPr lang="ru-RU" sz="1600" dirty="0" smtClean="0"/>
-              <a:t>учше использовать </a:t>
-            </a:r>
-            <a:r>
-              <a:rPr lang="en-US" sz="1600" dirty="0" smtClean="0"/>
+              <a:t> Оно может измениться между сеансами, оно может быть разным на разных компьютерах. Вместо него лучше использовать </a:t>
+            </a:r>
+            <a:r>
+              <a:rPr lang="en-US" sz="1600" dirty="0"/>
               <a:t>Encoding.UTF8.</a:t>
             </a:r>
             <a:endParaRPr lang="ru-RU" sz="1600" dirty="0"/>
@@ -10073,7 +9842,7 @@
                         </a:spcAft>
                       </a:pPr>
                       <a:r>
-                        <a:rPr lang="en-US" sz="1100" b="1" dirty="0" smtClean="0">
+                        <a:rPr lang="en-US" sz="1100" b="1" dirty="0">
                           <a:solidFill>
                             <a:srgbClr val="002060"/>
                           </a:solidFill>
@@ -10083,7 +9852,7 @@
                         <a:t>Code</a:t>
                       </a:r>
                       <a:r>
-                        <a:rPr lang="en-US" sz="1100" b="1" baseline="0" dirty="0" smtClean="0">
+                        <a:rPr lang="en-US" sz="1100" b="1" baseline="0" dirty="0">
                           <a:solidFill>
                             <a:srgbClr val="002060"/>
                           </a:solidFill>
@@ -10157,7 +9926,7 @@
                         </a:spcAft>
                       </a:pPr>
                       <a:r>
-                        <a:rPr lang="ru-RU" sz="1100" b="1" dirty="0" smtClean="0">
+                        <a:rPr lang="ru-RU" sz="1100" b="1" dirty="0">
                           <a:solidFill>
                             <a:srgbClr val="002060"/>
                           </a:solidFill>
@@ -10231,7 +10000,7 @@
                         </a:spcAft>
                       </a:pPr>
                       <a:r>
-                        <a:rPr lang="ru-RU" sz="1100" b="1" dirty="0" err="1" smtClean="0">
+                        <a:rPr lang="ru-RU" sz="1100" b="1" dirty="0" err="1">
                           <a:solidFill>
                             <a:srgbClr val="002060"/>
                           </a:solidFill>
@@ -10241,7 +10010,7 @@
                         <a:t>Многобайтовая</a:t>
                       </a:r>
                       <a:r>
-                        <a:rPr lang="ru-RU" sz="1100" b="1" dirty="0" smtClean="0">
+                        <a:rPr lang="ru-RU" sz="1100" b="1" dirty="0">
                           <a:solidFill>
                             <a:srgbClr val="002060"/>
                           </a:solidFill>
@@ -10631,7 +10400,7 @@
                         </a:spcAft>
                       </a:pPr>
                       <a:r>
-                        <a:rPr lang="ru-RU" sz="1100" dirty="0" smtClean="0">
+                        <a:rPr lang="ru-RU" sz="1100" dirty="0">
                           <a:effectLst/>
                           <a:latin typeface="Verdana" panose="020B0604030504040204" pitchFamily="34" charset="0"/>
                         </a:rPr>
@@ -10825,7 +10594,7 @@
                         </a:spcAft>
                       </a:pPr>
                       <a:r>
-                        <a:rPr lang="ru-RU" sz="1100" dirty="0" smtClean="0">
+                        <a:rPr lang="ru-RU" sz="1100" dirty="0">
                           <a:effectLst/>
                           <a:latin typeface="Verdana" panose="020B0604030504040204" pitchFamily="34" charset="0"/>
                         </a:rPr>
@@ -11019,7 +10788,7 @@
                         </a:spcAft>
                       </a:pPr>
                       <a:r>
-                        <a:rPr lang="ru-RU" sz="1100" dirty="0" smtClean="0">
+                        <a:rPr lang="ru-RU" sz="1100" dirty="0">
                           <a:effectLst/>
                           <a:latin typeface="Verdana" panose="020B0604030504040204" pitchFamily="34" charset="0"/>
                         </a:rPr>
@@ -11213,7 +10982,7 @@
                         </a:spcAft>
                       </a:pPr>
                       <a:r>
-                        <a:rPr lang="ru-RU" sz="1100" dirty="0" smtClean="0">
+                        <a:rPr lang="ru-RU" sz="1100" dirty="0">
                           <a:effectLst/>
                           <a:latin typeface="Verdana" panose="020B0604030504040204" pitchFamily="34" charset="0"/>
                         </a:rPr>
@@ -12967,13 +12736,6 @@
   <p:clrMapOvr>
     <a:masterClrMapping/>
   </p:clrMapOvr>
-  <p:timing>
-    <p:tnLst>
-      <p:par>
-        <p:cTn id="1" dur="indefinite" restart="never" nodeType="tmRoot"/>
-      </p:par>
-    </p:tnLst>
-  </p:timing>
 </p:sld>
 </file>
 
@@ -13012,15 +12774,15 @@
           <a:lstStyle/>
           <a:p>
             <a:r>
-              <a:rPr lang="ru-RU" dirty="0" smtClean="0"/>
+              <a:rPr lang="ru-RU" dirty="0"/>
               <a:t>Получение списка </a:t>
             </a:r>
             <a:r>
-              <a:rPr lang="en-US" dirty="0" smtClean="0"/>
+              <a:rPr lang="en-US" dirty="0"/>
               <a:t>ANSI </a:t>
             </a:r>
             <a:r>
-              <a:rPr lang="ru-RU" dirty="0" smtClean="0"/>
+              <a:rPr lang="ru-RU" dirty="0"/>
               <a:t>кодировок</a:t>
             </a:r>
             <a:endParaRPr lang="ru-RU" dirty="0">
@@ -13336,17 +13098,8 @@
               <a:rPr lang="en-US" sz="1200" dirty="0">
                 <a:latin typeface="Consolas" panose="020B0609020204030204" pitchFamily="49" charset="0"/>
               </a:rPr>
-              <a:t>	.Dump</a:t>
-            </a:r>
-            <a:r>
-              <a:rPr lang="en-US" sz="1200" dirty="0" smtClean="0">
-                <a:latin typeface="Consolas" panose="020B0609020204030204" pitchFamily="49" charset="0"/>
-              </a:rPr>
-              <a:t>();</a:t>
-            </a:r>
-            <a:endParaRPr lang="en-US" sz="1200" dirty="0">
-              <a:latin typeface="Consolas" panose="020B0609020204030204" pitchFamily="49" charset="0"/>
-            </a:endParaRPr>
+              <a:t>	.Dump();</a:t>
+            </a:r>
           </a:p>
         </p:txBody>
       </p:sp>
@@ -13360,21 +13113,6 @@
   <p:clrMapOvr>
     <a:masterClrMapping/>
   </p:clrMapOvr>
-  <mc:AlternateContent xmlns:mc="http://schemas.openxmlformats.org/markup-compatibility/2006" xmlns:p14="http://schemas.microsoft.com/office/powerpoint/2010/main">
-    <mc:Choice Requires="p14">
-      <p:transition spd="slow" p14:dur="2000"/>
-    </mc:Choice>
-    <mc:Fallback xmlns="">
-      <p:transition spd="slow"/>
-    </mc:Fallback>
-  </mc:AlternateContent>
-  <p:timing>
-    <p:tnLst>
-      <p:par>
-        <p:cTn id="1" dur="indefinite" restart="never" nodeType="tmRoot"/>
-      </p:par>
-    </p:tnLst>
-  </p:timing>
 </p:sld>
 </file>
 
@@ -13413,19 +13151,19 @@
           <a:lstStyle/>
           <a:p>
             <a:r>
-              <a:rPr lang="en-US" dirty="0" err="1" smtClean="0"/>
+              <a:rPr lang="en-US" dirty="0" err="1"/>
               <a:t>Encoding.Default</a:t>
             </a:r>
             <a:r>
-              <a:rPr lang="ru-RU" dirty="0" smtClean="0"/>
+              <a:rPr lang="ru-RU" dirty="0"/>
               <a:t> и </a:t>
             </a:r>
             <a:r>
-              <a:rPr lang="en-US" dirty="0" smtClean="0"/>
+              <a:rPr lang="en-US" dirty="0"/>
               <a:t>best-fit</a:t>
             </a:r>
             <a:r>
-              <a:rPr lang="ru-RU" dirty="0" smtClean="0"/>
+              <a:rPr lang="ru-RU" dirty="0"/>
               <a:t> преобразования</a:t>
             </a:r>
             <a:endParaRPr lang="ru-RU" dirty="0">
@@ -13462,57 +13200,49 @@
               <a:buNone/>
             </a:pPr>
             <a:r>
-              <a:rPr lang="ru-RU" sz="1200" dirty="0" smtClean="0"/>
+              <a:rPr lang="ru-RU" sz="1200" dirty="0"/>
               <a:t>Еще одна причина по которой лучше избегать использовать </a:t>
             </a:r>
             <a:r>
-              <a:rPr lang="en-US" sz="1200" dirty="0" err="1" smtClean="0"/>
+              <a:rPr lang="en-US" sz="1200" dirty="0" err="1"/>
               <a:t>Encoding.Default</a:t>
             </a:r>
             <a:r>
-              <a:rPr lang="en-US" sz="1200" dirty="0" smtClean="0"/>
+              <a:rPr lang="en-US" sz="1200" dirty="0"/>
               <a:t> </a:t>
             </a:r>
             <a:r>
-              <a:rPr lang="ru-RU" sz="1200" dirty="0" smtClean="0"/>
+              <a:rPr lang="ru-RU" sz="1200" dirty="0"/>
               <a:t>это потому что при преобразованиях он использует т.н. </a:t>
             </a:r>
             <a:r>
-              <a:rPr lang="en-US" sz="1200" dirty="0" smtClean="0"/>
+              <a:rPr lang="en-US" sz="1200" dirty="0"/>
               <a:t>best-fit</a:t>
             </a:r>
             <a:r>
-              <a:rPr lang="ru-RU" sz="1200" dirty="0" smtClean="0"/>
+              <a:rPr lang="ru-RU" sz="1200" dirty="0"/>
               <a:t> алгоритм который заменяет </a:t>
             </a:r>
             <a:r>
-              <a:rPr lang="en-US" sz="1200" dirty="0" smtClean="0"/>
+              <a:rPr lang="en-US" sz="1200" dirty="0"/>
               <a:t>Unicode </a:t>
             </a:r>
             <a:r>
-              <a:rPr lang="ru-RU" sz="1200" dirty="0" smtClean="0"/>
+              <a:rPr lang="ru-RU" sz="1200" dirty="0"/>
               <a:t>символы на «похожие». Эта замена делается по разному для разных кодировок и далеко не всегда эта замена является удачной</a:t>
             </a:r>
           </a:p>
           <a:p>
             <a:r>
               <a:rPr lang="en-US" sz="1200" dirty="0"/>
-              <a:t>The mappings are somewhat random and sometimes bizarre.  The infinity symbol, ∞, U+221e, is mapped to 8.  Sure it looks like a sideways 8, but its sideways, and its meaning is very </a:t>
-            </a:r>
-            <a:r>
-              <a:rPr lang="en-US" sz="1200" dirty="0" smtClean="0"/>
-              <a:t>different.</a:t>
-            </a:r>
-            <a:endParaRPr lang="ru-RU" sz="1200" dirty="0" smtClean="0"/>
-          </a:p>
-          <a:p>
-            <a:r>
-              <a:rPr lang="en-US" sz="1200" dirty="0" smtClean="0"/>
-              <a:t>The </a:t>
-            </a:r>
+              <a:t>The mappings are somewhat random and sometimes bizarre.  The infinity symbol, ∞, U+221e, is mapped to 8.  Sure it looks like a sideways 8, but its sideways, and its meaning is very different.</a:t>
+            </a:r>
+            <a:endParaRPr lang="ru-RU" sz="1200" dirty="0"/>
+          </a:p>
+          <a:p>
             <a:r>
               <a:rPr lang="en-US" sz="1200" dirty="0"/>
-              <a:t>mappings are somewhat random and inconsistent between code pages.  In some code pages Japanese </a:t>
+              <a:t>The mappings are somewhat random and inconsistent between code pages.  In some code pages Japanese </a:t>
             </a:r>
             <a:r>
               <a:rPr lang="en-US" sz="1200" dirty="0" err="1"/>
@@ -13520,22 +13250,14 @@
             </a:r>
             <a:r>
               <a:rPr lang="en-US" sz="1200" dirty="0"/>
-              <a:t> forms are “best fit” to the non full-width form, in others they are </a:t>
-            </a:r>
-            <a:r>
-              <a:rPr lang="en-US" sz="1200" dirty="0" smtClean="0"/>
-              <a:t>not.</a:t>
-            </a:r>
-            <a:endParaRPr lang="ru-RU" sz="1200" dirty="0" smtClean="0"/>
-          </a:p>
-          <a:p>
-            <a:r>
-              <a:rPr lang="en-US" sz="1200" dirty="0" smtClean="0"/>
-              <a:t>The </a:t>
-            </a:r>
+              <a:t> forms are “best fit” to the non full-width form, in others they are not.</a:t>
+            </a:r>
+            <a:endParaRPr lang="ru-RU" sz="1200" dirty="0"/>
+          </a:p>
+          <a:p>
             <a:r>
               <a:rPr lang="en-US" sz="1200" dirty="0"/>
-              <a:t>best fit behavior has not been updated in years, so new code points aren’t present, so c, ć U+0107 c with acute, ĉ U+0109 c with circumflex, ċ 0x010b c with dot above, č 0x010d c with </a:t>
+              <a:t>The best fit behavior has not been updated in years, so new code points aren’t present, so c, ć U+0107 c with acute, ĉ U+0109 c with circumflex, ċ 0x010b c with dot above, č 0x010d c with </a:t>
             </a:r>
             <a:r>
               <a:rPr lang="en-US" sz="1200" dirty="0" err="1"/>
@@ -13559,22 +13281,14 @@
             </a:r>
             <a:r>
               <a:rPr lang="en-US" sz="1200" dirty="0"/>
-              <a:t>, ḉ U+1e09 c with cedilla and acute above and others are not mapped and turn into ?.  Also, ç U+00e7 c with cedilla doesn’t change since it has its own character in </a:t>
-            </a:r>
-            <a:r>
-              <a:rPr lang="en-US" sz="1200" dirty="0" smtClean="0"/>
-              <a:t>1252.</a:t>
-            </a:r>
-            <a:endParaRPr lang="ru-RU" sz="1200" dirty="0" smtClean="0"/>
-          </a:p>
-          <a:p>
-            <a:r>
-              <a:rPr lang="en-US" sz="1200" dirty="0" smtClean="0"/>
-              <a:t>Many </a:t>
-            </a:r>
+              <a:t>, ḉ U+1e09 c with cedilla and acute above and others are not mapped and turn into ?.  Also, ç U+00e7 c with cedilla doesn’t change since it has its own character in 1252.</a:t>
+            </a:r>
+            <a:endParaRPr lang="ru-RU" sz="1200" dirty="0"/>
+          </a:p>
+          <a:p>
             <a:r>
               <a:rPr lang="en-US" sz="1200" dirty="0"/>
-              <a:t>mappings lead to security holes.  A common test for .,  and other characters to prevent .. style attacks on paths fail if </a:t>
+              <a:t>Many mappings lead to security holes.  A common test for .,  and other characters to prevent .. style attacks on paths fail if </a:t>
             </a:r>
             <a:r>
               <a:rPr lang="en-US" sz="1200" dirty="0" err="1"/>
@@ -13598,37 +13312,21 @@
             </a:r>
             <a:r>
               <a:rPr lang="en-US" sz="1200" dirty="0"/>
-              <a:t> forms are considered other mappings with diacritics as mentioned in the previous bullet exist for common English </a:t>
-            </a:r>
-            <a:r>
-              <a:rPr lang="en-US" sz="1200" dirty="0" smtClean="0"/>
-              <a:t>characters.</a:t>
-            </a:r>
-            <a:endParaRPr lang="ru-RU" sz="1200" dirty="0" smtClean="0"/>
-          </a:p>
-          <a:p>
-            <a:r>
-              <a:rPr lang="en-US" sz="1200" dirty="0" smtClean="0"/>
-              <a:t>Most </a:t>
-            </a:r>
+              <a:t> forms are considered other mappings with diacritics as mentioned in the previous bullet exist for common English characters.</a:t>
+            </a:r>
+            <a:endParaRPr lang="ru-RU" sz="1200" dirty="0"/>
+          </a:p>
+          <a:p>
             <a:r>
               <a:rPr lang="en-US" sz="1200" dirty="0"/>
-              <a:t>of the best fit mappings in our tables were thought of by English speaking Americans and could be culturally inappropriate for other </a:t>
-            </a:r>
-            <a:r>
-              <a:rPr lang="en-US" sz="1200" dirty="0" smtClean="0"/>
-              <a:t>locales.</a:t>
-            </a:r>
-            <a:endParaRPr lang="ru-RU" sz="1200" dirty="0" smtClean="0"/>
-          </a:p>
-          <a:p>
-            <a:r>
-              <a:rPr lang="en-US" sz="1200" dirty="0" smtClean="0"/>
-              <a:t>ü </a:t>
-            </a:r>
+              <a:t>Most of the best fit mappings in our tables were thought of by English speaking Americans and could be culturally inappropriate for other locales.</a:t>
+            </a:r>
+            <a:endParaRPr lang="ru-RU" sz="1200" dirty="0"/>
+          </a:p>
+          <a:p>
             <a:r>
               <a:rPr lang="en-US" sz="1200" dirty="0"/>
-              <a:t>and u aren’t the same character.  </a:t>
+              <a:t>ü and u aren’t the same character.  </a:t>
             </a:r>
             <a:r>
               <a:rPr lang="en-US" sz="1200" dirty="0" err="1"/>
@@ -13668,13 +13366,6 @@
   <p:clrMapOvr>
     <a:masterClrMapping/>
   </p:clrMapOvr>
-  <p:timing>
-    <p:tnLst>
-      <p:par>
-        <p:cTn id="1" dur="indefinite" restart="never" nodeType="tmRoot"/>
-      </p:par>
-    </p:tnLst>
-  </p:timing>
 </p:sld>
 </file>
 
@@ -14977,15 +14668,7 @@
                       </a:pPr>
                       <a:r>
                         <a:rPr lang="ru-RU" sz="1200" dirty="0"/>
-                        <a:t>Словообразующий символ </a:t>
-                      </a:r>
-                      <a:r>
-                        <a:rPr lang="ru-RU" sz="1200" dirty="0" smtClean="0"/>
-                        <a:t>(например</a:t>
-                      </a:r>
-                      <a:r>
-                        <a:rPr lang="ru-RU" sz="1200" dirty="0"/>
-                        <a:t>, для английского языка это </a:t>
+                        <a:t>Словообразующий символ (например, для английского языка это </a:t>
                       </a:r>
                       <a:r>
                         <a:rPr lang="ru-RU" sz="1100" dirty="0"/>
@@ -15782,7 +15465,7 @@
                     <a:lstStyle/>
                     <a:p>
                       <a:r>
-                        <a:rPr lang="en-US" sz="1200" dirty="0" smtClean="0"/>
+                        <a:rPr lang="en-US" sz="1200" dirty="0"/>
                         <a:t>?</a:t>
                       </a:r>
                       <a:endParaRPr lang="be-BY" sz="1200" dirty="0"/>
@@ -15796,11 +15479,11 @@
                     <a:lstStyle/>
                     <a:p>
                       <a:r>
-                        <a:rPr lang="ru-RU" sz="1200" dirty="0" smtClean="0"/>
+                        <a:rPr lang="ru-RU" sz="1200" dirty="0"/>
                         <a:t>Встречается</a:t>
                       </a:r>
                       <a:r>
-                        <a:rPr lang="ru-RU" sz="1200" baseline="0" dirty="0" smtClean="0"/>
+                        <a:rPr lang="ru-RU" sz="1200" baseline="0" dirty="0"/>
                         <a:t> 0 или 1 раз.</a:t>
                       </a:r>
                       <a:endParaRPr lang="be-BY" sz="1200" dirty="0"/>
@@ -15821,7 +15504,7 @@
                     <a:lstStyle/>
                     <a:p>
                       <a:r>
-                        <a:rPr lang="en-US" sz="1200" dirty="0" smtClean="0"/>
+                        <a:rPr lang="en-US" sz="1200" dirty="0"/>
                         <a:t>+</a:t>
                       </a:r>
                       <a:endParaRPr lang="be-BY" sz="1200" dirty="0"/>
@@ -15835,11 +15518,11 @@
                     <a:lstStyle/>
                     <a:p>
                       <a:r>
-                        <a:rPr lang="ru-RU" sz="1200" dirty="0" smtClean="0"/>
+                        <a:rPr lang="ru-RU" sz="1200" dirty="0"/>
                         <a:t>Встречается от 1 и</a:t>
                       </a:r>
                       <a:r>
-                        <a:rPr lang="ru-RU" sz="1200" baseline="0" dirty="0" smtClean="0"/>
+                        <a:rPr lang="ru-RU" sz="1200" baseline="0" dirty="0"/>
                         <a:t> более раза.</a:t>
                       </a:r>
                       <a:endParaRPr lang="be-BY" sz="1200" dirty="0"/>
@@ -15860,7 +15543,7 @@
                     <a:lstStyle/>
                     <a:p>
                       <a:r>
-                        <a:rPr lang="en-US" sz="1200" dirty="0" smtClean="0"/>
+                        <a:rPr lang="en-US" sz="1200" dirty="0"/>
                         <a:t>*</a:t>
                       </a:r>
                       <a:endParaRPr lang="be-BY" sz="1200" dirty="0"/>
@@ -15874,7 +15557,7 @@
                     <a:lstStyle/>
                     <a:p>
                       <a:r>
-                        <a:rPr lang="ru-RU" sz="1200" dirty="0" smtClean="0"/>
+                        <a:rPr lang="ru-RU" sz="1200" dirty="0"/>
                         <a:t>Встречается 0 и более раза</a:t>
                       </a:r>
                       <a:endParaRPr lang="be-BY" sz="1200" dirty="0"/>
@@ -15895,7 +15578,7 @@
                     <a:lstStyle/>
                     <a:p>
                       <a:r>
-                        <a:rPr lang="en-US" sz="1200" dirty="0" smtClean="0"/>
+                        <a:rPr lang="en-US" sz="1200" dirty="0"/>
                         <a:t>{n}</a:t>
                       </a:r>
                       <a:endParaRPr lang="be-BY" sz="1200" dirty="0"/>
@@ -15909,15 +15592,15 @@
                     <a:lstStyle/>
                     <a:p>
                       <a:r>
-                        <a:rPr lang="ru-RU" sz="1200" dirty="0" smtClean="0"/>
+                        <a:rPr lang="ru-RU" sz="1200" dirty="0"/>
                         <a:t>Встречается </a:t>
                       </a:r>
                       <a:r>
-                        <a:rPr lang="en-US" sz="1200" dirty="0" smtClean="0"/>
+                        <a:rPr lang="en-US" sz="1200" dirty="0"/>
                         <a:t>n </a:t>
                       </a:r>
                       <a:r>
-                        <a:rPr lang="ru-RU" sz="1200" dirty="0" smtClean="0"/>
+                        <a:rPr lang="ru-RU" sz="1200" dirty="0"/>
                         <a:t>раз</a:t>
                       </a:r>
                       <a:endParaRPr lang="be-BY" sz="1200" dirty="0"/>
@@ -15938,15 +15621,15 @@
                     <a:lstStyle/>
                     <a:p>
                       <a:r>
-                        <a:rPr lang="en-US" sz="1200" dirty="0" smtClean="0"/>
+                        <a:rPr lang="en-US" sz="1200" dirty="0"/>
                         <a:t>{</a:t>
                       </a:r>
                       <a:r>
-                        <a:rPr lang="en-US" sz="1200" dirty="0" err="1" smtClean="0"/>
+                        <a:rPr lang="en-US" sz="1200" dirty="0" err="1"/>
                         <a:t>n,m</a:t>
                       </a:r>
                       <a:r>
-                        <a:rPr lang="en-US" sz="1200" dirty="0" smtClean="0"/>
+                        <a:rPr lang="en-US" sz="1200" dirty="0"/>
                         <a:t>}</a:t>
                       </a:r>
                       <a:endParaRPr lang="be-BY" sz="1200" dirty="0"/>
@@ -15960,27 +15643,27 @@
                     <a:lstStyle/>
                     <a:p>
                       <a:r>
-                        <a:rPr lang="ru-RU" sz="1200" dirty="0" smtClean="0"/>
+                        <a:rPr lang="ru-RU" sz="1200" dirty="0"/>
                         <a:t>Встречается от </a:t>
                       </a:r>
                       <a:r>
-                        <a:rPr lang="en-US" sz="1200" dirty="0" smtClean="0"/>
+                        <a:rPr lang="en-US" sz="1200" dirty="0"/>
                         <a:t>m </a:t>
                       </a:r>
                       <a:r>
-                        <a:rPr lang="ru-RU" sz="1200" dirty="0" smtClean="0"/>
+                        <a:rPr lang="ru-RU" sz="1200" dirty="0"/>
                         <a:t>до </a:t>
                       </a:r>
                       <a:r>
-                        <a:rPr lang="en-US" sz="1200" dirty="0" smtClean="0"/>
+                        <a:rPr lang="en-US" sz="1200" dirty="0"/>
                         <a:t>n</a:t>
                       </a:r>
                       <a:r>
-                        <a:rPr lang="en-US" sz="1200" baseline="0" dirty="0" smtClean="0"/>
+                        <a:rPr lang="en-US" sz="1200" baseline="0" dirty="0"/>
                         <a:t> </a:t>
                       </a:r>
                       <a:r>
-                        <a:rPr lang="ru-RU" sz="1200" baseline="0" dirty="0" smtClean="0"/>
+                        <a:rPr lang="ru-RU" sz="1200" baseline="0" dirty="0"/>
                         <a:t>раз</a:t>
                       </a:r>
                       <a:endParaRPr lang="be-BY" sz="1200" dirty="0"/>
@@ -16001,7 +15684,7 @@
                     <a:lstStyle/>
                     <a:p>
                       <a:r>
-                        <a:rPr lang="en-US" sz="1200" dirty="0" smtClean="0"/>
+                        <a:rPr lang="en-US" sz="1200" dirty="0"/>
                         <a:t>{n,}</a:t>
                       </a:r>
                       <a:endParaRPr lang="be-BY" sz="1200" dirty="0"/>
@@ -16015,19 +15698,19 @@
                     <a:lstStyle/>
                     <a:p>
                       <a:r>
-                        <a:rPr lang="ru-RU" sz="1200" dirty="0" smtClean="0"/>
+                        <a:rPr lang="ru-RU" sz="1200" dirty="0"/>
                         <a:t>Встречается </a:t>
                       </a:r>
                       <a:r>
-                        <a:rPr lang="en-US" sz="1200" dirty="0" smtClean="0"/>
+                        <a:rPr lang="en-US" sz="1200" dirty="0"/>
                         <a:t>n</a:t>
                       </a:r>
                       <a:r>
-                        <a:rPr lang="en-US" sz="1200" baseline="0" dirty="0" smtClean="0"/>
+                        <a:rPr lang="en-US" sz="1200" baseline="0" dirty="0"/>
                         <a:t> </a:t>
                       </a:r>
                       <a:r>
-                        <a:rPr lang="ru-RU" sz="1200" baseline="0" dirty="0" smtClean="0"/>
+                        <a:rPr lang="ru-RU" sz="1200" baseline="0" dirty="0"/>
                         <a:t>и больше раз.</a:t>
                       </a:r>
                       <a:endParaRPr lang="be-BY" sz="1200" dirty="0"/>
@@ -16093,7 +15776,7 @@
           <a:p>
             <a:pPr eaLnBrk="0" hangingPunct="0"/>
             <a:r>
-              <a:rPr lang="ru-RU" sz="1400" dirty="0" smtClean="0">
+              <a:rPr lang="ru-RU" sz="1400" dirty="0">
                 <a:solidFill>
                   <a:schemeClr val="bg1"/>
                 </a:solidFill>
@@ -16104,7 +15787,7 @@
               <a:t>Для тренировки с регулярными выражениями используйте бесплатное приложение </a:t>
             </a:r>
             <a:r>
-              <a:rPr lang="en-US" sz="1400" dirty="0" smtClean="0">
+              <a:rPr lang="en-US" sz="1400" dirty="0">
                 <a:solidFill>
                   <a:schemeClr val="bg1"/>
                 </a:solidFill>
@@ -16115,7 +15798,7 @@
               <a:t>Expresso</a:t>
             </a:r>
             <a:r>
-              <a:rPr lang="ru-RU" sz="1400" dirty="0" smtClean="0">
+              <a:rPr lang="ru-RU" sz="1400" dirty="0">
                 <a:solidFill>
                   <a:schemeClr val="bg1"/>
                 </a:solidFill>
@@ -16135,22 +15818,10 @@
                 <a:cs typeface="Courier New" pitchFamily="49" charset="0"/>
                 <a:hlinkClick r:id="rId3"/>
               </a:rPr>
-              <a:t>http://</a:t>
-            </a:r>
-            <a:r>
-              <a:rPr lang="en-US" sz="1400" dirty="0" smtClean="0">
-                <a:solidFill>
-                  <a:schemeClr val="bg1"/>
-                </a:solidFill>
-                <a:latin typeface="Courier New" pitchFamily="49" charset="0"/>
-                <a:ea typeface="Calibri" pitchFamily="34" charset="0"/>
-                <a:cs typeface="Courier New" pitchFamily="49" charset="0"/>
-                <a:hlinkClick r:id="rId3"/>
-              </a:rPr>
-              <a:t>www.ultrapico.com/Expresso.htm</a:t>
-            </a:r>
-            <a:r>
-              <a:rPr lang="ru-RU" sz="1400" dirty="0" smtClean="0">
+              <a:t>http://www.ultrapico.com/Expresso.htm</a:t>
+            </a:r>
+            <a:r>
+              <a:rPr lang="ru-RU" sz="1400" dirty="0">
                 <a:solidFill>
                   <a:schemeClr val="bg1"/>
                 </a:solidFill>
@@ -16180,13 +15851,6 @@
   <p:clrMapOvr>
     <a:masterClrMapping/>
   </p:clrMapOvr>
-  <p:timing>
-    <p:tnLst>
-      <p:par>
-        <p:cTn id="1" dur="indefinite" restart="never" nodeType="tmRoot"/>
-      </p:par>
-    </p:tnLst>
-  </p:timing>
 </p:sld>
 </file>
 
@@ -16274,34 +15938,17 @@
                 </a:solidFill>
                 <a:hlinkClick r:id="rId4"/>
               </a:rPr>
-              <a:t>https://</a:t>
-            </a:r>
-            <a:r>
-              <a:rPr lang="en-US" dirty="0" smtClean="0">
-                <a:solidFill>
-                  <a:schemeClr val="bg1"/>
-                </a:solidFill>
-                <a:hlinkClick r:id="rId4"/>
-              </a:rPr>
-              <a:t>github.com/bazile/Training</a:t>
-            </a:r>
-            <a:r>
-              <a:rPr lang="en-US" dirty="0" smtClean="0">
-                <a:solidFill>
-                  <a:schemeClr val="bg1"/>
-                </a:solidFill>
-              </a:rPr>
-              <a:t/>
+              <a:t>https://github.com/bazile/Training</a:t>
             </a:r>
             <a:br>
-              <a:rPr lang="en-US" dirty="0" smtClean="0">
+              <a:rPr lang="en-US" dirty="0">
                 <a:solidFill>
                   <a:schemeClr val="bg1"/>
                 </a:solidFill>
               </a:rPr>
             </a:br>
             <a:r>
-              <a:rPr lang="ru-RU" dirty="0" smtClean="0">
+              <a:rPr lang="ru-RU" dirty="0">
                 <a:solidFill>
                   <a:schemeClr val="bg1"/>
                 </a:solidFill>
@@ -16310,59 +15957,37 @@
             </a:r>
           </a:p>
           <a:p>
-            <a:endParaRPr lang="ru-RU" dirty="0" smtClean="0">
-              <a:solidFill>
-                <a:schemeClr val="bg1"/>
-              </a:solidFill>
-            </a:endParaRPr>
-          </a:p>
-          <a:p>
-            <a:r>
-              <a:rPr lang="en-US" dirty="0">
-                <a:solidFill>
-                  <a:schemeClr val="bg1"/>
-                </a:solidFill>
-                <a:hlinkClick r:id="rId5"/>
-              </a:rPr>
-              <a:t>http://belhard.nullptr.ru</a:t>
-            </a:r>
-            <a:r>
-              <a:rPr lang="en-US" dirty="0" smtClean="0">
-                <a:solidFill>
-                  <a:schemeClr val="bg1"/>
-                </a:solidFill>
-                <a:hlinkClick r:id="rId5"/>
-              </a:rPr>
-              <a:t>/</a:t>
-            </a:r>
-            <a:r>
-              <a:rPr lang="ru-RU" dirty="0" smtClean="0">
-                <a:solidFill>
-                  <a:schemeClr val="bg1"/>
-                </a:solidFill>
-              </a:rPr>
-              <a:t/>
-            </a:r>
-            <a:br>
-              <a:rPr lang="ru-RU" dirty="0" smtClean="0">
-                <a:solidFill>
-                  <a:schemeClr val="bg1"/>
-                </a:solidFill>
-              </a:rPr>
-            </a:br>
-            <a:r>
-              <a:rPr lang="ru-RU" dirty="0" smtClean="0">
-                <a:solidFill>
-                  <a:schemeClr val="bg1"/>
-                </a:solidFill>
-              </a:rPr>
-              <a:t>Книги, примеры к ним и другие полезные файлы.</a:t>
-            </a:r>
             <a:endParaRPr lang="ru-RU" dirty="0">
               <a:solidFill>
                 <a:schemeClr val="bg1"/>
               </a:solidFill>
             </a:endParaRPr>
+          </a:p>
+          <a:p>
+            <a:r>
+              <a:rPr lang="en-US" dirty="0">
+                <a:solidFill>
+                  <a:schemeClr val="bg1"/>
+                </a:solidFill>
+                <a:hlinkClick r:id="rId5"/>
+              </a:rPr>
+              <a:t>http://belhard.nullptr.ru/</a:t>
+            </a:r>
+            <a:br>
+              <a:rPr lang="ru-RU" dirty="0">
+                <a:solidFill>
+                  <a:schemeClr val="bg1"/>
+                </a:solidFill>
+              </a:rPr>
+            </a:br>
+            <a:r>
+              <a:rPr lang="ru-RU" dirty="0">
+                <a:solidFill>
+                  <a:schemeClr val="bg1"/>
+                </a:solidFill>
+              </a:rPr>
+              <a:t>Книги, примеры к ним и другие полезные файлы.</a:t>
+            </a:r>
           </a:p>
           <a:p>
             <a:endParaRPr lang="en-US" dirty="0"/>
@@ -16379,13 +16004,6 @@
   <p:clrMapOvr>
     <a:overrideClrMapping bg1="lt1" tx1="dk1" bg2="lt2" tx2="dk2" accent1="accent1" accent2="accent2" accent3="accent3" accent4="accent4" accent5="accent5" accent6="accent6" hlink="hlink" folHlink="folHlink"/>
   </p:clrMapOvr>
-  <p:timing>
-    <p:tnLst>
-      <p:par>
-        <p:cTn id="1" dur="indefinite" restart="never" nodeType="tmRoot"/>
-      </p:par>
-    </p:tnLst>
-  </p:timing>
 </p:sld>
 </file>
 
@@ -17400,13 +17018,6 @@
   <p:clrMapOvr>
     <a:masterClrMapping/>
   </p:clrMapOvr>
-  <p:timing>
-    <p:tnLst>
-      <p:par>
-        <p:cTn id="1" dur="indefinite" restart="never" nodeType="tmRoot"/>
-      </p:par>
-    </p:tnLst>
-  </p:timing>
 </p:sld>
 </file>
 
@@ -17493,20 +17104,17 @@
               </a:tabLst>
             </a:pPr>
             <a:r>
-              <a:rPr lang="ru-RU" sz="2400" dirty="0" smtClean="0">
+              <a:rPr lang="ru-RU" sz="2400" dirty="0">
                 <a:cs typeface="Times New Roman" pitchFamily="18" charset="0"/>
               </a:rPr>
               <a:t>Управление ресурсами и блок </a:t>
             </a:r>
             <a:r>
-              <a:rPr lang="en-US" sz="2400" dirty="0" smtClean="0">
+              <a:rPr lang="en-US" sz="2400" dirty="0">
                 <a:cs typeface="Times New Roman" pitchFamily="18" charset="0"/>
               </a:rPr>
               <a:t>using</a:t>
             </a:r>
-            <a:endParaRPr lang="en-US" sz="2400" dirty="0">
-              <a:cs typeface="Times New Roman" pitchFamily="18" charset="0"/>
-            </a:endParaRPr>
           </a:p>
         </p:txBody>
       </p:sp>
@@ -18258,7 +17866,7 @@
               <a:t>filePath</a:t>
             </a:r>
             <a:r>
-              <a:rPr lang="en-US" sz="1200" dirty="0" smtClean="0">
+              <a:rPr lang="en-US" sz="1200" dirty="0">
                 <a:solidFill>
                   <a:prstClr val="black"/>
                 </a:solidFill>
@@ -18287,13 +17895,6 @@
   <p:clrMapOvr>
     <a:masterClrMapping/>
   </p:clrMapOvr>
-  <p:timing>
-    <p:tnLst>
-      <p:par>
-        <p:cTn id="1" dur="indefinite" restart="never" nodeType="tmRoot"/>
-      </p:par>
-    </p:tnLst>
-  </p:timing>
 </p:sld>
 </file>
 
@@ -23111,12 +22712,8 @@
           <a:p>
             <a:pPr algn="ctr" eaLnBrk="1" hangingPunct="1"/>
             <a:r>
-              <a:rPr lang="ru-RU" dirty="0" smtClean="0"/>
-              <a:t>Очевидно во время </a:t>
-            </a:r>
-            <a:r>
               <a:rPr lang="ru-RU" dirty="0"/>
-              <a:t>явного преобразования более точного типа к менее точному может произойти потеря данных. Также потеря данных может произойти при арифметических операциях с большими числами.</a:t>
+              <a:t>Очевидно во время явного преобразования более точного типа к менее точному может произойти потеря данных. Также потеря данных может произойти при арифметических операциях с большими числами.</a:t>
             </a:r>
             <a:endParaRPr lang="en-US" sz="1400" dirty="0"/>
           </a:p>
@@ -23132,13 +22729,6 @@
   <p:clrMapOvr>
     <a:masterClrMapping/>
   </p:clrMapOvr>
-  <p:timing>
-    <p:tnLst>
-      <p:par>
-        <p:cTn id="1" dur="indefinite" restart="never" nodeType="tmRoot"/>
-      </p:par>
-    </p:tnLst>
-  </p:timing>
 </p:sld>
 </file>
 
@@ -24143,13 +23733,6 @@
   <p:clrMapOvr>
     <a:masterClrMapping/>
   </p:clrMapOvr>
-  <p:timing>
-    <p:tnLst>
-      <p:par>
-        <p:cTn id="1" dur="indefinite" restart="never" nodeType="tmRoot"/>
-      </p:par>
-    </p:tnLst>
-  </p:timing>
 </p:sld>
 </file>
 
@@ -24239,35 +23822,26 @@
               <a:rPr lang="ru-RU" sz="2400" dirty="0">
                 <a:cs typeface="Times New Roman" pitchFamily="18" charset="0"/>
               </a:rPr>
-              <a:t>Преобразование типов</a:t>
-            </a:r>
-            <a:r>
-              <a:rPr lang="ru-RU" sz="2400" dirty="0" smtClean="0">
-                <a:cs typeface="Times New Roman" pitchFamily="18" charset="0"/>
-              </a:rPr>
-              <a:t>. (</a:t>
-            </a:r>
-            <a:r>
-              <a:rPr lang="en-US" sz="2400" dirty="0" smtClean="0">
+              <a:t>Преобразование типов. (</a:t>
+            </a:r>
+            <a:r>
+              <a:rPr lang="en-US" sz="2400" dirty="0">
                 <a:cs typeface="Times New Roman" pitchFamily="18" charset="0"/>
               </a:rPr>
               <a:t>Parse/</a:t>
             </a:r>
             <a:r>
-              <a:rPr lang="en-US" sz="2400" dirty="0" err="1" smtClean="0">
+              <a:rPr lang="en-US" sz="2400" dirty="0" err="1">
                 <a:cs typeface="Times New Roman" pitchFamily="18" charset="0"/>
               </a:rPr>
               <a:t>TryParse</a:t>
             </a:r>
             <a:r>
-              <a:rPr lang="en-US" sz="2400" dirty="0" smtClean="0">
+              <a:rPr lang="en-US" sz="2400" dirty="0">
                 <a:cs typeface="Times New Roman" pitchFamily="18" charset="0"/>
               </a:rPr>
               <a:t>)</a:t>
             </a:r>
-            <a:endParaRPr lang="en-US" sz="2400" dirty="0">
-              <a:cs typeface="Times New Roman" pitchFamily="18" charset="0"/>
-            </a:endParaRPr>
           </a:p>
         </p:txBody>
       </p:sp>
@@ -24466,39 +24040,39 @@
           <a:p>
             <a:pPr eaLnBrk="1" hangingPunct="1"/>
             <a:r>
-              <a:rPr lang="ru-RU" sz="1600" dirty="0" smtClean="0"/>
+              <a:rPr lang="ru-RU" sz="1600" dirty="0"/>
               <a:t>Многие стандартные типы предоставляют методы </a:t>
             </a:r>
             <a:r>
-              <a:rPr lang="en-US" sz="1600" dirty="0" smtClean="0"/>
+              <a:rPr lang="en-US" sz="1600" dirty="0"/>
               <a:t>Parse/</a:t>
             </a:r>
             <a:r>
-              <a:rPr lang="en-US" sz="1600" dirty="0" err="1" smtClean="0"/>
+              <a:rPr lang="en-US" sz="1600" dirty="0" err="1"/>
               <a:t>TryParse</a:t>
             </a:r>
             <a:r>
-              <a:rPr lang="en-US" sz="1600" dirty="0" smtClean="0"/>
+              <a:rPr lang="en-US" sz="1600" dirty="0"/>
               <a:t> </a:t>
             </a:r>
             <a:r>
-              <a:rPr lang="ru-RU" sz="1600" dirty="0" smtClean="0"/>
+              <a:rPr lang="ru-RU" sz="1600" dirty="0"/>
               <a:t>для преобразования строковых значений в свой тип.</a:t>
             </a:r>
             <a:r>
-              <a:rPr lang="en-US" sz="1600" dirty="0" smtClean="0"/>
+              <a:rPr lang="en-US" sz="1600" dirty="0"/>
               <a:t> </a:t>
             </a:r>
             <a:r>
-              <a:rPr lang="ru-RU" sz="1600" dirty="0" smtClean="0"/>
+              <a:rPr lang="ru-RU" sz="1600" dirty="0"/>
               <a:t>Если мы ожидаем что строка содержит неправильное значение и хотим избежать возбуждения исключительной ситуации, то можем использовать метод </a:t>
             </a:r>
             <a:r>
-              <a:rPr lang="en-US" sz="1600" dirty="0" err="1" smtClean="0"/>
+              <a:rPr lang="en-US" sz="1600" dirty="0" err="1"/>
               <a:t>TryParse</a:t>
             </a:r>
             <a:r>
-              <a:rPr lang="en-US" sz="1600" dirty="0" smtClean="0"/>
+              <a:rPr lang="en-US" sz="1600" dirty="0"/>
               <a:t>.</a:t>
             </a:r>
           </a:p>
@@ -24509,21 +24083,21 @@
           <a:p>
             <a:pPr eaLnBrk="1" hangingPunct="1"/>
             <a:r>
-              <a:rPr lang="en-US" sz="1400" dirty="0" smtClean="0">
+              <a:rPr lang="en-US" sz="1400" dirty="0">
                 <a:latin typeface="Courier New" pitchFamily="49" charset="0"/>
                 <a:cs typeface="Courier New" pitchFamily="49" charset="0"/>
               </a:rPr>
               <a:t>string </a:t>
             </a:r>
             <a:r>
-              <a:rPr lang="en-US" sz="1400" dirty="0" err="1" smtClean="0">
+              <a:rPr lang="en-US" sz="1400" dirty="0" err="1">
                 <a:latin typeface="Courier New" pitchFamily="49" charset="0"/>
                 <a:cs typeface="Courier New" pitchFamily="49" charset="0"/>
               </a:rPr>
               <a:t>numStr</a:t>
             </a:r>
             <a:r>
-              <a:rPr lang="en-US" sz="1400" dirty="0" smtClean="0">
+              <a:rPr lang="en-US" sz="1400" dirty="0">
                 <a:latin typeface="Courier New" pitchFamily="49" charset="0"/>
                 <a:cs typeface="Courier New" pitchFamily="49" charset="0"/>
               </a:rPr>
@@ -24533,56 +24107,56 @@
           <a:p>
             <a:pPr eaLnBrk="1" hangingPunct="1"/>
             <a:r>
-              <a:rPr lang="en-US" sz="1400" dirty="0" err="1" smtClean="0">
+              <a:rPr lang="en-US" sz="1400" dirty="0" err="1">
                 <a:latin typeface="Courier New" pitchFamily="49" charset="0"/>
                 <a:cs typeface="Courier New" pitchFamily="49" charset="0"/>
               </a:rPr>
               <a:t>int</a:t>
             </a:r>
             <a:r>
-              <a:rPr lang="en-US" sz="1400" dirty="0" smtClean="0">
+              <a:rPr lang="en-US" sz="1400" dirty="0">
                 <a:latin typeface="Courier New" pitchFamily="49" charset="0"/>
                 <a:cs typeface="Courier New" pitchFamily="49" charset="0"/>
               </a:rPr>
               <a:t> </a:t>
             </a:r>
             <a:r>
-              <a:rPr lang="en-US" sz="1400" dirty="0" err="1" smtClean="0">
+              <a:rPr lang="en-US" sz="1400" dirty="0" err="1">
                 <a:latin typeface="Courier New" pitchFamily="49" charset="0"/>
                 <a:cs typeface="Courier New" pitchFamily="49" charset="0"/>
               </a:rPr>
               <a:t>num</a:t>
             </a:r>
             <a:r>
-              <a:rPr lang="en-US" sz="1400" dirty="0" smtClean="0">
+              <a:rPr lang="en-US" sz="1400" dirty="0">
                 <a:latin typeface="Courier New" pitchFamily="49" charset="0"/>
                 <a:cs typeface="Courier New" pitchFamily="49" charset="0"/>
               </a:rPr>
               <a:t> = </a:t>
             </a:r>
             <a:r>
-              <a:rPr lang="en-US" sz="1400" dirty="0" err="1" smtClean="0">
+              <a:rPr lang="en-US" sz="1400" dirty="0" err="1">
                 <a:latin typeface="Courier New" pitchFamily="49" charset="0"/>
                 <a:cs typeface="Courier New" pitchFamily="49" charset="0"/>
               </a:rPr>
               <a:t>int.Parse</a:t>
             </a:r>
             <a:r>
-              <a:rPr lang="en-US" sz="1400" dirty="0" smtClean="0">
+              <a:rPr lang="en-US" sz="1400" dirty="0">
                 <a:latin typeface="Courier New" pitchFamily="49" charset="0"/>
                 <a:cs typeface="Courier New" pitchFamily="49" charset="0"/>
               </a:rPr>
               <a:t>(</a:t>
             </a:r>
             <a:r>
-              <a:rPr lang="en-US" sz="1400" dirty="0" err="1" smtClean="0">
+              <a:rPr lang="en-US" sz="1400" dirty="0" err="1">
                 <a:latin typeface="Courier New" pitchFamily="49" charset="0"/>
                 <a:cs typeface="Courier New" pitchFamily="49" charset="0"/>
               </a:rPr>
               <a:t>numStr</a:t>
             </a:r>
             <a:r>
-              <a:rPr lang="en-US" sz="1400" dirty="0" smtClean="0">
+              <a:rPr lang="en-US" sz="1400" dirty="0">
                 <a:latin typeface="Courier New" pitchFamily="49" charset="0"/>
                 <a:cs typeface="Courier New" pitchFamily="49" charset="0"/>
               </a:rPr>
@@ -24591,7 +24165,7 @@
           </a:p>
           <a:p>
             <a:pPr eaLnBrk="1" hangingPunct="1"/>
-            <a:endParaRPr lang="en-US" sz="1400" dirty="0" smtClean="0">
+            <a:endParaRPr lang="en-US" sz="1400" dirty="0">
               <a:latin typeface="Courier New" pitchFamily="49" charset="0"/>
               <a:cs typeface="Courier New" pitchFamily="49" charset="0"/>
             </a:endParaRPr>
@@ -24599,70 +24173,18 @@
           <a:p>
             <a:pPr eaLnBrk="1" hangingPunct="1"/>
             <a:r>
-              <a:rPr lang="en-US" sz="1400" dirty="0" err="1" smtClean="0">
+              <a:rPr lang="en-US" sz="1400" dirty="0" err="1">
                 <a:latin typeface="Courier New" pitchFamily="49" charset="0"/>
                 <a:cs typeface="Courier New" pitchFamily="49" charset="0"/>
               </a:rPr>
               <a:t>int</a:t>
             </a:r>
             <a:r>
-              <a:rPr lang="en-US" sz="1400" dirty="0" smtClean="0">
+              <a:rPr lang="en-US" sz="1400" dirty="0">
                 <a:latin typeface="Courier New" pitchFamily="49" charset="0"/>
                 <a:cs typeface="Courier New" pitchFamily="49" charset="0"/>
               </a:rPr>
               <a:t> result; string </a:t>
-            </a:r>
-            <a:r>
-              <a:rPr lang="en-US" sz="1400" dirty="0" err="1" smtClean="0">
-                <a:latin typeface="Courier New" pitchFamily="49" charset="0"/>
-                <a:cs typeface="Courier New" pitchFamily="49" charset="0"/>
-              </a:rPr>
-              <a:t>badStr</a:t>
-            </a:r>
-            <a:r>
-              <a:rPr lang="en-US" sz="1400" dirty="0" smtClean="0">
-                <a:latin typeface="Courier New" pitchFamily="49" charset="0"/>
-                <a:cs typeface="Courier New" pitchFamily="49" charset="0"/>
-              </a:rPr>
-              <a:t> = "</a:t>
-            </a:r>
-            <a:r>
-              <a:rPr lang="en-US" sz="1400" dirty="0" err="1" smtClean="0">
-                <a:latin typeface="Courier New" pitchFamily="49" charset="0"/>
-                <a:cs typeface="Courier New" pitchFamily="49" charset="0"/>
-              </a:rPr>
-              <a:t>fgfdfsd</a:t>
-            </a:r>
-            <a:r>
-              <a:rPr lang="en-US" sz="1400" dirty="0" smtClean="0">
-                <a:latin typeface="Courier New" pitchFamily="49" charset="0"/>
-                <a:cs typeface="Courier New" pitchFamily="49" charset="0"/>
-              </a:rPr>
-              <a:t>":</a:t>
-            </a:r>
-          </a:p>
-          <a:p>
-            <a:pPr eaLnBrk="1" hangingPunct="1"/>
-            <a:r>
-              <a:rPr lang="en-US" sz="1400" dirty="0" smtClean="0">
-                <a:latin typeface="Courier New" pitchFamily="49" charset="0"/>
-                <a:cs typeface="Courier New" pitchFamily="49" charset="0"/>
-              </a:rPr>
-              <a:t>if (</a:t>
-            </a:r>
-            <a:r>
-              <a:rPr lang="en-US" sz="1400" dirty="0" err="1" smtClean="0">
-                <a:latin typeface="Courier New" pitchFamily="49" charset="0"/>
-                <a:cs typeface="Courier New" pitchFamily="49" charset="0"/>
-              </a:rPr>
-              <a:t>int.TryParse</a:t>
-            </a:r>
-            <a:r>
-              <a:rPr lang="en-US" sz="1400" dirty="0" smtClean="0">
-                <a:latin typeface="Courier New" pitchFamily="49" charset="0"/>
-                <a:cs typeface="Courier New" pitchFamily="49" charset="0"/>
-              </a:rPr>
-              <a:t>(</a:t>
             </a:r>
             <a:r>
               <a:rPr lang="en-US" sz="1400" dirty="0" err="1">
@@ -24672,44 +24194,82 @@
               <a:t>badStr</a:t>
             </a:r>
             <a:r>
-              <a:rPr lang="en-US" sz="1400" dirty="0" smtClean="0">
-                <a:latin typeface="Courier New" pitchFamily="49" charset="0"/>
-                <a:cs typeface="Courier New" pitchFamily="49" charset="0"/>
-              </a:rPr>
-              <a:t>, out</a:t>
-            </a:r>
-            <a:r>
               <a:rPr lang="en-US" sz="1400" dirty="0">
                 <a:latin typeface="Courier New" pitchFamily="49" charset="0"/>
                 <a:cs typeface="Courier New" pitchFamily="49" charset="0"/>
               </a:rPr>
-              <a:t> result</a:t>
-            </a:r>
-            <a:r>
-              <a:rPr lang="en-US" sz="1400" dirty="0" smtClean="0">
+              <a:t> = "</a:t>
+            </a:r>
+            <a:r>
+              <a:rPr lang="en-US" sz="1400" dirty="0" err="1">
                 <a:latin typeface="Courier New" pitchFamily="49" charset="0"/>
                 <a:cs typeface="Courier New" pitchFamily="49" charset="0"/>
               </a:rPr>
-              <a:t>)) {</a:t>
+              <a:t>fgfdfsd</a:t>
+            </a:r>
+            <a:r>
+              <a:rPr lang="en-US" sz="1400" dirty="0">
+                <a:latin typeface="Courier New" pitchFamily="49" charset="0"/>
+                <a:cs typeface="Courier New" pitchFamily="49" charset="0"/>
+              </a:rPr>
+              <a:t>":</a:t>
             </a:r>
           </a:p>
           <a:p>
             <a:pPr eaLnBrk="1" hangingPunct="1"/>
             <a:r>
-              <a:rPr lang="en-US" sz="1400" dirty="0" smtClean="0">
+              <a:rPr lang="en-US" sz="1400" dirty="0">
+                <a:latin typeface="Courier New" pitchFamily="49" charset="0"/>
+                <a:cs typeface="Courier New" pitchFamily="49" charset="0"/>
+              </a:rPr>
+              <a:t>if (</a:t>
+            </a:r>
+            <a:r>
+              <a:rPr lang="en-US" sz="1400" dirty="0" err="1">
+                <a:latin typeface="Courier New" pitchFamily="49" charset="0"/>
+                <a:cs typeface="Courier New" pitchFamily="49" charset="0"/>
+              </a:rPr>
+              <a:t>int.TryParse</a:t>
+            </a:r>
+            <a:r>
+              <a:rPr lang="en-US" sz="1400" dirty="0">
+                <a:latin typeface="Courier New" pitchFamily="49" charset="0"/>
+                <a:cs typeface="Courier New" pitchFamily="49" charset="0"/>
+              </a:rPr>
+              <a:t>(</a:t>
+            </a:r>
+            <a:r>
+              <a:rPr lang="en-US" sz="1400" dirty="0" err="1">
+                <a:latin typeface="Courier New" pitchFamily="49" charset="0"/>
+                <a:cs typeface="Courier New" pitchFamily="49" charset="0"/>
+              </a:rPr>
+              <a:t>badStr</a:t>
+            </a:r>
+            <a:r>
+              <a:rPr lang="en-US" sz="1400" dirty="0">
+                <a:latin typeface="Courier New" pitchFamily="49" charset="0"/>
+                <a:cs typeface="Courier New" pitchFamily="49" charset="0"/>
+              </a:rPr>
+              <a:t>, out result)) {</a:t>
+            </a:r>
+          </a:p>
+          <a:p>
+            <a:pPr eaLnBrk="1" hangingPunct="1"/>
+            <a:r>
+              <a:rPr lang="en-US" sz="1400" dirty="0">
                 <a:latin typeface="Courier New" pitchFamily="49" charset="0"/>
                 <a:cs typeface="Courier New" pitchFamily="49" charset="0"/>
               </a:rPr>
               <a:t>    // </a:t>
             </a:r>
             <a:r>
-              <a:rPr lang="ru-RU" sz="1400" dirty="0" smtClean="0">
+              <a:rPr lang="ru-RU" sz="1400" dirty="0">
                 <a:latin typeface="Courier New" pitchFamily="49" charset="0"/>
                 <a:cs typeface="Courier New" pitchFamily="49" charset="0"/>
               </a:rPr>
               <a:t>Строка успешно преобразована в число</a:t>
             </a:r>
-            <a:endParaRPr lang="en-US" sz="1400" dirty="0" smtClean="0">
+            <a:endParaRPr lang="en-US" sz="1400" dirty="0">
               <a:latin typeface="Courier New" pitchFamily="49" charset="0"/>
               <a:cs typeface="Courier New" pitchFamily="49" charset="0"/>
             </a:endParaRPr>
@@ -24723,10 +24283,6 @@
               </a:rPr>
               <a:t>}</a:t>
             </a:r>
-            <a:endParaRPr lang="en-US" sz="1400" dirty="0" smtClean="0">
-              <a:latin typeface="Courier New" pitchFamily="49" charset="0"/>
-              <a:cs typeface="Courier New" pitchFamily="49" charset="0"/>
-            </a:endParaRPr>
           </a:p>
           <a:p>
             <a:pPr eaLnBrk="1" hangingPunct="1"/>
@@ -24735,23 +24291,23 @@
           <a:p>
             <a:pPr eaLnBrk="1" hangingPunct="1"/>
             <a:r>
-              <a:rPr lang="ru-RU" sz="1600" dirty="0" smtClean="0"/>
+              <a:rPr lang="ru-RU" sz="1600" dirty="0"/>
               <a:t>Методы </a:t>
             </a:r>
             <a:r>
-              <a:rPr lang="en-US" sz="1600" dirty="0" smtClean="0"/>
+              <a:rPr lang="en-US" sz="1600" dirty="0"/>
               <a:t>Parse/</a:t>
             </a:r>
             <a:r>
-              <a:rPr lang="en-US" sz="1600" dirty="0" err="1" smtClean="0"/>
+              <a:rPr lang="en-US" sz="1600" dirty="0" err="1"/>
               <a:t>TryParse</a:t>
             </a:r>
             <a:r>
-              <a:rPr lang="en-US" sz="1600" dirty="0" smtClean="0"/>
+              <a:rPr lang="en-US" sz="1600" dirty="0"/>
               <a:t> </a:t>
             </a:r>
             <a:r>
-              <a:rPr lang="ru-RU" sz="1600" dirty="0" smtClean="0"/>
+              <a:rPr lang="ru-RU" sz="1600" dirty="0"/>
               <a:t>обычно дают возможность указать дополнительные параметры преобразования.</a:t>
             </a:r>
           </a:p>
@@ -24762,21 +24318,21 @@
           <a:p>
             <a:pPr eaLnBrk="1" hangingPunct="1"/>
             <a:r>
-              <a:rPr lang="en-US" sz="1400" dirty="0" smtClean="0">
+              <a:rPr lang="en-US" sz="1400" dirty="0">
                 <a:latin typeface="Courier New" pitchFamily="49" charset="0"/>
                 <a:cs typeface="Courier New" pitchFamily="49" charset="0"/>
               </a:rPr>
               <a:t>string </a:t>
             </a:r>
             <a:r>
-              <a:rPr lang="en-US" sz="1400" dirty="0" err="1" smtClean="0">
+              <a:rPr lang="en-US" sz="1400" dirty="0" err="1">
                 <a:latin typeface="Courier New" pitchFamily="49" charset="0"/>
                 <a:cs typeface="Courier New" pitchFamily="49" charset="0"/>
               </a:rPr>
               <a:t>hexStr</a:t>
             </a:r>
             <a:r>
-              <a:rPr lang="en-US" sz="1400" dirty="0" smtClean="0">
+              <a:rPr lang="en-US" sz="1400" dirty="0">
                 <a:latin typeface="Courier New" pitchFamily="49" charset="0"/>
                 <a:cs typeface="Courier New" pitchFamily="49" charset="0"/>
               </a:rPr>
@@ -24786,49 +24342,49 @@
           <a:p>
             <a:pPr eaLnBrk="1" hangingPunct="1"/>
             <a:r>
-              <a:rPr lang="en-US" sz="1400" dirty="0" err="1" smtClean="0">
+              <a:rPr lang="en-US" sz="1400" dirty="0" err="1">
                 <a:latin typeface="Courier New" pitchFamily="49" charset="0"/>
                 <a:cs typeface="Courier New" pitchFamily="49" charset="0"/>
               </a:rPr>
               <a:t>int</a:t>
             </a:r>
             <a:r>
-              <a:rPr lang="en-US" sz="1400" dirty="0" smtClean="0">
+              <a:rPr lang="en-US" sz="1400" dirty="0">
                 <a:latin typeface="Courier New" pitchFamily="49" charset="0"/>
                 <a:cs typeface="Courier New" pitchFamily="49" charset="0"/>
               </a:rPr>
               <a:t> </a:t>
             </a:r>
             <a:r>
-              <a:rPr lang="en-US" sz="1400" dirty="0" err="1" smtClean="0">
+              <a:rPr lang="en-US" sz="1400" dirty="0" err="1">
                 <a:latin typeface="Courier New" pitchFamily="49" charset="0"/>
                 <a:cs typeface="Courier New" pitchFamily="49" charset="0"/>
               </a:rPr>
               <a:t>someNumber</a:t>
             </a:r>
             <a:r>
-              <a:rPr lang="en-US" sz="1400" dirty="0" smtClean="0">
+              <a:rPr lang="en-US" sz="1400" dirty="0">
                 <a:latin typeface="Courier New" pitchFamily="49" charset="0"/>
                 <a:cs typeface="Courier New" pitchFamily="49" charset="0"/>
               </a:rPr>
               <a:t> = </a:t>
             </a:r>
             <a:r>
-              <a:rPr lang="en-US" sz="1400" dirty="0" err="1" smtClean="0">
+              <a:rPr lang="en-US" sz="1400" dirty="0" err="1">
                 <a:latin typeface="Courier New" pitchFamily="49" charset="0"/>
                 <a:cs typeface="Courier New" pitchFamily="49" charset="0"/>
               </a:rPr>
               <a:t>int.Parse</a:t>
             </a:r>
             <a:r>
-              <a:rPr lang="en-US" sz="1400" dirty="0" smtClean="0">
+              <a:rPr lang="en-US" sz="1400" dirty="0">
                 <a:latin typeface="Courier New" pitchFamily="49" charset="0"/>
                 <a:cs typeface="Courier New" pitchFamily="49" charset="0"/>
               </a:rPr>
               <a:t>(</a:t>
             </a:r>
             <a:r>
-              <a:rPr lang="en-US" sz="1400" dirty="0" err="1" smtClean="0">
+              <a:rPr lang="en-US" sz="1400" dirty="0" err="1">
                 <a:latin typeface="Courier New" pitchFamily="49" charset="0"/>
                 <a:cs typeface="Courier New" pitchFamily="49" charset="0"/>
               </a:rPr>
@@ -24853,31 +24409,17 @@
                 <a:latin typeface="Courier New" pitchFamily="49" charset="0"/>
                 <a:cs typeface="Courier New" pitchFamily="49" charset="0"/>
               </a:rPr>
-              <a:t>);</a:t>
-            </a:r>
-            <a:r>
-              <a:rPr lang="en-US" sz="1400" dirty="0" smtClean="0">
-                <a:latin typeface="Courier New" pitchFamily="49" charset="0"/>
-                <a:cs typeface="Courier New" pitchFamily="49" charset="0"/>
-              </a:rPr>
-              <a:t> // </a:t>
-            </a:r>
-            <a:r>
-              <a:rPr lang="en-US" sz="1400" dirty="0">
-                <a:latin typeface="Courier New" pitchFamily="49" charset="0"/>
-                <a:cs typeface="Courier New" pitchFamily="49" charset="0"/>
-              </a:rPr>
-              <a:t>4858</a:t>
+              <a:t>); // 4858</a:t>
             </a:r>
           </a:p>
           <a:p>
             <a:pPr eaLnBrk="1" hangingPunct="1"/>
-            <a:endParaRPr lang="en-US" sz="1600" b="1" dirty="0" smtClean="0"/>
+            <a:endParaRPr lang="en-US" sz="1600" b="1" dirty="0"/>
           </a:p>
           <a:p>
             <a:pPr eaLnBrk="1" hangingPunct="1"/>
             <a:r>
-              <a:rPr lang="ru-RU" sz="1600" dirty="0" smtClean="0"/>
+              <a:rPr lang="ru-RU" sz="1600" dirty="0"/>
               <a:t>В случае когда мы имеем дело с данными вид которых меняется от локализации нужно явно указывать необходимую культуру. Примерами таких данных являются числа с плавающей точкой и дата/время.</a:t>
             </a:r>
           </a:p>
@@ -24975,13 +24517,6 @@
   <p:clrMapOvr>
     <a:masterClrMapping/>
   </p:clrMapOvr>
-  <p:timing>
-    <p:tnLst>
-      <p:par>
-        <p:cTn id="1" dur="indefinite" restart="never" nodeType="tmRoot"/>
-      </p:par>
-    </p:tnLst>
-  </p:timing>
 </p:sld>
 </file>
 
@@ -25068,31 +24603,31 @@
               </a:tabLst>
             </a:pPr>
             <a:r>
-              <a:rPr lang="ru-RU" sz="2400" dirty="0" smtClean="0">
+              <a:rPr lang="ru-RU" sz="2400" dirty="0">
                 <a:cs typeface="Times New Roman" pitchFamily="18" charset="0"/>
               </a:rPr>
               <a:t>Методы </a:t>
             </a:r>
             <a:r>
-              <a:rPr lang="en-US" sz="2400" dirty="0" smtClean="0">
+              <a:rPr lang="en-US" sz="2400" dirty="0">
                 <a:cs typeface="Times New Roman" pitchFamily="18" charset="0"/>
               </a:rPr>
               <a:t>Parse/</a:t>
             </a:r>
             <a:r>
-              <a:rPr lang="en-US" sz="2400" dirty="0" err="1" smtClean="0">
+              <a:rPr lang="en-US" sz="2400" dirty="0" err="1">
                 <a:cs typeface="Times New Roman" pitchFamily="18" charset="0"/>
               </a:rPr>
               <a:t>ParseExact</a:t>
             </a:r>
             <a:r>
-              <a:rPr lang="en-US" sz="2400" dirty="0" smtClean="0">
+              <a:rPr lang="en-US" sz="2400" dirty="0">
                 <a:cs typeface="Times New Roman" pitchFamily="18" charset="0"/>
               </a:rPr>
               <a:t>/</a:t>
             </a:r>
             <a:r>
-              <a:rPr lang="en-US" sz="2400" dirty="0" err="1" smtClean="0">
+              <a:rPr lang="en-US" sz="2400" dirty="0" err="1">
                 <a:cs typeface="Times New Roman" pitchFamily="18" charset="0"/>
               </a:rPr>
               <a:t>TryParse</a:t>
@@ -25673,7 +25208,67 @@
                     <a:p>
                       <a:pPr algn="ctr" fontAlgn="b"/>
                       <a:r>
-                        <a:rPr lang="en-US" sz="1200" b="0" i="0" u="none" strike="noStrike" dirty="0" smtClean="0">
+                        <a:rPr lang="en-US" sz="1200" b="0" i="0" u="none" strike="noStrike" dirty="0">
+                          <a:solidFill>
+                            <a:srgbClr val="00B050"/>
+                          </a:solidFill>
+                          <a:effectLst/>
+                          <a:latin typeface="+mn-lt"/>
+                        </a:rPr>
+                        <a:t>✔</a:t>
+                      </a:r>
+                    </a:p>
+                  </a:txBody>
+                  <a:tcPr marL="45720" marR="45720" anchor="b">
+                    <a:lnL w="12700" cap="flat" cmpd="sng" algn="ctr">
+                      <a:solidFill>
+                        <a:srgbClr val="002060"/>
+                      </a:solidFill>
+                      <a:prstDash val="solid"/>
+                      <a:round/>
+                      <a:headEnd type="none" w="med" len="med"/>
+                      <a:tailEnd type="none" w="med" len="med"/>
+                    </a:lnL>
+                    <a:lnR w="12700" cap="flat" cmpd="sng" algn="ctr">
+                      <a:solidFill>
+                        <a:srgbClr val="002060"/>
+                      </a:solidFill>
+                      <a:prstDash val="solid"/>
+                      <a:round/>
+                      <a:headEnd type="none" w="med" len="med"/>
+                      <a:tailEnd type="none" w="med" len="med"/>
+                    </a:lnR>
+                    <a:lnT w="12700" cap="flat" cmpd="sng" algn="ctr">
+                      <a:solidFill>
+                        <a:srgbClr val="002060"/>
+                      </a:solidFill>
+                      <a:prstDash val="solid"/>
+                      <a:round/>
+                      <a:headEnd type="none" w="med" len="med"/>
+                      <a:tailEnd type="none" w="med" len="med"/>
+                    </a:lnT>
+                    <a:lnB w="12700" cap="flat" cmpd="sng" algn="ctr">
+                      <a:solidFill>
+                        <a:srgbClr val="002060"/>
+                      </a:solidFill>
+                      <a:prstDash val="solid"/>
+                      <a:round/>
+                      <a:headEnd type="none" w="med" len="med"/>
+                      <a:tailEnd type="none" w="med" len="med"/>
+                    </a:lnB>
+                    <a:solidFill>
+                      <a:schemeClr val="bg1"/>
+                    </a:solidFill>
+                  </a:tcPr>
+                </a:tc>
+                <a:tc>
+                  <a:txBody>
+                    <a:bodyPr/>
+                    <a:lstStyle/>
+                    <a:p>
+                      <a:pPr algn="ctr" fontAlgn="b"/>
+                      <a:r>
+                        <a:rPr lang="en-US" sz="1200" u="none" strike="noStrike" dirty="0">
                           <a:solidFill>
                             <a:srgbClr val="00B050"/>
                           </a:solidFill>
@@ -25740,74 +25335,7 @@
                     <a:p>
                       <a:pPr algn="ctr" fontAlgn="b"/>
                       <a:r>
-                        <a:rPr lang="en-US" sz="1200" u="none" strike="noStrike" dirty="0" smtClean="0">
-                          <a:solidFill>
-                            <a:srgbClr val="00B050"/>
-                          </a:solidFill>
-                          <a:effectLst/>
-                          <a:latin typeface="+mn-lt"/>
-                        </a:rPr>
-                        <a:t>✔</a:t>
-                      </a:r>
-                      <a:endParaRPr lang="en-US" sz="1200" b="0" i="0" u="none" strike="noStrike" dirty="0">
-                        <a:solidFill>
-                          <a:srgbClr val="00B050"/>
-                        </a:solidFill>
-                        <a:effectLst/>
-                        <a:latin typeface="+mn-lt"/>
-                      </a:endParaRPr>
-                    </a:p>
-                  </a:txBody>
-                  <a:tcPr marL="45720" marR="45720" anchor="b">
-                    <a:lnL w="12700" cap="flat" cmpd="sng" algn="ctr">
-                      <a:solidFill>
-                        <a:srgbClr val="002060"/>
-                      </a:solidFill>
-                      <a:prstDash val="solid"/>
-                      <a:round/>
-                      <a:headEnd type="none" w="med" len="med"/>
-                      <a:tailEnd type="none" w="med" len="med"/>
-                    </a:lnL>
-                    <a:lnR w="12700" cap="flat" cmpd="sng" algn="ctr">
-                      <a:solidFill>
-                        <a:srgbClr val="002060"/>
-                      </a:solidFill>
-                      <a:prstDash val="solid"/>
-                      <a:round/>
-                      <a:headEnd type="none" w="med" len="med"/>
-                      <a:tailEnd type="none" w="med" len="med"/>
-                    </a:lnR>
-                    <a:lnT w="12700" cap="flat" cmpd="sng" algn="ctr">
-                      <a:solidFill>
-                        <a:srgbClr val="002060"/>
-                      </a:solidFill>
-                      <a:prstDash val="solid"/>
-                      <a:round/>
-                      <a:headEnd type="none" w="med" len="med"/>
-                      <a:tailEnd type="none" w="med" len="med"/>
-                    </a:lnT>
-                    <a:lnB w="12700" cap="flat" cmpd="sng" algn="ctr">
-                      <a:solidFill>
-                        <a:srgbClr val="002060"/>
-                      </a:solidFill>
-                      <a:prstDash val="solid"/>
-                      <a:round/>
-                      <a:headEnd type="none" w="med" len="med"/>
-                      <a:tailEnd type="none" w="med" len="med"/>
-                    </a:lnB>
-                    <a:solidFill>
-                      <a:schemeClr val="bg1"/>
-                    </a:solidFill>
-                  </a:tcPr>
-                </a:tc>
-                <a:tc>
-                  <a:txBody>
-                    <a:bodyPr/>
-                    <a:lstStyle/>
-                    <a:p>
-                      <a:pPr algn="ctr" fontAlgn="b"/>
-                      <a:r>
-                        <a:rPr lang="en-US" sz="1200" u="none" strike="noStrike" dirty="0" smtClean="0">
+                        <a:rPr lang="en-US" sz="1200" u="none" strike="noStrike" dirty="0">
                           <a:solidFill>
                             <a:srgbClr val="00B050"/>
                           </a:solidFill>
@@ -26004,7 +25532,7 @@
                     <a:p>
                       <a:pPr algn="ctr" fontAlgn="b"/>
                       <a:r>
-                        <a:rPr lang="en-US" sz="1200" u="none" strike="noStrike" dirty="0" smtClean="0">
+                        <a:rPr lang="en-US" sz="1200" u="none" strike="noStrike" dirty="0">
                           <a:solidFill>
                             <a:srgbClr val="00B050"/>
                           </a:solidFill>
@@ -26071,7 +25599,7 @@
                     <a:p>
                       <a:pPr algn="ctr" fontAlgn="b"/>
                       <a:r>
-                        <a:rPr lang="en-US" sz="1200" u="none" strike="noStrike" dirty="0" smtClean="0">
+                        <a:rPr lang="en-US" sz="1200" u="none" strike="noStrike" dirty="0">
                           <a:solidFill>
                             <a:srgbClr val="00B050"/>
                           </a:solidFill>
@@ -26138,7 +25666,7 @@
                     <a:p>
                       <a:pPr algn="ctr" fontAlgn="b"/>
                       <a:r>
-                        <a:rPr lang="en-US" sz="1200" u="none" strike="noStrike" dirty="0" smtClean="0">
+                        <a:rPr lang="en-US" sz="1200" u="none" strike="noStrike" dirty="0">
                           <a:solidFill>
                             <a:srgbClr val="00B050"/>
                           </a:solidFill>
@@ -26344,7 +25872,7 @@
                     <a:p>
                       <a:pPr algn="ctr" fontAlgn="b"/>
                       <a:r>
-                        <a:rPr lang="en-US" sz="1200" u="none" strike="noStrike" dirty="0" smtClean="0">
+                        <a:rPr lang="en-US" sz="1200" u="none" strike="noStrike" dirty="0">
                           <a:solidFill>
                             <a:srgbClr val="00B050"/>
                           </a:solidFill>
@@ -26411,7 +25939,7 @@
                     <a:p>
                       <a:pPr algn="ctr" fontAlgn="b"/>
                       <a:r>
-                        <a:rPr lang="en-US" sz="1200" u="none" strike="noStrike" dirty="0" smtClean="0">
+                        <a:rPr lang="en-US" sz="1200" u="none" strike="noStrike" dirty="0">
                           <a:solidFill>
                             <a:srgbClr val="00B050"/>
                           </a:solidFill>
@@ -26478,7 +26006,7 @@
                     <a:p>
                       <a:pPr algn="ctr" fontAlgn="b"/>
                       <a:r>
-                        <a:rPr lang="en-US" sz="1200" b="0" i="0" u="none" strike="noStrike" dirty="0" smtClean="0">
+                        <a:rPr lang="en-US" sz="1200" b="0" i="0" u="none" strike="noStrike" dirty="0">
                           <a:solidFill>
                             <a:srgbClr val="FF0000"/>
                           </a:solidFill>
@@ -26684,7 +26212,7 @@
                     <a:p>
                       <a:pPr algn="ctr" fontAlgn="b"/>
                       <a:r>
-                        <a:rPr lang="en-US" sz="1200" u="none" strike="noStrike" dirty="0" smtClean="0">
+                        <a:rPr lang="en-US" sz="1200" u="none" strike="noStrike" dirty="0">
                           <a:solidFill>
                             <a:srgbClr val="00B050"/>
                           </a:solidFill>
@@ -26751,7 +26279,7 @@
                     <a:p>
                       <a:pPr algn="ctr" fontAlgn="b"/>
                       <a:r>
-                        <a:rPr lang="en-US" sz="1200" u="none" strike="noStrike" dirty="0" smtClean="0">
+                        <a:rPr lang="en-US" sz="1200" u="none" strike="noStrike" dirty="0">
                           <a:solidFill>
                             <a:srgbClr val="00B050"/>
                           </a:solidFill>
@@ -26818,7 +26346,7 @@
                     <a:p>
                       <a:pPr algn="ctr" fontAlgn="b"/>
                       <a:r>
-                        <a:rPr lang="en-US" sz="1200" b="0" i="0" u="none" strike="noStrike" dirty="0" smtClean="0">
+                        <a:rPr lang="en-US" sz="1200" b="0" i="0" u="none" strike="noStrike" dirty="0">
                           <a:solidFill>
                             <a:srgbClr val="FF0000"/>
                           </a:solidFill>
@@ -27024,7 +26552,7 @@
                     <a:p>
                       <a:pPr algn="ctr" fontAlgn="b"/>
                       <a:r>
-                        <a:rPr lang="en-US" sz="1200" u="none" strike="noStrike" dirty="0" smtClean="0">
+                        <a:rPr lang="en-US" sz="1200" u="none" strike="noStrike" dirty="0">
                           <a:solidFill>
                             <a:srgbClr val="00B050"/>
                           </a:solidFill>
@@ -27091,7 +26619,7 @@
                     <a:p>
                       <a:pPr algn="ctr" fontAlgn="b"/>
                       <a:r>
-                        <a:rPr lang="en-US" sz="1200" u="none" strike="noStrike" dirty="0" smtClean="0">
+                        <a:rPr lang="en-US" sz="1200" u="none" strike="noStrike" dirty="0">
                           <a:solidFill>
                             <a:srgbClr val="00B050"/>
                           </a:solidFill>
@@ -27158,7 +26686,7 @@
                     <a:p>
                       <a:pPr algn="ctr" fontAlgn="b"/>
                       <a:r>
-                        <a:rPr lang="en-US" sz="1200" b="0" i="0" u="none" strike="noStrike" dirty="0" smtClean="0">
+                        <a:rPr lang="en-US" sz="1200" b="0" i="0" u="none" strike="noStrike" dirty="0">
                           <a:solidFill>
                             <a:srgbClr val="FF0000"/>
                           </a:solidFill>
@@ -27364,7 +26892,7 @@
                     <a:p>
                       <a:pPr algn="ctr" fontAlgn="b"/>
                       <a:r>
-                        <a:rPr lang="en-US" sz="1200" u="none" strike="noStrike" dirty="0" smtClean="0">
+                        <a:rPr lang="en-US" sz="1200" u="none" strike="noStrike" dirty="0">
                           <a:solidFill>
                             <a:srgbClr val="00B050"/>
                           </a:solidFill>
@@ -27431,7 +26959,7 @@
                     <a:p>
                       <a:pPr algn="ctr" fontAlgn="b"/>
                       <a:r>
-                        <a:rPr lang="en-US" sz="1200" u="none" strike="noStrike" dirty="0" smtClean="0">
+                        <a:rPr lang="en-US" sz="1200" u="none" strike="noStrike" dirty="0">
                           <a:solidFill>
                             <a:srgbClr val="00B050"/>
                           </a:solidFill>
@@ -27498,7 +27026,7 @@
                     <a:p>
                       <a:pPr algn="ctr" fontAlgn="b"/>
                       <a:r>
-                        <a:rPr lang="en-US" sz="1200" b="0" i="0" u="none" strike="noStrike" dirty="0" smtClean="0">
+                        <a:rPr lang="en-US" sz="1200" b="0" i="0" u="none" strike="noStrike" dirty="0">
                           <a:solidFill>
                             <a:srgbClr val="FF0000"/>
                           </a:solidFill>
@@ -27704,7 +27232,7 @@
                     <a:p>
                       <a:pPr algn="ctr" fontAlgn="b"/>
                       <a:r>
-                        <a:rPr lang="en-US" sz="1200" u="none" strike="noStrike" dirty="0" smtClean="0">
+                        <a:rPr lang="en-US" sz="1200" u="none" strike="noStrike" dirty="0">
                           <a:solidFill>
                             <a:srgbClr val="00B050"/>
                           </a:solidFill>
@@ -27771,7 +27299,7 @@
                     <a:p>
                       <a:pPr algn="ctr" fontAlgn="b"/>
                       <a:r>
-                        <a:rPr lang="en-US" sz="1200" u="none" strike="noStrike" dirty="0" smtClean="0">
+                        <a:rPr lang="en-US" sz="1200" u="none" strike="noStrike" dirty="0">
                           <a:solidFill>
                             <a:srgbClr val="00B050"/>
                           </a:solidFill>
@@ -27838,7 +27366,7 @@
                     <a:p>
                       <a:pPr algn="ctr" fontAlgn="b"/>
                       <a:r>
-                        <a:rPr lang="en-US" sz="1200" b="0" i="0" u="none" strike="noStrike" dirty="0" smtClean="0">
+                        <a:rPr lang="en-US" sz="1200" b="0" i="0" u="none" strike="noStrike" dirty="0">
                           <a:solidFill>
                             <a:srgbClr val="FF0000"/>
                           </a:solidFill>
@@ -28035,7 +27563,7 @@
                     <a:p>
                       <a:pPr algn="ctr" fontAlgn="b"/>
                       <a:r>
-                        <a:rPr lang="en-US" sz="1200" u="none" strike="noStrike" dirty="0" smtClean="0">
+                        <a:rPr lang="en-US" sz="1200" u="none" strike="noStrike" dirty="0">
                           <a:solidFill>
                             <a:srgbClr val="00B050"/>
                           </a:solidFill>
@@ -28102,7 +27630,7 @@
                     <a:p>
                       <a:pPr algn="ctr" fontAlgn="b"/>
                       <a:r>
-                        <a:rPr lang="en-US" sz="1200" u="none" strike="noStrike" dirty="0" smtClean="0">
+                        <a:rPr lang="en-US" sz="1200" u="none" strike="noStrike" dirty="0">
                           <a:solidFill>
                             <a:srgbClr val="00B050"/>
                           </a:solidFill>
@@ -28169,7 +27697,7 @@
                     <a:p>
                       <a:pPr algn="ctr" fontAlgn="b"/>
                       <a:r>
-                        <a:rPr lang="en-US" sz="1200" b="0" i="0" u="none" strike="noStrike" dirty="0" smtClean="0">
+                        <a:rPr lang="en-US" sz="1200" b="0" i="0" u="none" strike="noStrike" dirty="0">
                           <a:solidFill>
                             <a:srgbClr val="FF0000"/>
                           </a:solidFill>
@@ -28366,7 +27894,7 @@
                     <a:p>
                       <a:pPr algn="ctr" fontAlgn="b"/>
                       <a:r>
-                        <a:rPr lang="en-US" sz="1200" u="none" strike="noStrike" dirty="0" smtClean="0">
+                        <a:rPr lang="en-US" sz="1200" u="none" strike="noStrike" dirty="0">
                           <a:solidFill>
                             <a:srgbClr val="00B050"/>
                           </a:solidFill>
@@ -28433,7 +27961,7 @@
                     <a:p>
                       <a:pPr algn="ctr" fontAlgn="b"/>
                       <a:r>
-                        <a:rPr lang="en-US" sz="1200" u="none" strike="noStrike" dirty="0" smtClean="0">
+                        <a:rPr lang="en-US" sz="1200" u="none" strike="noStrike" dirty="0">
                           <a:solidFill>
                             <a:srgbClr val="00B050"/>
                           </a:solidFill>
@@ -28500,7 +28028,7 @@
                     <a:p>
                       <a:pPr algn="ctr" fontAlgn="b"/>
                       <a:r>
-                        <a:rPr lang="en-US" sz="1200" u="none" strike="noStrike" dirty="0" smtClean="0">
+                        <a:rPr lang="en-US" sz="1200" u="none" strike="noStrike" dirty="0">
                           <a:solidFill>
                             <a:srgbClr val="00B050"/>
                           </a:solidFill>
@@ -28706,7 +28234,7 @@
                     <a:p>
                       <a:pPr algn="ctr" fontAlgn="b"/>
                       <a:r>
-                        <a:rPr lang="en-US" sz="1200" u="none" strike="noStrike" dirty="0" smtClean="0">
+                        <a:rPr lang="en-US" sz="1200" u="none" strike="noStrike" dirty="0">
                           <a:solidFill>
                             <a:srgbClr val="00B050"/>
                           </a:solidFill>
@@ -28773,7 +28301,7 @@
                     <a:p>
                       <a:pPr algn="ctr" fontAlgn="b"/>
                       <a:r>
-                        <a:rPr lang="en-US" sz="1200" u="none" strike="noStrike" dirty="0" smtClean="0">
+                        <a:rPr lang="en-US" sz="1200" u="none" strike="noStrike" dirty="0">
                           <a:solidFill>
                             <a:srgbClr val="00B050"/>
                           </a:solidFill>
@@ -28840,7 +28368,7 @@
                     <a:p>
                       <a:pPr algn="ctr" fontAlgn="b"/>
                       <a:r>
-                        <a:rPr lang="en-US" sz="1200" b="0" i="0" u="none" strike="noStrike" dirty="0" smtClean="0">
+                        <a:rPr lang="en-US" sz="1200" b="0" i="0" u="none" strike="noStrike" dirty="0">
                           <a:solidFill>
                             <a:srgbClr val="FF0000"/>
                           </a:solidFill>
@@ -29046,7 +28574,7 @@
                     <a:p>
                       <a:pPr algn="ctr" fontAlgn="b"/>
                       <a:r>
-                        <a:rPr lang="en-US" sz="1200" u="none" strike="noStrike" dirty="0" smtClean="0">
+                        <a:rPr lang="en-US" sz="1200" u="none" strike="noStrike" dirty="0">
                           <a:solidFill>
                             <a:srgbClr val="00B050"/>
                           </a:solidFill>
@@ -29113,7 +28641,7 @@
                     <a:p>
                       <a:pPr algn="ctr" fontAlgn="b"/>
                       <a:r>
-                        <a:rPr lang="en-US" sz="1200" u="none" strike="noStrike" dirty="0" smtClean="0">
+                        <a:rPr lang="en-US" sz="1200" u="none" strike="noStrike" dirty="0">
                           <a:solidFill>
                             <a:srgbClr val="00B050"/>
                           </a:solidFill>
@@ -29180,7 +28708,7 @@
                     <a:p>
                       <a:pPr algn="ctr" fontAlgn="b"/>
                       <a:r>
-                        <a:rPr lang="en-US" sz="1200" b="0" i="0" u="none" strike="noStrike" dirty="0" smtClean="0">
+                        <a:rPr lang="en-US" sz="1200" b="0" i="0" u="none" strike="noStrike" dirty="0">
                           <a:solidFill>
                             <a:srgbClr val="FF0000"/>
                           </a:solidFill>
@@ -29386,7 +28914,7 @@
                     <a:p>
                       <a:pPr algn="ctr" fontAlgn="b"/>
                       <a:r>
-                        <a:rPr lang="en-US" sz="1200" u="none" strike="noStrike" dirty="0" smtClean="0">
+                        <a:rPr lang="en-US" sz="1200" u="none" strike="noStrike" dirty="0">
                           <a:solidFill>
                             <a:srgbClr val="00B050"/>
                           </a:solidFill>
@@ -29453,7 +28981,7 @@
                     <a:p>
                       <a:pPr algn="ctr" fontAlgn="b"/>
                       <a:r>
-                        <a:rPr lang="en-US" sz="1200" u="none" strike="noStrike" dirty="0" smtClean="0">
+                        <a:rPr lang="en-US" sz="1200" u="none" strike="noStrike" dirty="0">
                           <a:solidFill>
                             <a:srgbClr val="00B050"/>
                           </a:solidFill>
@@ -29520,7 +29048,7 @@
                     <a:p>
                       <a:pPr algn="ctr" fontAlgn="b"/>
                       <a:r>
-                        <a:rPr lang="en-US" sz="1200" b="0" i="0" u="none" strike="noStrike" dirty="0" smtClean="0">
+                        <a:rPr lang="en-US" sz="1200" b="0" i="0" u="none" strike="noStrike" dirty="0">
                           <a:solidFill>
                             <a:srgbClr val="FF0000"/>
                           </a:solidFill>
@@ -29726,7 +29254,7 @@
                     <a:p>
                       <a:pPr algn="ctr" fontAlgn="b"/>
                       <a:r>
-                        <a:rPr lang="en-US" sz="1200" u="none" strike="noStrike" dirty="0" smtClean="0">
+                        <a:rPr lang="en-US" sz="1200" u="none" strike="noStrike" dirty="0">
                           <a:solidFill>
                             <a:srgbClr val="00B050"/>
                           </a:solidFill>
@@ -29793,7 +29321,7 @@
                     <a:p>
                       <a:pPr algn="ctr" fontAlgn="b"/>
                       <a:r>
-                        <a:rPr lang="en-US" sz="1200" u="none" strike="noStrike" dirty="0" smtClean="0">
+                        <a:rPr lang="en-US" sz="1200" u="none" strike="noStrike" dirty="0">
                           <a:solidFill>
                             <a:srgbClr val="00B050"/>
                           </a:solidFill>
@@ -29860,7 +29388,7 @@
                     <a:p>
                       <a:pPr algn="ctr" fontAlgn="b"/>
                       <a:r>
-                        <a:rPr lang="en-US" sz="1200" b="0" i="0" u="none" strike="noStrike" dirty="0" smtClean="0">
+                        <a:rPr lang="en-US" sz="1200" b="0" i="0" u="none" strike="noStrike" dirty="0">
                           <a:solidFill>
                             <a:srgbClr val="FF0000"/>
                           </a:solidFill>
@@ -30066,7 +29594,7 @@
                     <a:p>
                       <a:pPr algn="ctr" fontAlgn="b"/>
                       <a:r>
-                        <a:rPr lang="en-US" sz="1200" u="none" strike="noStrike" dirty="0" smtClean="0">
+                        <a:rPr lang="en-US" sz="1200" u="none" strike="noStrike" dirty="0">
                           <a:solidFill>
                             <a:srgbClr val="00B050"/>
                           </a:solidFill>
@@ -30133,7 +29661,7 @@
                     <a:p>
                       <a:pPr algn="ctr" fontAlgn="b"/>
                       <a:r>
-                        <a:rPr lang="en-US" sz="1200" u="none" strike="noStrike" dirty="0" smtClean="0">
+                        <a:rPr lang="en-US" sz="1200" u="none" strike="noStrike" dirty="0">
                           <a:solidFill>
                             <a:srgbClr val="00B050"/>
                           </a:solidFill>
@@ -30200,7 +29728,7 @@
                     <a:p>
                       <a:pPr algn="ctr" fontAlgn="b"/>
                       <a:r>
-                        <a:rPr lang="en-US" sz="1200" b="0" i="0" u="none" strike="noStrike" dirty="0" smtClean="0">
+                        <a:rPr lang="en-US" sz="1200" b="0" i="0" u="none" strike="noStrike" dirty="0">
                           <a:solidFill>
                             <a:srgbClr val="FF0000"/>
                           </a:solidFill>
@@ -30397,7 +29925,7 @@
                     <a:p>
                       <a:pPr algn="ctr" fontAlgn="b"/>
                       <a:r>
-                        <a:rPr lang="en-US" sz="1200" u="none" strike="noStrike" dirty="0" smtClean="0">
+                        <a:rPr lang="en-US" sz="1200" u="none" strike="noStrike" dirty="0">
                           <a:solidFill>
                             <a:srgbClr val="00B050"/>
                           </a:solidFill>
@@ -30464,7 +29992,7 @@
                     <a:p>
                       <a:pPr algn="ctr" fontAlgn="b"/>
                       <a:r>
-                        <a:rPr lang="en-US" sz="1200" u="none" strike="noStrike" dirty="0" smtClean="0">
+                        <a:rPr lang="en-US" sz="1200" u="none" strike="noStrike" dirty="0">
                           <a:solidFill>
                             <a:srgbClr val="00B050"/>
                           </a:solidFill>
@@ -30531,7 +30059,7 @@
                     <a:p>
                       <a:pPr algn="ctr" fontAlgn="b"/>
                       <a:r>
-                        <a:rPr lang="en-US" sz="1200" u="none" strike="noStrike" dirty="0" smtClean="0">
+                        <a:rPr lang="en-US" sz="1200" u="none" strike="noStrike" dirty="0">
                           <a:solidFill>
                             <a:srgbClr val="00B050"/>
                           </a:solidFill>
@@ -30737,7 +30265,7 @@
                     <a:p>
                       <a:pPr algn="ctr" fontAlgn="b"/>
                       <a:r>
-                        <a:rPr lang="en-US" sz="1200" u="none" strike="noStrike" dirty="0" smtClean="0">
+                        <a:rPr lang="en-US" sz="1200" u="none" strike="noStrike" dirty="0">
                           <a:solidFill>
                             <a:srgbClr val="00B050"/>
                           </a:solidFill>
@@ -30804,7 +30332,7 @@
                     <a:p>
                       <a:pPr algn="ctr" fontAlgn="b"/>
                       <a:r>
-                        <a:rPr lang="en-US" sz="1200" u="none" strike="noStrike" dirty="0" smtClean="0">
+                        <a:rPr lang="en-US" sz="1200" u="none" strike="noStrike" dirty="0">
                           <a:solidFill>
                             <a:srgbClr val="00B050"/>
                           </a:solidFill>
@@ -30871,7 +30399,7 @@
                     <a:p>
                       <a:pPr algn="ctr" fontAlgn="b"/>
                       <a:r>
-                        <a:rPr lang="en-US" sz="1200" b="0" i="0" u="none" strike="noStrike" dirty="0" smtClean="0">
+                        <a:rPr lang="en-US" sz="1200" b="0" i="0" u="none" strike="noStrike" dirty="0">
                           <a:solidFill>
                             <a:srgbClr val="FF0000"/>
                           </a:solidFill>
@@ -31077,7 +30605,7 @@
                     <a:p>
                       <a:pPr algn="ctr" fontAlgn="b"/>
                       <a:r>
-                        <a:rPr lang="en-US" sz="1200" u="none" strike="noStrike" dirty="0" smtClean="0">
+                        <a:rPr lang="en-US" sz="1200" u="none" strike="noStrike" dirty="0">
                           <a:solidFill>
                             <a:srgbClr val="00B050"/>
                           </a:solidFill>
@@ -31144,7 +30672,7 @@
                     <a:p>
                       <a:pPr algn="ctr" fontAlgn="b"/>
                       <a:r>
-                        <a:rPr lang="en-US" sz="1200" u="none" strike="noStrike" dirty="0" smtClean="0">
+                        <a:rPr lang="en-US" sz="1200" u="none" strike="noStrike" dirty="0">
                           <a:solidFill>
                             <a:srgbClr val="00B050"/>
                           </a:solidFill>
@@ -31211,7 +30739,7 @@
                     <a:p>
                       <a:pPr algn="ctr" fontAlgn="b"/>
                       <a:r>
-                        <a:rPr lang="en-US" sz="1200" b="0" i="0" u="none" strike="noStrike" dirty="0" smtClean="0">
+                        <a:rPr lang="en-US" sz="1200" b="0" i="0" u="none" strike="noStrike" dirty="0">
                           <a:solidFill>
                             <a:srgbClr val="FF0000"/>
                           </a:solidFill>
@@ -31417,7 +30945,7 @@
                     <a:p>
                       <a:pPr algn="ctr" fontAlgn="b"/>
                       <a:r>
-                        <a:rPr lang="en-US" sz="1200" u="none" strike="noStrike" dirty="0" smtClean="0">
+                        <a:rPr lang="en-US" sz="1200" u="none" strike="noStrike" dirty="0">
                           <a:solidFill>
                             <a:srgbClr val="00B050"/>
                           </a:solidFill>
@@ -31484,7 +31012,7 @@
                     <a:p>
                       <a:pPr algn="ctr" fontAlgn="b"/>
                       <a:r>
-                        <a:rPr lang="en-US" sz="1200" u="none" strike="noStrike" dirty="0" smtClean="0">
+                        <a:rPr lang="en-US" sz="1200" u="none" strike="noStrike" dirty="0">
                           <a:solidFill>
                             <a:srgbClr val="00B050"/>
                           </a:solidFill>
@@ -31551,7 +31079,7 @@
                     <a:p>
                       <a:pPr algn="ctr" fontAlgn="b"/>
                       <a:r>
-                        <a:rPr lang="en-US" sz="1200" b="0" i="0" u="none" strike="noStrike" dirty="0" smtClean="0">
+                        <a:rPr lang="en-US" sz="1200" b="0" i="0" u="none" strike="noStrike" dirty="0">
                           <a:solidFill>
                             <a:srgbClr val="FF0000"/>
                           </a:solidFill>
@@ -31748,7 +31276,7 @@
                     <a:p>
                       <a:pPr algn="ctr" fontAlgn="b"/>
                       <a:r>
-                        <a:rPr lang="en-US" sz="1200" u="none" strike="noStrike" dirty="0" smtClean="0">
+                        <a:rPr lang="en-US" sz="1200" u="none" strike="noStrike" dirty="0">
                           <a:solidFill>
                             <a:srgbClr val="00B050"/>
                           </a:solidFill>
@@ -31815,7 +31343,7 @@
                     <a:p>
                       <a:pPr algn="ctr" fontAlgn="b"/>
                       <a:r>
-                        <a:rPr lang="en-US" sz="1200" u="none" strike="noStrike" dirty="0" smtClean="0">
+                        <a:rPr lang="en-US" sz="1200" u="none" strike="noStrike" dirty="0">
                           <a:solidFill>
                             <a:srgbClr val="00B050"/>
                           </a:solidFill>
@@ -31882,7 +31410,7 @@
                     <a:p>
                       <a:pPr algn="ctr" fontAlgn="b"/>
                       <a:r>
-                        <a:rPr lang="en-US" sz="1200" b="0" i="0" u="none" strike="noStrike" dirty="0" smtClean="0">
+                        <a:rPr lang="en-US" sz="1200" b="0" i="0" u="none" strike="noStrike" dirty="0">
                           <a:solidFill>
                             <a:srgbClr val="FF0000"/>
                           </a:solidFill>
@@ -32079,7 +31607,7 @@
                     <a:p>
                       <a:pPr algn="ctr" fontAlgn="b"/>
                       <a:r>
-                        <a:rPr lang="en-US" sz="1200" u="none" strike="noStrike" dirty="0" smtClean="0">
+                        <a:rPr lang="en-US" sz="1200" u="none" strike="noStrike" dirty="0">
                           <a:solidFill>
                             <a:srgbClr val="00B050"/>
                           </a:solidFill>
@@ -32146,7 +31674,7 @@
                     <a:p>
                       <a:pPr algn="ctr" fontAlgn="b"/>
                       <a:r>
-                        <a:rPr lang="en-US" sz="1200" u="none" strike="noStrike" dirty="0" smtClean="0">
+                        <a:rPr lang="en-US" sz="1200" u="none" strike="noStrike" dirty="0">
                           <a:solidFill>
                             <a:srgbClr val="00B050"/>
                           </a:solidFill>
@@ -32213,7 +31741,7 @@
                     <a:p>
                       <a:pPr algn="ctr" fontAlgn="b"/>
                       <a:r>
-                        <a:rPr lang="en-US" sz="1200" b="0" i="0" u="none" strike="noStrike" dirty="0" smtClean="0">
+                        <a:rPr lang="en-US" sz="1200" b="0" i="0" u="none" strike="noStrike" dirty="0">
                           <a:solidFill>
                             <a:srgbClr val="FF0000"/>
                           </a:solidFill>
@@ -32410,7 +31938,7 @@
                     <a:p>
                       <a:pPr algn="ctr" fontAlgn="b"/>
                       <a:r>
-                        <a:rPr lang="en-US" sz="1200" u="none" strike="noStrike" dirty="0" smtClean="0">
+                        <a:rPr lang="en-US" sz="1200" u="none" strike="noStrike" dirty="0">
                           <a:solidFill>
                             <a:srgbClr val="00B050"/>
                           </a:solidFill>
@@ -32477,7 +32005,7 @@
                     <a:p>
                       <a:pPr algn="ctr" fontAlgn="b"/>
                       <a:r>
-                        <a:rPr lang="en-US" sz="1200" b="0" i="0" u="none" strike="noStrike" dirty="0" smtClean="0">
+                        <a:rPr lang="en-US" sz="1200" b="0" i="0" u="none" strike="noStrike" dirty="0">
                           <a:solidFill>
                             <a:srgbClr val="FF0000"/>
                           </a:solidFill>
@@ -32486,13 +32014,6 @@
                         </a:rPr>
                         <a:t>✖</a:t>
                       </a:r>
-                      <a:endParaRPr lang="en-US" sz="1200" b="0" i="0" u="none" strike="noStrike" dirty="0">
-                        <a:solidFill>
-                          <a:srgbClr val="FF0000"/>
-                        </a:solidFill>
-                        <a:effectLst/>
-                        <a:latin typeface="+mn-lt"/>
-                      </a:endParaRPr>
                     </a:p>
                   </a:txBody>
                   <a:tcPr marL="45720" marR="45720" anchor="b">
@@ -32544,7 +32065,7 @@
                     <a:p>
                       <a:pPr algn="ctr" fontAlgn="b"/>
                       <a:r>
-                        <a:rPr lang="en-US" sz="1200" b="0" i="0" u="none" strike="noStrike" dirty="0" smtClean="0">
+                        <a:rPr lang="en-US" sz="1200" b="0" i="0" u="none" strike="noStrike" dirty="0">
                           <a:solidFill>
                             <a:srgbClr val="FF0000"/>
                           </a:solidFill>
@@ -32624,13 +32145,6 @@
   <p:clrMapOvr>
     <a:masterClrMapping/>
   </p:clrMapOvr>
-  <p:timing>
-    <p:tnLst>
-      <p:par>
-        <p:cTn id="1" dur="indefinite" restart="never" nodeType="tmRoot"/>
-      </p:par>
-    </p:tnLst>
-  </p:timing>
 </p:sld>
 </file>
 
@@ -32720,29 +32234,20 @@
               <a:rPr lang="ru-RU" sz="2400" dirty="0">
                 <a:cs typeface="Times New Roman" pitchFamily="18" charset="0"/>
               </a:rPr>
-              <a:t>Преобразование типов</a:t>
-            </a:r>
-            <a:r>
-              <a:rPr lang="ru-RU" sz="2400" dirty="0" smtClean="0">
-                <a:cs typeface="Times New Roman" pitchFamily="18" charset="0"/>
-              </a:rPr>
-              <a:t>. (класс </a:t>
-            </a:r>
-            <a:r>
-              <a:rPr lang="en-US" sz="2400" dirty="0" err="1" smtClean="0">
+              <a:t>Преобразование типов. (класс </a:t>
+            </a:r>
+            <a:r>
+              <a:rPr lang="en-US" sz="2400" dirty="0" err="1">
                 <a:cs typeface="Times New Roman" pitchFamily="18" charset="0"/>
               </a:rPr>
               <a:t>System.Convert</a:t>
             </a:r>
             <a:r>
-              <a:rPr lang="en-US" sz="2400" dirty="0" smtClean="0">
+              <a:rPr lang="en-US" sz="2400" dirty="0">
                 <a:cs typeface="Times New Roman" pitchFamily="18" charset="0"/>
               </a:rPr>
               <a:t>)</a:t>
             </a:r>
-            <a:endParaRPr lang="en-US" sz="2400" dirty="0">
-              <a:cs typeface="Times New Roman" pitchFamily="18" charset="0"/>
-            </a:endParaRPr>
           </a:p>
         </p:txBody>
       </p:sp>
@@ -32941,28 +32446,28 @@
           <a:p>
             <a:pPr eaLnBrk="1" hangingPunct="1"/>
             <a:r>
-              <a:rPr lang="ru-RU" sz="1600" dirty="0" smtClean="0">
+              <a:rPr lang="ru-RU" sz="1600" dirty="0">
                 <a:latin typeface="Arial" pitchFamily="34" charset="0"/>
                 <a:cs typeface="Arial" pitchFamily="34" charset="0"/>
               </a:rPr>
               <a:t>Класс </a:t>
             </a:r>
             <a:r>
-              <a:rPr lang="en-US" sz="1600" dirty="0" err="1" smtClean="0">
+              <a:rPr lang="en-US" sz="1600" dirty="0" err="1">
                 <a:latin typeface="Arial" pitchFamily="34" charset="0"/>
                 <a:cs typeface="Arial" pitchFamily="34" charset="0"/>
               </a:rPr>
               <a:t>System.Convert</a:t>
             </a:r>
             <a:r>
-              <a:rPr lang="en-US" sz="1600" dirty="0" smtClean="0">
+              <a:rPr lang="en-US" sz="1600" dirty="0">
                 <a:latin typeface="Arial" pitchFamily="34" charset="0"/>
                 <a:cs typeface="Arial" pitchFamily="34" charset="0"/>
               </a:rPr>
               <a:t>() </a:t>
             </a:r>
             <a:r>
-              <a:rPr lang="ru-RU" sz="1600" dirty="0" smtClean="0">
+              <a:rPr lang="ru-RU" sz="1600" dirty="0">
                 <a:latin typeface="Arial" pitchFamily="34" charset="0"/>
                 <a:cs typeface="Arial" pitchFamily="34" charset="0"/>
               </a:rPr>
@@ -33028,17 +32533,10 @@
                 <a:latin typeface="Courier New" pitchFamily="49" charset="0"/>
                 <a:cs typeface="Courier New" pitchFamily="49" charset="0"/>
               </a:rPr>
-              <a:t> = </a:t>
-            </a:r>
-            <a:r>
-              <a:rPr lang="en-US" sz="1600" dirty="0" smtClean="0">
-                <a:latin typeface="Courier New" pitchFamily="49" charset="0"/>
-                <a:cs typeface="Courier New" pitchFamily="49" charset="0"/>
-              </a:rPr>
-              <a:t>Convert.ToInt32(</a:t>
-            </a:r>
-            <a:r>
-              <a:rPr lang="en-US" sz="1600" dirty="0" err="1" smtClean="0">
+              <a:t> = Convert.ToInt32(</a:t>
+            </a:r>
+            <a:r>
+              <a:rPr lang="en-US" sz="1600" dirty="0" err="1">
                 <a:latin typeface="Courier New" pitchFamily="49" charset="0"/>
                 <a:cs typeface="Courier New" pitchFamily="49" charset="0"/>
               </a:rPr>
@@ -33105,11 +32603,11 @@
                     <a:lstStyle/>
                     <a:p>
                       <a:r>
-                        <a:rPr lang="en-US" dirty="0" smtClean="0"/>
+                        <a:rPr lang="en-US" dirty="0"/>
                         <a:t>Parse/</a:t>
                       </a:r>
                       <a:r>
-                        <a:rPr lang="en-US" dirty="0" err="1" smtClean="0"/>
+                        <a:rPr lang="en-US" dirty="0" err="1"/>
                         <a:t>TryParse</a:t>
                       </a:r>
                       <a:endParaRPr lang="en-US" dirty="0"/>
@@ -33123,14 +32621,13 @@
                     <a:lstStyle/>
                     <a:p>
                       <a:r>
-                        <a:rPr lang="en-US" dirty="0" err="1" smtClean="0"/>
+                        <a:rPr lang="en-US" dirty="0" err="1"/>
                         <a:t>Convert.ToXXX</a:t>
                       </a:r>
                       <a:r>
-                        <a:rPr lang="en-US" dirty="0" smtClean="0"/>
+                        <a:rPr lang="en-US" dirty="0"/>
                         <a:t>()</a:t>
                       </a:r>
-                      <a:endParaRPr lang="en-US" dirty="0"/>
                     </a:p>
                   </a:txBody>
                   <a:tcPr/>
@@ -33148,7 +32645,7 @@
                     <a:lstStyle/>
                     <a:p>
                       <a:r>
-                        <a:rPr lang="ru-RU" dirty="0" smtClean="0">
+                        <a:rPr lang="ru-RU" dirty="0">
                           <a:solidFill>
                             <a:srgbClr val="002060"/>
                           </a:solidFill>
@@ -33156,7 +32653,7 @@
                         <a:t>Есть возможность указать дополнительные параметры</a:t>
                       </a:r>
                       <a:r>
-                        <a:rPr lang="ru-RU" baseline="0" dirty="0" smtClean="0">
+                        <a:rPr lang="ru-RU" baseline="0" dirty="0">
                           <a:solidFill>
                             <a:srgbClr val="002060"/>
                           </a:solidFill>
@@ -33178,7 +32675,7 @@
                     <a:lstStyle/>
                     <a:p>
                       <a:r>
-                        <a:rPr lang="ru-RU" dirty="0" smtClean="0">
+                        <a:rPr lang="ru-RU" dirty="0">
                           <a:solidFill>
                             <a:srgbClr val="002060"/>
                           </a:solidFill>
@@ -33186,7 +32683,7 @@
                         <a:t>Нет возможности указать дополнительные параметры</a:t>
                       </a:r>
                       <a:r>
-                        <a:rPr lang="ru-RU" baseline="0" dirty="0" smtClean="0">
+                        <a:rPr lang="ru-RU" baseline="0" dirty="0">
                           <a:solidFill>
                             <a:srgbClr val="002060"/>
                           </a:solidFill>
@@ -33215,7 +32712,7 @@
                     <a:lstStyle/>
                     <a:p>
                       <a:r>
-                        <a:rPr lang="ru-RU" dirty="0" smtClean="0">
+                        <a:rPr lang="ru-RU" dirty="0">
                           <a:solidFill>
                             <a:srgbClr val="002060"/>
                           </a:solidFill>
@@ -33223,7 +32720,7 @@
                         <a:t>Есть возможность выполнить преобразование без</a:t>
                       </a:r>
                       <a:r>
-                        <a:rPr lang="ru-RU" baseline="0" dirty="0" smtClean="0">
+                        <a:rPr lang="ru-RU" baseline="0" dirty="0">
                           <a:solidFill>
                             <a:srgbClr val="002060"/>
                           </a:solidFill>
@@ -33231,7 +32728,7 @@
                         <a:t> генерации исключения (</a:t>
                       </a:r>
                       <a:r>
-                        <a:rPr lang="en-US" baseline="0" dirty="0" err="1" smtClean="0">
+                        <a:rPr lang="en-US" baseline="0" dirty="0" err="1">
                           <a:solidFill>
                             <a:srgbClr val="002060"/>
                           </a:solidFill>
@@ -33239,7 +32736,7 @@
                         <a:t>TryParse</a:t>
                       </a:r>
                       <a:r>
-                        <a:rPr lang="en-US" baseline="0" dirty="0" smtClean="0">
+                        <a:rPr lang="en-US" baseline="0" dirty="0">
                           <a:solidFill>
                             <a:srgbClr val="002060"/>
                           </a:solidFill>
@@ -33261,7 +32758,7 @@
                     <a:lstStyle/>
                     <a:p>
                       <a:r>
-                        <a:rPr lang="ru-RU" dirty="0" smtClean="0">
+                        <a:rPr lang="ru-RU" dirty="0">
                           <a:solidFill>
                             <a:srgbClr val="002060"/>
                           </a:solidFill>
@@ -33269,7 +32766,7 @@
                         <a:t>Нет возможности выполнить преобразование без</a:t>
                       </a:r>
                       <a:r>
-                        <a:rPr lang="ru-RU" baseline="0" dirty="0" smtClean="0">
+                        <a:rPr lang="ru-RU" baseline="0" dirty="0">
                           <a:solidFill>
                             <a:srgbClr val="002060"/>
                           </a:solidFill>
@@ -33277,7 +32774,7 @@
                         <a:t> генерации исключения (</a:t>
                       </a:r>
                       <a:r>
-                        <a:rPr lang="en-US" baseline="0" dirty="0" err="1" smtClean="0">
+                        <a:rPr lang="en-US" baseline="0" dirty="0" err="1">
                           <a:solidFill>
                             <a:srgbClr val="002060"/>
                           </a:solidFill>
@@ -33285,7 +32782,7 @@
                         <a:t>TryParse</a:t>
                       </a:r>
                       <a:r>
-                        <a:rPr lang="en-US" baseline="0" dirty="0" smtClean="0">
+                        <a:rPr lang="en-US" baseline="0" dirty="0">
                           <a:solidFill>
                             <a:srgbClr val="002060"/>
                           </a:solidFill>
@@ -33321,13 +32818,6 @@
   <p:clrMapOvr>
     <a:masterClrMapping/>
   </p:clrMapOvr>
-  <p:timing>
-    <p:tnLst>
-      <p:par>
-        <p:cTn id="1" dur="indefinite" restart="never" nodeType="tmRoot"/>
-      </p:par>
-    </p:tnLst>
-  </p:timing>
 </p:sld>
 </file>
 
@@ -34720,13 +34210,6 @@
   <p:clrMapOvr>
     <a:masterClrMapping/>
   </p:clrMapOvr>
-  <p:timing>
-    <p:tnLst>
-      <p:par>
-        <p:cTn id="1" dur="indefinite" restart="never" nodeType="tmRoot"/>
-      </p:par>
-    </p:tnLst>
-  </p:timing>
 </p:sld>
 </file>
 
@@ -35119,7 +34602,7 @@
                         <a:tabLst/>
                       </a:pPr>
                       <a:r>
-                        <a:rPr kumimoji="0" lang="ru-RU" sz="1200" b="1" i="0" u="none" strike="noStrike" cap="none" normalizeH="0" baseline="0" dirty="0" smtClean="0">
+                        <a:rPr kumimoji="0" lang="ru-RU" sz="1200" b="1" i="0" u="none" strike="noStrike" cap="none" normalizeH="0" baseline="0" dirty="0">
                           <a:ln>
                             <a:noFill/>
                           </a:ln>
@@ -35132,7 +34615,7 @@
                         </a:rPr>
                         <a:t>Имя метода</a:t>
                       </a:r>
-                      <a:endParaRPr kumimoji="0" lang="be-BY" sz="1200" b="0" i="0" u="none" strike="noStrike" cap="none" normalizeH="0" baseline="0" dirty="0" smtClean="0">
+                      <a:endParaRPr kumimoji="0" lang="be-BY" sz="1200" b="0" i="0" u="none" strike="noStrike" cap="none" normalizeH="0" baseline="0" dirty="0">
                         <a:ln>
                           <a:noFill/>
                         </a:ln>
@@ -35213,7 +34696,7 @@
                         <a:tabLst/>
                       </a:pPr>
                       <a:r>
-                        <a:rPr kumimoji="0" lang="ru-RU" sz="1200" b="1" i="0" u="none" strike="noStrike" cap="none" normalizeH="0" baseline="0" dirty="0" smtClean="0">
+                        <a:rPr kumimoji="0" lang="ru-RU" sz="1200" b="1" i="0" u="none" strike="noStrike" cap="none" normalizeH="0" baseline="0" dirty="0">
                           <a:ln>
                             <a:noFill/>
                           </a:ln>
@@ -35226,7 +34709,7 @@
                         </a:rPr>
                         <a:t>Описание</a:t>
                       </a:r>
-                      <a:endParaRPr kumimoji="0" lang="be-BY" sz="1200" b="0" i="0" u="none" strike="noStrike" cap="none" normalizeH="0" baseline="0" dirty="0" smtClean="0">
+                      <a:endParaRPr kumimoji="0" lang="be-BY" sz="1200" b="0" i="0" u="none" strike="noStrike" cap="none" normalizeH="0" baseline="0" dirty="0">
                         <a:ln>
                           <a:noFill/>
                         </a:ln>
@@ -35314,7 +34797,7 @@
                         <a:tabLst/>
                       </a:pPr>
                       <a:r>
-                        <a:rPr kumimoji="0" lang="en-US" sz="1200" b="0" i="0" u="none" strike="noStrike" cap="none" normalizeH="0" baseline="0" dirty="0" err="1" smtClean="0">
+                        <a:rPr kumimoji="0" lang="en-US" sz="1200" b="0" i="0" u="none" strike="noStrike" cap="none" normalizeH="0" baseline="0" dirty="0" err="1">
                           <a:ln>
                             <a:noFill/>
                           </a:ln>
@@ -35328,7 +34811,7 @@
                         <a:t>CompareTo</a:t>
                       </a:r>
                       <a:r>
-                        <a:rPr kumimoji="0" lang="ru-RU" sz="1200" b="0" i="0" u="none" strike="noStrike" cap="none" normalizeH="0" baseline="0" dirty="0" smtClean="0">
+                        <a:rPr kumimoji="0" lang="ru-RU" sz="1200" b="0" i="0" u="none" strike="noStrike" cap="none" normalizeH="0" baseline="0" dirty="0">
                           <a:ln>
                             <a:noFill/>
                           </a:ln>
@@ -35341,7 +34824,7 @@
                         </a:rPr>
                         <a:t>()</a:t>
                       </a:r>
-                      <a:endParaRPr kumimoji="0" lang="be-BY" sz="1200" b="0" i="0" u="none" strike="noStrike" cap="none" normalizeH="0" baseline="0" dirty="0" smtClean="0">
+                      <a:endParaRPr kumimoji="0" lang="be-BY" sz="1200" b="0" i="0" u="none" strike="noStrike" cap="none" normalizeH="0" baseline="0" dirty="0">
                         <a:ln>
                           <a:noFill/>
                         </a:ln>
@@ -35422,7 +34905,7 @@
                         <a:tabLst/>
                       </a:pPr>
                       <a:r>
-                        <a:rPr kumimoji="0" lang="ru-RU" sz="1200" b="0" i="0" u="none" strike="noStrike" cap="none" normalizeH="0" baseline="0" smtClean="0">
+                        <a:rPr kumimoji="0" lang="ru-RU" sz="1200" b="0" i="0" u="none" strike="noStrike" cap="none" normalizeH="0" baseline="0">
                           <a:ln>
                             <a:noFill/>
                           </a:ln>
@@ -35435,7 +34918,7 @@
                         </a:rPr>
                         <a:t>Сравнивает строки для выяснения порядка</a:t>
                       </a:r>
-                      <a:endParaRPr kumimoji="0" lang="be-BY" sz="1200" b="0" i="0" u="none" strike="noStrike" cap="none" normalizeH="0" baseline="0" smtClean="0">
+                      <a:endParaRPr kumimoji="0" lang="be-BY" sz="1200" b="0" i="0" u="none" strike="noStrike" cap="none" normalizeH="0" baseline="0">
                         <a:ln>
                           <a:noFill/>
                         </a:ln>
@@ -35523,7 +35006,7 @@
                         <a:tabLst/>
                       </a:pPr>
                       <a:r>
-                        <a:rPr kumimoji="0" lang="ru-RU" sz="1200" b="0" i="0" u="none" strike="noStrike" cap="none" normalizeH="0" baseline="0" dirty="0" smtClean="0">
+                        <a:rPr kumimoji="0" lang="ru-RU" sz="1200" b="0" i="0" u="none" strike="noStrike" cap="none" normalizeH="0" baseline="0" dirty="0">
                           <a:ln>
                             <a:noFill/>
                           </a:ln>
@@ -35536,7 +35019,7 @@
                         </a:rPr>
                         <a:t>Insert()</a:t>
                       </a:r>
-                      <a:endParaRPr kumimoji="0" lang="be-BY" sz="1200" b="0" i="0" u="none" strike="noStrike" cap="none" normalizeH="0" baseline="0" dirty="0" smtClean="0">
+                      <a:endParaRPr kumimoji="0" lang="be-BY" sz="1200" b="0" i="0" u="none" strike="noStrike" cap="none" normalizeH="0" baseline="0" dirty="0">
                         <a:ln>
                           <a:noFill/>
                         </a:ln>
@@ -35617,7 +35100,7 @@
                         <a:tabLst/>
                       </a:pPr>
                       <a:r>
-                        <a:rPr kumimoji="0" lang="ru-RU" sz="1200" b="0" i="0" u="none" strike="noStrike" cap="none" normalizeH="0" baseline="0" dirty="0" smtClean="0">
+                        <a:rPr kumimoji="0" lang="ru-RU" sz="1200" b="0" i="0" u="none" strike="noStrike" cap="none" normalizeH="0" baseline="0" dirty="0">
                           <a:ln>
                             <a:noFill/>
                           </a:ln>
@@ -35630,7 +35113,7 @@
                         </a:rPr>
                         <a:t>Вставляет подстроку в заданную позицию</a:t>
                       </a:r>
-                      <a:endParaRPr kumimoji="0" lang="be-BY" sz="1200" b="0" i="0" u="none" strike="noStrike" cap="none" normalizeH="0" baseline="0" dirty="0" smtClean="0">
+                      <a:endParaRPr kumimoji="0" lang="be-BY" sz="1200" b="0" i="0" u="none" strike="noStrike" cap="none" normalizeH="0" baseline="0" dirty="0">
                         <a:ln>
                           <a:noFill/>
                         </a:ln>
@@ -35718,7 +35201,7 @@
                         <a:tabLst/>
                       </a:pPr>
                       <a:r>
-                        <a:rPr kumimoji="0" lang="ru-RU" sz="1200" b="0" i="0" u="none" strike="noStrike" cap="none" normalizeH="0" baseline="0" dirty="0" smtClean="0">
+                        <a:rPr kumimoji="0" lang="ru-RU" sz="1200" b="0" i="0" u="none" strike="noStrike" cap="none" normalizeH="0" baseline="0" dirty="0">
                           <a:ln>
                             <a:noFill/>
                           </a:ln>
@@ -35731,7 +35214,7 @@
                         </a:rPr>
                         <a:t>Remove()</a:t>
                       </a:r>
-                      <a:endParaRPr kumimoji="0" lang="be-BY" sz="1200" b="0" i="0" u="none" strike="noStrike" cap="none" normalizeH="0" baseline="0" dirty="0" smtClean="0">
+                      <a:endParaRPr kumimoji="0" lang="be-BY" sz="1200" b="0" i="0" u="none" strike="noStrike" cap="none" normalizeH="0" baseline="0" dirty="0">
                         <a:ln>
                           <a:noFill/>
                         </a:ln>
@@ -35812,7 +35295,7 @@
                         <a:tabLst/>
                       </a:pPr>
                       <a:r>
-                        <a:rPr kumimoji="0" lang="ru-RU" sz="1200" b="0" i="0" u="none" strike="noStrike" cap="none" normalizeH="0" baseline="0" smtClean="0">
+                        <a:rPr kumimoji="0" lang="ru-RU" sz="1200" b="0" i="0" u="none" strike="noStrike" cap="none" normalizeH="0" baseline="0">
                           <a:ln>
                             <a:noFill/>
                           </a:ln>
@@ -35825,7 +35308,7 @@
                         </a:rPr>
                         <a:t>Удаляет подстроку в заданной позиции</a:t>
                       </a:r>
-                      <a:endParaRPr kumimoji="0" lang="be-BY" sz="1200" b="0" i="0" u="none" strike="noStrike" cap="none" normalizeH="0" baseline="0" smtClean="0">
+                      <a:endParaRPr kumimoji="0" lang="be-BY" sz="1200" b="0" i="0" u="none" strike="noStrike" cap="none" normalizeH="0" baseline="0">
                         <a:ln>
                           <a:noFill/>
                         </a:ln>
@@ -35913,7 +35396,7 @@
                         <a:tabLst/>
                       </a:pPr>
                       <a:r>
-                        <a:rPr kumimoji="0" lang="ru-RU" sz="1200" b="0" i="0" u="none" strike="noStrike" cap="none" normalizeH="0" baseline="0" dirty="0" smtClean="0">
+                        <a:rPr kumimoji="0" lang="ru-RU" sz="1200" b="0" i="0" u="none" strike="noStrike" cap="none" normalizeH="0" baseline="0" dirty="0">
                           <a:ln>
                             <a:noFill/>
                           </a:ln>
@@ -35926,7 +35409,7 @@
                         </a:rPr>
                         <a:t>Replace()</a:t>
                       </a:r>
-                      <a:endParaRPr kumimoji="0" lang="be-BY" sz="1200" b="0" i="0" u="none" strike="noStrike" cap="none" normalizeH="0" baseline="0" dirty="0" smtClean="0">
+                      <a:endParaRPr kumimoji="0" lang="be-BY" sz="1200" b="0" i="0" u="none" strike="noStrike" cap="none" normalizeH="0" baseline="0" dirty="0">
                         <a:ln>
                           <a:noFill/>
                         </a:ln>
@@ -36007,7 +35490,7 @@
                         <a:tabLst/>
                       </a:pPr>
                       <a:r>
-                        <a:rPr kumimoji="0" lang="ru-RU" sz="1200" b="0" i="0" u="none" strike="noStrike" cap="none" normalizeH="0" baseline="0" dirty="0" smtClean="0">
+                        <a:rPr kumimoji="0" lang="ru-RU" sz="1200" b="0" i="0" u="none" strike="noStrike" cap="none" normalizeH="0" baseline="0" dirty="0">
                           <a:ln>
                             <a:noFill/>
                           </a:ln>
@@ -36020,7 +35503,7 @@
                         </a:rPr>
                         <a:t>Заменяет подстроку в заданной позиции на новую подстроку</a:t>
                       </a:r>
-                      <a:endParaRPr kumimoji="0" lang="be-BY" sz="1200" b="0" i="0" u="none" strike="noStrike" cap="none" normalizeH="0" baseline="0" dirty="0" smtClean="0">
+                      <a:endParaRPr kumimoji="0" lang="be-BY" sz="1200" b="0" i="0" u="none" strike="noStrike" cap="none" normalizeH="0" baseline="0" dirty="0">
                         <a:ln>
                           <a:noFill/>
                         </a:ln>
@@ -36108,7 +35591,7 @@
                         <a:tabLst/>
                       </a:pPr>
                       <a:r>
-                        <a:rPr kumimoji="0" lang="ru-RU" sz="1200" b="0" i="0" u="none" strike="noStrike" cap="none" normalizeH="0" baseline="0" dirty="0" smtClean="0">
+                        <a:rPr kumimoji="0" lang="ru-RU" sz="1200" b="0" i="0" u="none" strike="noStrike" cap="none" normalizeH="0" baseline="0" dirty="0">
                           <a:ln>
                             <a:noFill/>
                           </a:ln>
@@ -36122,7 +35605,7 @@
                         <a:t>S</a:t>
                       </a:r>
                       <a:r>
-                        <a:rPr kumimoji="0" lang="en-US" sz="1200" b="0" i="0" u="none" strike="noStrike" cap="none" normalizeH="0" baseline="0" dirty="0" err="1" smtClean="0">
+                        <a:rPr kumimoji="0" lang="en-US" sz="1200" b="0" i="0" u="none" strike="noStrike" cap="none" normalizeH="0" baseline="0" dirty="0" err="1">
                           <a:ln>
                             <a:noFill/>
                           </a:ln>
@@ -36136,7 +35619,7 @@
                         <a:t>plit</a:t>
                       </a:r>
                       <a:r>
-                        <a:rPr kumimoji="0" lang="ru-RU" sz="1200" b="0" i="0" u="none" strike="noStrike" cap="none" normalizeH="0" baseline="0" dirty="0" smtClean="0">
+                        <a:rPr kumimoji="0" lang="ru-RU" sz="1200" b="0" i="0" u="none" strike="noStrike" cap="none" normalizeH="0" baseline="0" dirty="0">
                           <a:ln>
                             <a:noFill/>
                           </a:ln>
@@ -36149,7 +35632,7 @@
                         </a:rPr>
                         <a:t>()</a:t>
                       </a:r>
-                      <a:endParaRPr kumimoji="0" lang="be-BY" sz="1200" b="0" i="0" u="none" strike="noStrike" cap="none" normalizeH="0" baseline="0" dirty="0" smtClean="0">
+                      <a:endParaRPr kumimoji="0" lang="be-BY" sz="1200" b="0" i="0" u="none" strike="noStrike" cap="none" normalizeH="0" baseline="0" dirty="0">
                         <a:ln>
                           <a:noFill/>
                         </a:ln>
@@ -36230,7 +35713,7 @@
                         <a:tabLst/>
                       </a:pPr>
                       <a:r>
-                        <a:rPr kumimoji="0" lang="ru-RU" sz="1200" b="0" i="0" u="none" strike="noStrike" cap="none" normalizeH="0" baseline="0" dirty="0" smtClean="0">
+                        <a:rPr kumimoji="0" lang="ru-RU" sz="1200" b="0" i="0" u="none" strike="noStrike" cap="none" normalizeH="0" baseline="0" dirty="0">
                           <a:ln>
                             <a:noFill/>
                           </a:ln>
@@ -36243,7 +35726,7 @@
                         </a:rPr>
                         <a:t>Разбивает строку на массив слов. Допускает указание разделителя слов (по умолчанию – пробел), а также опции для удаления пустых слов из итогового массива</a:t>
                       </a:r>
-                      <a:endParaRPr kumimoji="0" lang="be-BY" sz="1200" b="0" i="0" u="none" strike="noStrike" cap="none" normalizeH="0" baseline="0" dirty="0" smtClean="0">
+                      <a:endParaRPr kumimoji="0" lang="be-BY" sz="1200" b="0" i="0" u="none" strike="noStrike" cap="none" normalizeH="0" baseline="0" dirty="0">
                         <a:ln>
                           <a:noFill/>
                         </a:ln>
@@ -36331,7 +35814,7 @@
                         <a:tabLst/>
                       </a:pPr>
                       <a:r>
-                        <a:rPr kumimoji="0" lang="ru-RU" sz="1200" b="0" i="0" u="none" strike="noStrike" cap="none" normalizeH="0" baseline="0" dirty="0" smtClean="0">
+                        <a:rPr kumimoji="0" lang="ru-RU" sz="1200" b="0" i="0" u="none" strike="noStrike" cap="none" normalizeH="0" baseline="0" dirty="0">
                           <a:ln>
                             <a:noFill/>
                           </a:ln>
@@ -36344,7 +35827,7 @@
                         </a:rPr>
                         <a:t>Substring()</a:t>
                       </a:r>
-                      <a:endParaRPr kumimoji="0" lang="be-BY" sz="1200" b="0" i="0" u="none" strike="noStrike" cap="none" normalizeH="0" baseline="0" dirty="0" smtClean="0">
+                      <a:endParaRPr kumimoji="0" lang="be-BY" sz="1200" b="0" i="0" u="none" strike="noStrike" cap="none" normalizeH="0" baseline="0" dirty="0">
                         <a:ln>
                           <a:noFill/>
                         </a:ln>
@@ -36425,7 +35908,7 @@
                         <a:tabLst/>
                       </a:pPr>
                       <a:r>
-                        <a:rPr kumimoji="0" lang="ru-RU" sz="1200" b="0" i="0" u="none" strike="noStrike" cap="none" normalizeH="0" baseline="0" dirty="0" smtClean="0">
+                        <a:rPr kumimoji="0" lang="ru-RU" sz="1200" b="0" i="0" u="none" strike="noStrike" cap="none" normalizeH="0" baseline="0" dirty="0">
                           <a:ln>
                             <a:noFill/>
                           </a:ln>
@@ -36438,7 +35921,7 @@
                         </a:rPr>
                         <a:t>Выделяет подстроку в заданной позиции</a:t>
                       </a:r>
-                      <a:endParaRPr kumimoji="0" lang="be-BY" sz="1200" b="0" i="0" u="none" strike="noStrike" cap="none" normalizeH="0" baseline="0" dirty="0" smtClean="0">
+                      <a:endParaRPr kumimoji="0" lang="be-BY" sz="1200" b="0" i="0" u="none" strike="noStrike" cap="none" normalizeH="0" baseline="0" dirty="0">
                         <a:ln>
                           <a:noFill/>
                         </a:ln>
@@ -36526,7 +36009,7 @@
                         <a:tabLst/>
                       </a:pPr>
                       <a:r>
-                        <a:rPr kumimoji="0" lang="ru-RU" sz="1200" b="0" i="0" u="none" strike="noStrike" cap="none" normalizeH="0" baseline="0" dirty="0" smtClean="0">
+                        <a:rPr kumimoji="0" lang="ru-RU" sz="1200" b="0" i="0" u="none" strike="noStrike" cap="none" normalizeH="0" baseline="0" dirty="0">
                           <a:ln>
                             <a:noFill/>
                           </a:ln>
@@ -36539,7 +36022,7 @@
                         </a:rPr>
                         <a:t>CopyTo()</a:t>
                       </a:r>
-                      <a:endParaRPr kumimoji="0" lang="be-BY" sz="1200" b="0" i="0" u="none" strike="noStrike" cap="none" normalizeH="0" baseline="0" dirty="0" smtClean="0">
+                      <a:endParaRPr kumimoji="0" lang="be-BY" sz="1200" b="0" i="0" u="none" strike="noStrike" cap="none" normalizeH="0" baseline="0" dirty="0">
                         <a:ln>
                           <a:noFill/>
                         </a:ln>
@@ -36620,7 +36103,7 @@
                         <a:tabLst/>
                       </a:pPr>
                       <a:r>
-                        <a:rPr kumimoji="0" lang="ru-RU" sz="1200" b="0" i="0" u="none" strike="noStrike" cap="none" normalizeH="0" baseline="0" dirty="0" smtClean="0">
+                        <a:rPr kumimoji="0" lang="ru-RU" sz="1200" b="0" i="0" u="none" strike="noStrike" cap="none" normalizeH="0" baseline="0" dirty="0">
                           <a:ln>
                             <a:noFill/>
                           </a:ln>
@@ -36633,7 +36116,7 @@
                         </a:rPr>
                         <a:t>Копирует указанный фрагмент строки в массив символов</a:t>
                       </a:r>
-                      <a:endParaRPr kumimoji="0" lang="be-BY" sz="1200" b="0" i="0" u="none" strike="noStrike" cap="none" normalizeH="0" baseline="0" dirty="0" smtClean="0">
+                      <a:endParaRPr kumimoji="0" lang="be-BY" sz="1200" b="0" i="0" u="none" strike="noStrike" cap="none" normalizeH="0" baseline="0" dirty="0">
                         <a:ln>
                           <a:noFill/>
                         </a:ln>
@@ -36721,7 +36204,7 @@
                         <a:tabLst/>
                       </a:pPr>
                       <a:r>
-                        <a:rPr kumimoji="0" lang="ru-RU" sz="1200" b="0" i="0" u="none" strike="noStrike" cap="none" normalizeH="0" baseline="0" smtClean="0">
+                        <a:rPr kumimoji="0" lang="ru-RU" sz="1200" b="0" i="0" u="none" strike="noStrike" cap="none" normalizeH="0" baseline="0">
                           <a:ln>
                             <a:noFill/>
                           </a:ln>
@@ -36735,7 +36218,7 @@
                         <a:t>Conat</a:t>
                       </a:r>
                       <a:r>
-                        <a:rPr kumimoji="0" lang="en-US" sz="1200" b="0" i="0" u="none" strike="noStrike" cap="none" normalizeH="0" baseline="0" smtClean="0">
+                        <a:rPr kumimoji="0" lang="en-US" sz="1200" b="0" i="0" u="none" strike="noStrike" cap="none" normalizeH="0" baseline="0">
                           <a:ln>
                             <a:noFill/>
                           </a:ln>
@@ -36749,7 +36232,7 @@
                         <a:t>a</a:t>
                       </a:r>
                       <a:r>
-                        <a:rPr kumimoji="0" lang="ru-RU" sz="1200" b="0" i="0" u="none" strike="noStrike" cap="none" normalizeH="0" baseline="0" smtClean="0">
+                        <a:rPr kumimoji="0" lang="ru-RU" sz="1200" b="0" i="0" u="none" strike="noStrike" cap="none" normalizeH="0" baseline="0">
                           <a:ln>
                             <a:noFill/>
                           </a:ln>
@@ -36762,7 +36245,7 @@
                         </a:rPr>
                         <a:t>ins()</a:t>
                       </a:r>
-                      <a:endParaRPr kumimoji="0" lang="be-BY" sz="1200" b="0" i="0" u="none" strike="noStrike" cap="none" normalizeH="0" baseline="0" smtClean="0">
+                      <a:endParaRPr kumimoji="0" lang="be-BY" sz="1200" b="0" i="0" u="none" strike="noStrike" cap="none" normalizeH="0" baseline="0">
                         <a:ln>
                           <a:noFill/>
                         </a:ln>
@@ -36843,7 +36326,7 @@
                         <a:tabLst/>
                       </a:pPr>
                       <a:r>
-                        <a:rPr kumimoji="0" lang="ru-RU" sz="1200" b="0" i="0" u="none" strike="noStrike" cap="none" normalizeH="0" baseline="0" dirty="0" smtClean="0">
+                        <a:rPr kumimoji="0" lang="ru-RU" sz="1200" b="0" i="0" u="none" strike="noStrike" cap="none" normalizeH="0" baseline="0" dirty="0">
                           <a:ln>
                             <a:noFill/>
                           </a:ln>
@@ -36856,7 +36339,7 @@
                         </a:rPr>
                         <a:t>Определяет вхождение заданной подстроки</a:t>
                       </a:r>
-                      <a:endParaRPr kumimoji="0" lang="be-BY" sz="1200" b="0" i="0" u="none" strike="noStrike" cap="none" normalizeH="0" baseline="0" dirty="0" smtClean="0">
+                      <a:endParaRPr kumimoji="0" lang="be-BY" sz="1200" b="0" i="0" u="none" strike="noStrike" cap="none" normalizeH="0" baseline="0" dirty="0">
                         <a:ln>
                           <a:noFill/>
                         </a:ln>
@@ -36944,7 +36427,7 @@
                         <a:tabLst/>
                       </a:pPr>
                       <a:r>
-                        <a:rPr kumimoji="0" lang="ru-RU" sz="1200" b="0" i="0" u="none" strike="noStrike" cap="none" normalizeH="0" baseline="0" smtClean="0">
+                        <a:rPr kumimoji="0" lang="ru-RU" sz="1200" b="0" i="0" u="none" strike="noStrike" cap="none" normalizeH="0" baseline="0">
                           <a:ln>
                             <a:noFill/>
                           </a:ln>
@@ -36957,7 +36440,7 @@
                         </a:rPr>
                         <a:t>IndexOf(),</a:t>
                       </a:r>
-                      <a:endParaRPr kumimoji="0" lang="be-BY" sz="1200" b="0" i="0" u="none" strike="noStrike" cap="none" normalizeH="0" baseline="0" smtClean="0">
+                      <a:endParaRPr kumimoji="0" lang="be-BY" sz="1200" b="0" i="0" u="none" strike="noStrike" cap="none" normalizeH="0" baseline="0">
                         <a:ln>
                           <a:noFill/>
                         </a:ln>
@@ -36987,7 +36470,7 @@
                         <a:tabLst/>
                       </a:pPr>
                       <a:r>
-                        <a:rPr kumimoji="0" lang="ru-RU" sz="1200" b="0" i="0" u="none" strike="noStrike" cap="none" normalizeH="0" baseline="0" smtClean="0">
+                        <a:rPr kumimoji="0" lang="ru-RU" sz="1200" b="0" i="0" u="none" strike="noStrike" cap="none" normalizeH="0" baseline="0">
                           <a:ln>
                             <a:noFill/>
                           </a:ln>
@@ -37000,7 +36483,7 @@
                         </a:rPr>
                         <a:t>IndexOfAny(),</a:t>
                       </a:r>
-                      <a:endParaRPr kumimoji="0" lang="be-BY" sz="1200" b="0" i="0" u="none" strike="noStrike" cap="none" normalizeH="0" baseline="0" smtClean="0">
+                      <a:endParaRPr kumimoji="0" lang="be-BY" sz="1200" b="0" i="0" u="none" strike="noStrike" cap="none" normalizeH="0" baseline="0">
                         <a:ln>
                           <a:noFill/>
                         </a:ln>
@@ -37030,7 +36513,7 @@
                         <a:tabLst/>
                       </a:pPr>
                       <a:r>
-                        <a:rPr kumimoji="0" lang="ru-RU" sz="1200" b="0" i="0" u="none" strike="noStrike" cap="none" normalizeH="0" baseline="0" smtClean="0">
+                        <a:rPr kumimoji="0" lang="ru-RU" sz="1200" b="0" i="0" u="none" strike="noStrike" cap="none" normalizeH="0" baseline="0">
                           <a:ln>
                             <a:noFill/>
                           </a:ln>
@@ -37043,7 +36526,7 @@
                         </a:rPr>
                         <a:t>LastIndexOf(),</a:t>
                       </a:r>
-                      <a:endParaRPr kumimoji="0" lang="be-BY" sz="1200" b="0" i="0" u="none" strike="noStrike" cap="none" normalizeH="0" baseline="0" smtClean="0">
+                      <a:endParaRPr kumimoji="0" lang="be-BY" sz="1200" b="0" i="0" u="none" strike="noStrike" cap="none" normalizeH="0" baseline="0">
                         <a:ln>
                           <a:noFill/>
                         </a:ln>
@@ -37073,7 +36556,7 @@
                         <a:tabLst/>
                       </a:pPr>
                       <a:r>
-                        <a:rPr kumimoji="0" lang="ru-RU" sz="1200" b="0" i="0" u="none" strike="noStrike" cap="none" normalizeH="0" baseline="0" smtClean="0">
+                        <a:rPr kumimoji="0" lang="ru-RU" sz="1200" b="0" i="0" u="none" strike="noStrike" cap="none" normalizeH="0" baseline="0">
                           <a:ln>
                             <a:noFill/>
                           </a:ln>
@@ -37086,7 +36569,7 @@
                         </a:rPr>
                         <a:t>LastIndexOfAny()</a:t>
                       </a:r>
-                      <a:endParaRPr kumimoji="0" lang="be-BY" sz="1200" b="0" i="0" u="none" strike="noStrike" cap="none" normalizeH="0" baseline="0" smtClean="0">
+                      <a:endParaRPr kumimoji="0" lang="be-BY" sz="1200" b="0" i="0" u="none" strike="noStrike" cap="none" normalizeH="0" baseline="0">
                         <a:ln>
                           <a:noFill/>
                         </a:ln>
@@ -37167,7 +36650,7 @@
                         <a:tabLst/>
                       </a:pPr>
                       <a:r>
-                        <a:rPr kumimoji="0" lang="ru-RU" sz="1200" b="0" i="0" u="none" strike="noStrike" cap="none" normalizeH="0" baseline="0" dirty="0" smtClean="0">
+                        <a:rPr kumimoji="0" lang="ru-RU" sz="1200" b="0" i="0" u="none" strike="noStrike" cap="none" normalizeH="0" baseline="0" dirty="0">
                           <a:ln>
                             <a:noFill/>
                           </a:ln>
@@ -37180,7 +36663,7 @@
                         </a:rPr>
                         <a:t>Определяются индексы первого и последнего вхождения заданной подстроки или любого символа из заданного набора</a:t>
                       </a:r>
-                      <a:endParaRPr kumimoji="0" lang="be-BY" sz="1200" b="0" i="0" u="none" strike="noStrike" cap="none" normalizeH="0" baseline="0" dirty="0" smtClean="0">
+                      <a:endParaRPr kumimoji="0" lang="be-BY" sz="1200" b="0" i="0" u="none" strike="noStrike" cap="none" normalizeH="0" baseline="0" dirty="0">
                         <a:ln>
                           <a:noFill/>
                         </a:ln>
@@ -37268,7 +36751,7 @@
                         <a:tabLst/>
                       </a:pPr>
                       <a:r>
-                        <a:rPr kumimoji="0" lang="ru-RU" sz="1200" b="0" i="0" u="none" strike="noStrike" cap="none" normalizeH="0" baseline="0" smtClean="0">
+                        <a:rPr kumimoji="0" lang="ru-RU" sz="1200" b="0" i="0" u="none" strike="noStrike" cap="none" normalizeH="0" baseline="0">
                           <a:ln>
                             <a:noFill/>
                           </a:ln>
@@ -37281,7 +36764,7 @@
                         </a:rPr>
                         <a:t>StartsWith(),</a:t>
                       </a:r>
-                      <a:endParaRPr kumimoji="0" lang="be-BY" sz="1200" b="0" i="0" u="none" strike="noStrike" cap="none" normalizeH="0" baseline="0" smtClean="0">
+                      <a:endParaRPr kumimoji="0" lang="be-BY" sz="1200" b="0" i="0" u="none" strike="noStrike" cap="none" normalizeH="0" baseline="0">
                         <a:ln>
                           <a:noFill/>
                         </a:ln>
@@ -37311,7 +36794,7 @@
                         <a:tabLst/>
                       </a:pPr>
                       <a:r>
-                        <a:rPr kumimoji="0" lang="ru-RU" sz="1200" b="0" i="0" u="none" strike="noStrike" cap="none" normalizeH="0" baseline="0" smtClean="0">
+                        <a:rPr kumimoji="0" lang="ru-RU" sz="1200" b="0" i="0" u="none" strike="noStrike" cap="none" normalizeH="0" baseline="0">
                           <a:ln>
                             <a:noFill/>
                           </a:ln>
@@ -37324,7 +36807,7 @@
                         </a:rPr>
                         <a:t>EndsWith()</a:t>
                       </a:r>
-                      <a:endParaRPr kumimoji="0" lang="be-BY" sz="1200" b="0" i="0" u="none" strike="noStrike" cap="none" normalizeH="0" baseline="0" smtClean="0">
+                      <a:endParaRPr kumimoji="0" lang="be-BY" sz="1200" b="0" i="0" u="none" strike="noStrike" cap="none" normalizeH="0" baseline="0">
                         <a:ln>
                           <a:noFill/>
                         </a:ln>
@@ -37405,7 +36888,7 @@
                         <a:tabLst/>
                       </a:pPr>
                       <a:r>
-                        <a:rPr kumimoji="0" lang="ru-RU" sz="1200" b="0" i="0" u="none" strike="noStrike" cap="none" normalizeH="0" baseline="0" dirty="0" smtClean="0">
+                        <a:rPr kumimoji="0" lang="ru-RU" sz="1200" b="0" i="0" u="none" strike="noStrike" cap="none" normalizeH="0" baseline="0" dirty="0">
                           <a:ln>
                             <a:noFill/>
                           </a:ln>
@@ -37418,7 +36901,7 @@
                         </a:rPr>
                         <a:t>Возвращается true или false, в зависимости от того, начинается или заканчивается строка заданной подстрокой. При этом можно учитывать регистр и алфавит конкретного языка</a:t>
                       </a:r>
-                      <a:endParaRPr kumimoji="0" lang="be-BY" sz="1200" b="0" i="0" u="none" strike="noStrike" cap="none" normalizeH="0" baseline="0" dirty="0" smtClean="0">
+                      <a:endParaRPr kumimoji="0" lang="be-BY" sz="1200" b="0" i="0" u="none" strike="noStrike" cap="none" normalizeH="0" baseline="0" dirty="0">
                         <a:ln>
                           <a:noFill/>
                         </a:ln>
@@ -37506,7 +36989,7 @@
                         <a:tabLst/>
                       </a:pPr>
                       <a:r>
-                        <a:rPr kumimoji="0" lang="ru-RU" sz="1200" b="0" i="0" u="none" strike="noStrike" cap="none" normalizeH="0" baseline="0" smtClean="0">
+                        <a:rPr kumimoji="0" lang="ru-RU" sz="1200" b="0" i="0" u="none" strike="noStrike" cap="none" normalizeH="0" baseline="0">
                           <a:ln>
                             <a:noFill/>
                           </a:ln>
@@ -37519,7 +37002,7 @@
                         </a:rPr>
                         <a:t>PadLeft(),</a:t>
                       </a:r>
-                      <a:endParaRPr kumimoji="0" lang="be-BY" sz="1200" b="0" i="0" u="none" strike="noStrike" cap="none" normalizeH="0" baseline="0" smtClean="0">
+                      <a:endParaRPr kumimoji="0" lang="be-BY" sz="1200" b="0" i="0" u="none" strike="noStrike" cap="none" normalizeH="0" baseline="0">
                         <a:ln>
                           <a:noFill/>
                         </a:ln>
@@ -37549,7 +37032,7 @@
                         <a:tabLst/>
                       </a:pPr>
                       <a:r>
-                        <a:rPr kumimoji="0" lang="ru-RU" sz="1200" b="0" i="0" u="none" strike="noStrike" cap="none" normalizeH="0" baseline="0" smtClean="0">
+                        <a:rPr kumimoji="0" lang="ru-RU" sz="1200" b="0" i="0" u="none" strike="noStrike" cap="none" normalizeH="0" baseline="0">
                           <a:ln>
                             <a:noFill/>
                           </a:ln>
@@ -37562,7 +37045,7 @@
                         </a:rPr>
                         <a:t>PadRight()</a:t>
                       </a:r>
-                      <a:endParaRPr kumimoji="0" lang="be-BY" sz="1200" b="0" i="0" u="none" strike="noStrike" cap="none" normalizeH="0" baseline="0" smtClean="0">
+                      <a:endParaRPr kumimoji="0" lang="be-BY" sz="1200" b="0" i="0" u="none" strike="noStrike" cap="none" normalizeH="0" baseline="0">
                         <a:ln>
                           <a:noFill/>
                         </a:ln>
@@ -37643,7 +37126,7 @@
                         <a:tabLst/>
                       </a:pPr>
                       <a:r>
-                        <a:rPr kumimoji="0" lang="ru-RU" sz="1200" b="0" i="0" u="none" strike="noStrike" cap="none" normalizeH="0" baseline="0" dirty="0" smtClean="0">
+                        <a:rPr kumimoji="0" lang="ru-RU" sz="1200" b="0" i="0" u="none" strike="noStrike" cap="none" normalizeH="0" baseline="0" dirty="0">
                           <a:ln>
                             <a:noFill/>
                           </a:ln>
@@ -37656,7 +37139,7 @@
                         </a:rPr>
                         <a:t>Выполняют «набивку» нужным числом пробелов в начале или в конце строки</a:t>
                       </a:r>
-                      <a:endParaRPr kumimoji="0" lang="be-BY" sz="1200" b="0" i="0" u="none" strike="noStrike" cap="none" normalizeH="0" baseline="0" dirty="0" smtClean="0">
+                      <a:endParaRPr kumimoji="0" lang="be-BY" sz="1200" b="0" i="0" u="none" strike="noStrike" cap="none" normalizeH="0" baseline="0" dirty="0">
                         <a:ln>
                           <a:noFill/>
                         </a:ln>
@@ -37744,7 +37227,7 @@
                         <a:tabLst/>
                       </a:pPr>
                       <a:r>
-                        <a:rPr kumimoji="0" lang="ru-RU" sz="1200" b="0" i="0" u="none" strike="noStrike" cap="none" normalizeH="0" baseline="0" smtClean="0">
+                        <a:rPr kumimoji="0" lang="ru-RU" sz="1200" b="0" i="0" u="none" strike="noStrike" cap="none" normalizeH="0" baseline="0">
                           <a:ln>
                             <a:noFill/>
                           </a:ln>
@@ -37757,7 +37240,7 @@
                         </a:rPr>
                         <a:t>Trim(),</a:t>
                       </a:r>
-                      <a:endParaRPr kumimoji="0" lang="be-BY" sz="1200" b="0" i="0" u="none" strike="noStrike" cap="none" normalizeH="0" baseline="0" smtClean="0">
+                      <a:endParaRPr kumimoji="0" lang="be-BY" sz="1200" b="0" i="0" u="none" strike="noStrike" cap="none" normalizeH="0" baseline="0">
                         <a:ln>
                           <a:noFill/>
                         </a:ln>
@@ -37787,7 +37270,7 @@
                         <a:tabLst/>
                       </a:pPr>
                       <a:r>
-                        <a:rPr kumimoji="0" lang="ru-RU" sz="1200" b="0" i="0" u="none" strike="noStrike" cap="none" normalizeH="0" baseline="0" smtClean="0">
+                        <a:rPr kumimoji="0" lang="ru-RU" sz="1200" b="0" i="0" u="none" strike="noStrike" cap="none" normalizeH="0" baseline="0">
                           <a:ln>
                             <a:noFill/>
                           </a:ln>
@@ -37800,7 +37283,7 @@
                         </a:rPr>
                         <a:t>TrimStart(),</a:t>
                       </a:r>
-                      <a:endParaRPr kumimoji="0" lang="be-BY" sz="1200" b="0" i="0" u="none" strike="noStrike" cap="none" normalizeH="0" baseline="0" smtClean="0">
+                      <a:endParaRPr kumimoji="0" lang="be-BY" sz="1200" b="0" i="0" u="none" strike="noStrike" cap="none" normalizeH="0" baseline="0">
                         <a:ln>
                           <a:noFill/>
                         </a:ln>
@@ -37830,7 +37313,7 @@
                         <a:tabLst/>
                       </a:pPr>
                       <a:r>
-                        <a:rPr kumimoji="0" lang="ru-RU" sz="1200" b="0" i="0" u="none" strike="noStrike" cap="none" normalizeH="0" baseline="0" smtClean="0">
+                        <a:rPr kumimoji="0" lang="ru-RU" sz="1200" b="0" i="0" u="none" strike="noStrike" cap="none" normalizeH="0" baseline="0">
                           <a:ln>
                             <a:noFill/>
                           </a:ln>
@@ -37843,7 +37326,7 @@
                         </a:rPr>
                         <a:t>TrimEnd()</a:t>
                       </a:r>
-                      <a:endParaRPr kumimoji="0" lang="be-BY" sz="1200" b="0" i="0" u="none" strike="noStrike" cap="none" normalizeH="0" baseline="0" smtClean="0">
+                      <a:endParaRPr kumimoji="0" lang="be-BY" sz="1200" b="0" i="0" u="none" strike="noStrike" cap="none" normalizeH="0" baseline="0">
                         <a:ln>
                           <a:noFill/>
                         </a:ln>
@@ -37924,7 +37407,7 @@
                         <a:tabLst/>
                       </a:pPr>
                       <a:r>
-                        <a:rPr kumimoji="0" lang="ru-RU" sz="1200" b="0" i="0" u="none" strike="noStrike" cap="none" normalizeH="0" baseline="0" dirty="0" smtClean="0">
+                        <a:rPr kumimoji="0" lang="ru-RU" sz="1200" b="0" i="0" u="none" strike="noStrike" cap="none" normalizeH="0" baseline="0" dirty="0">
                           <a:ln>
                             <a:noFill/>
                           </a:ln>
@@ -37937,7 +37420,7 @@
                         </a:rPr>
                         <a:t>Удаляются пробелы в начале и в конце строки, или только с одного её конца</a:t>
                       </a:r>
-                      <a:endParaRPr kumimoji="0" lang="be-BY" sz="1200" b="0" i="0" u="none" strike="noStrike" cap="none" normalizeH="0" baseline="0" dirty="0" smtClean="0">
+                      <a:endParaRPr kumimoji="0" lang="be-BY" sz="1200" b="0" i="0" u="none" strike="noStrike" cap="none" normalizeH="0" baseline="0" dirty="0">
                         <a:ln>
                           <a:noFill/>
                         </a:ln>
@@ -38025,7 +37508,7 @@
                         <a:tabLst/>
                       </a:pPr>
                       <a:r>
-                        <a:rPr kumimoji="0" lang="ru-RU" sz="1200" b="0" i="0" u="none" strike="noStrike" cap="none" normalizeH="0" baseline="0" smtClean="0">
+                        <a:rPr kumimoji="0" lang="ru-RU" sz="1200" b="0" i="0" u="none" strike="noStrike" cap="none" normalizeH="0" baseline="0">
                           <a:ln>
                             <a:noFill/>
                           </a:ln>
@@ -38038,7 +37521,7 @@
                         </a:rPr>
                         <a:t>ToCharArray()</a:t>
                       </a:r>
-                      <a:endParaRPr kumimoji="0" lang="be-BY" sz="1200" b="0" i="0" u="none" strike="noStrike" cap="none" normalizeH="0" baseline="0" smtClean="0">
+                      <a:endParaRPr kumimoji="0" lang="be-BY" sz="1200" b="0" i="0" u="none" strike="noStrike" cap="none" normalizeH="0" baseline="0">
                         <a:ln>
                           <a:noFill/>
                         </a:ln>
@@ -38119,7 +37602,7 @@
                         <a:tabLst/>
                       </a:pPr>
                       <a:r>
-                        <a:rPr kumimoji="0" lang="ru-RU" sz="1200" b="0" i="0" u="none" strike="noStrike" cap="none" normalizeH="0" baseline="0" dirty="0" smtClean="0">
+                        <a:rPr kumimoji="0" lang="ru-RU" sz="1200" b="0" i="0" u="none" strike="noStrike" cap="none" normalizeH="0" baseline="0" dirty="0">
                           <a:ln>
                             <a:noFill/>
                           </a:ln>
@@ -38132,7 +37615,7 @@
                         </a:rPr>
                         <a:t>Преобразование строки в массив символов</a:t>
                       </a:r>
-                      <a:endParaRPr kumimoji="0" lang="be-BY" sz="1200" b="0" i="0" u="none" strike="noStrike" cap="none" normalizeH="0" baseline="0" dirty="0" smtClean="0">
+                      <a:endParaRPr kumimoji="0" lang="be-BY" sz="1200" b="0" i="0" u="none" strike="noStrike" cap="none" normalizeH="0" baseline="0" dirty="0">
                         <a:ln>
                           <a:noFill/>
                         </a:ln>
@@ -38220,7 +37703,7 @@
                         <a:tabLst/>
                       </a:pPr>
                       <a:r>
-                        <a:rPr kumimoji="0" lang="ru-RU" sz="1200" b="0" i="0" u="none" strike="noStrike" cap="none" normalizeH="0" baseline="0" smtClean="0">
+                        <a:rPr kumimoji="0" lang="ru-RU" sz="1200" b="0" i="0" u="none" strike="noStrike" cap="none" normalizeH="0" baseline="0">
                           <a:ln>
                             <a:noFill/>
                           </a:ln>
@@ -38233,7 +37716,7 @@
                         </a:rPr>
                         <a:t>ToLower()</a:t>
                       </a:r>
-                      <a:endParaRPr kumimoji="0" lang="be-BY" sz="1200" b="0" i="0" u="none" strike="noStrike" cap="none" normalizeH="0" baseline="0" smtClean="0">
+                      <a:endParaRPr kumimoji="0" lang="be-BY" sz="1200" b="0" i="0" u="none" strike="noStrike" cap="none" normalizeH="0" baseline="0">
                         <a:ln>
                           <a:noFill/>
                         </a:ln>
@@ -38263,7 +37746,7 @@
                         <a:tabLst/>
                       </a:pPr>
                       <a:r>
-                        <a:rPr kumimoji="0" lang="ru-RU" sz="1200" b="0" i="0" u="none" strike="noStrike" cap="none" normalizeH="0" baseline="0" smtClean="0">
+                        <a:rPr kumimoji="0" lang="ru-RU" sz="1200" b="0" i="0" u="none" strike="noStrike" cap="none" normalizeH="0" baseline="0">
                           <a:ln>
                             <a:noFill/>
                           </a:ln>
@@ -38276,7 +37759,7 @@
                         </a:rPr>
                         <a:t>ToLowerInvariant()</a:t>
                       </a:r>
-                      <a:endParaRPr kumimoji="0" lang="be-BY" sz="1200" b="0" i="0" u="none" strike="noStrike" cap="none" normalizeH="0" baseline="0" smtClean="0">
+                      <a:endParaRPr kumimoji="0" lang="be-BY" sz="1200" b="0" i="0" u="none" strike="noStrike" cap="none" normalizeH="0" baseline="0">
                         <a:ln>
                           <a:noFill/>
                         </a:ln>
@@ -38306,7 +37789,7 @@
                         <a:tabLst/>
                       </a:pPr>
                       <a:r>
-                        <a:rPr kumimoji="0" lang="ru-RU" sz="1200" b="0" i="0" u="none" strike="noStrike" cap="none" normalizeH="0" baseline="0" smtClean="0">
+                        <a:rPr kumimoji="0" lang="ru-RU" sz="1200" b="0" i="0" u="none" strike="noStrike" cap="none" normalizeH="0" baseline="0">
                           <a:ln>
                             <a:noFill/>
                           </a:ln>
@@ -38319,7 +37802,7 @@
                         </a:rPr>
                         <a:t>ToUpper()</a:t>
                       </a:r>
-                      <a:endParaRPr kumimoji="0" lang="be-BY" sz="1200" b="0" i="0" u="none" strike="noStrike" cap="none" normalizeH="0" baseline="0" smtClean="0">
+                      <a:endParaRPr kumimoji="0" lang="be-BY" sz="1200" b="0" i="0" u="none" strike="noStrike" cap="none" normalizeH="0" baseline="0">
                         <a:ln>
                           <a:noFill/>
                         </a:ln>
@@ -38349,7 +37832,7 @@
                         <a:tabLst/>
                       </a:pPr>
                       <a:r>
-                        <a:rPr kumimoji="0" lang="ru-RU" sz="1200" b="0" i="0" u="none" strike="noStrike" cap="none" normalizeH="0" baseline="0" smtClean="0">
+                        <a:rPr kumimoji="0" lang="ru-RU" sz="1200" b="0" i="0" u="none" strike="noStrike" cap="none" normalizeH="0" baseline="0">
                           <a:ln>
                             <a:noFill/>
                           </a:ln>
@@ -38362,7 +37845,7 @@
                         </a:rPr>
                         <a:t>ToUpperInvariant()</a:t>
                       </a:r>
-                      <a:endParaRPr kumimoji="0" lang="be-BY" sz="1200" b="0" i="0" u="none" strike="noStrike" cap="none" normalizeH="0" baseline="0" smtClean="0">
+                      <a:endParaRPr kumimoji="0" lang="be-BY" sz="1200" b="0" i="0" u="none" strike="noStrike" cap="none" normalizeH="0" baseline="0">
                         <a:ln>
                           <a:noFill/>
                         </a:ln>
@@ -38443,7 +37926,7 @@
                         <a:tabLst/>
                       </a:pPr>
                       <a:r>
-                        <a:rPr kumimoji="0" lang="en-US" sz="1200" b="0" i="0" u="none" strike="noStrike" cap="none" normalizeH="0" baseline="0" dirty="0" err="1" smtClean="0">
+                        <a:rPr kumimoji="0" lang="en-US" sz="1200" b="0" i="0" u="none" strike="noStrike" cap="none" normalizeH="0" baseline="0" dirty="0" err="1">
                           <a:ln>
                             <a:noFill/>
                           </a:ln>
@@ -38457,7 +37940,7 @@
                         <a:t>Изменение</a:t>
                       </a:r>
                       <a:r>
-                        <a:rPr kumimoji="0" lang="en-US" sz="1200" b="0" i="0" u="none" strike="noStrike" cap="none" normalizeH="0" baseline="0" dirty="0" smtClean="0">
+                        <a:rPr kumimoji="0" lang="en-US" sz="1200" b="0" i="0" u="none" strike="noStrike" cap="none" normalizeH="0" baseline="0" dirty="0">
                           <a:ln>
                             <a:noFill/>
                           </a:ln>
@@ -38471,7 +37954,7 @@
                         <a:t> </a:t>
                       </a:r>
                       <a:r>
-                        <a:rPr kumimoji="0" lang="en-US" sz="1200" b="0" i="0" u="none" strike="noStrike" cap="none" normalizeH="0" baseline="0" dirty="0" err="1" smtClean="0">
+                        <a:rPr kumimoji="0" lang="en-US" sz="1200" b="0" i="0" u="none" strike="noStrike" cap="none" normalizeH="0" baseline="0" dirty="0" err="1">
                           <a:ln>
                             <a:noFill/>
                           </a:ln>
@@ -38485,7 +37968,7 @@
                         <a:t>регистра</a:t>
                       </a:r>
                       <a:r>
-                        <a:rPr kumimoji="0" lang="en-US" sz="1200" b="0" i="0" u="none" strike="noStrike" cap="none" normalizeH="0" baseline="0" dirty="0" smtClean="0">
+                        <a:rPr kumimoji="0" lang="en-US" sz="1200" b="0" i="0" u="none" strike="noStrike" cap="none" normalizeH="0" baseline="0" dirty="0">
                           <a:ln>
                             <a:noFill/>
                           </a:ln>
@@ -38499,7 +37982,7 @@
                         <a:t> </a:t>
                       </a:r>
                       <a:r>
-                        <a:rPr kumimoji="0" lang="en-US" sz="1200" b="0" i="0" u="none" strike="noStrike" cap="none" normalizeH="0" baseline="0" dirty="0" err="1" smtClean="0">
+                        <a:rPr kumimoji="0" lang="en-US" sz="1200" b="0" i="0" u="none" strike="noStrike" cap="none" normalizeH="0" baseline="0" dirty="0" err="1">
                           <a:ln>
                             <a:noFill/>
                           </a:ln>
@@ -38513,7 +37996,7 @@
                         <a:t>символов</a:t>
                       </a:r>
                       <a:r>
-                        <a:rPr kumimoji="0" lang="en-US" sz="1200" b="0" i="0" u="none" strike="noStrike" cap="none" normalizeH="0" baseline="0" dirty="0" smtClean="0">
+                        <a:rPr kumimoji="0" lang="en-US" sz="1200" b="0" i="0" u="none" strike="noStrike" cap="none" normalizeH="0" baseline="0" dirty="0">
                           <a:ln>
                             <a:noFill/>
                           </a:ln>
@@ -38527,7 +38010,7 @@
                         <a:t> </a:t>
                       </a:r>
                       <a:r>
-                        <a:rPr kumimoji="0" lang="en-US" sz="1200" b="0" i="0" u="none" strike="noStrike" cap="none" normalizeH="0" baseline="0" dirty="0" err="1" smtClean="0">
+                        <a:rPr kumimoji="0" lang="en-US" sz="1200" b="0" i="0" u="none" strike="noStrike" cap="none" normalizeH="0" baseline="0" dirty="0" err="1">
                           <a:ln>
                             <a:noFill/>
                           </a:ln>
@@ -38540,7 +38023,7 @@
                         </a:rPr>
                         <a:t>строки</a:t>
                       </a:r>
-                      <a:endParaRPr kumimoji="0" lang="be-BY" sz="1200" b="0" i="0" u="none" strike="noStrike" cap="none" normalizeH="0" baseline="0" dirty="0" smtClean="0">
+                      <a:endParaRPr kumimoji="0" lang="be-BY" sz="1200" b="0" i="0" u="none" strike="noStrike" cap="none" normalizeH="0" baseline="0" dirty="0">
                         <a:ln>
                           <a:noFill/>
                         </a:ln>
@@ -38619,13 +38102,6 @@
   <p:clrMapOvr>
     <a:masterClrMapping/>
   </p:clrMapOvr>
-  <p:timing>
-    <p:tnLst>
-      <p:par>
-        <p:cTn id="1" dur="indefinite" restart="never" nodeType="tmRoot"/>
-      </p:par>
-    </p:tnLst>
-  </p:timing>
 </p:sld>
 </file>
 

--- a/Presentation/lesson-03.pptx
+++ b/Presentation/lesson-03.pptx
@@ -176,7 +176,7 @@
       </p14:sectionLst>
     </p:ext>
     <p:ext uri="{EFAFB233-063F-42B5-8137-9DF3F51BA10A}">
-      <p15:sldGuideLst xmlns:p15="http://schemas.microsoft.com/office/powerpoint/2012/main">
+      <p15:sldGuideLst xmlns:p15="http://schemas.microsoft.com/office/powerpoint/2012/main" xmlns="">
         <p15:guide id="1" orient="horz" pos="2160">
           <p15:clr>
             <a:srgbClr val="A4A3A4"/>
@@ -372,7 +372,7 @@
           <a:p>
             <a:fld id="{6D622FCB-595C-4A19-9DA3-A5F2C1EA723F}" type="datetimeFigureOut">
               <a:rPr lang="en-US" smtClean="0"/>
-              <a:t>7/1/18</a:t>
+              <a:t>2/22/2019</a:t>
             </a:fld>
             <a:endParaRPr lang="en-US"/>
           </a:p>
@@ -540,7 +540,7 @@
           <a:p>
             <a:fld id="{6D622FCB-595C-4A19-9DA3-A5F2C1EA723F}" type="datetimeFigureOut">
               <a:rPr lang="en-US" smtClean="0"/>
-              <a:t>7/1/18</a:t>
+              <a:t>2/22/2019</a:t>
             </a:fld>
             <a:endParaRPr lang="en-US"/>
           </a:p>
@@ -718,7 +718,7 @@
           <a:p>
             <a:fld id="{6D622FCB-595C-4A19-9DA3-A5F2C1EA723F}" type="datetimeFigureOut">
               <a:rPr lang="en-US" smtClean="0"/>
-              <a:t>7/1/18</a:t>
+              <a:t>2/22/2019</a:t>
             </a:fld>
             <a:endParaRPr lang="en-US"/>
           </a:p>
@@ -780,200 +780,6 @@
 </file>
 
 <file path=ppt/slideLayouts/slideLayout12.xml><?xml version="1.0" encoding="utf-8"?>
-<p:sldLayout xmlns:a="http://schemas.openxmlformats.org/drawingml/2006/main" xmlns:r="http://schemas.openxmlformats.org/officeDocument/2006/relationships" xmlns:p="http://schemas.openxmlformats.org/presentationml/2006/main" preserve="1" userDrawn="1">
-  <p:cSld name="Title Slide">
-    <p:spTree>
-      <p:nvGrpSpPr>
-        <p:cNvPr id="1" name=""/>
-        <p:cNvGrpSpPr/>
-        <p:nvPr/>
-      </p:nvGrpSpPr>
-      <p:grpSpPr>
-        <a:xfrm>
-          <a:off x="0" y="0"/>
-          <a:ext cx="0" cy="0"/>
-          <a:chOff x="0" y="0"/>
-          <a:chExt cx="0" cy="0"/>
-        </a:xfrm>
-      </p:grpSpPr>
-      <p:sp>
-        <p:nvSpPr>
-          <p:cNvPr id="7" name="Rectangle 6"/>
-          <p:cNvSpPr/>
-          <p:nvPr userDrawn="1"/>
-        </p:nvSpPr>
-        <p:spPr>
-          <a:xfrm>
-            <a:off x="143508" y="1304764"/>
-            <a:ext cx="8856984" cy="646331"/>
-          </a:xfrm>
-          <a:prstGeom prst="rect">
-            <a:avLst/>
-          </a:prstGeom>
-        </p:spPr>
-        <p:txBody>
-          <a:bodyPr wrap="square">
-            <a:spAutoFit/>
-          </a:bodyPr>
-          <a:lstStyle/>
-          <a:p>
-            <a:pPr algn="ctr"/>
-            <a:r>
-              <a:rPr lang="ru-RU" sz="3600" b="1" i="1" dirty="0">
-                <a:solidFill>
-                  <a:prstClr val="white"/>
-                </a:solidFill>
-              </a:rPr>
-              <a:t>Основы программирования на </a:t>
-            </a:r>
-            <a:r>
-              <a:rPr lang="en-US" sz="3600" b="1" i="1" dirty="0">
-                <a:solidFill>
-                  <a:prstClr val="white"/>
-                </a:solidFill>
-              </a:rPr>
-              <a:t>C#</a:t>
-            </a:r>
-            <a:endParaRPr lang="ru-RU" sz="3600" b="1" i="1" dirty="0">
-              <a:solidFill>
-                <a:prstClr val="white"/>
-              </a:solidFill>
-            </a:endParaRPr>
-          </a:p>
-        </p:txBody>
-      </p:sp>
-      <p:pic>
-        <p:nvPicPr>
-          <p:cNvPr id="8" name="Picture 5"/>
-          <p:cNvPicPr>
-            <a:picLocks noChangeAspect="1" noChangeArrowheads="1"/>
-          </p:cNvPicPr>
-          <p:nvPr userDrawn="1"/>
-        </p:nvPicPr>
-        <p:blipFill>
-          <a:blip r:embed="rId2">
-            <a:extLst>
-              <a:ext uri="{28A0092B-C50C-407E-A947-70E740481C1C}">
-                <a14:useLocalDpi xmlns:a14="http://schemas.microsoft.com/office/drawing/2010/main" val="0"/>
-              </a:ext>
-            </a:extLst>
-          </a:blip>
-          <a:srcRect/>
-          <a:stretch>
-            <a:fillRect/>
-          </a:stretch>
-        </p:blipFill>
-        <p:spPr bwMode="auto">
-          <a:xfrm>
-            <a:off x="1638300" y="3829211"/>
-            <a:ext cx="5867400" cy="1724025"/>
-          </a:xfrm>
-          <a:prstGeom prst="rect">
-            <a:avLst/>
-          </a:prstGeom>
-          <a:noFill/>
-          <a:ln>
-            <a:noFill/>
-          </a:ln>
-          <a:effectLst/>
-          <a:extLst>
-            <a:ext uri="{909E8E84-426E-40DD-AFC4-6F175D3DCCD1}">
-              <a14:hiddenFill xmlns:a14="http://schemas.microsoft.com/office/drawing/2010/main">
-                <a:solidFill>
-                  <a:schemeClr val="accent1"/>
-                </a:solidFill>
-              </a14:hiddenFill>
-            </a:ext>
-            <a:ext uri="{91240B29-F687-4F45-9708-019B960494DF}">
-              <a14:hiddenLine xmlns:a14="http://schemas.microsoft.com/office/drawing/2010/main" w="9525">
-                <a:solidFill>
-                  <a:schemeClr val="tx1"/>
-                </a:solidFill>
-                <a:miter lim="800000"/>
-                <a:headEnd/>
-                <a:tailEnd/>
-              </a14:hiddenLine>
-            </a:ext>
-            <a:ext uri="{AF507438-7753-43E0-B8FC-AC1667EBCBE1}">
-              <a14:hiddenEffects xmlns:a14="http://schemas.microsoft.com/office/drawing/2010/main">
-                <a:effectLst>
-                  <a:outerShdw dist="35921" dir="2700000" algn="ctr" rotWithShape="0">
-                    <a:schemeClr val="bg2"/>
-                  </a:outerShdw>
-                </a:effectLst>
-              </a14:hiddenEffects>
-            </a:ext>
-          </a:extLst>
-        </p:spPr>
-      </p:pic>
-      <p:sp>
-        <p:nvSpPr>
-          <p:cNvPr id="9" name="TextBox 8"/>
-          <p:cNvSpPr txBox="1"/>
-          <p:nvPr userDrawn="1"/>
-        </p:nvSpPr>
-        <p:spPr>
-          <a:xfrm>
-            <a:off x="2774873" y="2528900"/>
-            <a:ext cx="4240263" cy="461665"/>
-          </a:xfrm>
-          <a:prstGeom prst="rect">
-            <a:avLst/>
-          </a:prstGeom>
-          <a:noFill/>
-        </p:spPr>
-        <p:txBody>
-          <a:bodyPr wrap="none" rtlCol="0">
-            <a:spAutoFit/>
-          </a:bodyPr>
-          <a:lstStyle/>
-          <a:p>
-            <a:r>
-              <a:rPr lang="ru-RU" sz="2400" dirty="0">
-                <a:solidFill>
-                  <a:prstClr val="white"/>
-                </a:solidFill>
-              </a:rPr>
-              <a:t>Занятие №</a:t>
-            </a:r>
-            <a:r>
-              <a:rPr lang="en-US" sz="2400" dirty="0">
-                <a:solidFill>
-                  <a:prstClr val="white"/>
-                </a:solidFill>
-              </a:rPr>
-              <a:t>?</a:t>
-            </a:r>
-            <a:r>
-              <a:rPr lang="ru-RU" sz="2400" dirty="0">
-                <a:solidFill>
-                  <a:prstClr val="white"/>
-                </a:solidFill>
-              </a:rPr>
-              <a:t>. Название занятия</a:t>
-            </a:r>
-            <a:endParaRPr lang="en-US" sz="2400" dirty="0">
-              <a:solidFill>
-                <a:prstClr val="white"/>
-              </a:solidFill>
-            </a:endParaRPr>
-          </a:p>
-        </p:txBody>
-      </p:sp>
-    </p:spTree>
-    <p:extLst>
-      <p:ext uri="{BB962C8B-B14F-4D97-AF65-F5344CB8AC3E}">
-        <p14:creationId xmlns:p14="http://schemas.microsoft.com/office/powerpoint/2010/main" val="3413960362"/>
-      </p:ext>
-    </p:extLst>
-  </p:cSld>
-  <p:clrMapOvr>
-    <a:masterClrMapping/>
-  </p:clrMapOvr>
-</p:sldLayout>
-</file>
-
-<file path=ppt/slideLayouts/slideLayout13.xml><?xml version="1.0" encoding="utf-8"?>
 <p:sldLayout xmlns:a="http://schemas.openxmlformats.org/drawingml/2006/main" xmlns:r="http://schemas.openxmlformats.org/officeDocument/2006/relationships" xmlns:p="http://schemas.openxmlformats.org/presentationml/2006/main" type="obj" preserve="1">
   <p:cSld name="Title and Content">
     <p:spTree>
@@ -1078,7 +884,7 @@
 </p:sldLayout>
 </file>
 
-<file path=ppt/slideLayouts/slideLayout14.xml><?xml version="1.0" encoding="utf-8"?>
+<file path=ppt/slideLayouts/slideLayout13.xml><?xml version="1.0" encoding="utf-8"?>
 <p:sldLayout xmlns:a="http://schemas.openxmlformats.org/drawingml/2006/main" xmlns:r="http://schemas.openxmlformats.org/officeDocument/2006/relationships" xmlns:p="http://schemas.openxmlformats.org/presentationml/2006/main" type="secHead" preserve="1">
   <p:cSld name="Section Header">
     <p:spTree>
@@ -1259,7 +1065,7 @@
 </p:sldLayout>
 </file>
 
-<file path=ppt/slideLayouts/slideLayout15.xml><?xml version="1.0" encoding="utf-8"?>
+<file path=ppt/slideLayouts/slideLayout14.xml><?xml version="1.0" encoding="utf-8"?>
 <p:sldLayout xmlns:a="http://schemas.openxmlformats.org/drawingml/2006/main" xmlns:r="http://schemas.openxmlformats.org/officeDocument/2006/relationships" xmlns:p="http://schemas.openxmlformats.org/presentationml/2006/main" type="twoObj" preserve="1">
   <p:cSld name="Two Content">
     <p:spTree>
@@ -1482,7 +1288,7 @@
 </p:sldLayout>
 </file>
 
-<file path=ppt/slideLayouts/slideLayout16.xml><?xml version="1.0" encoding="utf-8"?>
+<file path=ppt/slideLayouts/slideLayout15.xml><?xml version="1.0" encoding="utf-8"?>
 <p:sldLayout xmlns:a="http://schemas.openxmlformats.org/drawingml/2006/main" xmlns:r="http://schemas.openxmlformats.org/officeDocument/2006/relationships" xmlns:p="http://schemas.openxmlformats.org/presentationml/2006/main" type="twoTxTwoObj" preserve="1">
   <p:cSld name="Comparison">
     <p:spTree>
@@ -1839,7 +1645,7 @@
 </p:sldLayout>
 </file>
 
-<file path=ppt/slideLayouts/slideLayout17.xml><?xml version="1.0" encoding="utf-8"?>
+<file path=ppt/slideLayouts/slideLayout16.xml><?xml version="1.0" encoding="utf-8"?>
 <p:sldLayout xmlns:a="http://schemas.openxmlformats.org/drawingml/2006/main" xmlns:r="http://schemas.openxmlformats.org/officeDocument/2006/relationships" xmlns:p="http://schemas.openxmlformats.org/presentationml/2006/main" type="titleOnly" preserve="1">
   <p:cSld name="Title Only">
     <p:spTree>
@@ -1892,7 +1698,7 @@
 </p:sldLayout>
 </file>
 
-<file path=ppt/slideLayouts/slideLayout18.xml><?xml version="1.0" encoding="utf-8"?>
+<file path=ppt/slideLayouts/slideLayout17.xml><?xml version="1.0" encoding="utf-8"?>
 <p:sldLayout xmlns:a="http://schemas.openxmlformats.org/drawingml/2006/main" xmlns:r="http://schemas.openxmlformats.org/officeDocument/2006/relationships" xmlns:p="http://schemas.openxmlformats.org/presentationml/2006/main" preserve="1" userDrawn="1">
   <p:cSld name="Demo">
     <p:spTree>
@@ -1956,7 +1762,7 @@
 </p:sldLayout>
 </file>
 
-<file path=ppt/slideLayouts/slideLayout19.xml><?xml version="1.0" encoding="utf-8"?>
+<file path=ppt/slideLayouts/slideLayout18.xml><?xml version="1.0" encoding="utf-8"?>
 <p:sldLayout xmlns:a="http://schemas.openxmlformats.org/drawingml/2006/main" xmlns:r="http://schemas.openxmlformats.org/officeDocument/2006/relationships" xmlns:p="http://schemas.openxmlformats.org/presentationml/2006/main" type="blank" preserve="1">
   <p:cSld name="1_Blank">
     <p:spTree>
@@ -1986,175 +1792,7 @@
 </p:sldLayout>
 </file>
 
-<file path=ppt/slideLayouts/slideLayout2.xml><?xml version="1.0" encoding="utf-8"?>
-<p:sldLayout xmlns:a="http://schemas.openxmlformats.org/drawingml/2006/main" xmlns:r="http://schemas.openxmlformats.org/officeDocument/2006/relationships" xmlns:p="http://schemas.openxmlformats.org/presentationml/2006/main" type="obj" preserve="1">
-  <p:cSld name="Title and Content">
-    <p:spTree>
-      <p:nvGrpSpPr>
-        <p:cNvPr id="1" name=""/>
-        <p:cNvGrpSpPr/>
-        <p:nvPr/>
-      </p:nvGrpSpPr>
-      <p:grpSpPr>
-        <a:xfrm>
-          <a:off x="0" y="0"/>
-          <a:ext cx="0" cy="0"/>
-          <a:chOff x="0" y="0"/>
-          <a:chExt cx="0" cy="0"/>
-        </a:xfrm>
-      </p:grpSpPr>
-      <p:sp>
-        <p:nvSpPr>
-          <p:cNvPr id="2" name="Title 1"/>
-          <p:cNvSpPr>
-            <a:spLocks noGrp="1"/>
-          </p:cNvSpPr>
-          <p:nvPr>
-            <p:ph type="title"/>
-          </p:nvPr>
-        </p:nvSpPr>
-        <p:spPr/>
-        <p:txBody>
-          <a:bodyPr/>
-          <a:lstStyle/>
-          <a:p>
-            <a:r>
-              <a:rPr lang="en-US"/>
-              <a:t>Click to edit Master title style</a:t>
-            </a:r>
-          </a:p>
-        </p:txBody>
-      </p:sp>
-      <p:sp>
-        <p:nvSpPr>
-          <p:cNvPr id="3" name="Content Placeholder 2"/>
-          <p:cNvSpPr>
-            <a:spLocks noGrp="1"/>
-          </p:cNvSpPr>
-          <p:nvPr>
-            <p:ph idx="1"/>
-          </p:nvPr>
-        </p:nvSpPr>
-        <p:spPr/>
-        <p:txBody>
-          <a:bodyPr/>
-          <a:lstStyle/>
-          <a:p>
-            <a:pPr lvl="0"/>
-            <a:r>
-              <a:rPr lang="en-US"/>
-              <a:t>Click to edit Master text styles</a:t>
-            </a:r>
-          </a:p>
-          <a:p>
-            <a:pPr lvl="1"/>
-            <a:r>
-              <a:rPr lang="en-US"/>
-              <a:t>Second level</a:t>
-            </a:r>
-          </a:p>
-          <a:p>
-            <a:pPr lvl="2"/>
-            <a:r>
-              <a:rPr lang="en-US"/>
-              <a:t>Third level</a:t>
-            </a:r>
-          </a:p>
-          <a:p>
-            <a:pPr lvl="3"/>
-            <a:r>
-              <a:rPr lang="en-US"/>
-              <a:t>Fourth level</a:t>
-            </a:r>
-          </a:p>
-          <a:p>
-            <a:pPr lvl="4"/>
-            <a:r>
-              <a:rPr lang="en-US"/>
-              <a:t>Fifth level</a:t>
-            </a:r>
-          </a:p>
-        </p:txBody>
-      </p:sp>
-      <p:sp>
-        <p:nvSpPr>
-          <p:cNvPr id="4" name="Date Placeholder 3"/>
-          <p:cNvSpPr>
-            <a:spLocks noGrp="1"/>
-          </p:cNvSpPr>
-          <p:nvPr>
-            <p:ph type="dt" sz="half" idx="10"/>
-          </p:nvPr>
-        </p:nvSpPr>
-        <p:spPr/>
-        <p:txBody>
-          <a:bodyPr/>
-          <a:lstStyle/>
-          <a:p>
-            <a:fld id="{6D622FCB-595C-4A19-9DA3-A5F2C1EA723F}" type="datetimeFigureOut">
-              <a:rPr lang="en-US" smtClean="0"/>
-              <a:t>7/1/18</a:t>
-            </a:fld>
-            <a:endParaRPr lang="en-US"/>
-          </a:p>
-        </p:txBody>
-      </p:sp>
-      <p:sp>
-        <p:nvSpPr>
-          <p:cNvPr id="5" name="Footer Placeholder 4"/>
-          <p:cNvSpPr>
-            <a:spLocks noGrp="1"/>
-          </p:cNvSpPr>
-          <p:nvPr>
-            <p:ph type="ftr" sz="quarter" idx="11"/>
-          </p:nvPr>
-        </p:nvSpPr>
-        <p:spPr/>
-        <p:txBody>
-          <a:bodyPr/>
-          <a:lstStyle/>
-          <a:p>
-            <a:endParaRPr lang="en-US"/>
-          </a:p>
-        </p:txBody>
-      </p:sp>
-      <p:sp>
-        <p:nvSpPr>
-          <p:cNvPr id="6" name="Slide Number Placeholder 5"/>
-          <p:cNvSpPr>
-            <a:spLocks noGrp="1"/>
-          </p:cNvSpPr>
-          <p:nvPr>
-            <p:ph type="sldNum" sz="quarter" idx="12"/>
-          </p:nvPr>
-        </p:nvSpPr>
-        <p:spPr/>
-        <p:txBody>
-          <a:bodyPr/>
-          <a:lstStyle/>
-          <a:p>
-            <a:fld id="{34B91DE8-2EE2-4D34-94F0-905E5A9C31B8}" type="slidenum">
-              <a:rPr lang="en-US" smtClean="0"/>
-              <a:t>‹#›</a:t>
-            </a:fld>
-            <a:endParaRPr lang="en-US"/>
-          </a:p>
-        </p:txBody>
-      </p:sp>
-    </p:spTree>
-    <p:extLst>
-      <p:ext uri="{BB962C8B-B14F-4D97-AF65-F5344CB8AC3E}">
-        <p14:creationId xmlns:p14="http://schemas.microsoft.com/office/powerpoint/2010/main" val="1471638653"/>
-      </p:ext>
-    </p:extLst>
-  </p:cSld>
-  <p:clrMapOvr>
-    <a:masterClrMapping/>
-  </p:clrMapOvr>
-</p:sldLayout>
-</file>
-
-<file path=ppt/slideLayouts/slideLayout20.xml><?xml version="1.0" encoding="utf-8"?>
+<file path=ppt/slideLayouts/slideLayout19.xml><?xml version="1.0" encoding="utf-8"?>
 <p:sldLayout xmlns:a="http://schemas.openxmlformats.org/drawingml/2006/main" xmlns:r="http://schemas.openxmlformats.org/officeDocument/2006/relationships" xmlns:p="http://schemas.openxmlformats.org/presentationml/2006/main" type="objTx" preserve="1">
   <p:cSld name="Content with Caption">
     <p:spTree>
@@ -2366,7 +2004,175 @@
 </p:sldLayout>
 </file>
 
-<file path=ppt/slideLayouts/slideLayout21.xml><?xml version="1.0" encoding="utf-8"?>
+<file path=ppt/slideLayouts/slideLayout2.xml><?xml version="1.0" encoding="utf-8"?>
+<p:sldLayout xmlns:a="http://schemas.openxmlformats.org/drawingml/2006/main" xmlns:r="http://schemas.openxmlformats.org/officeDocument/2006/relationships" xmlns:p="http://schemas.openxmlformats.org/presentationml/2006/main" type="obj" preserve="1">
+  <p:cSld name="Title and Content">
+    <p:spTree>
+      <p:nvGrpSpPr>
+        <p:cNvPr id="1" name=""/>
+        <p:cNvGrpSpPr/>
+        <p:nvPr/>
+      </p:nvGrpSpPr>
+      <p:grpSpPr>
+        <a:xfrm>
+          <a:off x="0" y="0"/>
+          <a:ext cx="0" cy="0"/>
+          <a:chOff x="0" y="0"/>
+          <a:chExt cx="0" cy="0"/>
+        </a:xfrm>
+      </p:grpSpPr>
+      <p:sp>
+        <p:nvSpPr>
+          <p:cNvPr id="2" name="Title 1"/>
+          <p:cNvSpPr>
+            <a:spLocks noGrp="1"/>
+          </p:cNvSpPr>
+          <p:nvPr>
+            <p:ph type="title"/>
+          </p:nvPr>
+        </p:nvSpPr>
+        <p:spPr/>
+        <p:txBody>
+          <a:bodyPr/>
+          <a:lstStyle/>
+          <a:p>
+            <a:r>
+              <a:rPr lang="en-US"/>
+              <a:t>Click to edit Master title style</a:t>
+            </a:r>
+          </a:p>
+        </p:txBody>
+      </p:sp>
+      <p:sp>
+        <p:nvSpPr>
+          <p:cNvPr id="3" name="Content Placeholder 2"/>
+          <p:cNvSpPr>
+            <a:spLocks noGrp="1"/>
+          </p:cNvSpPr>
+          <p:nvPr>
+            <p:ph idx="1"/>
+          </p:nvPr>
+        </p:nvSpPr>
+        <p:spPr/>
+        <p:txBody>
+          <a:bodyPr/>
+          <a:lstStyle/>
+          <a:p>
+            <a:pPr lvl="0"/>
+            <a:r>
+              <a:rPr lang="en-US"/>
+              <a:t>Click to edit Master text styles</a:t>
+            </a:r>
+          </a:p>
+          <a:p>
+            <a:pPr lvl="1"/>
+            <a:r>
+              <a:rPr lang="en-US"/>
+              <a:t>Second level</a:t>
+            </a:r>
+          </a:p>
+          <a:p>
+            <a:pPr lvl="2"/>
+            <a:r>
+              <a:rPr lang="en-US"/>
+              <a:t>Third level</a:t>
+            </a:r>
+          </a:p>
+          <a:p>
+            <a:pPr lvl="3"/>
+            <a:r>
+              <a:rPr lang="en-US"/>
+              <a:t>Fourth level</a:t>
+            </a:r>
+          </a:p>
+          <a:p>
+            <a:pPr lvl="4"/>
+            <a:r>
+              <a:rPr lang="en-US"/>
+              <a:t>Fifth level</a:t>
+            </a:r>
+          </a:p>
+        </p:txBody>
+      </p:sp>
+      <p:sp>
+        <p:nvSpPr>
+          <p:cNvPr id="4" name="Date Placeholder 3"/>
+          <p:cNvSpPr>
+            <a:spLocks noGrp="1"/>
+          </p:cNvSpPr>
+          <p:nvPr>
+            <p:ph type="dt" sz="half" idx="10"/>
+          </p:nvPr>
+        </p:nvSpPr>
+        <p:spPr/>
+        <p:txBody>
+          <a:bodyPr/>
+          <a:lstStyle/>
+          <a:p>
+            <a:fld id="{6D622FCB-595C-4A19-9DA3-A5F2C1EA723F}" type="datetimeFigureOut">
+              <a:rPr lang="en-US" smtClean="0"/>
+              <a:t>2/22/2019</a:t>
+            </a:fld>
+            <a:endParaRPr lang="en-US"/>
+          </a:p>
+        </p:txBody>
+      </p:sp>
+      <p:sp>
+        <p:nvSpPr>
+          <p:cNvPr id="5" name="Footer Placeholder 4"/>
+          <p:cNvSpPr>
+            <a:spLocks noGrp="1"/>
+          </p:cNvSpPr>
+          <p:nvPr>
+            <p:ph type="ftr" sz="quarter" idx="11"/>
+          </p:nvPr>
+        </p:nvSpPr>
+        <p:spPr/>
+        <p:txBody>
+          <a:bodyPr/>
+          <a:lstStyle/>
+          <a:p>
+            <a:endParaRPr lang="en-US"/>
+          </a:p>
+        </p:txBody>
+      </p:sp>
+      <p:sp>
+        <p:nvSpPr>
+          <p:cNvPr id="6" name="Slide Number Placeholder 5"/>
+          <p:cNvSpPr>
+            <a:spLocks noGrp="1"/>
+          </p:cNvSpPr>
+          <p:nvPr>
+            <p:ph type="sldNum" sz="quarter" idx="12"/>
+          </p:nvPr>
+        </p:nvSpPr>
+        <p:spPr/>
+        <p:txBody>
+          <a:bodyPr/>
+          <a:lstStyle/>
+          <a:p>
+            <a:fld id="{34B91DE8-2EE2-4D34-94F0-905E5A9C31B8}" type="slidenum">
+              <a:rPr lang="en-US" smtClean="0"/>
+              <a:t>‹#›</a:t>
+            </a:fld>
+            <a:endParaRPr lang="en-US"/>
+          </a:p>
+        </p:txBody>
+      </p:sp>
+    </p:spTree>
+    <p:extLst>
+      <p:ext uri="{BB962C8B-B14F-4D97-AF65-F5344CB8AC3E}">
+        <p14:creationId xmlns:p14="http://schemas.microsoft.com/office/powerpoint/2010/main" val="1471638653"/>
+      </p:ext>
+    </p:extLst>
+  </p:cSld>
+  <p:clrMapOvr>
+    <a:masterClrMapping/>
+  </p:clrMapOvr>
+</p:sldLayout>
+</file>
+
+<file path=ppt/slideLayouts/slideLayout20.xml><?xml version="1.0" encoding="utf-8"?>
 <p:sldLayout xmlns:a="http://schemas.openxmlformats.org/drawingml/2006/main" xmlns:r="http://schemas.openxmlformats.org/officeDocument/2006/relationships" xmlns:p="http://schemas.openxmlformats.org/presentationml/2006/main" type="picTx" preserve="1">
   <p:cSld name="Picture with Caption">
     <p:spTree>
@@ -2558,7 +2364,7 @@
 </p:sldLayout>
 </file>
 
-<file path=ppt/slideLayouts/slideLayout22.xml><?xml version="1.0" encoding="utf-8"?>
+<file path=ppt/slideLayouts/slideLayout21.xml><?xml version="1.0" encoding="utf-8"?>
 <p:sldLayout xmlns:a="http://schemas.openxmlformats.org/drawingml/2006/main" xmlns:r="http://schemas.openxmlformats.org/officeDocument/2006/relationships" xmlns:p="http://schemas.openxmlformats.org/presentationml/2006/main" type="vertTx" preserve="1">
   <p:cSld name="Title and Vertical Text">
     <p:spTree>
@@ -2663,7 +2469,7 @@
 </p:sldLayout>
 </file>
 
-<file path=ppt/slideLayouts/slideLayout23.xml><?xml version="1.0" encoding="utf-8"?>
+<file path=ppt/slideLayouts/slideLayout22.xml><?xml version="1.0" encoding="utf-8"?>
 <p:sldLayout xmlns:a="http://schemas.openxmlformats.org/drawingml/2006/main" xmlns:r="http://schemas.openxmlformats.org/officeDocument/2006/relationships" xmlns:p="http://schemas.openxmlformats.org/presentationml/2006/main" type="vertTitleAndTx" preserve="1">
   <p:cSld name="Vertical Title and Text">
     <p:spTree>
@@ -2778,7 +2584,7 @@
 </p:sldLayout>
 </file>
 
-<file path=ppt/slideLayouts/slideLayout24.xml><?xml version="1.0" encoding="utf-8"?>
+<file path=ppt/slideLayouts/slideLayout23.xml><?xml version="1.0" encoding="utf-8"?>
 <p:sldLayout xmlns:a="http://schemas.openxmlformats.org/drawingml/2006/main" xmlns:r="http://schemas.openxmlformats.org/officeDocument/2006/relationships" xmlns:p="http://schemas.openxmlformats.org/presentationml/2006/main" type="title">
   <p:cSld name="1_Title Slide">
     <p:spTree>
@@ -2966,7 +2772,7 @@
                 </a:solidFill>
               </a:rPr>
               <a:pPr/>
-              <a:t>01.07.2018</a:t>
+              <a:t>22.02.2019</a:t>
             </a:fld>
             <a:endParaRPr lang="ru-RU">
               <a:solidFill>
@@ -3236,7 +3042,7 @@
           <a:p>
             <a:fld id="{6D622FCB-595C-4A19-9DA3-A5F2C1EA723F}" type="datetimeFigureOut">
               <a:rPr lang="en-US" smtClean="0"/>
-              <a:t>7/1/18</a:t>
+              <a:t>2/22/2019</a:t>
             </a:fld>
             <a:endParaRPr lang="en-US"/>
           </a:p>
@@ -3521,7 +3327,7 @@
           <a:p>
             <a:fld id="{6D622FCB-595C-4A19-9DA3-A5F2C1EA723F}" type="datetimeFigureOut">
               <a:rPr lang="en-US" smtClean="0"/>
-              <a:t>7/1/18</a:t>
+              <a:t>2/22/2019</a:t>
             </a:fld>
             <a:endParaRPr lang="en-US"/>
           </a:p>
@@ -3940,7 +3746,7 @@
           <a:p>
             <a:fld id="{6D622FCB-595C-4A19-9DA3-A5F2C1EA723F}" type="datetimeFigureOut">
               <a:rPr lang="en-US" smtClean="0"/>
-              <a:t>7/1/18</a:t>
+              <a:t>2/22/2019</a:t>
             </a:fld>
             <a:endParaRPr lang="en-US"/>
           </a:p>
@@ -4057,7 +3863,7 @@
           <a:p>
             <a:fld id="{6D622FCB-595C-4A19-9DA3-A5F2C1EA723F}" type="datetimeFigureOut">
               <a:rPr lang="en-US" smtClean="0"/>
-              <a:t>7/1/18</a:t>
+              <a:t>2/22/2019</a:t>
             </a:fld>
             <a:endParaRPr lang="en-US"/>
           </a:p>
@@ -4152,7 +3958,7 @@
           <a:p>
             <a:fld id="{6D622FCB-595C-4A19-9DA3-A5F2C1EA723F}" type="datetimeFigureOut">
               <a:rPr lang="en-US" smtClean="0"/>
-              <a:t>7/1/18</a:t>
+              <a:t>2/22/2019</a:t>
             </a:fld>
             <a:endParaRPr lang="en-US"/>
           </a:p>
@@ -4427,7 +4233,7 @@
           <a:p>
             <a:fld id="{6D622FCB-595C-4A19-9DA3-A5F2C1EA723F}" type="datetimeFigureOut">
               <a:rPr lang="en-US" smtClean="0"/>
-              <a:t>7/1/18</a:t>
+              <a:t>2/22/2019</a:t>
             </a:fld>
             <a:endParaRPr lang="en-US"/>
           </a:p>
@@ -4679,7 +4485,7 @@
           <a:p>
             <a:fld id="{6D622FCB-595C-4A19-9DA3-A5F2C1EA723F}" type="datetimeFigureOut">
               <a:rPr lang="en-US" smtClean="0"/>
-              <a:t>7/1/18</a:t>
+              <a:t>2/22/2019</a:t>
             </a:fld>
             <a:endParaRPr lang="en-US"/>
           </a:p>
@@ -4890,7 +4696,7 @@
           <a:p>
             <a:fld id="{6D622FCB-595C-4A19-9DA3-A5F2C1EA723F}" type="datetimeFigureOut">
               <a:rPr lang="en-US" smtClean="0"/>
-              <a:t>7/1/18</a:t>
+              <a:t>2/22/2019</a:t>
             </a:fld>
             <a:endParaRPr lang="en-US"/>
           </a:p>
@@ -5254,7 +5060,7 @@
     <p:bg>
       <p:bgPr>
         <a:blipFill dpi="0" rotWithShape="1">
-          <a:blip r:embed="rId15">
+          <a:blip r:embed="rId14">
             <a:lum/>
           </a:blip>
           <a:srcRect/>
@@ -5416,7 +5222,7 @@
                 </a:solidFill>
               </a:rPr>
               <a:pPr/>
-              <a:t>01.07.2018</a:t>
+              <a:t>22.02.2019</a:t>
             </a:fld>
             <a:endParaRPr lang="ru-RU">
               <a:solidFill>
@@ -5534,19 +5340,18 @@
   </p:cSld>
   <p:clrMap bg1="lt1" tx1="dk1" bg2="lt2" tx2="dk2" accent1="accent1" accent2="accent2" accent3="accent3" accent4="accent4" accent5="accent5" accent6="accent6" hlink="hlink" folHlink="folHlink"/>
   <p:sldLayoutIdLst>
-    <p:sldLayoutId id="2147483661" r:id="rId1"/>
-    <p:sldLayoutId id="2147483662" r:id="rId2"/>
-    <p:sldLayoutId id="2147483663" r:id="rId3"/>
-    <p:sldLayoutId id="2147483664" r:id="rId4"/>
-    <p:sldLayoutId id="2147483665" r:id="rId5"/>
-    <p:sldLayoutId id="2147483666" r:id="rId6"/>
-    <p:sldLayoutId id="2147483667" r:id="rId7"/>
-    <p:sldLayoutId id="2147483668" r:id="rId8"/>
-    <p:sldLayoutId id="2147483669" r:id="rId9"/>
-    <p:sldLayoutId id="2147483670" r:id="rId10"/>
-    <p:sldLayoutId id="2147483671" r:id="rId11"/>
-    <p:sldLayoutId id="2147483672" r:id="rId12"/>
-    <p:sldLayoutId id="2147483673" r:id="rId13"/>
+    <p:sldLayoutId id="2147483662" r:id="rId1"/>
+    <p:sldLayoutId id="2147483663" r:id="rId2"/>
+    <p:sldLayoutId id="2147483664" r:id="rId3"/>
+    <p:sldLayoutId id="2147483665" r:id="rId4"/>
+    <p:sldLayoutId id="2147483666" r:id="rId5"/>
+    <p:sldLayoutId id="2147483667" r:id="rId6"/>
+    <p:sldLayoutId id="2147483668" r:id="rId7"/>
+    <p:sldLayoutId id="2147483669" r:id="rId8"/>
+    <p:sldLayoutId id="2147483670" r:id="rId9"/>
+    <p:sldLayoutId id="2147483671" r:id="rId10"/>
+    <p:sldLayoutId id="2147483672" r:id="rId11"/>
+    <p:sldLayoutId id="2147483673" r:id="rId12"/>
   </p:sldLayoutIdLst>
   <p:txStyles>
     <p:titleStyle>
@@ -5933,7 +5738,7 @@
           <p:cNvPr id="5" name="TextBox 4">
             <a:extLst>
               <a:ext uri="{FF2B5EF4-FFF2-40B4-BE49-F238E27FC236}">
-                <a16:creationId xmlns:a16="http://schemas.microsoft.com/office/drawing/2014/main" id="{F5BAD8C7-5BD8-184C-85E9-1300D98DA30A}"/>
+                <a16:creationId xmlns:a16="http://schemas.microsoft.com/office/drawing/2014/main" xmlns="" id="{F5BAD8C7-5BD8-184C-85E9-1300D98DA30A}"/>
               </a:ext>
             </a:extLst>
           </p:cNvPr>
@@ -6958,6 +6763,10 @@
             <a:r>
               <a:rPr lang="ru-RU" dirty="0"/>
               <a:t>Кодировки текста</a:t>
+            </a:r>
+            <a:r>
+              <a:rPr lang="en-US" dirty="0"/>
+              <a:t/>
             </a:r>
             <a:br>
               <a:rPr lang="en-US" dirty="0"/>
@@ -9808,21 +9617,21 @@
                 <a:gridCol w="1316641">
                   <a:extLst>
                     <a:ext uri="{9D8B030D-6E8A-4147-A177-3AD203B41FA5}">
-                      <a16:colId xmlns:a16="http://schemas.microsoft.com/office/drawing/2014/main" val="20000"/>
+                      <a16:colId xmlns:a16="http://schemas.microsoft.com/office/drawing/2014/main" xmlns="" val="20000"/>
                     </a:ext>
                   </a:extLst>
                 </a:gridCol>
                 <a:gridCol w="3301291">
                   <a:extLst>
                     <a:ext uri="{9D8B030D-6E8A-4147-A177-3AD203B41FA5}">
-                      <a16:colId xmlns:a16="http://schemas.microsoft.com/office/drawing/2014/main" val="20001"/>
+                      <a16:colId xmlns:a16="http://schemas.microsoft.com/office/drawing/2014/main" xmlns="" val="20001"/>
                     </a:ext>
                   </a:extLst>
                 </a:gridCol>
                 <a:gridCol w="1513092">
                   <a:extLst>
                     <a:ext uri="{9D8B030D-6E8A-4147-A177-3AD203B41FA5}">
-                      <a16:colId xmlns:a16="http://schemas.microsoft.com/office/drawing/2014/main" val="20002"/>
+                      <a16:colId xmlns:a16="http://schemas.microsoft.com/office/drawing/2014/main" xmlns="" val="20002"/>
                     </a:ext>
                   </a:extLst>
                 </a:gridCol>
@@ -10072,7 +9881,7 @@
                 </a:tc>
                 <a:extLst>
                   <a:ext uri="{0D108BD9-81ED-4DB2-BD59-A6C34878D82A}">
-                    <a16:rowId xmlns:a16="http://schemas.microsoft.com/office/drawing/2014/main" val="10000"/>
+                    <a16:rowId xmlns:a16="http://schemas.microsoft.com/office/drawing/2014/main" xmlns="" val="10000"/>
                   </a:ext>
                 </a:extLst>
               </a:tr>
@@ -10259,7 +10068,7 @@
                 </a:tc>
                 <a:extLst>
                   <a:ext uri="{0D108BD9-81ED-4DB2-BD59-A6C34878D82A}">
-                    <a16:rowId xmlns:a16="http://schemas.microsoft.com/office/drawing/2014/main" val="10001"/>
+                    <a16:rowId xmlns:a16="http://schemas.microsoft.com/office/drawing/2014/main" xmlns="" val="10001"/>
                   </a:ext>
                 </a:extLst>
               </a:tr>
@@ -10453,7 +10262,7 @@
                 </a:tc>
                 <a:extLst>
                   <a:ext uri="{0D108BD9-81ED-4DB2-BD59-A6C34878D82A}">
-                    <a16:rowId xmlns:a16="http://schemas.microsoft.com/office/drawing/2014/main" val="10002"/>
+                    <a16:rowId xmlns:a16="http://schemas.microsoft.com/office/drawing/2014/main" xmlns="" val="10002"/>
                   </a:ext>
                 </a:extLst>
               </a:tr>
@@ -10647,7 +10456,7 @@
                 </a:tc>
                 <a:extLst>
                   <a:ext uri="{0D108BD9-81ED-4DB2-BD59-A6C34878D82A}">
-                    <a16:rowId xmlns:a16="http://schemas.microsoft.com/office/drawing/2014/main" val="10003"/>
+                    <a16:rowId xmlns:a16="http://schemas.microsoft.com/office/drawing/2014/main" xmlns="" val="10003"/>
                   </a:ext>
                 </a:extLst>
               </a:tr>
@@ -10841,7 +10650,7 @@
                 </a:tc>
                 <a:extLst>
                   <a:ext uri="{0D108BD9-81ED-4DB2-BD59-A6C34878D82A}">
-                    <a16:rowId xmlns:a16="http://schemas.microsoft.com/office/drawing/2014/main" val="10004"/>
+                    <a16:rowId xmlns:a16="http://schemas.microsoft.com/office/drawing/2014/main" xmlns="" val="10004"/>
                   </a:ext>
                 </a:extLst>
               </a:tr>
@@ -11035,7 +10844,7 @@
                 </a:tc>
                 <a:extLst>
                   <a:ext uri="{0D108BD9-81ED-4DB2-BD59-A6C34878D82A}">
-                    <a16:rowId xmlns:a16="http://schemas.microsoft.com/office/drawing/2014/main" val="10005"/>
+                    <a16:rowId xmlns:a16="http://schemas.microsoft.com/office/drawing/2014/main" xmlns="" val="10005"/>
                   </a:ext>
                 </a:extLst>
               </a:tr>
@@ -11222,7 +11031,7 @@
                 </a:tc>
                 <a:extLst>
                   <a:ext uri="{0D108BD9-81ED-4DB2-BD59-A6C34878D82A}">
-                    <a16:rowId xmlns:a16="http://schemas.microsoft.com/office/drawing/2014/main" val="10006"/>
+                    <a16:rowId xmlns:a16="http://schemas.microsoft.com/office/drawing/2014/main" xmlns="" val="10006"/>
                   </a:ext>
                 </a:extLst>
               </a:tr>
@@ -11409,7 +11218,7 @@
                 </a:tc>
                 <a:extLst>
                   <a:ext uri="{0D108BD9-81ED-4DB2-BD59-A6C34878D82A}">
-                    <a16:rowId xmlns:a16="http://schemas.microsoft.com/office/drawing/2014/main" val="10007"/>
+                    <a16:rowId xmlns:a16="http://schemas.microsoft.com/office/drawing/2014/main" xmlns="" val="10007"/>
                   </a:ext>
                 </a:extLst>
               </a:tr>
@@ -11596,7 +11405,7 @@
                 </a:tc>
                 <a:extLst>
                   <a:ext uri="{0D108BD9-81ED-4DB2-BD59-A6C34878D82A}">
-                    <a16:rowId xmlns:a16="http://schemas.microsoft.com/office/drawing/2014/main" val="10008"/>
+                    <a16:rowId xmlns:a16="http://schemas.microsoft.com/office/drawing/2014/main" xmlns="" val="10008"/>
                   </a:ext>
                 </a:extLst>
               </a:tr>
@@ -11783,7 +11592,7 @@
                 </a:tc>
                 <a:extLst>
                   <a:ext uri="{0D108BD9-81ED-4DB2-BD59-A6C34878D82A}">
-                    <a16:rowId xmlns:a16="http://schemas.microsoft.com/office/drawing/2014/main" val="10009"/>
+                    <a16:rowId xmlns:a16="http://schemas.microsoft.com/office/drawing/2014/main" xmlns="" val="10009"/>
                   </a:ext>
                 </a:extLst>
               </a:tr>
@@ -11970,7 +11779,7 @@
                 </a:tc>
                 <a:extLst>
                   <a:ext uri="{0D108BD9-81ED-4DB2-BD59-A6C34878D82A}">
-                    <a16:rowId xmlns:a16="http://schemas.microsoft.com/office/drawing/2014/main" val="10010"/>
+                    <a16:rowId xmlns:a16="http://schemas.microsoft.com/office/drawing/2014/main" xmlns="" val="10010"/>
                   </a:ext>
                 </a:extLst>
               </a:tr>
@@ -12157,7 +11966,7 @@
                 </a:tc>
                 <a:extLst>
                   <a:ext uri="{0D108BD9-81ED-4DB2-BD59-A6C34878D82A}">
-                    <a16:rowId xmlns:a16="http://schemas.microsoft.com/office/drawing/2014/main" val="10011"/>
+                    <a16:rowId xmlns:a16="http://schemas.microsoft.com/office/drawing/2014/main" xmlns="" val="10011"/>
                   </a:ext>
                 </a:extLst>
               </a:tr>
@@ -12344,7 +12153,7 @@
                 </a:tc>
                 <a:extLst>
                   <a:ext uri="{0D108BD9-81ED-4DB2-BD59-A6C34878D82A}">
-                    <a16:rowId xmlns:a16="http://schemas.microsoft.com/office/drawing/2014/main" val="10012"/>
+                    <a16:rowId xmlns:a16="http://schemas.microsoft.com/office/drawing/2014/main" xmlns="" val="10012"/>
                   </a:ext>
                 </a:extLst>
               </a:tr>
@@ -12531,7 +12340,7 @@
                 </a:tc>
                 <a:extLst>
                   <a:ext uri="{0D108BD9-81ED-4DB2-BD59-A6C34878D82A}">
-                    <a16:rowId xmlns:a16="http://schemas.microsoft.com/office/drawing/2014/main" val="10013"/>
+                    <a16:rowId xmlns:a16="http://schemas.microsoft.com/office/drawing/2014/main" xmlns="" val="10013"/>
                   </a:ext>
                 </a:extLst>
               </a:tr>
@@ -12718,7 +12527,7 @@
                 </a:tc>
                 <a:extLst>
                   <a:ext uri="{0D108BD9-81ED-4DB2-BD59-A6C34878D82A}">
-                    <a16:rowId xmlns:a16="http://schemas.microsoft.com/office/drawing/2014/main" val="10014"/>
+                    <a16:rowId xmlns:a16="http://schemas.microsoft.com/office/drawing/2014/main" xmlns="" val="10014"/>
                   </a:ext>
                 </a:extLst>
               </a:tr>
@@ -13113,6 +12922,14 @@
   <p:clrMapOvr>
     <a:masterClrMapping/>
   </p:clrMapOvr>
+  <mc:AlternateContent xmlns:mc="http://schemas.openxmlformats.org/markup-compatibility/2006">
+    <mc:Choice xmlns:p14="http://schemas.microsoft.com/office/powerpoint/2010/main" Requires="p14">
+      <p:transition spd="slow" p14:dur="2000"/>
+    </mc:Choice>
+    <mc:Fallback>
+      <p:transition spd="slow"/>
+    </mc:Fallback>
+  </mc:AlternateContent>
 </p:sld>
 </file>
 
@@ -13781,21 +13598,21 @@
                 <a:gridCol w="1066799">
                   <a:extLst>
                     <a:ext uri="{9D8B030D-6E8A-4147-A177-3AD203B41FA5}">
-                      <a16:colId xmlns:a16="http://schemas.microsoft.com/office/drawing/2014/main" val="20000"/>
+                      <a16:colId xmlns:a16="http://schemas.microsoft.com/office/drawing/2014/main" xmlns="" val="20000"/>
                     </a:ext>
                   </a:extLst>
                 </a:gridCol>
                 <a:gridCol w="6096001">
                   <a:extLst>
                     <a:ext uri="{9D8B030D-6E8A-4147-A177-3AD203B41FA5}">
-                      <a16:colId xmlns:a16="http://schemas.microsoft.com/office/drawing/2014/main" val="20001"/>
+                      <a16:colId xmlns:a16="http://schemas.microsoft.com/office/drawing/2014/main" xmlns="" val="20001"/>
                     </a:ext>
                   </a:extLst>
                 </a:gridCol>
                 <a:gridCol w="1676400">
                   <a:extLst>
                     <a:ext uri="{9D8B030D-6E8A-4147-A177-3AD203B41FA5}">
-                      <a16:colId xmlns:a16="http://schemas.microsoft.com/office/drawing/2014/main" val="20002"/>
+                      <a16:colId xmlns:a16="http://schemas.microsoft.com/office/drawing/2014/main" xmlns="" val="20002"/>
                     </a:ext>
                   </a:extLst>
                 </a:gridCol>
@@ -13980,7 +13797,7 @@
                 </a:tc>
                 <a:extLst>
                   <a:ext uri="{0D108BD9-81ED-4DB2-BD59-A6C34878D82A}">
-                    <a16:rowId xmlns:a16="http://schemas.microsoft.com/office/drawing/2014/main" val="10000"/>
+                    <a16:rowId xmlns:a16="http://schemas.microsoft.com/office/drawing/2014/main" xmlns="" val="10000"/>
                   </a:ext>
                 </a:extLst>
               </a:tr>
@@ -14180,7 +13997,7 @@
                 </a:tc>
                 <a:extLst>
                   <a:ext uri="{0D108BD9-81ED-4DB2-BD59-A6C34878D82A}">
-                    <a16:rowId xmlns:a16="http://schemas.microsoft.com/office/drawing/2014/main" val="10001"/>
+                    <a16:rowId xmlns:a16="http://schemas.microsoft.com/office/drawing/2014/main" xmlns="" val="10001"/>
                   </a:ext>
                 </a:extLst>
               </a:tr>
@@ -14372,7 +14189,7 @@
                 </a:tc>
                 <a:extLst>
                   <a:ext uri="{0D108BD9-81ED-4DB2-BD59-A6C34878D82A}">
-                    <a16:rowId xmlns:a16="http://schemas.microsoft.com/office/drawing/2014/main" val="10002"/>
+                    <a16:rowId xmlns:a16="http://schemas.microsoft.com/office/drawing/2014/main" xmlns="" val="10002"/>
                   </a:ext>
                 </a:extLst>
               </a:tr>
@@ -14588,7 +14405,7 @@
                 </a:tc>
                 <a:extLst>
                   <a:ext uri="{0D108BD9-81ED-4DB2-BD59-A6C34878D82A}">
-                    <a16:rowId xmlns:a16="http://schemas.microsoft.com/office/drawing/2014/main" val="10003"/>
+                    <a16:rowId xmlns:a16="http://schemas.microsoft.com/office/drawing/2014/main" xmlns="" val="10003"/>
                   </a:ext>
                 </a:extLst>
               </a:tr>
@@ -14808,7 +14625,7 @@
                 </a:tc>
                 <a:extLst>
                   <a:ext uri="{0D108BD9-81ED-4DB2-BD59-A6C34878D82A}">
-                    <a16:rowId xmlns:a16="http://schemas.microsoft.com/office/drawing/2014/main" val="10004"/>
+                    <a16:rowId xmlns:a16="http://schemas.microsoft.com/office/drawing/2014/main" xmlns="" val="10004"/>
                   </a:ext>
                 </a:extLst>
               </a:tr>
@@ -14996,7 +14813,7 @@
                 </a:tc>
                 <a:extLst>
                   <a:ext uri="{0D108BD9-81ED-4DB2-BD59-A6C34878D82A}">
-                    <a16:rowId xmlns:a16="http://schemas.microsoft.com/office/drawing/2014/main" val="10005"/>
+                    <a16:rowId xmlns:a16="http://schemas.microsoft.com/office/drawing/2014/main" xmlns="" val="10005"/>
                   </a:ext>
                 </a:extLst>
               </a:tr>
@@ -15220,7 +15037,7 @@
                 </a:tc>
                 <a:extLst>
                   <a:ext uri="{0D108BD9-81ED-4DB2-BD59-A6C34878D82A}">
-                    <a16:rowId xmlns:a16="http://schemas.microsoft.com/office/drawing/2014/main" val="10006"/>
+                    <a16:rowId xmlns:a16="http://schemas.microsoft.com/office/drawing/2014/main" xmlns="" val="10006"/>
                   </a:ext>
                 </a:extLst>
               </a:tr>
@@ -15416,7 +15233,7 @@
                 </a:tc>
                 <a:extLst>
                   <a:ext uri="{0D108BD9-81ED-4DB2-BD59-A6C34878D82A}">
-                    <a16:rowId xmlns:a16="http://schemas.microsoft.com/office/drawing/2014/main" val="10007"/>
+                    <a16:rowId xmlns:a16="http://schemas.microsoft.com/office/drawing/2014/main" xmlns="" val="10007"/>
                   </a:ext>
                 </a:extLst>
               </a:tr>
@@ -15446,14 +15263,14 @@
                 <a:gridCol w="1066800">
                   <a:extLst>
                     <a:ext uri="{9D8B030D-6E8A-4147-A177-3AD203B41FA5}">
-                      <a16:colId xmlns:a16="http://schemas.microsoft.com/office/drawing/2014/main" val="20000"/>
+                      <a16:colId xmlns:a16="http://schemas.microsoft.com/office/drawing/2014/main" xmlns="" val="20000"/>
                     </a:ext>
                   </a:extLst>
                 </a:gridCol>
                 <a:gridCol w="7772400">
                   <a:extLst>
                     <a:ext uri="{9D8B030D-6E8A-4147-A177-3AD203B41FA5}">
-                      <a16:colId xmlns:a16="http://schemas.microsoft.com/office/drawing/2014/main" val="20001"/>
+                      <a16:colId xmlns:a16="http://schemas.microsoft.com/office/drawing/2014/main" xmlns="" val="20001"/>
                     </a:ext>
                   </a:extLst>
                 </a:gridCol>
@@ -15493,7 +15310,7 @@
                 </a:tc>
                 <a:extLst>
                   <a:ext uri="{0D108BD9-81ED-4DB2-BD59-A6C34878D82A}">
-                    <a16:rowId xmlns:a16="http://schemas.microsoft.com/office/drawing/2014/main" val="10000"/>
+                    <a16:rowId xmlns:a16="http://schemas.microsoft.com/office/drawing/2014/main" xmlns="" val="10000"/>
                   </a:ext>
                 </a:extLst>
               </a:tr>
@@ -15532,7 +15349,7 @@
                 </a:tc>
                 <a:extLst>
                   <a:ext uri="{0D108BD9-81ED-4DB2-BD59-A6C34878D82A}">
-                    <a16:rowId xmlns:a16="http://schemas.microsoft.com/office/drawing/2014/main" val="10001"/>
+                    <a16:rowId xmlns:a16="http://schemas.microsoft.com/office/drawing/2014/main" xmlns="" val="10001"/>
                   </a:ext>
                 </a:extLst>
               </a:tr>
@@ -15567,7 +15384,7 @@
                 </a:tc>
                 <a:extLst>
                   <a:ext uri="{0D108BD9-81ED-4DB2-BD59-A6C34878D82A}">
-                    <a16:rowId xmlns:a16="http://schemas.microsoft.com/office/drawing/2014/main" val="10002"/>
+                    <a16:rowId xmlns:a16="http://schemas.microsoft.com/office/drawing/2014/main" xmlns="" val="10002"/>
                   </a:ext>
                 </a:extLst>
               </a:tr>
@@ -15610,7 +15427,7 @@
                 </a:tc>
                 <a:extLst>
                   <a:ext uri="{0D108BD9-81ED-4DB2-BD59-A6C34878D82A}">
-                    <a16:rowId xmlns:a16="http://schemas.microsoft.com/office/drawing/2014/main" val="10003"/>
+                    <a16:rowId xmlns:a16="http://schemas.microsoft.com/office/drawing/2014/main" xmlns="" val="10003"/>
                   </a:ext>
                 </a:extLst>
               </a:tr>
@@ -15673,7 +15490,7 @@
                 </a:tc>
                 <a:extLst>
                   <a:ext uri="{0D108BD9-81ED-4DB2-BD59-A6C34878D82A}">
-                    <a16:rowId xmlns:a16="http://schemas.microsoft.com/office/drawing/2014/main" val="10004"/>
+                    <a16:rowId xmlns:a16="http://schemas.microsoft.com/office/drawing/2014/main" xmlns="" val="10004"/>
                   </a:ext>
                 </a:extLst>
               </a:tr>
@@ -15720,7 +15537,7 @@
                 </a:tc>
                 <a:extLst>
                   <a:ext uri="{0D108BD9-81ED-4DB2-BD59-A6C34878D82A}">
-                    <a16:rowId xmlns:a16="http://schemas.microsoft.com/office/drawing/2014/main" val="10005"/>
+                    <a16:rowId xmlns:a16="http://schemas.microsoft.com/office/drawing/2014/main" xmlns="" val="10005"/>
                   </a:ext>
                 </a:extLst>
               </a:tr>
@@ -15940,6 +15757,14 @@
               </a:rPr>
               <a:t>https://github.com/bazile/Training</a:t>
             </a:r>
+            <a:r>
+              <a:rPr lang="en-US" dirty="0">
+                <a:solidFill>
+                  <a:schemeClr val="bg1"/>
+                </a:solidFill>
+              </a:rPr>
+              <a:t/>
+            </a:r>
             <a:br>
               <a:rPr lang="en-US" dirty="0">
                 <a:solidFill>
@@ -15972,6 +15797,14 @@
                 <a:hlinkClick r:id="rId5"/>
               </a:rPr>
               <a:t>http://belhard.nullptr.ru/</a:t>
+            </a:r>
+            <a:r>
+              <a:rPr lang="ru-RU" dirty="0">
+                <a:solidFill>
+                  <a:schemeClr val="bg1"/>
+                </a:solidFill>
+              </a:rPr>
+              <a:t/>
             </a:r>
             <a:br>
               <a:rPr lang="ru-RU" dirty="0">
@@ -24716,35 +24549,35 @@
                 <a:gridCol w="3384376">
                   <a:extLst>
                     <a:ext uri="{9D8B030D-6E8A-4147-A177-3AD203B41FA5}">
-                      <a16:colId xmlns:a16="http://schemas.microsoft.com/office/drawing/2014/main" val="20000"/>
+                      <a16:colId xmlns:a16="http://schemas.microsoft.com/office/drawing/2014/main" xmlns="" val="20000"/>
                     </a:ext>
                   </a:extLst>
                 </a:gridCol>
                 <a:gridCol w="1080120">
                   <a:extLst>
                     <a:ext uri="{9D8B030D-6E8A-4147-A177-3AD203B41FA5}">
-                      <a16:colId xmlns:a16="http://schemas.microsoft.com/office/drawing/2014/main" val="20001"/>
+                      <a16:colId xmlns:a16="http://schemas.microsoft.com/office/drawing/2014/main" xmlns="" val="20001"/>
                     </a:ext>
                   </a:extLst>
                 </a:gridCol>
                 <a:gridCol w="1008112">
                   <a:extLst>
                     <a:ext uri="{9D8B030D-6E8A-4147-A177-3AD203B41FA5}">
-                      <a16:colId xmlns:a16="http://schemas.microsoft.com/office/drawing/2014/main" val="20002"/>
+                      <a16:colId xmlns:a16="http://schemas.microsoft.com/office/drawing/2014/main" xmlns="" val="20002"/>
                     </a:ext>
                   </a:extLst>
                 </a:gridCol>
                 <a:gridCol w="1008112">
                   <a:extLst>
                     <a:ext uri="{9D8B030D-6E8A-4147-A177-3AD203B41FA5}">
-                      <a16:colId xmlns:a16="http://schemas.microsoft.com/office/drawing/2014/main" val="20003"/>
+                      <a16:colId xmlns:a16="http://schemas.microsoft.com/office/drawing/2014/main" xmlns="" val="20003"/>
                     </a:ext>
                   </a:extLst>
                 </a:gridCol>
                 <a:gridCol w="1454696">
                   <a:extLst>
                     <a:ext uri="{9D8B030D-6E8A-4147-A177-3AD203B41FA5}">
-                      <a16:colId xmlns:a16="http://schemas.microsoft.com/office/drawing/2014/main" val="20004"/>
+                      <a16:colId xmlns:a16="http://schemas.microsoft.com/office/drawing/2014/main" xmlns="" val="20004"/>
                     </a:ext>
                   </a:extLst>
                 </a:gridCol>
@@ -25073,7 +24906,7 @@
                 </a:tc>
                 <a:extLst>
                   <a:ext uri="{0D108BD9-81ED-4DB2-BD59-A6C34878D82A}">
-                    <a16:rowId xmlns:a16="http://schemas.microsoft.com/office/drawing/2014/main" val="10000"/>
+                    <a16:rowId xmlns:a16="http://schemas.microsoft.com/office/drawing/2014/main" xmlns="" val="10000"/>
                   </a:ext>
                 </a:extLst>
               </a:tr>
@@ -25397,7 +25230,7 @@
                 </a:tc>
                 <a:extLst>
                   <a:ext uri="{0D108BD9-81ED-4DB2-BD59-A6C34878D82A}">
-                    <a16:rowId xmlns:a16="http://schemas.microsoft.com/office/drawing/2014/main" val="10001"/>
+                    <a16:rowId xmlns:a16="http://schemas.microsoft.com/office/drawing/2014/main" xmlns="" val="10001"/>
                   </a:ext>
                 </a:extLst>
               </a:tr>
@@ -25728,7 +25561,7 @@
                 </a:tc>
                 <a:extLst>
                   <a:ext uri="{0D108BD9-81ED-4DB2-BD59-A6C34878D82A}">
-                    <a16:rowId xmlns:a16="http://schemas.microsoft.com/office/drawing/2014/main" val="10002"/>
+                    <a16:rowId xmlns:a16="http://schemas.microsoft.com/office/drawing/2014/main" xmlns="" val="10002"/>
                   </a:ext>
                 </a:extLst>
               </a:tr>
@@ -26068,7 +25901,7 @@
                 </a:tc>
                 <a:extLst>
                   <a:ext uri="{0D108BD9-81ED-4DB2-BD59-A6C34878D82A}">
-                    <a16:rowId xmlns:a16="http://schemas.microsoft.com/office/drawing/2014/main" val="10003"/>
+                    <a16:rowId xmlns:a16="http://schemas.microsoft.com/office/drawing/2014/main" xmlns="" val="10003"/>
                   </a:ext>
                 </a:extLst>
               </a:tr>
@@ -26408,7 +26241,7 @@
                 </a:tc>
                 <a:extLst>
                   <a:ext uri="{0D108BD9-81ED-4DB2-BD59-A6C34878D82A}">
-                    <a16:rowId xmlns:a16="http://schemas.microsoft.com/office/drawing/2014/main" val="10004"/>
+                    <a16:rowId xmlns:a16="http://schemas.microsoft.com/office/drawing/2014/main" xmlns="" val="10004"/>
                   </a:ext>
                 </a:extLst>
               </a:tr>
@@ -26748,7 +26581,7 @@
                 </a:tc>
                 <a:extLst>
                   <a:ext uri="{0D108BD9-81ED-4DB2-BD59-A6C34878D82A}">
-                    <a16:rowId xmlns:a16="http://schemas.microsoft.com/office/drawing/2014/main" val="10005"/>
+                    <a16:rowId xmlns:a16="http://schemas.microsoft.com/office/drawing/2014/main" xmlns="" val="10005"/>
                   </a:ext>
                 </a:extLst>
               </a:tr>
@@ -27088,7 +26921,7 @@
                 </a:tc>
                 <a:extLst>
                   <a:ext uri="{0D108BD9-81ED-4DB2-BD59-A6C34878D82A}">
-                    <a16:rowId xmlns:a16="http://schemas.microsoft.com/office/drawing/2014/main" val="10006"/>
+                    <a16:rowId xmlns:a16="http://schemas.microsoft.com/office/drawing/2014/main" xmlns="" val="10006"/>
                   </a:ext>
                 </a:extLst>
               </a:tr>
@@ -27428,7 +27261,7 @@
                 </a:tc>
                 <a:extLst>
                   <a:ext uri="{0D108BD9-81ED-4DB2-BD59-A6C34878D82A}">
-                    <a16:rowId xmlns:a16="http://schemas.microsoft.com/office/drawing/2014/main" val="10007"/>
+                    <a16:rowId xmlns:a16="http://schemas.microsoft.com/office/drawing/2014/main" xmlns="" val="10007"/>
                   </a:ext>
                 </a:extLst>
               </a:tr>
@@ -27759,7 +27592,7 @@
                 </a:tc>
                 <a:extLst>
                   <a:ext uri="{0D108BD9-81ED-4DB2-BD59-A6C34878D82A}">
-                    <a16:rowId xmlns:a16="http://schemas.microsoft.com/office/drawing/2014/main" val="10008"/>
+                    <a16:rowId xmlns:a16="http://schemas.microsoft.com/office/drawing/2014/main" xmlns="" val="10008"/>
                   </a:ext>
                 </a:extLst>
               </a:tr>
@@ -28090,7 +27923,7 @@
                 </a:tc>
                 <a:extLst>
                   <a:ext uri="{0D108BD9-81ED-4DB2-BD59-A6C34878D82A}">
-                    <a16:rowId xmlns:a16="http://schemas.microsoft.com/office/drawing/2014/main" val="10009"/>
+                    <a16:rowId xmlns:a16="http://schemas.microsoft.com/office/drawing/2014/main" xmlns="" val="10009"/>
                   </a:ext>
                 </a:extLst>
               </a:tr>
@@ -28430,7 +28263,7 @@
                 </a:tc>
                 <a:extLst>
                   <a:ext uri="{0D108BD9-81ED-4DB2-BD59-A6C34878D82A}">
-                    <a16:rowId xmlns:a16="http://schemas.microsoft.com/office/drawing/2014/main" val="10010"/>
+                    <a16:rowId xmlns:a16="http://schemas.microsoft.com/office/drawing/2014/main" xmlns="" val="10010"/>
                   </a:ext>
                 </a:extLst>
               </a:tr>
@@ -28770,7 +28603,7 @@
                 </a:tc>
                 <a:extLst>
                   <a:ext uri="{0D108BD9-81ED-4DB2-BD59-A6C34878D82A}">
-                    <a16:rowId xmlns:a16="http://schemas.microsoft.com/office/drawing/2014/main" val="10011"/>
+                    <a16:rowId xmlns:a16="http://schemas.microsoft.com/office/drawing/2014/main" xmlns="" val="10011"/>
                   </a:ext>
                 </a:extLst>
               </a:tr>
@@ -29110,7 +28943,7 @@
                 </a:tc>
                 <a:extLst>
                   <a:ext uri="{0D108BD9-81ED-4DB2-BD59-A6C34878D82A}">
-                    <a16:rowId xmlns:a16="http://schemas.microsoft.com/office/drawing/2014/main" val="10012"/>
+                    <a16:rowId xmlns:a16="http://schemas.microsoft.com/office/drawing/2014/main" xmlns="" val="10012"/>
                   </a:ext>
                 </a:extLst>
               </a:tr>
@@ -29450,7 +29283,7 @@
                 </a:tc>
                 <a:extLst>
                   <a:ext uri="{0D108BD9-81ED-4DB2-BD59-A6C34878D82A}">
-                    <a16:rowId xmlns:a16="http://schemas.microsoft.com/office/drawing/2014/main" val="10013"/>
+                    <a16:rowId xmlns:a16="http://schemas.microsoft.com/office/drawing/2014/main" xmlns="" val="10013"/>
                   </a:ext>
                 </a:extLst>
               </a:tr>
@@ -29790,7 +29623,7 @@
                 </a:tc>
                 <a:extLst>
                   <a:ext uri="{0D108BD9-81ED-4DB2-BD59-A6C34878D82A}">
-                    <a16:rowId xmlns:a16="http://schemas.microsoft.com/office/drawing/2014/main" val="10014"/>
+                    <a16:rowId xmlns:a16="http://schemas.microsoft.com/office/drawing/2014/main" xmlns="" val="10014"/>
                   </a:ext>
                 </a:extLst>
               </a:tr>
@@ -30121,7 +29954,7 @@
                 </a:tc>
                 <a:extLst>
                   <a:ext uri="{0D108BD9-81ED-4DB2-BD59-A6C34878D82A}">
-                    <a16:rowId xmlns:a16="http://schemas.microsoft.com/office/drawing/2014/main" val="10015"/>
+                    <a16:rowId xmlns:a16="http://schemas.microsoft.com/office/drawing/2014/main" xmlns="" val="10015"/>
                   </a:ext>
                 </a:extLst>
               </a:tr>
@@ -30461,7 +30294,7 @@
                 </a:tc>
                 <a:extLst>
                   <a:ext uri="{0D108BD9-81ED-4DB2-BD59-A6C34878D82A}">
-                    <a16:rowId xmlns:a16="http://schemas.microsoft.com/office/drawing/2014/main" val="10016"/>
+                    <a16:rowId xmlns:a16="http://schemas.microsoft.com/office/drawing/2014/main" xmlns="" val="10016"/>
                   </a:ext>
                 </a:extLst>
               </a:tr>
@@ -30801,7 +30634,7 @@
                 </a:tc>
                 <a:extLst>
                   <a:ext uri="{0D108BD9-81ED-4DB2-BD59-A6C34878D82A}">
-                    <a16:rowId xmlns:a16="http://schemas.microsoft.com/office/drawing/2014/main" val="10017"/>
+                    <a16:rowId xmlns:a16="http://schemas.microsoft.com/office/drawing/2014/main" xmlns="" val="10017"/>
                   </a:ext>
                 </a:extLst>
               </a:tr>
@@ -31141,7 +30974,7 @@
                 </a:tc>
                 <a:extLst>
                   <a:ext uri="{0D108BD9-81ED-4DB2-BD59-A6C34878D82A}">
-                    <a16:rowId xmlns:a16="http://schemas.microsoft.com/office/drawing/2014/main" val="10018"/>
+                    <a16:rowId xmlns:a16="http://schemas.microsoft.com/office/drawing/2014/main" xmlns="" val="10018"/>
                   </a:ext>
                 </a:extLst>
               </a:tr>
@@ -31472,7 +31305,7 @@
                 </a:tc>
                 <a:extLst>
                   <a:ext uri="{0D108BD9-81ED-4DB2-BD59-A6C34878D82A}">
-                    <a16:rowId xmlns:a16="http://schemas.microsoft.com/office/drawing/2014/main" val="10019"/>
+                    <a16:rowId xmlns:a16="http://schemas.microsoft.com/office/drawing/2014/main" xmlns="" val="10019"/>
                   </a:ext>
                 </a:extLst>
               </a:tr>
@@ -31803,7 +31636,7 @@
                 </a:tc>
                 <a:extLst>
                   <a:ext uri="{0D108BD9-81ED-4DB2-BD59-A6C34878D82A}">
-                    <a16:rowId xmlns:a16="http://schemas.microsoft.com/office/drawing/2014/main" val="10020"/>
+                    <a16:rowId xmlns:a16="http://schemas.microsoft.com/office/drawing/2014/main" xmlns="" val="10020"/>
                   </a:ext>
                 </a:extLst>
               </a:tr>
@@ -32127,7 +31960,7 @@
                 </a:tc>
                 <a:extLst>
                   <a:ext uri="{0D108BD9-81ED-4DB2-BD59-A6C34878D82A}">
-                    <a16:rowId xmlns:a16="http://schemas.microsoft.com/office/drawing/2014/main" val="10021"/>
+                    <a16:rowId xmlns:a16="http://schemas.microsoft.com/office/drawing/2014/main" xmlns="" val="10021"/>
                   </a:ext>
                 </a:extLst>
               </a:tr>
@@ -32584,14 +32417,14 @@
                 <a:gridCol w="3870430">
                   <a:extLst>
                     <a:ext uri="{9D8B030D-6E8A-4147-A177-3AD203B41FA5}">
-                      <a16:colId xmlns:a16="http://schemas.microsoft.com/office/drawing/2014/main" val="20000"/>
+                      <a16:colId xmlns:a16="http://schemas.microsoft.com/office/drawing/2014/main" xmlns="" val="20000"/>
                     </a:ext>
                   </a:extLst>
                 </a:gridCol>
                 <a:gridCol w="3870430">
                   <a:extLst>
                     <a:ext uri="{9D8B030D-6E8A-4147-A177-3AD203B41FA5}">
-                      <a16:colId xmlns:a16="http://schemas.microsoft.com/office/drawing/2014/main" val="20001"/>
+                      <a16:colId xmlns:a16="http://schemas.microsoft.com/office/drawing/2014/main" xmlns="" val="20001"/>
                     </a:ext>
                   </a:extLst>
                 </a:gridCol>
@@ -32634,7 +32467,7 @@
                 </a:tc>
                 <a:extLst>
                   <a:ext uri="{0D108BD9-81ED-4DB2-BD59-A6C34878D82A}">
-                    <a16:rowId xmlns:a16="http://schemas.microsoft.com/office/drawing/2014/main" val="10000"/>
+                    <a16:rowId xmlns:a16="http://schemas.microsoft.com/office/drawing/2014/main" xmlns="" val="10000"/>
                   </a:ext>
                 </a:extLst>
               </a:tr>
@@ -32701,7 +32534,7 @@
                 </a:tc>
                 <a:extLst>
                   <a:ext uri="{0D108BD9-81ED-4DB2-BD59-A6C34878D82A}">
-                    <a16:rowId xmlns:a16="http://schemas.microsoft.com/office/drawing/2014/main" val="10001"/>
+                    <a16:rowId xmlns:a16="http://schemas.microsoft.com/office/drawing/2014/main" xmlns="" val="10001"/>
                   </a:ext>
                 </a:extLst>
               </a:tr>
@@ -32800,7 +32633,7 @@
                 </a:tc>
                 <a:extLst>
                   <a:ext uri="{0D108BD9-81ED-4DB2-BD59-A6C34878D82A}">
-                    <a16:rowId xmlns:a16="http://schemas.microsoft.com/office/drawing/2014/main" val="10002"/>
+                    <a16:rowId xmlns:a16="http://schemas.microsoft.com/office/drawing/2014/main" xmlns="" val="10002"/>
                   </a:ext>
                 </a:extLst>
               </a:tr>
@@ -33182,14 +33015,14 @@
                 <a:gridCol w="1981200">
                   <a:extLst>
                     <a:ext uri="{9D8B030D-6E8A-4147-A177-3AD203B41FA5}">
-                      <a16:colId xmlns:a16="http://schemas.microsoft.com/office/drawing/2014/main" val="20000"/>
+                      <a16:colId xmlns:a16="http://schemas.microsoft.com/office/drawing/2014/main" xmlns="" val="20000"/>
                     </a:ext>
                   </a:extLst>
                 </a:gridCol>
                 <a:gridCol w="6858000">
                   <a:extLst>
                     <a:ext uri="{9D8B030D-6E8A-4147-A177-3AD203B41FA5}">
-                      <a16:colId xmlns:a16="http://schemas.microsoft.com/office/drawing/2014/main" val="20001"/>
+                      <a16:colId xmlns:a16="http://schemas.microsoft.com/office/drawing/2014/main" xmlns="" val="20001"/>
                     </a:ext>
                   </a:extLst>
                 </a:gridCol>
@@ -33243,7 +33076,7 @@
                 </a:tc>
                 <a:extLst>
                   <a:ext uri="{0D108BD9-81ED-4DB2-BD59-A6C34878D82A}">
-                    <a16:rowId xmlns:a16="http://schemas.microsoft.com/office/drawing/2014/main" val="10000"/>
+                    <a16:rowId xmlns:a16="http://schemas.microsoft.com/office/drawing/2014/main" xmlns="" val="10000"/>
                   </a:ext>
                 </a:extLst>
               </a:tr>
@@ -33296,7 +33129,7 @@
                 </a:tc>
                 <a:extLst>
                   <a:ext uri="{0D108BD9-81ED-4DB2-BD59-A6C34878D82A}">
-                    <a16:rowId xmlns:a16="http://schemas.microsoft.com/office/drawing/2014/main" val="10001"/>
+                    <a16:rowId xmlns:a16="http://schemas.microsoft.com/office/drawing/2014/main" xmlns="" val="10001"/>
                   </a:ext>
                 </a:extLst>
               </a:tr>
@@ -33349,7 +33182,7 @@
                 </a:tc>
                 <a:extLst>
                   <a:ext uri="{0D108BD9-81ED-4DB2-BD59-A6C34878D82A}">
-                    <a16:rowId xmlns:a16="http://schemas.microsoft.com/office/drawing/2014/main" val="10002"/>
+                    <a16:rowId xmlns:a16="http://schemas.microsoft.com/office/drawing/2014/main" xmlns="" val="10002"/>
                   </a:ext>
                 </a:extLst>
               </a:tr>
@@ -33410,7 +33243,7 @@
                 </a:tc>
                 <a:extLst>
                   <a:ext uri="{0D108BD9-81ED-4DB2-BD59-A6C34878D82A}">
-                    <a16:rowId xmlns:a16="http://schemas.microsoft.com/office/drawing/2014/main" val="10003"/>
+                    <a16:rowId xmlns:a16="http://schemas.microsoft.com/office/drawing/2014/main" xmlns="" val="10003"/>
                   </a:ext>
                 </a:extLst>
               </a:tr>
@@ -33463,7 +33296,7 @@
                 </a:tc>
                 <a:extLst>
                   <a:ext uri="{0D108BD9-81ED-4DB2-BD59-A6C34878D82A}">
-                    <a16:rowId xmlns:a16="http://schemas.microsoft.com/office/drawing/2014/main" val="10004"/>
+                    <a16:rowId xmlns:a16="http://schemas.microsoft.com/office/drawing/2014/main" xmlns="" val="10004"/>
                   </a:ext>
                 </a:extLst>
               </a:tr>
@@ -33524,7 +33357,7 @@
                 </a:tc>
                 <a:extLst>
                   <a:ext uri="{0D108BD9-81ED-4DB2-BD59-A6C34878D82A}">
-                    <a16:rowId xmlns:a16="http://schemas.microsoft.com/office/drawing/2014/main" val="10005"/>
+                    <a16:rowId xmlns:a16="http://schemas.microsoft.com/office/drawing/2014/main" xmlns="" val="10005"/>
                   </a:ext>
                 </a:extLst>
               </a:tr>
@@ -33577,7 +33410,7 @@
                 </a:tc>
                 <a:extLst>
                   <a:ext uri="{0D108BD9-81ED-4DB2-BD59-A6C34878D82A}">
-                    <a16:rowId xmlns:a16="http://schemas.microsoft.com/office/drawing/2014/main" val="10006"/>
+                    <a16:rowId xmlns:a16="http://schemas.microsoft.com/office/drawing/2014/main" xmlns="" val="10006"/>
                   </a:ext>
                 </a:extLst>
               </a:tr>
@@ -33630,7 +33463,7 @@
                 </a:tc>
                 <a:extLst>
                   <a:ext uri="{0D108BD9-81ED-4DB2-BD59-A6C34878D82A}">
-                    <a16:rowId xmlns:a16="http://schemas.microsoft.com/office/drawing/2014/main" val="10007"/>
+                    <a16:rowId xmlns:a16="http://schemas.microsoft.com/office/drawing/2014/main" xmlns="" val="10007"/>
                   </a:ext>
                 </a:extLst>
               </a:tr>
@@ -33683,7 +33516,7 @@
                 </a:tc>
                 <a:extLst>
                   <a:ext uri="{0D108BD9-81ED-4DB2-BD59-A6C34878D82A}">
-                    <a16:rowId xmlns:a16="http://schemas.microsoft.com/office/drawing/2014/main" val="10008"/>
+                    <a16:rowId xmlns:a16="http://schemas.microsoft.com/office/drawing/2014/main" xmlns="" val="10008"/>
                   </a:ext>
                 </a:extLst>
               </a:tr>
@@ -33748,7 +33581,7 @@
                 </a:tc>
                 <a:extLst>
                   <a:ext uri="{0D108BD9-81ED-4DB2-BD59-A6C34878D82A}">
-                    <a16:rowId xmlns:a16="http://schemas.microsoft.com/office/drawing/2014/main" val="10009"/>
+                    <a16:rowId xmlns:a16="http://schemas.microsoft.com/office/drawing/2014/main" xmlns="" val="10009"/>
                   </a:ext>
                 </a:extLst>
               </a:tr>
@@ -33801,7 +33634,7 @@
                 </a:tc>
                 <a:extLst>
                   <a:ext uri="{0D108BD9-81ED-4DB2-BD59-A6C34878D82A}">
-                    <a16:rowId xmlns:a16="http://schemas.microsoft.com/office/drawing/2014/main" val="10010"/>
+                    <a16:rowId xmlns:a16="http://schemas.microsoft.com/office/drawing/2014/main" xmlns="" val="10010"/>
                   </a:ext>
                 </a:extLst>
               </a:tr>
@@ -33854,7 +33687,7 @@
                 </a:tc>
                 <a:extLst>
                   <a:ext uri="{0D108BD9-81ED-4DB2-BD59-A6C34878D82A}">
-                    <a16:rowId xmlns:a16="http://schemas.microsoft.com/office/drawing/2014/main" val="10011"/>
+                    <a16:rowId xmlns:a16="http://schemas.microsoft.com/office/drawing/2014/main" xmlns="" val="10011"/>
                   </a:ext>
                 </a:extLst>
               </a:tr>
@@ -33915,7 +33748,7 @@
                 </a:tc>
                 <a:extLst>
                   <a:ext uri="{0D108BD9-81ED-4DB2-BD59-A6C34878D82A}">
-                    <a16:rowId xmlns:a16="http://schemas.microsoft.com/office/drawing/2014/main" val="10012"/>
+                    <a16:rowId xmlns:a16="http://schemas.microsoft.com/office/drawing/2014/main" xmlns="" val="10012"/>
                   </a:ext>
                 </a:extLst>
               </a:tr>
@@ -33980,7 +33813,7 @@
                 </a:tc>
                 <a:extLst>
                   <a:ext uri="{0D108BD9-81ED-4DB2-BD59-A6C34878D82A}">
-                    <a16:rowId xmlns:a16="http://schemas.microsoft.com/office/drawing/2014/main" val="10013"/>
+                    <a16:rowId xmlns:a16="http://schemas.microsoft.com/office/drawing/2014/main" xmlns="" val="10013"/>
                   </a:ext>
                 </a:extLst>
               </a:tr>
@@ -34033,7 +33866,7 @@
                 </a:tc>
                 <a:extLst>
                   <a:ext uri="{0D108BD9-81ED-4DB2-BD59-A6C34878D82A}">
-                    <a16:rowId xmlns:a16="http://schemas.microsoft.com/office/drawing/2014/main" val="10014"/>
+                    <a16:rowId xmlns:a16="http://schemas.microsoft.com/office/drawing/2014/main" xmlns="" val="10014"/>
                   </a:ext>
                 </a:extLst>
               </a:tr>
@@ -34086,7 +33919,7 @@
                 </a:tc>
                 <a:extLst>
                   <a:ext uri="{0D108BD9-81ED-4DB2-BD59-A6C34878D82A}">
-                    <a16:rowId xmlns:a16="http://schemas.microsoft.com/office/drawing/2014/main" val="10015"/>
+                    <a16:rowId xmlns:a16="http://schemas.microsoft.com/office/drawing/2014/main" xmlns="" val="10015"/>
                   </a:ext>
                 </a:extLst>
               </a:tr>
@@ -34139,7 +33972,7 @@
                 </a:tc>
                 <a:extLst>
                   <a:ext uri="{0D108BD9-81ED-4DB2-BD59-A6C34878D82A}">
-                    <a16:rowId xmlns:a16="http://schemas.microsoft.com/office/drawing/2014/main" val="10016"/>
+                    <a16:rowId xmlns:a16="http://schemas.microsoft.com/office/drawing/2014/main" xmlns="" val="10016"/>
                   </a:ext>
                 </a:extLst>
               </a:tr>
@@ -34192,7 +34025,7 @@
                 </a:tc>
                 <a:extLst>
                   <a:ext uri="{0D108BD9-81ED-4DB2-BD59-A6C34878D82A}">
-                    <a16:rowId xmlns:a16="http://schemas.microsoft.com/office/drawing/2014/main" val="10017"/>
+                    <a16:rowId xmlns:a16="http://schemas.microsoft.com/office/drawing/2014/main" xmlns="" val="10017"/>
                   </a:ext>
                 </a:extLst>
               </a:tr>
@@ -34567,14 +34400,14 @@
                 <a:gridCol w="1981200">
                   <a:extLst>
                     <a:ext uri="{9D8B030D-6E8A-4147-A177-3AD203B41FA5}">
-                      <a16:colId xmlns:a16="http://schemas.microsoft.com/office/drawing/2014/main" val="20000"/>
+                      <a16:colId xmlns:a16="http://schemas.microsoft.com/office/drawing/2014/main" xmlns="" val="20000"/>
                     </a:ext>
                   </a:extLst>
                 </a:gridCol>
                 <a:gridCol w="6858000">
                   <a:extLst>
                     <a:ext uri="{9D8B030D-6E8A-4147-A177-3AD203B41FA5}">
-                      <a16:colId xmlns:a16="http://schemas.microsoft.com/office/drawing/2014/main" val="20001"/>
+                      <a16:colId xmlns:a16="http://schemas.microsoft.com/office/drawing/2014/main" xmlns="" val="20001"/>
                     </a:ext>
                   </a:extLst>
                 </a:gridCol>
@@ -34770,7 +34603,7 @@
                 </a:tc>
                 <a:extLst>
                   <a:ext uri="{0D108BD9-81ED-4DB2-BD59-A6C34878D82A}">
-                    <a16:rowId xmlns:a16="http://schemas.microsoft.com/office/drawing/2014/main" val="10000"/>
+                    <a16:rowId xmlns:a16="http://schemas.microsoft.com/office/drawing/2014/main" xmlns="" val="10000"/>
                   </a:ext>
                 </a:extLst>
               </a:tr>
@@ -34979,7 +34812,7 @@
                 </a:tc>
                 <a:extLst>
                   <a:ext uri="{0D108BD9-81ED-4DB2-BD59-A6C34878D82A}">
-                    <a16:rowId xmlns:a16="http://schemas.microsoft.com/office/drawing/2014/main" val="10001"/>
+                    <a16:rowId xmlns:a16="http://schemas.microsoft.com/office/drawing/2014/main" xmlns="" val="10001"/>
                   </a:ext>
                 </a:extLst>
               </a:tr>
@@ -35174,7 +35007,7 @@
                 </a:tc>
                 <a:extLst>
                   <a:ext uri="{0D108BD9-81ED-4DB2-BD59-A6C34878D82A}">
-                    <a16:rowId xmlns:a16="http://schemas.microsoft.com/office/drawing/2014/main" val="10002"/>
+                    <a16:rowId xmlns:a16="http://schemas.microsoft.com/office/drawing/2014/main" xmlns="" val="10002"/>
                   </a:ext>
                 </a:extLst>
               </a:tr>
@@ -35369,7 +35202,7 @@
                 </a:tc>
                 <a:extLst>
                   <a:ext uri="{0D108BD9-81ED-4DB2-BD59-A6C34878D82A}">
-                    <a16:rowId xmlns:a16="http://schemas.microsoft.com/office/drawing/2014/main" val="10003"/>
+                    <a16:rowId xmlns:a16="http://schemas.microsoft.com/office/drawing/2014/main" xmlns="" val="10003"/>
                   </a:ext>
                 </a:extLst>
               </a:tr>
@@ -35564,7 +35397,7 @@
                 </a:tc>
                 <a:extLst>
                   <a:ext uri="{0D108BD9-81ED-4DB2-BD59-A6C34878D82A}">
-                    <a16:rowId xmlns:a16="http://schemas.microsoft.com/office/drawing/2014/main" val="10004"/>
+                    <a16:rowId xmlns:a16="http://schemas.microsoft.com/office/drawing/2014/main" xmlns="" val="10004"/>
                   </a:ext>
                 </a:extLst>
               </a:tr>
@@ -35787,7 +35620,7 @@
                 </a:tc>
                 <a:extLst>
                   <a:ext uri="{0D108BD9-81ED-4DB2-BD59-A6C34878D82A}">
-                    <a16:rowId xmlns:a16="http://schemas.microsoft.com/office/drawing/2014/main" val="10005"/>
+                    <a16:rowId xmlns:a16="http://schemas.microsoft.com/office/drawing/2014/main" xmlns="" val="10005"/>
                   </a:ext>
                 </a:extLst>
               </a:tr>
@@ -35982,7 +35815,7 @@
                 </a:tc>
                 <a:extLst>
                   <a:ext uri="{0D108BD9-81ED-4DB2-BD59-A6C34878D82A}">
-                    <a16:rowId xmlns:a16="http://schemas.microsoft.com/office/drawing/2014/main" val="10006"/>
+                    <a16:rowId xmlns:a16="http://schemas.microsoft.com/office/drawing/2014/main" xmlns="" val="10006"/>
                   </a:ext>
                 </a:extLst>
               </a:tr>
@@ -36177,7 +36010,7 @@
                 </a:tc>
                 <a:extLst>
                   <a:ext uri="{0D108BD9-81ED-4DB2-BD59-A6C34878D82A}">
-                    <a16:rowId xmlns:a16="http://schemas.microsoft.com/office/drawing/2014/main" val="10007"/>
+                    <a16:rowId xmlns:a16="http://schemas.microsoft.com/office/drawing/2014/main" xmlns="" val="10007"/>
                   </a:ext>
                 </a:extLst>
               </a:tr>
@@ -36400,7 +36233,7 @@
                 </a:tc>
                 <a:extLst>
                   <a:ext uri="{0D108BD9-81ED-4DB2-BD59-A6C34878D82A}">
-                    <a16:rowId xmlns:a16="http://schemas.microsoft.com/office/drawing/2014/main" val="10008"/>
+                    <a16:rowId xmlns:a16="http://schemas.microsoft.com/office/drawing/2014/main" xmlns="" val="10008"/>
                   </a:ext>
                 </a:extLst>
               </a:tr>
@@ -36724,7 +36557,7 @@
                 </a:tc>
                 <a:extLst>
                   <a:ext uri="{0D108BD9-81ED-4DB2-BD59-A6C34878D82A}">
-                    <a16:rowId xmlns:a16="http://schemas.microsoft.com/office/drawing/2014/main" val="10009"/>
+                    <a16:rowId xmlns:a16="http://schemas.microsoft.com/office/drawing/2014/main" xmlns="" val="10009"/>
                   </a:ext>
                 </a:extLst>
               </a:tr>
@@ -36962,7 +36795,7 @@
                 </a:tc>
                 <a:extLst>
                   <a:ext uri="{0D108BD9-81ED-4DB2-BD59-A6C34878D82A}">
-                    <a16:rowId xmlns:a16="http://schemas.microsoft.com/office/drawing/2014/main" val="10010"/>
+                    <a16:rowId xmlns:a16="http://schemas.microsoft.com/office/drawing/2014/main" xmlns="" val="10010"/>
                   </a:ext>
                 </a:extLst>
               </a:tr>
@@ -37200,7 +37033,7 @@
                 </a:tc>
                 <a:extLst>
                   <a:ext uri="{0D108BD9-81ED-4DB2-BD59-A6C34878D82A}">
-                    <a16:rowId xmlns:a16="http://schemas.microsoft.com/office/drawing/2014/main" val="10011"/>
+                    <a16:rowId xmlns:a16="http://schemas.microsoft.com/office/drawing/2014/main" xmlns="" val="10011"/>
                   </a:ext>
                 </a:extLst>
               </a:tr>
@@ -37481,7 +37314,7 @@
                 </a:tc>
                 <a:extLst>
                   <a:ext uri="{0D108BD9-81ED-4DB2-BD59-A6C34878D82A}">
-                    <a16:rowId xmlns:a16="http://schemas.microsoft.com/office/drawing/2014/main" val="10012"/>
+                    <a16:rowId xmlns:a16="http://schemas.microsoft.com/office/drawing/2014/main" xmlns="" val="10012"/>
                   </a:ext>
                 </a:extLst>
               </a:tr>
@@ -37676,7 +37509,7 @@
                 </a:tc>
                 <a:extLst>
                   <a:ext uri="{0D108BD9-81ED-4DB2-BD59-A6C34878D82A}">
-                    <a16:rowId xmlns:a16="http://schemas.microsoft.com/office/drawing/2014/main" val="10013"/>
+                    <a16:rowId xmlns:a16="http://schemas.microsoft.com/office/drawing/2014/main" xmlns="" val="10013"/>
                   </a:ext>
                 </a:extLst>
               </a:tr>
@@ -38084,7 +37917,7 @@
                 </a:tc>
                 <a:extLst>
                   <a:ext uri="{0D108BD9-81ED-4DB2-BD59-A6C34878D82A}">
-                    <a16:rowId xmlns:a16="http://schemas.microsoft.com/office/drawing/2014/main" val="10014"/>
+                    <a16:rowId xmlns:a16="http://schemas.microsoft.com/office/drawing/2014/main" xmlns="" val="10014"/>
                   </a:ext>
                 </a:extLst>
               </a:tr>
